--- a/v6/figs/test-data-1.pptx
+++ b/v6/figs/test-data-1.pptx
@@ -6,6 +6,7 @@
   </p:sldMasterIdLst>
   <p:sldIdLst>
     <p:sldId id="256" r:id="rId2"/>
+    <p:sldId id="257" r:id="rId3"/>
   </p:sldIdLst>
   <p:sldSz cx="12192000" cy="6858000"/>
   <p:notesSz cx="6858000" cy="9144000"/>
@@ -104,6 +105,11 @@
       </a:defRPr>
     </a:lvl9pPr>
   </p:defaultTextStyle>
+  <p:extLst>
+    <p:ext uri="{EFAFB233-063F-42B5-8137-9DF3F51BA10A}">
+      <p15:sldGuideLst xmlns:p15="http://schemas.microsoft.com/office/powerpoint/2012/main"/>
+    </p:ext>
+  </p:extLst>
 </p:presentation>
 </file>
 
@@ -254,7 +260,7 @@
           <a:p>
             <a:fld id="{61B16F4C-C331-6548-96FB-81D0C6C1BA52}" type="datetimeFigureOut">
               <a:rPr lang="en-US" smtClean="0"/>
-              <a:t>1/14/20</a:t>
+              <a:t>1/15/20</a:t>
             </a:fld>
             <a:endParaRPr lang="en-US"/>
           </a:p>
@@ -452,7 +458,7 @@
           <a:p>
             <a:fld id="{61B16F4C-C331-6548-96FB-81D0C6C1BA52}" type="datetimeFigureOut">
               <a:rPr lang="en-US" smtClean="0"/>
-              <a:t>1/14/20</a:t>
+              <a:t>1/15/20</a:t>
             </a:fld>
             <a:endParaRPr lang="en-US"/>
           </a:p>
@@ -660,7 +666,7 @@
           <a:p>
             <a:fld id="{61B16F4C-C331-6548-96FB-81D0C6C1BA52}" type="datetimeFigureOut">
               <a:rPr lang="en-US" smtClean="0"/>
-              <a:t>1/14/20</a:t>
+              <a:t>1/15/20</a:t>
             </a:fld>
             <a:endParaRPr lang="en-US"/>
           </a:p>
@@ -858,7 +864,7 @@
           <a:p>
             <a:fld id="{61B16F4C-C331-6548-96FB-81D0C6C1BA52}" type="datetimeFigureOut">
               <a:rPr lang="en-US" smtClean="0"/>
-              <a:t>1/14/20</a:t>
+              <a:t>1/15/20</a:t>
             </a:fld>
             <a:endParaRPr lang="en-US"/>
           </a:p>
@@ -1133,7 +1139,7 @@
           <a:p>
             <a:fld id="{61B16F4C-C331-6548-96FB-81D0C6C1BA52}" type="datetimeFigureOut">
               <a:rPr lang="en-US" smtClean="0"/>
-              <a:t>1/14/20</a:t>
+              <a:t>1/15/20</a:t>
             </a:fld>
             <a:endParaRPr lang="en-US"/>
           </a:p>
@@ -1398,7 +1404,7 @@
           <a:p>
             <a:fld id="{61B16F4C-C331-6548-96FB-81D0C6C1BA52}" type="datetimeFigureOut">
               <a:rPr lang="en-US" smtClean="0"/>
-              <a:t>1/14/20</a:t>
+              <a:t>1/15/20</a:t>
             </a:fld>
             <a:endParaRPr lang="en-US"/>
           </a:p>
@@ -1810,7 +1816,7 @@
           <a:p>
             <a:fld id="{61B16F4C-C331-6548-96FB-81D0C6C1BA52}" type="datetimeFigureOut">
               <a:rPr lang="en-US" smtClean="0"/>
-              <a:t>1/14/20</a:t>
+              <a:t>1/15/20</a:t>
             </a:fld>
             <a:endParaRPr lang="en-US"/>
           </a:p>
@@ -1951,7 +1957,7 @@
           <a:p>
             <a:fld id="{61B16F4C-C331-6548-96FB-81D0C6C1BA52}" type="datetimeFigureOut">
               <a:rPr lang="en-US" smtClean="0"/>
-              <a:t>1/14/20</a:t>
+              <a:t>1/15/20</a:t>
             </a:fld>
             <a:endParaRPr lang="en-US"/>
           </a:p>
@@ -2064,7 +2070,7 @@
           <a:p>
             <a:fld id="{61B16F4C-C331-6548-96FB-81D0C6C1BA52}" type="datetimeFigureOut">
               <a:rPr lang="en-US" smtClean="0"/>
-              <a:t>1/14/20</a:t>
+              <a:t>1/15/20</a:t>
             </a:fld>
             <a:endParaRPr lang="en-US"/>
           </a:p>
@@ -2375,7 +2381,7 @@
           <a:p>
             <a:fld id="{61B16F4C-C331-6548-96FB-81D0C6C1BA52}" type="datetimeFigureOut">
               <a:rPr lang="en-US" smtClean="0"/>
-              <a:t>1/14/20</a:t>
+              <a:t>1/15/20</a:t>
             </a:fld>
             <a:endParaRPr lang="en-US"/>
           </a:p>
@@ -2663,7 +2669,7 @@
           <a:p>
             <a:fld id="{61B16F4C-C331-6548-96FB-81D0C6C1BA52}" type="datetimeFigureOut">
               <a:rPr lang="en-US" smtClean="0"/>
-              <a:t>1/14/20</a:t>
+              <a:t>1/15/20</a:t>
             </a:fld>
             <a:endParaRPr lang="en-US"/>
           </a:p>
@@ -2904,7 +2910,7 @@
           <a:p>
             <a:fld id="{61B16F4C-C331-6548-96FB-81D0C6C1BA52}" type="datetimeFigureOut">
               <a:rPr lang="en-US" smtClean="0"/>
-              <a:t>1/14/20</a:t>
+              <a:t>1/15/20</a:t>
             </a:fld>
             <a:endParaRPr lang="en-US"/>
           </a:p>
@@ -3335,7 +3341,7 @@
         </p:nvSpPr>
         <p:spPr>
           <a:xfrm>
-            <a:off x="2856215" y="1461296"/>
+            <a:off x="2534097" y="1482078"/>
             <a:ext cx="493160" cy="493160"/>
           </a:xfrm>
           <a:prstGeom prst="ellipse">
@@ -3394,7 +3400,7 @@
         </p:nvSpPr>
         <p:spPr>
           <a:xfrm>
-            <a:off x="2856215" y="2219871"/>
+            <a:off x="2534097" y="2240653"/>
             <a:ext cx="493160" cy="493160"/>
           </a:xfrm>
           <a:prstGeom prst="ellipse">
@@ -3453,7 +3459,7 @@
         </p:nvSpPr>
         <p:spPr>
           <a:xfrm>
-            <a:off x="1941815" y="3175369"/>
+            <a:off x="1619697" y="3196151"/>
             <a:ext cx="493160" cy="493160"/>
           </a:xfrm>
           <a:prstGeom prst="ellipse">
@@ -3512,7 +3518,7 @@
         </p:nvSpPr>
         <p:spPr>
           <a:xfrm>
-            <a:off x="3637052" y="3175369"/>
+            <a:off x="3314934" y="3196151"/>
             <a:ext cx="493160" cy="493160"/>
           </a:xfrm>
           <a:prstGeom prst="ellipse">
@@ -3571,7 +3577,7 @@
         </p:nvSpPr>
         <p:spPr>
           <a:xfrm>
-            <a:off x="3637052" y="3955347"/>
+            <a:off x="3314934" y="3976129"/>
             <a:ext cx="493160" cy="493160"/>
           </a:xfrm>
           <a:prstGeom prst="ellipse">
@@ -3630,7 +3636,7 @@
         </p:nvSpPr>
         <p:spPr>
           <a:xfrm>
-            <a:off x="1448655" y="3955347"/>
+            <a:off x="1126537" y="3976129"/>
             <a:ext cx="493160" cy="493160"/>
           </a:xfrm>
           <a:prstGeom prst="ellipse">
@@ -3689,7 +3695,7 @@
         </p:nvSpPr>
         <p:spPr>
           <a:xfrm>
-            <a:off x="2363055" y="3955347"/>
+            <a:off x="2040937" y="3976129"/>
             <a:ext cx="493160" cy="493160"/>
           </a:xfrm>
           <a:prstGeom prst="ellipse">
@@ -3748,7 +3754,7 @@
         </p:nvSpPr>
         <p:spPr>
           <a:xfrm>
-            <a:off x="1448655" y="4910845"/>
+            <a:off x="1126537" y="4931627"/>
             <a:ext cx="493160" cy="493160"/>
           </a:xfrm>
           <a:prstGeom prst="ellipse">
@@ -3807,7 +3813,7 @@
         </p:nvSpPr>
         <p:spPr>
           <a:xfrm>
-            <a:off x="2363055" y="4910845"/>
+            <a:off x="2040937" y="4931627"/>
             <a:ext cx="493160" cy="493160"/>
           </a:xfrm>
           <a:prstGeom prst="ellipse">
@@ -3866,7 +3872,7 @@
         </p:nvSpPr>
         <p:spPr>
           <a:xfrm>
-            <a:off x="3637051" y="4910845"/>
+            <a:off x="3314933" y="4931627"/>
             <a:ext cx="493160" cy="493160"/>
           </a:xfrm>
           <a:prstGeom prst="ellipse">
@@ -3928,7 +3934,7 @@
         </p:nvCxnSpPr>
         <p:spPr>
           <a:xfrm>
-            <a:off x="3883632" y="3668529"/>
+            <a:off x="3561514" y="3689311"/>
             <a:ext cx="0" cy="286818"/>
           </a:xfrm>
           <a:prstGeom prst="straightConnector1">
@@ -3974,7 +3980,7 @@
         </p:nvCxnSpPr>
         <p:spPr>
           <a:xfrm flipH="1">
-            <a:off x="3883631" y="4448507"/>
+            <a:off x="3561513" y="4469289"/>
             <a:ext cx="1" cy="462338"/>
           </a:xfrm>
           <a:prstGeom prst="straightConnector1">
@@ -4020,7 +4026,7 @@
         </p:nvCxnSpPr>
         <p:spPr>
           <a:xfrm>
-            <a:off x="2609635" y="4448507"/>
+            <a:off x="2287517" y="4469289"/>
             <a:ext cx="0" cy="462338"/>
           </a:xfrm>
           <a:prstGeom prst="straightConnector1">
@@ -4066,7 +4072,7 @@
         </p:nvCxnSpPr>
         <p:spPr>
           <a:xfrm>
-            <a:off x="2188395" y="3668529"/>
+            <a:off x="1866277" y="3689311"/>
             <a:ext cx="421240" cy="286818"/>
           </a:xfrm>
           <a:prstGeom prst="straightConnector1">
@@ -4112,7 +4118,7 @@
         </p:nvCxnSpPr>
         <p:spPr>
           <a:xfrm flipH="1">
-            <a:off x="1695235" y="3668529"/>
+            <a:off x="1373117" y="3689311"/>
             <a:ext cx="493160" cy="286818"/>
           </a:xfrm>
           <a:prstGeom prst="straightConnector1">
@@ -4158,7 +4164,7 @@
         </p:nvCxnSpPr>
         <p:spPr>
           <a:xfrm>
-            <a:off x="1695235" y="4448507"/>
+            <a:off x="1373117" y="4469289"/>
             <a:ext cx="0" cy="462338"/>
           </a:xfrm>
           <a:prstGeom prst="straightConnector1">
@@ -4204,7 +4210,7 @@
         </p:nvCxnSpPr>
         <p:spPr>
           <a:xfrm>
-            <a:off x="3102795" y="1954456"/>
+            <a:off x="2780677" y="1975238"/>
             <a:ext cx="0" cy="265415"/>
           </a:xfrm>
           <a:prstGeom prst="straightConnector1">
@@ -4250,7 +4256,7 @@
         </p:nvCxnSpPr>
         <p:spPr>
           <a:xfrm>
-            <a:off x="3102795" y="2713031"/>
+            <a:off x="2780677" y="2733813"/>
             <a:ext cx="780837" cy="462338"/>
           </a:xfrm>
           <a:prstGeom prst="straightConnector1">
@@ -4296,7 +4302,7 @@
         </p:nvCxnSpPr>
         <p:spPr>
           <a:xfrm flipH="1">
-            <a:off x="2188395" y="2713031"/>
+            <a:off x="1866277" y="2733813"/>
             <a:ext cx="914400" cy="462338"/>
           </a:xfrm>
           <a:prstGeom prst="straightConnector1">
@@ -4340,7 +4346,7 @@
         </p:nvCxnSpPr>
         <p:spPr>
           <a:xfrm>
-            <a:off x="1089062" y="2889405"/>
+            <a:off x="766944" y="2910187"/>
             <a:ext cx="3493213" cy="0"/>
           </a:xfrm>
           <a:prstGeom prst="line">
@@ -4381,7 +4387,7 @@
         </p:nvCxnSpPr>
         <p:spPr>
           <a:xfrm>
-            <a:off x="1089062" y="4624026"/>
+            <a:off x="766944" y="4644808"/>
             <a:ext cx="3493213" cy="0"/>
           </a:xfrm>
           <a:prstGeom prst="line">
@@ -4422,7 +4428,7 @@
         </p:nvCxnSpPr>
         <p:spPr>
           <a:xfrm>
-            <a:off x="3102795" y="2889405"/>
+            <a:off x="2780677" y="2910187"/>
             <a:ext cx="0" cy="2671281"/>
           </a:xfrm>
           <a:prstGeom prst="line">
@@ -4463,7 +4469,7 @@
         </p:nvCxnSpPr>
         <p:spPr>
           <a:xfrm>
-            <a:off x="2114766" y="4647144"/>
+            <a:off x="1792648" y="4667926"/>
             <a:ext cx="0" cy="913542"/>
           </a:xfrm>
           <a:prstGeom prst="line">
@@ -4502,7 +4508,7 @@
         </p:nvSpPr>
         <p:spPr>
           <a:xfrm>
-            <a:off x="1089062" y="1461295"/>
+            <a:off x="766944" y="1482077"/>
             <a:ext cx="976549" cy="338554"/>
           </a:xfrm>
           <a:prstGeom prst="rect">
@@ -4541,7 +4547,7 @@
         </p:nvSpPr>
         <p:spPr>
           <a:xfrm>
-            <a:off x="1045114" y="2966282"/>
+            <a:off x="722996" y="2987064"/>
             <a:ext cx="679994" cy="338554"/>
           </a:xfrm>
           <a:prstGeom prst="rect">
@@ -4580,7 +4586,7 @@
         </p:nvSpPr>
         <p:spPr>
           <a:xfrm>
-            <a:off x="4176193" y="2966282"/>
+            <a:off x="3854075" y="2987064"/>
             <a:ext cx="679994" cy="338554"/>
           </a:xfrm>
           <a:prstGeom prst="rect">
@@ -4619,7 +4625,7 @@
         </p:nvSpPr>
         <p:spPr>
           <a:xfrm>
-            <a:off x="1045595" y="4637233"/>
+            <a:off x="723477" y="4658015"/>
             <a:ext cx="383438" cy="338554"/>
           </a:xfrm>
           <a:prstGeom prst="rect">
@@ -4658,7 +4664,7 @@
         </p:nvSpPr>
         <p:spPr>
           <a:xfrm>
-            <a:off x="2141634" y="4647144"/>
+            <a:off x="1819516" y="4667926"/>
             <a:ext cx="383438" cy="338554"/>
           </a:xfrm>
           <a:prstGeom prst="rect">
@@ -4697,7 +4703,7 @@
         </p:nvSpPr>
         <p:spPr>
           <a:xfrm>
-            <a:off x="3148304" y="4635401"/>
+            <a:off x="2826186" y="4656183"/>
             <a:ext cx="383438" cy="338554"/>
           </a:xfrm>
           <a:prstGeom prst="rect">
@@ -4737,7 +4743,7 @@
           <p:nvPr>
             <p:extLst>
               <p:ext uri="{D42A27DB-BD31-4B8C-83A1-F6EECF244321}">
-                <p14:modId xmlns:p14="http://schemas.microsoft.com/office/powerpoint/2010/main" val="1756307412"/>
+                <p14:modId xmlns:p14="http://schemas.microsoft.com/office/powerpoint/2010/main" val="2414483471"/>
               </p:ext>
             </p:extLst>
           </p:nvPr>
@@ -4959,7 +4965,7 @@
                       <a:pPr algn="ctr"/>
                       <a:r>
                         <a:rPr lang="en-US" dirty="0"/>
-                        <a:t>0.85</a:t>
+                        <a:t>0.82</a:t>
                       </a:r>
                     </a:p>
                   </a:txBody>
@@ -5479,8 +5485,8 @@
           </a:graphicData>
         </a:graphic>
       </p:graphicFrame>
-      <mc:AlternateContent xmlns:mc="http://schemas.openxmlformats.org/markup-compatibility/2006">
-        <mc:Choice xmlns:a14="http://schemas.microsoft.com/office/drawing/2010/main" Requires="a14">
+      <mc:AlternateContent xmlns:mc="http://schemas.openxmlformats.org/markup-compatibility/2006" xmlns:a14="http://schemas.microsoft.com/office/drawing/2010/main">
+        <mc:Choice Requires="a14">
           <p:sp>
             <p:nvSpPr>
               <p:cNvPr id="67" name="TextBox 66">
@@ -5531,7 +5537,7 @@
             </p:txBody>
           </p:sp>
         </mc:Choice>
-        <mc:Fallback>
+        <mc:Fallback xmlns="">
           <p:sp>
             <p:nvSpPr>
               <p:cNvPr id="67" name="TextBox 66">
@@ -5576,10 +5582,1576 @@
           </p:sp>
         </mc:Fallback>
       </mc:AlternateContent>
+      <p:sp>
+        <p:nvSpPr>
+          <p:cNvPr id="2" name="TextBox 1">
+            <a:extLst>
+              <a:ext uri="{FF2B5EF4-FFF2-40B4-BE49-F238E27FC236}">
+                <a16:creationId xmlns:a16="http://schemas.microsoft.com/office/drawing/2014/main" id="{73C08416-EB80-C540-8B6D-DDAD41068257}"/>
+              </a:ext>
+            </a:extLst>
+          </p:cNvPr>
+          <p:cNvSpPr txBox="1"/>
+          <p:nvPr/>
+        </p:nvSpPr>
+        <p:spPr>
+          <a:xfrm>
+            <a:off x="5822334" y="6152409"/>
+            <a:ext cx="4736040" cy="369332"/>
+          </a:xfrm>
+          <a:prstGeom prst="rect">
+            <a:avLst/>
+          </a:prstGeom>
+          <a:noFill/>
+        </p:spPr>
+        <p:txBody>
+          <a:bodyPr wrap="none" rtlCol="0">
+            <a:spAutoFit/>
+          </a:bodyPr>
+          <a:lstStyle/>
+          <a:p>
+            <a:r>
+              <a:rPr lang="en-US" dirty="0"/>
+              <a:t>Simulated data: 100 variants total, 10 per cluster</a:t>
+            </a:r>
+          </a:p>
+        </p:txBody>
+      </p:sp>
     </p:spTree>
     <p:extLst>
       <p:ext uri="{BB962C8B-B14F-4D97-AF65-F5344CB8AC3E}">
         <p14:creationId xmlns:p14="http://schemas.microsoft.com/office/powerpoint/2010/main" val="2665743579"/>
+      </p:ext>
+    </p:extLst>
+  </p:cSld>
+  <p:clrMapOvr>
+    <a:masterClrMapping/>
+  </p:clrMapOvr>
+</p:sld>
+</file>
+
+<file path=ppt/slides/slide2.xml><?xml version="1.0" encoding="utf-8"?>
+<p:sld xmlns:a="http://schemas.openxmlformats.org/drawingml/2006/main" xmlns:r="http://schemas.openxmlformats.org/officeDocument/2006/relationships" xmlns:p="http://schemas.openxmlformats.org/presentationml/2006/main">
+  <p:cSld>
+    <p:spTree>
+      <p:nvGrpSpPr>
+        <p:cNvPr id="1" name=""/>
+        <p:cNvGrpSpPr/>
+        <p:nvPr/>
+      </p:nvGrpSpPr>
+      <p:grpSpPr>
+        <a:xfrm>
+          <a:off x="0" y="0"/>
+          <a:ext cx="0" cy="0"/>
+          <a:chOff x="0" y="0"/>
+          <a:chExt cx="0" cy="0"/>
+        </a:xfrm>
+      </p:grpSpPr>
+      <p:pic>
+        <p:nvPicPr>
+          <p:cNvPr id="2" name="Picture 1">
+            <a:extLst>
+              <a:ext uri="{FF2B5EF4-FFF2-40B4-BE49-F238E27FC236}">
+                <a16:creationId xmlns:a16="http://schemas.microsoft.com/office/drawing/2014/main" id="{16878474-67E9-C441-8B7C-BA6FCBB0F528}"/>
+              </a:ext>
+            </a:extLst>
+          </p:cNvPr>
+          <p:cNvPicPr>
+            <a:picLocks noChangeAspect="1"/>
+          </p:cNvPicPr>
+          <p:nvPr/>
+        </p:nvPicPr>
+        <p:blipFill>
+          <a:blip r:embed="rId2"/>
+          <a:stretch>
+            <a:fillRect/>
+          </a:stretch>
+        </p:blipFill>
+        <p:spPr>
+          <a:xfrm>
+            <a:off x="4934164" y="987713"/>
+            <a:ext cx="7263206" cy="4882573"/>
+          </a:xfrm>
+          <a:prstGeom prst="rect">
+            <a:avLst/>
+          </a:prstGeom>
+        </p:spPr>
+      </p:pic>
+      <p:sp>
+        <p:nvSpPr>
+          <p:cNvPr id="32" name="Oval 31">
+            <a:extLst>
+              <a:ext uri="{FF2B5EF4-FFF2-40B4-BE49-F238E27FC236}">
+                <a16:creationId xmlns:a16="http://schemas.microsoft.com/office/drawing/2014/main" id="{76AAB362-BB57-964F-BE7E-DCC3214D8B9E}"/>
+              </a:ext>
+            </a:extLst>
+          </p:cNvPr>
+          <p:cNvSpPr/>
+          <p:nvPr/>
+        </p:nvSpPr>
+        <p:spPr>
+          <a:xfrm>
+            <a:off x="2534097" y="1482078"/>
+            <a:ext cx="493160" cy="493160"/>
+          </a:xfrm>
+          <a:prstGeom prst="ellipse">
+            <a:avLst/>
+          </a:prstGeom>
+          <a:noFill/>
+          <a:ln>
+            <a:solidFill>
+              <a:schemeClr val="tx1"/>
+            </a:solidFill>
+          </a:ln>
+        </p:spPr>
+        <p:style>
+          <a:lnRef idx="2">
+            <a:schemeClr val="accent1">
+              <a:shade val="50000"/>
+            </a:schemeClr>
+          </a:lnRef>
+          <a:fillRef idx="1">
+            <a:schemeClr val="accent1"/>
+          </a:fillRef>
+          <a:effectRef idx="0">
+            <a:schemeClr val="accent1"/>
+          </a:effectRef>
+          <a:fontRef idx="minor">
+            <a:schemeClr val="lt1"/>
+          </a:fontRef>
+        </p:style>
+        <p:txBody>
+          <a:bodyPr rtlCol="0" anchor="ctr"/>
+          <a:lstStyle/>
+          <a:p>
+            <a:pPr algn="ctr"/>
+            <a:r>
+              <a:rPr lang="en-US" dirty="0">
+                <a:solidFill>
+                  <a:schemeClr val="tx1"/>
+                </a:solidFill>
+              </a:rPr>
+              <a:t>1</a:t>
+            </a:r>
+          </a:p>
+        </p:txBody>
+      </p:sp>
+      <p:sp>
+        <p:nvSpPr>
+          <p:cNvPr id="33" name="Oval 32">
+            <a:extLst>
+              <a:ext uri="{FF2B5EF4-FFF2-40B4-BE49-F238E27FC236}">
+                <a16:creationId xmlns:a16="http://schemas.microsoft.com/office/drawing/2014/main" id="{7655B9DE-335F-D34C-BDD6-3F5EB1ECCABC}"/>
+              </a:ext>
+            </a:extLst>
+          </p:cNvPr>
+          <p:cNvSpPr/>
+          <p:nvPr/>
+        </p:nvSpPr>
+        <p:spPr>
+          <a:xfrm>
+            <a:off x="2534097" y="2240653"/>
+            <a:ext cx="493160" cy="493160"/>
+          </a:xfrm>
+          <a:prstGeom prst="ellipse">
+            <a:avLst/>
+          </a:prstGeom>
+          <a:noFill/>
+          <a:ln>
+            <a:solidFill>
+              <a:schemeClr val="tx1"/>
+            </a:solidFill>
+          </a:ln>
+        </p:spPr>
+        <p:style>
+          <a:lnRef idx="2">
+            <a:schemeClr val="accent1">
+              <a:shade val="50000"/>
+            </a:schemeClr>
+          </a:lnRef>
+          <a:fillRef idx="1">
+            <a:schemeClr val="accent1"/>
+          </a:fillRef>
+          <a:effectRef idx="0">
+            <a:schemeClr val="accent1"/>
+          </a:effectRef>
+          <a:fontRef idx="minor">
+            <a:schemeClr val="lt1"/>
+          </a:fontRef>
+        </p:style>
+        <p:txBody>
+          <a:bodyPr rtlCol="0" anchor="ctr"/>
+          <a:lstStyle/>
+          <a:p>
+            <a:pPr algn="ctr"/>
+            <a:r>
+              <a:rPr lang="en-US" dirty="0">
+                <a:solidFill>
+                  <a:schemeClr val="tx1"/>
+                </a:solidFill>
+              </a:rPr>
+              <a:t>2</a:t>
+            </a:r>
+          </a:p>
+        </p:txBody>
+      </p:sp>
+      <p:sp>
+        <p:nvSpPr>
+          <p:cNvPr id="34" name="Oval 33">
+            <a:extLst>
+              <a:ext uri="{FF2B5EF4-FFF2-40B4-BE49-F238E27FC236}">
+                <a16:creationId xmlns:a16="http://schemas.microsoft.com/office/drawing/2014/main" id="{903CD4F1-6ADC-374B-A71B-5B9A284FC46F}"/>
+              </a:ext>
+            </a:extLst>
+          </p:cNvPr>
+          <p:cNvSpPr/>
+          <p:nvPr/>
+        </p:nvSpPr>
+        <p:spPr>
+          <a:xfrm>
+            <a:off x="1619697" y="3196151"/>
+            <a:ext cx="493160" cy="493160"/>
+          </a:xfrm>
+          <a:prstGeom prst="ellipse">
+            <a:avLst/>
+          </a:prstGeom>
+          <a:noFill/>
+          <a:ln>
+            <a:solidFill>
+              <a:schemeClr val="tx1"/>
+            </a:solidFill>
+          </a:ln>
+        </p:spPr>
+        <p:style>
+          <a:lnRef idx="2">
+            <a:schemeClr val="accent1">
+              <a:shade val="50000"/>
+            </a:schemeClr>
+          </a:lnRef>
+          <a:fillRef idx="1">
+            <a:schemeClr val="accent1"/>
+          </a:fillRef>
+          <a:effectRef idx="0">
+            <a:schemeClr val="accent1"/>
+          </a:effectRef>
+          <a:fontRef idx="minor">
+            <a:schemeClr val="lt1"/>
+          </a:fontRef>
+        </p:style>
+        <p:txBody>
+          <a:bodyPr rtlCol="0" anchor="ctr"/>
+          <a:lstStyle/>
+          <a:p>
+            <a:pPr algn="ctr"/>
+            <a:r>
+              <a:rPr lang="en-US" dirty="0">
+                <a:solidFill>
+                  <a:schemeClr val="tx1"/>
+                </a:solidFill>
+              </a:rPr>
+              <a:t>3</a:t>
+            </a:r>
+          </a:p>
+        </p:txBody>
+      </p:sp>
+      <p:sp>
+        <p:nvSpPr>
+          <p:cNvPr id="35" name="Oval 34">
+            <a:extLst>
+              <a:ext uri="{FF2B5EF4-FFF2-40B4-BE49-F238E27FC236}">
+                <a16:creationId xmlns:a16="http://schemas.microsoft.com/office/drawing/2014/main" id="{0DE64844-DF82-5F4B-8930-F9E875C42758}"/>
+              </a:ext>
+            </a:extLst>
+          </p:cNvPr>
+          <p:cNvSpPr/>
+          <p:nvPr/>
+        </p:nvSpPr>
+        <p:spPr>
+          <a:xfrm>
+            <a:off x="3314934" y="3196151"/>
+            <a:ext cx="493160" cy="493160"/>
+          </a:xfrm>
+          <a:prstGeom prst="ellipse">
+            <a:avLst/>
+          </a:prstGeom>
+          <a:noFill/>
+          <a:ln>
+            <a:solidFill>
+              <a:schemeClr val="tx1"/>
+            </a:solidFill>
+          </a:ln>
+        </p:spPr>
+        <p:style>
+          <a:lnRef idx="2">
+            <a:schemeClr val="accent1">
+              <a:shade val="50000"/>
+            </a:schemeClr>
+          </a:lnRef>
+          <a:fillRef idx="1">
+            <a:schemeClr val="accent1"/>
+          </a:fillRef>
+          <a:effectRef idx="0">
+            <a:schemeClr val="accent1"/>
+          </a:effectRef>
+          <a:fontRef idx="minor">
+            <a:schemeClr val="lt1"/>
+          </a:fontRef>
+        </p:style>
+        <p:txBody>
+          <a:bodyPr rtlCol="0" anchor="ctr"/>
+          <a:lstStyle/>
+          <a:p>
+            <a:pPr algn="ctr"/>
+            <a:r>
+              <a:rPr lang="en-US" dirty="0">
+                <a:solidFill>
+                  <a:schemeClr val="tx1"/>
+                </a:solidFill>
+              </a:rPr>
+              <a:t>6</a:t>
+            </a:r>
+          </a:p>
+        </p:txBody>
+      </p:sp>
+      <p:sp>
+        <p:nvSpPr>
+          <p:cNvPr id="36" name="Oval 35">
+            <a:extLst>
+              <a:ext uri="{FF2B5EF4-FFF2-40B4-BE49-F238E27FC236}">
+                <a16:creationId xmlns:a16="http://schemas.microsoft.com/office/drawing/2014/main" id="{FC732AAA-1D7C-FE4C-A4F3-6F49F2B9128B}"/>
+              </a:ext>
+            </a:extLst>
+          </p:cNvPr>
+          <p:cNvSpPr/>
+          <p:nvPr/>
+        </p:nvSpPr>
+        <p:spPr>
+          <a:xfrm>
+            <a:off x="3314934" y="3976129"/>
+            <a:ext cx="493160" cy="493160"/>
+          </a:xfrm>
+          <a:prstGeom prst="ellipse">
+            <a:avLst/>
+          </a:prstGeom>
+          <a:noFill/>
+          <a:ln>
+            <a:solidFill>
+              <a:schemeClr val="tx1"/>
+            </a:solidFill>
+          </a:ln>
+        </p:spPr>
+        <p:style>
+          <a:lnRef idx="2">
+            <a:schemeClr val="accent1">
+              <a:shade val="50000"/>
+            </a:schemeClr>
+          </a:lnRef>
+          <a:fillRef idx="1">
+            <a:schemeClr val="accent1"/>
+          </a:fillRef>
+          <a:effectRef idx="0">
+            <a:schemeClr val="accent1"/>
+          </a:effectRef>
+          <a:fontRef idx="minor">
+            <a:schemeClr val="lt1"/>
+          </a:fontRef>
+        </p:style>
+        <p:txBody>
+          <a:bodyPr rtlCol="0" anchor="ctr"/>
+          <a:lstStyle/>
+          <a:p>
+            <a:pPr algn="ctr"/>
+            <a:r>
+              <a:rPr lang="en-US" dirty="0">
+                <a:solidFill>
+                  <a:schemeClr val="tx1"/>
+                </a:solidFill>
+              </a:rPr>
+              <a:t>7</a:t>
+            </a:r>
+          </a:p>
+        </p:txBody>
+      </p:sp>
+      <p:sp>
+        <p:nvSpPr>
+          <p:cNvPr id="37" name="Oval 36">
+            <a:extLst>
+              <a:ext uri="{FF2B5EF4-FFF2-40B4-BE49-F238E27FC236}">
+                <a16:creationId xmlns:a16="http://schemas.microsoft.com/office/drawing/2014/main" id="{70C22177-D46E-1149-8BDD-48FA0C0AFB3F}"/>
+              </a:ext>
+            </a:extLst>
+          </p:cNvPr>
+          <p:cNvSpPr/>
+          <p:nvPr/>
+        </p:nvSpPr>
+        <p:spPr>
+          <a:xfrm>
+            <a:off x="1126537" y="3976129"/>
+            <a:ext cx="493160" cy="493160"/>
+          </a:xfrm>
+          <a:prstGeom prst="ellipse">
+            <a:avLst/>
+          </a:prstGeom>
+          <a:noFill/>
+          <a:ln>
+            <a:solidFill>
+              <a:schemeClr val="tx1"/>
+            </a:solidFill>
+          </a:ln>
+        </p:spPr>
+        <p:style>
+          <a:lnRef idx="2">
+            <a:schemeClr val="accent1">
+              <a:shade val="50000"/>
+            </a:schemeClr>
+          </a:lnRef>
+          <a:fillRef idx="1">
+            <a:schemeClr val="accent1"/>
+          </a:fillRef>
+          <a:effectRef idx="0">
+            <a:schemeClr val="accent1"/>
+          </a:effectRef>
+          <a:fontRef idx="minor">
+            <a:schemeClr val="lt1"/>
+          </a:fontRef>
+        </p:style>
+        <p:txBody>
+          <a:bodyPr rtlCol="0" anchor="ctr"/>
+          <a:lstStyle/>
+          <a:p>
+            <a:pPr algn="ctr"/>
+            <a:r>
+              <a:rPr lang="en-US" dirty="0">
+                <a:solidFill>
+                  <a:schemeClr val="tx1"/>
+                </a:solidFill>
+              </a:rPr>
+              <a:t>4</a:t>
+            </a:r>
+          </a:p>
+        </p:txBody>
+      </p:sp>
+      <p:sp>
+        <p:nvSpPr>
+          <p:cNvPr id="38" name="Oval 37">
+            <a:extLst>
+              <a:ext uri="{FF2B5EF4-FFF2-40B4-BE49-F238E27FC236}">
+                <a16:creationId xmlns:a16="http://schemas.microsoft.com/office/drawing/2014/main" id="{1627EC68-ED1E-CF44-9700-29DDB8674744}"/>
+              </a:ext>
+            </a:extLst>
+          </p:cNvPr>
+          <p:cNvSpPr/>
+          <p:nvPr/>
+        </p:nvSpPr>
+        <p:spPr>
+          <a:xfrm>
+            <a:off x="2040937" y="3976129"/>
+            <a:ext cx="493160" cy="493160"/>
+          </a:xfrm>
+          <a:prstGeom prst="ellipse">
+            <a:avLst/>
+          </a:prstGeom>
+          <a:noFill/>
+          <a:ln>
+            <a:solidFill>
+              <a:schemeClr val="tx1"/>
+            </a:solidFill>
+          </a:ln>
+        </p:spPr>
+        <p:style>
+          <a:lnRef idx="2">
+            <a:schemeClr val="accent1">
+              <a:shade val="50000"/>
+            </a:schemeClr>
+          </a:lnRef>
+          <a:fillRef idx="1">
+            <a:schemeClr val="accent1"/>
+          </a:fillRef>
+          <a:effectRef idx="0">
+            <a:schemeClr val="accent1"/>
+          </a:effectRef>
+          <a:fontRef idx="minor">
+            <a:schemeClr val="lt1"/>
+          </a:fontRef>
+        </p:style>
+        <p:txBody>
+          <a:bodyPr rtlCol="0" anchor="ctr"/>
+          <a:lstStyle/>
+          <a:p>
+            <a:pPr algn="ctr"/>
+            <a:r>
+              <a:rPr lang="en-US" dirty="0">
+                <a:solidFill>
+                  <a:schemeClr val="tx1"/>
+                </a:solidFill>
+              </a:rPr>
+              <a:t>5</a:t>
+            </a:r>
+          </a:p>
+        </p:txBody>
+      </p:sp>
+      <p:sp>
+        <p:nvSpPr>
+          <p:cNvPr id="39" name="Oval 38">
+            <a:extLst>
+              <a:ext uri="{FF2B5EF4-FFF2-40B4-BE49-F238E27FC236}">
+                <a16:creationId xmlns:a16="http://schemas.microsoft.com/office/drawing/2014/main" id="{AD0B9982-444D-3B4B-B14B-998BF829E730}"/>
+              </a:ext>
+            </a:extLst>
+          </p:cNvPr>
+          <p:cNvSpPr/>
+          <p:nvPr/>
+        </p:nvSpPr>
+        <p:spPr>
+          <a:xfrm>
+            <a:off x="1126537" y="4931627"/>
+            <a:ext cx="493160" cy="493160"/>
+          </a:xfrm>
+          <a:prstGeom prst="ellipse">
+            <a:avLst/>
+          </a:prstGeom>
+          <a:noFill/>
+          <a:ln>
+            <a:solidFill>
+              <a:schemeClr val="tx1"/>
+            </a:solidFill>
+          </a:ln>
+        </p:spPr>
+        <p:style>
+          <a:lnRef idx="2">
+            <a:schemeClr val="accent1">
+              <a:shade val="50000"/>
+            </a:schemeClr>
+          </a:lnRef>
+          <a:fillRef idx="1">
+            <a:schemeClr val="accent1"/>
+          </a:fillRef>
+          <a:effectRef idx="0">
+            <a:schemeClr val="accent1"/>
+          </a:effectRef>
+          <a:fontRef idx="minor">
+            <a:schemeClr val="lt1"/>
+          </a:fontRef>
+        </p:style>
+        <p:txBody>
+          <a:bodyPr rtlCol="0" anchor="ctr"/>
+          <a:lstStyle/>
+          <a:p>
+            <a:pPr algn="ctr"/>
+            <a:r>
+              <a:rPr lang="en-US" dirty="0">
+                <a:solidFill>
+                  <a:schemeClr val="tx1"/>
+                </a:solidFill>
+              </a:rPr>
+              <a:t>8</a:t>
+            </a:r>
+          </a:p>
+        </p:txBody>
+      </p:sp>
+      <p:sp>
+        <p:nvSpPr>
+          <p:cNvPr id="40" name="Oval 39">
+            <a:extLst>
+              <a:ext uri="{FF2B5EF4-FFF2-40B4-BE49-F238E27FC236}">
+                <a16:creationId xmlns:a16="http://schemas.microsoft.com/office/drawing/2014/main" id="{6EBF18CB-EF70-7746-82DB-CF95FB5A106A}"/>
+              </a:ext>
+            </a:extLst>
+          </p:cNvPr>
+          <p:cNvSpPr/>
+          <p:nvPr/>
+        </p:nvSpPr>
+        <p:spPr>
+          <a:xfrm>
+            <a:off x="2040937" y="4931627"/>
+            <a:ext cx="493160" cy="493160"/>
+          </a:xfrm>
+          <a:prstGeom prst="ellipse">
+            <a:avLst/>
+          </a:prstGeom>
+          <a:noFill/>
+          <a:ln>
+            <a:solidFill>
+              <a:schemeClr val="tx1"/>
+            </a:solidFill>
+          </a:ln>
+        </p:spPr>
+        <p:style>
+          <a:lnRef idx="2">
+            <a:schemeClr val="accent1">
+              <a:shade val="50000"/>
+            </a:schemeClr>
+          </a:lnRef>
+          <a:fillRef idx="1">
+            <a:schemeClr val="accent1"/>
+          </a:fillRef>
+          <a:effectRef idx="0">
+            <a:schemeClr val="accent1"/>
+          </a:effectRef>
+          <a:fontRef idx="minor">
+            <a:schemeClr val="lt1"/>
+          </a:fontRef>
+        </p:style>
+        <p:txBody>
+          <a:bodyPr rtlCol="0" anchor="ctr"/>
+          <a:lstStyle/>
+          <a:p>
+            <a:pPr algn="ctr"/>
+            <a:r>
+              <a:rPr lang="en-US" dirty="0">
+                <a:solidFill>
+                  <a:schemeClr val="tx1"/>
+                </a:solidFill>
+              </a:rPr>
+              <a:t>9</a:t>
+            </a:r>
+          </a:p>
+        </p:txBody>
+      </p:sp>
+      <p:sp>
+        <p:nvSpPr>
+          <p:cNvPr id="41" name="Oval 40">
+            <a:extLst>
+              <a:ext uri="{FF2B5EF4-FFF2-40B4-BE49-F238E27FC236}">
+                <a16:creationId xmlns:a16="http://schemas.microsoft.com/office/drawing/2014/main" id="{5DD254CB-A2FA-CB4C-B4FB-2E49363FED0D}"/>
+              </a:ext>
+            </a:extLst>
+          </p:cNvPr>
+          <p:cNvSpPr/>
+          <p:nvPr/>
+        </p:nvSpPr>
+        <p:spPr>
+          <a:xfrm>
+            <a:off x="3314933" y="4931627"/>
+            <a:ext cx="493160" cy="493160"/>
+          </a:xfrm>
+          <a:prstGeom prst="ellipse">
+            <a:avLst/>
+          </a:prstGeom>
+          <a:noFill/>
+          <a:ln>
+            <a:solidFill>
+              <a:schemeClr val="tx1"/>
+            </a:solidFill>
+          </a:ln>
+        </p:spPr>
+        <p:style>
+          <a:lnRef idx="2">
+            <a:schemeClr val="accent1">
+              <a:shade val="50000"/>
+            </a:schemeClr>
+          </a:lnRef>
+          <a:fillRef idx="1">
+            <a:schemeClr val="accent1"/>
+          </a:fillRef>
+          <a:effectRef idx="0">
+            <a:schemeClr val="accent1"/>
+          </a:effectRef>
+          <a:fontRef idx="minor">
+            <a:schemeClr val="lt1"/>
+          </a:fontRef>
+        </p:style>
+        <p:txBody>
+          <a:bodyPr rtlCol="0" anchor="ctr"/>
+          <a:lstStyle/>
+          <a:p>
+            <a:pPr algn="ctr"/>
+            <a:r>
+              <a:rPr lang="en-US" sz="1200" dirty="0">
+                <a:solidFill>
+                  <a:schemeClr val="tx1"/>
+                </a:solidFill>
+              </a:rPr>
+              <a:t>10</a:t>
+            </a:r>
+          </a:p>
+        </p:txBody>
+      </p:sp>
+      <p:cxnSp>
+        <p:nvCxnSpPr>
+          <p:cNvPr id="42" name="Straight Arrow Connector 41">
+            <a:extLst>
+              <a:ext uri="{FF2B5EF4-FFF2-40B4-BE49-F238E27FC236}">
+                <a16:creationId xmlns:a16="http://schemas.microsoft.com/office/drawing/2014/main" id="{5D377682-BF0E-3849-9862-A34A9122DE7C}"/>
+              </a:ext>
+            </a:extLst>
+          </p:cNvPr>
+          <p:cNvCxnSpPr>
+            <a:stCxn id="35" idx="4"/>
+            <a:endCxn id="36" idx="0"/>
+          </p:cNvCxnSpPr>
+          <p:nvPr/>
+        </p:nvCxnSpPr>
+        <p:spPr>
+          <a:xfrm>
+            <a:off x="3561514" y="3689311"/>
+            <a:ext cx="0" cy="286818"/>
+          </a:xfrm>
+          <a:prstGeom prst="straightConnector1">
+            <a:avLst/>
+          </a:prstGeom>
+          <a:ln>
+            <a:solidFill>
+              <a:schemeClr val="tx1"/>
+            </a:solidFill>
+            <a:tailEnd type="triangle"/>
+          </a:ln>
+        </p:spPr>
+        <p:style>
+          <a:lnRef idx="1">
+            <a:schemeClr val="accent1"/>
+          </a:lnRef>
+          <a:fillRef idx="0">
+            <a:schemeClr val="accent1"/>
+          </a:fillRef>
+          <a:effectRef idx="0">
+            <a:schemeClr val="accent1"/>
+          </a:effectRef>
+          <a:fontRef idx="minor">
+            <a:schemeClr val="tx1"/>
+          </a:fontRef>
+        </p:style>
+      </p:cxnSp>
+      <p:cxnSp>
+        <p:nvCxnSpPr>
+          <p:cNvPr id="43" name="Straight Arrow Connector 42">
+            <a:extLst>
+              <a:ext uri="{FF2B5EF4-FFF2-40B4-BE49-F238E27FC236}">
+                <a16:creationId xmlns:a16="http://schemas.microsoft.com/office/drawing/2014/main" id="{3C2FC4B9-7A23-2B48-9AFA-D27C49B79225}"/>
+              </a:ext>
+            </a:extLst>
+          </p:cNvPr>
+          <p:cNvCxnSpPr>
+            <a:cxnSpLocks/>
+            <a:stCxn id="36" idx="4"/>
+            <a:endCxn id="41" idx="0"/>
+          </p:cNvCxnSpPr>
+          <p:nvPr/>
+        </p:nvCxnSpPr>
+        <p:spPr>
+          <a:xfrm flipH="1">
+            <a:off x="3561513" y="4469289"/>
+            <a:ext cx="1" cy="462338"/>
+          </a:xfrm>
+          <a:prstGeom prst="straightConnector1">
+            <a:avLst/>
+          </a:prstGeom>
+          <a:ln>
+            <a:solidFill>
+              <a:schemeClr val="tx1"/>
+            </a:solidFill>
+            <a:tailEnd type="triangle"/>
+          </a:ln>
+        </p:spPr>
+        <p:style>
+          <a:lnRef idx="1">
+            <a:schemeClr val="accent1"/>
+          </a:lnRef>
+          <a:fillRef idx="0">
+            <a:schemeClr val="accent1"/>
+          </a:fillRef>
+          <a:effectRef idx="0">
+            <a:schemeClr val="accent1"/>
+          </a:effectRef>
+          <a:fontRef idx="minor">
+            <a:schemeClr val="tx1"/>
+          </a:fontRef>
+        </p:style>
+      </p:cxnSp>
+      <p:cxnSp>
+        <p:nvCxnSpPr>
+          <p:cNvPr id="44" name="Straight Arrow Connector 43">
+            <a:extLst>
+              <a:ext uri="{FF2B5EF4-FFF2-40B4-BE49-F238E27FC236}">
+                <a16:creationId xmlns:a16="http://schemas.microsoft.com/office/drawing/2014/main" id="{36CB5BB8-63CB-514C-A0F1-763A0FB2B74E}"/>
+              </a:ext>
+            </a:extLst>
+          </p:cNvPr>
+          <p:cNvCxnSpPr>
+            <a:cxnSpLocks/>
+            <a:stCxn id="38" idx="4"/>
+            <a:endCxn id="40" idx="0"/>
+          </p:cNvCxnSpPr>
+          <p:nvPr/>
+        </p:nvCxnSpPr>
+        <p:spPr>
+          <a:xfrm>
+            <a:off x="2287517" y="4469289"/>
+            <a:ext cx="0" cy="462338"/>
+          </a:xfrm>
+          <a:prstGeom prst="straightConnector1">
+            <a:avLst/>
+          </a:prstGeom>
+          <a:ln>
+            <a:solidFill>
+              <a:schemeClr val="tx1"/>
+            </a:solidFill>
+            <a:tailEnd type="triangle"/>
+          </a:ln>
+        </p:spPr>
+        <p:style>
+          <a:lnRef idx="1">
+            <a:schemeClr val="accent1"/>
+          </a:lnRef>
+          <a:fillRef idx="0">
+            <a:schemeClr val="accent1"/>
+          </a:fillRef>
+          <a:effectRef idx="0">
+            <a:schemeClr val="accent1"/>
+          </a:effectRef>
+          <a:fontRef idx="minor">
+            <a:schemeClr val="tx1"/>
+          </a:fontRef>
+        </p:style>
+      </p:cxnSp>
+      <p:cxnSp>
+        <p:nvCxnSpPr>
+          <p:cNvPr id="45" name="Straight Arrow Connector 44">
+            <a:extLst>
+              <a:ext uri="{FF2B5EF4-FFF2-40B4-BE49-F238E27FC236}">
+                <a16:creationId xmlns:a16="http://schemas.microsoft.com/office/drawing/2014/main" id="{61162574-D778-C545-93F0-66AAA771A921}"/>
+              </a:ext>
+            </a:extLst>
+          </p:cNvPr>
+          <p:cNvCxnSpPr>
+            <a:cxnSpLocks/>
+            <a:stCxn id="34" idx="4"/>
+            <a:endCxn id="38" idx="0"/>
+          </p:cNvCxnSpPr>
+          <p:nvPr/>
+        </p:nvCxnSpPr>
+        <p:spPr>
+          <a:xfrm>
+            <a:off x="1866277" y="3689311"/>
+            <a:ext cx="421240" cy="286818"/>
+          </a:xfrm>
+          <a:prstGeom prst="straightConnector1">
+            <a:avLst/>
+          </a:prstGeom>
+          <a:ln>
+            <a:solidFill>
+              <a:schemeClr val="tx1"/>
+            </a:solidFill>
+            <a:tailEnd type="triangle"/>
+          </a:ln>
+        </p:spPr>
+        <p:style>
+          <a:lnRef idx="1">
+            <a:schemeClr val="accent1"/>
+          </a:lnRef>
+          <a:fillRef idx="0">
+            <a:schemeClr val="accent1"/>
+          </a:fillRef>
+          <a:effectRef idx="0">
+            <a:schemeClr val="accent1"/>
+          </a:effectRef>
+          <a:fontRef idx="minor">
+            <a:schemeClr val="tx1"/>
+          </a:fontRef>
+        </p:style>
+      </p:cxnSp>
+      <p:cxnSp>
+        <p:nvCxnSpPr>
+          <p:cNvPr id="46" name="Straight Arrow Connector 45">
+            <a:extLst>
+              <a:ext uri="{FF2B5EF4-FFF2-40B4-BE49-F238E27FC236}">
+                <a16:creationId xmlns:a16="http://schemas.microsoft.com/office/drawing/2014/main" id="{1FCBC232-D0C0-6B42-97BB-515250AE6138}"/>
+              </a:ext>
+            </a:extLst>
+          </p:cNvPr>
+          <p:cNvCxnSpPr>
+            <a:cxnSpLocks/>
+            <a:stCxn id="34" idx="4"/>
+            <a:endCxn id="37" idx="0"/>
+          </p:cNvCxnSpPr>
+          <p:nvPr/>
+        </p:nvCxnSpPr>
+        <p:spPr>
+          <a:xfrm flipH="1">
+            <a:off x="1373117" y="3689311"/>
+            <a:ext cx="493160" cy="286818"/>
+          </a:xfrm>
+          <a:prstGeom prst="straightConnector1">
+            <a:avLst/>
+          </a:prstGeom>
+          <a:ln>
+            <a:solidFill>
+              <a:schemeClr val="tx1"/>
+            </a:solidFill>
+            <a:tailEnd type="triangle"/>
+          </a:ln>
+        </p:spPr>
+        <p:style>
+          <a:lnRef idx="1">
+            <a:schemeClr val="accent1"/>
+          </a:lnRef>
+          <a:fillRef idx="0">
+            <a:schemeClr val="accent1"/>
+          </a:fillRef>
+          <a:effectRef idx="0">
+            <a:schemeClr val="accent1"/>
+          </a:effectRef>
+          <a:fontRef idx="minor">
+            <a:schemeClr val="tx1"/>
+          </a:fontRef>
+        </p:style>
+      </p:cxnSp>
+      <p:cxnSp>
+        <p:nvCxnSpPr>
+          <p:cNvPr id="47" name="Straight Arrow Connector 46">
+            <a:extLst>
+              <a:ext uri="{FF2B5EF4-FFF2-40B4-BE49-F238E27FC236}">
+                <a16:creationId xmlns:a16="http://schemas.microsoft.com/office/drawing/2014/main" id="{A1415F2B-99FF-AC4C-AEE7-D0CEBF63F70F}"/>
+              </a:ext>
+            </a:extLst>
+          </p:cNvPr>
+          <p:cNvCxnSpPr>
+            <a:cxnSpLocks/>
+            <a:stCxn id="37" idx="4"/>
+            <a:endCxn id="39" idx="0"/>
+          </p:cNvCxnSpPr>
+          <p:nvPr/>
+        </p:nvCxnSpPr>
+        <p:spPr>
+          <a:xfrm>
+            <a:off x="1373117" y="4469289"/>
+            <a:ext cx="0" cy="462338"/>
+          </a:xfrm>
+          <a:prstGeom prst="straightConnector1">
+            <a:avLst/>
+          </a:prstGeom>
+          <a:ln>
+            <a:solidFill>
+              <a:schemeClr val="tx1"/>
+            </a:solidFill>
+            <a:tailEnd type="triangle"/>
+          </a:ln>
+        </p:spPr>
+        <p:style>
+          <a:lnRef idx="1">
+            <a:schemeClr val="accent1"/>
+          </a:lnRef>
+          <a:fillRef idx="0">
+            <a:schemeClr val="accent1"/>
+          </a:fillRef>
+          <a:effectRef idx="0">
+            <a:schemeClr val="accent1"/>
+          </a:effectRef>
+          <a:fontRef idx="minor">
+            <a:schemeClr val="tx1"/>
+          </a:fontRef>
+        </p:style>
+      </p:cxnSp>
+      <p:cxnSp>
+        <p:nvCxnSpPr>
+          <p:cNvPr id="48" name="Straight Arrow Connector 47">
+            <a:extLst>
+              <a:ext uri="{FF2B5EF4-FFF2-40B4-BE49-F238E27FC236}">
+                <a16:creationId xmlns:a16="http://schemas.microsoft.com/office/drawing/2014/main" id="{0F112471-FB24-EC40-9576-2C9D7CBBA525}"/>
+              </a:ext>
+            </a:extLst>
+          </p:cNvPr>
+          <p:cNvCxnSpPr>
+            <a:cxnSpLocks/>
+            <a:stCxn id="32" idx="4"/>
+            <a:endCxn id="33" idx="0"/>
+          </p:cNvCxnSpPr>
+          <p:nvPr/>
+        </p:nvCxnSpPr>
+        <p:spPr>
+          <a:xfrm>
+            <a:off x="2780677" y="1975238"/>
+            <a:ext cx="0" cy="265415"/>
+          </a:xfrm>
+          <a:prstGeom prst="straightConnector1">
+            <a:avLst/>
+          </a:prstGeom>
+          <a:ln>
+            <a:solidFill>
+              <a:schemeClr val="tx1"/>
+            </a:solidFill>
+            <a:tailEnd type="triangle"/>
+          </a:ln>
+        </p:spPr>
+        <p:style>
+          <a:lnRef idx="1">
+            <a:schemeClr val="accent1"/>
+          </a:lnRef>
+          <a:fillRef idx="0">
+            <a:schemeClr val="accent1"/>
+          </a:fillRef>
+          <a:effectRef idx="0">
+            <a:schemeClr val="accent1"/>
+          </a:effectRef>
+          <a:fontRef idx="minor">
+            <a:schemeClr val="tx1"/>
+          </a:fontRef>
+        </p:style>
+      </p:cxnSp>
+      <p:cxnSp>
+        <p:nvCxnSpPr>
+          <p:cNvPr id="49" name="Straight Arrow Connector 48">
+            <a:extLst>
+              <a:ext uri="{FF2B5EF4-FFF2-40B4-BE49-F238E27FC236}">
+                <a16:creationId xmlns:a16="http://schemas.microsoft.com/office/drawing/2014/main" id="{0A9DFB7D-5BD8-D34E-8E6F-DEF553AA9D5B}"/>
+              </a:ext>
+            </a:extLst>
+          </p:cNvPr>
+          <p:cNvCxnSpPr>
+            <a:cxnSpLocks/>
+            <a:stCxn id="33" idx="4"/>
+            <a:endCxn id="35" idx="0"/>
+          </p:cNvCxnSpPr>
+          <p:nvPr/>
+        </p:nvCxnSpPr>
+        <p:spPr>
+          <a:xfrm>
+            <a:off x="2780677" y="2733813"/>
+            <a:ext cx="780837" cy="462338"/>
+          </a:xfrm>
+          <a:prstGeom prst="straightConnector1">
+            <a:avLst/>
+          </a:prstGeom>
+          <a:ln>
+            <a:solidFill>
+              <a:schemeClr val="tx1"/>
+            </a:solidFill>
+            <a:tailEnd type="triangle"/>
+          </a:ln>
+        </p:spPr>
+        <p:style>
+          <a:lnRef idx="1">
+            <a:schemeClr val="accent1"/>
+          </a:lnRef>
+          <a:fillRef idx="0">
+            <a:schemeClr val="accent1"/>
+          </a:fillRef>
+          <a:effectRef idx="0">
+            <a:schemeClr val="accent1"/>
+          </a:effectRef>
+          <a:fontRef idx="minor">
+            <a:schemeClr val="tx1"/>
+          </a:fontRef>
+        </p:style>
+      </p:cxnSp>
+      <p:cxnSp>
+        <p:nvCxnSpPr>
+          <p:cNvPr id="50" name="Straight Arrow Connector 49">
+            <a:extLst>
+              <a:ext uri="{FF2B5EF4-FFF2-40B4-BE49-F238E27FC236}">
+                <a16:creationId xmlns:a16="http://schemas.microsoft.com/office/drawing/2014/main" id="{1C8084B2-183F-5F4D-B95A-76E865E64857}"/>
+              </a:ext>
+            </a:extLst>
+          </p:cNvPr>
+          <p:cNvCxnSpPr>
+            <a:cxnSpLocks/>
+            <a:stCxn id="33" idx="4"/>
+            <a:endCxn id="34" idx="0"/>
+          </p:cNvCxnSpPr>
+          <p:nvPr/>
+        </p:nvCxnSpPr>
+        <p:spPr>
+          <a:xfrm flipH="1">
+            <a:off x="1866277" y="2733813"/>
+            <a:ext cx="914400" cy="462338"/>
+          </a:xfrm>
+          <a:prstGeom prst="straightConnector1">
+            <a:avLst/>
+          </a:prstGeom>
+          <a:ln>
+            <a:solidFill>
+              <a:schemeClr val="tx1"/>
+            </a:solidFill>
+            <a:tailEnd type="triangle"/>
+          </a:ln>
+        </p:spPr>
+        <p:style>
+          <a:lnRef idx="1">
+            <a:schemeClr val="accent1"/>
+          </a:lnRef>
+          <a:fillRef idx="0">
+            <a:schemeClr val="accent1"/>
+          </a:fillRef>
+          <a:effectRef idx="0">
+            <a:schemeClr val="accent1"/>
+          </a:effectRef>
+          <a:fontRef idx="minor">
+            <a:schemeClr val="tx1"/>
+          </a:fontRef>
+        </p:style>
+      </p:cxnSp>
+      <p:cxnSp>
+        <p:nvCxnSpPr>
+          <p:cNvPr id="51" name="Straight Connector 50">
+            <a:extLst>
+              <a:ext uri="{FF2B5EF4-FFF2-40B4-BE49-F238E27FC236}">
+                <a16:creationId xmlns:a16="http://schemas.microsoft.com/office/drawing/2014/main" id="{308E64B6-552E-4F49-8D5E-9EFF019542EB}"/>
+              </a:ext>
+            </a:extLst>
+          </p:cNvPr>
+          <p:cNvCxnSpPr>
+            <a:cxnSpLocks/>
+          </p:cNvCxnSpPr>
+          <p:nvPr/>
+        </p:nvCxnSpPr>
+        <p:spPr>
+          <a:xfrm>
+            <a:off x="766944" y="2910187"/>
+            <a:ext cx="3493213" cy="0"/>
+          </a:xfrm>
+          <a:prstGeom prst="line">
+            <a:avLst/>
+          </a:prstGeom>
+          <a:ln>
+            <a:prstDash val="dash"/>
+          </a:ln>
+        </p:spPr>
+        <p:style>
+          <a:lnRef idx="1">
+            <a:schemeClr val="accent1"/>
+          </a:lnRef>
+          <a:fillRef idx="0">
+            <a:schemeClr val="accent1"/>
+          </a:fillRef>
+          <a:effectRef idx="0">
+            <a:schemeClr val="accent1"/>
+          </a:effectRef>
+          <a:fontRef idx="minor">
+            <a:schemeClr val="tx1"/>
+          </a:fontRef>
+        </p:style>
+      </p:cxnSp>
+      <p:cxnSp>
+        <p:nvCxnSpPr>
+          <p:cNvPr id="52" name="Straight Connector 51">
+            <a:extLst>
+              <a:ext uri="{FF2B5EF4-FFF2-40B4-BE49-F238E27FC236}">
+                <a16:creationId xmlns:a16="http://schemas.microsoft.com/office/drawing/2014/main" id="{B29E0569-1325-C24A-ACAB-15E36E2068E7}"/>
+              </a:ext>
+            </a:extLst>
+          </p:cNvPr>
+          <p:cNvCxnSpPr>
+            <a:cxnSpLocks/>
+          </p:cNvCxnSpPr>
+          <p:nvPr/>
+        </p:nvCxnSpPr>
+        <p:spPr>
+          <a:xfrm>
+            <a:off x="766944" y="4644808"/>
+            <a:ext cx="3493213" cy="0"/>
+          </a:xfrm>
+          <a:prstGeom prst="line">
+            <a:avLst/>
+          </a:prstGeom>
+          <a:ln>
+            <a:prstDash val="dash"/>
+          </a:ln>
+        </p:spPr>
+        <p:style>
+          <a:lnRef idx="1">
+            <a:schemeClr val="accent1"/>
+          </a:lnRef>
+          <a:fillRef idx="0">
+            <a:schemeClr val="accent1"/>
+          </a:fillRef>
+          <a:effectRef idx="0">
+            <a:schemeClr val="accent1"/>
+          </a:effectRef>
+          <a:fontRef idx="minor">
+            <a:schemeClr val="tx1"/>
+          </a:fontRef>
+        </p:style>
+      </p:cxnSp>
+      <p:cxnSp>
+        <p:nvCxnSpPr>
+          <p:cNvPr id="53" name="Straight Connector 52">
+            <a:extLst>
+              <a:ext uri="{FF2B5EF4-FFF2-40B4-BE49-F238E27FC236}">
+                <a16:creationId xmlns:a16="http://schemas.microsoft.com/office/drawing/2014/main" id="{884AE8EE-98E1-724A-ABE8-F9638D8EDC7D}"/>
+              </a:ext>
+            </a:extLst>
+          </p:cNvPr>
+          <p:cNvCxnSpPr>
+            <a:cxnSpLocks/>
+          </p:cNvCxnSpPr>
+          <p:nvPr/>
+        </p:nvCxnSpPr>
+        <p:spPr>
+          <a:xfrm>
+            <a:off x="2780677" y="2910187"/>
+            <a:ext cx="0" cy="2671281"/>
+          </a:xfrm>
+          <a:prstGeom prst="line">
+            <a:avLst/>
+          </a:prstGeom>
+          <a:ln>
+            <a:prstDash val="dash"/>
+          </a:ln>
+        </p:spPr>
+        <p:style>
+          <a:lnRef idx="1">
+            <a:schemeClr val="accent1"/>
+          </a:lnRef>
+          <a:fillRef idx="0">
+            <a:schemeClr val="accent1"/>
+          </a:fillRef>
+          <a:effectRef idx="0">
+            <a:schemeClr val="accent1"/>
+          </a:effectRef>
+          <a:fontRef idx="minor">
+            <a:schemeClr val="tx1"/>
+          </a:fontRef>
+        </p:style>
+      </p:cxnSp>
+      <p:cxnSp>
+        <p:nvCxnSpPr>
+          <p:cNvPr id="54" name="Straight Connector 53">
+            <a:extLst>
+              <a:ext uri="{FF2B5EF4-FFF2-40B4-BE49-F238E27FC236}">
+                <a16:creationId xmlns:a16="http://schemas.microsoft.com/office/drawing/2014/main" id="{A42AFFCF-1C30-1F45-8D19-65070470867B}"/>
+              </a:ext>
+            </a:extLst>
+          </p:cNvPr>
+          <p:cNvCxnSpPr>
+            <a:cxnSpLocks/>
+          </p:cNvCxnSpPr>
+          <p:nvPr/>
+        </p:nvCxnSpPr>
+        <p:spPr>
+          <a:xfrm>
+            <a:off x="1792648" y="4667926"/>
+            <a:ext cx="0" cy="913542"/>
+          </a:xfrm>
+          <a:prstGeom prst="line">
+            <a:avLst/>
+          </a:prstGeom>
+          <a:ln>
+            <a:prstDash val="dash"/>
+          </a:ln>
+        </p:spPr>
+        <p:style>
+          <a:lnRef idx="1">
+            <a:schemeClr val="accent1"/>
+          </a:lnRef>
+          <a:fillRef idx="0">
+            <a:schemeClr val="accent1"/>
+          </a:fillRef>
+          <a:effectRef idx="0">
+            <a:schemeClr val="accent1"/>
+          </a:effectRef>
+          <a:fontRef idx="minor">
+            <a:schemeClr val="tx1"/>
+          </a:fontRef>
+        </p:style>
+      </p:cxnSp>
+      <p:sp>
+        <p:nvSpPr>
+          <p:cNvPr id="55" name="TextBox 54">
+            <a:extLst>
+              <a:ext uri="{FF2B5EF4-FFF2-40B4-BE49-F238E27FC236}">
+                <a16:creationId xmlns:a16="http://schemas.microsoft.com/office/drawing/2014/main" id="{E1876040-B571-CB4F-B928-09755D90573D}"/>
+              </a:ext>
+            </a:extLst>
+          </p:cNvPr>
+          <p:cNvSpPr txBox="1"/>
+          <p:nvPr/>
+        </p:nvSpPr>
+        <p:spPr>
+          <a:xfrm>
+            <a:off x="766944" y="1482077"/>
+            <a:ext cx="976549" cy="338554"/>
+          </a:xfrm>
+          <a:prstGeom prst="rect">
+            <a:avLst/>
+          </a:prstGeom>
+          <a:noFill/>
+        </p:spPr>
+        <p:txBody>
+          <a:bodyPr wrap="none" rtlCol="0">
+            <a:spAutoFit/>
+          </a:bodyPr>
+          <a:lstStyle/>
+          <a:p>
+            <a:r>
+              <a:rPr lang="en-US" sz="1600" dirty="0">
+                <a:solidFill>
+                  <a:schemeClr val="accent1"/>
+                </a:solidFill>
+              </a:rPr>
+              <a:t>S1, S2, S3</a:t>
+            </a:r>
+          </a:p>
+        </p:txBody>
+      </p:sp>
+      <p:sp>
+        <p:nvSpPr>
+          <p:cNvPr id="56" name="TextBox 55">
+            <a:extLst>
+              <a:ext uri="{FF2B5EF4-FFF2-40B4-BE49-F238E27FC236}">
+                <a16:creationId xmlns:a16="http://schemas.microsoft.com/office/drawing/2014/main" id="{15863EAA-7E04-8247-95D5-CD5DAB016B68}"/>
+              </a:ext>
+            </a:extLst>
+          </p:cNvPr>
+          <p:cNvSpPr txBox="1"/>
+          <p:nvPr/>
+        </p:nvSpPr>
+        <p:spPr>
+          <a:xfrm>
+            <a:off x="722996" y="2987064"/>
+            <a:ext cx="679994" cy="338554"/>
+          </a:xfrm>
+          <a:prstGeom prst="rect">
+            <a:avLst/>
+          </a:prstGeom>
+          <a:noFill/>
+        </p:spPr>
+        <p:txBody>
+          <a:bodyPr wrap="none" rtlCol="0">
+            <a:spAutoFit/>
+          </a:bodyPr>
+          <a:lstStyle/>
+          <a:p>
+            <a:r>
+              <a:rPr lang="en-US" sz="1600" dirty="0">
+                <a:solidFill>
+                  <a:schemeClr val="accent1"/>
+                </a:solidFill>
+              </a:rPr>
+              <a:t>S1, S3</a:t>
+            </a:r>
+          </a:p>
+        </p:txBody>
+      </p:sp>
+      <p:sp>
+        <p:nvSpPr>
+          <p:cNvPr id="57" name="TextBox 56">
+            <a:extLst>
+              <a:ext uri="{FF2B5EF4-FFF2-40B4-BE49-F238E27FC236}">
+                <a16:creationId xmlns:a16="http://schemas.microsoft.com/office/drawing/2014/main" id="{5A11814A-5D21-9E40-9CCE-2C7B10863B93}"/>
+              </a:ext>
+            </a:extLst>
+          </p:cNvPr>
+          <p:cNvSpPr txBox="1"/>
+          <p:nvPr/>
+        </p:nvSpPr>
+        <p:spPr>
+          <a:xfrm>
+            <a:off x="3854075" y="2987064"/>
+            <a:ext cx="679994" cy="338554"/>
+          </a:xfrm>
+          <a:prstGeom prst="rect">
+            <a:avLst/>
+          </a:prstGeom>
+          <a:noFill/>
+        </p:spPr>
+        <p:txBody>
+          <a:bodyPr wrap="none" rtlCol="0">
+            <a:spAutoFit/>
+          </a:bodyPr>
+          <a:lstStyle/>
+          <a:p>
+            <a:r>
+              <a:rPr lang="en-US" sz="1600" dirty="0">
+                <a:solidFill>
+                  <a:schemeClr val="accent1"/>
+                </a:solidFill>
+              </a:rPr>
+              <a:t>S1, S2</a:t>
+            </a:r>
+          </a:p>
+        </p:txBody>
+      </p:sp>
+      <p:sp>
+        <p:nvSpPr>
+          <p:cNvPr id="58" name="TextBox 57">
+            <a:extLst>
+              <a:ext uri="{FF2B5EF4-FFF2-40B4-BE49-F238E27FC236}">
+                <a16:creationId xmlns:a16="http://schemas.microsoft.com/office/drawing/2014/main" id="{5E3ECC3F-01D2-0945-AE28-9517F5139D57}"/>
+              </a:ext>
+            </a:extLst>
+          </p:cNvPr>
+          <p:cNvSpPr txBox="1"/>
+          <p:nvPr/>
+        </p:nvSpPr>
+        <p:spPr>
+          <a:xfrm>
+            <a:off x="723477" y="4658015"/>
+            <a:ext cx="383438" cy="338554"/>
+          </a:xfrm>
+          <a:prstGeom prst="rect">
+            <a:avLst/>
+          </a:prstGeom>
+          <a:noFill/>
+        </p:spPr>
+        <p:txBody>
+          <a:bodyPr wrap="none" rtlCol="0">
+            <a:spAutoFit/>
+          </a:bodyPr>
+          <a:lstStyle/>
+          <a:p>
+            <a:r>
+              <a:rPr lang="en-US" sz="1600" dirty="0">
+                <a:solidFill>
+                  <a:schemeClr val="accent1"/>
+                </a:solidFill>
+              </a:rPr>
+              <a:t>S1</a:t>
+            </a:r>
+          </a:p>
+        </p:txBody>
+      </p:sp>
+      <p:sp>
+        <p:nvSpPr>
+          <p:cNvPr id="59" name="TextBox 58">
+            <a:extLst>
+              <a:ext uri="{FF2B5EF4-FFF2-40B4-BE49-F238E27FC236}">
+                <a16:creationId xmlns:a16="http://schemas.microsoft.com/office/drawing/2014/main" id="{D4785CD1-861B-3B41-A6B8-D9BB6F7EA423}"/>
+              </a:ext>
+            </a:extLst>
+          </p:cNvPr>
+          <p:cNvSpPr txBox="1"/>
+          <p:nvPr/>
+        </p:nvSpPr>
+        <p:spPr>
+          <a:xfrm>
+            <a:off x="1819516" y="4667926"/>
+            <a:ext cx="383438" cy="338554"/>
+          </a:xfrm>
+          <a:prstGeom prst="rect">
+            <a:avLst/>
+          </a:prstGeom>
+          <a:noFill/>
+        </p:spPr>
+        <p:txBody>
+          <a:bodyPr wrap="none" rtlCol="0">
+            <a:spAutoFit/>
+          </a:bodyPr>
+          <a:lstStyle/>
+          <a:p>
+            <a:r>
+              <a:rPr lang="en-US" sz="1600" dirty="0">
+                <a:solidFill>
+                  <a:schemeClr val="accent1"/>
+                </a:solidFill>
+              </a:rPr>
+              <a:t>S2</a:t>
+            </a:r>
+          </a:p>
+        </p:txBody>
+      </p:sp>
+      <p:sp>
+        <p:nvSpPr>
+          <p:cNvPr id="60" name="TextBox 59">
+            <a:extLst>
+              <a:ext uri="{FF2B5EF4-FFF2-40B4-BE49-F238E27FC236}">
+                <a16:creationId xmlns:a16="http://schemas.microsoft.com/office/drawing/2014/main" id="{BB0F0D35-AF1C-0341-AE38-7C0900D897DB}"/>
+              </a:ext>
+            </a:extLst>
+          </p:cNvPr>
+          <p:cNvSpPr txBox="1"/>
+          <p:nvPr/>
+        </p:nvSpPr>
+        <p:spPr>
+          <a:xfrm>
+            <a:off x="2826186" y="4656183"/>
+            <a:ext cx="383438" cy="338554"/>
+          </a:xfrm>
+          <a:prstGeom prst="rect">
+            <a:avLst/>
+          </a:prstGeom>
+          <a:noFill/>
+        </p:spPr>
+        <p:txBody>
+          <a:bodyPr wrap="none" rtlCol="0">
+            <a:spAutoFit/>
+          </a:bodyPr>
+          <a:lstStyle/>
+          <a:p>
+            <a:r>
+              <a:rPr lang="en-US" sz="1600" dirty="0">
+                <a:solidFill>
+                  <a:schemeClr val="accent1"/>
+                </a:solidFill>
+              </a:rPr>
+              <a:t>S3</a:t>
+            </a:r>
+          </a:p>
+        </p:txBody>
+      </p:sp>
+      <p:sp>
+        <p:nvSpPr>
+          <p:cNvPr id="61" name="Title 60">
+            <a:extLst>
+              <a:ext uri="{FF2B5EF4-FFF2-40B4-BE49-F238E27FC236}">
+                <a16:creationId xmlns:a16="http://schemas.microsoft.com/office/drawing/2014/main" id="{DADF2D13-A876-6641-BA55-9D7873F9FACF}"/>
+              </a:ext>
+            </a:extLst>
+          </p:cNvPr>
+          <p:cNvSpPr>
+            <a:spLocks noGrp="1"/>
+          </p:cNvSpPr>
+          <p:nvPr>
+            <p:ph type="title"/>
+          </p:nvPr>
+        </p:nvSpPr>
+        <p:spPr>
+          <a:xfrm>
+            <a:off x="722996" y="365125"/>
+            <a:ext cx="10630804" cy="357173"/>
+          </a:xfrm>
+        </p:spPr>
+        <p:txBody>
+          <a:bodyPr>
+            <a:noAutofit/>
+          </a:bodyPr>
+          <a:lstStyle/>
+          <a:p>
+            <a:r>
+              <a:rPr lang="en-US" sz="2400" dirty="0"/>
+              <a:t>Clustering first – not great at discriminating clusters within a box</a:t>
+            </a:r>
+          </a:p>
+        </p:txBody>
+      </p:sp>
+      <p:sp>
+        <p:nvSpPr>
+          <p:cNvPr id="62" name="TextBox 61">
+            <a:extLst>
+              <a:ext uri="{FF2B5EF4-FFF2-40B4-BE49-F238E27FC236}">
+                <a16:creationId xmlns:a16="http://schemas.microsoft.com/office/drawing/2014/main" id="{8E8E8D28-B622-E745-906E-881818BCD69E}"/>
+              </a:ext>
+            </a:extLst>
+          </p:cNvPr>
+          <p:cNvSpPr txBox="1"/>
+          <p:nvPr/>
+        </p:nvSpPr>
+        <p:spPr>
+          <a:xfrm>
+            <a:off x="5822334" y="6152409"/>
+            <a:ext cx="4736040" cy="369332"/>
+          </a:xfrm>
+          <a:prstGeom prst="rect">
+            <a:avLst/>
+          </a:prstGeom>
+          <a:noFill/>
+        </p:spPr>
+        <p:txBody>
+          <a:bodyPr wrap="none" rtlCol="0">
+            <a:spAutoFit/>
+          </a:bodyPr>
+          <a:lstStyle/>
+          <a:p>
+            <a:r>
+              <a:rPr lang="en-US" dirty="0"/>
+              <a:t>Simulated data: 100 variants total, 10 per cluster</a:t>
+            </a:r>
+          </a:p>
+        </p:txBody>
+      </p:sp>
+    </p:spTree>
+    <p:extLst>
+      <p:ext uri="{BB962C8B-B14F-4D97-AF65-F5344CB8AC3E}">
+        <p14:creationId xmlns:p14="http://schemas.microsoft.com/office/powerpoint/2010/main" val="3727010213"/>
       </p:ext>
     </p:extLst>
   </p:cSld>

--- a/v6/figs/test-data-1.pptx
+++ b/v6/figs/test-data-1.pptx
@@ -260,7 +260,7 @@
           <a:p>
             <a:fld id="{61B16F4C-C331-6548-96FB-81D0C6C1BA52}" type="datetimeFigureOut">
               <a:rPr lang="en-US" smtClean="0"/>
-              <a:t>1/15/20</a:t>
+              <a:t>1/20/20</a:t>
             </a:fld>
             <a:endParaRPr lang="en-US"/>
           </a:p>
@@ -458,7 +458,7 @@
           <a:p>
             <a:fld id="{61B16F4C-C331-6548-96FB-81D0C6C1BA52}" type="datetimeFigureOut">
               <a:rPr lang="en-US" smtClean="0"/>
-              <a:t>1/15/20</a:t>
+              <a:t>1/20/20</a:t>
             </a:fld>
             <a:endParaRPr lang="en-US"/>
           </a:p>
@@ -666,7 +666,7 @@
           <a:p>
             <a:fld id="{61B16F4C-C331-6548-96FB-81D0C6C1BA52}" type="datetimeFigureOut">
               <a:rPr lang="en-US" smtClean="0"/>
-              <a:t>1/15/20</a:t>
+              <a:t>1/20/20</a:t>
             </a:fld>
             <a:endParaRPr lang="en-US"/>
           </a:p>
@@ -864,7 +864,7 @@
           <a:p>
             <a:fld id="{61B16F4C-C331-6548-96FB-81D0C6C1BA52}" type="datetimeFigureOut">
               <a:rPr lang="en-US" smtClean="0"/>
-              <a:t>1/15/20</a:t>
+              <a:t>1/20/20</a:t>
             </a:fld>
             <a:endParaRPr lang="en-US"/>
           </a:p>
@@ -1139,7 +1139,7 @@
           <a:p>
             <a:fld id="{61B16F4C-C331-6548-96FB-81D0C6C1BA52}" type="datetimeFigureOut">
               <a:rPr lang="en-US" smtClean="0"/>
-              <a:t>1/15/20</a:t>
+              <a:t>1/20/20</a:t>
             </a:fld>
             <a:endParaRPr lang="en-US"/>
           </a:p>
@@ -1404,7 +1404,7 @@
           <a:p>
             <a:fld id="{61B16F4C-C331-6548-96FB-81D0C6C1BA52}" type="datetimeFigureOut">
               <a:rPr lang="en-US" smtClean="0"/>
-              <a:t>1/15/20</a:t>
+              <a:t>1/20/20</a:t>
             </a:fld>
             <a:endParaRPr lang="en-US"/>
           </a:p>
@@ -1816,7 +1816,7 @@
           <a:p>
             <a:fld id="{61B16F4C-C331-6548-96FB-81D0C6C1BA52}" type="datetimeFigureOut">
               <a:rPr lang="en-US" smtClean="0"/>
-              <a:t>1/15/20</a:t>
+              <a:t>1/20/20</a:t>
             </a:fld>
             <a:endParaRPr lang="en-US"/>
           </a:p>
@@ -1957,7 +1957,7 @@
           <a:p>
             <a:fld id="{61B16F4C-C331-6548-96FB-81D0C6C1BA52}" type="datetimeFigureOut">
               <a:rPr lang="en-US" smtClean="0"/>
-              <a:t>1/15/20</a:t>
+              <a:t>1/20/20</a:t>
             </a:fld>
             <a:endParaRPr lang="en-US"/>
           </a:p>
@@ -2070,7 +2070,7 @@
           <a:p>
             <a:fld id="{61B16F4C-C331-6548-96FB-81D0C6C1BA52}" type="datetimeFigureOut">
               <a:rPr lang="en-US" smtClean="0"/>
-              <a:t>1/15/20</a:t>
+              <a:t>1/20/20</a:t>
             </a:fld>
             <a:endParaRPr lang="en-US"/>
           </a:p>
@@ -2381,7 +2381,7 @@
           <a:p>
             <a:fld id="{61B16F4C-C331-6548-96FB-81D0C6C1BA52}" type="datetimeFigureOut">
               <a:rPr lang="en-US" smtClean="0"/>
-              <a:t>1/15/20</a:t>
+              <a:t>1/20/20</a:t>
             </a:fld>
             <a:endParaRPr lang="en-US"/>
           </a:p>
@@ -2669,7 +2669,7 @@
           <a:p>
             <a:fld id="{61B16F4C-C331-6548-96FB-81D0C6C1BA52}" type="datetimeFigureOut">
               <a:rPr lang="en-US" smtClean="0"/>
-              <a:t>1/15/20</a:t>
+              <a:t>1/20/20</a:t>
             </a:fld>
             <a:endParaRPr lang="en-US"/>
           </a:p>
@@ -2910,7 +2910,7 @@
           <a:p>
             <a:fld id="{61B16F4C-C331-6548-96FB-81D0C6C1BA52}" type="datetimeFigureOut">
               <a:rPr lang="en-US" smtClean="0"/>
-              <a:t>1/15/20</a:t>
+              <a:t>1/20/20</a:t>
             </a:fld>
             <a:endParaRPr lang="en-US"/>
           </a:p>
@@ -5647,12 +5647,1485 @@
           <a:chExt cx="0" cy="0"/>
         </a:xfrm>
       </p:grpSpPr>
+      <p:sp>
+        <p:nvSpPr>
+          <p:cNvPr id="32" name="Oval 31">
+            <a:extLst>
+              <a:ext uri="{FF2B5EF4-FFF2-40B4-BE49-F238E27FC236}">
+                <a16:creationId xmlns:a16="http://schemas.microsoft.com/office/drawing/2014/main" id="{76AAB362-BB57-964F-BE7E-DCC3214D8B9E}"/>
+              </a:ext>
+            </a:extLst>
+          </p:cNvPr>
+          <p:cNvSpPr/>
+          <p:nvPr/>
+        </p:nvSpPr>
+        <p:spPr>
+          <a:xfrm>
+            <a:off x="2534097" y="1482078"/>
+            <a:ext cx="493160" cy="493160"/>
+          </a:xfrm>
+          <a:prstGeom prst="ellipse">
+            <a:avLst/>
+          </a:prstGeom>
+          <a:noFill/>
+          <a:ln>
+            <a:solidFill>
+              <a:schemeClr val="tx1"/>
+            </a:solidFill>
+          </a:ln>
+        </p:spPr>
+        <p:style>
+          <a:lnRef idx="2">
+            <a:schemeClr val="accent1">
+              <a:shade val="50000"/>
+            </a:schemeClr>
+          </a:lnRef>
+          <a:fillRef idx="1">
+            <a:schemeClr val="accent1"/>
+          </a:fillRef>
+          <a:effectRef idx="0">
+            <a:schemeClr val="accent1"/>
+          </a:effectRef>
+          <a:fontRef idx="minor">
+            <a:schemeClr val="lt1"/>
+          </a:fontRef>
+        </p:style>
+        <p:txBody>
+          <a:bodyPr rtlCol="0" anchor="ctr"/>
+          <a:lstStyle/>
+          <a:p>
+            <a:pPr algn="ctr"/>
+            <a:r>
+              <a:rPr lang="en-US" dirty="0">
+                <a:solidFill>
+                  <a:schemeClr val="tx1"/>
+                </a:solidFill>
+              </a:rPr>
+              <a:t>1</a:t>
+            </a:r>
+          </a:p>
+        </p:txBody>
+      </p:sp>
+      <p:sp>
+        <p:nvSpPr>
+          <p:cNvPr id="33" name="Oval 32">
+            <a:extLst>
+              <a:ext uri="{FF2B5EF4-FFF2-40B4-BE49-F238E27FC236}">
+                <a16:creationId xmlns:a16="http://schemas.microsoft.com/office/drawing/2014/main" id="{7655B9DE-335F-D34C-BDD6-3F5EB1ECCABC}"/>
+              </a:ext>
+            </a:extLst>
+          </p:cNvPr>
+          <p:cNvSpPr/>
+          <p:nvPr/>
+        </p:nvSpPr>
+        <p:spPr>
+          <a:xfrm>
+            <a:off x="2534097" y="2240653"/>
+            <a:ext cx="493160" cy="493160"/>
+          </a:xfrm>
+          <a:prstGeom prst="ellipse">
+            <a:avLst/>
+          </a:prstGeom>
+          <a:noFill/>
+          <a:ln>
+            <a:solidFill>
+              <a:schemeClr val="tx1"/>
+            </a:solidFill>
+          </a:ln>
+        </p:spPr>
+        <p:style>
+          <a:lnRef idx="2">
+            <a:schemeClr val="accent1">
+              <a:shade val="50000"/>
+            </a:schemeClr>
+          </a:lnRef>
+          <a:fillRef idx="1">
+            <a:schemeClr val="accent1"/>
+          </a:fillRef>
+          <a:effectRef idx="0">
+            <a:schemeClr val="accent1"/>
+          </a:effectRef>
+          <a:fontRef idx="minor">
+            <a:schemeClr val="lt1"/>
+          </a:fontRef>
+        </p:style>
+        <p:txBody>
+          <a:bodyPr rtlCol="0" anchor="ctr"/>
+          <a:lstStyle/>
+          <a:p>
+            <a:pPr algn="ctr"/>
+            <a:r>
+              <a:rPr lang="en-US" dirty="0">
+                <a:solidFill>
+                  <a:schemeClr val="tx1"/>
+                </a:solidFill>
+              </a:rPr>
+              <a:t>2</a:t>
+            </a:r>
+          </a:p>
+        </p:txBody>
+      </p:sp>
+      <p:sp>
+        <p:nvSpPr>
+          <p:cNvPr id="34" name="Oval 33">
+            <a:extLst>
+              <a:ext uri="{FF2B5EF4-FFF2-40B4-BE49-F238E27FC236}">
+                <a16:creationId xmlns:a16="http://schemas.microsoft.com/office/drawing/2014/main" id="{903CD4F1-6ADC-374B-A71B-5B9A284FC46F}"/>
+              </a:ext>
+            </a:extLst>
+          </p:cNvPr>
+          <p:cNvSpPr/>
+          <p:nvPr/>
+        </p:nvSpPr>
+        <p:spPr>
+          <a:xfrm>
+            <a:off x="1619697" y="3196151"/>
+            <a:ext cx="493160" cy="493160"/>
+          </a:xfrm>
+          <a:prstGeom prst="ellipse">
+            <a:avLst/>
+          </a:prstGeom>
+          <a:noFill/>
+          <a:ln>
+            <a:solidFill>
+              <a:schemeClr val="tx1"/>
+            </a:solidFill>
+          </a:ln>
+        </p:spPr>
+        <p:style>
+          <a:lnRef idx="2">
+            <a:schemeClr val="accent1">
+              <a:shade val="50000"/>
+            </a:schemeClr>
+          </a:lnRef>
+          <a:fillRef idx="1">
+            <a:schemeClr val="accent1"/>
+          </a:fillRef>
+          <a:effectRef idx="0">
+            <a:schemeClr val="accent1"/>
+          </a:effectRef>
+          <a:fontRef idx="minor">
+            <a:schemeClr val="lt1"/>
+          </a:fontRef>
+        </p:style>
+        <p:txBody>
+          <a:bodyPr rtlCol="0" anchor="ctr"/>
+          <a:lstStyle/>
+          <a:p>
+            <a:pPr algn="ctr"/>
+            <a:r>
+              <a:rPr lang="en-US" dirty="0">
+                <a:solidFill>
+                  <a:schemeClr val="tx1"/>
+                </a:solidFill>
+              </a:rPr>
+              <a:t>3</a:t>
+            </a:r>
+          </a:p>
+        </p:txBody>
+      </p:sp>
+      <p:sp>
+        <p:nvSpPr>
+          <p:cNvPr id="35" name="Oval 34">
+            <a:extLst>
+              <a:ext uri="{FF2B5EF4-FFF2-40B4-BE49-F238E27FC236}">
+                <a16:creationId xmlns:a16="http://schemas.microsoft.com/office/drawing/2014/main" id="{0DE64844-DF82-5F4B-8930-F9E875C42758}"/>
+              </a:ext>
+            </a:extLst>
+          </p:cNvPr>
+          <p:cNvSpPr/>
+          <p:nvPr/>
+        </p:nvSpPr>
+        <p:spPr>
+          <a:xfrm>
+            <a:off x="3314934" y="3196151"/>
+            <a:ext cx="493160" cy="493160"/>
+          </a:xfrm>
+          <a:prstGeom prst="ellipse">
+            <a:avLst/>
+          </a:prstGeom>
+          <a:noFill/>
+          <a:ln>
+            <a:solidFill>
+              <a:schemeClr val="tx1"/>
+            </a:solidFill>
+          </a:ln>
+        </p:spPr>
+        <p:style>
+          <a:lnRef idx="2">
+            <a:schemeClr val="accent1">
+              <a:shade val="50000"/>
+            </a:schemeClr>
+          </a:lnRef>
+          <a:fillRef idx="1">
+            <a:schemeClr val="accent1"/>
+          </a:fillRef>
+          <a:effectRef idx="0">
+            <a:schemeClr val="accent1"/>
+          </a:effectRef>
+          <a:fontRef idx="minor">
+            <a:schemeClr val="lt1"/>
+          </a:fontRef>
+        </p:style>
+        <p:txBody>
+          <a:bodyPr rtlCol="0" anchor="ctr"/>
+          <a:lstStyle/>
+          <a:p>
+            <a:pPr algn="ctr"/>
+            <a:r>
+              <a:rPr lang="en-US" dirty="0">
+                <a:solidFill>
+                  <a:schemeClr val="tx1"/>
+                </a:solidFill>
+              </a:rPr>
+              <a:t>6</a:t>
+            </a:r>
+          </a:p>
+        </p:txBody>
+      </p:sp>
+      <p:sp>
+        <p:nvSpPr>
+          <p:cNvPr id="36" name="Oval 35">
+            <a:extLst>
+              <a:ext uri="{FF2B5EF4-FFF2-40B4-BE49-F238E27FC236}">
+                <a16:creationId xmlns:a16="http://schemas.microsoft.com/office/drawing/2014/main" id="{FC732AAA-1D7C-FE4C-A4F3-6F49F2B9128B}"/>
+              </a:ext>
+            </a:extLst>
+          </p:cNvPr>
+          <p:cNvSpPr/>
+          <p:nvPr/>
+        </p:nvSpPr>
+        <p:spPr>
+          <a:xfrm>
+            <a:off x="3314934" y="3976129"/>
+            <a:ext cx="493160" cy="493160"/>
+          </a:xfrm>
+          <a:prstGeom prst="ellipse">
+            <a:avLst/>
+          </a:prstGeom>
+          <a:noFill/>
+          <a:ln>
+            <a:solidFill>
+              <a:schemeClr val="tx1"/>
+            </a:solidFill>
+          </a:ln>
+        </p:spPr>
+        <p:style>
+          <a:lnRef idx="2">
+            <a:schemeClr val="accent1">
+              <a:shade val="50000"/>
+            </a:schemeClr>
+          </a:lnRef>
+          <a:fillRef idx="1">
+            <a:schemeClr val="accent1"/>
+          </a:fillRef>
+          <a:effectRef idx="0">
+            <a:schemeClr val="accent1"/>
+          </a:effectRef>
+          <a:fontRef idx="minor">
+            <a:schemeClr val="lt1"/>
+          </a:fontRef>
+        </p:style>
+        <p:txBody>
+          <a:bodyPr rtlCol="0" anchor="ctr"/>
+          <a:lstStyle/>
+          <a:p>
+            <a:pPr algn="ctr"/>
+            <a:r>
+              <a:rPr lang="en-US" dirty="0">
+                <a:solidFill>
+                  <a:schemeClr val="tx1"/>
+                </a:solidFill>
+              </a:rPr>
+              <a:t>7</a:t>
+            </a:r>
+          </a:p>
+        </p:txBody>
+      </p:sp>
+      <p:sp>
+        <p:nvSpPr>
+          <p:cNvPr id="37" name="Oval 36">
+            <a:extLst>
+              <a:ext uri="{FF2B5EF4-FFF2-40B4-BE49-F238E27FC236}">
+                <a16:creationId xmlns:a16="http://schemas.microsoft.com/office/drawing/2014/main" id="{70C22177-D46E-1149-8BDD-48FA0C0AFB3F}"/>
+              </a:ext>
+            </a:extLst>
+          </p:cNvPr>
+          <p:cNvSpPr/>
+          <p:nvPr/>
+        </p:nvSpPr>
+        <p:spPr>
+          <a:xfrm>
+            <a:off x="1126537" y="3976129"/>
+            <a:ext cx="493160" cy="493160"/>
+          </a:xfrm>
+          <a:prstGeom prst="ellipse">
+            <a:avLst/>
+          </a:prstGeom>
+          <a:noFill/>
+          <a:ln>
+            <a:solidFill>
+              <a:schemeClr val="tx1"/>
+            </a:solidFill>
+          </a:ln>
+        </p:spPr>
+        <p:style>
+          <a:lnRef idx="2">
+            <a:schemeClr val="accent1">
+              <a:shade val="50000"/>
+            </a:schemeClr>
+          </a:lnRef>
+          <a:fillRef idx="1">
+            <a:schemeClr val="accent1"/>
+          </a:fillRef>
+          <a:effectRef idx="0">
+            <a:schemeClr val="accent1"/>
+          </a:effectRef>
+          <a:fontRef idx="minor">
+            <a:schemeClr val="lt1"/>
+          </a:fontRef>
+        </p:style>
+        <p:txBody>
+          <a:bodyPr rtlCol="0" anchor="ctr"/>
+          <a:lstStyle/>
+          <a:p>
+            <a:pPr algn="ctr"/>
+            <a:r>
+              <a:rPr lang="en-US" dirty="0">
+                <a:solidFill>
+                  <a:schemeClr val="tx1"/>
+                </a:solidFill>
+              </a:rPr>
+              <a:t>4</a:t>
+            </a:r>
+          </a:p>
+        </p:txBody>
+      </p:sp>
+      <p:sp>
+        <p:nvSpPr>
+          <p:cNvPr id="38" name="Oval 37">
+            <a:extLst>
+              <a:ext uri="{FF2B5EF4-FFF2-40B4-BE49-F238E27FC236}">
+                <a16:creationId xmlns:a16="http://schemas.microsoft.com/office/drawing/2014/main" id="{1627EC68-ED1E-CF44-9700-29DDB8674744}"/>
+              </a:ext>
+            </a:extLst>
+          </p:cNvPr>
+          <p:cNvSpPr/>
+          <p:nvPr/>
+        </p:nvSpPr>
+        <p:spPr>
+          <a:xfrm>
+            <a:off x="2040937" y="3976129"/>
+            <a:ext cx="493160" cy="493160"/>
+          </a:xfrm>
+          <a:prstGeom prst="ellipse">
+            <a:avLst/>
+          </a:prstGeom>
+          <a:noFill/>
+          <a:ln>
+            <a:solidFill>
+              <a:schemeClr val="tx1"/>
+            </a:solidFill>
+          </a:ln>
+        </p:spPr>
+        <p:style>
+          <a:lnRef idx="2">
+            <a:schemeClr val="accent1">
+              <a:shade val="50000"/>
+            </a:schemeClr>
+          </a:lnRef>
+          <a:fillRef idx="1">
+            <a:schemeClr val="accent1"/>
+          </a:fillRef>
+          <a:effectRef idx="0">
+            <a:schemeClr val="accent1"/>
+          </a:effectRef>
+          <a:fontRef idx="minor">
+            <a:schemeClr val="lt1"/>
+          </a:fontRef>
+        </p:style>
+        <p:txBody>
+          <a:bodyPr rtlCol="0" anchor="ctr"/>
+          <a:lstStyle/>
+          <a:p>
+            <a:pPr algn="ctr"/>
+            <a:r>
+              <a:rPr lang="en-US" dirty="0">
+                <a:solidFill>
+                  <a:schemeClr val="tx1"/>
+                </a:solidFill>
+              </a:rPr>
+              <a:t>5</a:t>
+            </a:r>
+          </a:p>
+        </p:txBody>
+      </p:sp>
+      <p:sp>
+        <p:nvSpPr>
+          <p:cNvPr id="39" name="Oval 38">
+            <a:extLst>
+              <a:ext uri="{FF2B5EF4-FFF2-40B4-BE49-F238E27FC236}">
+                <a16:creationId xmlns:a16="http://schemas.microsoft.com/office/drawing/2014/main" id="{AD0B9982-444D-3B4B-B14B-998BF829E730}"/>
+              </a:ext>
+            </a:extLst>
+          </p:cNvPr>
+          <p:cNvSpPr/>
+          <p:nvPr/>
+        </p:nvSpPr>
+        <p:spPr>
+          <a:xfrm>
+            <a:off x="1126537" y="4931627"/>
+            <a:ext cx="493160" cy="493160"/>
+          </a:xfrm>
+          <a:prstGeom prst="ellipse">
+            <a:avLst/>
+          </a:prstGeom>
+          <a:noFill/>
+          <a:ln>
+            <a:solidFill>
+              <a:schemeClr val="tx1"/>
+            </a:solidFill>
+          </a:ln>
+        </p:spPr>
+        <p:style>
+          <a:lnRef idx="2">
+            <a:schemeClr val="accent1">
+              <a:shade val="50000"/>
+            </a:schemeClr>
+          </a:lnRef>
+          <a:fillRef idx="1">
+            <a:schemeClr val="accent1"/>
+          </a:fillRef>
+          <a:effectRef idx="0">
+            <a:schemeClr val="accent1"/>
+          </a:effectRef>
+          <a:fontRef idx="minor">
+            <a:schemeClr val="lt1"/>
+          </a:fontRef>
+        </p:style>
+        <p:txBody>
+          <a:bodyPr rtlCol="0" anchor="ctr"/>
+          <a:lstStyle/>
+          <a:p>
+            <a:pPr algn="ctr"/>
+            <a:r>
+              <a:rPr lang="en-US" dirty="0">
+                <a:solidFill>
+                  <a:schemeClr val="tx1"/>
+                </a:solidFill>
+              </a:rPr>
+              <a:t>8</a:t>
+            </a:r>
+          </a:p>
+        </p:txBody>
+      </p:sp>
+      <p:sp>
+        <p:nvSpPr>
+          <p:cNvPr id="40" name="Oval 39">
+            <a:extLst>
+              <a:ext uri="{FF2B5EF4-FFF2-40B4-BE49-F238E27FC236}">
+                <a16:creationId xmlns:a16="http://schemas.microsoft.com/office/drawing/2014/main" id="{6EBF18CB-EF70-7746-82DB-CF95FB5A106A}"/>
+              </a:ext>
+            </a:extLst>
+          </p:cNvPr>
+          <p:cNvSpPr/>
+          <p:nvPr/>
+        </p:nvSpPr>
+        <p:spPr>
+          <a:xfrm>
+            <a:off x="2040937" y="4931627"/>
+            <a:ext cx="493160" cy="493160"/>
+          </a:xfrm>
+          <a:prstGeom prst="ellipse">
+            <a:avLst/>
+          </a:prstGeom>
+          <a:noFill/>
+          <a:ln>
+            <a:solidFill>
+              <a:schemeClr val="tx1"/>
+            </a:solidFill>
+          </a:ln>
+        </p:spPr>
+        <p:style>
+          <a:lnRef idx="2">
+            <a:schemeClr val="accent1">
+              <a:shade val="50000"/>
+            </a:schemeClr>
+          </a:lnRef>
+          <a:fillRef idx="1">
+            <a:schemeClr val="accent1"/>
+          </a:fillRef>
+          <a:effectRef idx="0">
+            <a:schemeClr val="accent1"/>
+          </a:effectRef>
+          <a:fontRef idx="minor">
+            <a:schemeClr val="lt1"/>
+          </a:fontRef>
+        </p:style>
+        <p:txBody>
+          <a:bodyPr rtlCol="0" anchor="ctr"/>
+          <a:lstStyle/>
+          <a:p>
+            <a:pPr algn="ctr"/>
+            <a:r>
+              <a:rPr lang="en-US" dirty="0">
+                <a:solidFill>
+                  <a:schemeClr val="tx1"/>
+                </a:solidFill>
+              </a:rPr>
+              <a:t>9</a:t>
+            </a:r>
+          </a:p>
+        </p:txBody>
+      </p:sp>
+      <p:sp>
+        <p:nvSpPr>
+          <p:cNvPr id="41" name="Oval 40">
+            <a:extLst>
+              <a:ext uri="{FF2B5EF4-FFF2-40B4-BE49-F238E27FC236}">
+                <a16:creationId xmlns:a16="http://schemas.microsoft.com/office/drawing/2014/main" id="{5DD254CB-A2FA-CB4C-B4FB-2E49363FED0D}"/>
+              </a:ext>
+            </a:extLst>
+          </p:cNvPr>
+          <p:cNvSpPr/>
+          <p:nvPr/>
+        </p:nvSpPr>
+        <p:spPr>
+          <a:xfrm>
+            <a:off x="3314933" y="4931627"/>
+            <a:ext cx="493160" cy="493160"/>
+          </a:xfrm>
+          <a:prstGeom prst="ellipse">
+            <a:avLst/>
+          </a:prstGeom>
+          <a:noFill/>
+          <a:ln>
+            <a:solidFill>
+              <a:schemeClr val="tx1"/>
+            </a:solidFill>
+          </a:ln>
+        </p:spPr>
+        <p:style>
+          <a:lnRef idx="2">
+            <a:schemeClr val="accent1">
+              <a:shade val="50000"/>
+            </a:schemeClr>
+          </a:lnRef>
+          <a:fillRef idx="1">
+            <a:schemeClr val="accent1"/>
+          </a:fillRef>
+          <a:effectRef idx="0">
+            <a:schemeClr val="accent1"/>
+          </a:effectRef>
+          <a:fontRef idx="minor">
+            <a:schemeClr val="lt1"/>
+          </a:fontRef>
+        </p:style>
+        <p:txBody>
+          <a:bodyPr rtlCol="0" anchor="ctr"/>
+          <a:lstStyle/>
+          <a:p>
+            <a:pPr algn="ctr"/>
+            <a:r>
+              <a:rPr lang="en-US" sz="1200" dirty="0">
+                <a:solidFill>
+                  <a:schemeClr val="tx1"/>
+                </a:solidFill>
+              </a:rPr>
+              <a:t>10</a:t>
+            </a:r>
+          </a:p>
+        </p:txBody>
+      </p:sp>
+      <p:cxnSp>
+        <p:nvCxnSpPr>
+          <p:cNvPr id="42" name="Straight Arrow Connector 41">
+            <a:extLst>
+              <a:ext uri="{FF2B5EF4-FFF2-40B4-BE49-F238E27FC236}">
+                <a16:creationId xmlns:a16="http://schemas.microsoft.com/office/drawing/2014/main" id="{5D377682-BF0E-3849-9862-A34A9122DE7C}"/>
+              </a:ext>
+            </a:extLst>
+          </p:cNvPr>
+          <p:cNvCxnSpPr>
+            <a:stCxn id="35" idx="4"/>
+            <a:endCxn id="36" idx="0"/>
+          </p:cNvCxnSpPr>
+          <p:nvPr/>
+        </p:nvCxnSpPr>
+        <p:spPr>
+          <a:xfrm>
+            <a:off x="3561514" y="3689311"/>
+            <a:ext cx="0" cy="286818"/>
+          </a:xfrm>
+          <a:prstGeom prst="straightConnector1">
+            <a:avLst/>
+          </a:prstGeom>
+          <a:ln>
+            <a:solidFill>
+              <a:schemeClr val="tx1"/>
+            </a:solidFill>
+            <a:tailEnd type="triangle"/>
+          </a:ln>
+        </p:spPr>
+        <p:style>
+          <a:lnRef idx="1">
+            <a:schemeClr val="accent1"/>
+          </a:lnRef>
+          <a:fillRef idx="0">
+            <a:schemeClr val="accent1"/>
+          </a:fillRef>
+          <a:effectRef idx="0">
+            <a:schemeClr val="accent1"/>
+          </a:effectRef>
+          <a:fontRef idx="minor">
+            <a:schemeClr val="tx1"/>
+          </a:fontRef>
+        </p:style>
+      </p:cxnSp>
+      <p:cxnSp>
+        <p:nvCxnSpPr>
+          <p:cNvPr id="43" name="Straight Arrow Connector 42">
+            <a:extLst>
+              <a:ext uri="{FF2B5EF4-FFF2-40B4-BE49-F238E27FC236}">
+                <a16:creationId xmlns:a16="http://schemas.microsoft.com/office/drawing/2014/main" id="{3C2FC4B9-7A23-2B48-9AFA-D27C49B79225}"/>
+              </a:ext>
+            </a:extLst>
+          </p:cNvPr>
+          <p:cNvCxnSpPr>
+            <a:cxnSpLocks/>
+            <a:stCxn id="36" idx="4"/>
+            <a:endCxn id="41" idx="0"/>
+          </p:cNvCxnSpPr>
+          <p:nvPr/>
+        </p:nvCxnSpPr>
+        <p:spPr>
+          <a:xfrm flipH="1">
+            <a:off x="3561513" y="4469289"/>
+            <a:ext cx="1" cy="462338"/>
+          </a:xfrm>
+          <a:prstGeom prst="straightConnector1">
+            <a:avLst/>
+          </a:prstGeom>
+          <a:ln>
+            <a:solidFill>
+              <a:schemeClr val="tx1"/>
+            </a:solidFill>
+            <a:tailEnd type="triangle"/>
+          </a:ln>
+        </p:spPr>
+        <p:style>
+          <a:lnRef idx="1">
+            <a:schemeClr val="accent1"/>
+          </a:lnRef>
+          <a:fillRef idx="0">
+            <a:schemeClr val="accent1"/>
+          </a:fillRef>
+          <a:effectRef idx="0">
+            <a:schemeClr val="accent1"/>
+          </a:effectRef>
+          <a:fontRef idx="minor">
+            <a:schemeClr val="tx1"/>
+          </a:fontRef>
+        </p:style>
+      </p:cxnSp>
+      <p:cxnSp>
+        <p:nvCxnSpPr>
+          <p:cNvPr id="44" name="Straight Arrow Connector 43">
+            <a:extLst>
+              <a:ext uri="{FF2B5EF4-FFF2-40B4-BE49-F238E27FC236}">
+                <a16:creationId xmlns:a16="http://schemas.microsoft.com/office/drawing/2014/main" id="{36CB5BB8-63CB-514C-A0F1-763A0FB2B74E}"/>
+              </a:ext>
+            </a:extLst>
+          </p:cNvPr>
+          <p:cNvCxnSpPr>
+            <a:cxnSpLocks/>
+            <a:stCxn id="38" idx="4"/>
+            <a:endCxn id="40" idx="0"/>
+          </p:cNvCxnSpPr>
+          <p:nvPr/>
+        </p:nvCxnSpPr>
+        <p:spPr>
+          <a:xfrm>
+            <a:off x="2287517" y="4469289"/>
+            <a:ext cx="0" cy="462338"/>
+          </a:xfrm>
+          <a:prstGeom prst="straightConnector1">
+            <a:avLst/>
+          </a:prstGeom>
+          <a:ln>
+            <a:solidFill>
+              <a:schemeClr val="tx1"/>
+            </a:solidFill>
+            <a:tailEnd type="triangle"/>
+          </a:ln>
+        </p:spPr>
+        <p:style>
+          <a:lnRef idx="1">
+            <a:schemeClr val="accent1"/>
+          </a:lnRef>
+          <a:fillRef idx="0">
+            <a:schemeClr val="accent1"/>
+          </a:fillRef>
+          <a:effectRef idx="0">
+            <a:schemeClr val="accent1"/>
+          </a:effectRef>
+          <a:fontRef idx="minor">
+            <a:schemeClr val="tx1"/>
+          </a:fontRef>
+        </p:style>
+      </p:cxnSp>
+      <p:cxnSp>
+        <p:nvCxnSpPr>
+          <p:cNvPr id="45" name="Straight Arrow Connector 44">
+            <a:extLst>
+              <a:ext uri="{FF2B5EF4-FFF2-40B4-BE49-F238E27FC236}">
+                <a16:creationId xmlns:a16="http://schemas.microsoft.com/office/drawing/2014/main" id="{61162574-D778-C545-93F0-66AAA771A921}"/>
+              </a:ext>
+            </a:extLst>
+          </p:cNvPr>
+          <p:cNvCxnSpPr>
+            <a:cxnSpLocks/>
+            <a:stCxn id="34" idx="4"/>
+            <a:endCxn id="38" idx="0"/>
+          </p:cNvCxnSpPr>
+          <p:nvPr/>
+        </p:nvCxnSpPr>
+        <p:spPr>
+          <a:xfrm>
+            <a:off x="1866277" y="3689311"/>
+            <a:ext cx="421240" cy="286818"/>
+          </a:xfrm>
+          <a:prstGeom prst="straightConnector1">
+            <a:avLst/>
+          </a:prstGeom>
+          <a:ln>
+            <a:solidFill>
+              <a:schemeClr val="tx1"/>
+            </a:solidFill>
+            <a:tailEnd type="triangle"/>
+          </a:ln>
+        </p:spPr>
+        <p:style>
+          <a:lnRef idx="1">
+            <a:schemeClr val="accent1"/>
+          </a:lnRef>
+          <a:fillRef idx="0">
+            <a:schemeClr val="accent1"/>
+          </a:fillRef>
+          <a:effectRef idx="0">
+            <a:schemeClr val="accent1"/>
+          </a:effectRef>
+          <a:fontRef idx="minor">
+            <a:schemeClr val="tx1"/>
+          </a:fontRef>
+        </p:style>
+      </p:cxnSp>
+      <p:cxnSp>
+        <p:nvCxnSpPr>
+          <p:cNvPr id="46" name="Straight Arrow Connector 45">
+            <a:extLst>
+              <a:ext uri="{FF2B5EF4-FFF2-40B4-BE49-F238E27FC236}">
+                <a16:creationId xmlns:a16="http://schemas.microsoft.com/office/drawing/2014/main" id="{1FCBC232-D0C0-6B42-97BB-515250AE6138}"/>
+              </a:ext>
+            </a:extLst>
+          </p:cNvPr>
+          <p:cNvCxnSpPr>
+            <a:cxnSpLocks/>
+            <a:stCxn id="34" idx="4"/>
+            <a:endCxn id="37" idx="0"/>
+          </p:cNvCxnSpPr>
+          <p:nvPr/>
+        </p:nvCxnSpPr>
+        <p:spPr>
+          <a:xfrm flipH="1">
+            <a:off x="1373117" y="3689311"/>
+            <a:ext cx="493160" cy="286818"/>
+          </a:xfrm>
+          <a:prstGeom prst="straightConnector1">
+            <a:avLst/>
+          </a:prstGeom>
+          <a:ln>
+            <a:solidFill>
+              <a:schemeClr val="tx1"/>
+            </a:solidFill>
+            <a:tailEnd type="triangle"/>
+          </a:ln>
+        </p:spPr>
+        <p:style>
+          <a:lnRef idx="1">
+            <a:schemeClr val="accent1"/>
+          </a:lnRef>
+          <a:fillRef idx="0">
+            <a:schemeClr val="accent1"/>
+          </a:fillRef>
+          <a:effectRef idx="0">
+            <a:schemeClr val="accent1"/>
+          </a:effectRef>
+          <a:fontRef idx="minor">
+            <a:schemeClr val="tx1"/>
+          </a:fontRef>
+        </p:style>
+      </p:cxnSp>
+      <p:cxnSp>
+        <p:nvCxnSpPr>
+          <p:cNvPr id="47" name="Straight Arrow Connector 46">
+            <a:extLst>
+              <a:ext uri="{FF2B5EF4-FFF2-40B4-BE49-F238E27FC236}">
+                <a16:creationId xmlns:a16="http://schemas.microsoft.com/office/drawing/2014/main" id="{A1415F2B-99FF-AC4C-AEE7-D0CEBF63F70F}"/>
+              </a:ext>
+            </a:extLst>
+          </p:cNvPr>
+          <p:cNvCxnSpPr>
+            <a:cxnSpLocks/>
+            <a:stCxn id="37" idx="4"/>
+            <a:endCxn id="39" idx="0"/>
+          </p:cNvCxnSpPr>
+          <p:nvPr/>
+        </p:nvCxnSpPr>
+        <p:spPr>
+          <a:xfrm>
+            <a:off x="1373117" y="4469289"/>
+            <a:ext cx="0" cy="462338"/>
+          </a:xfrm>
+          <a:prstGeom prst="straightConnector1">
+            <a:avLst/>
+          </a:prstGeom>
+          <a:ln>
+            <a:solidFill>
+              <a:schemeClr val="tx1"/>
+            </a:solidFill>
+            <a:tailEnd type="triangle"/>
+          </a:ln>
+        </p:spPr>
+        <p:style>
+          <a:lnRef idx="1">
+            <a:schemeClr val="accent1"/>
+          </a:lnRef>
+          <a:fillRef idx="0">
+            <a:schemeClr val="accent1"/>
+          </a:fillRef>
+          <a:effectRef idx="0">
+            <a:schemeClr val="accent1"/>
+          </a:effectRef>
+          <a:fontRef idx="minor">
+            <a:schemeClr val="tx1"/>
+          </a:fontRef>
+        </p:style>
+      </p:cxnSp>
+      <p:cxnSp>
+        <p:nvCxnSpPr>
+          <p:cNvPr id="48" name="Straight Arrow Connector 47">
+            <a:extLst>
+              <a:ext uri="{FF2B5EF4-FFF2-40B4-BE49-F238E27FC236}">
+                <a16:creationId xmlns:a16="http://schemas.microsoft.com/office/drawing/2014/main" id="{0F112471-FB24-EC40-9576-2C9D7CBBA525}"/>
+              </a:ext>
+            </a:extLst>
+          </p:cNvPr>
+          <p:cNvCxnSpPr>
+            <a:cxnSpLocks/>
+            <a:stCxn id="32" idx="4"/>
+            <a:endCxn id="33" idx="0"/>
+          </p:cNvCxnSpPr>
+          <p:nvPr/>
+        </p:nvCxnSpPr>
+        <p:spPr>
+          <a:xfrm>
+            <a:off x="2780677" y="1975238"/>
+            <a:ext cx="0" cy="265415"/>
+          </a:xfrm>
+          <a:prstGeom prst="straightConnector1">
+            <a:avLst/>
+          </a:prstGeom>
+          <a:ln>
+            <a:solidFill>
+              <a:schemeClr val="tx1"/>
+            </a:solidFill>
+            <a:tailEnd type="triangle"/>
+          </a:ln>
+        </p:spPr>
+        <p:style>
+          <a:lnRef idx="1">
+            <a:schemeClr val="accent1"/>
+          </a:lnRef>
+          <a:fillRef idx="0">
+            <a:schemeClr val="accent1"/>
+          </a:fillRef>
+          <a:effectRef idx="0">
+            <a:schemeClr val="accent1"/>
+          </a:effectRef>
+          <a:fontRef idx="minor">
+            <a:schemeClr val="tx1"/>
+          </a:fontRef>
+        </p:style>
+      </p:cxnSp>
+      <p:cxnSp>
+        <p:nvCxnSpPr>
+          <p:cNvPr id="49" name="Straight Arrow Connector 48">
+            <a:extLst>
+              <a:ext uri="{FF2B5EF4-FFF2-40B4-BE49-F238E27FC236}">
+                <a16:creationId xmlns:a16="http://schemas.microsoft.com/office/drawing/2014/main" id="{0A9DFB7D-5BD8-D34E-8E6F-DEF553AA9D5B}"/>
+              </a:ext>
+            </a:extLst>
+          </p:cNvPr>
+          <p:cNvCxnSpPr>
+            <a:cxnSpLocks/>
+            <a:stCxn id="33" idx="4"/>
+            <a:endCxn id="35" idx="0"/>
+          </p:cNvCxnSpPr>
+          <p:nvPr/>
+        </p:nvCxnSpPr>
+        <p:spPr>
+          <a:xfrm>
+            <a:off x="2780677" y="2733813"/>
+            <a:ext cx="780837" cy="462338"/>
+          </a:xfrm>
+          <a:prstGeom prst="straightConnector1">
+            <a:avLst/>
+          </a:prstGeom>
+          <a:ln>
+            <a:solidFill>
+              <a:schemeClr val="tx1"/>
+            </a:solidFill>
+            <a:tailEnd type="triangle"/>
+          </a:ln>
+        </p:spPr>
+        <p:style>
+          <a:lnRef idx="1">
+            <a:schemeClr val="accent1"/>
+          </a:lnRef>
+          <a:fillRef idx="0">
+            <a:schemeClr val="accent1"/>
+          </a:fillRef>
+          <a:effectRef idx="0">
+            <a:schemeClr val="accent1"/>
+          </a:effectRef>
+          <a:fontRef idx="minor">
+            <a:schemeClr val="tx1"/>
+          </a:fontRef>
+        </p:style>
+      </p:cxnSp>
+      <p:cxnSp>
+        <p:nvCxnSpPr>
+          <p:cNvPr id="50" name="Straight Arrow Connector 49">
+            <a:extLst>
+              <a:ext uri="{FF2B5EF4-FFF2-40B4-BE49-F238E27FC236}">
+                <a16:creationId xmlns:a16="http://schemas.microsoft.com/office/drawing/2014/main" id="{1C8084B2-183F-5F4D-B95A-76E865E64857}"/>
+              </a:ext>
+            </a:extLst>
+          </p:cNvPr>
+          <p:cNvCxnSpPr>
+            <a:cxnSpLocks/>
+            <a:stCxn id="33" idx="4"/>
+            <a:endCxn id="34" idx="0"/>
+          </p:cNvCxnSpPr>
+          <p:nvPr/>
+        </p:nvCxnSpPr>
+        <p:spPr>
+          <a:xfrm flipH="1">
+            <a:off x="1866277" y="2733813"/>
+            <a:ext cx="914400" cy="462338"/>
+          </a:xfrm>
+          <a:prstGeom prst="straightConnector1">
+            <a:avLst/>
+          </a:prstGeom>
+          <a:ln>
+            <a:solidFill>
+              <a:schemeClr val="tx1"/>
+            </a:solidFill>
+            <a:tailEnd type="triangle"/>
+          </a:ln>
+        </p:spPr>
+        <p:style>
+          <a:lnRef idx="1">
+            <a:schemeClr val="accent1"/>
+          </a:lnRef>
+          <a:fillRef idx="0">
+            <a:schemeClr val="accent1"/>
+          </a:fillRef>
+          <a:effectRef idx="0">
+            <a:schemeClr val="accent1"/>
+          </a:effectRef>
+          <a:fontRef idx="minor">
+            <a:schemeClr val="tx1"/>
+          </a:fontRef>
+        </p:style>
+      </p:cxnSp>
+      <p:cxnSp>
+        <p:nvCxnSpPr>
+          <p:cNvPr id="51" name="Straight Connector 50">
+            <a:extLst>
+              <a:ext uri="{FF2B5EF4-FFF2-40B4-BE49-F238E27FC236}">
+                <a16:creationId xmlns:a16="http://schemas.microsoft.com/office/drawing/2014/main" id="{308E64B6-552E-4F49-8D5E-9EFF019542EB}"/>
+              </a:ext>
+            </a:extLst>
+          </p:cNvPr>
+          <p:cNvCxnSpPr>
+            <a:cxnSpLocks/>
+          </p:cNvCxnSpPr>
+          <p:nvPr/>
+        </p:nvCxnSpPr>
+        <p:spPr>
+          <a:xfrm>
+            <a:off x="766944" y="2910187"/>
+            <a:ext cx="3493213" cy="0"/>
+          </a:xfrm>
+          <a:prstGeom prst="line">
+            <a:avLst/>
+          </a:prstGeom>
+          <a:ln>
+            <a:prstDash val="dash"/>
+          </a:ln>
+        </p:spPr>
+        <p:style>
+          <a:lnRef idx="1">
+            <a:schemeClr val="accent1"/>
+          </a:lnRef>
+          <a:fillRef idx="0">
+            <a:schemeClr val="accent1"/>
+          </a:fillRef>
+          <a:effectRef idx="0">
+            <a:schemeClr val="accent1"/>
+          </a:effectRef>
+          <a:fontRef idx="minor">
+            <a:schemeClr val="tx1"/>
+          </a:fontRef>
+        </p:style>
+      </p:cxnSp>
+      <p:cxnSp>
+        <p:nvCxnSpPr>
+          <p:cNvPr id="52" name="Straight Connector 51">
+            <a:extLst>
+              <a:ext uri="{FF2B5EF4-FFF2-40B4-BE49-F238E27FC236}">
+                <a16:creationId xmlns:a16="http://schemas.microsoft.com/office/drawing/2014/main" id="{B29E0569-1325-C24A-ACAB-15E36E2068E7}"/>
+              </a:ext>
+            </a:extLst>
+          </p:cNvPr>
+          <p:cNvCxnSpPr>
+            <a:cxnSpLocks/>
+          </p:cNvCxnSpPr>
+          <p:nvPr/>
+        </p:nvCxnSpPr>
+        <p:spPr>
+          <a:xfrm>
+            <a:off x="766944" y="4644808"/>
+            <a:ext cx="3493213" cy="0"/>
+          </a:xfrm>
+          <a:prstGeom prst="line">
+            <a:avLst/>
+          </a:prstGeom>
+          <a:ln>
+            <a:prstDash val="dash"/>
+          </a:ln>
+        </p:spPr>
+        <p:style>
+          <a:lnRef idx="1">
+            <a:schemeClr val="accent1"/>
+          </a:lnRef>
+          <a:fillRef idx="0">
+            <a:schemeClr val="accent1"/>
+          </a:fillRef>
+          <a:effectRef idx="0">
+            <a:schemeClr val="accent1"/>
+          </a:effectRef>
+          <a:fontRef idx="minor">
+            <a:schemeClr val="tx1"/>
+          </a:fontRef>
+        </p:style>
+      </p:cxnSp>
+      <p:cxnSp>
+        <p:nvCxnSpPr>
+          <p:cNvPr id="53" name="Straight Connector 52">
+            <a:extLst>
+              <a:ext uri="{FF2B5EF4-FFF2-40B4-BE49-F238E27FC236}">
+                <a16:creationId xmlns:a16="http://schemas.microsoft.com/office/drawing/2014/main" id="{884AE8EE-98E1-724A-ABE8-F9638D8EDC7D}"/>
+              </a:ext>
+            </a:extLst>
+          </p:cNvPr>
+          <p:cNvCxnSpPr>
+            <a:cxnSpLocks/>
+          </p:cNvCxnSpPr>
+          <p:nvPr/>
+        </p:nvCxnSpPr>
+        <p:spPr>
+          <a:xfrm>
+            <a:off x="2780677" y="2910187"/>
+            <a:ext cx="0" cy="2671281"/>
+          </a:xfrm>
+          <a:prstGeom prst="line">
+            <a:avLst/>
+          </a:prstGeom>
+          <a:ln>
+            <a:prstDash val="dash"/>
+          </a:ln>
+        </p:spPr>
+        <p:style>
+          <a:lnRef idx="1">
+            <a:schemeClr val="accent1"/>
+          </a:lnRef>
+          <a:fillRef idx="0">
+            <a:schemeClr val="accent1"/>
+          </a:fillRef>
+          <a:effectRef idx="0">
+            <a:schemeClr val="accent1"/>
+          </a:effectRef>
+          <a:fontRef idx="minor">
+            <a:schemeClr val="tx1"/>
+          </a:fontRef>
+        </p:style>
+      </p:cxnSp>
+      <p:cxnSp>
+        <p:nvCxnSpPr>
+          <p:cNvPr id="54" name="Straight Connector 53">
+            <a:extLst>
+              <a:ext uri="{FF2B5EF4-FFF2-40B4-BE49-F238E27FC236}">
+                <a16:creationId xmlns:a16="http://schemas.microsoft.com/office/drawing/2014/main" id="{A42AFFCF-1C30-1F45-8D19-65070470867B}"/>
+              </a:ext>
+            </a:extLst>
+          </p:cNvPr>
+          <p:cNvCxnSpPr>
+            <a:cxnSpLocks/>
+          </p:cNvCxnSpPr>
+          <p:nvPr/>
+        </p:nvCxnSpPr>
+        <p:spPr>
+          <a:xfrm>
+            <a:off x="1792648" y="4667926"/>
+            <a:ext cx="0" cy="913542"/>
+          </a:xfrm>
+          <a:prstGeom prst="line">
+            <a:avLst/>
+          </a:prstGeom>
+          <a:ln>
+            <a:prstDash val="dash"/>
+          </a:ln>
+        </p:spPr>
+        <p:style>
+          <a:lnRef idx="1">
+            <a:schemeClr val="accent1"/>
+          </a:lnRef>
+          <a:fillRef idx="0">
+            <a:schemeClr val="accent1"/>
+          </a:fillRef>
+          <a:effectRef idx="0">
+            <a:schemeClr val="accent1"/>
+          </a:effectRef>
+          <a:fontRef idx="minor">
+            <a:schemeClr val="tx1"/>
+          </a:fontRef>
+        </p:style>
+      </p:cxnSp>
+      <p:sp>
+        <p:nvSpPr>
+          <p:cNvPr id="55" name="TextBox 54">
+            <a:extLst>
+              <a:ext uri="{FF2B5EF4-FFF2-40B4-BE49-F238E27FC236}">
+                <a16:creationId xmlns:a16="http://schemas.microsoft.com/office/drawing/2014/main" id="{E1876040-B571-CB4F-B928-09755D90573D}"/>
+              </a:ext>
+            </a:extLst>
+          </p:cNvPr>
+          <p:cNvSpPr txBox="1"/>
+          <p:nvPr/>
+        </p:nvSpPr>
+        <p:spPr>
+          <a:xfrm>
+            <a:off x="766944" y="1482077"/>
+            <a:ext cx="976549" cy="338554"/>
+          </a:xfrm>
+          <a:prstGeom prst="rect">
+            <a:avLst/>
+          </a:prstGeom>
+          <a:noFill/>
+        </p:spPr>
+        <p:txBody>
+          <a:bodyPr wrap="none" rtlCol="0">
+            <a:spAutoFit/>
+          </a:bodyPr>
+          <a:lstStyle/>
+          <a:p>
+            <a:r>
+              <a:rPr lang="en-US" sz="1600" dirty="0">
+                <a:solidFill>
+                  <a:schemeClr val="accent1"/>
+                </a:solidFill>
+              </a:rPr>
+              <a:t>S1, S2, S3</a:t>
+            </a:r>
+          </a:p>
+        </p:txBody>
+      </p:sp>
+      <p:sp>
+        <p:nvSpPr>
+          <p:cNvPr id="56" name="TextBox 55">
+            <a:extLst>
+              <a:ext uri="{FF2B5EF4-FFF2-40B4-BE49-F238E27FC236}">
+                <a16:creationId xmlns:a16="http://schemas.microsoft.com/office/drawing/2014/main" id="{15863EAA-7E04-8247-95D5-CD5DAB016B68}"/>
+              </a:ext>
+            </a:extLst>
+          </p:cNvPr>
+          <p:cNvSpPr txBox="1"/>
+          <p:nvPr/>
+        </p:nvSpPr>
+        <p:spPr>
+          <a:xfrm>
+            <a:off x="722996" y="2987064"/>
+            <a:ext cx="679994" cy="338554"/>
+          </a:xfrm>
+          <a:prstGeom prst="rect">
+            <a:avLst/>
+          </a:prstGeom>
+          <a:noFill/>
+        </p:spPr>
+        <p:txBody>
+          <a:bodyPr wrap="none" rtlCol="0">
+            <a:spAutoFit/>
+          </a:bodyPr>
+          <a:lstStyle/>
+          <a:p>
+            <a:r>
+              <a:rPr lang="en-US" sz="1600" dirty="0">
+                <a:solidFill>
+                  <a:schemeClr val="accent1"/>
+                </a:solidFill>
+              </a:rPr>
+              <a:t>S1, S3</a:t>
+            </a:r>
+          </a:p>
+        </p:txBody>
+      </p:sp>
+      <p:sp>
+        <p:nvSpPr>
+          <p:cNvPr id="57" name="TextBox 56">
+            <a:extLst>
+              <a:ext uri="{FF2B5EF4-FFF2-40B4-BE49-F238E27FC236}">
+                <a16:creationId xmlns:a16="http://schemas.microsoft.com/office/drawing/2014/main" id="{5A11814A-5D21-9E40-9CCE-2C7B10863B93}"/>
+              </a:ext>
+            </a:extLst>
+          </p:cNvPr>
+          <p:cNvSpPr txBox="1"/>
+          <p:nvPr/>
+        </p:nvSpPr>
+        <p:spPr>
+          <a:xfrm>
+            <a:off x="3854075" y="2987064"/>
+            <a:ext cx="679994" cy="338554"/>
+          </a:xfrm>
+          <a:prstGeom prst="rect">
+            <a:avLst/>
+          </a:prstGeom>
+          <a:noFill/>
+        </p:spPr>
+        <p:txBody>
+          <a:bodyPr wrap="none" rtlCol="0">
+            <a:spAutoFit/>
+          </a:bodyPr>
+          <a:lstStyle/>
+          <a:p>
+            <a:r>
+              <a:rPr lang="en-US" sz="1600" dirty="0">
+                <a:solidFill>
+                  <a:schemeClr val="accent1"/>
+                </a:solidFill>
+              </a:rPr>
+              <a:t>S1, S2</a:t>
+            </a:r>
+          </a:p>
+        </p:txBody>
+      </p:sp>
+      <p:sp>
+        <p:nvSpPr>
+          <p:cNvPr id="58" name="TextBox 57">
+            <a:extLst>
+              <a:ext uri="{FF2B5EF4-FFF2-40B4-BE49-F238E27FC236}">
+                <a16:creationId xmlns:a16="http://schemas.microsoft.com/office/drawing/2014/main" id="{5E3ECC3F-01D2-0945-AE28-9517F5139D57}"/>
+              </a:ext>
+            </a:extLst>
+          </p:cNvPr>
+          <p:cNvSpPr txBox="1"/>
+          <p:nvPr/>
+        </p:nvSpPr>
+        <p:spPr>
+          <a:xfrm>
+            <a:off x="723477" y="4658015"/>
+            <a:ext cx="383438" cy="338554"/>
+          </a:xfrm>
+          <a:prstGeom prst="rect">
+            <a:avLst/>
+          </a:prstGeom>
+          <a:noFill/>
+        </p:spPr>
+        <p:txBody>
+          <a:bodyPr wrap="none" rtlCol="0">
+            <a:spAutoFit/>
+          </a:bodyPr>
+          <a:lstStyle/>
+          <a:p>
+            <a:r>
+              <a:rPr lang="en-US" sz="1600" dirty="0">
+                <a:solidFill>
+                  <a:schemeClr val="accent1"/>
+                </a:solidFill>
+              </a:rPr>
+              <a:t>S1</a:t>
+            </a:r>
+          </a:p>
+        </p:txBody>
+      </p:sp>
+      <p:sp>
+        <p:nvSpPr>
+          <p:cNvPr id="59" name="TextBox 58">
+            <a:extLst>
+              <a:ext uri="{FF2B5EF4-FFF2-40B4-BE49-F238E27FC236}">
+                <a16:creationId xmlns:a16="http://schemas.microsoft.com/office/drawing/2014/main" id="{D4785CD1-861B-3B41-A6B8-D9BB6F7EA423}"/>
+              </a:ext>
+            </a:extLst>
+          </p:cNvPr>
+          <p:cNvSpPr txBox="1"/>
+          <p:nvPr/>
+        </p:nvSpPr>
+        <p:spPr>
+          <a:xfrm>
+            <a:off x="1819516" y="4667926"/>
+            <a:ext cx="383438" cy="338554"/>
+          </a:xfrm>
+          <a:prstGeom prst="rect">
+            <a:avLst/>
+          </a:prstGeom>
+          <a:noFill/>
+        </p:spPr>
+        <p:txBody>
+          <a:bodyPr wrap="none" rtlCol="0">
+            <a:spAutoFit/>
+          </a:bodyPr>
+          <a:lstStyle/>
+          <a:p>
+            <a:r>
+              <a:rPr lang="en-US" sz="1600" dirty="0">
+                <a:solidFill>
+                  <a:schemeClr val="accent1"/>
+                </a:solidFill>
+              </a:rPr>
+              <a:t>S2</a:t>
+            </a:r>
+          </a:p>
+        </p:txBody>
+      </p:sp>
+      <p:sp>
+        <p:nvSpPr>
+          <p:cNvPr id="60" name="TextBox 59">
+            <a:extLst>
+              <a:ext uri="{FF2B5EF4-FFF2-40B4-BE49-F238E27FC236}">
+                <a16:creationId xmlns:a16="http://schemas.microsoft.com/office/drawing/2014/main" id="{BB0F0D35-AF1C-0341-AE38-7C0900D897DB}"/>
+              </a:ext>
+            </a:extLst>
+          </p:cNvPr>
+          <p:cNvSpPr txBox="1"/>
+          <p:nvPr/>
+        </p:nvSpPr>
+        <p:spPr>
+          <a:xfrm>
+            <a:off x="2826186" y="4656183"/>
+            <a:ext cx="383438" cy="338554"/>
+          </a:xfrm>
+          <a:prstGeom prst="rect">
+            <a:avLst/>
+          </a:prstGeom>
+          <a:noFill/>
+        </p:spPr>
+        <p:txBody>
+          <a:bodyPr wrap="none" rtlCol="0">
+            <a:spAutoFit/>
+          </a:bodyPr>
+          <a:lstStyle/>
+          <a:p>
+            <a:r>
+              <a:rPr lang="en-US" sz="1600" dirty="0">
+                <a:solidFill>
+                  <a:schemeClr val="accent1"/>
+                </a:solidFill>
+              </a:rPr>
+              <a:t>S3</a:t>
+            </a:r>
+          </a:p>
+        </p:txBody>
+      </p:sp>
+      <p:sp>
+        <p:nvSpPr>
+          <p:cNvPr id="61" name="Title 60">
+            <a:extLst>
+              <a:ext uri="{FF2B5EF4-FFF2-40B4-BE49-F238E27FC236}">
+                <a16:creationId xmlns:a16="http://schemas.microsoft.com/office/drawing/2014/main" id="{DADF2D13-A876-6641-BA55-9D7873F9FACF}"/>
+              </a:ext>
+            </a:extLst>
+          </p:cNvPr>
+          <p:cNvSpPr>
+            <a:spLocks noGrp="1"/>
+          </p:cNvSpPr>
+          <p:nvPr>
+            <p:ph type="title"/>
+          </p:nvPr>
+        </p:nvSpPr>
+        <p:spPr>
+          <a:xfrm>
+            <a:off x="722996" y="365125"/>
+            <a:ext cx="10630804" cy="357173"/>
+          </a:xfrm>
+        </p:spPr>
+        <p:txBody>
+          <a:bodyPr>
+            <a:noAutofit/>
+          </a:bodyPr>
+          <a:lstStyle/>
+          <a:p>
+            <a:r>
+              <a:rPr lang="en-US" sz="2400"/>
+              <a:t>Clustering first</a:t>
+            </a:r>
+            <a:endParaRPr lang="en-US" sz="2400" dirty="0"/>
+          </a:p>
+        </p:txBody>
+      </p:sp>
+      <p:sp>
+        <p:nvSpPr>
+          <p:cNvPr id="62" name="TextBox 61">
+            <a:extLst>
+              <a:ext uri="{FF2B5EF4-FFF2-40B4-BE49-F238E27FC236}">
+                <a16:creationId xmlns:a16="http://schemas.microsoft.com/office/drawing/2014/main" id="{8E8E8D28-B622-E745-906E-881818BCD69E}"/>
+              </a:ext>
+            </a:extLst>
+          </p:cNvPr>
+          <p:cNvSpPr txBox="1"/>
+          <p:nvPr/>
+        </p:nvSpPr>
+        <p:spPr>
+          <a:xfrm>
+            <a:off x="3727980" y="6460903"/>
+            <a:ext cx="4736040" cy="369332"/>
+          </a:xfrm>
+          <a:prstGeom prst="rect">
+            <a:avLst/>
+          </a:prstGeom>
+          <a:noFill/>
+        </p:spPr>
+        <p:txBody>
+          <a:bodyPr wrap="none" rtlCol="0">
+            <a:spAutoFit/>
+          </a:bodyPr>
+          <a:lstStyle/>
+          <a:p>
+            <a:pPr algn="ctr"/>
+            <a:r>
+              <a:rPr lang="en-US" dirty="0"/>
+              <a:t>Simulated data: 100 variants total, 10 per cluster</a:t>
+            </a:r>
+          </a:p>
+        </p:txBody>
+      </p:sp>
       <p:pic>
         <p:nvPicPr>
-          <p:cNvPr id="2" name="Picture 1">
-            <a:extLst>
-              <a:ext uri="{FF2B5EF4-FFF2-40B4-BE49-F238E27FC236}">
-                <a16:creationId xmlns:a16="http://schemas.microsoft.com/office/drawing/2014/main" id="{16878474-67E9-C441-8B7C-BA6FCBB0F528}"/>
+          <p:cNvPr id="4" name="Picture 3">
+            <a:extLst>
+              <a:ext uri="{FF2B5EF4-FFF2-40B4-BE49-F238E27FC236}">
+                <a16:creationId xmlns:a16="http://schemas.microsoft.com/office/drawing/2014/main" id="{572ACFF8-A8E0-5D46-ADC3-5CF975E666A4}"/>
               </a:ext>
             </a:extLst>
           </p:cNvPr>
@@ -5669,1485 +7142,14 @@
         </p:blipFill>
         <p:spPr>
           <a:xfrm>
-            <a:off x="4934164" y="987713"/>
-            <a:ext cx="7263206" cy="4882573"/>
+            <a:off x="0" y="927266"/>
+            <a:ext cx="12192000" cy="5225143"/>
           </a:xfrm>
           <a:prstGeom prst="rect">
             <a:avLst/>
           </a:prstGeom>
         </p:spPr>
       </p:pic>
-      <p:sp>
-        <p:nvSpPr>
-          <p:cNvPr id="32" name="Oval 31">
-            <a:extLst>
-              <a:ext uri="{FF2B5EF4-FFF2-40B4-BE49-F238E27FC236}">
-                <a16:creationId xmlns:a16="http://schemas.microsoft.com/office/drawing/2014/main" id="{76AAB362-BB57-964F-BE7E-DCC3214D8B9E}"/>
-              </a:ext>
-            </a:extLst>
-          </p:cNvPr>
-          <p:cNvSpPr/>
-          <p:nvPr/>
-        </p:nvSpPr>
-        <p:spPr>
-          <a:xfrm>
-            <a:off x="2534097" y="1482078"/>
-            <a:ext cx="493160" cy="493160"/>
-          </a:xfrm>
-          <a:prstGeom prst="ellipse">
-            <a:avLst/>
-          </a:prstGeom>
-          <a:noFill/>
-          <a:ln>
-            <a:solidFill>
-              <a:schemeClr val="tx1"/>
-            </a:solidFill>
-          </a:ln>
-        </p:spPr>
-        <p:style>
-          <a:lnRef idx="2">
-            <a:schemeClr val="accent1">
-              <a:shade val="50000"/>
-            </a:schemeClr>
-          </a:lnRef>
-          <a:fillRef idx="1">
-            <a:schemeClr val="accent1"/>
-          </a:fillRef>
-          <a:effectRef idx="0">
-            <a:schemeClr val="accent1"/>
-          </a:effectRef>
-          <a:fontRef idx="minor">
-            <a:schemeClr val="lt1"/>
-          </a:fontRef>
-        </p:style>
-        <p:txBody>
-          <a:bodyPr rtlCol="0" anchor="ctr"/>
-          <a:lstStyle/>
-          <a:p>
-            <a:pPr algn="ctr"/>
-            <a:r>
-              <a:rPr lang="en-US" dirty="0">
-                <a:solidFill>
-                  <a:schemeClr val="tx1"/>
-                </a:solidFill>
-              </a:rPr>
-              <a:t>1</a:t>
-            </a:r>
-          </a:p>
-        </p:txBody>
-      </p:sp>
-      <p:sp>
-        <p:nvSpPr>
-          <p:cNvPr id="33" name="Oval 32">
-            <a:extLst>
-              <a:ext uri="{FF2B5EF4-FFF2-40B4-BE49-F238E27FC236}">
-                <a16:creationId xmlns:a16="http://schemas.microsoft.com/office/drawing/2014/main" id="{7655B9DE-335F-D34C-BDD6-3F5EB1ECCABC}"/>
-              </a:ext>
-            </a:extLst>
-          </p:cNvPr>
-          <p:cNvSpPr/>
-          <p:nvPr/>
-        </p:nvSpPr>
-        <p:spPr>
-          <a:xfrm>
-            <a:off x="2534097" y="2240653"/>
-            <a:ext cx="493160" cy="493160"/>
-          </a:xfrm>
-          <a:prstGeom prst="ellipse">
-            <a:avLst/>
-          </a:prstGeom>
-          <a:noFill/>
-          <a:ln>
-            <a:solidFill>
-              <a:schemeClr val="tx1"/>
-            </a:solidFill>
-          </a:ln>
-        </p:spPr>
-        <p:style>
-          <a:lnRef idx="2">
-            <a:schemeClr val="accent1">
-              <a:shade val="50000"/>
-            </a:schemeClr>
-          </a:lnRef>
-          <a:fillRef idx="1">
-            <a:schemeClr val="accent1"/>
-          </a:fillRef>
-          <a:effectRef idx="0">
-            <a:schemeClr val="accent1"/>
-          </a:effectRef>
-          <a:fontRef idx="minor">
-            <a:schemeClr val="lt1"/>
-          </a:fontRef>
-        </p:style>
-        <p:txBody>
-          <a:bodyPr rtlCol="0" anchor="ctr"/>
-          <a:lstStyle/>
-          <a:p>
-            <a:pPr algn="ctr"/>
-            <a:r>
-              <a:rPr lang="en-US" dirty="0">
-                <a:solidFill>
-                  <a:schemeClr val="tx1"/>
-                </a:solidFill>
-              </a:rPr>
-              <a:t>2</a:t>
-            </a:r>
-          </a:p>
-        </p:txBody>
-      </p:sp>
-      <p:sp>
-        <p:nvSpPr>
-          <p:cNvPr id="34" name="Oval 33">
-            <a:extLst>
-              <a:ext uri="{FF2B5EF4-FFF2-40B4-BE49-F238E27FC236}">
-                <a16:creationId xmlns:a16="http://schemas.microsoft.com/office/drawing/2014/main" id="{903CD4F1-6ADC-374B-A71B-5B9A284FC46F}"/>
-              </a:ext>
-            </a:extLst>
-          </p:cNvPr>
-          <p:cNvSpPr/>
-          <p:nvPr/>
-        </p:nvSpPr>
-        <p:spPr>
-          <a:xfrm>
-            <a:off x="1619697" y="3196151"/>
-            <a:ext cx="493160" cy="493160"/>
-          </a:xfrm>
-          <a:prstGeom prst="ellipse">
-            <a:avLst/>
-          </a:prstGeom>
-          <a:noFill/>
-          <a:ln>
-            <a:solidFill>
-              <a:schemeClr val="tx1"/>
-            </a:solidFill>
-          </a:ln>
-        </p:spPr>
-        <p:style>
-          <a:lnRef idx="2">
-            <a:schemeClr val="accent1">
-              <a:shade val="50000"/>
-            </a:schemeClr>
-          </a:lnRef>
-          <a:fillRef idx="1">
-            <a:schemeClr val="accent1"/>
-          </a:fillRef>
-          <a:effectRef idx="0">
-            <a:schemeClr val="accent1"/>
-          </a:effectRef>
-          <a:fontRef idx="minor">
-            <a:schemeClr val="lt1"/>
-          </a:fontRef>
-        </p:style>
-        <p:txBody>
-          <a:bodyPr rtlCol="0" anchor="ctr"/>
-          <a:lstStyle/>
-          <a:p>
-            <a:pPr algn="ctr"/>
-            <a:r>
-              <a:rPr lang="en-US" dirty="0">
-                <a:solidFill>
-                  <a:schemeClr val="tx1"/>
-                </a:solidFill>
-              </a:rPr>
-              <a:t>3</a:t>
-            </a:r>
-          </a:p>
-        </p:txBody>
-      </p:sp>
-      <p:sp>
-        <p:nvSpPr>
-          <p:cNvPr id="35" name="Oval 34">
-            <a:extLst>
-              <a:ext uri="{FF2B5EF4-FFF2-40B4-BE49-F238E27FC236}">
-                <a16:creationId xmlns:a16="http://schemas.microsoft.com/office/drawing/2014/main" id="{0DE64844-DF82-5F4B-8930-F9E875C42758}"/>
-              </a:ext>
-            </a:extLst>
-          </p:cNvPr>
-          <p:cNvSpPr/>
-          <p:nvPr/>
-        </p:nvSpPr>
-        <p:spPr>
-          <a:xfrm>
-            <a:off x="3314934" y="3196151"/>
-            <a:ext cx="493160" cy="493160"/>
-          </a:xfrm>
-          <a:prstGeom prst="ellipse">
-            <a:avLst/>
-          </a:prstGeom>
-          <a:noFill/>
-          <a:ln>
-            <a:solidFill>
-              <a:schemeClr val="tx1"/>
-            </a:solidFill>
-          </a:ln>
-        </p:spPr>
-        <p:style>
-          <a:lnRef idx="2">
-            <a:schemeClr val="accent1">
-              <a:shade val="50000"/>
-            </a:schemeClr>
-          </a:lnRef>
-          <a:fillRef idx="1">
-            <a:schemeClr val="accent1"/>
-          </a:fillRef>
-          <a:effectRef idx="0">
-            <a:schemeClr val="accent1"/>
-          </a:effectRef>
-          <a:fontRef idx="minor">
-            <a:schemeClr val="lt1"/>
-          </a:fontRef>
-        </p:style>
-        <p:txBody>
-          <a:bodyPr rtlCol="0" anchor="ctr"/>
-          <a:lstStyle/>
-          <a:p>
-            <a:pPr algn="ctr"/>
-            <a:r>
-              <a:rPr lang="en-US" dirty="0">
-                <a:solidFill>
-                  <a:schemeClr val="tx1"/>
-                </a:solidFill>
-              </a:rPr>
-              <a:t>6</a:t>
-            </a:r>
-          </a:p>
-        </p:txBody>
-      </p:sp>
-      <p:sp>
-        <p:nvSpPr>
-          <p:cNvPr id="36" name="Oval 35">
-            <a:extLst>
-              <a:ext uri="{FF2B5EF4-FFF2-40B4-BE49-F238E27FC236}">
-                <a16:creationId xmlns:a16="http://schemas.microsoft.com/office/drawing/2014/main" id="{FC732AAA-1D7C-FE4C-A4F3-6F49F2B9128B}"/>
-              </a:ext>
-            </a:extLst>
-          </p:cNvPr>
-          <p:cNvSpPr/>
-          <p:nvPr/>
-        </p:nvSpPr>
-        <p:spPr>
-          <a:xfrm>
-            <a:off x="3314934" y="3976129"/>
-            <a:ext cx="493160" cy="493160"/>
-          </a:xfrm>
-          <a:prstGeom prst="ellipse">
-            <a:avLst/>
-          </a:prstGeom>
-          <a:noFill/>
-          <a:ln>
-            <a:solidFill>
-              <a:schemeClr val="tx1"/>
-            </a:solidFill>
-          </a:ln>
-        </p:spPr>
-        <p:style>
-          <a:lnRef idx="2">
-            <a:schemeClr val="accent1">
-              <a:shade val="50000"/>
-            </a:schemeClr>
-          </a:lnRef>
-          <a:fillRef idx="1">
-            <a:schemeClr val="accent1"/>
-          </a:fillRef>
-          <a:effectRef idx="0">
-            <a:schemeClr val="accent1"/>
-          </a:effectRef>
-          <a:fontRef idx="minor">
-            <a:schemeClr val="lt1"/>
-          </a:fontRef>
-        </p:style>
-        <p:txBody>
-          <a:bodyPr rtlCol="0" anchor="ctr"/>
-          <a:lstStyle/>
-          <a:p>
-            <a:pPr algn="ctr"/>
-            <a:r>
-              <a:rPr lang="en-US" dirty="0">
-                <a:solidFill>
-                  <a:schemeClr val="tx1"/>
-                </a:solidFill>
-              </a:rPr>
-              <a:t>7</a:t>
-            </a:r>
-          </a:p>
-        </p:txBody>
-      </p:sp>
-      <p:sp>
-        <p:nvSpPr>
-          <p:cNvPr id="37" name="Oval 36">
-            <a:extLst>
-              <a:ext uri="{FF2B5EF4-FFF2-40B4-BE49-F238E27FC236}">
-                <a16:creationId xmlns:a16="http://schemas.microsoft.com/office/drawing/2014/main" id="{70C22177-D46E-1149-8BDD-48FA0C0AFB3F}"/>
-              </a:ext>
-            </a:extLst>
-          </p:cNvPr>
-          <p:cNvSpPr/>
-          <p:nvPr/>
-        </p:nvSpPr>
-        <p:spPr>
-          <a:xfrm>
-            <a:off x="1126537" y="3976129"/>
-            <a:ext cx="493160" cy="493160"/>
-          </a:xfrm>
-          <a:prstGeom prst="ellipse">
-            <a:avLst/>
-          </a:prstGeom>
-          <a:noFill/>
-          <a:ln>
-            <a:solidFill>
-              <a:schemeClr val="tx1"/>
-            </a:solidFill>
-          </a:ln>
-        </p:spPr>
-        <p:style>
-          <a:lnRef idx="2">
-            <a:schemeClr val="accent1">
-              <a:shade val="50000"/>
-            </a:schemeClr>
-          </a:lnRef>
-          <a:fillRef idx="1">
-            <a:schemeClr val="accent1"/>
-          </a:fillRef>
-          <a:effectRef idx="0">
-            <a:schemeClr val="accent1"/>
-          </a:effectRef>
-          <a:fontRef idx="minor">
-            <a:schemeClr val="lt1"/>
-          </a:fontRef>
-        </p:style>
-        <p:txBody>
-          <a:bodyPr rtlCol="0" anchor="ctr"/>
-          <a:lstStyle/>
-          <a:p>
-            <a:pPr algn="ctr"/>
-            <a:r>
-              <a:rPr lang="en-US" dirty="0">
-                <a:solidFill>
-                  <a:schemeClr val="tx1"/>
-                </a:solidFill>
-              </a:rPr>
-              <a:t>4</a:t>
-            </a:r>
-          </a:p>
-        </p:txBody>
-      </p:sp>
-      <p:sp>
-        <p:nvSpPr>
-          <p:cNvPr id="38" name="Oval 37">
-            <a:extLst>
-              <a:ext uri="{FF2B5EF4-FFF2-40B4-BE49-F238E27FC236}">
-                <a16:creationId xmlns:a16="http://schemas.microsoft.com/office/drawing/2014/main" id="{1627EC68-ED1E-CF44-9700-29DDB8674744}"/>
-              </a:ext>
-            </a:extLst>
-          </p:cNvPr>
-          <p:cNvSpPr/>
-          <p:nvPr/>
-        </p:nvSpPr>
-        <p:spPr>
-          <a:xfrm>
-            <a:off x="2040937" y="3976129"/>
-            <a:ext cx="493160" cy="493160"/>
-          </a:xfrm>
-          <a:prstGeom prst="ellipse">
-            <a:avLst/>
-          </a:prstGeom>
-          <a:noFill/>
-          <a:ln>
-            <a:solidFill>
-              <a:schemeClr val="tx1"/>
-            </a:solidFill>
-          </a:ln>
-        </p:spPr>
-        <p:style>
-          <a:lnRef idx="2">
-            <a:schemeClr val="accent1">
-              <a:shade val="50000"/>
-            </a:schemeClr>
-          </a:lnRef>
-          <a:fillRef idx="1">
-            <a:schemeClr val="accent1"/>
-          </a:fillRef>
-          <a:effectRef idx="0">
-            <a:schemeClr val="accent1"/>
-          </a:effectRef>
-          <a:fontRef idx="minor">
-            <a:schemeClr val="lt1"/>
-          </a:fontRef>
-        </p:style>
-        <p:txBody>
-          <a:bodyPr rtlCol="0" anchor="ctr"/>
-          <a:lstStyle/>
-          <a:p>
-            <a:pPr algn="ctr"/>
-            <a:r>
-              <a:rPr lang="en-US" dirty="0">
-                <a:solidFill>
-                  <a:schemeClr val="tx1"/>
-                </a:solidFill>
-              </a:rPr>
-              <a:t>5</a:t>
-            </a:r>
-          </a:p>
-        </p:txBody>
-      </p:sp>
-      <p:sp>
-        <p:nvSpPr>
-          <p:cNvPr id="39" name="Oval 38">
-            <a:extLst>
-              <a:ext uri="{FF2B5EF4-FFF2-40B4-BE49-F238E27FC236}">
-                <a16:creationId xmlns:a16="http://schemas.microsoft.com/office/drawing/2014/main" id="{AD0B9982-444D-3B4B-B14B-998BF829E730}"/>
-              </a:ext>
-            </a:extLst>
-          </p:cNvPr>
-          <p:cNvSpPr/>
-          <p:nvPr/>
-        </p:nvSpPr>
-        <p:spPr>
-          <a:xfrm>
-            <a:off x="1126537" y="4931627"/>
-            <a:ext cx="493160" cy="493160"/>
-          </a:xfrm>
-          <a:prstGeom prst="ellipse">
-            <a:avLst/>
-          </a:prstGeom>
-          <a:noFill/>
-          <a:ln>
-            <a:solidFill>
-              <a:schemeClr val="tx1"/>
-            </a:solidFill>
-          </a:ln>
-        </p:spPr>
-        <p:style>
-          <a:lnRef idx="2">
-            <a:schemeClr val="accent1">
-              <a:shade val="50000"/>
-            </a:schemeClr>
-          </a:lnRef>
-          <a:fillRef idx="1">
-            <a:schemeClr val="accent1"/>
-          </a:fillRef>
-          <a:effectRef idx="0">
-            <a:schemeClr val="accent1"/>
-          </a:effectRef>
-          <a:fontRef idx="minor">
-            <a:schemeClr val="lt1"/>
-          </a:fontRef>
-        </p:style>
-        <p:txBody>
-          <a:bodyPr rtlCol="0" anchor="ctr"/>
-          <a:lstStyle/>
-          <a:p>
-            <a:pPr algn="ctr"/>
-            <a:r>
-              <a:rPr lang="en-US" dirty="0">
-                <a:solidFill>
-                  <a:schemeClr val="tx1"/>
-                </a:solidFill>
-              </a:rPr>
-              <a:t>8</a:t>
-            </a:r>
-          </a:p>
-        </p:txBody>
-      </p:sp>
-      <p:sp>
-        <p:nvSpPr>
-          <p:cNvPr id="40" name="Oval 39">
-            <a:extLst>
-              <a:ext uri="{FF2B5EF4-FFF2-40B4-BE49-F238E27FC236}">
-                <a16:creationId xmlns:a16="http://schemas.microsoft.com/office/drawing/2014/main" id="{6EBF18CB-EF70-7746-82DB-CF95FB5A106A}"/>
-              </a:ext>
-            </a:extLst>
-          </p:cNvPr>
-          <p:cNvSpPr/>
-          <p:nvPr/>
-        </p:nvSpPr>
-        <p:spPr>
-          <a:xfrm>
-            <a:off x="2040937" y="4931627"/>
-            <a:ext cx="493160" cy="493160"/>
-          </a:xfrm>
-          <a:prstGeom prst="ellipse">
-            <a:avLst/>
-          </a:prstGeom>
-          <a:noFill/>
-          <a:ln>
-            <a:solidFill>
-              <a:schemeClr val="tx1"/>
-            </a:solidFill>
-          </a:ln>
-        </p:spPr>
-        <p:style>
-          <a:lnRef idx="2">
-            <a:schemeClr val="accent1">
-              <a:shade val="50000"/>
-            </a:schemeClr>
-          </a:lnRef>
-          <a:fillRef idx="1">
-            <a:schemeClr val="accent1"/>
-          </a:fillRef>
-          <a:effectRef idx="0">
-            <a:schemeClr val="accent1"/>
-          </a:effectRef>
-          <a:fontRef idx="minor">
-            <a:schemeClr val="lt1"/>
-          </a:fontRef>
-        </p:style>
-        <p:txBody>
-          <a:bodyPr rtlCol="0" anchor="ctr"/>
-          <a:lstStyle/>
-          <a:p>
-            <a:pPr algn="ctr"/>
-            <a:r>
-              <a:rPr lang="en-US" dirty="0">
-                <a:solidFill>
-                  <a:schemeClr val="tx1"/>
-                </a:solidFill>
-              </a:rPr>
-              <a:t>9</a:t>
-            </a:r>
-          </a:p>
-        </p:txBody>
-      </p:sp>
-      <p:sp>
-        <p:nvSpPr>
-          <p:cNvPr id="41" name="Oval 40">
-            <a:extLst>
-              <a:ext uri="{FF2B5EF4-FFF2-40B4-BE49-F238E27FC236}">
-                <a16:creationId xmlns:a16="http://schemas.microsoft.com/office/drawing/2014/main" id="{5DD254CB-A2FA-CB4C-B4FB-2E49363FED0D}"/>
-              </a:ext>
-            </a:extLst>
-          </p:cNvPr>
-          <p:cNvSpPr/>
-          <p:nvPr/>
-        </p:nvSpPr>
-        <p:spPr>
-          <a:xfrm>
-            <a:off x="3314933" y="4931627"/>
-            <a:ext cx="493160" cy="493160"/>
-          </a:xfrm>
-          <a:prstGeom prst="ellipse">
-            <a:avLst/>
-          </a:prstGeom>
-          <a:noFill/>
-          <a:ln>
-            <a:solidFill>
-              <a:schemeClr val="tx1"/>
-            </a:solidFill>
-          </a:ln>
-        </p:spPr>
-        <p:style>
-          <a:lnRef idx="2">
-            <a:schemeClr val="accent1">
-              <a:shade val="50000"/>
-            </a:schemeClr>
-          </a:lnRef>
-          <a:fillRef idx="1">
-            <a:schemeClr val="accent1"/>
-          </a:fillRef>
-          <a:effectRef idx="0">
-            <a:schemeClr val="accent1"/>
-          </a:effectRef>
-          <a:fontRef idx="minor">
-            <a:schemeClr val="lt1"/>
-          </a:fontRef>
-        </p:style>
-        <p:txBody>
-          <a:bodyPr rtlCol="0" anchor="ctr"/>
-          <a:lstStyle/>
-          <a:p>
-            <a:pPr algn="ctr"/>
-            <a:r>
-              <a:rPr lang="en-US" sz="1200" dirty="0">
-                <a:solidFill>
-                  <a:schemeClr val="tx1"/>
-                </a:solidFill>
-              </a:rPr>
-              <a:t>10</a:t>
-            </a:r>
-          </a:p>
-        </p:txBody>
-      </p:sp>
-      <p:cxnSp>
-        <p:nvCxnSpPr>
-          <p:cNvPr id="42" name="Straight Arrow Connector 41">
-            <a:extLst>
-              <a:ext uri="{FF2B5EF4-FFF2-40B4-BE49-F238E27FC236}">
-                <a16:creationId xmlns:a16="http://schemas.microsoft.com/office/drawing/2014/main" id="{5D377682-BF0E-3849-9862-A34A9122DE7C}"/>
-              </a:ext>
-            </a:extLst>
-          </p:cNvPr>
-          <p:cNvCxnSpPr>
-            <a:stCxn id="35" idx="4"/>
-            <a:endCxn id="36" idx="0"/>
-          </p:cNvCxnSpPr>
-          <p:nvPr/>
-        </p:nvCxnSpPr>
-        <p:spPr>
-          <a:xfrm>
-            <a:off x="3561514" y="3689311"/>
-            <a:ext cx="0" cy="286818"/>
-          </a:xfrm>
-          <a:prstGeom prst="straightConnector1">
-            <a:avLst/>
-          </a:prstGeom>
-          <a:ln>
-            <a:solidFill>
-              <a:schemeClr val="tx1"/>
-            </a:solidFill>
-            <a:tailEnd type="triangle"/>
-          </a:ln>
-        </p:spPr>
-        <p:style>
-          <a:lnRef idx="1">
-            <a:schemeClr val="accent1"/>
-          </a:lnRef>
-          <a:fillRef idx="0">
-            <a:schemeClr val="accent1"/>
-          </a:fillRef>
-          <a:effectRef idx="0">
-            <a:schemeClr val="accent1"/>
-          </a:effectRef>
-          <a:fontRef idx="minor">
-            <a:schemeClr val="tx1"/>
-          </a:fontRef>
-        </p:style>
-      </p:cxnSp>
-      <p:cxnSp>
-        <p:nvCxnSpPr>
-          <p:cNvPr id="43" name="Straight Arrow Connector 42">
-            <a:extLst>
-              <a:ext uri="{FF2B5EF4-FFF2-40B4-BE49-F238E27FC236}">
-                <a16:creationId xmlns:a16="http://schemas.microsoft.com/office/drawing/2014/main" id="{3C2FC4B9-7A23-2B48-9AFA-D27C49B79225}"/>
-              </a:ext>
-            </a:extLst>
-          </p:cNvPr>
-          <p:cNvCxnSpPr>
-            <a:cxnSpLocks/>
-            <a:stCxn id="36" idx="4"/>
-            <a:endCxn id="41" idx="0"/>
-          </p:cNvCxnSpPr>
-          <p:nvPr/>
-        </p:nvCxnSpPr>
-        <p:spPr>
-          <a:xfrm flipH="1">
-            <a:off x="3561513" y="4469289"/>
-            <a:ext cx="1" cy="462338"/>
-          </a:xfrm>
-          <a:prstGeom prst="straightConnector1">
-            <a:avLst/>
-          </a:prstGeom>
-          <a:ln>
-            <a:solidFill>
-              <a:schemeClr val="tx1"/>
-            </a:solidFill>
-            <a:tailEnd type="triangle"/>
-          </a:ln>
-        </p:spPr>
-        <p:style>
-          <a:lnRef idx="1">
-            <a:schemeClr val="accent1"/>
-          </a:lnRef>
-          <a:fillRef idx="0">
-            <a:schemeClr val="accent1"/>
-          </a:fillRef>
-          <a:effectRef idx="0">
-            <a:schemeClr val="accent1"/>
-          </a:effectRef>
-          <a:fontRef idx="minor">
-            <a:schemeClr val="tx1"/>
-          </a:fontRef>
-        </p:style>
-      </p:cxnSp>
-      <p:cxnSp>
-        <p:nvCxnSpPr>
-          <p:cNvPr id="44" name="Straight Arrow Connector 43">
-            <a:extLst>
-              <a:ext uri="{FF2B5EF4-FFF2-40B4-BE49-F238E27FC236}">
-                <a16:creationId xmlns:a16="http://schemas.microsoft.com/office/drawing/2014/main" id="{36CB5BB8-63CB-514C-A0F1-763A0FB2B74E}"/>
-              </a:ext>
-            </a:extLst>
-          </p:cNvPr>
-          <p:cNvCxnSpPr>
-            <a:cxnSpLocks/>
-            <a:stCxn id="38" idx="4"/>
-            <a:endCxn id="40" idx="0"/>
-          </p:cNvCxnSpPr>
-          <p:nvPr/>
-        </p:nvCxnSpPr>
-        <p:spPr>
-          <a:xfrm>
-            <a:off x="2287517" y="4469289"/>
-            <a:ext cx="0" cy="462338"/>
-          </a:xfrm>
-          <a:prstGeom prst="straightConnector1">
-            <a:avLst/>
-          </a:prstGeom>
-          <a:ln>
-            <a:solidFill>
-              <a:schemeClr val="tx1"/>
-            </a:solidFill>
-            <a:tailEnd type="triangle"/>
-          </a:ln>
-        </p:spPr>
-        <p:style>
-          <a:lnRef idx="1">
-            <a:schemeClr val="accent1"/>
-          </a:lnRef>
-          <a:fillRef idx="0">
-            <a:schemeClr val="accent1"/>
-          </a:fillRef>
-          <a:effectRef idx="0">
-            <a:schemeClr val="accent1"/>
-          </a:effectRef>
-          <a:fontRef idx="minor">
-            <a:schemeClr val="tx1"/>
-          </a:fontRef>
-        </p:style>
-      </p:cxnSp>
-      <p:cxnSp>
-        <p:nvCxnSpPr>
-          <p:cNvPr id="45" name="Straight Arrow Connector 44">
-            <a:extLst>
-              <a:ext uri="{FF2B5EF4-FFF2-40B4-BE49-F238E27FC236}">
-                <a16:creationId xmlns:a16="http://schemas.microsoft.com/office/drawing/2014/main" id="{61162574-D778-C545-93F0-66AAA771A921}"/>
-              </a:ext>
-            </a:extLst>
-          </p:cNvPr>
-          <p:cNvCxnSpPr>
-            <a:cxnSpLocks/>
-            <a:stCxn id="34" idx="4"/>
-            <a:endCxn id="38" idx="0"/>
-          </p:cNvCxnSpPr>
-          <p:nvPr/>
-        </p:nvCxnSpPr>
-        <p:spPr>
-          <a:xfrm>
-            <a:off x="1866277" y="3689311"/>
-            <a:ext cx="421240" cy="286818"/>
-          </a:xfrm>
-          <a:prstGeom prst="straightConnector1">
-            <a:avLst/>
-          </a:prstGeom>
-          <a:ln>
-            <a:solidFill>
-              <a:schemeClr val="tx1"/>
-            </a:solidFill>
-            <a:tailEnd type="triangle"/>
-          </a:ln>
-        </p:spPr>
-        <p:style>
-          <a:lnRef idx="1">
-            <a:schemeClr val="accent1"/>
-          </a:lnRef>
-          <a:fillRef idx="0">
-            <a:schemeClr val="accent1"/>
-          </a:fillRef>
-          <a:effectRef idx="0">
-            <a:schemeClr val="accent1"/>
-          </a:effectRef>
-          <a:fontRef idx="minor">
-            <a:schemeClr val="tx1"/>
-          </a:fontRef>
-        </p:style>
-      </p:cxnSp>
-      <p:cxnSp>
-        <p:nvCxnSpPr>
-          <p:cNvPr id="46" name="Straight Arrow Connector 45">
-            <a:extLst>
-              <a:ext uri="{FF2B5EF4-FFF2-40B4-BE49-F238E27FC236}">
-                <a16:creationId xmlns:a16="http://schemas.microsoft.com/office/drawing/2014/main" id="{1FCBC232-D0C0-6B42-97BB-515250AE6138}"/>
-              </a:ext>
-            </a:extLst>
-          </p:cNvPr>
-          <p:cNvCxnSpPr>
-            <a:cxnSpLocks/>
-            <a:stCxn id="34" idx="4"/>
-            <a:endCxn id="37" idx="0"/>
-          </p:cNvCxnSpPr>
-          <p:nvPr/>
-        </p:nvCxnSpPr>
-        <p:spPr>
-          <a:xfrm flipH="1">
-            <a:off x="1373117" y="3689311"/>
-            <a:ext cx="493160" cy="286818"/>
-          </a:xfrm>
-          <a:prstGeom prst="straightConnector1">
-            <a:avLst/>
-          </a:prstGeom>
-          <a:ln>
-            <a:solidFill>
-              <a:schemeClr val="tx1"/>
-            </a:solidFill>
-            <a:tailEnd type="triangle"/>
-          </a:ln>
-        </p:spPr>
-        <p:style>
-          <a:lnRef idx="1">
-            <a:schemeClr val="accent1"/>
-          </a:lnRef>
-          <a:fillRef idx="0">
-            <a:schemeClr val="accent1"/>
-          </a:fillRef>
-          <a:effectRef idx="0">
-            <a:schemeClr val="accent1"/>
-          </a:effectRef>
-          <a:fontRef idx="minor">
-            <a:schemeClr val="tx1"/>
-          </a:fontRef>
-        </p:style>
-      </p:cxnSp>
-      <p:cxnSp>
-        <p:nvCxnSpPr>
-          <p:cNvPr id="47" name="Straight Arrow Connector 46">
-            <a:extLst>
-              <a:ext uri="{FF2B5EF4-FFF2-40B4-BE49-F238E27FC236}">
-                <a16:creationId xmlns:a16="http://schemas.microsoft.com/office/drawing/2014/main" id="{A1415F2B-99FF-AC4C-AEE7-D0CEBF63F70F}"/>
-              </a:ext>
-            </a:extLst>
-          </p:cNvPr>
-          <p:cNvCxnSpPr>
-            <a:cxnSpLocks/>
-            <a:stCxn id="37" idx="4"/>
-            <a:endCxn id="39" idx="0"/>
-          </p:cNvCxnSpPr>
-          <p:nvPr/>
-        </p:nvCxnSpPr>
-        <p:spPr>
-          <a:xfrm>
-            <a:off x="1373117" y="4469289"/>
-            <a:ext cx="0" cy="462338"/>
-          </a:xfrm>
-          <a:prstGeom prst="straightConnector1">
-            <a:avLst/>
-          </a:prstGeom>
-          <a:ln>
-            <a:solidFill>
-              <a:schemeClr val="tx1"/>
-            </a:solidFill>
-            <a:tailEnd type="triangle"/>
-          </a:ln>
-        </p:spPr>
-        <p:style>
-          <a:lnRef idx="1">
-            <a:schemeClr val="accent1"/>
-          </a:lnRef>
-          <a:fillRef idx="0">
-            <a:schemeClr val="accent1"/>
-          </a:fillRef>
-          <a:effectRef idx="0">
-            <a:schemeClr val="accent1"/>
-          </a:effectRef>
-          <a:fontRef idx="minor">
-            <a:schemeClr val="tx1"/>
-          </a:fontRef>
-        </p:style>
-      </p:cxnSp>
-      <p:cxnSp>
-        <p:nvCxnSpPr>
-          <p:cNvPr id="48" name="Straight Arrow Connector 47">
-            <a:extLst>
-              <a:ext uri="{FF2B5EF4-FFF2-40B4-BE49-F238E27FC236}">
-                <a16:creationId xmlns:a16="http://schemas.microsoft.com/office/drawing/2014/main" id="{0F112471-FB24-EC40-9576-2C9D7CBBA525}"/>
-              </a:ext>
-            </a:extLst>
-          </p:cNvPr>
-          <p:cNvCxnSpPr>
-            <a:cxnSpLocks/>
-            <a:stCxn id="32" idx="4"/>
-            <a:endCxn id="33" idx="0"/>
-          </p:cNvCxnSpPr>
-          <p:nvPr/>
-        </p:nvCxnSpPr>
-        <p:spPr>
-          <a:xfrm>
-            <a:off x="2780677" y="1975238"/>
-            <a:ext cx="0" cy="265415"/>
-          </a:xfrm>
-          <a:prstGeom prst="straightConnector1">
-            <a:avLst/>
-          </a:prstGeom>
-          <a:ln>
-            <a:solidFill>
-              <a:schemeClr val="tx1"/>
-            </a:solidFill>
-            <a:tailEnd type="triangle"/>
-          </a:ln>
-        </p:spPr>
-        <p:style>
-          <a:lnRef idx="1">
-            <a:schemeClr val="accent1"/>
-          </a:lnRef>
-          <a:fillRef idx="0">
-            <a:schemeClr val="accent1"/>
-          </a:fillRef>
-          <a:effectRef idx="0">
-            <a:schemeClr val="accent1"/>
-          </a:effectRef>
-          <a:fontRef idx="minor">
-            <a:schemeClr val="tx1"/>
-          </a:fontRef>
-        </p:style>
-      </p:cxnSp>
-      <p:cxnSp>
-        <p:nvCxnSpPr>
-          <p:cNvPr id="49" name="Straight Arrow Connector 48">
-            <a:extLst>
-              <a:ext uri="{FF2B5EF4-FFF2-40B4-BE49-F238E27FC236}">
-                <a16:creationId xmlns:a16="http://schemas.microsoft.com/office/drawing/2014/main" id="{0A9DFB7D-5BD8-D34E-8E6F-DEF553AA9D5B}"/>
-              </a:ext>
-            </a:extLst>
-          </p:cNvPr>
-          <p:cNvCxnSpPr>
-            <a:cxnSpLocks/>
-            <a:stCxn id="33" idx="4"/>
-            <a:endCxn id="35" idx="0"/>
-          </p:cNvCxnSpPr>
-          <p:nvPr/>
-        </p:nvCxnSpPr>
-        <p:spPr>
-          <a:xfrm>
-            <a:off x="2780677" y="2733813"/>
-            <a:ext cx="780837" cy="462338"/>
-          </a:xfrm>
-          <a:prstGeom prst="straightConnector1">
-            <a:avLst/>
-          </a:prstGeom>
-          <a:ln>
-            <a:solidFill>
-              <a:schemeClr val="tx1"/>
-            </a:solidFill>
-            <a:tailEnd type="triangle"/>
-          </a:ln>
-        </p:spPr>
-        <p:style>
-          <a:lnRef idx="1">
-            <a:schemeClr val="accent1"/>
-          </a:lnRef>
-          <a:fillRef idx="0">
-            <a:schemeClr val="accent1"/>
-          </a:fillRef>
-          <a:effectRef idx="0">
-            <a:schemeClr val="accent1"/>
-          </a:effectRef>
-          <a:fontRef idx="minor">
-            <a:schemeClr val="tx1"/>
-          </a:fontRef>
-        </p:style>
-      </p:cxnSp>
-      <p:cxnSp>
-        <p:nvCxnSpPr>
-          <p:cNvPr id="50" name="Straight Arrow Connector 49">
-            <a:extLst>
-              <a:ext uri="{FF2B5EF4-FFF2-40B4-BE49-F238E27FC236}">
-                <a16:creationId xmlns:a16="http://schemas.microsoft.com/office/drawing/2014/main" id="{1C8084B2-183F-5F4D-B95A-76E865E64857}"/>
-              </a:ext>
-            </a:extLst>
-          </p:cNvPr>
-          <p:cNvCxnSpPr>
-            <a:cxnSpLocks/>
-            <a:stCxn id="33" idx="4"/>
-            <a:endCxn id="34" idx="0"/>
-          </p:cNvCxnSpPr>
-          <p:nvPr/>
-        </p:nvCxnSpPr>
-        <p:spPr>
-          <a:xfrm flipH="1">
-            <a:off x="1866277" y="2733813"/>
-            <a:ext cx="914400" cy="462338"/>
-          </a:xfrm>
-          <a:prstGeom prst="straightConnector1">
-            <a:avLst/>
-          </a:prstGeom>
-          <a:ln>
-            <a:solidFill>
-              <a:schemeClr val="tx1"/>
-            </a:solidFill>
-            <a:tailEnd type="triangle"/>
-          </a:ln>
-        </p:spPr>
-        <p:style>
-          <a:lnRef idx="1">
-            <a:schemeClr val="accent1"/>
-          </a:lnRef>
-          <a:fillRef idx="0">
-            <a:schemeClr val="accent1"/>
-          </a:fillRef>
-          <a:effectRef idx="0">
-            <a:schemeClr val="accent1"/>
-          </a:effectRef>
-          <a:fontRef idx="minor">
-            <a:schemeClr val="tx1"/>
-          </a:fontRef>
-        </p:style>
-      </p:cxnSp>
-      <p:cxnSp>
-        <p:nvCxnSpPr>
-          <p:cNvPr id="51" name="Straight Connector 50">
-            <a:extLst>
-              <a:ext uri="{FF2B5EF4-FFF2-40B4-BE49-F238E27FC236}">
-                <a16:creationId xmlns:a16="http://schemas.microsoft.com/office/drawing/2014/main" id="{308E64B6-552E-4F49-8D5E-9EFF019542EB}"/>
-              </a:ext>
-            </a:extLst>
-          </p:cNvPr>
-          <p:cNvCxnSpPr>
-            <a:cxnSpLocks/>
-          </p:cNvCxnSpPr>
-          <p:nvPr/>
-        </p:nvCxnSpPr>
-        <p:spPr>
-          <a:xfrm>
-            <a:off x="766944" y="2910187"/>
-            <a:ext cx="3493213" cy="0"/>
-          </a:xfrm>
-          <a:prstGeom prst="line">
-            <a:avLst/>
-          </a:prstGeom>
-          <a:ln>
-            <a:prstDash val="dash"/>
-          </a:ln>
-        </p:spPr>
-        <p:style>
-          <a:lnRef idx="1">
-            <a:schemeClr val="accent1"/>
-          </a:lnRef>
-          <a:fillRef idx="0">
-            <a:schemeClr val="accent1"/>
-          </a:fillRef>
-          <a:effectRef idx="0">
-            <a:schemeClr val="accent1"/>
-          </a:effectRef>
-          <a:fontRef idx="minor">
-            <a:schemeClr val="tx1"/>
-          </a:fontRef>
-        </p:style>
-      </p:cxnSp>
-      <p:cxnSp>
-        <p:nvCxnSpPr>
-          <p:cNvPr id="52" name="Straight Connector 51">
-            <a:extLst>
-              <a:ext uri="{FF2B5EF4-FFF2-40B4-BE49-F238E27FC236}">
-                <a16:creationId xmlns:a16="http://schemas.microsoft.com/office/drawing/2014/main" id="{B29E0569-1325-C24A-ACAB-15E36E2068E7}"/>
-              </a:ext>
-            </a:extLst>
-          </p:cNvPr>
-          <p:cNvCxnSpPr>
-            <a:cxnSpLocks/>
-          </p:cNvCxnSpPr>
-          <p:nvPr/>
-        </p:nvCxnSpPr>
-        <p:spPr>
-          <a:xfrm>
-            <a:off x="766944" y="4644808"/>
-            <a:ext cx="3493213" cy="0"/>
-          </a:xfrm>
-          <a:prstGeom prst="line">
-            <a:avLst/>
-          </a:prstGeom>
-          <a:ln>
-            <a:prstDash val="dash"/>
-          </a:ln>
-        </p:spPr>
-        <p:style>
-          <a:lnRef idx="1">
-            <a:schemeClr val="accent1"/>
-          </a:lnRef>
-          <a:fillRef idx="0">
-            <a:schemeClr val="accent1"/>
-          </a:fillRef>
-          <a:effectRef idx="0">
-            <a:schemeClr val="accent1"/>
-          </a:effectRef>
-          <a:fontRef idx="minor">
-            <a:schemeClr val="tx1"/>
-          </a:fontRef>
-        </p:style>
-      </p:cxnSp>
-      <p:cxnSp>
-        <p:nvCxnSpPr>
-          <p:cNvPr id="53" name="Straight Connector 52">
-            <a:extLst>
-              <a:ext uri="{FF2B5EF4-FFF2-40B4-BE49-F238E27FC236}">
-                <a16:creationId xmlns:a16="http://schemas.microsoft.com/office/drawing/2014/main" id="{884AE8EE-98E1-724A-ABE8-F9638D8EDC7D}"/>
-              </a:ext>
-            </a:extLst>
-          </p:cNvPr>
-          <p:cNvCxnSpPr>
-            <a:cxnSpLocks/>
-          </p:cNvCxnSpPr>
-          <p:nvPr/>
-        </p:nvCxnSpPr>
-        <p:spPr>
-          <a:xfrm>
-            <a:off x="2780677" y="2910187"/>
-            <a:ext cx="0" cy="2671281"/>
-          </a:xfrm>
-          <a:prstGeom prst="line">
-            <a:avLst/>
-          </a:prstGeom>
-          <a:ln>
-            <a:prstDash val="dash"/>
-          </a:ln>
-        </p:spPr>
-        <p:style>
-          <a:lnRef idx="1">
-            <a:schemeClr val="accent1"/>
-          </a:lnRef>
-          <a:fillRef idx="0">
-            <a:schemeClr val="accent1"/>
-          </a:fillRef>
-          <a:effectRef idx="0">
-            <a:schemeClr val="accent1"/>
-          </a:effectRef>
-          <a:fontRef idx="minor">
-            <a:schemeClr val="tx1"/>
-          </a:fontRef>
-        </p:style>
-      </p:cxnSp>
-      <p:cxnSp>
-        <p:nvCxnSpPr>
-          <p:cNvPr id="54" name="Straight Connector 53">
-            <a:extLst>
-              <a:ext uri="{FF2B5EF4-FFF2-40B4-BE49-F238E27FC236}">
-                <a16:creationId xmlns:a16="http://schemas.microsoft.com/office/drawing/2014/main" id="{A42AFFCF-1C30-1F45-8D19-65070470867B}"/>
-              </a:ext>
-            </a:extLst>
-          </p:cNvPr>
-          <p:cNvCxnSpPr>
-            <a:cxnSpLocks/>
-          </p:cNvCxnSpPr>
-          <p:nvPr/>
-        </p:nvCxnSpPr>
-        <p:spPr>
-          <a:xfrm>
-            <a:off x="1792648" y="4667926"/>
-            <a:ext cx="0" cy="913542"/>
-          </a:xfrm>
-          <a:prstGeom prst="line">
-            <a:avLst/>
-          </a:prstGeom>
-          <a:ln>
-            <a:prstDash val="dash"/>
-          </a:ln>
-        </p:spPr>
-        <p:style>
-          <a:lnRef idx="1">
-            <a:schemeClr val="accent1"/>
-          </a:lnRef>
-          <a:fillRef idx="0">
-            <a:schemeClr val="accent1"/>
-          </a:fillRef>
-          <a:effectRef idx="0">
-            <a:schemeClr val="accent1"/>
-          </a:effectRef>
-          <a:fontRef idx="minor">
-            <a:schemeClr val="tx1"/>
-          </a:fontRef>
-        </p:style>
-      </p:cxnSp>
-      <p:sp>
-        <p:nvSpPr>
-          <p:cNvPr id="55" name="TextBox 54">
-            <a:extLst>
-              <a:ext uri="{FF2B5EF4-FFF2-40B4-BE49-F238E27FC236}">
-                <a16:creationId xmlns:a16="http://schemas.microsoft.com/office/drawing/2014/main" id="{E1876040-B571-CB4F-B928-09755D90573D}"/>
-              </a:ext>
-            </a:extLst>
-          </p:cNvPr>
-          <p:cNvSpPr txBox="1"/>
-          <p:nvPr/>
-        </p:nvSpPr>
-        <p:spPr>
-          <a:xfrm>
-            <a:off x="766944" y="1482077"/>
-            <a:ext cx="976549" cy="338554"/>
-          </a:xfrm>
-          <a:prstGeom prst="rect">
-            <a:avLst/>
-          </a:prstGeom>
-          <a:noFill/>
-        </p:spPr>
-        <p:txBody>
-          <a:bodyPr wrap="none" rtlCol="0">
-            <a:spAutoFit/>
-          </a:bodyPr>
-          <a:lstStyle/>
-          <a:p>
-            <a:r>
-              <a:rPr lang="en-US" sz="1600" dirty="0">
-                <a:solidFill>
-                  <a:schemeClr val="accent1"/>
-                </a:solidFill>
-              </a:rPr>
-              <a:t>S1, S2, S3</a:t>
-            </a:r>
-          </a:p>
-        </p:txBody>
-      </p:sp>
-      <p:sp>
-        <p:nvSpPr>
-          <p:cNvPr id="56" name="TextBox 55">
-            <a:extLst>
-              <a:ext uri="{FF2B5EF4-FFF2-40B4-BE49-F238E27FC236}">
-                <a16:creationId xmlns:a16="http://schemas.microsoft.com/office/drawing/2014/main" id="{15863EAA-7E04-8247-95D5-CD5DAB016B68}"/>
-              </a:ext>
-            </a:extLst>
-          </p:cNvPr>
-          <p:cNvSpPr txBox="1"/>
-          <p:nvPr/>
-        </p:nvSpPr>
-        <p:spPr>
-          <a:xfrm>
-            <a:off x="722996" y="2987064"/>
-            <a:ext cx="679994" cy="338554"/>
-          </a:xfrm>
-          <a:prstGeom prst="rect">
-            <a:avLst/>
-          </a:prstGeom>
-          <a:noFill/>
-        </p:spPr>
-        <p:txBody>
-          <a:bodyPr wrap="none" rtlCol="0">
-            <a:spAutoFit/>
-          </a:bodyPr>
-          <a:lstStyle/>
-          <a:p>
-            <a:r>
-              <a:rPr lang="en-US" sz="1600" dirty="0">
-                <a:solidFill>
-                  <a:schemeClr val="accent1"/>
-                </a:solidFill>
-              </a:rPr>
-              <a:t>S1, S3</a:t>
-            </a:r>
-          </a:p>
-        </p:txBody>
-      </p:sp>
-      <p:sp>
-        <p:nvSpPr>
-          <p:cNvPr id="57" name="TextBox 56">
-            <a:extLst>
-              <a:ext uri="{FF2B5EF4-FFF2-40B4-BE49-F238E27FC236}">
-                <a16:creationId xmlns:a16="http://schemas.microsoft.com/office/drawing/2014/main" id="{5A11814A-5D21-9E40-9CCE-2C7B10863B93}"/>
-              </a:ext>
-            </a:extLst>
-          </p:cNvPr>
-          <p:cNvSpPr txBox="1"/>
-          <p:nvPr/>
-        </p:nvSpPr>
-        <p:spPr>
-          <a:xfrm>
-            <a:off x="3854075" y="2987064"/>
-            <a:ext cx="679994" cy="338554"/>
-          </a:xfrm>
-          <a:prstGeom prst="rect">
-            <a:avLst/>
-          </a:prstGeom>
-          <a:noFill/>
-        </p:spPr>
-        <p:txBody>
-          <a:bodyPr wrap="none" rtlCol="0">
-            <a:spAutoFit/>
-          </a:bodyPr>
-          <a:lstStyle/>
-          <a:p>
-            <a:r>
-              <a:rPr lang="en-US" sz="1600" dirty="0">
-                <a:solidFill>
-                  <a:schemeClr val="accent1"/>
-                </a:solidFill>
-              </a:rPr>
-              <a:t>S1, S2</a:t>
-            </a:r>
-          </a:p>
-        </p:txBody>
-      </p:sp>
-      <p:sp>
-        <p:nvSpPr>
-          <p:cNvPr id="58" name="TextBox 57">
-            <a:extLst>
-              <a:ext uri="{FF2B5EF4-FFF2-40B4-BE49-F238E27FC236}">
-                <a16:creationId xmlns:a16="http://schemas.microsoft.com/office/drawing/2014/main" id="{5E3ECC3F-01D2-0945-AE28-9517F5139D57}"/>
-              </a:ext>
-            </a:extLst>
-          </p:cNvPr>
-          <p:cNvSpPr txBox="1"/>
-          <p:nvPr/>
-        </p:nvSpPr>
-        <p:spPr>
-          <a:xfrm>
-            <a:off x="723477" y="4658015"/>
-            <a:ext cx="383438" cy="338554"/>
-          </a:xfrm>
-          <a:prstGeom prst="rect">
-            <a:avLst/>
-          </a:prstGeom>
-          <a:noFill/>
-        </p:spPr>
-        <p:txBody>
-          <a:bodyPr wrap="none" rtlCol="0">
-            <a:spAutoFit/>
-          </a:bodyPr>
-          <a:lstStyle/>
-          <a:p>
-            <a:r>
-              <a:rPr lang="en-US" sz="1600" dirty="0">
-                <a:solidFill>
-                  <a:schemeClr val="accent1"/>
-                </a:solidFill>
-              </a:rPr>
-              <a:t>S1</a:t>
-            </a:r>
-          </a:p>
-        </p:txBody>
-      </p:sp>
-      <p:sp>
-        <p:nvSpPr>
-          <p:cNvPr id="59" name="TextBox 58">
-            <a:extLst>
-              <a:ext uri="{FF2B5EF4-FFF2-40B4-BE49-F238E27FC236}">
-                <a16:creationId xmlns:a16="http://schemas.microsoft.com/office/drawing/2014/main" id="{D4785CD1-861B-3B41-A6B8-D9BB6F7EA423}"/>
-              </a:ext>
-            </a:extLst>
-          </p:cNvPr>
-          <p:cNvSpPr txBox="1"/>
-          <p:nvPr/>
-        </p:nvSpPr>
-        <p:spPr>
-          <a:xfrm>
-            <a:off x="1819516" y="4667926"/>
-            <a:ext cx="383438" cy="338554"/>
-          </a:xfrm>
-          <a:prstGeom prst="rect">
-            <a:avLst/>
-          </a:prstGeom>
-          <a:noFill/>
-        </p:spPr>
-        <p:txBody>
-          <a:bodyPr wrap="none" rtlCol="0">
-            <a:spAutoFit/>
-          </a:bodyPr>
-          <a:lstStyle/>
-          <a:p>
-            <a:r>
-              <a:rPr lang="en-US" sz="1600" dirty="0">
-                <a:solidFill>
-                  <a:schemeClr val="accent1"/>
-                </a:solidFill>
-              </a:rPr>
-              <a:t>S2</a:t>
-            </a:r>
-          </a:p>
-        </p:txBody>
-      </p:sp>
-      <p:sp>
-        <p:nvSpPr>
-          <p:cNvPr id="60" name="TextBox 59">
-            <a:extLst>
-              <a:ext uri="{FF2B5EF4-FFF2-40B4-BE49-F238E27FC236}">
-                <a16:creationId xmlns:a16="http://schemas.microsoft.com/office/drawing/2014/main" id="{BB0F0D35-AF1C-0341-AE38-7C0900D897DB}"/>
-              </a:ext>
-            </a:extLst>
-          </p:cNvPr>
-          <p:cNvSpPr txBox="1"/>
-          <p:nvPr/>
-        </p:nvSpPr>
-        <p:spPr>
-          <a:xfrm>
-            <a:off x="2826186" y="4656183"/>
-            <a:ext cx="383438" cy="338554"/>
-          </a:xfrm>
-          <a:prstGeom prst="rect">
-            <a:avLst/>
-          </a:prstGeom>
-          <a:noFill/>
-        </p:spPr>
-        <p:txBody>
-          <a:bodyPr wrap="none" rtlCol="0">
-            <a:spAutoFit/>
-          </a:bodyPr>
-          <a:lstStyle/>
-          <a:p>
-            <a:r>
-              <a:rPr lang="en-US" sz="1600" dirty="0">
-                <a:solidFill>
-                  <a:schemeClr val="accent1"/>
-                </a:solidFill>
-              </a:rPr>
-              <a:t>S3</a:t>
-            </a:r>
-          </a:p>
-        </p:txBody>
-      </p:sp>
-      <p:sp>
-        <p:nvSpPr>
-          <p:cNvPr id="61" name="Title 60">
-            <a:extLst>
-              <a:ext uri="{FF2B5EF4-FFF2-40B4-BE49-F238E27FC236}">
-                <a16:creationId xmlns:a16="http://schemas.microsoft.com/office/drawing/2014/main" id="{DADF2D13-A876-6641-BA55-9D7873F9FACF}"/>
-              </a:ext>
-            </a:extLst>
-          </p:cNvPr>
-          <p:cNvSpPr>
-            <a:spLocks noGrp="1"/>
-          </p:cNvSpPr>
-          <p:nvPr>
-            <p:ph type="title"/>
-          </p:nvPr>
-        </p:nvSpPr>
-        <p:spPr>
-          <a:xfrm>
-            <a:off x="722996" y="365125"/>
-            <a:ext cx="10630804" cy="357173"/>
-          </a:xfrm>
-        </p:spPr>
-        <p:txBody>
-          <a:bodyPr>
-            <a:noAutofit/>
-          </a:bodyPr>
-          <a:lstStyle/>
-          <a:p>
-            <a:r>
-              <a:rPr lang="en-US" sz="2400" dirty="0"/>
-              <a:t>Clustering first – not great at discriminating clusters within a box</a:t>
-            </a:r>
-          </a:p>
-        </p:txBody>
-      </p:sp>
-      <p:sp>
-        <p:nvSpPr>
-          <p:cNvPr id="62" name="TextBox 61">
-            <a:extLst>
-              <a:ext uri="{FF2B5EF4-FFF2-40B4-BE49-F238E27FC236}">
-                <a16:creationId xmlns:a16="http://schemas.microsoft.com/office/drawing/2014/main" id="{8E8E8D28-B622-E745-906E-881818BCD69E}"/>
-              </a:ext>
-            </a:extLst>
-          </p:cNvPr>
-          <p:cNvSpPr txBox="1"/>
-          <p:nvPr/>
-        </p:nvSpPr>
-        <p:spPr>
-          <a:xfrm>
-            <a:off x="5822334" y="6152409"/>
-            <a:ext cx="4736040" cy="369332"/>
-          </a:xfrm>
-          <a:prstGeom prst="rect">
-            <a:avLst/>
-          </a:prstGeom>
-          <a:noFill/>
-        </p:spPr>
-        <p:txBody>
-          <a:bodyPr wrap="none" rtlCol="0">
-            <a:spAutoFit/>
-          </a:bodyPr>
-          <a:lstStyle/>
-          <a:p>
-            <a:r>
-              <a:rPr lang="en-US" dirty="0"/>
-              <a:t>Simulated data: 100 variants total, 10 per cluster</a:t>
-            </a:r>
-          </a:p>
-        </p:txBody>
-      </p:sp>
     </p:spTree>
     <p:extLst>
       <p:ext uri="{BB962C8B-B14F-4D97-AF65-F5344CB8AC3E}">

--- a/v6/figs/test-data-1.pptx
+++ b/v6/figs/test-data-1.pptx
@@ -7,6 +7,8 @@
   <p:sldIdLst>
     <p:sldId id="256" r:id="rId2"/>
     <p:sldId id="257" r:id="rId3"/>
+    <p:sldId id="258" r:id="rId4"/>
+    <p:sldId id="259" r:id="rId5"/>
   </p:sldIdLst>
   <p:sldSz cx="12192000" cy="6858000"/>
   <p:notesSz cx="6858000" cy="9144000"/>
@@ -260,7 +262,7 @@
           <a:p>
             <a:fld id="{61B16F4C-C331-6548-96FB-81D0C6C1BA52}" type="datetimeFigureOut">
               <a:rPr lang="en-US" smtClean="0"/>
-              <a:t>1/20/20</a:t>
+              <a:t>1/21/20</a:t>
             </a:fld>
             <a:endParaRPr lang="en-US"/>
           </a:p>
@@ -458,7 +460,7 @@
           <a:p>
             <a:fld id="{61B16F4C-C331-6548-96FB-81D0C6C1BA52}" type="datetimeFigureOut">
               <a:rPr lang="en-US" smtClean="0"/>
-              <a:t>1/20/20</a:t>
+              <a:t>1/21/20</a:t>
             </a:fld>
             <a:endParaRPr lang="en-US"/>
           </a:p>
@@ -666,7 +668,7 @@
           <a:p>
             <a:fld id="{61B16F4C-C331-6548-96FB-81D0C6C1BA52}" type="datetimeFigureOut">
               <a:rPr lang="en-US" smtClean="0"/>
-              <a:t>1/20/20</a:t>
+              <a:t>1/21/20</a:t>
             </a:fld>
             <a:endParaRPr lang="en-US"/>
           </a:p>
@@ -864,7 +866,7 @@
           <a:p>
             <a:fld id="{61B16F4C-C331-6548-96FB-81D0C6C1BA52}" type="datetimeFigureOut">
               <a:rPr lang="en-US" smtClean="0"/>
-              <a:t>1/20/20</a:t>
+              <a:t>1/21/20</a:t>
             </a:fld>
             <a:endParaRPr lang="en-US"/>
           </a:p>
@@ -1139,7 +1141,7 @@
           <a:p>
             <a:fld id="{61B16F4C-C331-6548-96FB-81D0C6C1BA52}" type="datetimeFigureOut">
               <a:rPr lang="en-US" smtClean="0"/>
-              <a:t>1/20/20</a:t>
+              <a:t>1/21/20</a:t>
             </a:fld>
             <a:endParaRPr lang="en-US"/>
           </a:p>
@@ -1404,7 +1406,7 @@
           <a:p>
             <a:fld id="{61B16F4C-C331-6548-96FB-81D0C6C1BA52}" type="datetimeFigureOut">
               <a:rPr lang="en-US" smtClean="0"/>
-              <a:t>1/20/20</a:t>
+              <a:t>1/21/20</a:t>
             </a:fld>
             <a:endParaRPr lang="en-US"/>
           </a:p>
@@ -1816,7 +1818,7 @@
           <a:p>
             <a:fld id="{61B16F4C-C331-6548-96FB-81D0C6C1BA52}" type="datetimeFigureOut">
               <a:rPr lang="en-US" smtClean="0"/>
-              <a:t>1/20/20</a:t>
+              <a:t>1/21/20</a:t>
             </a:fld>
             <a:endParaRPr lang="en-US"/>
           </a:p>
@@ -1957,7 +1959,7 @@
           <a:p>
             <a:fld id="{61B16F4C-C331-6548-96FB-81D0C6C1BA52}" type="datetimeFigureOut">
               <a:rPr lang="en-US" smtClean="0"/>
-              <a:t>1/20/20</a:t>
+              <a:t>1/21/20</a:t>
             </a:fld>
             <a:endParaRPr lang="en-US"/>
           </a:p>
@@ -2070,7 +2072,7 @@
           <a:p>
             <a:fld id="{61B16F4C-C331-6548-96FB-81D0C6C1BA52}" type="datetimeFigureOut">
               <a:rPr lang="en-US" smtClean="0"/>
-              <a:t>1/20/20</a:t>
+              <a:t>1/21/20</a:t>
             </a:fld>
             <a:endParaRPr lang="en-US"/>
           </a:p>
@@ -2381,7 +2383,7 @@
           <a:p>
             <a:fld id="{61B16F4C-C331-6548-96FB-81D0C6C1BA52}" type="datetimeFigureOut">
               <a:rPr lang="en-US" smtClean="0"/>
-              <a:t>1/20/20</a:t>
+              <a:t>1/21/20</a:t>
             </a:fld>
             <a:endParaRPr lang="en-US"/>
           </a:p>
@@ -2669,7 +2671,7 @@
           <a:p>
             <a:fld id="{61B16F4C-C331-6548-96FB-81D0C6C1BA52}" type="datetimeFigureOut">
               <a:rPr lang="en-US" smtClean="0"/>
-              <a:t>1/20/20</a:t>
+              <a:t>1/21/20</a:t>
             </a:fld>
             <a:endParaRPr lang="en-US"/>
           </a:p>
@@ -2910,7 +2912,7 @@
           <a:p>
             <a:fld id="{61B16F4C-C331-6548-96FB-81D0C6C1BA52}" type="datetimeFigureOut">
               <a:rPr lang="en-US" smtClean="0"/>
-              <a:t>1/20/20</a:t>
+              <a:t>1/21/20</a:t>
             </a:fld>
             <a:endParaRPr lang="en-US"/>
           </a:p>
@@ -3327,1407 +3329,1428 @@
           <a:chExt cx="0" cy="0"/>
         </a:xfrm>
       </p:grpSpPr>
-      <p:sp>
-        <p:nvSpPr>
-          <p:cNvPr id="4" name="Oval 3">
+      <p:grpSp>
+        <p:nvGrpSpPr>
+          <p:cNvPr id="14" name="Group 13">
             <a:extLst>
               <a:ext uri="{FF2B5EF4-FFF2-40B4-BE49-F238E27FC236}">
-                <a16:creationId xmlns:a16="http://schemas.microsoft.com/office/drawing/2014/main" id="{B5D41B47-1BD4-FF40-A5DE-27C0D0A93FBA}"/>
+                <a16:creationId xmlns:a16="http://schemas.microsoft.com/office/drawing/2014/main" id="{131E8358-CE97-8143-9C2E-DDCFC44DD5BB}"/>
               </a:ext>
             </a:extLst>
           </p:cNvPr>
-          <p:cNvSpPr/>
+          <p:cNvGrpSpPr/>
           <p:nvPr/>
-        </p:nvSpPr>
-        <p:spPr>
+        </p:nvGrpSpPr>
+        <p:grpSpPr>
           <a:xfrm>
-            <a:off x="2534097" y="1482078"/>
-            <a:ext cx="493160" cy="493160"/>
+            <a:off x="722996" y="1482077"/>
+            <a:ext cx="3811073" cy="4099391"/>
+            <a:chOff x="722996" y="1482077"/>
+            <a:chExt cx="3811073" cy="4099391"/>
           </a:xfrm>
-          <a:prstGeom prst="ellipse">
-            <a:avLst/>
-          </a:prstGeom>
-          <a:noFill/>
-          <a:ln>
-            <a:solidFill>
+        </p:grpSpPr>
+        <p:sp>
+          <p:nvSpPr>
+            <p:cNvPr id="4" name="Oval 3">
+              <a:extLst>
+                <a:ext uri="{FF2B5EF4-FFF2-40B4-BE49-F238E27FC236}">
+                  <a16:creationId xmlns:a16="http://schemas.microsoft.com/office/drawing/2014/main" id="{B5D41B47-1BD4-FF40-A5DE-27C0D0A93FBA}"/>
+                </a:ext>
+              </a:extLst>
+            </p:cNvPr>
+            <p:cNvSpPr/>
+            <p:nvPr/>
+          </p:nvSpPr>
+          <p:spPr>
+            <a:xfrm>
+              <a:off x="2534097" y="1482078"/>
+              <a:ext cx="493160" cy="493160"/>
+            </a:xfrm>
+            <a:prstGeom prst="ellipse">
+              <a:avLst/>
+            </a:prstGeom>
+            <a:noFill/>
+            <a:ln>
+              <a:solidFill>
+                <a:schemeClr val="tx1"/>
+              </a:solidFill>
+            </a:ln>
+          </p:spPr>
+          <p:style>
+            <a:lnRef idx="2">
+              <a:schemeClr val="accent1">
+                <a:shade val="50000"/>
+              </a:schemeClr>
+            </a:lnRef>
+            <a:fillRef idx="1">
+              <a:schemeClr val="accent1"/>
+            </a:fillRef>
+            <a:effectRef idx="0">
+              <a:schemeClr val="accent1"/>
+            </a:effectRef>
+            <a:fontRef idx="minor">
+              <a:schemeClr val="lt1"/>
+            </a:fontRef>
+          </p:style>
+          <p:txBody>
+            <a:bodyPr rtlCol="0" anchor="ctr"/>
+            <a:lstStyle/>
+            <a:p>
+              <a:pPr algn="ctr"/>
+              <a:r>
+                <a:rPr lang="en-US" dirty="0">
+                  <a:solidFill>
+                    <a:schemeClr val="tx1"/>
+                  </a:solidFill>
+                </a:rPr>
+                <a:t>1</a:t>
+              </a:r>
+            </a:p>
+          </p:txBody>
+        </p:sp>
+        <p:sp>
+          <p:nvSpPr>
+            <p:cNvPr id="5" name="Oval 4">
+              <a:extLst>
+                <a:ext uri="{FF2B5EF4-FFF2-40B4-BE49-F238E27FC236}">
+                  <a16:creationId xmlns:a16="http://schemas.microsoft.com/office/drawing/2014/main" id="{48E3D16A-7CC9-2B40-8FFC-EE12AE8B29C6}"/>
+                </a:ext>
+              </a:extLst>
+            </p:cNvPr>
+            <p:cNvSpPr/>
+            <p:nvPr/>
+          </p:nvSpPr>
+          <p:spPr>
+            <a:xfrm>
+              <a:off x="2534097" y="2240653"/>
+              <a:ext cx="493160" cy="493160"/>
+            </a:xfrm>
+            <a:prstGeom prst="ellipse">
+              <a:avLst/>
+            </a:prstGeom>
+            <a:noFill/>
+            <a:ln>
+              <a:solidFill>
+                <a:schemeClr val="tx1"/>
+              </a:solidFill>
+            </a:ln>
+          </p:spPr>
+          <p:style>
+            <a:lnRef idx="2">
+              <a:schemeClr val="accent1">
+                <a:shade val="50000"/>
+              </a:schemeClr>
+            </a:lnRef>
+            <a:fillRef idx="1">
+              <a:schemeClr val="accent1"/>
+            </a:fillRef>
+            <a:effectRef idx="0">
+              <a:schemeClr val="accent1"/>
+            </a:effectRef>
+            <a:fontRef idx="minor">
+              <a:schemeClr val="lt1"/>
+            </a:fontRef>
+          </p:style>
+          <p:txBody>
+            <a:bodyPr rtlCol="0" anchor="ctr"/>
+            <a:lstStyle/>
+            <a:p>
+              <a:pPr algn="ctr"/>
+              <a:r>
+                <a:rPr lang="en-US" dirty="0">
+                  <a:solidFill>
+                    <a:schemeClr val="tx1"/>
+                  </a:solidFill>
+                </a:rPr>
+                <a:t>2</a:t>
+              </a:r>
+            </a:p>
+          </p:txBody>
+        </p:sp>
+        <p:sp>
+          <p:nvSpPr>
+            <p:cNvPr id="6" name="Oval 5">
+              <a:extLst>
+                <a:ext uri="{FF2B5EF4-FFF2-40B4-BE49-F238E27FC236}">
+                  <a16:creationId xmlns:a16="http://schemas.microsoft.com/office/drawing/2014/main" id="{B4729FC9-6C12-624F-8BF0-1D787A38DC40}"/>
+                </a:ext>
+              </a:extLst>
+            </p:cNvPr>
+            <p:cNvSpPr/>
+            <p:nvPr/>
+          </p:nvSpPr>
+          <p:spPr>
+            <a:xfrm>
+              <a:off x="1619697" y="3196151"/>
+              <a:ext cx="493160" cy="493160"/>
+            </a:xfrm>
+            <a:prstGeom prst="ellipse">
+              <a:avLst/>
+            </a:prstGeom>
+            <a:noFill/>
+            <a:ln>
+              <a:solidFill>
+                <a:schemeClr val="tx1"/>
+              </a:solidFill>
+            </a:ln>
+          </p:spPr>
+          <p:style>
+            <a:lnRef idx="2">
+              <a:schemeClr val="accent1">
+                <a:shade val="50000"/>
+              </a:schemeClr>
+            </a:lnRef>
+            <a:fillRef idx="1">
+              <a:schemeClr val="accent1"/>
+            </a:fillRef>
+            <a:effectRef idx="0">
+              <a:schemeClr val="accent1"/>
+            </a:effectRef>
+            <a:fontRef idx="minor">
+              <a:schemeClr val="lt1"/>
+            </a:fontRef>
+          </p:style>
+          <p:txBody>
+            <a:bodyPr rtlCol="0" anchor="ctr"/>
+            <a:lstStyle/>
+            <a:p>
+              <a:pPr algn="ctr"/>
+              <a:r>
+                <a:rPr lang="en-US" dirty="0">
+                  <a:solidFill>
+                    <a:schemeClr val="tx1"/>
+                  </a:solidFill>
+                </a:rPr>
+                <a:t>3</a:t>
+              </a:r>
+            </a:p>
+          </p:txBody>
+        </p:sp>
+        <p:sp>
+          <p:nvSpPr>
+            <p:cNvPr id="7" name="Oval 6">
+              <a:extLst>
+                <a:ext uri="{FF2B5EF4-FFF2-40B4-BE49-F238E27FC236}">
+                  <a16:creationId xmlns:a16="http://schemas.microsoft.com/office/drawing/2014/main" id="{4ADCA883-61C3-EE4F-A4C1-54CB76F4D61A}"/>
+                </a:ext>
+              </a:extLst>
+            </p:cNvPr>
+            <p:cNvSpPr/>
+            <p:nvPr/>
+          </p:nvSpPr>
+          <p:spPr>
+            <a:xfrm>
+              <a:off x="3314934" y="3196151"/>
+              <a:ext cx="493160" cy="493160"/>
+            </a:xfrm>
+            <a:prstGeom prst="ellipse">
+              <a:avLst/>
+            </a:prstGeom>
+            <a:noFill/>
+            <a:ln>
+              <a:solidFill>
+                <a:schemeClr val="tx1"/>
+              </a:solidFill>
+            </a:ln>
+          </p:spPr>
+          <p:style>
+            <a:lnRef idx="2">
+              <a:schemeClr val="accent1">
+                <a:shade val="50000"/>
+              </a:schemeClr>
+            </a:lnRef>
+            <a:fillRef idx="1">
+              <a:schemeClr val="accent1"/>
+            </a:fillRef>
+            <a:effectRef idx="0">
+              <a:schemeClr val="accent1"/>
+            </a:effectRef>
+            <a:fontRef idx="minor">
+              <a:schemeClr val="lt1"/>
+            </a:fontRef>
+          </p:style>
+          <p:txBody>
+            <a:bodyPr rtlCol="0" anchor="ctr"/>
+            <a:lstStyle/>
+            <a:p>
+              <a:pPr algn="ctr"/>
+              <a:r>
+                <a:rPr lang="en-US" dirty="0">
+                  <a:solidFill>
+                    <a:schemeClr val="tx1"/>
+                  </a:solidFill>
+                </a:rPr>
+                <a:t>6</a:t>
+              </a:r>
+            </a:p>
+          </p:txBody>
+        </p:sp>
+        <p:sp>
+          <p:nvSpPr>
+            <p:cNvPr id="8" name="Oval 7">
+              <a:extLst>
+                <a:ext uri="{FF2B5EF4-FFF2-40B4-BE49-F238E27FC236}">
+                  <a16:creationId xmlns:a16="http://schemas.microsoft.com/office/drawing/2014/main" id="{EB6AA96A-D7DA-2649-B0ED-3A3722FC6F48}"/>
+                </a:ext>
+              </a:extLst>
+            </p:cNvPr>
+            <p:cNvSpPr/>
+            <p:nvPr/>
+          </p:nvSpPr>
+          <p:spPr>
+            <a:xfrm>
+              <a:off x="3314934" y="3976129"/>
+              <a:ext cx="493160" cy="493160"/>
+            </a:xfrm>
+            <a:prstGeom prst="ellipse">
+              <a:avLst/>
+            </a:prstGeom>
+            <a:noFill/>
+            <a:ln>
+              <a:solidFill>
+                <a:schemeClr val="tx1"/>
+              </a:solidFill>
+            </a:ln>
+          </p:spPr>
+          <p:style>
+            <a:lnRef idx="2">
+              <a:schemeClr val="accent1">
+                <a:shade val="50000"/>
+              </a:schemeClr>
+            </a:lnRef>
+            <a:fillRef idx="1">
+              <a:schemeClr val="accent1"/>
+            </a:fillRef>
+            <a:effectRef idx="0">
+              <a:schemeClr val="accent1"/>
+            </a:effectRef>
+            <a:fontRef idx="minor">
+              <a:schemeClr val="lt1"/>
+            </a:fontRef>
+          </p:style>
+          <p:txBody>
+            <a:bodyPr rtlCol="0" anchor="ctr"/>
+            <a:lstStyle/>
+            <a:p>
+              <a:pPr algn="ctr"/>
+              <a:r>
+                <a:rPr lang="en-US" dirty="0">
+                  <a:solidFill>
+                    <a:schemeClr val="tx1"/>
+                  </a:solidFill>
+                </a:rPr>
+                <a:t>7</a:t>
+              </a:r>
+            </a:p>
+          </p:txBody>
+        </p:sp>
+        <p:sp>
+          <p:nvSpPr>
+            <p:cNvPr id="9" name="Oval 8">
+              <a:extLst>
+                <a:ext uri="{FF2B5EF4-FFF2-40B4-BE49-F238E27FC236}">
+                  <a16:creationId xmlns:a16="http://schemas.microsoft.com/office/drawing/2014/main" id="{D41B99D6-659A-7A41-830E-E18BB3786962}"/>
+                </a:ext>
+              </a:extLst>
+            </p:cNvPr>
+            <p:cNvSpPr/>
+            <p:nvPr/>
+          </p:nvSpPr>
+          <p:spPr>
+            <a:xfrm>
+              <a:off x="1126537" y="3976129"/>
+              <a:ext cx="493160" cy="493160"/>
+            </a:xfrm>
+            <a:prstGeom prst="ellipse">
+              <a:avLst/>
+            </a:prstGeom>
+            <a:noFill/>
+            <a:ln>
+              <a:solidFill>
+                <a:schemeClr val="tx1"/>
+              </a:solidFill>
+            </a:ln>
+          </p:spPr>
+          <p:style>
+            <a:lnRef idx="2">
+              <a:schemeClr val="accent1">
+                <a:shade val="50000"/>
+              </a:schemeClr>
+            </a:lnRef>
+            <a:fillRef idx="1">
+              <a:schemeClr val="accent1"/>
+            </a:fillRef>
+            <a:effectRef idx="0">
+              <a:schemeClr val="accent1"/>
+            </a:effectRef>
+            <a:fontRef idx="minor">
+              <a:schemeClr val="lt1"/>
+            </a:fontRef>
+          </p:style>
+          <p:txBody>
+            <a:bodyPr rtlCol="0" anchor="ctr"/>
+            <a:lstStyle/>
+            <a:p>
+              <a:pPr algn="ctr"/>
+              <a:r>
+                <a:rPr lang="en-US" dirty="0">
+                  <a:solidFill>
+                    <a:schemeClr val="tx1"/>
+                  </a:solidFill>
+                </a:rPr>
+                <a:t>4</a:t>
+              </a:r>
+            </a:p>
+          </p:txBody>
+        </p:sp>
+        <p:sp>
+          <p:nvSpPr>
+            <p:cNvPr id="10" name="Oval 9">
+              <a:extLst>
+                <a:ext uri="{FF2B5EF4-FFF2-40B4-BE49-F238E27FC236}">
+                  <a16:creationId xmlns:a16="http://schemas.microsoft.com/office/drawing/2014/main" id="{3023DFB8-586C-F844-B838-8F6F31DE873B}"/>
+                </a:ext>
+              </a:extLst>
+            </p:cNvPr>
+            <p:cNvSpPr/>
+            <p:nvPr/>
+          </p:nvSpPr>
+          <p:spPr>
+            <a:xfrm>
+              <a:off x="2040937" y="3976129"/>
+              <a:ext cx="493160" cy="493160"/>
+            </a:xfrm>
+            <a:prstGeom prst="ellipse">
+              <a:avLst/>
+            </a:prstGeom>
+            <a:noFill/>
+            <a:ln>
+              <a:solidFill>
+                <a:schemeClr val="tx1"/>
+              </a:solidFill>
+            </a:ln>
+          </p:spPr>
+          <p:style>
+            <a:lnRef idx="2">
+              <a:schemeClr val="accent1">
+                <a:shade val="50000"/>
+              </a:schemeClr>
+            </a:lnRef>
+            <a:fillRef idx="1">
+              <a:schemeClr val="accent1"/>
+            </a:fillRef>
+            <a:effectRef idx="0">
+              <a:schemeClr val="accent1"/>
+            </a:effectRef>
+            <a:fontRef idx="minor">
+              <a:schemeClr val="lt1"/>
+            </a:fontRef>
+          </p:style>
+          <p:txBody>
+            <a:bodyPr rtlCol="0" anchor="ctr"/>
+            <a:lstStyle/>
+            <a:p>
+              <a:pPr algn="ctr"/>
+              <a:r>
+                <a:rPr lang="en-US" dirty="0">
+                  <a:solidFill>
+                    <a:schemeClr val="tx1"/>
+                  </a:solidFill>
+                </a:rPr>
+                <a:t>5</a:t>
+              </a:r>
+            </a:p>
+          </p:txBody>
+        </p:sp>
+        <p:sp>
+          <p:nvSpPr>
+            <p:cNvPr id="11" name="Oval 10">
+              <a:extLst>
+                <a:ext uri="{FF2B5EF4-FFF2-40B4-BE49-F238E27FC236}">
+                  <a16:creationId xmlns:a16="http://schemas.microsoft.com/office/drawing/2014/main" id="{6C4B73C2-6733-FF4C-882F-3E3D6D1410DA}"/>
+                </a:ext>
+              </a:extLst>
+            </p:cNvPr>
+            <p:cNvSpPr/>
+            <p:nvPr/>
+          </p:nvSpPr>
+          <p:spPr>
+            <a:xfrm>
+              <a:off x="1126537" y="4931627"/>
+              <a:ext cx="493160" cy="493160"/>
+            </a:xfrm>
+            <a:prstGeom prst="ellipse">
+              <a:avLst/>
+            </a:prstGeom>
+            <a:noFill/>
+            <a:ln>
+              <a:solidFill>
+                <a:schemeClr val="tx1"/>
+              </a:solidFill>
+            </a:ln>
+          </p:spPr>
+          <p:style>
+            <a:lnRef idx="2">
+              <a:schemeClr val="accent1">
+                <a:shade val="50000"/>
+              </a:schemeClr>
+            </a:lnRef>
+            <a:fillRef idx="1">
+              <a:schemeClr val="accent1"/>
+            </a:fillRef>
+            <a:effectRef idx="0">
+              <a:schemeClr val="accent1"/>
+            </a:effectRef>
+            <a:fontRef idx="minor">
+              <a:schemeClr val="lt1"/>
+            </a:fontRef>
+          </p:style>
+          <p:txBody>
+            <a:bodyPr rtlCol="0" anchor="ctr"/>
+            <a:lstStyle/>
+            <a:p>
+              <a:pPr algn="ctr"/>
+              <a:r>
+                <a:rPr lang="en-US" dirty="0">
+                  <a:solidFill>
+                    <a:schemeClr val="tx1"/>
+                  </a:solidFill>
+                </a:rPr>
+                <a:t>8</a:t>
+              </a:r>
+            </a:p>
+          </p:txBody>
+        </p:sp>
+        <p:sp>
+          <p:nvSpPr>
+            <p:cNvPr id="12" name="Oval 11">
+              <a:extLst>
+                <a:ext uri="{FF2B5EF4-FFF2-40B4-BE49-F238E27FC236}">
+                  <a16:creationId xmlns:a16="http://schemas.microsoft.com/office/drawing/2014/main" id="{6612CFFE-9231-0541-A675-56E9B1CD5630}"/>
+                </a:ext>
+              </a:extLst>
+            </p:cNvPr>
+            <p:cNvSpPr/>
+            <p:nvPr/>
+          </p:nvSpPr>
+          <p:spPr>
+            <a:xfrm>
+              <a:off x="2040937" y="4931627"/>
+              <a:ext cx="493160" cy="493160"/>
+            </a:xfrm>
+            <a:prstGeom prst="ellipse">
+              <a:avLst/>
+            </a:prstGeom>
+            <a:noFill/>
+            <a:ln>
+              <a:solidFill>
+                <a:schemeClr val="tx1"/>
+              </a:solidFill>
+            </a:ln>
+          </p:spPr>
+          <p:style>
+            <a:lnRef idx="2">
+              <a:schemeClr val="accent1">
+                <a:shade val="50000"/>
+              </a:schemeClr>
+            </a:lnRef>
+            <a:fillRef idx="1">
+              <a:schemeClr val="accent1"/>
+            </a:fillRef>
+            <a:effectRef idx="0">
+              <a:schemeClr val="accent1"/>
+            </a:effectRef>
+            <a:fontRef idx="minor">
+              <a:schemeClr val="lt1"/>
+            </a:fontRef>
+          </p:style>
+          <p:txBody>
+            <a:bodyPr rtlCol="0" anchor="ctr"/>
+            <a:lstStyle/>
+            <a:p>
+              <a:pPr algn="ctr"/>
+              <a:r>
+                <a:rPr lang="en-US" dirty="0">
+                  <a:solidFill>
+                    <a:schemeClr val="tx1"/>
+                  </a:solidFill>
+                </a:rPr>
+                <a:t>9</a:t>
+              </a:r>
+            </a:p>
+          </p:txBody>
+        </p:sp>
+        <p:sp>
+          <p:nvSpPr>
+            <p:cNvPr id="13" name="Oval 12">
+              <a:extLst>
+                <a:ext uri="{FF2B5EF4-FFF2-40B4-BE49-F238E27FC236}">
+                  <a16:creationId xmlns:a16="http://schemas.microsoft.com/office/drawing/2014/main" id="{42B0E61B-7F29-4348-8798-A288FFFD5138}"/>
+                </a:ext>
+              </a:extLst>
+            </p:cNvPr>
+            <p:cNvSpPr/>
+            <p:nvPr/>
+          </p:nvSpPr>
+          <p:spPr>
+            <a:xfrm>
+              <a:off x="3314933" y="4931627"/>
+              <a:ext cx="493160" cy="493160"/>
+            </a:xfrm>
+            <a:prstGeom prst="ellipse">
+              <a:avLst/>
+            </a:prstGeom>
+            <a:noFill/>
+            <a:ln>
+              <a:solidFill>
+                <a:schemeClr val="tx1"/>
+              </a:solidFill>
+            </a:ln>
+          </p:spPr>
+          <p:style>
+            <a:lnRef idx="2">
+              <a:schemeClr val="accent1">
+                <a:shade val="50000"/>
+              </a:schemeClr>
+            </a:lnRef>
+            <a:fillRef idx="1">
+              <a:schemeClr val="accent1"/>
+            </a:fillRef>
+            <a:effectRef idx="0">
+              <a:schemeClr val="accent1"/>
+            </a:effectRef>
+            <a:fontRef idx="minor">
+              <a:schemeClr val="lt1"/>
+            </a:fontRef>
+          </p:style>
+          <p:txBody>
+            <a:bodyPr rtlCol="0" anchor="ctr"/>
+            <a:lstStyle/>
+            <a:p>
+              <a:pPr algn="ctr"/>
+              <a:r>
+                <a:rPr lang="en-US" sz="1200" dirty="0">
+                  <a:solidFill>
+                    <a:schemeClr val="tx1"/>
+                  </a:solidFill>
+                </a:rPr>
+                <a:t>10</a:t>
+              </a:r>
+            </a:p>
+          </p:txBody>
+        </p:sp>
+        <p:cxnSp>
+          <p:nvCxnSpPr>
+            <p:cNvPr id="21" name="Straight Arrow Connector 20">
+              <a:extLst>
+                <a:ext uri="{FF2B5EF4-FFF2-40B4-BE49-F238E27FC236}">
+                  <a16:creationId xmlns:a16="http://schemas.microsoft.com/office/drawing/2014/main" id="{EA6BA451-67BF-E447-B8CA-D68A8C65CFC1}"/>
+                </a:ext>
+              </a:extLst>
+            </p:cNvPr>
+            <p:cNvCxnSpPr>
+              <a:stCxn id="7" idx="4"/>
+              <a:endCxn id="8" idx="0"/>
+            </p:cNvCxnSpPr>
+            <p:nvPr/>
+          </p:nvCxnSpPr>
+          <p:spPr>
+            <a:xfrm>
+              <a:off x="3561514" y="3689311"/>
+              <a:ext cx="0" cy="286818"/>
+            </a:xfrm>
+            <a:prstGeom prst="straightConnector1">
+              <a:avLst/>
+            </a:prstGeom>
+            <a:ln>
+              <a:solidFill>
+                <a:schemeClr val="tx1"/>
+              </a:solidFill>
+              <a:tailEnd type="triangle"/>
+            </a:ln>
+          </p:spPr>
+          <p:style>
+            <a:lnRef idx="1">
+              <a:schemeClr val="accent1"/>
+            </a:lnRef>
+            <a:fillRef idx="0">
+              <a:schemeClr val="accent1"/>
+            </a:fillRef>
+            <a:effectRef idx="0">
+              <a:schemeClr val="accent1"/>
+            </a:effectRef>
+            <a:fontRef idx="minor">
               <a:schemeClr val="tx1"/>
-            </a:solidFill>
-          </a:ln>
-        </p:spPr>
-        <p:style>
-          <a:lnRef idx="2">
-            <a:schemeClr val="accent1">
-              <a:shade val="50000"/>
-            </a:schemeClr>
-          </a:lnRef>
-          <a:fillRef idx="1">
-            <a:schemeClr val="accent1"/>
-          </a:fillRef>
-          <a:effectRef idx="0">
-            <a:schemeClr val="accent1"/>
-          </a:effectRef>
-          <a:fontRef idx="minor">
-            <a:schemeClr val="lt1"/>
-          </a:fontRef>
-        </p:style>
-        <p:txBody>
-          <a:bodyPr rtlCol="0" anchor="ctr"/>
-          <a:lstStyle/>
-          <a:p>
-            <a:pPr algn="ctr"/>
-            <a:r>
-              <a:rPr lang="en-US" dirty="0">
-                <a:solidFill>
-                  <a:schemeClr val="tx1"/>
-                </a:solidFill>
-              </a:rPr>
-              <a:t>1</a:t>
-            </a:r>
-          </a:p>
-        </p:txBody>
-      </p:sp>
-      <p:sp>
-        <p:nvSpPr>
-          <p:cNvPr id="5" name="Oval 4">
-            <a:extLst>
-              <a:ext uri="{FF2B5EF4-FFF2-40B4-BE49-F238E27FC236}">
-                <a16:creationId xmlns:a16="http://schemas.microsoft.com/office/drawing/2014/main" id="{48E3D16A-7CC9-2B40-8FFC-EE12AE8B29C6}"/>
-              </a:ext>
-            </a:extLst>
-          </p:cNvPr>
-          <p:cNvSpPr/>
-          <p:nvPr/>
-        </p:nvSpPr>
-        <p:spPr>
-          <a:xfrm>
-            <a:off x="2534097" y="2240653"/>
-            <a:ext cx="493160" cy="493160"/>
-          </a:xfrm>
-          <a:prstGeom prst="ellipse">
-            <a:avLst/>
-          </a:prstGeom>
-          <a:noFill/>
-          <a:ln>
-            <a:solidFill>
+            </a:fontRef>
+          </p:style>
+        </p:cxnSp>
+        <p:cxnSp>
+          <p:nvCxnSpPr>
+            <p:cNvPr id="22" name="Straight Arrow Connector 21">
+              <a:extLst>
+                <a:ext uri="{FF2B5EF4-FFF2-40B4-BE49-F238E27FC236}">
+                  <a16:creationId xmlns:a16="http://schemas.microsoft.com/office/drawing/2014/main" id="{6FE64254-C864-2A45-A7DD-9FD5017F49F2}"/>
+                </a:ext>
+              </a:extLst>
+            </p:cNvPr>
+            <p:cNvCxnSpPr>
+              <a:cxnSpLocks/>
+              <a:stCxn id="8" idx="4"/>
+              <a:endCxn id="13" idx="0"/>
+            </p:cNvCxnSpPr>
+            <p:nvPr/>
+          </p:nvCxnSpPr>
+          <p:spPr>
+            <a:xfrm flipH="1">
+              <a:off x="3561513" y="4469289"/>
+              <a:ext cx="1" cy="462338"/>
+            </a:xfrm>
+            <a:prstGeom prst="straightConnector1">
+              <a:avLst/>
+            </a:prstGeom>
+            <a:ln>
+              <a:solidFill>
+                <a:schemeClr val="tx1"/>
+              </a:solidFill>
+              <a:tailEnd type="triangle"/>
+            </a:ln>
+          </p:spPr>
+          <p:style>
+            <a:lnRef idx="1">
+              <a:schemeClr val="accent1"/>
+            </a:lnRef>
+            <a:fillRef idx="0">
+              <a:schemeClr val="accent1"/>
+            </a:fillRef>
+            <a:effectRef idx="0">
+              <a:schemeClr val="accent1"/>
+            </a:effectRef>
+            <a:fontRef idx="minor">
               <a:schemeClr val="tx1"/>
-            </a:solidFill>
-          </a:ln>
-        </p:spPr>
-        <p:style>
-          <a:lnRef idx="2">
-            <a:schemeClr val="accent1">
-              <a:shade val="50000"/>
-            </a:schemeClr>
-          </a:lnRef>
-          <a:fillRef idx="1">
-            <a:schemeClr val="accent1"/>
-          </a:fillRef>
-          <a:effectRef idx="0">
-            <a:schemeClr val="accent1"/>
-          </a:effectRef>
-          <a:fontRef idx="minor">
-            <a:schemeClr val="lt1"/>
-          </a:fontRef>
-        </p:style>
-        <p:txBody>
-          <a:bodyPr rtlCol="0" anchor="ctr"/>
-          <a:lstStyle/>
-          <a:p>
-            <a:pPr algn="ctr"/>
-            <a:r>
-              <a:rPr lang="en-US" dirty="0">
-                <a:solidFill>
-                  <a:schemeClr val="tx1"/>
-                </a:solidFill>
-              </a:rPr>
-              <a:t>2</a:t>
-            </a:r>
-          </a:p>
-        </p:txBody>
-      </p:sp>
-      <p:sp>
-        <p:nvSpPr>
-          <p:cNvPr id="6" name="Oval 5">
-            <a:extLst>
-              <a:ext uri="{FF2B5EF4-FFF2-40B4-BE49-F238E27FC236}">
-                <a16:creationId xmlns:a16="http://schemas.microsoft.com/office/drawing/2014/main" id="{B4729FC9-6C12-624F-8BF0-1D787A38DC40}"/>
-              </a:ext>
-            </a:extLst>
-          </p:cNvPr>
-          <p:cNvSpPr/>
-          <p:nvPr/>
-        </p:nvSpPr>
-        <p:spPr>
-          <a:xfrm>
-            <a:off x="1619697" y="3196151"/>
-            <a:ext cx="493160" cy="493160"/>
-          </a:xfrm>
-          <a:prstGeom prst="ellipse">
-            <a:avLst/>
-          </a:prstGeom>
-          <a:noFill/>
-          <a:ln>
-            <a:solidFill>
+            </a:fontRef>
+          </p:style>
+        </p:cxnSp>
+        <p:cxnSp>
+          <p:nvCxnSpPr>
+            <p:cNvPr id="25" name="Straight Arrow Connector 24">
+              <a:extLst>
+                <a:ext uri="{FF2B5EF4-FFF2-40B4-BE49-F238E27FC236}">
+                  <a16:creationId xmlns:a16="http://schemas.microsoft.com/office/drawing/2014/main" id="{03993295-1653-BA41-B928-D4A14641AB0B}"/>
+                </a:ext>
+              </a:extLst>
+            </p:cNvPr>
+            <p:cNvCxnSpPr>
+              <a:cxnSpLocks/>
+              <a:stCxn id="10" idx="4"/>
+              <a:endCxn id="12" idx="0"/>
+            </p:cNvCxnSpPr>
+            <p:nvPr/>
+          </p:nvCxnSpPr>
+          <p:spPr>
+            <a:xfrm>
+              <a:off x="2287517" y="4469289"/>
+              <a:ext cx="0" cy="462338"/>
+            </a:xfrm>
+            <a:prstGeom prst="straightConnector1">
+              <a:avLst/>
+            </a:prstGeom>
+            <a:ln>
+              <a:solidFill>
+                <a:schemeClr val="tx1"/>
+              </a:solidFill>
+              <a:tailEnd type="triangle"/>
+            </a:ln>
+          </p:spPr>
+          <p:style>
+            <a:lnRef idx="1">
+              <a:schemeClr val="accent1"/>
+            </a:lnRef>
+            <a:fillRef idx="0">
+              <a:schemeClr val="accent1"/>
+            </a:fillRef>
+            <a:effectRef idx="0">
+              <a:schemeClr val="accent1"/>
+            </a:effectRef>
+            <a:fontRef idx="minor">
               <a:schemeClr val="tx1"/>
-            </a:solidFill>
-          </a:ln>
-        </p:spPr>
-        <p:style>
-          <a:lnRef idx="2">
-            <a:schemeClr val="accent1">
-              <a:shade val="50000"/>
-            </a:schemeClr>
-          </a:lnRef>
-          <a:fillRef idx="1">
-            <a:schemeClr val="accent1"/>
-          </a:fillRef>
-          <a:effectRef idx="0">
-            <a:schemeClr val="accent1"/>
-          </a:effectRef>
-          <a:fontRef idx="minor">
-            <a:schemeClr val="lt1"/>
-          </a:fontRef>
-        </p:style>
-        <p:txBody>
-          <a:bodyPr rtlCol="0" anchor="ctr"/>
-          <a:lstStyle/>
-          <a:p>
-            <a:pPr algn="ctr"/>
-            <a:r>
-              <a:rPr lang="en-US" dirty="0">
-                <a:solidFill>
-                  <a:schemeClr val="tx1"/>
-                </a:solidFill>
-              </a:rPr>
-              <a:t>3</a:t>
-            </a:r>
-          </a:p>
-        </p:txBody>
-      </p:sp>
-      <p:sp>
-        <p:nvSpPr>
-          <p:cNvPr id="7" name="Oval 6">
-            <a:extLst>
-              <a:ext uri="{FF2B5EF4-FFF2-40B4-BE49-F238E27FC236}">
-                <a16:creationId xmlns:a16="http://schemas.microsoft.com/office/drawing/2014/main" id="{4ADCA883-61C3-EE4F-A4C1-54CB76F4D61A}"/>
-              </a:ext>
-            </a:extLst>
-          </p:cNvPr>
-          <p:cNvSpPr/>
-          <p:nvPr/>
-        </p:nvSpPr>
-        <p:spPr>
-          <a:xfrm>
-            <a:off x="3314934" y="3196151"/>
-            <a:ext cx="493160" cy="493160"/>
-          </a:xfrm>
-          <a:prstGeom prst="ellipse">
-            <a:avLst/>
-          </a:prstGeom>
-          <a:noFill/>
-          <a:ln>
-            <a:solidFill>
+            </a:fontRef>
+          </p:style>
+        </p:cxnSp>
+        <p:cxnSp>
+          <p:nvCxnSpPr>
+            <p:cNvPr id="28" name="Straight Arrow Connector 27">
+              <a:extLst>
+                <a:ext uri="{FF2B5EF4-FFF2-40B4-BE49-F238E27FC236}">
+                  <a16:creationId xmlns:a16="http://schemas.microsoft.com/office/drawing/2014/main" id="{11EEE774-064B-FE4C-8F91-E9D03D6F2CB8}"/>
+                </a:ext>
+              </a:extLst>
+            </p:cNvPr>
+            <p:cNvCxnSpPr>
+              <a:cxnSpLocks/>
+              <a:stCxn id="6" idx="4"/>
+              <a:endCxn id="10" idx="0"/>
+            </p:cNvCxnSpPr>
+            <p:nvPr/>
+          </p:nvCxnSpPr>
+          <p:spPr>
+            <a:xfrm>
+              <a:off x="1866277" y="3689311"/>
+              <a:ext cx="421240" cy="286818"/>
+            </a:xfrm>
+            <a:prstGeom prst="straightConnector1">
+              <a:avLst/>
+            </a:prstGeom>
+            <a:ln>
+              <a:solidFill>
+                <a:schemeClr val="tx1"/>
+              </a:solidFill>
+              <a:tailEnd type="triangle"/>
+            </a:ln>
+          </p:spPr>
+          <p:style>
+            <a:lnRef idx="1">
+              <a:schemeClr val="accent1"/>
+            </a:lnRef>
+            <a:fillRef idx="0">
+              <a:schemeClr val="accent1"/>
+            </a:fillRef>
+            <a:effectRef idx="0">
+              <a:schemeClr val="accent1"/>
+            </a:effectRef>
+            <a:fontRef idx="minor">
               <a:schemeClr val="tx1"/>
-            </a:solidFill>
-          </a:ln>
-        </p:spPr>
-        <p:style>
-          <a:lnRef idx="2">
-            <a:schemeClr val="accent1">
-              <a:shade val="50000"/>
-            </a:schemeClr>
-          </a:lnRef>
-          <a:fillRef idx="1">
-            <a:schemeClr val="accent1"/>
-          </a:fillRef>
-          <a:effectRef idx="0">
-            <a:schemeClr val="accent1"/>
-          </a:effectRef>
-          <a:fontRef idx="minor">
-            <a:schemeClr val="lt1"/>
-          </a:fontRef>
-        </p:style>
-        <p:txBody>
-          <a:bodyPr rtlCol="0" anchor="ctr"/>
-          <a:lstStyle/>
-          <a:p>
-            <a:pPr algn="ctr"/>
-            <a:r>
-              <a:rPr lang="en-US" dirty="0">
-                <a:solidFill>
-                  <a:schemeClr val="tx1"/>
-                </a:solidFill>
-              </a:rPr>
-              <a:t>6</a:t>
-            </a:r>
-          </a:p>
-        </p:txBody>
-      </p:sp>
-      <p:sp>
-        <p:nvSpPr>
-          <p:cNvPr id="8" name="Oval 7">
-            <a:extLst>
-              <a:ext uri="{FF2B5EF4-FFF2-40B4-BE49-F238E27FC236}">
-                <a16:creationId xmlns:a16="http://schemas.microsoft.com/office/drawing/2014/main" id="{EB6AA96A-D7DA-2649-B0ED-3A3722FC6F48}"/>
-              </a:ext>
-            </a:extLst>
-          </p:cNvPr>
-          <p:cNvSpPr/>
-          <p:nvPr/>
-        </p:nvSpPr>
-        <p:spPr>
-          <a:xfrm>
-            <a:off x="3314934" y="3976129"/>
-            <a:ext cx="493160" cy="493160"/>
-          </a:xfrm>
-          <a:prstGeom prst="ellipse">
-            <a:avLst/>
-          </a:prstGeom>
-          <a:noFill/>
-          <a:ln>
-            <a:solidFill>
+            </a:fontRef>
+          </p:style>
+        </p:cxnSp>
+        <p:cxnSp>
+          <p:nvCxnSpPr>
+            <p:cNvPr id="31" name="Straight Arrow Connector 30">
+              <a:extLst>
+                <a:ext uri="{FF2B5EF4-FFF2-40B4-BE49-F238E27FC236}">
+                  <a16:creationId xmlns:a16="http://schemas.microsoft.com/office/drawing/2014/main" id="{A1E549D7-B7CC-7F4E-A39D-4E63FDC11422}"/>
+                </a:ext>
+              </a:extLst>
+            </p:cNvPr>
+            <p:cNvCxnSpPr>
+              <a:cxnSpLocks/>
+              <a:stCxn id="6" idx="4"/>
+              <a:endCxn id="9" idx="0"/>
+            </p:cNvCxnSpPr>
+            <p:nvPr/>
+          </p:nvCxnSpPr>
+          <p:spPr>
+            <a:xfrm flipH="1">
+              <a:off x="1373117" y="3689311"/>
+              <a:ext cx="493160" cy="286818"/>
+            </a:xfrm>
+            <a:prstGeom prst="straightConnector1">
+              <a:avLst/>
+            </a:prstGeom>
+            <a:ln>
+              <a:solidFill>
+                <a:schemeClr val="tx1"/>
+              </a:solidFill>
+              <a:tailEnd type="triangle"/>
+            </a:ln>
+          </p:spPr>
+          <p:style>
+            <a:lnRef idx="1">
+              <a:schemeClr val="accent1"/>
+            </a:lnRef>
+            <a:fillRef idx="0">
+              <a:schemeClr val="accent1"/>
+            </a:fillRef>
+            <a:effectRef idx="0">
+              <a:schemeClr val="accent1"/>
+            </a:effectRef>
+            <a:fontRef idx="minor">
               <a:schemeClr val="tx1"/>
-            </a:solidFill>
-          </a:ln>
-        </p:spPr>
-        <p:style>
-          <a:lnRef idx="2">
-            <a:schemeClr val="accent1">
-              <a:shade val="50000"/>
-            </a:schemeClr>
-          </a:lnRef>
-          <a:fillRef idx="1">
-            <a:schemeClr val="accent1"/>
-          </a:fillRef>
-          <a:effectRef idx="0">
-            <a:schemeClr val="accent1"/>
-          </a:effectRef>
-          <a:fontRef idx="minor">
-            <a:schemeClr val="lt1"/>
-          </a:fontRef>
-        </p:style>
-        <p:txBody>
-          <a:bodyPr rtlCol="0" anchor="ctr"/>
-          <a:lstStyle/>
-          <a:p>
-            <a:pPr algn="ctr"/>
-            <a:r>
-              <a:rPr lang="en-US" dirty="0">
-                <a:solidFill>
-                  <a:schemeClr val="tx1"/>
-                </a:solidFill>
-              </a:rPr>
-              <a:t>7</a:t>
-            </a:r>
-          </a:p>
-        </p:txBody>
-      </p:sp>
-      <p:sp>
-        <p:nvSpPr>
-          <p:cNvPr id="9" name="Oval 8">
-            <a:extLst>
-              <a:ext uri="{FF2B5EF4-FFF2-40B4-BE49-F238E27FC236}">
-                <a16:creationId xmlns:a16="http://schemas.microsoft.com/office/drawing/2014/main" id="{D41B99D6-659A-7A41-830E-E18BB3786962}"/>
-              </a:ext>
-            </a:extLst>
-          </p:cNvPr>
-          <p:cNvSpPr/>
-          <p:nvPr/>
-        </p:nvSpPr>
-        <p:spPr>
-          <a:xfrm>
-            <a:off x="1126537" y="3976129"/>
-            <a:ext cx="493160" cy="493160"/>
-          </a:xfrm>
-          <a:prstGeom prst="ellipse">
-            <a:avLst/>
-          </a:prstGeom>
-          <a:noFill/>
-          <a:ln>
-            <a:solidFill>
+            </a:fontRef>
+          </p:style>
+        </p:cxnSp>
+        <p:cxnSp>
+          <p:nvCxnSpPr>
+            <p:cNvPr id="34" name="Straight Arrow Connector 33">
+              <a:extLst>
+                <a:ext uri="{FF2B5EF4-FFF2-40B4-BE49-F238E27FC236}">
+                  <a16:creationId xmlns:a16="http://schemas.microsoft.com/office/drawing/2014/main" id="{CAA34AB7-4792-C344-8EC5-3F3DA47F0BBB}"/>
+                </a:ext>
+              </a:extLst>
+            </p:cNvPr>
+            <p:cNvCxnSpPr>
+              <a:cxnSpLocks/>
+              <a:stCxn id="9" idx="4"/>
+              <a:endCxn id="11" idx="0"/>
+            </p:cNvCxnSpPr>
+            <p:nvPr/>
+          </p:nvCxnSpPr>
+          <p:spPr>
+            <a:xfrm>
+              <a:off x="1373117" y="4469289"/>
+              <a:ext cx="0" cy="462338"/>
+            </a:xfrm>
+            <a:prstGeom prst="straightConnector1">
+              <a:avLst/>
+            </a:prstGeom>
+            <a:ln>
+              <a:solidFill>
+                <a:schemeClr val="tx1"/>
+              </a:solidFill>
+              <a:tailEnd type="triangle"/>
+            </a:ln>
+          </p:spPr>
+          <p:style>
+            <a:lnRef idx="1">
+              <a:schemeClr val="accent1"/>
+            </a:lnRef>
+            <a:fillRef idx="0">
+              <a:schemeClr val="accent1"/>
+            </a:fillRef>
+            <a:effectRef idx="0">
+              <a:schemeClr val="accent1"/>
+            </a:effectRef>
+            <a:fontRef idx="minor">
               <a:schemeClr val="tx1"/>
-            </a:solidFill>
-          </a:ln>
-        </p:spPr>
-        <p:style>
-          <a:lnRef idx="2">
-            <a:schemeClr val="accent1">
-              <a:shade val="50000"/>
-            </a:schemeClr>
-          </a:lnRef>
-          <a:fillRef idx="1">
-            <a:schemeClr val="accent1"/>
-          </a:fillRef>
-          <a:effectRef idx="0">
-            <a:schemeClr val="accent1"/>
-          </a:effectRef>
-          <a:fontRef idx="minor">
-            <a:schemeClr val="lt1"/>
-          </a:fontRef>
-        </p:style>
-        <p:txBody>
-          <a:bodyPr rtlCol="0" anchor="ctr"/>
-          <a:lstStyle/>
-          <a:p>
-            <a:pPr algn="ctr"/>
-            <a:r>
-              <a:rPr lang="en-US" dirty="0">
-                <a:solidFill>
-                  <a:schemeClr val="tx1"/>
-                </a:solidFill>
-              </a:rPr>
-              <a:t>4</a:t>
-            </a:r>
-          </a:p>
-        </p:txBody>
-      </p:sp>
-      <p:sp>
-        <p:nvSpPr>
-          <p:cNvPr id="10" name="Oval 9">
-            <a:extLst>
-              <a:ext uri="{FF2B5EF4-FFF2-40B4-BE49-F238E27FC236}">
-                <a16:creationId xmlns:a16="http://schemas.microsoft.com/office/drawing/2014/main" id="{3023DFB8-586C-F844-B838-8F6F31DE873B}"/>
-              </a:ext>
-            </a:extLst>
-          </p:cNvPr>
-          <p:cNvSpPr/>
-          <p:nvPr/>
-        </p:nvSpPr>
-        <p:spPr>
-          <a:xfrm>
-            <a:off x="2040937" y="3976129"/>
-            <a:ext cx="493160" cy="493160"/>
-          </a:xfrm>
-          <a:prstGeom prst="ellipse">
-            <a:avLst/>
-          </a:prstGeom>
-          <a:noFill/>
-          <a:ln>
-            <a:solidFill>
+            </a:fontRef>
+          </p:style>
+        </p:cxnSp>
+        <p:cxnSp>
+          <p:nvCxnSpPr>
+            <p:cNvPr id="37" name="Straight Arrow Connector 36">
+              <a:extLst>
+                <a:ext uri="{FF2B5EF4-FFF2-40B4-BE49-F238E27FC236}">
+                  <a16:creationId xmlns:a16="http://schemas.microsoft.com/office/drawing/2014/main" id="{477FF450-48A0-3E4A-9010-DA03F96D1A84}"/>
+                </a:ext>
+              </a:extLst>
+            </p:cNvPr>
+            <p:cNvCxnSpPr>
+              <a:cxnSpLocks/>
+              <a:stCxn id="4" idx="4"/>
+              <a:endCxn id="5" idx="0"/>
+            </p:cNvCxnSpPr>
+            <p:nvPr/>
+          </p:nvCxnSpPr>
+          <p:spPr>
+            <a:xfrm>
+              <a:off x="2780677" y="1975238"/>
+              <a:ext cx="0" cy="265415"/>
+            </a:xfrm>
+            <a:prstGeom prst="straightConnector1">
+              <a:avLst/>
+            </a:prstGeom>
+            <a:ln>
+              <a:solidFill>
+                <a:schemeClr val="tx1"/>
+              </a:solidFill>
+              <a:tailEnd type="triangle"/>
+            </a:ln>
+          </p:spPr>
+          <p:style>
+            <a:lnRef idx="1">
+              <a:schemeClr val="accent1"/>
+            </a:lnRef>
+            <a:fillRef idx="0">
+              <a:schemeClr val="accent1"/>
+            </a:fillRef>
+            <a:effectRef idx="0">
+              <a:schemeClr val="accent1"/>
+            </a:effectRef>
+            <a:fontRef idx="minor">
               <a:schemeClr val="tx1"/>
-            </a:solidFill>
-          </a:ln>
-        </p:spPr>
-        <p:style>
-          <a:lnRef idx="2">
-            <a:schemeClr val="accent1">
-              <a:shade val="50000"/>
-            </a:schemeClr>
-          </a:lnRef>
-          <a:fillRef idx="1">
-            <a:schemeClr val="accent1"/>
-          </a:fillRef>
-          <a:effectRef idx="0">
-            <a:schemeClr val="accent1"/>
-          </a:effectRef>
-          <a:fontRef idx="minor">
-            <a:schemeClr val="lt1"/>
-          </a:fontRef>
-        </p:style>
-        <p:txBody>
-          <a:bodyPr rtlCol="0" anchor="ctr"/>
-          <a:lstStyle/>
-          <a:p>
-            <a:pPr algn="ctr"/>
-            <a:r>
-              <a:rPr lang="en-US" dirty="0">
-                <a:solidFill>
-                  <a:schemeClr val="tx1"/>
-                </a:solidFill>
-              </a:rPr>
-              <a:t>5</a:t>
-            </a:r>
-          </a:p>
-        </p:txBody>
-      </p:sp>
-      <p:sp>
-        <p:nvSpPr>
-          <p:cNvPr id="11" name="Oval 10">
-            <a:extLst>
-              <a:ext uri="{FF2B5EF4-FFF2-40B4-BE49-F238E27FC236}">
-                <a16:creationId xmlns:a16="http://schemas.microsoft.com/office/drawing/2014/main" id="{6C4B73C2-6733-FF4C-882F-3E3D6D1410DA}"/>
-              </a:ext>
-            </a:extLst>
-          </p:cNvPr>
-          <p:cNvSpPr/>
-          <p:nvPr/>
-        </p:nvSpPr>
-        <p:spPr>
-          <a:xfrm>
-            <a:off x="1126537" y="4931627"/>
-            <a:ext cx="493160" cy="493160"/>
-          </a:xfrm>
-          <a:prstGeom prst="ellipse">
-            <a:avLst/>
-          </a:prstGeom>
-          <a:noFill/>
-          <a:ln>
-            <a:solidFill>
+            </a:fontRef>
+          </p:style>
+        </p:cxnSp>
+        <p:cxnSp>
+          <p:nvCxnSpPr>
+            <p:cNvPr id="40" name="Straight Arrow Connector 39">
+              <a:extLst>
+                <a:ext uri="{FF2B5EF4-FFF2-40B4-BE49-F238E27FC236}">
+                  <a16:creationId xmlns:a16="http://schemas.microsoft.com/office/drawing/2014/main" id="{88F05E4E-DEE6-2348-92F3-DB45F5E5B926}"/>
+                </a:ext>
+              </a:extLst>
+            </p:cNvPr>
+            <p:cNvCxnSpPr>
+              <a:cxnSpLocks/>
+              <a:stCxn id="5" idx="4"/>
+              <a:endCxn id="7" idx="0"/>
+            </p:cNvCxnSpPr>
+            <p:nvPr/>
+          </p:nvCxnSpPr>
+          <p:spPr>
+            <a:xfrm>
+              <a:off x="2780677" y="2733813"/>
+              <a:ext cx="780837" cy="462338"/>
+            </a:xfrm>
+            <a:prstGeom prst="straightConnector1">
+              <a:avLst/>
+            </a:prstGeom>
+            <a:ln>
+              <a:solidFill>
+                <a:schemeClr val="tx1"/>
+              </a:solidFill>
+              <a:tailEnd type="triangle"/>
+            </a:ln>
+          </p:spPr>
+          <p:style>
+            <a:lnRef idx="1">
+              <a:schemeClr val="accent1"/>
+            </a:lnRef>
+            <a:fillRef idx="0">
+              <a:schemeClr val="accent1"/>
+            </a:fillRef>
+            <a:effectRef idx="0">
+              <a:schemeClr val="accent1"/>
+            </a:effectRef>
+            <a:fontRef idx="minor">
               <a:schemeClr val="tx1"/>
-            </a:solidFill>
-          </a:ln>
-        </p:spPr>
-        <p:style>
-          <a:lnRef idx="2">
-            <a:schemeClr val="accent1">
-              <a:shade val="50000"/>
-            </a:schemeClr>
-          </a:lnRef>
-          <a:fillRef idx="1">
-            <a:schemeClr val="accent1"/>
-          </a:fillRef>
-          <a:effectRef idx="0">
-            <a:schemeClr val="accent1"/>
-          </a:effectRef>
-          <a:fontRef idx="minor">
-            <a:schemeClr val="lt1"/>
-          </a:fontRef>
-        </p:style>
-        <p:txBody>
-          <a:bodyPr rtlCol="0" anchor="ctr"/>
-          <a:lstStyle/>
-          <a:p>
-            <a:pPr algn="ctr"/>
-            <a:r>
-              <a:rPr lang="en-US" dirty="0">
-                <a:solidFill>
-                  <a:schemeClr val="tx1"/>
-                </a:solidFill>
-              </a:rPr>
-              <a:t>8</a:t>
-            </a:r>
-          </a:p>
-        </p:txBody>
-      </p:sp>
-      <p:sp>
-        <p:nvSpPr>
-          <p:cNvPr id="12" name="Oval 11">
-            <a:extLst>
-              <a:ext uri="{FF2B5EF4-FFF2-40B4-BE49-F238E27FC236}">
-                <a16:creationId xmlns:a16="http://schemas.microsoft.com/office/drawing/2014/main" id="{6612CFFE-9231-0541-A675-56E9B1CD5630}"/>
-              </a:ext>
-            </a:extLst>
-          </p:cNvPr>
-          <p:cNvSpPr/>
-          <p:nvPr/>
-        </p:nvSpPr>
-        <p:spPr>
-          <a:xfrm>
-            <a:off x="2040937" y="4931627"/>
-            <a:ext cx="493160" cy="493160"/>
-          </a:xfrm>
-          <a:prstGeom prst="ellipse">
-            <a:avLst/>
-          </a:prstGeom>
-          <a:noFill/>
-          <a:ln>
-            <a:solidFill>
+            </a:fontRef>
+          </p:style>
+        </p:cxnSp>
+        <p:cxnSp>
+          <p:nvCxnSpPr>
+            <p:cNvPr id="43" name="Straight Arrow Connector 42">
+              <a:extLst>
+                <a:ext uri="{FF2B5EF4-FFF2-40B4-BE49-F238E27FC236}">
+                  <a16:creationId xmlns:a16="http://schemas.microsoft.com/office/drawing/2014/main" id="{84BD1FCE-DD29-F242-A269-8C9490822A56}"/>
+                </a:ext>
+              </a:extLst>
+            </p:cNvPr>
+            <p:cNvCxnSpPr>
+              <a:cxnSpLocks/>
+              <a:stCxn id="5" idx="4"/>
+              <a:endCxn id="6" idx="0"/>
+            </p:cNvCxnSpPr>
+            <p:nvPr/>
+          </p:nvCxnSpPr>
+          <p:spPr>
+            <a:xfrm flipH="1">
+              <a:off x="1866277" y="2733813"/>
+              <a:ext cx="914400" cy="462338"/>
+            </a:xfrm>
+            <a:prstGeom prst="straightConnector1">
+              <a:avLst/>
+            </a:prstGeom>
+            <a:ln>
+              <a:solidFill>
+                <a:schemeClr val="tx1"/>
+              </a:solidFill>
+              <a:tailEnd type="triangle"/>
+            </a:ln>
+          </p:spPr>
+          <p:style>
+            <a:lnRef idx="1">
+              <a:schemeClr val="accent1"/>
+            </a:lnRef>
+            <a:fillRef idx="0">
+              <a:schemeClr val="accent1"/>
+            </a:fillRef>
+            <a:effectRef idx="0">
+              <a:schemeClr val="accent1"/>
+            </a:effectRef>
+            <a:fontRef idx="minor">
               <a:schemeClr val="tx1"/>
-            </a:solidFill>
-          </a:ln>
-        </p:spPr>
-        <p:style>
-          <a:lnRef idx="2">
-            <a:schemeClr val="accent1">
-              <a:shade val="50000"/>
-            </a:schemeClr>
-          </a:lnRef>
-          <a:fillRef idx="1">
-            <a:schemeClr val="accent1"/>
-          </a:fillRef>
-          <a:effectRef idx="0">
-            <a:schemeClr val="accent1"/>
-          </a:effectRef>
-          <a:fontRef idx="minor">
-            <a:schemeClr val="lt1"/>
-          </a:fontRef>
-        </p:style>
-        <p:txBody>
-          <a:bodyPr rtlCol="0" anchor="ctr"/>
-          <a:lstStyle/>
-          <a:p>
-            <a:pPr algn="ctr"/>
-            <a:r>
-              <a:rPr lang="en-US" dirty="0">
-                <a:solidFill>
-                  <a:schemeClr val="tx1"/>
-                </a:solidFill>
-              </a:rPr>
-              <a:t>9</a:t>
-            </a:r>
-          </a:p>
-        </p:txBody>
-      </p:sp>
-      <p:sp>
-        <p:nvSpPr>
-          <p:cNvPr id="13" name="Oval 12">
-            <a:extLst>
-              <a:ext uri="{FF2B5EF4-FFF2-40B4-BE49-F238E27FC236}">
-                <a16:creationId xmlns:a16="http://schemas.microsoft.com/office/drawing/2014/main" id="{42B0E61B-7F29-4348-8798-A288FFFD5138}"/>
-              </a:ext>
-            </a:extLst>
-          </p:cNvPr>
-          <p:cNvSpPr/>
-          <p:nvPr/>
-        </p:nvSpPr>
-        <p:spPr>
-          <a:xfrm>
-            <a:off x="3314933" y="4931627"/>
-            <a:ext cx="493160" cy="493160"/>
-          </a:xfrm>
-          <a:prstGeom prst="ellipse">
-            <a:avLst/>
-          </a:prstGeom>
-          <a:noFill/>
-          <a:ln>
-            <a:solidFill>
+            </a:fontRef>
+          </p:style>
+        </p:cxnSp>
+        <p:cxnSp>
+          <p:nvCxnSpPr>
+            <p:cNvPr id="47" name="Straight Connector 46">
+              <a:extLst>
+                <a:ext uri="{FF2B5EF4-FFF2-40B4-BE49-F238E27FC236}">
+                  <a16:creationId xmlns:a16="http://schemas.microsoft.com/office/drawing/2014/main" id="{A9AE24C4-C998-EB45-A49E-E64251DE3C3C}"/>
+                </a:ext>
+              </a:extLst>
+            </p:cNvPr>
+            <p:cNvCxnSpPr>
+              <a:cxnSpLocks/>
+            </p:cNvCxnSpPr>
+            <p:nvPr/>
+          </p:nvCxnSpPr>
+          <p:spPr>
+            <a:xfrm>
+              <a:off x="766944" y="2910187"/>
+              <a:ext cx="3493213" cy="0"/>
+            </a:xfrm>
+            <a:prstGeom prst="line">
+              <a:avLst/>
+            </a:prstGeom>
+            <a:ln>
+              <a:prstDash val="dash"/>
+            </a:ln>
+          </p:spPr>
+          <p:style>
+            <a:lnRef idx="1">
+              <a:schemeClr val="accent1"/>
+            </a:lnRef>
+            <a:fillRef idx="0">
+              <a:schemeClr val="accent1"/>
+            </a:fillRef>
+            <a:effectRef idx="0">
+              <a:schemeClr val="accent1"/>
+            </a:effectRef>
+            <a:fontRef idx="minor">
               <a:schemeClr val="tx1"/>
-            </a:solidFill>
-          </a:ln>
-        </p:spPr>
-        <p:style>
-          <a:lnRef idx="2">
-            <a:schemeClr val="accent1">
-              <a:shade val="50000"/>
-            </a:schemeClr>
-          </a:lnRef>
-          <a:fillRef idx="1">
-            <a:schemeClr val="accent1"/>
-          </a:fillRef>
-          <a:effectRef idx="0">
-            <a:schemeClr val="accent1"/>
-          </a:effectRef>
-          <a:fontRef idx="minor">
-            <a:schemeClr val="lt1"/>
-          </a:fontRef>
-        </p:style>
-        <p:txBody>
-          <a:bodyPr rtlCol="0" anchor="ctr"/>
-          <a:lstStyle/>
-          <a:p>
-            <a:pPr algn="ctr"/>
-            <a:r>
-              <a:rPr lang="en-US" sz="1200" dirty="0">
-                <a:solidFill>
-                  <a:schemeClr val="tx1"/>
-                </a:solidFill>
-              </a:rPr>
-              <a:t>10</a:t>
-            </a:r>
-          </a:p>
-        </p:txBody>
-      </p:sp>
-      <p:cxnSp>
-        <p:nvCxnSpPr>
-          <p:cNvPr id="21" name="Straight Arrow Connector 20">
-            <a:extLst>
-              <a:ext uri="{FF2B5EF4-FFF2-40B4-BE49-F238E27FC236}">
-                <a16:creationId xmlns:a16="http://schemas.microsoft.com/office/drawing/2014/main" id="{EA6BA451-67BF-E447-B8CA-D68A8C65CFC1}"/>
-              </a:ext>
-            </a:extLst>
-          </p:cNvPr>
-          <p:cNvCxnSpPr>
-            <a:stCxn id="7" idx="4"/>
-            <a:endCxn id="8" idx="0"/>
-          </p:cNvCxnSpPr>
-          <p:nvPr/>
-        </p:nvCxnSpPr>
-        <p:spPr>
-          <a:xfrm>
-            <a:off x="3561514" y="3689311"/>
-            <a:ext cx="0" cy="286818"/>
-          </a:xfrm>
-          <a:prstGeom prst="straightConnector1">
-            <a:avLst/>
-          </a:prstGeom>
-          <a:ln>
-            <a:solidFill>
+            </a:fontRef>
+          </p:style>
+        </p:cxnSp>
+        <p:cxnSp>
+          <p:nvCxnSpPr>
+            <p:cNvPr id="48" name="Straight Connector 47">
+              <a:extLst>
+                <a:ext uri="{FF2B5EF4-FFF2-40B4-BE49-F238E27FC236}">
+                  <a16:creationId xmlns:a16="http://schemas.microsoft.com/office/drawing/2014/main" id="{5CEB1D9F-A3F7-F34A-89EC-628E8E485A2B}"/>
+                </a:ext>
+              </a:extLst>
+            </p:cNvPr>
+            <p:cNvCxnSpPr>
+              <a:cxnSpLocks/>
+            </p:cNvCxnSpPr>
+            <p:nvPr/>
+          </p:nvCxnSpPr>
+          <p:spPr>
+            <a:xfrm>
+              <a:off x="766944" y="4644808"/>
+              <a:ext cx="3493213" cy="0"/>
+            </a:xfrm>
+            <a:prstGeom prst="line">
+              <a:avLst/>
+            </a:prstGeom>
+            <a:ln>
+              <a:prstDash val="dash"/>
+            </a:ln>
+          </p:spPr>
+          <p:style>
+            <a:lnRef idx="1">
+              <a:schemeClr val="accent1"/>
+            </a:lnRef>
+            <a:fillRef idx="0">
+              <a:schemeClr val="accent1"/>
+            </a:fillRef>
+            <a:effectRef idx="0">
+              <a:schemeClr val="accent1"/>
+            </a:effectRef>
+            <a:fontRef idx="minor">
               <a:schemeClr val="tx1"/>
-            </a:solidFill>
-            <a:tailEnd type="triangle"/>
-          </a:ln>
-        </p:spPr>
-        <p:style>
-          <a:lnRef idx="1">
-            <a:schemeClr val="accent1"/>
-          </a:lnRef>
-          <a:fillRef idx="0">
-            <a:schemeClr val="accent1"/>
-          </a:fillRef>
-          <a:effectRef idx="0">
-            <a:schemeClr val="accent1"/>
-          </a:effectRef>
-          <a:fontRef idx="minor">
-            <a:schemeClr val="tx1"/>
-          </a:fontRef>
-        </p:style>
-      </p:cxnSp>
-      <p:cxnSp>
-        <p:nvCxnSpPr>
-          <p:cNvPr id="22" name="Straight Arrow Connector 21">
-            <a:extLst>
-              <a:ext uri="{FF2B5EF4-FFF2-40B4-BE49-F238E27FC236}">
-                <a16:creationId xmlns:a16="http://schemas.microsoft.com/office/drawing/2014/main" id="{6FE64254-C864-2A45-A7DD-9FD5017F49F2}"/>
-              </a:ext>
-            </a:extLst>
-          </p:cNvPr>
-          <p:cNvCxnSpPr>
-            <a:cxnSpLocks/>
-            <a:stCxn id="8" idx="4"/>
-            <a:endCxn id="13" idx="0"/>
-          </p:cNvCxnSpPr>
-          <p:nvPr/>
-        </p:nvCxnSpPr>
-        <p:spPr>
-          <a:xfrm flipH="1">
-            <a:off x="3561513" y="4469289"/>
-            <a:ext cx="1" cy="462338"/>
-          </a:xfrm>
-          <a:prstGeom prst="straightConnector1">
-            <a:avLst/>
-          </a:prstGeom>
-          <a:ln>
-            <a:solidFill>
+            </a:fontRef>
+          </p:style>
+        </p:cxnSp>
+        <p:cxnSp>
+          <p:nvCxnSpPr>
+            <p:cNvPr id="49" name="Straight Connector 48">
+              <a:extLst>
+                <a:ext uri="{FF2B5EF4-FFF2-40B4-BE49-F238E27FC236}">
+                  <a16:creationId xmlns:a16="http://schemas.microsoft.com/office/drawing/2014/main" id="{C8E0A46D-3A3B-3D40-8461-E200D043EBF7}"/>
+                </a:ext>
+              </a:extLst>
+            </p:cNvPr>
+            <p:cNvCxnSpPr>
+              <a:cxnSpLocks/>
+            </p:cNvCxnSpPr>
+            <p:nvPr/>
+          </p:nvCxnSpPr>
+          <p:spPr>
+            <a:xfrm>
+              <a:off x="2780677" y="2910187"/>
+              <a:ext cx="0" cy="2671281"/>
+            </a:xfrm>
+            <a:prstGeom prst="line">
+              <a:avLst/>
+            </a:prstGeom>
+            <a:ln>
+              <a:prstDash val="dash"/>
+            </a:ln>
+          </p:spPr>
+          <p:style>
+            <a:lnRef idx="1">
+              <a:schemeClr val="accent1"/>
+            </a:lnRef>
+            <a:fillRef idx="0">
+              <a:schemeClr val="accent1"/>
+            </a:fillRef>
+            <a:effectRef idx="0">
+              <a:schemeClr val="accent1"/>
+            </a:effectRef>
+            <a:fontRef idx="minor">
               <a:schemeClr val="tx1"/>
-            </a:solidFill>
-            <a:tailEnd type="triangle"/>
-          </a:ln>
-        </p:spPr>
-        <p:style>
-          <a:lnRef idx="1">
-            <a:schemeClr val="accent1"/>
-          </a:lnRef>
-          <a:fillRef idx="0">
-            <a:schemeClr val="accent1"/>
-          </a:fillRef>
-          <a:effectRef idx="0">
-            <a:schemeClr val="accent1"/>
-          </a:effectRef>
-          <a:fontRef idx="minor">
-            <a:schemeClr val="tx1"/>
-          </a:fontRef>
-        </p:style>
-      </p:cxnSp>
-      <p:cxnSp>
-        <p:nvCxnSpPr>
-          <p:cNvPr id="25" name="Straight Arrow Connector 24">
-            <a:extLst>
-              <a:ext uri="{FF2B5EF4-FFF2-40B4-BE49-F238E27FC236}">
-                <a16:creationId xmlns:a16="http://schemas.microsoft.com/office/drawing/2014/main" id="{03993295-1653-BA41-B928-D4A14641AB0B}"/>
-              </a:ext>
-            </a:extLst>
-          </p:cNvPr>
-          <p:cNvCxnSpPr>
-            <a:cxnSpLocks/>
-            <a:stCxn id="10" idx="4"/>
-            <a:endCxn id="12" idx="0"/>
-          </p:cNvCxnSpPr>
-          <p:nvPr/>
-        </p:nvCxnSpPr>
-        <p:spPr>
-          <a:xfrm>
-            <a:off x="2287517" y="4469289"/>
-            <a:ext cx="0" cy="462338"/>
-          </a:xfrm>
-          <a:prstGeom prst="straightConnector1">
-            <a:avLst/>
-          </a:prstGeom>
-          <a:ln>
-            <a:solidFill>
+            </a:fontRef>
+          </p:style>
+        </p:cxnSp>
+        <p:cxnSp>
+          <p:nvCxnSpPr>
+            <p:cNvPr id="53" name="Straight Connector 52">
+              <a:extLst>
+                <a:ext uri="{FF2B5EF4-FFF2-40B4-BE49-F238E27FC236}">
+                  <a16:creationId xmlns:a16="http://schemas.microsoft.com/office/drawing/2014/main" id="{7C9D4CA9-FA38-C644-B144-7CD31C98A615}"/>
+                </a:ext>
+              </a:extLst>
+            </p:cNvPr>
+            <p:cNvCxnSpPr>
+              <a:cxnSpLocks/>
+            </p:cNvCxnSpPr>
+            <p:nvPr/>
+          </p:nvCxnSpPr>
+          <p:spPr>
+            <a:xfrm>
+              <a:off x="1792648" y="4667926"/>
+              <a:ext cx="0" cy="913542"/>
+            </a:xfrm>
+            <a:prstGeom prst="line">
+              <a:avLst/>
+            </a:prstGeom>
+            <a:ln>
+              <a:prstDash val="dash"/>
+            </a:ln>
+          </p:spPr>
+          <p:style>
+            <a:lnRef idx="1">
+              <a:schemeClr val="accent1"/>
+            </a:lnRef>
+            <a:fillRef idx="0">
+              <a:schemeClr val="accent1"/>
+            </a:fillRef>
+            <a:effectRef idx="0">
+              <a:schemeClr val="accent1"/>
+            </a:effectRef>
+            <a:fontRef idx="minor">
               <a:schemeClr val="tx1"/>
-            </a:solidFill>
-            <a:tailEnd type="triangle"/>
-          </a:ln>
-        </p:spPr>
-        <p:style>
-          <a:lnRef idx="1">
-            <a:schemeClr val="accent1"/>
-          </a:lnRef>
-          <a:fillRef idx="0">
-            <a:schemeClr val="accent1"/>
-          </a:fillRef>
-          <a:effectRef idx="0">
-            <a:schemeClr val="accent1"/>
-          </a:effectRef>
-          <a:fontRef idx="minor">
-            <a:schemeClr val="tx1"/>
-          </a:fontRef>
-        </p:style>
-      </p:cxnSp>
-      <p:cxnSp>
-        <p:nvCxnSpPr>
-          <p:cNvPr id="28" name="Straight Arrow Connector 27">
-            <a:extLst>
-              <a:ext uri="{FF2B5EF4-FFF2-40B4-BE49-F238E27FC236}">
-                <a16:creationId xmlns:a16="http://schemas.microsoft.com/office/drawing/2014/main" id="{11EEE774-064B-FE4C-8F91-E9D03D6F2CB8}"/>
-              </a:ext>
-            </a:extLst>
-          </p:cNvPr>
-          <p:cNvCxnSpPr>
-            <a:cxnSpLocks/>
-            <a:stCxn id="6" idx="4"/>
-            <a:endCxn id="10" idx="0"/>
-          </p:cNvCxnSpPr>
-          <p:nvPr/>
-        </p:nvCxnSpPr>
-        <p:spPr>
-          <a:xfrm>
-            <a:off x="1866277" y="3689311"/>
-            <a:ext cx="421240" cy="286818"/>
-          </a:xfrm>
-          <a:prstGeom prst="straightConnector1">
-            <a:avLst/>
-          </a:prstGeom>
-          <a:ln>
-            <a:solidFill>
-              <a:schemeClr val="tx1"/>
-            </a:solidFill>
-            <a:tailEnd type="triangle"/>
-          </a:ln>
-        </p:spPr>
-        <p:style>
-          <a:lnRef idx="1">
-            <a:schemeClr val="accent1"/>
-          </a:lnRef>
-          <a:fillRef idx="0">
-            <a:schemeClr val="accent1"/>
-          </a:fillRef>
-          <a:effectRef idx="0">
-            <a:schemeClr val="accent1"/>
-          </a:effectRef>
-          <a:fontRef idx="minor">
-            <a:schemeClr val="tx1"/>
-          </a:fontRef>
-        </p:style>
-      </p:cxnSp>
-      <p:cxnSp>
-        <p:nvCxnSpPr>
-          <p:cNvPr id="31" name="Straight Arrow Connector 30">
-            <a:extLst>
-              <a:ext uri="{FF2B5EF4-FFF2-40B4-BE49-F238E27FC236}">
-                <a16:creationId xmlns:a16="http://schemas.microsoft.com/office/drawing/2014/main" id="{A1E549D7-B7CC-7F4E-A39D-4E63FDC11422}"/>
-              </a:ext>
-            </a:extLst>
-          </p:cNvPr>
-          <p:cNvCxnSpPr>
-            <a:cxnSpLocks/>
-            <a:stCxn id="6" idx="4"/>
-            <a:endCxn id="9" idx="0"/>
-          </p:cNvCxnSpPr>
-          <p:nvPr/>
-        </p:nvCxnSpPr>
-        <p:spPr>
-          <a:xfrm flipH="1">
-            <a:off x="1373117" y="3689311"/>
-            <a:ext cx="493160" cy="286818"/>
-          </a:xfrm>
-          <a:prstGeom prst="straightConnector1">
-            <a:avLst/>
-          </a:prstGeom>
-          <a:ln>
-            <a:solidFill>
-              <a:schemeClr val="tx1"/>
-            </a:solidFill>
-            <a:tailEnd type="triangle"/>
-          </a:ln>
-        </p:spPr>
-        <p:style>
-          <a:lnRef idx="1">
-            <a:schemeClr val="accent1"/>
-          </a:lnRef>
-          <a:fillRef idx="0">
-            <a:schemeClr val="accent1"/>
-          </a:fillRef>
-          <a:effectRef idx="0">
-            <a:schemeClr val="accent1"/>
-          </a:effectRef>
-          <a:fontRef idx="minor">
-            <a:schemeClr val="tx1"/>
-          </a:fontRef>
-        </p:style>
-      </p:cxnSp>
-      <p:cxnSp>
-        <p:nvCxnSpPr>
-          <p:cNvPr id="34" name="Straight Arrow Connector 33">
-            <a:extLst>
-              <a:ext uri="{FF2B5EF4-FFF2-40B4-BE49-F238E27FC236}">
-                <a16:creationId xmlns:a16="http://schemas.microsoft.com/office/drawing/2014/main" id="{CAA34AB7-4792-C344-8EC5-3F3DA47F0BBB}"/>
-              </a:ext>
-            </a:extLst>
-          </p:cNvPr>
-          <p:cNvCxnSpPr>
-            <a:cxnSpLocks/>
-            <a:stCxn id="9" idx="4"/>
-            <a:endCxn id="11" idx="0"/>
-          </p:cNvCxnSpPr>
-          <p:nvPr/>
-        </p:nvCxnSpPr>
-        <p:spPr>
-          <a:xfrm>
-            <a:off x="1373117" y="4469289"/>
-            <a:ext cx="0" cy="462338"/>
-          </a:xfrm>
-          <a:prstGeom prst="straightConnector1">
-            <a:avLst/>
-          </a:prstGeom>
-          <a:ln>
-            <a:solidFill>
-              <a:schemeClr val="tx1"/>
-            </a:solidFill>
-            <a:tailEnd type="triangle"/>
-          </a:ln>
-        </p:spPr>
-        <p:style>
-          <a:lnRef idx="1">
-            <a:schemeClr val="accent1"/>
-          </a:lnRef>
-          <a:fillRef idx="0">
-            <a:schemeClr val="accent1"/>
-          </a:fillRef>
-          <a:effectRef idx="0">
-            <a:schemeClr val="accent1"/>
-          </a:effectRef>
-          <a:fontRef idx="minor">
-            <a:schemeClr val="tx1"/>
-          </a:fontRef>
-        </p:style>
-      </p:cxnSp>
-      <p:cxnSp>
-        <p:nvCxnSpPr>
-          <p:cNvPr id="37" name="Straight Arrow Connector 36">
-            <a:extLst>
-              <a:ext uri="{FF2B5EF4-FFF2-40B4-BE49-F238E27FC236}">
-                <a16:creationId xmlns:a16="http://schemas.microsoft.com/office/drawing/2014/main" id="{477FF450-48A0-3E4A-9010-DA03F96D1A84}"/>
-              </a:ext>
-            </a:extLst>
-          </p:cNvPr>
-          <p:cNvCxnSpPr>
-            <a:cxnSpLocks/>
-            <a:stCxn id="4" idx="4"/>
-            <a:endCxn id="5" idx="0"/>
-          </p:cNvCxnSpPr>
-          <p:nvPr/>
-        </p:nvCxnSpPr>
-        <p:spPr>
-          <a:xfrm>
-            <a:off x="2780677" y="1975238"/>
-            <a:ext cx="0" cy="265415"/>
-          </a:xfrm>
-          <a:prstGeom prst="straightConnector1">
-            <a:avLst/>
-          </a:prstGeom>
-          <a:ln>
-            <a:solidFill>
-              <a:schemeClr val="tx1"/>
-            </a:solidFill>
-            <a:tailEnd type="triangle"/>
-          </a:ln>
-        </p:spPr>
-        <p:style>
-          <a:lnRef idx="1">
-            <a:schemeClr val="accent1"/>
-          </a:lnRef>
-          <a:fillRef idx="0">
-            <a:schemeClr val="accent1"/>
-          </a:fillRef>
-          <a:effectRef idx="0">
-            <a:schemeClr val="accent1"/>
-          </a:effectRef>
-          <a:fontRef idx="minor">
-            <a:schemeClr val="tx1"/>
-          </a:fontRef>
-        </p:style>
-      </p:cxnSp>
-      <p:cxnSp>
-        <p:nvCxnSpPr>
-          <p:cNvPr id="40" name="Straight Arrow Connector 39">
-            <a:extLst>
-              <a:ext uri="{FF2B5EF4-FFF2-40B4-BE49-F238E27FC236}">
-                <a16:creationId xmlns:a16="http://schemas.microsoft.com/office/drawing/2014/main" id="{88F05E4E-DEE6-2348-92F3-DB45F5E5B926}"/>
-              </a:ext>
-            </a:extLst>
-          </p:cNvPr>
-          <p:cNvCxnSpPr>
-            <a:cxnSpLocks/>
-            <a:stCxn id="5" idx="4"/>
-            <a:endCxn id="7" idx="0"/>
-          </p:cNvCxnSpPr>
-          <p:nvPr/>
-        </p:nvCxnSpPr>
-        <p:spPr>
-          <a:xfrm>
-            <a:off x="2780677" y="2733813"/>
-            <a:ext cx="780837" cy="462338"/>
-          </a:xfrm>
-          <a:prstGeom prst="straightConnector1">
-            <a:avLst/>
-          </a:prstGeom>
-          <a:ln>
-            <a:solidFill>
-              <a:schemeClr val="tx1"/>
-            </a:solidFill>
-            <a:tailEnd type="triangle"/>
-          </a:ln>
-        </p:spPr>
-        <p:style>
-          <a:lnRef idx="1">
-            <a:schemeClr val="accent1"/>
-          </a:lnRef>
-          <a:fillRef idx="0">
-            <a:schemeClr val="accent1"/>
-          </a:fillRef>
-          <a:effectRef idx="0">
-            <a:schemeClr val="accent1"/>
-          </a:effectRef>
-          <a:fontRef idx="minor">
-            <a:schemeClr val="tx1"/>
-          </a:fontRef>
-        </p:style>
-      </p:cxnSp>
-      <p:cxnSp>
-        <p:nvCxnSpPr>
-          <p:cNvPr id="43" name="Straight Arrow Connector 42">
-            <a:extLst>
-              <a:ext uri="{FF2B5EF4-FFF2-40B4-BE49-F238E27FC236}">
-                <a16:creationId xmlns:a16="http://schemas.microsoft.com/office/drawing/2014/main" id="{84BD1FCE-DD29-F242-A269-8C9490822A56}"/>
-              </a:ext>
-            </a:extLst>
-          </p:cNvPr>
-          <p:cNvCxnSpPr>
-            <a:cxnSpLocks/>
-            <a:stCxn id="5" idx="4"/>
-            <a:endCxn id="6" idx="0"/>
-          </p:cNvCxnSpPr>
-          <p:nvPr/>
-        </p:nvCxnSpPr>
-        <p:spPr>
-          <a:xfrm flipH="1">
-            <a:off x="1866277" y="2733813"/>
-            <a:ext cx="914400" cy="462338"/>
-          </a:xfrm>
-          <a:prstGeom prst="straightConnector1">
-            <a:avLst/>
-          </a:prstGeom>
-          <a:ln>
-            <a:solidFill>
-              <a:schemeClr val="tx1"/>
-            </a:solidFill>
-            <a:tailEnd type="triangle"/>
-          </a:ln>
-        </p:spPr>
-        <p:style>
-          <a:lnRef idx="1">
-            <a:schemeClr val="accent1"/>
-          </a:lnRef>
-          <a:fillRef idx="0">
-            <a:schemeClr val="accent1"/>
-          </a:fillRef>
-          <a:effectRef idx="0">
-            <a:schemeClr val="accent1"/>
-          </a:effectRef>
-          <a:fontRef idx="minor">
-            <a:schemeClr val="tx1"/>
-          </a:fontRef>
-        </p:style>
-      </p:cxnSp>
-      <p:cxnSp>
-        <p:nvCxnSpPr>
-          <p:cNvPr id="47" name="Straight Connector 46">
-            <a:extLst>
-              <a:ext uri="{FF2B5EF4-FFF2-40B4-BE49-F238E27FC236}">
-                <a16:creationId xmlns:a16="http://schemas.microsoft.com/office/drawing/2014/main" id="{A9AE24C4-C998-EB45-A49E-E64251DE3C3C}"/>
-              </a:ext>
-            </a:extLst>
-          </p:cNvPr>
-          <p:cNvCxnSpPr>
-            <a:cxnSpLocks/>
-          </p:cNvCxnSpPr>
-          <p:nvPr/>
-        </p:nvCxnSpPr>
-        <p:spPr>
-          <a:xfrm>
-            <a:off x="766944" y="2910187"/>
-            <a:ext cx="3493213" cy="0"/>
-          </a:xfrm>
-          <a:prstGeom prst="line">
-            <a:avLst/>
-          </a:prstGeom>
-          <a:ln>
-            <a:prstDash val="dash"/>
-          </a:ln>
-        </p:spPr>
-        <p:style>
-          <a:lnRef idx="1">
-            <a:schemeClr val="accent1"/>
-          </a:lnRef>
-          <a:fillRef idx="0">
-            <a:schemeClr val="accent1"/>
-          </a:fillRef>
-          <a:effectRef idx="0">
-            <a:schemeClr val="accent1"/>
-          </a:effectRef>
-          <a:fontRef idx="minor">
-            <a:schemeClr val="tx1"/>
-          </a:fontRef>
-        </p:style>
-      </p:cxnSp>
-      <p:cxnSp>
-        <p:nvCxnSpPr>
-          <p:cNvPr id="48" name="Straight Connector 47">
-            <a:extLst>
-              <a:ext uri="{FF2B5EF4-FFF2-40B4-BE49-F238E27FC236}">
-                <a16:creationId xmlns:a16="http://schemas.microsoft.com/office/drawing/2014/main" id="{5CEB1D9F-A3F7-F34A-89EC-628E8E485A2B}"/>
-              </a:ext>
-            </a:extLst>
-          </p:cNvPr>
-          <p:cNvCxnSpPr>
-            <a:cxnSpLocks/>
-          </p:cNvCxnSpPr>
-          <p:nvPr/>
-        </p:nvCxnSpPr>
-        <p:spPr>
-          <a:xfrm>
-            <a:off x="766944" y="4644808"/>
-            <a:ext cx="3493213" cy="0"/>
-          </a:xfrm>
-          <a:prstGeom prst="line">
-            <a:avLst/>
-          </a:prstGeom>
-          <a:ln>
-            <a:prstDash val="dash"/>
-          </a:ln>
-        </p:spPr>
-        <p:style>
-          <a:lnRef idx="1">
-            <a:schemeClr val="accent1"/>
-          </a:lnRef>
-          <a:fillRef idx="0">
-            <a:schemeClr val="accent1"/>
-          </a:fillRef>
-          <a:effectRef idx="0">
-            <a:schemeClr val="accent1"/>
-          </a:effectRef>
-          <a:fontRef idx="minor">
-            <a:schemeClr val="tx1"/>
-          </a:fontRef>
-        </p:style>
-      </p:cxnSp>
-      <p:cxnSp>
-        <p:nvCxnSpPr>
-          <p:cNvPr id="49" name="Straight Connector 48">
-            <a:extLst>
-              <a:ext uri="{FF2B5EF4-FFF2-40B4-BE49-F238E27FC236}">
-                <a16:creationId xmlns:a16="http://schemas.microsoft.com/office/drawing/2014/main" id="{C8E0A46D-3A3B-3D40-8461-E200D043EBF7}"/>
-              </a:ext>
-            </a:extLst>
-          </p:cNvPr>
-          <p:cNvCxnSpPr>
-            <a:cxnSpLocks/>
-          </p:cNvCxnSpPr>
-          <p:nvPr/>
-        </p:nvCxnSpPr>
-        <p:spPr>
-          <a:xfrm>
-            <a:off x="2780677" y="2910187"/>
-            <a:ext cx="0" cy="2671281"/>
-          </a:xfrm>
-          <a:prstGeom prst="line">
-            <a:avLst/>
-          </a:prstGeom>
-          <a:ln>
-            <a:prstDash val="dash"/>
-          </a:ln>
-        </p:spPr>
-        <p:style>
-          <a:lnRef idx="1">
-            <a:schemeClr val="accent1"/>
-          </a:lnRef>
-          <a:fillRef idx="0">
-            <a:schemeClr val="accent1"/>
-          </a:fillRef>
-          <a:effectRef idx="0">
-            <a:schemeClr val="accent1"/>
-          </a:effectRef>
-          <a:fontRef idx="minor">
-            <a:schemeClr val="tx1"/>
-          </a:fontRef>
-        </p:style>
-      </p:cxnSp>
-      <p:cxnSp>
-        <p:nvCxnSpPr>
-          <p:cNvPr id="53" name="Straight Connector 52">
-            <a:extLst>
-              <a:ext uri="{FF2B5EF4-FFF2-40B4-BE49-F238E27FC236}">
-                <a16:creationId xmlns:a16="http://schemas.microsoft.com/office/drawing/2014/main" id="{7C9D4CA9-FA38-C644-B144-7CD31C98A615}"/>
-              </a:ext>
-            </a:extLst>
-          </p:cNvPr>
-          <p:cNvCxnSpPr>
-            <a:cxnSpLocks/>
-          </p:cNvCxnSpPr>
-          <p:nvPr/>
-        </p:nvCxnSpPr>
-        <p:spPr>
-          <a:xfrm>
-            <a:off x="1792648" y="4667926"/>
-            <a:ext cx="0" cy="913542"/>
-          </a:xfrm>
-          <a:prstGeom prst="line">
-            <a:avLst/>
-          </a:prstGeom>
-          <a:ln>
-            <a:prstDash val="dash"/>
-          </a:ln>
-        </p:spPr>
-        <p:style>
-          <a:lnRef idx="1">
-            <a:schemeClr val="accent1"/>
-          </a:lnRef>
-          <a:fillRef idx="0">
-            <a:schemeClr val="accent1"/>
-          </a:fillRef>
-          <a:effectRef idx="0">
-            <a:schemeClr val="accent1"/>
-          </a:effectRef>
-          <a:fontRef idx="minor">
-            <a:schemeClr val="tx1"/>
-          </a:fontRef>
-        </p:style>
-      </p:cxnSp>
-      <p:sp>
-        <p:nvSpPr>
-          <p:cNvPr id="58" name="TextBox 57">
-            <a:extLst>
-              <a:ext uri="{FF2B5EF4-FFF2-40B4-BE49-F238E27FC236}">
-                <a16:creationId xmlns:a16="http://schemas.microsoft.com/office/drawing/2014/main" id="{13EFDBEE-32F3-4C48-86FD-11A48B31E501}"/>
-              </a:ext>
-            </a:extLst>
-          </p:cNvPr>
-          <p:cNvSpPr txBox="1"/>
-          <p:nvPr/>
-        </p:nvSpPr>
-        <p:spPr>
-          <a:xfrm>
-            <a:off x="766944" y="1482077"/>
-            <a:ext cx="976549" cy="338554"/>
-          </a:xfrm>
-          <a:prstGeom prst="rect">
-            <a:avLst/>
-          </a:prstGeom>
-          <a:noFill/>
-        </p:spPr>
-        <p:txBody>
-          <a:bodyPr wrap="none" rtlCol="0">
-            <a:spAutoFit/>
-          </a:bodyPr>
-          <a:lstStyle/>
-          <a:p>
-            <a:r>
-              <a:rPr lang="en-US" sz="1600" dirty="0">
-                <a:solidFill>
-                  <a:schemeClr val="accent1"/>
-                </a:solidFill>
-              </a:rPr>
-              <a:t>S1, S2, S3</a:t>
-            </a:r>
-          </a:p>
-        </p:txBody>
-      </p:sp>
-      <p:sp>
-        <p:nvSpPr>
-          <p:cNvPr id="59" name="TextBox 58">
-            <a:extLst>
-              <a:ext uri="{FF2B5EF4-FFF2-40B4-BE49-F238E27FC236}">
-                <a16:creationId xmlns:a16="http://schemas.microsoft.com/office/drawing/2014/main" id="{55ED94DE-F3B2-ED49-9B27-9FAA586A465A}"/>
-              </a:ext>
-            </a:extLst>
-          </p:cNvPr>
-          <p:cNvSpPr txBox="1"/>
-          <p:nvPr/>
-        </p:nvSpPr>
-        <p:spPr>
-          <a:xfrm>
-            <a:off x="722996" y="2987064"/>
-            <a:ext cx="679994" cy="338554"/>
-          </a:xfrm>
-          <a:prstGeom prst="rect">
-            <a:avLst/>
-          </a:prstGeom>
-          <a:noFill/>
-        </p:spPr>
-        <p:txBody>
-          <a:bodyPr wrap="none" rtlCol="0">
-            <a:spAutoFit/>
-          </a:bodyPr>
-          <a:lstStyle/>
-          <a:p>
-            <a:r>
-              <a:rPr lang="en-US" sz="1600" dirty="0">
-                <a:solidFill>
-                  <a:schemeClr val="accent1"/>
-                </a:solidFill>
-              </a:rPr>
-              <a:t>S1, S3</a:t>
-            </a:r>
-          </a:p>
-        </p:txBody>
-      </p:sp>
-      <p:sp>
-        <p:nvSpPr>
-          <p:cNvPr id="60" name="TextBox 59">
-            <a:extLst>
-              <a:ext uri="{FF2B5EF4-FFF2-40B4-BE49-F238E27FC236}">
-                <a16:creationId xmlns:a16="http://schemas.microsoft.com/office/drawing/2014/main" id="{7E5692DC-28DC-EA4D-B683-6BA1AC1FD148}"/>
-              </a:ext>
-            </a:extLst>
-          </p:cNvPr>
-          <p:cNvSpPr txBox="1"/>
-          <p:nvPr/>
-        </p:nvSpPr>
-        <p:spPr>
-          <a:xfrm>
-            <a:off x="3854075" y="2987064"/>
-            <a:ext cx="679994" cy="338554"/>
-          </a:xfrm>
-          <a:prstGeom prst="rect">
-            <a:avLst/>
-          </a:prstGeom>
-          <a:noFill/>
-        </p:spPr>
-        <p:txBody>
-          <a:bodyPr wrap="none" rtlCol="0">
-            <a:spAutoFit/>
-          </a:bodyPr>
-          <a:lstStyle/>
-          <a:p>
-            <a:r>
-              <a:rPr lang="en-US" sz="1600" dirty="0">
-                <a:solidFill>
-                  <a:schemeClr val="accent1"/>
-                </a:solidFill>
-              </a:rPr>
-              <a:t>S1, S2</a:t>
-            </a:r>
-          </a:p>
-        </p:txBody>
-      </p:sp>
-      <p:sp>
-        <p:nvSpPr>
-          <p:cNvPr id="61" name="TextBox 60">
-            <a:extLst>
-              <a:ext uri="{FF2B5EF4-FFF2-40B4-BE49-F238E27FC236}">
-                <a16:creationId xmlns:a16="http://schemas.microsoft.com/office/drawing/2014/main" id="{AB779878-B7C5-1944-B426-397CA4929B97}"/>
-              </a:ext>
-            </a:extLst>
-          </p:cNvPr>
-          <p:cNvSpPr txBox="1"/>
-          <p:nvPr/>
-        </p:nvSpPr>
-        <p:spPr>
-          <a:xfrm>
-            <a:off x="723477" y="4658015"/>
-            <a:ext cx="383438" cy="338554"/>
-          </a:xfrm>
-          <a:prstGeom prst="rect">
-            <a:avLst/>
-          </a:prstGeom>
-          <a:noFill/>
-        </p:spPr>
-        <p:txBody>
-          <a:bodyPr wrap="none" rtlCol="0">
-            <a:spAutoFit/>
-          </a:bodyPr>
-          <a:lstStyle/>
-          <a:p>
-            <a:r>
-              <a:rPr lang="en-US" sz="1600" dirty="0">
-                <a:solidFill>
-                  <a:schemeClr val="accent1"/>
-                </a:solidFill>
-              </a:rPr>
-              <a:t>S1</a:t>
-            </a:r>
-          </a:p>
-        </p:txBody>
-      </p:sp>
-      <p:sp>
-        <p:nvSpPr>
-          <p:cNvPr id="63" name="TextBox 62">
-            <a:extLst>
-              <a:ext uri="{FF2B5EF4-FFF2-40B4-BE49-F238E27FC236}">
-                <a16:creationId xmlns:a16="http://schemas.microsoft.com/office/drawing/2014/main" id="{8060D045-E70B-174E-B7B1-C2AF972963D5}"/>
-              </a:ext>
-            </a:extLst>
-          </p:cNvPr>
-          <p:cNvSpPr txBox="1"/>
-          <p:nvPr/>
-        </p:nvSpPr>
-        <p:spPr>
-          <a:xfrm>
-            <a:off x="1819516" y="4667926"/>
-            <a:ext cx="383438" cy="338554"/>
-          </a:xfrm>
-          <a:prstGeom prst="rect">
-            <a:avLst/>
-          </a:prstGeom>
-          <a:noFill/>
-        </p:spPr>
-        <p:txBody>
-          <a:bodyPr wrap="none" rtlCol="0">
-            <a:spAutoFit/>
-          </a:bodyPr>
-          <a:lstStyle/>
-          <a:p>
-            <a:r>
-              <a:rPr lang="en-US" sz="1600" dirty="0">
-                <a:solidFill>
-                  <a:schemeClr val="accent1"/>
-                </a:solidFill>
-              </a:rPr>
-              <a:t>S2</a:t>
-            </a:r>
-          </a:p>
-        </p:txBody>
-      </p:sp>
-      <p:sp>
-        <p:nvSpPr>
-          <p:cNvPr id="64" name="TextBox 63">
-            <a:extLst>
-              <a:ext uri="{FF2B5EF4-FFF2-40B4-BE49-F238E27FC236}">
-                <a16:creationId xmlns:a16="http://schemas.microsoft.com/office/drawing/2014/main" id="{4736B720-1313-C04B-9D16-BC70332E0D4F}"/>
-              </a:ext>
-            </a:extLst>
-          </p:cNvPr>
-          <p:cNvSpPr txBox="1"/>
-          <p:nvPr/>
-        </p:nvSpPr>
-        <p:spPr>
-          <a:xfrm>
-            <a:off x="2826186" y="4656183"/>
-            <a:ext cx="383438" cy="338554"/>
-          </a:xfrm>
-          <a:prstGeom prst="rect">
-            <a:avLst/>
-          </a:prstGeom>
-          <a:noFill/>
-        </p:spPr>
-        <p:txBody>
-          <a:bodyPr wrap="none" rtlCol="0">
-            <a:spAutoFit/>
-          </a:bodyPr>
-          <a:lstStyle/>
-          <a:p>
-            <a:r>
-              <a:rPr lang="en-US" sz="1600" dirty="0">
-                <a:solidFill>
-                  <a:schemeClr val="accent1"/>
-                </a:solidFill>
-              </a:rPr>
-              <a:t>S3</a:t>
-            </a:r>
-          </a:p>
-        </p:txBody>
-      </p:sp>
+            </a:fontRef>
+          </p:style>
+        </p:cxnSp>
+        <p:sp>
+          <p:nvSpPr>
+            <p:cNvPr id="58" name="TextBox 57">
+              <a:extLst>
+                <a:ext uri="{FF2B5EF4-FFF2-40B4-BE49-F238E27FC236}">
+                  <a16:creationId xmlns:a16="http://schemas.microsoft.com/office/drawing/2014/main" id="{13EFDBEE-32F3-4C48-86FD-11A48B31E501}"/>
+                </a:ext>
+              </a:extLst>
+            </p:cNvPr>
+            <p:cNvSpPr txBox="1"/>
+            <p:nvPr/>
+          </p:nvSpPr>
+          <p:spPr>
+            <a:xfrm>
+              <a:off x="766944" y="1482077"/>
+              <a:ext cx="976549" cy="338554"/>
+            </a:xfrm>
+            <a:prstGeom prst="rect">
+              <a:avLst/>
+            </a:prstGeom>
+            <a:noFill/>
+          </p:spPr>
+          <p:txBody>
+            <a:bodyPr wrap="none" rtlCol="0">
+              <a:spAutoFit/>
+            </a:bodyPr>
+            <a:lstStyle/>
+            <a:p>
+              <a:r>
+                <a:rPr lang="en-US" sz="1600" dirty="0">
+                  <a:solidFill>
+                    <a:schemeClr val="accent1"/>
+                  </a:solidFill>
+                </a:rPr>
+                <a:t>S1, S2, S3</a:t>
+              </a:r>
+            </a:p>
+          </p:txBody>
+        </p:sp>
+        <p:sp>
+          <p:nvSpPr>
+            <p:cNvPr id="59" name="TextBox 58">
+              <a:extLst>
+                <a:ext uri="{FF2B5EF4-FFF2-40B4-BE49-F238E27FC236}">
+                  <a16:creationId xmlns:a16="http://schemas.microsoft.com/office/drawing/2014/main" id="{55ED94DE-F3B2-ED49-9B27-9FAA586A465A}"/>
+                </a:ext>
+              </a:extLst>
+            </p:cNvPr>
+            <p:cNvSpPr txBox="1"/>
+            <p:nvPr/>
+          </p:nvSpPr>
+          <p:spPr>
+            <a:xfrm>
+              <a:off x="722996" y="2987064"/>
+              <a:ext cx="679994" cy="338554"/>
+            </a:xfrm>
+            <a:prstGeom prst="rect">
+              <a:avLst/>
+            </a:prstGeom>
+            <a:noFill/>
+          </p:spPr>
+          <p:txBody>
+            <a:bodyPr wrap="none" rtlCol="0">
+              <a:spAutoFit/>
+            </a:bodyPr>
+            <a:lstStyle/>
+            <a:p>
+              <a:r>
+                <a:rPr lang="en-US" sz="1600" dirty="0">
+                  <a:solidFill>
+                    <a:schemeClr val="accent1"/>
+                  </a:solidFill>
+                </a:rPr>
+                <a:t>S1, S3</a:t>
+              </a:r>
+            </a:p>
+          </p:txBody>
+        </p:sp>
+        <p:sp>
+          <p:nvSpPr>
+            <p:cNvPr id="60" name="TextBox 59">
+              <a:extLst>
+                <a:ext uri="{FF2B5EF4-FFF2-40B4-BE49-F238E27FC236}">
+                  <a16:creationId xmlns:a16="http://schemas.microsoft.com/office/drawing/2014/main" id="{7E5692DC-28DC-EA4D-B683-6BA1AC1FD148}"/>
+                </a:ext>
+              </a:extLst>
+            </p:cNvPr>
+            <p:cNvSpPr txBox="1"/>
+            <p:nvPr/>
+          </p:nvSpPr>
+          <p:spPr>
+            <a:xfrm>
+              <a:off x="3854075" y="2987064"/>
+              <a:ext cx="679994" cy="338554"/>
+            </a:xfrm>
+            <a:prstGeom prst="rect">
+              <a:avLst/>
+            </a:prstGeom>
+            <a:noFill/>
+          </p:spPr>
+          <p:txBody>
+            <a:bodyPr wrap="none" rtlCol="0">
+              <a:spAutoFit/>
+            </a:bodyPr>
+            <a:lstStyle/>
+            <a:p>
+              <a:r>
+                <a:rPr lang="en-US" sz="1600" dirty="0">
+                  <a:solidFill>
+                    <a:schemeClr val="accent1"/>
+                  </a:solidFill>
+                </a:rPr>
+                <a:t>S1, S2</a:t>
+              </a:r>
+            </a:p>
+          </p:txBody>
+        </p:sp>
+        <p:sp>
+          <p:nvSpPr>
+            <p:cNvPr id="61" name="TextBox 60">
+              <a:extLst>
+                <a:ext uri="{FF2B5EF4-FFF2-40B4-BE49-F238E27FC236}">
+                  <a16:creationId xmlns:a16="http://schemas.microsoft.com/office/drawing/2014/main" id="{AB779878-B7C5-1944-B426-397CA4929B97}"/>
+                </a:ext>
+              </a:extLst>
+            </p:cNvPr>
+            <p:cNvSpPr txBox="1"/>
+            <p:nvPr/>
+          </p:nvSpPr>
+          <p:spPr>
+            <a:xfrm>
+              <a:off x="723477" y="4658015"/>
+              <a:ext cx="383438" cy="338554"/>
+            </a:xfrm>
+            <a:prstGeom prst="rect">
+              <a:avLst/>
+            </a:prstGeom>
+            <a:noFill/>
+          </p:spPr>
+          <p:txBody>
+            <a:bodyPr wrap="none" rtlCol="0">
+              <a:spAutoFit/>
+            </a:bodyPr>
+            <a:lstStyle/>
+            <a:p>
+              <a:r>
+                <a:rPr lang="en-US" sz="1600" dirty="0">
+                  <a:solidFill>
+                    <a:schemeClr val="accent1"/>
+                  </a:solidFill>
+                </a:rPr>
+                <a:t>S1</a:t>
+              </a:r>
+            </a:p>
+          </p:txBody>
+        </p:sp>
+        <p:sp>
+          <p:nvSpPr>
+            <p:cNvPr id="63" name="TextBox 62">
+              <a:extLst>
+                <a:ext uri="{FF2B5EF4-FFF2-40B4-BE49-F238E27FC236}">
+                  <a16:creationId xmlns:a16="http://schemas.microsoft.com/office/drawing/2014/main" id="{8060D045-E70B-174E-B7B1-C2AF972963D5}"/>
+                </a:ext>
+              </a:extLst>
+            </p:cNvPr>
+            <p:cNvSpPr txBox="1"/>
+            <p:nvPr/>
+          </p:nvSpPr>
+          <p:spPr>
+            <a:xfrm>
+              <a:off x="1819516" y="4667926"/>
+              <a:ext cx="383438" cy="338554"/>
+            </a:xfrm>
+            <a:prstGeom prst="rect">
+              <a:avLst/>
+            </a:prstGeom>
+            <a:noFill/>
+          </p:spPr>
+          <p:txBody>
+            <a:bodyPr wrap="none" rtlCol="0">
+              <a:spAutoFit/>
+            </a:bodyPr>
+            <a:lstStyle/>
+            <a:p>
+              <a:r>
+                <a:rPr lang="en-US" sz="1600" dirty="0">
+                  <a:solidFill>
+                    <a:schemeClr val="accent1"/>
+                  </a:solidFill>
+                </a:rPr>
+                <a:t>S3</a:t>
+              </a:r>
+            </a:p>
+          </p:txBody>
+        </p:sp>
+        <p:sp>
+          <p:nvSpPr>
+            <p:cNvPr id="64" name="TextBox 63">
+              <a:extLst>
+                <a:ext uri="{FF2B5EF4-FFF2-40B4-BE49-F238E27FC236}">
+                  <a16:creationId xmlns:a16="http://schemas.microsoft.com/office/drawing/2014/main" id="{4736B720-1313-C04B-9D16-BC70332E0D4F}"/>
+                </a:ext>
+              </a:extLst>
+            </p:cNvPr>
+            <p:cNvSpPr txBox="1"/>
+            <p:nvPr/>
+          </p:nvSpPr>
+          <p:spPr>
+            <a:xfrm>
+              <a:off x="2826186" y="4656183"/>
+              <a:ext cx="383438" cy="338554"/>
+            </a:xfrm>
+            <a:prstGeom prst="rect">
+              <a:avLst/>
+            </a:prstGeom>
+            <a:noFill/>
+          </p:spPr>
+          <p:txBody>
+            <a:bodyPr wrap="none" rtlCol="0">
+              <a:spAutoFit/>
+            </a:bodyPr>
+            <a:lstStyle/>
+            <a:p>
+              <a:r>
+                <a:rPr lang="en-US" sz="1600" dirty="0">
+                  <a:solidFill>
+                    <a:schemeClr val="accent1"/>
+                  </a:solidFill>
+                </a:rPr>
+                <a:t>S2</a:t>
+              </a:r>
+            </a:p>
+          </p:txBody>
+        </p:sp>
+      </p:grpSp>
       <p:graphicFrame>
         <p:nvGraphicFramePr>
           <p:cNvPr id="66" name="Table 65">
@@ -5617,6 +5640,162 @@
           </a:p>
         </p:txBody>
       </p:sp>
+      <p:grpSp>
+        <p:nvGrpSpPr>
+          <p:cNvPr id="16" name="Group 15">
+            <a:extLst>
+              <a:ext uri="{FF2B5EF4-FFF2-40B4-BE49-F238E27FC236}">
+                <a16:creationId xmlns:a16="http://schemas.microsoft.com/office/drawing/2014/main" id="{2DF64BDB-651C-4F41-9AC3-E185989DA78D}"/>
+              </a:ext>
+            </a:extLst>
+          </p:cNvPr>
+          <p:cNvGrpSpPr/>
+          <p:nvPr/>
+        </p:nvGrpSpPr>
+        <p:grpSpPr>
+          <a:xfrm>
+            <a:off x="2455757" y="710296"/>
+            <a:ext cx="625556" cy="493160"/>
+            <a:chOff x="2455757" y="710296"/>
+            <a:chExt cx="625556" cy="493160"/>
+          </a:xfrm>
+        </p:grpSpPr>
+        <p:sp>
+          <p:nvSpPr>
+            <p:cNvPr id="36" name="Oval 35">
+              <a:extLst>
+                <a:ext uri="{FF2B5EF4-FFF2-40B4-BE49-F238E27FC236}">
+                  <a16:creationId xmlns:a16="http://schemas.microsoft.com/office/drawing/2014/main" id="{8F6D321D-24D9-024E-BEC6-395DCCB0168A}"/>
+                </a:ext>
+              </a:extLst>
+            </p:cNvPr>
+            <p:cNvSpPr/>
+            <p:nvPr/>
+          </p:nvSpPr>
+          <p:spPr>
+            <a:xfrm>
+              <a:off x="2521955" y="710296"/>
+              <a:ext cx="493160" cy="493160"/>
+            </a:xfrm>
+            <a:prstGeom prst="ellipse">
+              <a:avLst/>
+            </a:prstGeom>
+            <a:noFill/>
+            <a:ln>
+              <a:solidFill>
+                <a:schemeClr val="tx1"/>
+              </a:solidFill>
+            </a:ln>
+          </p:spPr>
+          <p:style>
+            <a:lnRef idx="2">
+              <a:schemeClr val="accent1">
+                <a:shade val="50000"/>
+              </a:schemeClr>
+            </a:lnRef>
+            <a:fillRef idx="1">
+              <a:schemeClr val="accent1"/>
+            </a:fillRef>
+            <a:effectRef idx="0">
+              <a:schemeClr val="accent1"/>
+            </a:effectRef>
+            <a:fontRef idx="minor">
+              <a:schemeClr val="lt1"/>
+            </a:fontRef>
+          </p:style>
+          <p:txBody>
+            <a:bodyPr rtlCol="0" anchor="ctr"/>
+            <a:lstStyle/>
+            <a:p>
+              <a:pPr algn="ctr"/>
+              <a:endParaRPr lang="en-US" sz="1100" dirty="0">
+                <a:solidFill>
+                  <a:schemeClr val="tx1"/>
+                </a:solidFill>
+              </a:endParaRPr>
+            </a:p>
+          </p:txBody>
+        </p:sp>
+        <p:sp>
+          <p:nvSpPr>
+            <p:cNvPr id="15" name="TextBox 14">
+              <a:extLst>
+                <a:ext uri="{FF2B5EF4-FFF2-40B4-BE49-F238E27FC236}">
+                  <a16:creationId xmlns:a16="http://schemas.microsoft.com/office/drawing/2014/main" id="{0504BA8D-5BFD-174F-8121-7F09AB02C112}"/>
+                </a:ext>
+              </a:extLst>
+            </p:cNvPr>
+            <p:cNvSpPr txBox="1"/>
+            <p:nvPr/>
+          </p:nvSpPr>
+          <p:spPr>
+            <a:xfrm>
+              <a:off x="2455757" y="772210"/>
+              <a:ext cx="625556" cy="369332"/>
+            </a:xfrm>
+            <a:prstGeom prst="rect">
+              <a:avLst/>
+            </a:prstGeom>
+            <a:noFill/>
+          </p:spPr>
+          <p:txBody>
+            <a:bodyPr wrap="none" rtlCol="0">
+              <a:spAutoFit/>
+            </a:bodyPr>
+            <a:lstStyle/>
+            <a:p>
+              <a:r>
+                <a:rPr lang="en-US" dirty="0"/>
+                <a:t>Root</a:t>
+              </a:r>
+            </a:p>
+          </p:txBody>
+        </p:sp>
+      </p:grpSp>
+      <p:cxnSp>
+        <p:nvCxnSpPr>
+          <p:cNvPr id="38" name="Straight Arrow Connector 37">
+            <a:extLst>
+              <a:ext uri="{FF2B5EF4-FFF2-40B4-BE49-F238E27FC236}">
+                <a16:creationId xmlns:a16="http://schemas.microsoft.com/office/drawing/2014/main" id="{BB654BDC-0341-3148-B065-832512AB362D}"/>
+              </a:ext>
+            </a:extLst>
+          </p:cNvPr>
+          <p:cNvCxnSpPr>
+            <a:cxnSpLocks/>
+          </p:cNvCxnSpPr>
+          <p:nvPr/>
+        </p:nvCxnSpPr>
+        <p:spPr>
+          <a:xfrm>
+            <a:off x="2768535" y="1216662"/>
+            <a:ext cx="0" cy="265415"/>
+          </a:xfrm>
+          <a:prstGeom prst="straightConnector1">
+            <a:avLst/>
+          </a:prstGeom>
+          <a:ln>
+            <a:solidFill>
+              <a:schemeClr val="tx1"/>
+            </a:solidFill>
+            <a:tailEnd type="triangle"/>
+          </a:ln>
+        </p:spPr>
+        <p:style>
+          <a:lnRef idx="1">
+            <a:schemeClr val="accent1"/>
+          </a:lnRef>
+          <a:fillRef idx="0">
+            <a:schemeClr val="accent1"/>
+          </a:fillRef>
+          <a:effectRef idx="0">
+            <a:schemeClr val="accent1"/>
+          </a:effectRef>
+          <a:fontRef idx="minor">
+            <a:schemeClr val="tx1"/>
+          </a:fontRef>
+        </p:style>
+      </p:cxnSp>
     </p:spTree>
     <p:extLst>
       <p:ext uri="{BB962C8B-B14F-4D97-AF65-F5344CB8AC3E}">
@@ -7163,6 +7342,4962 @@
 </p:sld>
 </file>
 
+<file path=ppt/slides/slide3.xml><?xml version="1.0" encoding="utf-8"?>
+<p:sld xmlns:a="http://schemas.openxmlformats.org/drawingml/2006/main" xmlns:r="http://schemas.openxmlformats.org/officeDocument/2006/relationships" xmlns:p="http://schemas.openxmlformats.org/presentationml/2006/main">
+  <p:cSld>
+    <p:spTree>
+      <p:nvGrpSpPr>
+        <p:cNvPr id="1" name=""/>
+        <p:cNvGrpSpPr/>
+        <p:nvPr/>
+      </p:nvGrpSpPr>
+      <p:grpSpPr>
+        <a:xfrm>
+          <a:off x="0" y="0"/>
+          <a:ext cx="0" cy="0"/>
+          <a:chOff x="0" y="0"/>
+          <a:chExt cx="0" cy="0"/>
+        </a:xfrm>
+      </p:grpSpPr>
+      <p:sp>
+        <p:nvSpPr>
+          <p:cNvPr id="2" name="Title 1">
+            <a:extLst>
+              <a:ext uri="{FF2B5EF4-FFF2-40B4-BE49-F238E27FC236}">
+                <a16:creationId xmlns:a16="http://schemas.microsoft.com/office/drawing/2014/main" id="{085B9FC7-B83C-6D45-9658-A1E39C6535DC}"/>
+              </a:ext>
+            </a:extLst>
+          </p:cNvPr>
+          <p:cNvSpPr>
+            <a:spLocks noGrp="1"/>
+          </p:cNvSpPr>
+          <p:nvPr>
+            <p:ph type="title"/>
+          </p:nvPr>
+        </p:nvSpPr>
+        <p:spPr>
+          <a:xfrm>
+            <a:off x="838200" y="343860"/>
+            <a:ext cx="10515600" cy="517377"/>
+          </a:xfrm>
+        </p:spPr>
+        <p:txBody>
+          <a:bodyPr>
+            <a:noAutofit/>
+          </a:bodyPr>
+          <a:lstStyle/>
+          <a:p>
+            <a:r>
+              <a:rPr lang="en-US" sz="3200" dirty="0"/>
+              <a:t>Adjacency matrix</a:t>
+            </a:r>
+          </a:p>
+        </p:txBody>
+      </p:sp>
+      <p:graphicFrame>
+        <p:nvGraphicFramePr>
+          <p:cNvPr id="35" name="Table 34">
+            <a:extLst>
+              <a:ext uri="{FF2B5EF4-FFF2-40B4-BE49-F238E27FC236}">
+                <a16:creationId xmlns:a16="http://schemas.microsoft.com/office/drawing/2014/main" id="{8CD8D39B-71E6-6243-B853-F9DD0AFDB5D5}"/>
+              </a:ext>
+            </a:extLst>
+          </p:cNvPr>
+          <p:cNvGraphicFramePr>
+            <a:graphicFrameLocks noGrp="1"/>
+          </p:cNvGraphicFramePr>
+          <p:nvPr>
+            <p:extLst>
+              <p:ext uri="{D42A27DB-BD31-4B8C-83A1-F6EECF244321}">
+                <p14:modId xmlns:p14="http://schemas.microsoft.com/office/powerpoint/2010/main" val="2269587220"/>
+              </p:ext>
+            </p:extLst>
+          </p:nvPr>
+        </p:nvGraphicFramePr>
+        <p:xfrm>
+          <a:off x="4559398" y="1077950"/>
+          <a:ext cx="7450663" cy="5645892"/>
+        </p:xfrm>
+        <a:graphic>
+          <a:graphicData uri="http://schemas.openxmlformats.org/drawingml/2006/table">
+            <a:tbl>
+              <a:tblPr firstRow="1" bandRow="1">
+                <a:tableStyleId>{5C22544A-7EE6-4342-B048-85BDC9FD1C3A}</a:tableStyleId>
+              </a:tblPr>
+              <a:tblGrid>
+                <a:gridCol w="677333">
+                  <a:extLst>
+                    <a:ext uri="{9D8B030D-6E8A-4147-A177-3AD203B41FA5}">
+                      <a16:colId xmlns:a16="http://schemas.microsoft.com/office/drawing/2014/main" val="3382499790"/>
+                    </a:ext>
+                  </a:extLst>
+                </a:gridCol>
+                <a:gridCol w="677333">
+                  <a:extLst>
+                    <a:ext uri="{9D8B030D-6E8A-4147-A177-3AD203B41FA5}">
+                      <a16:colId xmlns:a16="http://schemas.microsoft.com/office/drawing/2014/main" val="2840473121"/>
+                    </a:ext>
+                  </a:extLst>
+                </a:gridCol>
+                <a:gridCol w="677333">
+                  <a:extLst>
+                    <a:ext uri="{9D8B030D-6E8A-4147-A177-3AD203B41FA5}">
+                      <a16:colId xmlns:a16="http://schemas.microsoft.com/office/drawing/2014/main" val="1020499543"/>
+                    </a:ext>
+                  </a:extLst>
+                </a:gridCol>
+                <a:gridCol w="677333">
+                  <a:extLst>
+                    <a:ext uri="{9D8B030D-6E8A-4147-A177-3AD203B41FA5}">
+                      <a16:colId xmlns:a16="http://schemas.microsoft.com/office/drawing/2014/main" val="763296561"/>
+                    </a:ext>
+                  </a:extLst>
+                </a:gridCol>
+                <a:gridCol w="677333">
+                  <a:extLst>
+                    <a:ext uri="{9D8B030D-6E8A-4147-A177-3AD203B41FA5}">
+                      <a16:colId xmlns:a16="http://schemas.microsoft.com/office/drawing/2014/main" val="2674329282"/>
+                    </a:ext>
+                  </a:extLst>
+                </a:gridCol>
+                <a:gridCol w="677333">
+                  <a:extLst>
+                    <a:ext uri="{9D8B030D-6E8A-4147-A177-3AD203B41FA5}">
+                      <a16:colId xmlns:a16="http://schemas.microsoft.com/office/drawing/2014/main" val="2835177305"/>
+                    </a:ext>
+                  </a:extLst>
+                </a:gridCol>
+                <a:gridCol w="677333">
+                  <a:extLst>
+                    <a:ext uri="{9D8B030D-6E8A-4147-A177-3AD203B41FA5}">
+                      <a16:colId xmlns:a16="http://schemas.microsoft.com/office/drawing/2014/main" val="2104659244"/>
+                    </a:ext>
+                  </a:extLst>
+                </a:gridCol>
+                <a:gridCol w="677333">
+                  <a:extLst>
+                    <a:ext uri="{9D8B030D-6E8A-4147-A177-3AD203B41FA5}">
+                      <a16:colId xmlns:a16="http://schemas.microsoft.com/office/drawing/2014/main" val="3185212664"/>
+                    </a:ext>
+                  </a:extLst>
+                </a:gridCol>
+                <a:gridCol w="677333">
+                  <a:extLst>
+                    <a:ext uri="{9D8B030D-6E8A-4147-A177-3AD203B41FA5}">
+                      <a16:colId xmlns:a16="http://schemas.microsoft.com/office/drawing/2014/main" val="3152940129"/>
+                    </a:ext>
+                  </a:extLst>
+                </a:gridCol>
+                <a:gridCol w="677333">
+                  <a:extLst>
+                    <a:ext uri="{9D8B030D-6E8A-4147-A177-3AD203B41FA5}">
+                      <a16:colId xmlns:a16="http://schemas.microsoft.com/office/drawing/2014/main" val="4032822331"/>
+                    </a:ext>
+                  </a:extLst>
+                </a:gridCol>
+                <a:gridCol w="677333">
+                  <a:extLst>
+                    <a:ext uri="{9D8B030D-6E8A-4147-A177-3AD203B41FA5}">
+                      <a16:colId xmlns:a16="http://schemas.microsoft.com/office/drawing/2014/main" val="149262565"/>
+                    </a:ext>
+                  </a:extLst>
+                </a:gridCol>
+              </a:tblGrid>
+              <a:tr h="470491">
+                <a:tc>
+                  <a:txBody>
+                    <a:bodyPr/>
+                    <a:lstStyle/>
+                    <a:p>
+                      <a:pPr algn="ctr"/>
+                      <a:endParaRPr lang="en-US" b="0" dirty="0">
+                        <a:solidFill>
+                          <a:schemeClr val="bg1"/>
+                        </a:solidFill>
+                      </a:endParaRPr>
+                    </a:p>
+                  </a:txBody>
+                  <a:tcPr anchor="ctr">
+                    <a:solidFill>
+                      <a:schemeClr val="accent1"/>
+                    </a:solidFill>
+                  </a:tcPr>
+                </a:tc>
+                <a:tc>
+                  <a:txBody>
+                    <a:bodyPr/>
+                    <a:lstStyle/>
+                    <a:p>
+                      <a:pPr algn="ctr"/>
+                      <a:r>
+                        <a:rPr lang="en-US" b="0" dirty="0"/>
+                        <a:t>1</a:t>
+                      </a:r>
+                    </a:p>
+                  </a:txBody>
+                  <a:tcPr anchor="ctr"/>
+                </a:tc>
+                <a:tc>
+                  <a:txBody>
+                    <a:bodyPr/>
+                    <a:lstStyle/>
+                    <a:p>
+                      <a:pPr algn="ctr"/>
+                      <a:r>
+                        <a:rPr lang="en-US" b="0" dirty="0"/>
+                        <a:t>2</a:t>
+                      </a:r>
+                    </a:p>
+                  </a:txBody>
+                  <a:tcPr anchor="ctr"/>
+                </a:tc>
+                <a:tc>
+                  <a:txBody>
+                    <a:bodyPr/>
+                    <a:lstStyle/>
+                    <a:p>
+                      <a:pPr algn="ctr"/>
+                      <a:r>
+                        <a:rPr lang="en-US" b="0" dirty="0"/>
+                        <a:t>3</a:t>
+                      </a:r>
+                    </a:p>
+                  </a:txBody>
+                  <a:tcPr anchor="ctr"/>
+                </a:tc>
+                <a:tc>
+                  <a:txBody>
+                    <a:bodyPr/>
+                    <a:lstStyle/>
+                    <a:p>
+                      <a:pPr algn="ctr"/>
+                      <a:r>
+                        <a:rPr lang="en-US" b="0" dirty="0"/>
+                        <a:t>4</a:t>
+                      </a:r>
+                    </a:p>
+                  </a:txBody>
+                  <a:tcPr anchor="ctr"/>
+                </a:tc>
+                <a:tc>
+                  <a:txBody>
+                    <a:bodyPr/>
+                    <a:lstStyle/>
+                    <a:p>
+                      <a:pPr algn="ctr"/>
+                      <a:r>
+                        <a:rPr lang="en-US" b="0" dirty="0"/>
+                        <a:t>5</a:t>
+                      </a:r>
+                    </a:p>
+                  </a:txBody>
+                  <a:tcPr anchor="ctr"/>
+                </a:tc>
+                <a:tc>
+                  <a:txBody>
+                    <a:bodyPr/>
+                    <a:lstStyle/>
+                    <a:p>
+                      <a:pPr algn="ctr"/>
+                      <a:r>
+                        <a:rPr lang="en-US" b="0" dirty="0"/>
+                        <a:t>6</a:t>
+                      </a:r>
+                    </a:p>
+                  </a:txBody>
+                  <a:tcPr anchor="ctr"/>
+                </a:tc>
+                <a:tc>
+                  <a:txBody>
+                    <a:bodyPr/>
+                    <a:lstStyle/>
+                    <a:p>
+                      <a:pPr algn="ctr"/>
+                      <a:r>
+                        <a:rPr lang="en-US" b="0" dirty="0"/>
+                        <a:t>7</a:t>
+                      </a:r>
+                    </a:p>
+                  </a:txBody>
+                  <a:tcPr anchor="ctr"/>
+                </a:tc>
+                <a:tc>
+                  <a:txBody>
+                    <a:bodyPr/>
+                    <a:lstStyle/>
+                    <a:p>
+                      <a:pPr algn="ctr"/>
+                      <a:r>
+                        <a:rPr lang="en-US" b="0" dirty="0"/>
+                        <a:t>8</a:t>
+                      </a:r>
+                    </a:p>
+                  </a:txBody>
+                  <a:tcPr anchor="ctr"/>
+                </a:tc>
+                <a:tc>
+                  <a:txBody>
+                    <a:bodyPr/>
+                    <a:lstStyle/>
+                    <a:p>
+                      <a:pPr algn="ctr"/>
+                      <a:r>
+                        <a:rPr lang="en-US" b="0" dirty="0"/>
+                        <a:t>9</a:t>
+                      </a:r>
+                    </a:p>
+                  </a:txBody>
+                  <a:tcPr anchor="ctr"/>
+                </a:tc>
+                <a:tc>
+                  <a:txBody>
+                    <a:bodyPr/>
+                    <a:lstStyle/>
+                    <a:p>
+                      <a:pPr algn="ctr"/>
+                      <a:r>
+                        <a:rPr lang="en-US" b="0" dirty="0"/>
+                        <a:t>10</a:t>
+                      </a:r>
+                    </a:p>
+                  </a:txBody>
+                  <a:tcPr anchor="ctr"/>
+                </a:tc>
+                <a:extLst>
+                  <a:ext uri="{0D108BD9-81ED-4DB2-BD59-A6C34878D82A}">
+                    <a16:rowId xmlns:a16="http://schemas.microsoft.com/office/drawing/2014/main" val="3432947557"/>
+                  </a:ext>
+                </a:extLst>
+              </a:tr>
+              <a:tr h="470491">
+                <a:tc>
+                  <a:txBody>
+                    <a:bodyPr/>
+                    <a:lstStyle/>
+                    <a:p>
+                      <a:pPr algn="ctr"/>
+                      <a:r>
+                        <a:rPr lang="en-US" dirty="0">
+                          <a:solidFill>
+                            <a:schemeClr val="bg1"/>
+                          </a:solidFill>
+                        </a:rPr>
+                        <a:t>Root</a:t>
+                      </a:r>
+                    </a:p>
+                  </a:txBody>
+                  <a:tcPr anchor="ctr">
+                    <a:solidFill>
+                      <a:schemeClr val="accent1"/>
+                    </a:solidFill>
+                  </a:tcPr>
+                </a:tc>
+                <a:tc>
+                  <a:txBody>
+                    <a:bodyPr/>
+                    <a:lstStyle/>
+                    <a:p>
+                      <a:pPr algn="ctr"/>
+                      <a:endParaRPr lang="en-US" dirty="0"/>
+                    </a:p>
+                  </a:txBody>
+                  <a:tcPr anchor="ctr"/>
+                </a:tc>
+                <a:tc>
+                  <a:txBody>
+                    <a:bodyPr/>
+                    <a:lstStyle/>
+                    <a:p>
+                      <a:pPr algn="ctr"/>
+                      <a:endParaRPr lang="en-US"/>
+                    </a:p>
+                  </a:txBody>
+                  <a:tcPr anchor="ctr"/>
+                </a:tc>
+                <a:tc>
+                  <a:txBody>
+                    <a:bodyPr/>
+                    <a:lstStyle/>
+                    <a:p>
+                      <a:pPr algn="ctr"/>
+                      <a:endParaRPr lang="en-US"/>
+                    </a:p>
+                  </a:txBody>
+                  <a:tcPr anchor="ctr"/>
+                </a:tc>
+                <a:tc>
+                  <a:txBody>
+                    <a:bodyPr/>
+                    <a:lstStyle/>
+                    <a:p>
+                      <a:pPr algn="ctr"/>
+                      <a:endParaRPr lang="en-US"/>
+                    </a:p>
+                  </a:txBody>
+                  <a:tcPr anchor="ctr"/>
+                </a:tc>
+                <a:tc>
+                  <a:txBody>
+                    <a:bodyPr/>
+                    <a:lstStyle/>
+                    <a:p>
+                      <a:pPr algn="ctr"/>
+                      <a:endParaRPr lang="en-US"/>
+                    </a:p>
+                  </a:txBody>
+                  <a:tcPr anchor="ctr"/>
+                </a:tc>
+                <a:tc>
+                  <a:txBody>
+                    <a:bodyPr/>
+                    <a:lstStyle/>
+                    <a:p>
+                      <a:pPr algn="ctr"/>
+                      <a:endParaRPr lang="en-US"/>
+                    </a:p>
+                  </a:txBody>
+                  <a:tcPr anchor="ctr"/>
+                </a:tc>
+                <a:tc>
+                  <a:txBody>
+                    <a:bodyPr/>
+                    <a:lstStyle/>
+                    <a:p>
+                      <a:pPr algn="ctr"/>
+                      <a:endParaRPr lang="en-US"/>
+                    </a:p>
+                  </a:txBody>
+                  <a:tcPr anchor="ctr"/>
+                </a:tc>
+                <a:tc>
+                  <a:txBody>
+                    <a:bodyPr/>
+                    <a:lstStyle/>
+                    <a:p>
+                      <a:pPr algn="ctr"/>
+                      <a:endParaRPr lang="en-US"/>
+                    </a:p>
+                  </a:txBody>
+                  <a:tcPr anchor="ctr"/>
+                </a:tc>
+                <a:tc>
+                  <a:txBody>
+                    <a:bodyPr/>
+                    <a:lstStyle/>
+                    <a:p>
+                      <a:pPr algn="ctr"/>
+                      <a:endParaRPr lang="en-US" dirty="0"/>
+                    </a:p>
+                  </a:txBody>
+                  <a:tcPr anchor="ctr"/>
+                </a:tc>
+                <a:tc>
+                  <a:txBody>
+                    <a:bodyPr/>
+                    <a:lstStyle/>
+                    <a:p>
+                      <a:pPr algn="ctr"/>
+                      <a:endParaRPr lang="en-US"/>
+                    </a:p>
+                  </a:txBody>
+                  <a:tcPr anchor="ctr"/>
+                </a:tc>
+                <a:extLst>
+                  <a:ext uri="{0D108BD9-81ED-4DB2-BD59-A6C34878D82A}">
+                    <a16:rowId xmlns:a16="http://schemas.microsoft.com/office/drawing/2014/main" val="3894760842"/>
+                  </a:ext>
+                </a:extLst>
+              </a:tr>
+              <a:tr h="470491">
+                <a:tc>
+                  <a:txBody>
+                    <a:bodyPr/>
+                    <a:lstStyle/>
+                    <a:p>
+                      <a:pPr algn="ctr"/>
+                      <a:r>
+                        <a:rPr lang="en-US" dirty="0">
+                          <a:solidFill>
+                            <a:schemeClr val="bg1"/>
+                          </a:solidFill>
+                        </a:rPr>
+                        <a:t>1</a:t>
+                      </a:r>
+                    </a:p>
+                  </a:txBody>
+                  <a:tcPr anchor="ctr">
+                    <a:solidFill>
+                      <a:schemeClr val="accent1"/>
+                    </a:solidFill>
+                  </a:tcPr>
+                </a:tc>
+                <a:tc>
+                  <a:txBody>
+                    <a:bodyPr/>
+                    <a:lstStyle/>
+                    <a:p>
+                      <a:pPr algn="ctr"/>
+                      <a:endParaRPr lang="en-US" dirty="0"/>
+                    </a:p>
+                  </a:txBody>
+                  <a:tcPr anchor="ctr">
+                    <a:solidFill>
+                      <a:schemeClr val="bg2">
+                        <a:lumMod val="50000"/>
+                      </a:schemeClr>
+                    </a:solidFill>
+                  </a:tcPr>
+                </a:tc>
+                <a:tc>
+                  <a:txBody>
+                    <a:bodyPr/>
+                    <a:lstStyle/>
+                    <a:p>
+                      <a:pPr algn="ctr"/>
+                      <a:endParaRPr lang="en-US"/>
+                    </a:p>
+                  </a:txBody>
+                  <a:tcPr anchor="ctr"/>
+                </a:tc>
+                <a:tc>
+                  <a:txBody>
+                    <a:bodyPr/>
+                    <a:lstStyle/>
+                    <a:p>
+                      <a:pPr algn="ctr"/>
+                      <a:endParaRPr lang="en-US"/>
+                    </a:p>
+                  </a:txBody>
+                  <a:tcPr anchor="ctr"/>
+                </a:tc>
+                <a:tc>
+                  <a:txBody>
+                    <a:bodyPr/>
+                    <a:lstStyle/>
+                    <a:p>
+                      <a:pPr algn="ctr"/>
+                      <a:endParaRPr lang="en-US"/>
+                    </a:p>
+                  </a:txBody>
+                  <a:tcPr anchor="ctr"/>
+                </a:tc>
+                <a:tc>
+                  <a:txBody>
+                    <a:bodyPr/>
+                    <a:lstStyle/>
+                    <a:p>
+                      <a:pPr algn="ctr"/>
+                      <a:endParaRPr lang="en-US"/>
+                    </a:p>
+                  </a:txBody>
+                  <a:tcPr anchor="ctr"/>
+                </a:tc>
+                <a:tc>
+                  <a:txBody>
+                    <a:bodyPr/>
+                    <a:lstStyle/>
+                    <a:p>
+                      <a:pPr algn="ctr"/>
+                      <a:endParaRPr lang="en-US"/>
+                    </a:p>
+                  </a:txBody>
+                  <a:tcPr anchor="ctr"/>
+                </a:tc>
+                <a:tc>
+                  <a:txBody>
+                    <a:bodyPr/>
+                    <a:lstStyle/>
+                    <a:p>
+                      <a:pPr algn="ctr"/>
+                      <a:endParaRPr lang="en-US"/>
+                    </a:p>
+                  </a:txBody>
+                  <a:tcPr anchor="ctr"/>
+                </a:tc>
+                <a:tc>
+                  <a:txBody>
+                    <a:bodyPr/>
+                    <a:lstStyle/>
+                    <a:p>
+                      <a:pPr algn="ctr"/>
+                      <a:endParaRPr lang="en-US"/>
+                    </a:p>
+                  </a:txBody>
+                  <a:tcPr anchor="ctr"/>
+                </a:tc>
+                <a:tc>
+                  <a:txBody>
+                    <a:bodyPr/>
+                    <a:lstStyle/>
+                    <a:p>
+                      <a:pPr algn="ctr"/>
+                      <a:endParaRPr lang="en-US" dirty="0"/>
+                    </a:p>
+                  </a:txBody>
+                  <a:tcPr anchor="ctr"/>
+                </a:tc>
+                <a:tc>
+                  <a:txBody>
+                    <a:bodyPr/>
+                    <a:lstStyle/>
+                    <a:p>
+                      <a:pPr algn="ctr"/>
+                      <a:endParaRPr lang="en-US" dirty="0"/>
+                    </a:p>
+                  </a:txBody>
+                  <a:tcPr anchor="ctr"/>
+                </a:tc>
+                <a:extLst>
+                  <a:ext uri="{0D108BD9-81ED-4DB2-BD59-A6C34878D82A}">
+                    <a16:rowId xmlns:a16="http://schemas.microsoft.com/office/drawing/2014/main" val="975743077"/>
+                  </a:ext>
+                </a:extLst>
+              </a:tr>
+              <a:tr h="470491">
+                <a:tc>
+                  <a:txBody>
+                    <a:bodyPr/>
+                    <a:lstStyle/>
+                    <a:p>
+                      <a:pPr algn="ctr"/>
+                      <a:r>
+                        <a:rPr lang="en-US" dirty="0">
+                          <a:solidFill>
+                            <a:schemeClr val="bg1"/>
+                          </a:solidFill>
+                        </a:rPr>
+                        <a:t>2</a:t>
+                      </a:r>
+                    </a:p>
+                  </a:txBody>
+                  <a:tcPr anchor="ctr">
+                    <a:solidFill>
+                      <a:schemeClr val="accent1"/>
+                    </a:solidFill>
+                  </a:tcPr>
+                </a:tc>
+                <a:tc>
+                  <a:txBody>
+                    <a:bodyPr/>
+                    <a:lstStyle/>
+                    <a:p>
+                      <a:pPr algn="ctr"/>
+                      <a:endParaRPr lang="en-US"/>
+                    </a:p>
+                  </a:txBody>
+                  <a:tcPr anchor="ctr"/>
+                </a:tc>
+                <a:tc>
+                  <a:txBody>
+                    <a:bodyPr/>
+                    <a:lstStyle/>
+                    <a:p>
+                      <a:pPr algn="ctr"/>
+                      <a:endParaRPr lang="en-US" dirty="0"/>
+                    </a:p>
+                  </a:txBody>
+                  <a:tcPr anchor="ctr">
+                    <a:solidFill>
+                      <a:schemeClr val="bg2">
+                        <a:lumMod val="50000"/>
+                      </a:schemeClr>
+                    </a:solidFill>
+                  </a:tcPr>
+                </a:tc>
+                <a:tc>
+                  <a:txBody>
+                    <a:bodyPr/>
+                    <a:lstStyle/>
+                    <a:p>
+                      <a:pPr algn="ctr"/>
+                      <a:endParaRPr lang="en-US"/>
+                    </a:p>
+                  </a:txBody>
+                  <a:tcPr anchor="ctr"/>
+                </a:tc>
+                <a:tc>
+                  <a:txBody>
+                    <a:bodyPr/>
+                    <a:lstStyle/>
+                    <a:p>
+                      <a:pPr algn="ctr"/>
+                      <a:endParaRPr lang="en-US"/>
+                    </a:p>
+                  </a:txBody>
+                  <a:tcPr anchor="ctr"/>
+                </a:tc>
+                <a:tc>
+                  <a:txBody>
+                    <a:bodyPr/>
+                    <a:lstStyle/>
+                    <a:p>
+                      <a:pPr algn="ctr"/>
+                      <a:endParaRPr lang="en-US"/>
+                    </a:p>
+                  </a:txBody>
+                  <a:tcPr anchor="ctr"/>
+                </a:tc>
+                <a:tc>
+                  <a:txBody>
+                    <a:bodyPr/>
+                    <a:lstStyle/>
+                    <a:p>
+                      <a:pPr algn="ctr"/>
+                      <a:endParaRPr lang="en-US"/>
+                    </a:p>
+                  </a:txBody>
+                  <a:tcPr anchor="ctr"/>
+                </a:tc>
+                <a:tc>
+                  <a:txBody>
+                    <a:bodyPr/>
+                    <a:lstStyle/>
+                    <a:p>
+                      <a:pPr algn="ctr"/>
+                      <a:endParaRPr lang="en-US"/>
+                    </a:p>
+                  </a:txBody>
+                  <a:tcPr anchor="ctr"/>
+                </a:tc>
+                <a:tc>
+                  <a:txBody>
+                    <a:bodyPr/>
+                    <a:lstStyle/>
+                    <a:p>
+                      <a:pPr algn="ctr"/>
+                      <a:endParaRPr lang="en-US"/>
+                    </a:p>
+                  </a:txBody>
+                  <a:tcPr anchor="ctr"/>
+                </a:tc>
+                <a:tc>
+                  <a:txBody>
+                    <a:bodyPr/>
+                    <a:lstStyle/>
+                    <a:p>
+                      <a:pPr algn="ctr"/>
+                      <a:endParaRPr lang="en-US"/>
+                    </a:p>
+                  </a:txBody>
+                  <a:tcPr anchor="ctr"/>
+                </a:tc>
+                <a:tc>
+                  <a:txBody>
+                    <a:bodyPr/>
+                    <a:lstStyle/>
+                    <a:p>
+                      <a:pPr algn="ctr"/>
+                      <a:endParaRPr lang="en-US"/>
+                    </a:p>
+                  </a:txBody>
+                  <a:tcPr anchor="ctr"/>
+                </a:tc>
+                <a:extLst>
+                  <a:ext uri="{0D108BD9-81ED-4DB2-BD59-A6C34878D82A}">
+                    <a16:rowId xmlns:a16="http://schemas.microsoft.com/office/drawing/2014/main" val="3485857920"/>
+                  </a:ext>
+                </a:extLst>
+              </a:tr>
+              <a:tr h="470491">
+                <a:tc>
+                  <a:txBody>
+                    <a:bodyPr/>
+                    <a:lstStyle/>
+                    <a:p>
+                      <a:pPr algn="ctr"/>
+                      <a:r>
+                        <a:rPr lang="en-US" dirty="0">
+                          <a:solidFill>
+                            <a:schemeClr val="bg1"/>
+                          </a:solidFill>
+                        </a:rPr>
+                        <a:t>3</a:t>
+                      </a:r>
+                    </a:p>
+                  </a:txBody>
+                  <a:tcPr anchor="ctr">
+                    <a:solidFill>
+                      <a:schemeClr val="accent1"/>
+                    </a:solidFill>
+                  </a:tcPr>
+                </a:tc>
+                <a:tc>
+                  <a:txBody>
+                    <a:bodyPr/>
+                    <a:lstStyle/>
+                    <a:p>
+                      <a:pPr algn="ctr"/>
+                      <a:r>
+                        <a:rPr lang="en-US" dirty="0"/>
+                        <a:t>-</a:t>
+                      </a:r>
+                    </a:p>
+                  </a:txBody>
+                  <a:tcPr anchor="ctr">
+                    <a:solidFill>
+                      <a:schemeClr val="bg2">
+                        <a:lumMod val="75000"/>
+                      </a:schemeClr>
+                    </a:solidFill>
+                  </a:tcPr>
+                </a:tc>
+                <a:tc>
+                  <a:txBody>
+                    <a:bodyPr/>
+                    <a:lstStyle/>
+                    <a:p>
+                      <a:pPr algn="ctr"/>
+                      <a:r>
+                        <a:rPr lang="en-US" dirty="0"/>
+                        <a:t>-</a:t>
+                      </a:r>
+                    </a:p>
+                  </a:txBody>
+                  <a:tcPr anchor="ctr">
+                    <a:solidFill>
+                      <a:schemeClr val="bg2">
+                        <a:lumMod val="75000"/>
+                      </a:schemeClr>
+                    </a:solidFill>
+                  </a:tcPr>
+                </a:tc>
+                <a:tc>
+                  <a:txBody>
+                    <a:bodyPr/>
+                    <a:lstStyle/>
+                    <a:p>
+                      <a:pPr algn="ctr"/>
+                      <a:endParaRPr lang="en-US" dirty="0"/>
+                    </a:p>
+                  </a:txBody>
+                  <a:tcPr anchor="ctr">
+                    <a:solidFill>
+                      <a:schemeClr val="bg2">
+                        <a:lumMod val="50000"/>
+                      </a:schemeClr>
+                    </a:solidFill>
+                  </a:tcPr>
+                </a:tc>
+                <a:tc>
+                  <a:txBody>
+                    <a:bodyPr/>
+                    <a:lstStyle/>
+                    <a:p>
+                      <a:pPr algn="ctr"/>
+                      <a:endParaRPr lang="en-US"/>
+                    </a:p>
+                  </a:txBody>
+                  <a:tcPr anchor="ctr"/>
+                </a:tc>
+                <a:tc>
+                  <a:txBody>
+                    <a:bodyPr/>
+                    <a:lstStyle/>
+                    <a:p>
+                      <a:pPr algn="ctr"/>
+                      <a:endParaRPr lang="en-US" dirty="0"/>
+                    </a:p>
+                  </a:txBody>
+                  <a:tcPr anchor="ctr"/>
+                </a:tc>
+                <a:tc>
+                  <a:txBody>
+                    <a:bodyPr/>
+                    <a:lstStyle/>
+                    <a:p>
+                      <a:pPr algn="ctr"/>
+                      <a:r>
+                        <a:rPr lang="en-US" dirty="0"/>
+                        <a:t>-</a:t>
+                      </a:r>
+                    </a:p>
+                  </a:txBody>
+                  <a:tcPr anchor="ctr">
+                    <a:solidFill>
+                      <a:schemeClr val="bg2">
+                        <a:lumMod val="75000"/>
+                      </a:schemeClr>
+                    </a:solidFill>
+                  </a:tcPr>
+                </a:tc>
+                <a:tc>
+                  <a:txBody>
+                    <a:bodyPr/>
+                    <a:lstStyle/>
+                    <a:p>
+                      <a:pPr algn="ctr"/>
+                      <a:r>
+                        <a:rPr lang="en-US" dirty="0"/>
+                        <a:t>-</a:t>
+                      </a:r>
+                    </a:p>
+                  </a:txBody>
+                  <a:tcPr anchor="ctr">
+                    <a:solidFill>
+                      <a:schemeClr val="bg2">
+                        <a:lumMod val="75000"/>
+                      </a:schemeClr>
+                    </a:solidFill>
+                  </a:tcPr>
+                </a:tc>
+                <a:tc>
+                  <a:txBody>
+                    <a:bodyPr/>
+                    <a:lstStyle/>
+                    <a:p>
+                      <a:pPr algn="ctr"/>
+                      <a:endParaRPr lang="en-US"/>
+                    </a:p>
+                  </a:txBody>
+                  <a:tcPr anchor="ctr"/>
+                </a:tc>
+                <a:tc>
+                  <a:txBody>
+                    <a:bodyPr/>
+                    <a:lstStyle/>
+                    <a:p>
+                      <a:pPr algn="ctr"/>
+                      <a:endParaRPr lang="en-US"/>
+                    </a:p>
+                  </a:txBody>
+                  <a:tcPr anchor="ctr"/>
+                </a:tc>
+                <a:tc>
+                  <a:txBody>
+                    <a:bodyPr/>
+                    <a:lstStyle/>
+                    <a:p>
+                      <a:pPr algn="ctr"/>
+                      <a:endParaRPr lang="en-US" dirty="0"/>
+                    </a:p>
+                  </a:txBody>
+                  <a:tcPr anchor="ctr"/>
+                </a:tc>
+                <a:extLst>
+                  <a:ext uri="{0D108BD9-81ED-4DB2-BD59-A6C34878D82A}">
+                    <a16:rowId xmlns:a16="http://schemas.microsoft.com/office/drawing/2014/main" val="3971703997"/>
+                  </a:ext>
+                </a:extLst>
+              </a:tr>
+              <a:tr h="470491">
+                <a:tc>
+                  <a:txBody>
+                    <a:bodyPr/>
+                    <a:lstStyle/>
+                    <a:p>
+                      <a:pPr algn="ctr"/>
+                      <a:r>
+                        <a:rPr lang="en-US" dirty="0">
+                          <a:solidFill>
+                            <a:schemeClr val="bg1"/>
+                          </a:solidFill>
+                        </a:rPr>
+                        <a:t>4</a:t>
+                      </a:r>
+                    </a:p>
+                  </a:txBody>
+                  <a:tcPr anchor="ctr">
+                    <a:solidFill>
+                      <a:schemeClr val="accent1"/>
+                    </a:solidFill>
+                  </a:tcPr>
+                </a:tc>
+                <a:tc>
+                  <a:txBody>
+                    <a:bodyPr/>
+                    <a:lstStyle/>
+                    <a:p>
+                      <a:pPr algn="ctr"/>
+                      <a:r>
+                        <a:rPr lang="en-US" dirty="0"/>
+                        <a:t>-</a:t>
+                      </a:r>
+                    </a:p>
+                  </a:txBody>
+                  <a:tcPr anchor="ctr">
+                    <a:solidFill>
+                      <a:schemeClr val="bg2">
+                        <a:lumMod val="75000"/>
+                      </a:schemeClr>
+                    </a:solidFill>
+                  </a:tcPr>
+                </a:tc>
+                <a:tc>
+                  <a:txBody>
+                    <a:bodyPr/>
+                    <a:lstStyle/>
+                    <a:p>
+                      <a:pPr algn="ctr"/>
+                      <a:r>
+                        <a:rPr lang="en-US" dirty="0"/>
+                        <a:t>-</a:t>
+                      </a:r>
+                    </a:p>
+                  </a:txBody>
+                  <a:tcPr anchor="ctr">
+                    <a:solidFill>
+                      <a:schemeClr val="bg2">
+                        <a:lumMod val="75000"/>
+                      </a:schemeClr>
+                    </a:solidFill>
+                  </a:tcPr>
+                </a:tc>
+                <a:tc>
+                  <a:txBody>
+                    <a:bodyPr/>
+                    <a:lstStyle/>
+                    <a:p>
+                      <a:pPr algn="ctr"/>
+                      <a:endParaRPr lang="en-US" dirty="0"/>
+                    </a:p>
+                  </a:txBody>
+                  <a:tcPr anchor="ctr"/>
+                </a:tc>
+                <a:tc>
+                  <a:txBody>
+                    <a:bodyPr/>
+                    <a:lstStyle/>
+                    <a:p>
+                      <a:pPr algn="ctr"/>
+                      <a:endParaRPr lang="en-US" dirty="0"/>
+                    </a:p>
+                  </a:txBody>
+                  <a:tcPr anchor="ctr">
+                    <a:solidFill>
+                      <a:schemeClr val="bg2">
+                        <a:lumMod val="50000"/>
+                      </a:schemeClr>
+                    </a:solidFill>
+                  </a:tcPr>
+                </a:tc>
+                <a:tc>
+                  <a:txBody>
+                    <a:bodyPr/>
+                    <a:lstStyle/>
+                    <a:p>
+                      <a:pPr algn="ctr"/>
+                      <a:endParaRPr lang="en-US"/>
+                    </a:p>
+                  </a:txBody>
+                  <a:tcPr anchor="ctr"/>
+                </a:tc>
+                <a:tc>
+                  <a:txBody>
+                    <a:bodyPr/>
+                    <a:lstStyle/>
+                    <a:p>
+                      <a:pPr algn="ctr"/>
+                      <a:r>
+                        <a:rPr lang="en-US" dirty="0"/>
+                        <a:t>-</a:t>
+                      </a:r>
+                    </a:p>
+                  </a:txBody>
+                  <a:tcPr anchor="ctr">
+                    <a:solidFill>
+                      <a:schemeClr val="bg2">
+                        <a:lumMod val="75000"/>
+                      </a:schemeClr>
+                    </a:solidFill>
+                  </a:tcPr>
+                </a:tc>
+                <a:tc>
+                  <a:txBody>
+                    <a:bodyPr/>
+                    <a:lstStyle/>
+                    <a:p>
+                      <a:pPr algn="ctr"/>
+                      <a:r>
+                        <a:rPr lang="en-US" dirty="0"/>
+                        <a:t>-</a:t>
+                      </a:r>
+                    </a:p>
+                  </a:txBody>
+                  <a:tcPr anchor="ctr">
+                    <a:solidFill>
+                      <a:schemeClr val="bg2">
+                        <a:lumMod val="75000"/>
+                      </a:schemeClr>
+                    </a:solidFill>
+                  </a:tcPr>
+                </a:tc>
+                <a:tc>
+                  <a:txBody>
+                    <a:bodyPr/>
+                    <a:lstStyle/>
+                    <a:p>
+                      <a:pPr algn="ctr"/>
+                      <a:endParaRPr lang="en-US"/>
+                    </a:p>
+                  </a:txBody>
+                  <a:tcPr anchor="ctr"/>
+                </a:tc>
+                <a:tc>
+                  <a:txBody>
+                    <a:bodyPr/>
+                    <a:lstStyle/>
+                    <a:p>
+                      <a:pPr algn="ctr"/>
+                      <a:endParaRPr lang="en-US"/>
+                    </a:p>
+                  </a:txBody>
+                  <a:tcPr anchor="ctr"/>
+                </a:tc>
+                <a:tc>
+                  <a:txBody>
+                    <a:bodyPr/>
+                    <a:lstStyle/>
+                    <a:p>
+                      <a:pPr algn="ctr"/>
+                      <a:endParaRPr lang="en-US"/>
+                    </a:p>
+                  </a:txBody>
+                  <a:tcPr anchor="ctr"/>
+                </a:tc>
+                <a:extLst>
+                  <a:ext uri="{0D108BD9-81ED-4DB2-BD59-A6C34878D82A}">
+                    <a16:rowId xmlns:a16="http://schemas.microsoft.com/office/drawing/2014/main" val="4216095044"/>
+                  </a:ext>
+                </a:extLst>
+              </a:tr>
+              <a:tr h="470491">
+                <a:tc>
+                  <a:txBody>
+                    <a:bodyPr/>
+                    <a:lstStyle/>
+                    <a:p>
+                      <a:pPr algn="ctr"/>
+                      <a:r>
+                        <a:rPr lang="en-US" dirty="0">
+                          <a:solidFill>
+                            <a:schemeClr val="bg1"/>
+                          </a:solidFill>
+                        </a:rPr>
+                        <a:t>5</a:t>
+                      </a:r>
+                    </a:p>
+                  </a:txBody>
+                  <a:tcPr anchor="ctr">
+                    <a:solidFill>
+                      <a:schemeClr val="accent1"/>
+                    </a:solidFill>
+                  </a:tcPr>
+                </a:tc>
+                <a:tc>
+                  <a:txBody>
+                    <a:bodyPr/>
+                    <a:lstStyle/>
+                    <a:p>
+                      <a:pPr algn="ctr"/>
+                      <a:r>
+                        <a:rPr lang="en-US" dirty="0"/>
+                        <a:t>-</a:t>
+                      </a:r>
+                    </a:p>
+                  </a:txBody>
+                  <a:tcPr anchor="ctr">
+                    <a:solidFill>
+                      <a:schemeClr val="bg2">
+                        <a:lumMod val="75000"/>
+                      </a:schemeClr>
+                    </a:solidFill>
+                  </a:tcPr>
+                </a:tc>
+                <a:tc>
+                  <a:txBody>
+                    <a:bodyPr/>
+                    <a:lstStyle/>
+                    <a:p>
+                      <a:pPr algn="ctr"/>
+                      <a:r>
+                        <a:rPr lang="en-US" dirty="0"/>
+                        <a:t>-</a:t>
+                      </a:r>
+                    </a:p>
+                  </a:txBody>
+                  <a:tcPr anchor="ctr">
+                    <a:solidFill>
+                      <a:schemeClr val="bg2">
+                        <a:lumMod val="75000"/>
+                      </a:schemeClr>
+                    </a:solidFill>
+                  </a:tcPr>
+                </a:tc>
+                <a:tc>
+                  <a:txBody>
+                    <a:bodyPr/>
+                    <a:lstStyle/>
+                    <a:p>
+                      <a:pPr algn="ctr"/>
+                      <a:endParaRPr lang="en-US"/>
+                    </a:p>
+                  </a:txBody>
+                  <a:tcPr anchor="ctr"/>
+                </a:tc>
+                <a:tc>
+                  <a:txBody>
+                    <a:bodyPr/>
+                    <a:lstStyle/>
+                    <a:p>
+                      <a:pPr algn="ctr"/>
+                      <a:endParaRPr lang="en-US"/>
+                    </a:p>
+                  </a:txBody>
+                  <a:tcPr anchor="ctr"/>
+                </a:tc>
+                <a:tc>
+                  <a:txBody>
+                    <a:bodyPr/>
+                    <a:lstStyle/>
+                    <a:p>
+                      <a:pPr algn="ctr"/>
+                      <a:endParaRPr lang="en-US" dirty="0"/>
+                    </a:p>
+                  </a:txBody>
+                  <a:tcPr anchor="ctr">
+                    <a:solidFill>
+                      <a:schemeClr val="bg2">
+                        <a:lumMod val="50000"/>
+                      </a:schemeClr>
+                    </a:solidFill>
+                  </a:tcPr>
+                </a:tc>
+                <a:tc>
+                  <a:txBody>
+                    <a:bodyPr/>
+                    <a:lstStyle/>
+                    <a:p>
+                      <a:pPr algn="ctr"/>
+                      <a:r>
+                        <a:rPr lang="en-US" dirty="0"/>
+                        <a:t>-</a:t>
+                      </a:r>
+                    </a:p>
+                  </a:txBody>
+                  <a:tcPr anchor="ctr">
+                    <a:solidFill>
+                      <a:schemeClr val="bg2">
+                        <a:lumMod val="75000"/>
+                      </a:schemeClr>
+                    </a:solidFill>
+                  </a:tcPr>
+                </a:tc>
+                <a:tc>
+                  <a:txBody>
+                    <a:bodyPr/>
+                    <a:lstStyle/>
+                    <a:p>
+                      <a:pPr algn="ctr"/>
+                      <a:r>
+                        <a:rPr lang="en-US" dirty="0"/>
+                        <a:t>-</a:t>
+                      </a:r>
+                    </a:p>
+                  </a:txBody>
+                  <a:tcPr anchor="ctr">
+                    <a:solidFill>
+                      <a:schemeClr val="bg2">
+                        <a:lumMod val="75000"/>
+                      </a:schemeClr>
+                    </a:solidFill>
+                  </a:tcPr>
+                </a:tc>
+                <a:tc>
+                  <a:txBody>
+                    <a:bodyPr/>
+                    <a:lstStyle/>
+                    <a:p>
+                      <a:pPr algn="ctr"/>
+                      <a:endParaRPr lang="en-US"/>
+                    </a:p>
+                  </a:txBody>
+                  <a:tcPr anchor="ctr"/>
+                </a:tc>
+                <a:tc>
+                  <a:txBody>
+                    <a:bodyPr/>
+                    <a:lstStyle/>
+                    <a:p>
+                      <a:pPr algn="ctr"/>
+                      <a:endParaRPr lang="en-US"/>
+                    </a:p>
+                  </a:txBody>
+                  <a:tcPr anchor="ctr"/>
+                </a:tc>
+                <a:tc>
+                  <a:txBody>
+                    <a:bodyPr/>
+                    <a:lstStyle/>
+                    <a:p>
+                      <a:pPr algn="ctr"/>
+                      <a:endParaRPr lang="en-US"/>
+                    </a:p>
+                  </a:txBody>
+                  <a:tcPr anchor="ctr"/>
+                </a:tc>
+                <a:extLst>
+                  <a:ext uri="{0D108BD9-81ED-4DB2-BD59-A6C34878D82A}">
+                    <a16:rowId xmlns:a16="http://schemas.microsoft.com/office/drawing/2014/main" val="2237266844"/>
+                  </a:ext>
+                </a:extLst>
+              </a:tr>
+              <a:tr h="470491">
+                <a:tc>
+                  <a:txBody>
+                    <a:bodyPr/>
+                    <a:lstStyle/>
+                    <a:p>
+                      <a:pPr algn="ctr"/>
+                      <a:r>
+                        <a:rPr lang="en-US" dirty="0">
+                          <a:solidFill>
+                            <a:schemeClr val="bg1"/>
+                          </a:solidFill>
+                        </a:rPr>
+                        <a:t>6</a:t>
+                      </a:r>
+                    </a:p>
+                  </a:txBody>
+                  <a:tcPr anchor="ctr">
+                    <a:solidFill>
+                      <a:schemeClr val="accent1"/>
+                    </a:solidFill>
+                  </a:tcPr>
+                </a:tc>
+                <a:tc>
+                  <a:txBody>
+                    <a:bodyPr/>
+                    <a:lstStyle/>
+                    <a:p>
+                      <a:pPr algn="ctr"/>
+                      <a:r>
+                        <a:rPr lang="en-US" dirty="0"/>
+                        <a:t>-</a:t>
+                      </a:r>
+                    </a:p>
+                  </a:txBody>
+                  <a:tcPr anchor="ctr">
+                    <a:solidFill>
+                      <a:schemeClr val="bg2">
+                        <a:lumMod val="75000"/>
+                      </a:schemeClr>
+                    </a:solidFill>
+                  </a:tcPr>
+                </a:tc>
+                <a:tc>
+                  <a:txBody>
+                    <a:bodyPr/>
+                    <a:lstStyle/>
+                    <a:p>
+                      <a:pPr algn="ctr"/>
+                      <a:r>
+                        <a:rPr lang="en-US" dirty="0"/>
+                        <a:t>-</a:t>
+                      </a:r>
+                    </a:p>
+                  </a:txBody>
+                  <a:tcPr anchor="ctr">
+                    <a:solidFill>
+                      <a:schemeClr val="bg2">
+                        <a:lumMod val="75000"/>
+                      </a:schemeClr>
+                    </a:solidFill>
+                  </a:tcPr>
+                </a:tc>
+                <a:tc>
+                  <a:txBody>
+                    <a:bodyPr/>
+                    <a:lstStyle/>
+                    <a:p>
+                      <a:pPr algn="ctr"/>
+                      <a:r>
+                        <a:rPr lang="en-US" dirty="0"/>
+                        <a:t>-</a:t>
+                      </a:r>
+                    </a:p>
+                  </a:txBody>
+                  <a:tcPr anchor="ctr">
+                    <a:solidFill>
+                      <a:schemeClr val="bg2">
+                        <a:lumMod val="75000"/>
+                      </a:schemeClr>
+                    </a:solidFill>
+                  </a:tcPr>
+                </a:tc>
+                <a:tc>
+                  <a:txBody>
+                    <a:bodyPr/>
+                    <a:lstStyle/>
+                    <a:p>
+                      <a:pPr algn="ctr"/>
+                      <a:r>
+                        <a:rPr lang="en-US" dirty="0"/>
+                        <a:t>-</a:t>
+                      </a:r>
+                    </a:p>
+                  </a:txBody>
+                  <a:tcPr anchor="ctr">
+                    <a:solidFill>
+                      <a:schemeClr val="bg2">
+                        <a:lumMod val="75000"/>
+                      </a:schemeClr>
+                    </a:solidFill>
+                  </a:tcPr>
+                </a:tc>
+                <a:tc>
+                  <a:txBody>
+                    <a:bodyPr/>
+                    <a:lstStyle/>
+                    <a:p>
+                      <a:pPr algn="ctr"/>
+                      <a:r>
+                        <a:rPr lang="en-US" dirty="0"/>
+                        <a:t>-</a:t>
+                      </a:r>
+                    </a:p>
+                  </a:txBody>
+                  <a:tcPr anchor="ctr">
+                    <a:solidFill>
+                      <a:schemeClr val="bg2">
+                        <a:lumMod val="75000"/>
+                      </a:schemeClr>
+                    </a:solidFill>
+                  </a:tcPr>
+                </a:tc>
+                <a:tc>
+                  <a:txBody>
+                    <a:bodyPr/>
+                    <a:lstStyle/>
+                    <a:p>
+                      <a:pPr algn="ctr"/>
+                      <a:endParaRPr lang="en-US" dirty="0"/>
+                    </a:p>
+                  </a:txBody>
+                  <a:tcPr anchor="ctr">
+                    <a:solidFill>
+                      <a:schemeClr val="bg2">
+                        <a:lumMod val="50000"/>
+                      </a:schemeClr>
+                    </a:solidFill>
+                  </a:tcPr>
+                </a:tc>
+                <a:tc>
+                  <a:txBody>
+                    <a:bodyPr/>
+                    <a:lstStyle/>
+                    <a:p>
+                      <a:pPr algn="ctr"/>
+                      <a:endParaRPr lang="en-US" dirty="0"/>
+                    </a:p>
+                  </a:txBody>
+                  <a:tcPr anchor="ctr"/>
+                </a:tc>
+                <a:tc>
+                  <a:txBody>
+                    <a:bodyPr/>
+                    <a:lstStyle/>
+                    <a:p>
+                      <a:pPr algn="ctr"/>
+                      <a:endParaRPr lang="en-US"/>
+                    </a:p>
+                  </a:txBody>
+                  <a:tcPr anchor="ctr"/>
+                </a:tc>
+                <a:tc>
+                  <a:txBody>
+                    <a:bodyPr/>
+                    <a:lstStyle/>
+                    <a:p>
+                      <a:pPr algn="ctr"/>
+                      <a:endParaRPr lang="en-US"/>
+                    </a:p>
+                  </a:txBody>
+                  <a:tcPr anchor="ctr"/>
+                </a:tc>
+                <a:tc>
+                  <a:txBody>
+                    <a:bodyPr/>
+                    <a:lstStyle/>
+                    <a:p>
+                      <a:pPr algn="ctr"/>
+                      <a:endParaRPr lang="en-US"/>
+                    </a:p>
+                  </a:txBody>
+                  <a:tcPr anchor="ctr"/>
+                </a:tc>
+                <a:extLst>
+                  <a:ext uri="{0D108BD9-81ED-4DB2-BD59-A6C34878D82A}">
+                    <a16:rowId xmlns:a16="http://schemas.microsoft.com/office/drawing/2014/main" val="2252693935"/>
+                  </a:ext>
+                </a:extLst>
+              </a:tr>
+              <a:tr h="470491">
+                <a:tc>
+                  <a:txBody>
+                    <a:bodyPr/>
+                    <a:lstStyle/>
+                    <a:p>
+                      <a:pPr algn="ctr"/>
+                      <a:r>
+                        <a:rPr lang="en-US" dirty="0">
+                          <a:solidFill>
+                            <a:schemeClr val="bg1"/>
+                          </a:solidFill>
+                        </a:rPr>
+                        <a:t>7</a:t>
+                      </a:r>
+                    </a:p>
+                  </a:txBody>
+                  <a:tcPr anchor="ctr">
+                    <a:solidFill>
+                      <a:schemeClr val="accent1"/>
+                    </a:solidFill>
+                  </a:tcPr>
+                </a:tc>
+                <a:tc>
+                  <a:txBody>
+                    <a:bodyPr/>
+                    <a:lstStyle/>
+                    <a:p>
+                      <a:pPr algn="ctr"/>
+                      <a:r>
+                        <a:rPr lang="en-US" dirty="0"/>
+                        <a:t>-</a:t>
+                      </a:r>
+                    </a:p>
+                  </a:txBody>
+                  <a:tcPr anchor="ctr">
+                    <a:solidFill>
+                      <a:schemeClr val="bg2">
+                        <a:lumMod val="75000"/>
+                      </a:schemeClr>
+                    </a:solidFill>
+                  </a:tcPr>
+                </a:tc>
+                <a:tc>
+                  <a:txBody>
+                    <a:bodyPr/>
+                    <a:lstStyle/>
+                    <a:p>
+                      <a:pPr algn="ctr"/>
+                      <a:r>
+                        <a:rPr lang="en-US" dirty="0"/>
+                        <a:t>-</a:t>
+                      </a:r>
+                    </a:p>
+                  </a:txBody>
+                  <a:tcPr anchor="ctr">
+                    <a:solidFill>
+                      <a:schemeClr val="bg2">
+                        <a:lumMod val="75000"/>
+                      </a:schemeClr>
+                    </a:solidFill>
+                  </a:tcPr>
+                </a:tc>
+                <a:tc>
+                  <a:txBody>
+                    <a:bodyPr/>
+                    <a:lstStyle/>
+                    <a:p>
+                      <a:pPr algn="ctr"/>
+                      <a:r>
+                        <a:rPr lang="en-US" dirty="0"/>
+                        <a:t>-</a:t>
+                      </a:r>
+                    </a:p>
+                  </a:txBody>
+                  <a:tcPr anchor="ctr">
+                    <a:solidFill>
+                      <a:schemeClr val="bg2">
+                        <a:lumMod val="75000"/>
+                      </a:schemeClr>
+                    </a:solidFill>
+                  </a:tcPr>
+                </a:tc>
+                <a:tc>
+                  <a:txBody>
+                    <a:bodyPr/>
+                    <a:lstStyle/>
+                    <a:p>
+                      <a:pPr algn="ctr"/>
+                      <a:r>
+                        <a:rPr lang="en-US" dirty="0"/>
+                        <a:t>-</a:t>
+                      </a:r>
+                    </a:p>
+                  </a:txBody>
+                  <a:tcPr anchor="ctr">
+                    <a:solidFill>
+                      <a:schemeClr val="bg2">
+                        <a:lumMod val="75000"/>
+                      </a:schemeClr>
+                    </a:solidFill>
+                  </a:tcPr>
+                </a:tc>
+                <a:tc>
+                  <a:txBody>
+                    <a:bodyPr/>
+                    <a:lstStyle/>
+                    <a:p>
+                      <a:pPr algn="ctr"/>
+                      <a:r>
+                        <a:rPr lang="en-US" dirty="0"/>
+                        <a:t>-</a:t>
+                      </a:r>
+                    </a:p>
+                  </a:txBody>
+                  <a:tcPr anchor="ctr">
+                    <a:solidFill>
+                      <a:schemeClr val="bg2">
+                        <a:lumMod val="75000"/>
+                      </a:schemeClr>
+                    </a:solidFill>
+                  </a:tcPr>
+                </a:tc>
+                <a:tc>
+                  <a:txBody>
+                    <a:bodyPr/>
+                    <a:lstStyle/>
+                    <a:p>
+                      <a:pPr algn="ctr"/>
+                      <a:endParaRPr lang="en-US" dirty="0"/>
+                    </a:p>
+                  </a:txBody>
+                  <a:tcPr anchor="ctr"/>
+                </a:tc>
+                <a:tc>
+                  <a:txBody>
+                    <a:bodyPr/>
+                    <a:lstStyle/>
+                    <a:p>
+                      <a:pPr algn="ctr"/>
+                      <a:endParaRPr lang="en-US" dirty="0"/>
+                    </a:p>
+                  </a:txBody>
+                  <a:tcPr anchor="ctr">
+                    <a:solidFill>
+                      <a:schemeClr val="bg2">
+                        <a:lumMod val="50000"/>
+                      </a:schemeClr>
+                    </a:solidFill>
+                  </a:tcPr>
+                </a:tc>
+                <a:tc>
+                  <a:txBody>
+                    <a:bodyPr/>
+                    <a:lstStyle/>
+                    <a:p>
+                      <a:pPr algn="ctr"/>
+                      <a:endParaRPr lang="en-US"/>
+                    </a:p>
+                  </a:txBody>
+                  <a:tcPr anchor="ctr"/>
+                </a:tc>
+                <a:tc>
+                  <a:txBody>
+                    <a:bodyPr/>
+                    <a:lstStyle/>
+                    <a:p>
+                      <a:pPr algn="ctr"/>
+                      <a:endParaRPr lang="en-US"/>
+                    </a:p>
+                  </a:txBody>
+                  <a:tcPr anchor="ctr"/>
+                </a:tc>
+                <a:tc>
+                  <a:txBody>
+                    <a:bodyPr/>
+                    <a:lstStyle/>
+                    <a:p>
+                      <a:pPr algn="ctr"/>
+                      <a:endParaRPr lang="en-US"/>
+                    </a:p>
+                  </a:txBody>
+                  <a:tcPr anchor="ctr"/>
+                </a:tc>
+                <a:extLst>
+                  <a:ext uri="{0D108BD9-81ED-4DB2-BD59-A6C34878D82A}">
+                    <a16:rowId xmlns:a16="http://schemas.microsoft.com/office/drawing/2014/main" val="1987902878"/>
+                  </a:ext>
+                </a:extLst>
+              </a:tr>
+              <a:tr h="470491">
+                <a:tc>
+                  <a:txBody>
+                    <a:bodyPr/>
+                    <a:lstStyle/>
+                    <a:p>
+                      <a:pPr algn="ctr"/>
+                      <a:r>
+                        <a:rPr lang="en-US" dirty="0">
+                          <a:solidFill>
+                            <a:schemeClr val="bg1"/>
+                          </a:solidFill>
+                        </a:rPr>
+                        <a:t>8</a:t>
+                      </a:r>
+                    </a:p>
+                  </a:txBody>
+                  <a:tcPr anchor="ctr">
+                    <a:solidFill>
+                      <a:schemeClr val="accent1"/>
+                    </a:solidFill>
+                  </a:tcPr>
+                </a:tc>
+                <a:tc>
+                  <a:txBody>
+                    <a:bodyPr/>
+                    <a:lstStyle/>
+                    <a:p>
+                      <a:pPr algn="ctr"/>
+                      <a:r>
+                        <a:rPr lang="en-US" dirty="0"/>
+                        <a:t>-</a:t>
+                      </a:r>
+                    </a:p>
+                  </a:txBody>
+                  <a:tcPr anchor="ctr">
+                    <a:solidFill>
+                      <a:schemeClr val="bg2">
+                        <a:lumMod val="75000"/>
+                      </a:schemeClr>
+                    </a:solidFill>
+                  </a:tcPr>
+                </a:tc>
+                <a:tc>
+                  <a:txBody>
+                    <a:bodyPr/>
+                    <a:lstStyle/>
+                    <a:p>
+                      <a:pPr algn="ctr"/>
+                      <a:r>
+                        <a:rPr lang="en-US" dirty="0"/>
+                        <a:t>-</a:t>
+                      </a:r>
+                    </a:p>
+                  </a:txBody>
+                  <a:tcPr anchor="ctr">
+                    <a:solidFill>
+                      <a:schemeClr val="bg2">
+                        <a:lumMod val="75000"/>
+                      </a:schemeClr>
+                    </a:solidFill>
+                  </a:tcPr>
+                </a:tc>
+                <a:tc>
+                  <a:txBody>
+                    <a:bodyPr/>
+                    <a:lstStyle/>
+                    <a:p>
+                      <a:pPr algn="ctr"/>
+                      <a:r>
+                        <a:rPr lang="en-US" dirty="0"/>
+                        <a:t>-</a:t>
+                      </a:r>
+                    </a:p>
+                  </a:txBody>
+                  <a:tcPr anchor="ctr">
+                    <a:solidFill>
+                      <a:schemeClr val="bg2">
+                        <a:lumMod val="75000"/>
+                      </a:schemeClr>
+                    </a:solidFill>
+                  </a:tcPr>
+                </a:tc>
+                <a:tc>
+                  <a:txBody>
+                    <a:bodyPr/>
+                    <a:lstStyle/>
+                    <a:p>
+                      <a:pPr algn="ctr"/>
+                      <a:r>
+                        <a:rPr lang="en-US" dirty="0"/>
+                        <a:t>-</a:t>
+                      </a:r>
+                    </a:p>
+                  </a:txBody>
+                  <a:tcPr anchor="ctr">
+                    <a:solidFill>
+                      <a:schemeClr val="bg2">
+                        <a:lumMod val="75000"/>
+                      </a:schemeClr>
+                    </a:solidFill>
+                  </a:tcPr>
+                </a:tc>
+                <a:tc>
+                  <a:txBody>
+                    <a:bodyPr/>
+                    <a:lstStyle/>
+                    <a:p>
+                      <a:pPr algn="ctr"/>
+                      <a:r>
+                        <a:rPr lang="en-US" dirty="0"/>
+                        <a:t>-</a:t>
+                      </a:r>
+                    </a:p>
+                  </a:txBody>
+                  <a:tcPr anchor="ctr">
+                    <a:solidFill>
+                      <a:schemeClr val="bg2">
+                        <a:lumMod val="75000"/>
+                      </a:schemeClr>
+                    </a:solidFill>
+                  </a:tcPr>
+                </a:tc>
+                <a:tc>
+                  <a:txBody>
+                    <a:bodyPr/>
+                    <a:lstStyle/>
+                    <a:p>
+                      <a:pPr algn="ctr"/>
+                      <a:r>
+                        <a:rPr lang="en-US" dirty="0"/>
+                        <a:t>-</a:t>
+                      </a:r>
+                    </a:p>
+                  </a:txBody>
+                  <a:tcPr anchor="ctr">
+                    <a:solidFill>
+                      <a:schemeClr val="bg2">
+                        <a:lumMod val="75000"/>
+                      </a:schemeClr>
+                    </a:solidFill>
+                  </a:tcPr>
+                </a:tc>
+                <a:tc>
+                  <a:txBody>
+                    <a:bodyPr/>
+                    <a:lstStyle/>
+                    <a:p>
+                      <a:pPr algn="ctr"/>
+                      <a:r>
+                        <a:rPr lang="en-US" dirty="0"/>
+                        <a:t>-</a:t>
+                      </a:r>
+                    </a:p>
+                  </a:txBody>
+                  <a:tcPr anchor="ctr">
+                    <a:solidFill>
+                      <a:schemeClr val="bg2">
+                        <a:lumMod val="75000"/>
+                      </a:schemeClr>
+                    </a:solidFill>
+                  </a:tcPr>
+                </a:tc>
+                <a:tc>
+                  <a:txBody>
+                    <a:bodyPr/>
+                    <a:lstStyle/>
+                    <a:p>
+                      <a:pPr algn="ctr"/>
+                      <a:endParaRPr lang="en-US" dirty="0"/>
+                    </a:p>
+                  </a:txBody>
+                  <a:tcPr anchor="ctr">
+                    <a:solidFill>
+                      <a:schemeClr val="bg2">
+                        <a:lumMod val="50000"/>
+                      </a:schemeClr>
+                    </a:solidFill>
+                  </a:tcPr>
+                </a:tc>
+                <a:tc>
+                  <a:txBody>
+                    <a:bodyPr/>
+                    <a:lstStyle/>
+                    <a:p>
+                      <a:pPr algn="ctr"/>
+                      <a:r>
+                        <a:rPr lang="en-US" dirty="0"/>
+                        <a:t>-</a:t>
+                      </a:r>
+                    </a:p>
+                  </a:txBody>
+                  <a:tcPr anchor="ctr">
+                    <a:solidFill>
+                      <a:schemeClr val="bg2">
+                        <a:lumMod val="75000"/>
+                      </a:schemeClr>
+                    </a:solidFill>
+                  </a:tcPr>
+                </a:tc>
+                <a:tc>
+                  <a:txBody>
+                    <a:bodyPr/>
+                    <a:lstStyle/>
+                    <a:p>
+                      <a:pPr algn="ctr"/>
+                      <a:r>
+                        <a:rPr lang="en-US" dirty="0"/>
+                        <a:t>-</a:t>
+                      </a:r>
+                    </a:p>
+                  </a:txBody>
+                  <a:tcPr anchor="ctr">
+                    <a:solidFill>
+                      <a:schemeClr val="bg2">
+                        <a:lumMod val="75000"/>
+                      </a:schemeClr>
+                    </a:solidFill>
+                  </a:tcPr>
+                </a:tc>
+                <a:extLst>
+                  <a:ext uri="{0D108BD9-81ED-4DB2-BD59-A6C34878D82A}">
+                    <a16:rowId xmlns:a16="http://schemas.microsoft.com/office/drawing/2014/main" val="3154358782"/>
+                  </a:ext>
+                </a:extLst>
+              </a:tr>
+              <a:tr h="470491">
+                <a:tc>
+                  <a:txBody>
+                    <a:bodyPr/>
+                    <a:lstStyle/>
+                    <a:p>
+                      <a:pPr algn="ctr"/>
+                      <a:r>
+                        <a:rPr lang="en-US" dirty="0">
+                          <a:solidFill>
+                            <a:schemeClr val="bg1"/>
+                          </a:solidFill>
+                        </a:rPr>
+                        <a:t>9</a:t>
+                      </a:r>
+                    </a:p>
+                  </a:txBody>
+                  <a:tcPr anchor="ctr">
+                    <a:solidFill>
+                      <a:schemeClr val="accent1"/>
+                    </a:solidFill>
+                  </a:tcPr>
+                </a:tc>
+                <a:tc>
+                  <a:txBody>
+                    <a:bodyPr/>
+                    <a:lstStyle/>
+                    <a:p>
+                      <a:pPr algn="ctr"/>
+                      <a:r>
+                        <a:rPr lang="en-US" dirty="0"/>
+                        <a:t>-</a:t>
+                      </a:r>
+                    </a:p>
+                  </a:txBody>
+                  <a:tcPr anchor="ctr">
+                    <a:solidFill>
+                      <a:schemeClr val="bg2">
+                        <a:lumMod val="75000"/>
+                      </a:schemeClr>
+                    </a:solidFill>
+                  </a:tcPr>
+                </a:tc>
+                <a:tc>
+                  <a:txBody>
+                    <a:bodyPr/>
+                    <a:lstStyle/>
+                    <a:p>
+                      <a:pPr algn="ctr"/>
+                      <a:r>
+                        <a:rPr lang="en-US" dirty="0"/>
+                        <a:t>-</a:t>
+                      </a:r>
+                    </a:p>
+                  </a:txBody>
+                  <a:tcPr anchor="ctr">
+                    <a:solidFill>
+                      <a:schemeClr val="bg2">
+                        <a:lumMod val="75000"/>
+                      </a:schemeClr>
+                    </a:solidFill>
+                  </a:tcPr>
+                </a:tc>
+                <a:tc>
+                  <a:txBody>
+                    <a:bodyPr/>
+                    <a:lstStyle/>
+                    <a:p>
+                      <a:pPr algn="ctr"/>
+                      <a:r>
+                        <a:rPr lang="en-US" dirty="0"/>
+                        <a:t>-</a:t>
+                      </a:r>
+                    </a:p>
+                  </a:txBody>
+                  <a:tcPr anchor="ctr">
+                    <a:solidFill>
+                      <a:schemeClr val="bg2">
+                        <a:lumMod val="75000"/>
+                      </a:schemeClr>
+                    </a:solidFill>
+                  </a:tcPr>
+                </a:tc>
+                <a:tc>
+                  <a:txBody>
+                    <a:bodyPr/>
+                    <a:lstStyle/>
+                    <a:p>
+                      <a:pPr algn="ctr"/>
+                      <a:r>
+                        <a:rPr lang="en-US" dirty="0"/>
+                        <a:t>-</a:t>
+                      </a:r>
+                    </a:p>
+                  </a:txBody>
+                  <a:tcPr anchor="ctr">
+                    <a:solidFill>
+                      <a:schemeClr val="bg2">
+                        <a:lumMod val="75000"/>
+                      </a:schemeClr>
+                    </a:solidFill>
+                  </a:tcPr>
+                </a:tc>
+                <a:tc>
+                  <a:txBody>
+                    <a:bodyPr/>
+                    <a:lstStyle/>
+                    <a:p>
+                      <a:pPr algn="ctr"/>
+                      <a:r>
+                        <a:rPr lang="en-US" dirty="0"/>
+                        <a:t>-</a:t>
+                      </a:r>
+                    </a:p>
+                  </a:txBody>
+                  <a:tcPr anchor="ctr">
+                    <a:solidFill>
+                      <a:schemeClr val="bg2">
+                        <a:lumMod val="75000"/>
+                      </a:schemeClr>
+                    </a:solidFill>
+                  </a:tcPr>
+                </a:tc>
+                <a:tc>
+                  <a:txBody>
+                    <a:bodyPr/>
+                    <a:lstStyle/>
+                    <a:p>
+                      <a:pPr algn="ctr"/>
+                      <a:r>
+                        <a:rPr lang="en-US" dirty="0"/>
+                        <a:t>-</a:t>
+                      </a:r>
+                    </a:p>
+                  </a:txBody>
+                  <a:tcPr anchor="ctr">
+                    <a:solidFill>
+                      <a:schemeClr val="bg2">
+                        <a:lumMod val="75000"/>
+                      </a:schemeClr>
+                    </a:solidFill>
+                  </a:tcPr>
+                </a:tc>
+                <a:tc>
+                  <a:txBody>
+                    <a:bodyPr/>
+                    <a:lstStyle/>
+                    <a:p>
+                      <a:pPr algn="ctr"/>
+                      <a:r>
+                        <a:rPr lang="en-US" dirty="0"/>
+                        <a:t>-</a:t>
+                      </a:r>
+                    </a:p>
+                  </a:txBody>
+                  <a:tcPr anchor="ctr">
+                    <a:solidFill>
+                      <a:schemeClr val="bg2">
+                        <a:lumMod val="75000"/>
+                      </a:schemeClr>
+                    </a:solidFill>
+                  </a:tcPr>
+                </a:tc>
+                <a:tc>
+                  <a:txBody>
+                    <a:bodyPr/>
+                    <a:lstStyle/>
+                    <a:p>
+                      <a:pPr algn="ctr"/>
+                      <a:r>
+                        <a:rPr lang="en-US" dirty="0"/>
+                        <a:t>-</a:t>
+                      </a:r>
+                    </a:p>
+                  </a:txBody>
+                  <a:tcPr anchor="ctr">
+                    <a:solidFill>
+                      <a:schemeClr val="bg2">
+                        <a:lumMod val="75000"/>
+                      </a:schemeClr>
+                    </a:solidFill>
+                  </a:tcPr>
+                </a:tc>
+                <a:tc>
+                  <a:txBody>
+                    <a:bodyPr/>
+                    <a:lstStyle/>
+                    <a:p>
+                      <a:pPr algn="ctr"/>
+                      <a:endParaRPr lang="en-US" dirty="0"/>
+                    </a:p>
+                  </a:txBody>
+                  <a:tcPr anchor="ctr">
+                    <a:solidFill>
+                      <a:schemeClr val="bg2">
+                        <a:lumMod val="50000"/>
+                      </a:schemeClr>
+                    </a:solidFill>
+                  </a:tcPr>
+                </a:tc>
+                <a:tc>
+                  <a:txBody>
+                    <a:bodyPr/>
+                    <a:lstStyle/>
+                    <a:p>
+                      <a:pPr algn="ctr"/>
+                      <a:r>
+                        <a:rPr lang="en-US" dirty="0"/>
+                        <a:t>-</a:t>
+                      </a:r>
+                    </a:p>
+                  </a:txBody>
+                  <a:tcPr anchor="ctr">
+                    <a:solidFill>
+                      <a:schemeClr val="bg2">
+                        <a:lumMod val="75000"/>
+                      </a:schemeClr>
+                    </a:solidFill>
+                  </a:tcPr>
+                </a:tc>
+                <a:extLst>
+                  <a:ext uri="{0D108BD9-81ED-4DB2-BD59-A6C34878D82A}">
+                    <a16:rowId xmlns:a16="http://schemas.microsoft.com/office/drawing/2014/main" val="796563362"/>
+                  </a:ext>
+                </a:extLst>
+              </a:tr>
+              <a:tr h="470491">
+                <a:tc>
+                  <a:txBody>
+                    <a:bodyPr/>
+                    <a:lstStyle/>
+                    <a:p>
+                      <a:pPr algn="ctr"/>
+                      <a:r>
+                        <a:rPr lang="en-US" dirty="0">
+                          <a:solidFill>
+                            <a:schemeClr val="bg1"/>
+                          </a:solidFill>
+                        </a:rPr>
+                        <a:t>10</a:t>
+                      </a:r>
+                    </a:p>
+                  </a:txBody>
+                  <a:tcPr anchor="ctr">
+                    <a:solidFill>
+                      <a:schemeClr val="accent1"/>
+                    </a:solidFill>
+                  </a:tcPr>
+                </a:tc>
+                <a:tc>
+                  <a:txBody>
+                    <a:bodyPr/>
+                    <a:lstStyle/>
+                    <a:p>
+                      <a:pPr algn="ctr"/>
+                      <a:r>
+                        <a:rPr lang="en-US" dirty="0"/>
+                        <a:t>-</a:t>
+                      </a:r>
+                    </a:p>
+                  </a:txBody>
+                  <a:tcPr anchor="ctr">
+                    <a:solidFill>
+                      <a:schemeClr val="bg2">
+                        <a:lumMod val="75000"/>
+                      </a:schemeClr>
+                    </a:solidFill>
+                  </a:tcPr>
+                </a:tc>
+                <a:tc>
+                  <a:txBody>
+                    <a:bodyPr/>
+                    <a:lstStyle/>
+                    <a:p>
+                      <a:pPr algn="ctr"/>
+                      <a:r>
+                        <a:rPr lang="en-US" dirty="0"/>
+                        <a:t>-</a:t>
+                      </a:r>
+                    </a:p>
+                  </a:txBody>
+                  <a:tcPr anchor="ctr">
+                    <a:solidFill>
+                      <a:schemeClr val="bg2">
+                        <a:lumMod val="75000"/>
+                      </a:schemeClr>
+                    </a:solidFill>
+                  </a:tcPr>
+                </a:tc>
+                <a:tc>
+                  <a:txBody>
+                    <a:bodyPr/>
+                    <a:lstStyle/>
+                    <a:p>
+                      <a:pPr algn="ctr"/>
+                      <a:r>
+                        <a:rPr lang="en-US" dirty="0"/>
+                        <a:t>-</a:t>
+                      </a:r>
+                    </a:p>
+                  </a:txBody>
+                  <a:tcPr anchor="ctr">
+                    <a:solidFill>
+                      <a:schemeClr val="bg2">
+                        <a:lumMod val="75000"/>
+                      </a:schemeClr>
+                    </a:solidFill>
+                  </a:tcPr>
+                </a:tc>
+                <a:tc>
+                  <a:txBody>
+                    <a:bodyPr/>
+                    <a:lstStyle/>
+                    <a:p>
+                      <a:pPr algn="ctr"/>
+                      <a:r>
+                        <a:rPr lang="en-US" dirty="0"/>
+                        <a:t>-</a:t>
+                      </a:r>
+                    </a:p>
+                  </a:txBody>
+                  <a:tcPr anchor="ctr">
+                    <a:solidFill>
+                      <a:schemeClr val="bg2">
+                        <a:lumMod val="75000"/>
+                      </a:schemeClr>
+                    </a:solidFill>
+                  </a:tcPr>
+                </a:tc>
+                <a:tc>
+                  <a:txBody>
+                    <a:bodyPr/>
+                    <a:lstStyle/>
+                    <a:p>
+                      <a:pPr algn="ctr"/>
+                      <a:r>
+                        <a:rPr lang="en-US" dirty="0"/>
+                        <a:t>-</a:t>
+                      </a:r>
+                    </a:p>
+                  </a:txBody>
+                  <a:tcPr anchor="ctr">
+                    <a:solidFill>
+                      <a:schemeClr val="bg2">
+                        <a:lumMod val="75000"/>
+                      </a:schemeClr>
+                    </a:solidFill>
+                  </a:tcPr>
+                </a:tc>
+                <a:tc>
+                  <a:txBody>
+                    <a:bodyPr/>
+                    <a:lstStyle/>
+                    <a:p>
+                      <a:pPr algn="ctr"/>
+                      <a:r>
+                        <a:rPr lang="en-US" dirty="0"/>
+                        <a:t>-</a:t>
+                      </a:r>
+                    </a:p>
+                  </a:txBody>
+                  <a:tcPr anchor="ctr">
+                    <a:solidFill>
+                      <a:schemeClr val="bg2">
+                        <a:lumMod val="75000"/>
+                      </a:schemeClr>
+                    </a:solidFill>
+                  </a:tcPr>
+                </a:tc>
+                <a:tc>
+                  <a:txBody>
+                    <a:bodyPr/>
+                    <a:lstStyle/>
+                    <a:p>
+                      <a:pPr algn="ctr"/>
+                      <a:r>
+                        <a:rPr lang="en-US" dirty="0"/>
+                        <a:t>-</a:t>
+                      </a:r>
+                    </a:p>
+                  </a:txBody>
+                  <a:tcPr anchor="ctr">
+                    <a:solidFill>
+                      <a:schemeClr val="bg2">
+                        <a:lumMod val="75000"/>
+                      </a:schemeClr>
+                    </a:solidFill>
+                  </a:tcPr>
+                </a:tc>
+                <a:tc>
+                  <a:txBody>
+                    <a:bodyPr/>
+                    <a:lstStyle/>
+                    <a:p>
+                      <a:pPr algn="ctr"/>
+                      <a:r>
+                        <a:rPr lang="en-US" dirty="0"/>
+                        <a:t>-</a:t>
+                      </a:r>
+                    </a:p>
+                  </a:txBody>
+                  <a:tcPr anchor="ctr">
+                    <a:solidFill>
+                      <a:schemeClr val="bg2">
+                        <a:lumMod val="75000"/>
+                      </a:schemeClr>
+                    </a:solidFill>
+                  </a:tcPr>
+                </a:tc>
+                <a:tc>
+                  <a:txBody>
+                    <a:bodyPr/>
+                    <a:lstStyle/>
+                    <a:p>
+                      <a:pPr algn="ctr"/>
+                      <a:r>
+                        <a:rPr lang="en-US" dirty="0"/>
+                        <a:t>-</a:t>
+                      </a:r>
+                    </a:p>
+                  </a:txBody>
+                  <a:tcPr anchor="ctr">
+                    <a:solidFill>
+                      <a:schemeClr val="bg2">
+                        <a:lumMod val="75000"/>
+                      </a:schemeClr>
+                    </a:solidFill>
+                  </a:tcPr>
+                </a:tc>
+                <a:tc>
+                  <a:txBody>
+                    <a:bodyPr/>
+                    <a:lstStyle/>
+                    <a:p>
+                      <a:pPr algn="ctr"/>
+                      <a:endParaRPr lang="en-US" dirty="0"/>
+                    </a:p>
+                  </a:txBody>
+                  <a:tcPr anchor="ctr">
+                    <a:solidFill>
+                      <a:schemeClr val="bg2">
+                        <a:lumMod val="50000"/>
+                      </a:schemeClr>
+                    </a:solidFill>
+                  </a:tcPr>
+                </a:tc>
+                <a:extLst>
+                  <a:ext uri="{0D108BD9-81ED-4DB2-BD59-A6C34878D82A}">
+                    <a16:rowId xmlns:a16="http://schemas.microsoft.com/office/drawing/2014/main" val="291497224"/>
+                  </a:ext>
+                </a:extLst>
+              </a:tr>
+            </a:tbl>
+          </a:graphicData>
+        </a:graphic>
+      </p:graphicFrame>
+      <p:sp>
+        <p:nvSpPr>
+          <p:cNvPr id="39" name="TextBox 38">
+            <a:extLst>
+              <a:ext uri="{FF2B5EF4-FFF2-40B4-BE49-F238E27FC236}">
+                <a16:creationId xmlns:a16="http://schemas.microsoft.com/office/drawing/2014/main" id="{9E4E781D-F4C7-CA40-83EB-AC6430CAF2A3}"/>
+              </a:ext>
+            </a:extLst>
+          </p:cNvPr>
+          <p:cNvSpPr txBox="1"/>
+          <p:nvPr/>
+        </p:nvSpPr>
+        <p:spPr>
+          <a:xfrm>
+            <a:off x="8052388" y="614180"/>
+            <a:ext cx="451086" cy="369332"/>
+          </a:xfrm>
+          <a:prstGeom prst="rect">
+            <a:avLst/>
+          </a:prstGeom>
+          <a:noFill/>
+        </p:spPr>
+        <p:txBody>
+          <a:bodyPr wrap="none" rtlCol="0">
+            <a:spAutoFit/>
+          </a:bodyPr>
+          <a:lstStyle/>
+          <a:p>
+            <a:r>
+              <a:rPr lang="en-US" dirty="0"/>
+              <a:t>To </a:t>
+            </a:r>
+          </a:p>
+        </p:txBody>
+      </p:sp>
+      <p:sp>
+        <p:nvSpPr>
+          <p:cNvPr id="40" name="TextBox 39">
+            <a:extLst>
+              <a:ext uri="{FF2B5EF4-FFF2-40B4-BE49-F238E27FC236}">
+                <a16:creationId xmlns:a16="http://schemas.microsoft.com/office/drawing/2014/main" id="{9AD12A76-676A-0347-8582-1860C3E84F8A}"/>
+              </a:ext>
+            </a:extLst>
+          </p:cNvPr>
+          <p:cNvSpPr txBox="1"/>
+          <p:nvPr/>
+        </p:nvSpPr>
+        <p:spPr>
+          <a:xfrm>
+            <a:off x="3702983" y="3716230"/>
+            <a:ext cx="673069" cy="369332"/>
+          </a:xfrm>
+          <a:prstGeom prst="rect">
+            <a:avLst/>
+          </a:prstGeom>
+          <a:noFill/>
+        </p:spPr>
+        <p:txBody>
+          <a:bodyPr wrap="none" rtlCol="0">
+            <a:spAutoFit/>
+          </a:bodyPr>
+          <a:lstStyle/>
+          <a:p>
+            <a:r>
+              <a:rPr lang="en-US" dirty="0"/>
+              <a:t>From</a:t>
+            </a:r>
+          </a:p>
+        </p:txBody>
+      </p:sp>
+      <p:pic>
+        <p:nvPicPr>
+          <p:cNvPr id="7" name="Picture 6">
+            <a:extLst>
+              <a:ext uri="{FF2B5EF4-FFF2-40B4-BE49-F238E27FC236}">
+                <a16:creationId xmlns:a16="http://schemas.microsoft.com/office/drawing/2014/main" id="{A02C911F-6868-3945-97FA-DAA51506D619}"/>
+              </a:ext>
+            </a:extLst>
+          </p:cNvPr>
+          <p:cNvPicPr>
+            <a:picLocks noChangeAspect="1"/>
+          </p:cNvPicPr>
+          <p:nvPr/>
+        </p:nvPicPr>
+        <p:blipFill>
+          <a:blip r:embed="rId2"/>
+          <a:stretch>
+            <a:fillRect/>
+          </a:stretch>
+        </p:blipFill>
+        <p:spPr>
+          <a:xfrm>
+            <a:off x="427518" y="2068995"/>
+            <a:ext cx="2746641" cy="3357006"/>
+          </a:xfrm>
+          <a:prstGeom prst="rect">
+            <a:avLst/>
+          </a:prstGeom>
+        </p:spPr>
+      </p:pic>
+    </p:spTree>
+    <p:extLst>
+      <p:ext uri="{BB962C8B-B14F-4D97-AF65-F5344CB8AC3E}">
+        <p14:creationId xmlns:p14="http://schemas.microsoft.com/office/powerpoint/2010/main" val="2128154744"/>
+      </p:ext>
+    </p:extLst>
+  </p:cSld>
+  <p:clrMapOvr>
+    <a:masterClrMapping/>
+  </p:clrMapOvr>
+</p:sld>
+</file>
+
+<file path=ppt/slides/slide4.xml><?xml version="1.0" encoding="utf-8"?>
+<p:sld xmlns:a="http://schemas.openxmlformats.org/drawingml/2006/main" xmlns:r="http://schemas.openxmlformats.org/officeDocument/2006/relationships" xmlns:p="http://schemas.openxmlformats.org/presentationml/2006/main">
+  <p:cSld>
+    <p:spTree>
+      <p:nvGrpSpPr>
+        <p:cNvPr id="1" name=""/>
+        <p:cNvGrpSpPr/>
+        <p:nvPr/>
+      </p:nvGrpSpPr>
+      <p:grpSpPr>
+        <a:xfrm>
+          <a:off x="0" y="0"/>
+          <a:ext cx="0" cy="0"/>
+          <a:chOff x="0" y="0"/>
+          <a:chExt cx="0" cy="0"/>
+        </a:xfrm>
+      </p:grpSpPr>
+      <p:sp>
+        <p:nvSpPr>
+          <p:cNvPr id="2" name="Title 1">
+            <a:extLst>
+              <a:ext uri="{FF2B5EF4-FFF2-40B4-BE49-F238E27FC236}">
+                <a16:creationId xmlns:a16="http://schemas.microsoft.com/office/drawing/2014/main" id="{085B9FC7-B83C-6D45-9658-A1E39C6535DC}"/>
+              </a:ext>
+            </a:extLst>
+          </p:cNvPr>
+          <p:cNvSpPr>
+            <a:spLocks noGrp="1"/>
+          </p:cNvSpPr>
+          <p:nvPr>
+            <p:ph type="title"/>
+          </p:nvPr>
+        </p:nvSpPr>
+        <p:spPr>
+          <a:xfrm>
+            <a:off x="838200" y="343860"/>
+            <a:ext cx="10515600" cy="517377"/>
+          </a:xfrm>
+        </p:spPr>
+        <p:txBody>
+          <a:bodyPr>
+            <a:noAutofit/>
+          </a:bodyPr>
+          <a:lstStyle/>
+          <a:p>
+            <a:r>
+              <a:rPr lang="en-US" sz="3200" dirty="0"/>
+              <a:t>Adjacency matrix</a:t>
+            </a:r>
+          </a:p>
+        </p:txBody>
+      </p:sp>
+      <p:graphicFrame>
+        <p:nvGraphicFramePr>
+          <p:cNvPr id="35" name="Table 34">
+            <a:extLst>
+              <a:ext uri="{FF2B5EF4-FFF2-40B4-BE49-F238E27FC236}">
+                <a16:creationId xmlns:a16="http://schemas.microsoft.com/office/drawing/2014/main" id="{8CD8D39B-71E6-6243-B853-F9DD0AFDB5D5}"/>
+              </a:ext>
+            </a:extLst>
+          </p:cNvPr>
+          <p:cNvGraphicFramePr>
+            <a:graphicFrameLocks noGrp="1"/>
+          </p:cNvGraphicFramePr>
+          <p:nvPr>
+            <p:extLst>
+              <p:ext uri="{D42A27DB-BD31-4B8C-83A1-F6EECF244321}">
+                <p14:modId xmlns:p14="http://schemas.microsoft.com/office/powerpoint/2010/main" val="889569302"/>
+              </p:ext>
+            </p:extLst>
+          </p:nvPr>
+        </p:nvGraphicFramePr>
+        <p:xfrm>
+          <a:off x="4327056" y="1131557"/>
+          <a:ext cx="7450663" cy="5645892"/>
+        </p:xfrm>
+        <a:graphic>
+          <a:graphicData uri="http://schemas.openxmlformats.org/drawingml/2006/table">
+            <a:tbl>
+              <a:tblPr firstRow="1" bandRow="1">
+                <a:tableStyleId>{5C22544A-7EE6-4342-B048-85BDC9FD1C3A}</a:tableStyleId>
+              </a:tblPr>
+              <a:tblGrid>
+                <a:gridCol w="677333">
+                  <a:extLst>
+                    <a:ext uri="{9D8B030D-6E8A-4147-A177-3AD203B41FA5}">
+                      <a16:colId xmlns:a16="http://schemas.microsoft.com/office/drawing/2014/main" val="3382499790"/>
+                    </a:ext>
+                  </a:extLst>
+                </a:gridCol>
+                <a:gridCol w="677333">
+                  <a:extLst>
+                    <a:ext uri="{9D8B030D-6E8A-4147-A177-3AD203B41FA5}">
+                      <a16:colId xmlns:a16="http://schemas.microsoft.com/office/drawing/2014/main" val="2840473121"/>
+                    </a:ext>
+                  </a:extLst>
+                </a:gridCol>
+                <a:gridCol w="677333">
+                  <a:extLst>
+                    <a:ext uri="{9D8B030D-6E8A-4147-A177-3AD203B41FA5}">
+                      <a16:colId xmlns:a16="http://schemas.microsoft.com/office/drawing/2014/main" val="1020499543"/>
+                    </a:ext>
+                  </a:extLst>
+                </a:gridCol>
+                <a:gridCol w="677333">
+                  <a:extLst>
+                    <a:ext uri="{9D8B030D-6E8A-4147-A177-3AD203B41FA5}">
+                      <a16:colId xmlns:a16="http://schemas.microsoft.com/office/drawing/2014/main" val="763296561"/>
+                    </a:ext>
+                  </a:extLst>
+                </a:gridCol>
+                <a:gridCol w="677333">
+                  <a:extLst>
+                    <a:ext uri="{9D8B030D-6E8A-4147-A177-3AD203B41FA5}">
+                      <a16:colId xmlns:a16="http://schemas.microsoft.com/office/drawing/2014/main" val="2674329282"/>
+                    </a:ext>
+                  </a:extLst>
+                </a:gridCol>
+                <a:gridCol w="677333">
+                  <a:extLst>
+                    <a:ext uri="{9D8B030D-6E8A-4147-A177-3AD203B41FA5}">
+                      <a16:colId xmlns:a16="http://schemas.microsoft.com/office/drawing/2014/main" val="2835177305"/>
+                    </a:ext>
+                  </a:extLst>
+                </a:gridCol>
+                <a:gridCol w="677333">
+                  <a:extLst>
+                    <a:ext uri="{9D8B030D-6E8A-4147-A177-3AD203B41FA5}">
+                      <a16:colId xmlns:a16="http://schemas.microsoft.com/office/drawing/2014/main" val="2104659244"/>
+                    </a:ext>
+                  </a:extLst>
+                </a:gridCol>
+                <a:gridCol w="677333">
+                  <a:extLst>
+                    <a:ext uri="{9D8B030D-6E8A-4147-A177-3AD203B41FA5}">
+                      <a16:colId xmlns:a16="http://schemas.microsoft.com/office/drawing/2014/main" val="3185212664"/>
+                    </a:ext>
+                  </a:extLst>
+                </a:gridCol>
+                <a:gridCol w="677333">
+                  <a:extLst>
+                    <a:ext uri="{9D8B030D-6E8A-4147-A177-3AD203B41FA5}">
+                      <a16:colId xmlns:a16="http://schemas.microsoft.com/office/drawing/2014/main" val="3152940129"/>
+                    </a:ext>
+                  </a:extLst>
+                </a:gridCol>
+                <a:gridCol w="677333">
+                  <a:extLst>
+                    <a:ext uri="{9D8B030D-6E8A-4147-A177-3AD203B41FA5}">
+                      <a16:colId xmlns:a16="http://schemas.microsoft.com/office/drawing/2014/main" val="4032822331"/>
+                    </a:ext>
+                  </a:extLst>
+                </a:gridCol>
+                <a:gridCol w="677333">
+                  <a:extLst>
+                    <a:ext uri="{9D8B030D-6E8A-4147-A177-3AD203B41FA5}">
+                      <a16:colId xmlns:a16="http://schemas.microsoft.com/office/drawing/2014/main" val="149262565"/>
+                    </a:ext>
+                  </a:extLst>
+                </a:gridCol>
+              </a:tblGrid>
+              <a:tr h="470491">
+                <a:tc>
+                  <a:txBody>
+                    <a:bodyPr/>
+                    <a:lstStyle/>
+                    <a:p>
+                      <a:pPr algn="ctr"/>
+                      <a:endParaRPr lang="en-US" b="0" dirty="0">
+                        <a:solidFill>
+                          <a:schemeClr val="bg1"/>
+                        </a:solidFill>
+                      </a:endParaRPr>
+                    </a:p>
+                  </a:txBody>
+                  <a:tcPr anchor="ctr">
+                    <a:solidFill>
+                      <a:schemeClr val="accent1"/>
+                    </a:solidFill>
+                  </a:tcPr>
+                </a:tc>
+                <a:tc>
+                  <a:txBody>
+                    <a:bodyPr/>
+                    <a:lstStyle/>
+                    <a:p>
+                      <a:pPr algn="ctr"/>
+                      <a:r>
+                        <a:rPr lang="en-US" b="0" dirty="0"/>
+                        <a:t>1</a:t>
+                      </a:r>
+                    </a:p>
+                  </a:txBody>
+                  <a:tcPr anchor="ctr"/>
+                </a:tc>
+                <a:tc>
+                  <a:txBody>
+                    <a:bodyPr/>
+                    <a:lstStyle/>
+                    <a:p>
+                      <a:pPr algn="ctr"/>
+                      <a:r>
+                        <a:rPr lang="en-US" b="0" dirty="0"/>
+                        <a:t>2</a:t>
+                      </a:r>
+                    </a:p>
+                  </a:txBody>
+                  <a:tcPr anchor="ctr"/>
+                </a:tc>
+                <a:tc>
+                  <a:txBody>
+                    <a:bodyPr/>
+                    <a:lstStyle/>
+                    <a:p>
+                      <a:pPr algn="ctr"/>
+                      <a:r>
+                        <a:rPr lang="en-US" b="0" dirty="0"/>
+                        <a:t>3</a:t>
+                      </a:r>
+                    </a:p>
+                  </a:txBody>
+                  <a:tcPr anchor="ctr"/>
+                </a:tc>
+                <a:tc>
+                  <a:txBody>
+                    <a:bodyPr/>
+                    <a:lstStyle/>
+                    <a:p>
+                      <a:pPr algn="ctr"/>
+                      <a:r>
+                        <a:rPr lang="en-US" b="0" dirty="0"/>
+                        <a:t>4</a:t>
+                      </a:r>
+                    </a:p>
+                  </a:txBody>
+                  <a:tcPr anchor="ctr"/>
+                </a:tc>
+                <a:tc>
+                  <a:txBody>
+                    <a:bodyPr/>
+                    <a:lstStyle/>
+                    <a:p>
+                      <a:pPr algn="ctr"/>
+                      <a:r>
+                        <a:rPr lang="en-US" b="0" dirty="0"/>
+                        <a:t>5</a:t>
+                      </a:r>
+                    </a:p>
+                  </a:txBody>
+                  <a:tcPr anchor="ctr"/>
+                </a:tc>
+                <a:tc>
+                  <a:txBody>
+                    <a:bodyPr/>
+                    <a:lstStyle/>
+                    <a:p>
+                      <a:pPr algn="ctr"/>
+                      <a:r>
+                        <a:rPr lang="en-US" b="0" dirty="0"/>
+                        <a:t>6</a:t>
+                      </a:r>
+                    </a:p>
+                  </a:txBody>
+                  <a:tcPr anchor="ctr"/>
+                </a:tc>
+                <a:tc>
+                  <a:txBody>
+                    <a:bodyPr/>
+                    <a:lstStyle/>
+                    <a:p>
+                      <a:pPr algn="ctr"/>
+                      <a:r>
+                        <a:rPr lang="en-US" b="0" dirty="0"/>
+                        <a:t>7</a:t>
+                      </a:r>
+                    </a:p>
+                  </a:txBody>
+                  <a:tcPr anchor="ctr"/>
+                </a:tc>
+                <a:tc>
+                  <a:txBody>
+                    <a:bodyPr/>
+                    <a:lstStyle/>
+                    <a:p>
+                      <a:pPr algn="ctr"/>
+                      <a:r>
+                        <a:rPr lang="en-US" b="0" dirty="0"/>
+                        <a:t>8</a:t>
+                      </a:r>
+                    </a:p>
+                  </a:txBody>
+                  <a:tcPr anchor="ctr"/>
+                </a:tc>
+                <a:tc>
+                  <a:txBody>
+                    <a:bodyPr/>
+                    <a:lstStyle/>
+                    <a:p>
+                      <a:pPr algn="ctr"/>
+                      <a:r>
+                        <a:rPr lang="en-US" b="0" dirty="0"/>
+                        <a:t>9</a:t>
+                      </a:r>
+                    </a:p>
+                  </a:txBody>
+                  <a:tcPr anchor="ctr"/>
+                </a:tc>
+                <a:tc>
+                  <a:txBody>
+                    <a:bodyPr/>
+                    <a:lstStyle/>
+                    <a:p>
+                      <a:pPr algn="ctr"/>
+                      <a:r>
+                        <a:rPr lang="en-US" b="0" dirty="0"/>
+                        <a:t>10</a:t>
+                      </a:r>
+                    </a:p>
+                  </a:txBody>
+                  <a:tcPr anchor="ctr"/>
+                </a:tc>
+                <a:extLst>
+                  <a:ext uri="{0D108BD9-81ED-4DB2-BD59-A6C34878D82A}">
+                    <a16:rowId xmlns:a16="http://schemas.microsoft.com/office/drawing/2014/main" val="3432947557"/>
+                  </a:ext>
+                </a:extLst>
+              </a:tr>
+              <a:tr h="470491">
+                <a:tc>
+                  <a:txBody>
+                    <a:bodyPr/>
+                    <a:lstStyle/>
+                    <a:p>
+                      <a:pPr algn="ctr"/>
+                      <a:r>
+                        <a:rPr lang="en-US" dirty="0">
+                          <a:solidFill>
+                            <a:schemeClr val="bg1"/>
+                          </a:solidFill>
+                        </a:rPr>
+                        <a:t>Root</a:t>
+                      </a:r>
+                    </a:p>
+                  </a:txBody>
+                  <a:tcPr anchor="ctr">
+                    <a:solidFill>
+                      <a:schemeClr val="accent1"/>
+                    </a:solidFill>
+                  </a:tcPr>
+                </a:tc>
+                <a:tc>
+                  <a:txBody>
+                    <a:bodyPr/>
+                    <a:lstStyle/>
+                    <a:p>
+                      <a:pPr algn="ctr"/>
+                      <a:endParaRPr lang="en-US" dirty="0"/>
+                    </a:p>
+                  </a:txBody>
+                  <a:tcPr anchor="ctr"/>
+                </a:tc>
+                <a:tc>
+                  <a:txBody>
+                    <a:bodyPr/>
+                    <a:lstStyle/>
+                    <a:p>
+                      <a:pPr algn="ctr"/>
+                      <a:endParaRPr lang="en-US"/>
+                    </a:p>
+                  </a:txBody>
+                  <a:tcPr anchor="ctr"/>
+                </a:tc>
+                <a:tc>
+                  <a:txBody>
+                    <a:bodyPr/>
+                    <a:lstStyle/>
+                    <a:p>
+                      <a:pPr algn="ctr"/>
+                      <a:endParaRPr lang="en-US"/>
+                    </a:p>
+                  </a:txBody>
+                  <a:tcPr anchor="ctr"/>
+                </a:tc>
+                <a:tc>
+                  <a:txBody>
+                    <a:bodyPr/>
+                    <a:lstStyle/>
+                    <a:p>
+                      <a:pPr algn="ctr"/>
+                      <a:endParaRPr lang="en-US"/>
+                    </a:p>
+                  </a:txBody>
+                  <a:tcPr anchor="ctr"/>
+                </a:tc>
+                <a:tc>
+                  <a:txBody>
+                    <a:bodyPr/>
+                    <a:lstStyle/>
+                    <a:p>
+                      <a:pPr algn="ctr"/>
+                      <a:endParaRPr lang="en-US"/>
+                    </a:p>
+                  </a:txBody>
+                  <a:tcPr anchor="ctr"/>
+                </a:tc>
+                <a:tc>
+                  <a:txBody>
+                    <a:bodyPr/>
+                    <a:lstStyle/>
+                    <a:p>
+                      <a:pPr algn="ctr"/>
+                      <a:endParaRPr lang="en-US"/>
+                    </a:p>
+                  </a:txBody>
+                  <a:tcPr anchor="ctr"/>
+                </a:tc>
+                <a:tc>
+                  <a:txBody>
+                    <a:bodyPr/>
+                    <a:lstStyle/>
+                    <a:p>
+                      <a:pPr algn="ctr"/>
+                      <a:endParaRPr lang="en-US"/>
+                    </a:p>
+                  </a:txBody>
+                  <a:tcPr anchor="ctr"/>
+                </a:tc>
+                <a:tc>
+                  <a:txBody>
+                    <a:bodyPr/>
+                    <a:lstStyle/>
+                    <a:p>
+                      <a:pPr algn="ctr"/>
+                      <a:endParaRPr lang="en-US"/>
+                    </a:p>
+                  </a:txBody>
+                  <a:tcPr anchor="ctr"/>
+                </a:tc>
+                <a:tc>
+                  <a:txBody>
+                    <a:bodyPr/>
+                    <a:lstStyle/>
+                    <a:p>
+                      <a:pPr algn="ctr"/>
+                      <a:endParaRPr lang="en-US" dirty="0"/>
+                    </a:p>
+                  </a:txBody>
+                  <a:tcPr anchor="ctr"/>
+                </a:tc>
+                <a:tc>
+                  <a:txBody>
+                    <a:bodyPr/>
+                    <a:lstStyle/>
+                    <a:p>
+                      <a:pPr algn="ctr"/>
+                      <a:endParaRPr lang="en-US"/>
+                    </a:p>
+                  </a:txBody>
+                  <a:tcPr anchor="ctr"/>
+                </a:tc>
+                <a:extLst>
+                  <a:ext uri="{0D108BD9-81ED-4DB2-BD59-A6C34878D82A}">
+                    <a16:rowId xmlns:a16="http://schemas.microsoft.com/office/drawing/2014/main" val="3894760842"/>
+                  </a:ext>
+                </a:extLst>
+              </a:tr>
+              <a:tr h="470491">
+                <a:tc>
+                  <a:txBody>
+                    <a:bodyPr/>
+                    <a:lstStyle/>
+                    <a:p>
+                      <a:pPr algn="ctr"/>
+                      <a:r>
+                        <a:rPr lang="en-US" dirty="0">
+                          <a:solidFill>
+                            <a:schemeClr val="bg1"/>
+                          </a:solidFill>
+                        </a:rPr>
+                        <a:t>1</a:t>
+                      </a:r>
+                    </a:p>
+                  </a:txBody>
+                  <a:tcPr anchor="ctr">
+                    <a:solidFill>
+                      <a:schemeClr val="accent1"/>
+                    </a:solidFill>
+                  </a:tcPr>
+                </a:tc>
+                <a:tc>
+                  <a:txBody>
+                    <a:bodyPr/>
+                    <a:lstStyle/>
+                    <a:p>
+                      <a:pPr algn="ctr"/>
+                      <a:endParaRPr lang="en-US" dirty="0"/>
+                    </a:p>
+                  </a:txBody>
+                  <a:tcPr anchor="ctr">
+                    <a:solidFill>
+                      <a:schemeClr val="bg2">
+                        <a:lumMod val="75000"/>
+                      </a:schemeClr>
+                    </a:solidFill>
+                  </a:tcPr>
+                </a:tc>
+                <a:tc>
+                  <a:txBody>
+                    <a:bodyPr/>
+                    <a:lstStyle/>
+                    <a:p>
+                      <a:pPr algn="ctr"/>
+                      <a:endParaRPr lang="en-US"/>
+                    </a:p>
+                  </a:txBody>
+                  <a:tcPr anchor="ctr"/>
+                </a:tc>
+                <a:tc>
+                  <a:txBody>
+                    <a:bodyPr/>
+                    <a:lstStyle/>
+                    <a:p>
+                      <a:pPr algn="ctr"/>
+                      <a:endParaRPr lang="en-US"/>
+                    </a:p>
+                  </a:txBody>
+                  <a:tcPr anchor="ctr"/>
+                </a:tc>
+                <a:tc>
+                  <a:txBody>
+                    <a:bodyPr/>
+                    <a:lstStyle/>
+                    <a:p>
+                      <a:pPr algn="ctr"/>
+                      <a:endParaRPr lang="en-US"/>
+                    </a:p>
+                  </a:txBody>
+                  <a:tcPr anchor="ctr"/>
+                </a:tc>
+                <a:tc>
+                  <a:txBody>
+                    <a:bodyPr/>
+                    <a:lstStyle/>
+                    <a:p>
+                      <a:pPr algn="ctr"/>
+                      <a:endParaRPr lang="en-US"/>
+                    </a:p>
+                  </a:txBody>
+                  <a:tcPr anchor="ctr"/>
+                </a:tc>
+                <a:tc>
+                  <a:txBody>
+                    <a:bodyPr/>
+                    <a:lstStyle/>
+                    <a:p>
+                      <a:pPr algn="ctr"/>
+                      <a:endParaRPr lang="en-US"/>
+                    </a:p>
+                  </a:txBody>
+                  <a:tcPr anchor="ctr"/>
+                </a:tc>
+                <a:tc>
+                  <a:txBody>
+                    <a:bodyPr/>
+                    <a:lstStyle/>
+                    <a:p>
+                      <a:pPr algn="ctr"/>
+                      <a:endParaRPr lang="en-US"/>
+                    </a:p>
+                  </a:txBody>
+                  <a:tcPr anchor="ctr"/>
+                </a:tc>
+                <a:tc>
+                  <a:txBody>
+                    <a:bodyPr/>
+                    <a:lstStyle/>
+                    <a:p>
+                      <a:pPr algn="ctr"/>
+                      <a:endParaRPr lang="en-US"/>
+                    </a:p>
+                  </a:txBody>
+                  <a:tcPr anchor="ctr"/>
+                </a:tc>
+                <a:tc>
+                  <a:txBody>
+                    <a:bodyPr/>
+                    <a:lstStyle/>
+                    <a:p>
+                      <a:pPr algn="ctr"/>
+                      <a:endParaRPr lang="en-US" dirty="0"/>
+                    </a:p>
+                  </a:txBody>
+                  <a:tcPr anchor="ctr"/>
+                </a:tc>
+                <a:tc>
+                  <a:txBody>
+                    <a:bodyPr/>
+                    <a:lstStyle/>
+                    <a:p>
+                      <a:pPr algn="ctr"/>
+                      <a:endParaRPr lang="en-US"/>
+                    </a:p>
+                  </a:txBody>
+                  <a:tcPr anchor="ctr"/>
+                </a:tc>
+                <a:extLst>
+                  <a:ext uri="{0D108BD9-81ED-4DB2-BD59-A6C34878D82A}">
+                    <a16:rowId xmlns:a16="http://schemas.microsoft.com/office/drawing/2014/main" val="975743077"/>
+                  </a:ext>
+                </a:extLst>
+              </a:tr>
+              <a:tr h="470491">
+                <a:tc>
+                  <a:txBody>
+                    <a:bodyPr/>
+                    <a:lstStyle/>
+                    <a:p>
+                      <a:pPr algn="ctr"/>
+                      <a:r>
+                        <a:rPr lang="en-US" dirty="0">
+                          <a:solidFill>
+                            <a:schemeClr val="bg1"/>
+                          </a:solidFill>
+                        </a:rPr>
+                        <a:t>2</a:t>
+                      </a:r>
+                    </a:p>
+                  </a:txBody>
+                  <a:tcPr anchor="ctr">
+                    <a:solidFill>
+                      <a:schemeClr val="accent1"/>
+                    </a:solidFill>
+                  </a:tcPr>
+                </a:tc>
+                <a:tc>
+                  <a:txBody>
+                    <a:bodyPr/>
+                    <a:lstStyle/>
+                    <a:p>
+                      <a:pPr algn="ctr"/>
+                      <a:endParaRPr lang="en-US"/>
+                    </a:p>
+                  </a:txBody>
+                  <a:tcPr anchor="ctr"/>
+                </a:tc>
+                <a:tc>
+                  <a:txBody>
+                    <a:bodyPr/>
+                    <a:lstStyle/>
+                    <a:p>
+                      <a:pPr algn="ctr"/>
+                      <a:endParaRPr lang="en-US" dirty="0"/>
+                    </a:p>
+                  </a:txBody>
+                  <a:tcPr anchor="ctr">
+                    <a:solidFill>
+                      <a:schemeClr val="bg2">
+                        <a:lumMod val="75000"/>
+                      </a:schemeClr>
+                    </a:solidFill>
+                  </a:tcPr>
+                </a:tc>
+                <a:tc>
+                  <a:txBody>
+                    <a:bodyPr/>
+                    <a:lstStyle/>
+                    <a:p>
+                      <a:pPr algn="ctr"/>
+                      <a:endParaRPr lang="en-US"/>
+                    </a:p>
+                  </a:txBody>
+                  <a:tcPr anchor="ctr"/>
+                </a:tc>
+                <a:tc>
+                  <a:txBody>
+                    <a:bodyPr/>
+                    <a:lstStyle/>
+                    <a:p>
+                      <a:pPr algn="ctr"/>
+                      <a:endParaRPr lang="en-US"/>
+                    </a:p>
+                  </a:txBody>
+                  <a:tcPr anchor="ctr"/>
+                </a:tc>
+                <a:tc>
+                  <a:txBody>
+                    <a:bodyPr/>
+                    <a:lstStyle/>
+                    <a:p>
+                      <a:pPr algn="ctr"/>
+                      <a:endParaRPr lang="en-US"/>
+                    </a:p>
+                  </a:txBody>
+                  <a:tcPr anchor="ctr"/>
+                </a:tc>
+                <a:tc>
+                  <a:txBody>
+                    <a:bodyPr/>
+                    <a:lstStyle/>
+                    <a:p>
+                      <a:pPr algn="ctr"/>
+                      <a:endParaRPr lang="en-US"/>
+                    </a:p>
+                  </a:txBody>
+                  <a:tcPr anchor="ctr"/>
+                </a:tc>
+                <a:tc>
+                  <a:txBody>
+                    <a:bodyPr/>
+                    <a:lstStyle/>
+                    <a:p>
+                      <a:pPr algn="ctr"/>
+                      <a:endParaRPr lang="en-US"/>
+                    </a:p>
+                  </a:txBody>
+                  <a:tcPr anchor="ctr"/>
+                </a:tc>
+                <a:tc>
+                  <a:txBody>
+                    <a:bodyPr/>
+                    <a:lstStyle/>
+                    <a:p>
+                      <a:pPr algn="ctr"/>
+                      <a:endParaRPr lang="en-US"/>
+                    </a:p>
+                  </a:txBody>
+                  <a:tcPr anchor="ctr"/>
+                </a:tc>
+                <a:tc>
+                  <a:txBody>
+                    <a:bodyPr/>
+                    <a:lstStyle/>
+                    <a:p>
+                      <a:pPr algn="ctr"/>
+                      <a:endParaRPr lang="en-US"/>
+                    </a:p>
+                  </a:txBody>
+                  <a:tcPr anchor="ctr"/>
+                </a:tc>
+                <a:tc>
+                  <a:txBody>
+                    <a:bodyPr/>
+                    <a:lstStyle/>
+                    <a:p>
+                      <a:pPr algn="ctr"/>
+                      <a:endParaRPr lang="en-US"/>
+                    </a:p>
+                  </a:txBody>
+                  <a:tcPr anchor="ctr"/>
+                </a:tc>
+                <a:extLst>
+                  <a:ext uri="{0D108BD9-81ED-4DB2-BD59-A6C34878D82A}">
+                    <a16:rowId xmlns:a16="http://schemas.microsoft.com/office/drawing/2014/main" val="3485857920"/>
+                  </a:ext>
+                </a:extLst>
+              </a:tr>
+              <a:tr h="470491">
+                <a:tc>
+                  <a:txBody>
+                    <a:bodyPr/>
+                    <a:lstStyle/>
+                    <a:p>
+                      <a:pPr algn="ctr"/>
+                      <a:r>
+                        <a:rPr lang="en-US" dirty="0">
+                          <a:solidFill>
+                            <a:schemeClr val="bg1"/>
+                          </a:solidFill>
+                        </a:rPr>
+                        <a:t>3</a:t>
+                      </a:r>
+                    </a:p>
+                  </a:txBody>
+                  <a:tcPr anchor="ctr">
+                    <a:solidFill>
+                      <a:schemeClr val="accent1"/>
+                    </a:solidFill>
+                  </a:tcPr>
+                </a:tc>
+                <a:tc>
+                  <a:txBody>
+                    <a:bodyPr/>
+                    <a:lstStyle/>
+                    <a:p>
+                      <a:pPr algn="ctr"/>
+                      <a:r>
+                        <a:rPr lang="en-US" dirty="0"/>
+                        <a:t>-</a:t>
+                      </a:r>
+                    </a:p>
+                  </a:txBody>
+                  <a:tcPr anchor="ctr"/>
+                </a:tc>
+                <a:tc>
+                  <a:txBody>
+                    <a:bodyPr/>
+                    <a:lstStyle/>
+                    <a:p>
+                      <a:pPr algn="ctr"/>
+                      <a:r>
+                        <a:rPr lang="en-US" dirty="0"/>
+                        <a:t>-</a:t>
+                      </a:r>
+                    </a:p>
+                  </a:txBody>
+                  <a:tcPr anchor="ctr"/>
+                </a:tc>
+                <a:tc>
+                  <a:txBody>
+                    <a:bodyPr/>
+                    <a:lstStyle/>
+                    <a:p>
+                      <a:pPr algn="ctr"/>
+                      <a:endParaRPr lang="en-US" dirty="0"/>
+                    </a:p>
+                  </a:txBody>
+                  <a:tcPr anchor="ctr">
+                    <a:solidFill>
+                      <a:schemeClr val="bg2">
+                        <a:lumMod val="75000"/>
+                      </a:schemeClr>
+                    </a:solidFill>
+                  </a:tcPr>
+                </a:tc>
+                <a:tc>
+                  <a:txBody>
+                    <a:bodyPr/>
+                    <a:lstStyle/>
+                    <a:p>
+                      <a:pPr algn="ctr"/>
+                      <a:endParaRPr lang="en-US"/>
+                    </a:p>
+                  </a:txBody>
+                  <a:tcPr anchor="ctr"/>
+                </a:tc>
+                <a:tc>
+                  <a:txBody>
+                    <a:bodyPr/>
+                    <a:lstStyle/>
+                    <a:p>
+                      <a:pPr algn="ctr"/>
+                      <a:endParaRPr lang="en-US" dirty="0"/>
+                    </a:p>
+                  </a:txBody>
+                  <a:tcPr anchor="ctr"/>
+                </a:tc>
+                <a:tc>
+                  <a:txBody>
+                    <a:bodyPr/>
+                    <a:lstStyle/>
+                    <a:p>
+                      <a:pPr algn="ctr"/>
+                      <a:endParaRPr lang="en-US" dirty="0"/>
+                    </a:p>
+                  </a:txBody>
+                  <a:tcPr anchor="ctr"/>
+                </a:tc>
+                <a:tc>
+                  <a:txBody>
+                    <a:bodyPr/>
+                    <a:lstStyle/>
+                    <a:p>
+                      <a:pPr algn="ctr"/>
+                      <a:endParaRPr lang="en-US" dirty="0"/>
+                    </a:p>
+                  </a:txBody>
+                  <a:tcPr anchor="ctr"/>
+                </a:tc>
+                <a:tc>
+                  <a:txBody>
+                    <a:bodyPr/>
+                    <a:lstStyle/>
+                    <a:p>
+                      <a:pPr algn="ctr"/>
+                      <a:endParaRPr lang="en-US"/>
+                    </a:p>
+                  </a:txBody>
+                  <a:tcPr anchor="ctr"/>
+                </a:tc>
+                <a:tc>
+                  <a:txBody>
+                    <a:bodyPr/>
+                    <a:lstStyle/>
+                    <a:p>
+                      <a:pPr algn="ctr"/>
+                      <a:endParaRPr lang="en-US"/>
+                    </a:p>
+                  </a:txBody>
+                  <a:tcPr anchor="ctr"/>
+                </a:tc>
+                <a:tc>
+                  <a:txBody>
+                    <a:bodyPr/>
+                    <a:lstStyle/>
+                    <a:p>
+                      <a:pPr algn="ctr"/>
+                      <a:endParaRPr lang="en-US" dirty="0"/>
+                    </a:p>
+                  </a:txBody>
+                  <a:tcPr anchor="ctr"/>
+                </a:tc>
+                <a:extLst>
+                  <a:ext uri="{0D108BD9-81ED-4DB2-BD59-A6C34878D82A}">
+                    <a16:rowId xmlns:a16="http://schemas.microsoft.com/office/drawing/2014/main" val="3971703997"/>
+                  </a:ext>
+                </a:extLst>
+              </a:tr>
+              <a:tr h="470491">
+                <a:tc>
+                  <a:txBody>
+                    <a:bodyPr/>
+                    <a:lstStyle/>
+                    <a:p>
+                      <a:pPr algn="ctr"/>
+                      <a:r>
+                        <a:rPr lang="en-US" dirty="0">
+                          <a:solidFill>
+                            <a:schemeClr val="bg1"/>
+                          </a:solidFill>
+                        </a:rPr>
+                        <a:t>4</a:t>
+                      </a:r>
+                    </a:p>
+                  </a:txBody>
+                  <a:tcPr anchor="ctr">
+                    <a:solidFill>
+                      <a:schemeClr val="accent1"/>
+                    </a:solidFill>
+                  </a:tcPr>
+                </a:tc>
+                <a:tc>
+                  <a:txBody>
+                    <a:bodyPr/>
+                    <a:lstStyle/>
+                    <a:p>
+                      <a:pPr algn="ctr"/>
+                      <a:r>
+                        <a:rPr lang="en-US" dirty="0"/>
+                        <a:t>-</a:t>
+                      </a:r>
+                    </a:p>
+                  </a:txBody>
+                  <a:tcPr anchor="ctr"/>
+                </a:tc>
+                <a:tc>
+                  <a:txBody>
+                    <a:bodyPr/>
+                    <a:lstStyle/>
+                    <a:p>
+                      <a:pPr algn="ctr"/>
+                      <a:r>
+                        <a:rPr lang="en-US" dirty="0"/>
+                        <a:t>-</a:t>
+                      </a:r>
+                    </a:p>
+                  </a:txBody>
+                  <a:tcPr anchor="ctr"/>
+                </a:tc>
+                <a:tc>
+                  <a:txBody>
+                    <a:bodyPr/>
+                    <a:lstStyle/>
+                    <a:p>
+                      <a:pPr algn="ctr"/>
+                      <a:endParaRPr lang="en-US" dirty="0"/>
+                    </a:p>
+                  </a:txBody>
+                  <a:tcPr anchor="ctr"/>
+                </a:tc>
+                <a:tc>
+                  <a:txBody>
+                    <a:bodyPr/>
+                    <a:lstStyle/>
+                    <a:p>
+                      <a:pPr algn="ctr"/>
+                      <a:endParaRPr lang="en-US" dirty="0"/>
+                    </a:p>
+                  </a:txBody>
+                  <a:tcPr anchor="ctr">
+                    <a:solidFill>
+                      <a:schemeClr val="bg2">
+                        <a:lumMod val="75000"/>
+                      </a:schemeClr>
+                    </a:solidFill>
+                  </a:tcPr>
+                </a:tc>
+                <a:tc>
+                  <a:txBody>
+                    <a:bodyPr/>
+                    <a:lstStyle/>
+                    <a:p>
+                      <a:pPr algn="ctr"/>
+                      <a:endParaRPr lang="en-US"/>
+                    </a:p>
+                  </a:txBody>
+                  <a:tcPr anchor="ctr"/>
+                </a:tc>
+                <a:tc>
+                  <a:txBody>
+                    <a:bodyPr/>
+                    <a:lstStyle/>
+                    <a:p>
+                      <a:pPr algn="ctr"/>
+                      <a:endParaRPr lang="en-US" dirty="0"/>
+                    </a:p>
+                  </a:txBody>
+                  <a:tcPr anchor="ctr"/>
+                </a:tc>
+                <a:tc>
+                  <a:txBody>
+                    <a:bodyPr/>
+                    <a:lstStyle/>
+                    <a:p>
+                      <a:pPr algn="ctr"/>
+                      <a:endParaRPr lang="en-US" dirty="0"/>
+                    </a:p>
+                  </a:txBody>
+                  <a:tcPr anchor="ctr"/>
+                </a:tc>
+                <a:tc>
+                  <a:txBody>
+                    <a:bodyPr/>
+                    <a:lstStyle/>
+                    <a:p>
+                      <a:pPr algn="ctr"/>
+                      <a:endParaRPr lang="en-US"/>
+                    </a:p>
+                  </a:txBody>
+                  <a:tcPr anchor="ctr"/>
+                </a:tc>
+                <a:tc>
+                  <a:txBody>
+                    <a:bodyPr/>
+                    <a:lstStyle/>
+                    <a:p>
+                      <a:pPr algn="ctr"/>
+                      <a:endParaRPr lang="en-US"/>
+                    </a:p>
+                  </a:txBody>
+                  <a:tcPr anchor="ctr"/>
+                </a:tc>
+                <a:tc>
+                  <a:txBody>
+                    <a:bodyPr/>
+                    <a:lstStyle/>
+                    <a:p>
+                      <a:pPr algn="ctr"/>
+                      <a:endParaRPr lang="en-US"/>
+                    </a:p>
+                  </a:txBody>
+                  <a:tcPr anchor="ctr"/>
+                </a:tc>
+                <a:extLst>
+                  <a:ext uri="{0D108BD9-81ED-4DB2-BD59-A6C34878D82A}">
+                    <a16:rowId xmlns:a16="http://schemas.microsoft.com/office/drawing/2014/main" val="4216095044"/>
+                  </a:ext>
+                </a:extLst>
+              </a:tr>
+              <a:tr h="470491">
+                <a:tc>
+                  <a:txBody>
+                    <a:bodyPr/>
+                    <a:lstStyle/>
+                    <a:p>
+                      <a:pPr algn="ctr"/>
+                      <a:r>
+                        <a:rPr lang="en-US" dirty="0">
+                          <a:solidFill>
+                            <a:schemeClr val="bg1"/>
+                          </a:solidFill>
+                        </a:rPr>
+                        <a:t>5</a:t>
+                      </a:r>
+                    </a:p>
+                  </a:txBody>
+                  <a:tcPr anchor="ctr">
+                    <a:solidFill>
+                      <a:schemeClr val="accent1"/>
+                    </a:solidFill>
+                  </a:tcPr>
+                </a:tc>
+                <a:tc>
+                  <a:txBody>
+                    <a:bodyPr/>
+                    <a:lstStyle/>
+                    <a:p>
+                      <a:pPr algn="ctr"/>
+                      <a:r>
+                        <a:rPr lang="en-US" dirty="0"/>
+                        <a:t>-</a:t>
+                      </a:r>
+                    </a:p>
+                  </a:txBody>
+                  <a:tcPr anchor="ctr"/>
+                </a:tc>
+                <a:tc>
+                  <a:txBody>
+                    <a:bodyPr/>
+                    <a:lstStyle/>
+                    <a:p>
+                      <a:pPr algn="ctr"/>
+                      <a:r>
+                        <a:rPr lang="en-US" dirty="0"/>
+                        <a:t>-</a:t>
+                      </a:r>
+                    </a:p>
+                  </a:txBody>
+                  <a:tcPr anchor="ctr"/>
+                </a:tc>
+                <a:tc>
+                  <a:txBody>
+                    <a:bodyPr/>
+                    <a:lstStyle/>
+                    <a:p>
+                      <a:pPr algn="ctr"/>
+                      <a:endParaRPr lang="en-US"/>
+                    </a:p>
+                  </a:txBody>
+                  <a:tcPr anchor="ctr"/>
+                </a:tc>
+                <a:tc>
+                  <a:txBody>
+                    <a:bodyPr/>
+                    <a:lstStyle/>
+                    <a:p>
+                      <a:pPr algn="ctr"/>
+                      <a:endParaRPr lang="en-US"/>
+                    </a:p>
+                  </a:txBody>
+                  <a:tcPr anchor="ctr"/>
+                </a:tc>
+                <a:tc>
+                  <a:txBody>
+                    <a:bodyPr/>
+                    <a:lstStyle/>
+                    <a:p>
+                      <a:pPr algn="ctr"/>
+                      <a:endParaRPr lang="en-US" dirty="0"/>
+                    </a:p>
+                  </a:txBody>
+                  <a:tcPr anchor="ctr">
+                    <a:solidFill>
+                      <a:schemeClr val="bg2">
+                        <a:lumMod val="75000"/>
+                      </a:schemeClr>
+                    </a:solidFill>
+                  </a:tcPr>
+                </a:tc>
+                <a:tc>
+                  <a:txBody>
+                    <a:bodyPr/>
+                    <a:lstStyle/>
+                    <a:p>
+                      <a:pPr algn="ctr"/>
+                      <a:endParaRPr lang="en-US" dirty="0"/>
+                    </a:p>
+                  </a:txBody>
+                  <a:tcPr anchor="ctr"/>
+                </a:tc>
+                <a:tc>
+                  <a:txBody>
+                    <a:bodyPr/>
+                    <a:lstStyle/>
+                    <a:p>
+                      <a:pPr algn="ctr"/>
+                      <a:endParaRPr lang="en-US" dirty="0"/>
+                    </a:p>
+                  </a:txBody>
+                  <a:tcPr anchor="ctr"/>
+                </a:tc>
+                <a:tc>
+                  <a:txBody>
+                    <a:bodyPr/>
+                    <a:lstStyle/>
+                    <a:p>
+                      <a:pPr algn="ctr"/>
+                      <a:endParaRPr lang="en-US"/>
+                    </a:p>
+                  </a:txBody>
+                  <a:tcPr anchor="ctr"/>
+                </a:tc>
+                <a:tc>
+                  <a:txBody>
+                    <a:bodyPr/>
+                    <a:lstStyle/>
+                    <a:p>
+                      <a:pPr algn="ctr"/>
+                      <a:endParaRPr lang="en-US"/>
+                    </a:p>
+                  </a:txBody>
+                  <a:tcPr anchor="ctr"/>
+                </a:tc>
+                <a:tc>
+                  <a:txBody>
+                    <a:bodyPr/>
+                    <a:lstStyle/>
+                    <a:p>
+                      <a:pPr algn="ctr"/>
+                      <a:endParaRPr lang="en-US"/>
+                    </a:p>
+                  </a:txBody>
+                  <a:tcPr anchor="ctr"/>
+                </a:tc>
+                <a:extLst>
+                  <a:ext uri="{0D108BD9-81ED-4DB2-BD59-A6C34878D82A}">
+                    <a16:rowId xmlns:a16="http://schemas.microsoft.com/office/drawing/2014/main" val="2237266844"/>
+                  </a:ext>
+                </a:extLst>
+              </a:tr>
+              <a:tr h="470491">
+                <a:tc>
+                  <a:txBody>
+                    <a:bodyPr/>
+                    <a:lstStyle/>
+                    <a:p>
+                      <a:pPr algn="ctr"/>
+                      <a:r>
+                        <a:rPr lang="en-US" dirty="0">
+                          <a:solidFill>
+                            <a:schemeClr val="bg1"/>
+                          </a:solidFill>
+                        </a:rPr>
+                        <a:t>6</a:t>
+                      </a:r>
+                    </a:p>
+                  </a:txBody>
+                  <a:tcPr anchor="ctr">
+                    <a:solidFill>
+                      <a:schemeClr val="accent1"/>
+                    </a:solidFill>
+                  </a:tcPr>
+                </a:tc>
+                <a:tc>
+                  <a:txBody>
+                    <a:bodyPr/>
+                    <a:lstStyle/>
+                    <a:p>
+                      <a:pPr algn="ctr"/>
+                      <a:r>
+                        <a:rPr lang="en-US" dirty="0"/>
+                        <a:t>-</a:t>
+                      </a:r>
+                    </a:p>
+                  </a:txBody>
+                  <a:tcPr anchor="ctr"/>
+                </a:tc>
+                <a:tc>
+                  <a:txBody>
+                    <a:bodyPr/>
+                    <a:lstStyle/>
+                    <a:p>
+                      <a:pPr algn="ctr"/>
+                      <a:r>
+                        <a:rPr lang="en-US" dirty="0"/>
+                        <a:t>-</a:t>
+                      </a:r>
+                    </a:p>
+                  </a:txBody>
+                  <a:tcPr anchor="ctr"/>
+                </a:tc>
+                <a:tc>
+                  <a:txBody>
+                    <a:bodyPr/>
+                    <a:lstStyle/>
+                    <a:p>
+                      <a:pPr algn="ctr"/>
+                      <a:r>
+                        <a:rPr lang="en-US" dirty="0"/>
+                        <a:t>-</a:t>
+                      </a:r>
+                    </a:p>
+                  </a:txBody>
+                  <a:tcPr anchor="ctr"/>
+                </a:tc>
+                <a:tc>
+                  <a:txBody>
+                    <a:bodyPr/>
+                    <a:lstStyle/>
+                    <a:p>
+                      <a:pPr algn="ctr"/>
+                      <a:r>
+                        <a:rPr lang="en-US" dirty="0"/>
+                        <a:t>-</a:t>
+                      </a:r>
+                    </a:p>
+                  </a:txBody>
+                  <a:tcPr anchor="ctr"/>
+                </a:tc>
+                <a:tc>
+                  <a:txBody>
+                    <a:bodyPr/>
+                    <a:lstStyle/>
+                    <a:p>
+                      <a:pPr algn="ctr"/>
+                      <a:r>
+                        <a:rPr lang="en-US" dirty="0"/>
+                        <a:t>-</a:t>
+                      </a:r>
+                    </a:p>
+                  </a:txBody>
+                  <a:tcPr anchor="ctr"/>
+                </a:tc>
+                <a:tc>
+                  <a:txBody>
+                    <a:bodyPr/>
+                    <a:lstStyle/>
+                    <a:p>
+                      <a:pPr algn="ctr"/>
+                      <a:endParaRPr lang="en-US" dirty="0"/>
+                    </a:p>
+                  </a:txBody>
+                  <a:tcPr anchor="ctr">
+                    <a:solidFill>
+                      <a:schemeClr val="bg2">
+                        <a:lumMod val="75000"/>
+                      </a:schemeClr>
+                    </a:solidFill>
+                  </a:tcPr>
+                </a:tc>
+                <a:tc>
+                  <a:txBody>
+                    <a:bodyPr/>
+                    <a:lstStyle/>
+                    <a:p>
+                      <a:pPr algn="ctr"/>
+                      <a:endParaRPr lang="en-US" dirty="0"/>
+                    </a:p>
+                  </a:txBody>
+                  <a:tcPr anchor="ctr"/>
+                </a:tc>
+                <a:tc>
+                  <a:txBody>
+                    <a:bodyPr/>
+                    <a:lstStyle/>
+                    <a:p>
+                      <a:pPr algn="ctr"/>
+                      <a:endParaRPr lang="en-US"/>
+                    </a:p>
+                  </a:txBody>
+                  <a:tcPr anchor="ctr"/>
+                </a:tc>
+                <a:tc>
+                  <a:txBody>
+                    <a:bodyPr/>
+                    <a:lstStyle/>
+                    <a:p>
+                      <a:pPr algn="ctr"/>
+                      <a:endParaRPr lang="en-US"/>
+                    </a:p>
+                  </a:txBody>
+                  <a:tcPr anchor="ctr"/>
+                </a:tc>
+                <a:tc>
+                  <a:txBody>
+                    <a:bodyPr/>
+                    <a:lstStyle/>
+                    <a:p>
+                      <a:pPr algn="ctr"/>
+                      <a:endParaRPr lang="en-US"/>
+                    </a:p>
+                  </a:txBody>
+                  <a:tcPr anchor="ctr"/>
+                </a:tc>
+                <a:extLst>
+                  <a:ext uri="{0D108BD9-81ED-4DB2-BD59-A6C34878D82A}">
+                    <a16:rowId xmlns:a16="http://schemas.microsoft.com/office/drawing/2014/main" val="2252693935"/>
+                  </a:ext>
+                </a:extLst>
+              </a:tr>
+              <a:tr h="470491">
+                <a:tc>
+                  <a:txBody>
+                    <a:bodyPr/>
+                    <a:lstStyle/>
+                    <a:p>
+                      <a:pPr algn="ctr"/>
+                      <a:r>
+                        <a:rPr lang="en-US" dirty="0">
+                          <a:solidFill>
+                            <a:schemeClr val="bg1"/>
+                          </a:solidFill>
+                        </a:rPr>
+                        <a:t>7</a:t>
+                      </a:r>
+                    </a:p>
+                  </a:txBody>
+                  <a:tcPr anchor="ctr">
+                    <a:solidFill>
+                      <a:schemeClr val="accent1"/>
+                    </a:solidFill>
+                  </a:tcPr>
+                </a:tc>
+                <a:tc>
+                  <a:txBody>
+                    <a:bodyPr/>
+                    <a:lstStyle/>
+                    <a:p>
+                      <a:pPr algn="ctr"/>
+                      <a:r>
+                        <a:rPr lang="en-US" dirty="0"/>
+                        <a:t>-</a:t>
+                      </a:r>
+                    </a:p>
+                  </a:txBody>
+                  <a:tcPr anchor="ctr"/>
+                </a:tc>
+                <a:tc>
+                  <a:txBody>
+                    <a:bodyPr/>
+                    <a:lstStyle/>
+                    <a:p>
+                      <a:pPr algn="ctr"/>
+                      <a:r>
+                        <a:rPr lang="en-US" dirty="0"/>
+                        <a:t>-</a:t>
+                      </a:r>
+                    </a:p>
+                  </a:txBody>
+                  <a:tcPr anchor="ctr"/>
+                </a:tc>
+                <a:tc>
+                  <a:txBody>
+                    <a:bodyPr/>
+                    <a:lstStyle/>
+                    <a:p>
+                      <a:pPr algn="ctr"/>
+                      <a:r>
+                        <a:rPr lang="en-US" dirty="0"/>
+                        <a:t>-</a:t>
+                      </a:r>
+                    </a:p>
+                  </a:txBody>
+                  <a:tcPr anchor="ctr"/>
+                </a:tc>
+                <a:tc>
+                  <a:txBody>
+                    <a:bodyPr/>
+                    <a:lstStyle/>
+                    <a:p>
+                      <a:pPr algn="ctr"/>
+                      <a:r>
+                        <a:rPr lang="en-US" dirty="0"/>
+                        <a:t>-</a:t>
+                      </a:r>
+                    </a:p>
+                  </a:txBody>
+                  <a:tcPr anchor="ctr"/>
+                </a:tc>
+                <a:tc>
+                  <a:txBody>
+                    <a:bodyPr/>
+                    <a:lstStyle/>
+                    <a:p>
+                      <a:pPr algn="ctr"/>
+                      <a:r>
+                        <a:rPr lang="en-US" dirty="0"/>
+                        <a:t>-</a:t>
+                      </a:r>
+                    </a:p>
+                  </a:txBody>
+                  <a:tcPr anchor="ctr"/>
+                </a:tc>
+                <a:tc>
+                  <a:txBody>
+                    <a:bodyPr/>
+                    <a:lstStyle/>
+                    <a:p>
+                      <a:pPr algn="ctr"/>
+                      <a:endParaRPr lang="en-US" dirty="0"/>
+                    </a:p>
+                  </a:txBody>
+                  <a:tcPr anchor="ctr"/>
+                </a:tc>
+                <a:tc>
+                  <a:txBody>
+                    <a:bodyPr/>
+                    <a:lstStyle/>
+                    <a:p>
+                      <a:pPr algn="ctr"/>
+                      <a:endParaRPr lang="en-US" dirty="0"/>
+                    </a:p>
+                  </a:txBody>
+                  <a:tcPr anchor="ctr">
+                    <a:solidFill>
+                      <a:schemeClr val="bg2">
+                        <a:lumMod val="75000"/>
+                      </a:schemeClr>
+                    </a:solidFill>
+                  </a:tcPr>
+                </a:tc>
+                <a:tc>
+                  <a:txBody>
+                    <a:bodyPr/>
+                    <a:lstStyle/>
+                    <a:p>
+                      <a:pPr algn="ctr"/>
+                      <a:endParaRPr lang="en-US"/>
+                    </a:p>
+                  </a:txBody>
+                  <a:tcPr anchor="ctr"/>
+                </a:tc>
+                <a:tc>
+                  <a:txBody>
+                    <a:bodyPr/>
+                    <a:lstStyle/>
+                    <a:p>
+                      <a:pPr algn="ctr"/>
+                      <a:endParaRPr lang="en-US"/>
+                    </a:p>
+                  </a:txBody>
+                  <a:tcPr anchor="ctr"/>
+                </a:tc>
+                <a:tc>
+                  <a:txBody>
+                    <a:bodyPr/>
+                    <a:lstStyle/>
+                    <a:p>
+                      <a:pPr algn="ctr"/>
+                      <a:endParaRPr lang="en-US"/>
+                    </a:p>
+                  </a:txBody>
+                  <a:tcPr anchor="ctr"/>
+                </a:tc>
+                <a:extLst>
+                  <a:ext uri="{0D108BD9-81ED-4DB2-BD59-A6C34878D82A}">
+                    <a16:rowId xmlns:a16="http://schemas.microsoft.com/office/drawing/2014/main" val="1987902878"/>
+                  </a:ext>
+                </a:extLst>
+              </a:tr>
+              <a:tr h="470491">
+                <a:tc>
+                  <a:txBody>
+                    <a:bodyPr/>
+                    <a:lstStyle/>
+                    <a:p>
+                      <a:pPr algn="ctr"/>
+                      <a:r>
+                        <a:rPr lang="en-US" dirty="0">
+                          <a:solidFill>
+                            <a:schemeClr val="bg1"/>
+                          </a:solidFill>
+                        </a:rPr>
+                        <a:t>8</a:t>
+                      </a:r>
+                    </a:p>
+                  </a:txBody>
+                  <a:tcPr anchor="ctr">
+                    <a:solidFill>
+                      <a:schemeClr val="accent1"/>
+                    </a:solidFill>
+                  </a:tcPr>
+                </a:tc>
+                <a:tc>
+                  <a:txBody>
+                    <a:bodyPr/>
+                    <a:lstStyle/>
+                    <a:p>
+                      <a:pPr algn="ctr"/>
+                      <a:r>
+                        <a:rPr lang="en-US" dirty="0"/>
+                        <a:t>-</a:t>
+                      </a:r>
+                    </a:p>
+                  </a:txBody>
+                  <a:tcPr anchor="ctr"/>
+                </a:tc>
+                <a:tc>
+                  <a:txBody>
+                    <a:bodyPr/>
+                    <a:lstStyle/>
+                    <a:p>
+                      <a:pPr algn="ctr"/>
+                      <a:r>
+                        <a:rPr lang="en-US" dirty="0"/>
+                        <a:t>-</a:t>
+                      </a:r>
+                    </a:p>
+                  </a:txBody>
+                  <a:tcPr anchor="ctr"/>
+                </a:tc>
+                <a:tc>
+                  <a:txBody>
+                    <a:bodyPr/>
+                    <a:lstStyle/>
+                    <a:p>
+                      <a:pPr algn="ctr"/>
+                      <a:r>
+                        <a:rPr lang="en-US" dirty="0"/>
+                        <a:t>-</a:t>
+                      </a:r>
+                    </a:p>
+                  </a:txBody>
+                  <a:tcPr anchor="ctr"/>
+                </a:tc>
+                <a:tc>
+                  <a:txBody>
+                    <a:bodyPr/>
+                    <a:lstStyle/>
+                    <a:p>
+                      <a:pPr algn="ctr"/>
+                      <a:r>
+                        <a:rPr lang="en-US" dirty="0"/>
+                        <a:t>-</a:t>
+                      </a:r>
+                    </a:p>
+                  </a:txBody>
+                  <a:tcPr anchor="ctr"/>
+                </a:tc>
+                <a:tc>
+                  <a:txBody>
+                    <a:bodyPr/>
+                    <a:lstStyle/>
+                    <a:p>
+                      <a:pPr algn="ctr"/>
+                      <a:r>
+                        <a:rPr lang="en-US" dirty="0"/>
+                        <a:t>-</a:t>
+                      </a:r>
+                    </a:p>
+                  </a:txBody>
+                  <a:tcPr anchor="ctr"/>
+                </a:tc>
+                <a:tc>
+                  <a:txBody>
+                    <a:bodyPr/>
+                    <a:lstStyle/>
+                    <a:p>
+                      <a:pPr algn="ctr"/>
+                      <a:r>
+                        <a:rPr lang="en-US" dirty="0"/>
+                        <a:t>-</a:t>
+                      </a:r>
+                    </a:p>
+                  </a:txBody>
+                  <a:tcPr anchor="ctr"/>
+                </a:tc>
+                <a:tc>
+                  <a:txBody>
+                    <a:bodyPr/>
+                    <a:lstStyle/>
+                    <a:p>
+                      <a:pPr algn="ctr"/>
+                      <a:r>
+                        <a:rPr lang="en-US" dirty="0"/>
+                        <a:t>-</a:t>
+                      </a:r>
+                    </a:p>
+                  </a:txBody>
+                  <a:tcPr anchor="ctr"/>
+                </a:tc>
+                <a:tc>
+                  <a:txBody>
+                    <a:bodyPr/>
+                    <a:lstStyle/>
+                    <a:p>
+                      <a:pPr algn="ctr"/>
+                      <a:endParaRPr lang="en-US" dirty="0"/>
+                    </a:p>
+                  </a:txBody>
+                  <a:tcPr anchor="ctr">
+                    <a:solidFill>
+                      <a:schemeClr val="bg2">
+                        <a:lumMod val="75000"/>
+                      </a:schemeClr>
+                    </a:solidFill>
+                  </a:tcPr>
+                </a:tc>
+                <a:tc>
+                  <a:txBody>
+                    <a:bodyPr/>
+                    <a:lstStyle/>
+                    <a:p>
+                      <a:pPr algn="ctr"/>
+                      <a:r>
+                        <a:rPr lang="en-US" dirty="0"/>
+                        <a:t>-</a:t>
+                      </a:r>
+                    </a:p>
+                  </a:txBody>
+                  <a:tcPr anchor="ctr"/>
+                </a:tc>
+                <a:tc>
+                  <a:txBody>
+                    <a:bodyPr/>
+                    <a:lstStyle/>
+                    <a:p>
+                      <a:pPr algn="ctr"/>
+                      <a:r>
+                        <a:rPr lang="en-US" dirty="0"/>
+                        <a:t>-</a:t>
+                      </a:r>
+                    </a:p>
+                  </a:txBody>
+                  <a:tcPr anchor="ctr"/>
+                </a:tc>
+                <a:extLst>
+                  <a:ext uri="{0D108BD9-81ED-4DB2-BD59-A6C34878D82A}">
+                    <a16:rowId xmlns:a16="http://schemas.microsoft.com/office/drawing/2014/main" val="3154358782"/>
+                  </a:ext>
+                </a:extLst>
+              </a:tr>
+              <a:tr h="470491">
+                <a:tc>
+                  <a:txBody>
+                    <a:bodyPr/>
+                    <a:lstStyle/>
+                    <a:p>
+                      <a:pPr algn="ctr"/>
+                      <a:r>
+                        <a:rPr lang="en-US" dirty="0">
+                          <a:solidFill>
+                            <a:schemeClr val="bg1"/>
+                          </a:solidFill>
+                        </a:rPr>
+                        <a:t>9</a:t>
+                      </a:r>
+                    </a:p>
+                  </a:txBody>
+                  <a:tcPr anchor="ctr">
+                    <a:solidFill>
+                      <a:schemeClr val="accent1"/>
+                    </a:solidFill>
+                  </a:tcPr>
+                </a:tc>
+                <a:tc>
+                  <a:txBody>
+                    <a:bodyPr/>
+                    <a:lstStyle/>
+                    <a:p>
+                      <a:pPr algn="ctr"/>
+                      <a:r>
+                        <a:rPr lang="en-US" dirty="0"/>
+                        <a:t>-</a:t>
+                      </a:r>
+                    </a:p>
+                  </a:txBody>
+                  <a:tcPr anchor="ctr"/>
+                </a:tc>
+                <a:tc>
+                  <a:txBody>
+                    <a:bodyPr/>
+                    <a:lstStyle/>
+                    <a:p>
+                      <a:pPr algn="ctr"/>
+                      <a:r>
+                        <a:rPr lang="en-US" dirty="0"/>
+                        <a:t>-</a:t>
+                      </a:r>
+                    </a:p>
+                  </a:txBody>
+                  <a:tcPr anchor="ctr"/>
+                </a:tc>
+                <a:tc>
+                  <a:txBody>
+                    <a:bodyPr/>
+                    <a:lstStyle/>
+                    <a:p>
+                      <a:pPr algn="ctr"/>
+                      <a:r>
+                        <a:rPr lang="en-US" dirty="0"/>
+                        <a:t>-</a:t>
+                      </a:r>
+                    </a:p>
+                  </a:txBody>
+                  <a:tcPr anchor="ctr"/>
+                </a:tc>
+                <a:tc>
+                  <a:txBody>
+                    <a:bodyPr/>
+                    <a:lstStyle/>
+                    <a:p>
+                      <a:pPr algn="ctr"/>
+                      <a:r>
+                        <a:rPr lang="en-US" dirty="0"/>
+                        <a:t>-</a:t>
+                      </a:r>
+                    </a:p>
+                  </a:txBody>
+                  <a:tcPr anchor="ctr"/>
+                </a:tc>
+                <a:tc>
+                  <a:txBody>
+                    <a:bodyPr/>
+                    <a:lstStyle/>
+                    <a:p>
+                      <a:pPr algn="ctr"/>
+                      <a:r>
+                        <a:rPr lang="en-US" dirty="0"/>
+                        <a:t>-</a:t>
+                      </a:r>
+                    </a:p>
+                  </a:txBody>
+                  <a:tcPr anchor="ctr"/>
+                </a:tc>
+                <a:tc>
+                  <a:txBody>
+                    <a:bodyPr/>
+                    <a:lstStyle/>
+                    <a:p>
+                      <a:pPr algn="ctr"/>
+                      <a:r>
+                        <a:rPr lang="en-US" dirty="0"/>
+                        <a:t>-</a:t>
+                      </a:r>
+                    </a:p>
+                  </a:txBody>
+                  <a:tcPr anchor="ctr"/>
+                </a:tc>
+                <a:tc>
+                  <a:txBody>
+                    <a:bodyPr/>
+                    <a:lstStyle/>
+                    <a:p>
+                      <a:pPr algn="ctr"/>
+                      <a:r>
+                        <a:rPr lang="en-US" dirty="0"/>
+                        <a:t>-</a:t>
+                      </a:r>
+                    </a:p>
+                  </a:txBody>
+                  <a:tcPr anchor="ctr"/>
+                </a:tc>
+                <a:tc>
+                  <a:txBody>
+                    <a:bodyPr/>
+                    <a:lstStyle/>
+                    <a:p>
+                      <a:pPr algn="ctr"/>
+                      <a:r>
+                        <a:rPr lang="en-US" dirty="0"/>
+                        <a:t>-</a:t>
+                      </a:r>
+                    </a:p>
+                  </a:txBody>
+                  <a:tcPr anchor="ctr"/>
+                </a:tc>
+                <a:tc>
+                  <a:txBody>
+                    <a:bodyPr/>
+                    <a:lstStyle/>
+                    <a:p>
+                      <a:pPr algn="ctr"/>
+                      <a:endParaRPr lang="en-US" dirty="0"/>
+                    </a:p>
+                  </a:txBody>
+                  <a:tcPr anchor="ctr">
+                    <a:solidFill>
+                      <a:schemeClr val="bg2">
+                        <a:lumMod val="75000"/>
+                      </a:schemeClr>
+                    </a:solidFill>
+                  </a:tcPr>
+                </a:tc>
+                <a:tc>
+                  <a:txBody>
+                    <a:bodyPr/>
+                    <a:lstStyle/>
+                    <a:p>
+                      <a:pPr algn="ctr"/>
+                      <a:r>
+                        <a:rPr lang="en-US" dirty="0"/>
+                        <a:t>-</a:t>
+                      </a:r>
+                    </a:p>
+                  </a:txBody>
+                  <a:tcPr anchor="ctr"/>
+                </a:tc>
+                <a:extLst>
+                  <a:ext uri="{0D108BD9-81ED-4DB2-BD59-A6C34878D82A}">
+                    <a16:rowId xmlns:a16="http://schemas.microsoft.com/office/drawing/2014/main" val="796563362"/>
+                  </a:ext>
+                </a:extLst>
+              </a:tr>
+              <a:tr h="470491">
+                <a:tc>
+                  <a:txBody>
+                    <a:bodyPr/>
+                    <a:lstStyle/>
+                    <a:p>
+                      <a:pPr algn="ctr"/>
+                      <a:r>
+                        <a:rPr lang="en-US" dirty="0">
+                          <a:solidFill>
+                            <a:schemeClr val="bg1"/>
+                          </a:solidFill>
+                        </a:rPr>
+                        <a:t>10</a:t>
+                      </a:r>
+                    </a:p>
+                  </a:txBody>
+                  <a:tcPr anchor="ctr">
+                    <a:solidFill>
+                      <a:schemeClr val="accent1"/>
+                    </a:solidFill>
+                  </a:tcPr>
+                </a:tc>
+                <a:tc>
+                  <a:txBody>
+                    <a:bodyPr/>
+                    <a:lstStyle/>
+                    <a:p>
+                      <a:pPr algn="ctr"/>
+                      <a:r>
+                        <a:rPr lang="en-US" dirty="0"/>
+                        <a:t>-</a:t>
+                      </a:r>
+                    </a:p>
+                  </a:txBody>
+                  <a:tcPr anchor="ctr"/>
+                </a:tc>
+                <a:tc>
+                  <a:txBody>
+                    <a:bodyPr/>
+                    <a:lstStyle/>
+                    <a:p>
+                      <a:pPr algn="ctr"/>
+                      <a:r>
+                        <a:rPr lang="en-US" dirty="0"/>
+                        <a:t>-</a:t>
+                      </a:r>
+                    </a:p>
+                  </a:txBody>
+                  <a:tcPr anchor="ctr"/>
+                </a:tc>
+                <a:tc>
+                  <a:txBody>
+                    <a:bodyPr/>
+                    <a:lstStyle/>
+                    <a:p>
+                      <a:pPr algn="ctr"/>
+                      <a:r>
+                        <a:rPr lang="en-US" dirty="0"/>
+                        <a:t>-</a:t>
+                      </a:r>
+                    </a:p>
+                  </a:txBody>
+                  <a:tcPr anchor="ctr"/>
+                </a:tc>
+                <a:tc>
+                  <a:txBody>
+                    <a:bodyPr/>
+                    <a:lstStyle/>
+                    <a:p>
+                      <a:pPr algn="ctr"/>
+                      <a:r>
+                        <a:rPr lang="en-US" dirty="0"/>
+                        <a:t>-</a:t>
+                      </a:r>
+                    </a:p>
+                  </a:txBody>
+                  <a:tcPr anchor="ctr"/>
+                </a:tc>
+                <a:tc>
+                  <a:txBody>
+                    <a:bodyPr/>
+                    <a:lstStyle/>
+                    <a:p>
+                      <a:pPr algn="ctr"/>
+                      <a:r>
+                        <a:rPr lang="en-US" dirty="0"/>
+                        <a:t>-</a:t>
+                      </a:r>
+                    </a:p>
+                  </a:txBody>
+                  <a:tcPr anchor="ctr"/>
+                </a:tc>
+                <a:tc>
+                  <a:txBody>
+                    <a:bodyPr/>
+                    <a:lstStyle/>
+                    <a:p>
+                      <a:pPr algn="ctr"/>
+                      <a:r>
+                        <a:rPr lang="en-US" dirty="0"/>
+                        <a:t>-</a:t>
+                      </a:r>
+                    </a:p>
+                  </a:txBody>
+                  <a:tcPr anchor="ctr"/>
+                </a:tc>
+                <a:tc>
+                  <a:txBody>
+                    <a:bodyPr/>
+                    <a:lstStyle/>
+                    <a:p>
+                      <a:pPr algn="ctr"/>
+                      <a:r>
+                        <a:rPr lang="en-US" dirty="0"/>
+                        <a:t>-</a:t>
+                      </a:r>
+                    </a:p>
+                  </a:txBody>
+                  <a:tcPr anchor="ctr"/>
+                </a:tc>
+                <a:tc>
+                  <a:txBody>
+                    <a:bodyPr/>
+                    <a:lstStyle/>
+                    <a:p>
+                      <a:pPr algn="ctr"/>
+                      <a:r>
+                        <a:rPr lang="en-US" dirty="0"/>
+                        <a:t>-</a:t>
+                      </a:r>
+                    </a:p>
+                  </a:txBody>
+                  <a:tcPr anchor="ctr"/>
+                </a:tc>
+                <a:tc>
+                  <a:txBody>
+                    <a:bodyPr/>
+                    <a:lstStyle/>
+                    <a:p>
+                      <a:pPr algn="ctr"/>
+                      <a:r>
+                        <a:rPr lang="en-US" dirty="0"/>
+                        <a:t>-</a:t>
+                      </a:r>
+                    </a:p>
+                  </a:txBody>
+                  <a:tcPr anchor="ctr"/>
+                </a:tc>
+                <a:tc>
+                  <a:txBody>
+                    <a:bodyPr/>
+                    <a:lstStyle/>
+                    <a:p>
+                      <a:pPr algn="ctr"/>
+                      <a:endParaRPr lang="en-US" dirty="0"/>
+                    </a:p>
+                  </a:txBody>
+                  <a:tcPr anchor="ctr">
+                    <a:solidFill>
+                      <a:schemeClr val="bg2">
+                        <a:lumMod val="75000"/>
+                      </a:schemeClr>
+                    </a:solidFill>
+                  </a:tcPr>
+                </a:tc>
+                <a:extLst>
+                  <a:ext uri="{0D108BD9-81ED-4DB2-BD59-A6C34878D82A}">
+                    <a16:rowId xmlns:a16="http://schemas.microsoft.com/office/drawing/2014/main" val="291497224"/>
+                  </a:ext>
+                </a:extLst>
+              </a:tr>
+            </a:tbl>
+          </a:graphicData>
+        </a:graphic>
+      </p:graphicFrame>
+      <p:sp>
+        <p:nvSpPr>
+          <p:cNvPr id="39" name="TextBox 38">
+            <a:extLst>
+              <a:ext uri="{FF2B5EF4-FFF2-40B4-BE49-F238E27FC236}">
+                <a16:creationId xmlns:a16="http://schemas.microsoft.com/office/drawing/2014/main" id="{9E4E781D-F4C7-CA40-83EB-AC6430CAF2A3}"/>
+              </a:ext>
+            </a:extLst>
+          </p:cNvPr>
+          <p:cNvSpPr txBox="1"/>
+          <p:nvPr/>
+        </p:nvSpPr>
+        <p:spPr>
+          <a:xfrm>
+            <a:off x="8052388" y="614180"/>
+            <a:ext cx="451086" cy="369332"/>
+          </a:xfrm>
+          <a:prstGeom prst="rect">
+            <a:avLst/>
+          </a:prstGeom>
+          <a:noFill/>
+        </p:spPr>
+        <p:txBody>
+          <a:bodyPr wrap="none" rtlCol="0">
+            <a:spAutoFit/>
+          </a:bodyPr>
+          <a:lstStyle/>
+          <a:p>
+            <a:r>
+              <a:rPr lang="en-US" dirty="0"/>
+              <a:t>To </a:t>
+            </a:r>
+          </a:p>
+        </p:txBody>
+      </p:sp>
+      <p:sp>
+        <p:nvSpPr>
+          <p:cNvPr id="40" name="TextBox 39">
+            <a:extLst>
+              <a:ext uri="{FF2B5EF4-FFF2-40B4-BE49-F238E27FC236}">
+                <a16:creationId xmlns:a16="http://schemas.microsoft.com/office/drawing/2014/main" id="{9AD12A76-676A-0347-8582-1860C3E84F8A}"/>
+              </a:ext>
+            </a:extLst>
+          </p:cNvPr>
+          <p:cNvSpPr txBox="1"/>
+          <p:nvPr/>
+        </p:nvSpPr>
+        <p:spPr>
+          <a:xfrm>
+            <a:off x="3584449" y="3926667"/>
+            <a:ext cx="673069" cy="369332"/>
+          </a:xfrm>
+          <a:prstGeom prst="rect">
+            <a:avLst/>
+          </a:prstGeom>
+          <a:noFill/>
+        </p:spPr>
+        <p:txBody>
+          <a:bodyPr wrap="none" rtlCol="0">
+            <a:spAutoFit/>
+          </a:bodyPr>
+          <a:lstStyle/>
+          <a:p>
+            <a:r>
+              <a:rPr lang="en-US" dirty="0"/>
+              <a:t>From</a:t>
+            </a:r>
+          </a:p>
+        </p:txBody>
+      </p:sp>
+      <p:sp>
+        <p:nvSpPr>
+          <p:cNvPr id="3" name="TextBox 2">
+            <a:extLst>
+              <a:ext uri="{FF2B5EF4-FFF2-40B4-BE49-F238E27FC236}">
+                <a16:creationId xmlns:a16="http://schemas.microsoft.com/office/drawing/2014/main" id="{0F6E11E8-6341-4949-B8EA-A890336DD88F}"/>
+              </a:ext>
+            </a:extLst>
+          </p:cNvPr>
+          <p:cNvSpPr txBox="1"/>
+          <p:nvPr/>
+        </p:nvSpPr>
+        <p:spPr>
+          <a:xfrm>
+            <a:off x="1723292" y="2414954"/>
+            <a:ext cx="301686" cy="369332"/>
+          </a:xfrm>
+          <a:prstGeom prst="rect">
+            <a:avLst/>
+          </a:prstGeom>
+          <a:noFill/>
+        </p:spPr>
+        <p:txBody>
+          <a:bodyPr wrap="none" rtlCol="0">
+            <a:spAutoFit/>
+          </a:bodyPr>
+          <a:lstStyle/>
+          <a:p>
+            <a:r>
+              <a:rPr lang="en-US" dirty="0"/>
+              <a:t>1</a:t>
+            </a:r>
+          </a:p>
+        </p:txBody>
+      </p:sp>
+      <p:sp>
+        <p:nvSpPr>
+          <p:cNvPr id="8" name="TextBox 7">
+            <a:extLst>
+              <a:ext uri="{FF2B5EF4-FFF2-40B4-BE49-F238E27FC236}">
+                <a16:creationId xmlns:a16="http://schemas.microsoft.com/office/drawing/2014/main" id="{BE3C9C74-FCB0-E94B-8A5F-218349E89FFE}"/>
+              </a:ext>
+            </a:extLst>
+          </p:cNvPr>
+          <p:cNvSpPr txBox="1"/>
+          <p:nvPr/>
+        </p:nvSpPr>
+        <p:spPr>
+          <a:xfrm>
+            <a:off x="1707654" y="2894782"/>
+            <a:ext cx="301686" cy="369332"/>
+          </a:xfrm>
+          <a:prstGeom prst="rect">
+            <a:avLst/>
+          </a:prstGeom>
+          <a:noFill/>
+        </p:spPr>
+        <p:txBody>
+          <a:bodyPr wrap="none" rtlCol="0">
+            <a:spAutoFit/>
+          </a:bodyPr>
+          <a:lstStyle/>
+          <a:p>
+            <a:r>
+              <a:rPr lang="en-US" dirty="0"/>
+              <a:t>2</a:t>
+            </a:r>
+          </a:p>
+        </p:txBody>
+      </p:sp>
+      <p:sp>
+        <p:nvSpPr>
+          <p:cNvPr id="9" name="TextBox 8">
+            <a:extLst>
+              <a:ext uri="{FF2B5EF4-FFF2-40B4-BE49-F238E27FC236}">
+                <a16:creationId xmlns:a16="http://schemas.microsoft.com/office/drawing/2014/main" id="{BAB4A24B-0E3F-7F4C-B658-A2898D411E11}"/>
+              </a:ext>
+            </a:extLst>
+          </p:cNvPr>
+          <p:cNvSpPr txBox="1"/>
+          <p:nvPr/>
+        </p:nvSpPr>
+        <p:spPr>
+          <a:xfrm>
+            <a:off x="516961" y="3557335"/>
+            <a:ext cx="301686" cy="369332"/>
+          </a:xfrm>
+          <a:prstGeom prst="rect">
+            <a:avLst/>
+          </a:prstGeom>
+          <a:noFill/>
+        </p:spPr>
+        <p:txBody>
+          <a:bodyPr wrap="none" rtlCol="0">
+            <a:spAutoFit/>
+          </a:bodyPr>
+          <a:lstStyle/>
+          <a:p>
+            <a:r>
+              <a:rPr lang="en-US" dirty="0"/>
+              <a:t>8</a:t>
+            </a:r>
+          </a:p>
+        </p:txBody>
+      </p:sp>
+      <p:sp>
+        <p:nvSpPr>
+          <p:cNvPr id="10" name="TextBox 9">
+            <a:extLst>
+              <a:ext uri="{FF2B5EF4-FFF2-40B4-BE49-F238E27FC236}">
+                <a16:creationId xmlns:a16="http://schemas.microsoft.com/office/drawing/2014/main" id="{1E1EE2D8-E8FF-014C-92E2-00639E52F9FF}"/>
+              </a:ext>
+            </a:extLst>
+          </p:cNvPr>
+          <p:cNvSpPr txBox="1"/>
+          <p:nvPr/>
+        </p:nvSpPr>
+        <p:spPr>
+          <a:xfrm flipH="1">
+            <a:off x="181939" y="4056185"/>
+            <a:ext cx="792222" cy="369332"/>
+          </a:xfrm>
+          <a:prstGeom prst="rect">
+            <a:avLst/>
+          </a:prstGeom>
+          <a:noFill/>
+        </p:spPr>
+        <p:txBody>
+          <a:bodyPr wrap="square" rtlCol="0">
+            <a:spAutoFit/>
+          </a:bodyPr>
+          <a:lstStyle/>
+          <a:p>
+            <a:r>
+              <a:rPr lang="en-US" dirty="0"/>
+              <a:t>10</a:t>
+            </a:r>
+          </a:p>
+        </p:txBody>
+      </p:sp>
+      <p:sp>
+        <p:nvSpPr>
+          <p:cNvPr id="11" name="TextBox 10">
+            <a:extLst>
+              <a:ext uri="{FF2B5EF4-FFF2-40B4-BE49-F238E27FC236}">
+                <a16:creationId xmlns:a16="http://schemas.microsoft.com/office/drawing/2014/main" id="{3400A563-AC15-9045-9BED-285361913347}"/>
+              </a:ext>
+            </a:extLst>
+          </p:cNvPr>
+          <p:cNvSpPr txBox="1"/>
+          <p:nvPr/>
+        </p:nvSpPr>
+        <p:spPr>
+          <a:xfrm>
+            <a:off x="1344700" y="4056185"/>
+            <a:ext cx="301686" cy="369332"/>
+          </a:xfrm>
+          <a:prstGeom prst="rect">
+            <a:avLst/>
+          </a:prstGeom>
+          <a:noFill/>
+        </p:spPr>
+        <p:txBody>
+          <a:bodyPr wrap="none" rtlCol="0">
+            <a:spAutoFit/>
+          </a:bodyPr>
+          <a:lstStyle/>
+          <a:p>
+            <a:r>
+              <a:rPr lang="en-US" dirty="0"/>
+              <a:t>4</a:t>
+            </a:r>
+          </a:p>
+        </p:txBody>
+      </p:sp>
+      <p:sp>
+        <p:nvSpPr>
+          <p:cNvPr id="12" name="TextBox 11">
+            <a:extLst>
+              <a:ext uri="{FF2B5EF4-FFF2-40B4-BE49-F238E27FC236}">
+                <a16:creationId xmlns:a16="http://schemas.microsoft.com/office/drawing/2014/main" id="{A5C22C81-B222-B343-951E-38CFDA2189D4}"/>
+              </a:ext>
+            </a:extLst>
+          </p:cNvPr>
+          <p:cNvSpPr txBox="1"/>
+          <p:nvPr/>
+        </p:nvSpPr>
+        <p:spPr>
+          <a:xfrm>
+            <a:off x="2185713" y="3540642"/>
+            <a:ext cx="301686" cy="369332"/>
+          </a:xfrm>
+          <a:prstGeom prst="rect">
+            <a:avLst/>
+          </a:prstGeom>
+          <a:noFill/>
+        </p:spPr>
+        <p:txBody>
+          <a:bodyPr wrap="none" rtlCol="0">
+            <a:spAutoFit/>
+          </a:bodyPr>
+          <a:lstStyle/>
+          <a:p>
+            <a:r>
+              <a:rPr lang="en-US" dirty="0"/>
+              <a:t>7</a:t>
+            </a:r>
+          </a:p>
+        </p:txBody>
+      </p:sp>
+      <p:sp>
+        <p:nvSpPr>
+          <p:cNvPr id="13" name="TextBox 12">
+            <a:extLst>
+              <a:ext uri="{FF2B5EF4-FFF2-40B4-BE49-F238E27FC236}">
+                <a16:creationId xmlns:a16="http://schemas.microsoft.com/office/drawing/2014/main" id="{E059BC82-60B8-1845-B570-1B3D21A6896E}"/>
+              </a:ext>
+            </a:extLst>
+          </p:cNvPr>
+          <p:cNvSpPr txBox="1"/>
+          <p:nvPr/>
+        </p:nvSpPr>
+        <p:spPr>
+          <a:xfrm>
+            <a:off x="2185713" y="4056185"/>
+            <a:ext cx="301686" cy="369332"/>
+          </a:xfrm>
+          <a:prstGeom prst="rect">
+            <a:avLst/>
+          </a:prstGeom>
+          <a:noFill/>
+        </p:spPr>
+        <p:txBody>
+          <a:bodyPr wrap="none" rtlCol="0">
+            <a:spAutoFit/>
+          </a:bodyPr>
+          <a:lstStyle/>
+          <a:p>
+            <a:r>
+              <a:rPr lang="en-US" dirty="0"/>
+              <a:t>9</a:t>
+            </a:r>
+          </a:p>
+        </p:txBody>
+      </p:sp>
+      <p:sp>
+        <p:nvSpPr>
+          <p:cNvPr id="14" name="TextBox 13">
+            <a:extLst>
+              <a:ext uri="{FF2B5EF4-FFF2-40B4-BE49-F238E27FC236}">
+                <a16:creationId xmlns:a16="http://schemas.microsoft.com/office/drawing/2014/main" id="{AFB1FCA9-91C2-2A40-BD58-CEEC5FAD31FD}"/>
+              </a:ext>
+            </a:extLst>
+          </p:cNvPr>
+          <p:cNvSpPr txBox="1"/>
+          <p:nvPr/>
+        </p:nvSpPr>
+        <p:spPr>
+          <a:xfrm>
+            <a:off x="213346" y="4701181"/>
+            <a:ext cx="301686" cy="369332"/>
+          </a:xfrm>
+          <a:prstGeom prst="rect">
+            <a:avLst/>
+          </a:prstGeom>
+          <a:noFill/>
+        </p:spPr>
+        <p:txBody>
+          <a:bodyPr wrap="none" rtlCol="0">
+            <a:spAutoFit/>
+          </a:bodyPr>
+          <a:lstStyle/>
+          <a:p>
+            <a:r>
+              <a:rPr lang="en-US" dirty="0"/>
+              <a:t>6</a:t>
+            </a:r>
+          </a:p>
+        </p:txBody>
+      </p:sp>
+      <p:sp>
+        <p:nvSpPr>
+          <p:cNvPr id="15" name="TextBox 14">
+            <a:extLst>
+              <a:ext uri="{FF2B5EF4-FFF2-40B4-BE49-F238E27FC236}">
+                <a16:creationId xmlns:a16="http://schemas.microsoft.com/office/drawing/2014/main" id="{D22307DD-7789-1D47-9178-993BBBC6ADC7}"/>
+              </a:ext>
+            </a:extLst>
+          </p:cNvPr>
+          <p:cNvSpPr txBox="1"/>
+          <p:nvPr/>
+        </p:nvSpPr>
+        <p:spPr>
+          <a:xfrm>
+            <a:off x="1344700" y="4701181"/>
+            <a:ext cx="301686" cy="369332"/>
+          </a:xfrm>
+          <a:prstGeom prst="rect">
+            <a:avLst/>
+          </a:prstGeom>
+          <a:noFill/>
+        </p:spPr>
+        <p:txBody>
+          <a:bodyPr wrap="none" rtlCol="0">
+            <a:spAutoFit/>
+          </a:bodyPr>
+          <a:lstStyle/>
+          <a:p>
+            <a:r>
+              <a:rPr lang="en-US" dirty="0"/>
+              <a:t>3</a:t>
+            </a:r>
+          </a:p>
+        </p:txBody>
+      </p:sp>
+      <p:sp>
+        <p:nvSpPr>
+          <p:cNvPr id="16" name="TextBox 15">
+            <a:extLst>
+              <a:ext uri="{FF2B5EF4-FFF2-40B4-BE49-F238E27FC236}">
+                <a16:creationId xmlns:a16="http://schemas.microsoft.com/office/drawing/2014/main" id="{8E4E2368-C3C1-E040-9DA5-68F98C384F13}"/>
+              </a:ext>
+            </a:extLst>
+          </p:cNvPr>
+          <p:cNvSpPr txBox="1"/>
+          <p:nvPr/>
+        </p:nvSpPr>
+        <p:spPr>
+          <a:xfrm>
+            <a:off x="2171221" y="4665266"/>
+            <a:ext cx="301686" cy="369332"/>
+          </a:xfrm>
+          <a:prstGeom prst="rect">
+            <a:avLst/>
+          </a:prstGeom>
+          <a:noFill/>
+        </p:spPr>
+        <p:txBody>
+          <a:bodyPr wrap="none" rtlCol="0">
+            <a:spAutoFit/>
+          </a:bodyPr>
+          <a:lstStyle/>
+          <a:p>
+            <a:r>
+              <a:rPr lang="en-US" dirty="0"/>
+              <a:t>5</a:t>
+            </a:r>
+          </a:p>
+        </p:txBody>
+      </p:sp>
+    </p:spTree>
+    <p:extLst>
+      <p:ext uri="{BB962C8B-B14F-4D97-AF65-F5344CB8AC3E}">
+        <p14:creationId xmlns:p14="http://schemas.microsoft.com/office/powerpoint/2010/main" val="3545952431"/>
+      </p:ext>
+    </p:extLst>
+  </p:cSld>
+  <p:clrMapOvr>
+    <a:masterClrMapping/>
+  </p:clrMapOvr>
+</p:sld>
+</file>
+
 <file path=ppt/theme/theme1.xml><?xml version="1.0" encoding="utf-8"?>
 <a:theme xmlns:a="http://schemas.openxmlformats.org/drawingml/2006/main" name="Office Theme">
   <a:themeElements>

--- a/v6/figs/test-data-1.pptx
+++ b/v6/figs/test-data-1.pptx
@@ -8,7 +8,10 @@
     <p:sldId id="256" r:id="rId2"/>
     <p:sldId id="257" r:id="rId3"/>
     <p:sldId id="258" r:id="rId4"/>
-    <p:sldId id="259" r:id="rId5"/>
+    <p:sldId id="262" r:id="rId5"/>
+    <p:sldId id="263" r:id="rId6"/>
+    <p:sldId id="264" r:id="rId7"/>
+    <p:sldId id="259" r:id="rId8"/>
   </p:sldIdLst>
   <p:sldSz cx="12192000" cy="6858000"/>
   <p:notesSz cx="6858000" cy="9144000"/>
@@ -7256,10 +7259,9 @@
           <a:lstStyle/>
           <a:p>
             <a:r>
-              <a:rPr lang="en-US" sz="2400"/>
-              <a:t>Clustering first</a:t>
+              <a:rPr lang="en-US" sz="2400" dirty="0"/>
+              <a:t>Clustering first – z results</a:t>
             </a:r>
-            <a:endParaRPr lang="en-US" sz="2400" dirty="0"/>
           </a:p>
         </p:txBody>
       </p:sp>
@@ -7359,41 +7361,6 @@
           <a:chExt cx="0" cy="0"/>
         </a:xfrm>
       </p:grpSpPr>
-      <p:sp>
-        <p:nvSpPr>
-          <p:cNvPr id="2" name="Title 1">
-            <a:extLst>
-              <a:ext uri="{FF2B5EF4-FFF2-40B4-BE49-F238E27FC236}">
-                <a16:creationId xmlns:a16="http://schemas.microsoft.com/office/drawing/2014/main" id="{085B9FC7-B83C-6D45-9658-A1E39C6535DC}"/>
-              </a:ext>
-            </a:extLst>
-          </p:cNvPr>
-          <p:cNvSpPr>
-            <a:spLocks noGrp="1"/>
-          </p:cNvSpPr>
-          <p:nvPr>
-            <p:ph type="title"/>
-          </p:nvPr>
-        </p:nvSpPr>
-        <p:spPr>
-          <a:xfrm>
-            <a:off x="838200" y="343860"/>
-            <a:ext cx="10515600" cy="517377"/>
-          </a:xfrm>
-        </p:spPr>
-        <p:txBody>
-          <a:bodyPr>
-            <a:noAutofit/>
-          </a:bodyPr>
-          <a:lstStyle/>
-          <a:p>
-            <a:r>
-              <a:rPr lang="en-US" sz="3200" dirty="0"/>
-              <a:t>Adjacency matrix</a:t>
-            </a:r>
-          </a:p>
-        </p:txBody>
-      </p:sp>
       <p:graphicFrame>
         <p:nvGraphicFramePr>
           <p:cNvPr id="35" name="Table 34">
@@ -7409,14 +7376,14 @@
           <p:nvPr>
             <p:extLst>
               <p:ext uri="{D42A27DB-BD31-4B8C-83A1-F6EECF244321}">
-                <p14:modId xmlns:p14="http://schemas.microsoft.com/office/powerpoint/2010/main" val="2269587220"/>
+                <p14:modId xmlns:p14="http://schemas.microsoft.com/office/powerpoint/2010/main" val="904936009"/>
               </p:ext>
             </p:extLst>
           </p:nvPr>
         </p:nvGraphicFramePr>
         <p:xfrm>
-          <a:off x="4559398" y="1077950"/>
-          <a:ext cx="7450663" cy="5645892"/>
+          <a:off x="5326912" y="1414130"/>
+          <a:ext cx="6629777" cy="5312470"/>
         </p:xfrm>
         <a:graphic>
           <a:graphicData uri="http://schemas.openxmlformats.org/drawingml/2006/table">
@@ -7425,77 +7392,77 @@
                 <a:tableStyleId>{5C22544A-7EE6-4342-B048-85BDC9FD1C3A}</a:tableStyleId>
               </a:tblPr>
               <a:tblGrid>
-                <a:gridCol w="677333">
+                <a:gridCol w="602707">
                   <a:extLst>
                     <a:ext uri="{9D8B030D-6E8A-4147-A177-3AD203B41FA5}">
                       <a16:colId xmlns:a16="http://schemas.microsoft.com/office/drawing/2014/main" val="3382499790"/>
                     </a:ext>
                   </a:extLst>
                 </a:gridCol>
-                <a:gridCol w="677333">
+                <a:gridCol w="602707">
                   <a:extLst>
                     <a:ext uri="{9D8B030D-6E8A-4147-A177-3AD203B41FA5}">
                       <a16:colId xmlns:a16="http://schemas.microsoft.com/office/drawing/2014/main" val="2840473121"/>
                     </a:ext>
                   </a:extLst>
                 </a:gridCol>
-                <a:gridCol w="677333">
+                <a:gridCol w="602707">
                   <a:extLst>
                     <a:ext uri="{9D8B030D-6E8A-4147-A177-3AD203B41FA5}">
                       <a16:colId xmlns:a16="http://schemas.microsoft.com/office/drawing/2014/main" val="1020499543"/>
                     </a:ext>
                   </a:extLst>
                 </a:gridCol>
-                <a:gridCol w="677333">
+                <a:gridCol w="602707">
                   <a:extLst>
                     <a:ext uri="{9D8B030D-6E8A-4147-A177-3AD203B41FA5}">
                       <a16:colId xmlns:a16="http://schemas.microsoft.com/office/drawing/2014/main" val="763296561"/>
                     </a:ext>
                   </a:extLst>
                 </a:gridCol>
-                <a:gridCol w="677333">
+                <a:gridCol w="602707">
                   <a:extLst>
                     <a:ext uri="{9D8B030D-6E8A-4147-A177-3AD203B41FA5}">
                       <a16:colId xmlns:a16="http://schemas.microsoft.com/office/drawing/2014/main" val="2674329282"/>
                     </a:ext>
                   </a:extLst>
                 </a:gridCol>
-                <a:gridCol w="677333">
+                <a:gridCol w="602707">
                   <a:extLst>
                     <a:ext uri="{9D8B030D-6E8A-4147-A177-3AD203B41FA5}">
                       <a16:colId xmlns:a16="http://schemas.microsoft.com/office/drawing/2014/main" val="2835177305"/>
                     </a:ext>
                   </a:extLst>
                 </a:gridCol>
-                <a:gridCol w="677333">
+                <a:gridCol w="602707">
                   <a:extLst>
                     <a:ext uri="{9D8B030D-6E8A-4147-A177-3AD203B41FA5}">
                       <a16:colId xmlns:a16="http://schemas.microsoft.com/office/drawing/2014/main" val="2104659244"/>
                     </a:ext>
                   </a:extLst>
                 </a:gridCol>
-                <a:gridCol w="677333">
+                <a:gridCol w="602707">
                   <a:extLst>
                     <a:ext uri="{9D8B030D-6E8A-4147-A177-3AD203B41FA5}">
                       <a16:colId xmlns:a16="http://schemas.microsoft.com/office/drawing/2014/main" val="3185212664"/>
                     </a:ext>
                   </a:extLst>
                 </a:gridCol>
-                <a:gridCol w="677333">
+                <a:gridCol w="602707">
                   <a:extLst>
                     <a:ext uri="{9D8B030D-6E8A-4147-A177-3AD203B41FA5}">
                       <a16:colId xmlns:a16="http://schemas.microsoft.com/office/drawing/2014/main" val="3152940129"/>
                     </a:ext>
                   </a:extLst>
                 </a:gridCol>
-                <a:gridCol w="677333">
+                <a:gridCol w="602707">
                   <a:extLst>
                     <a:ext uri="{9D8B030D-6E8A-4147-A177-3AD203B41FA5}">
                       <a16:colId xmlns:a16="http://schemas.microsoft.com/office/drawing/2014/main" val="4032822331"/>
                     </a:ext>
                   </a:extLst>
                 </a:gridCol>
-                <a:gridCol w="677333">
+                <a:gridCol w="602707">
                   <a:extLst>
                     <a:ext uri="{9D8B030D-6E8A-4147-A177-3AD203B41FA5}">
                       <a16:colId xmlns:a16="http://schemas.microsoft.com/office/drawing/2014/main" val="149262565"/>
@@ -7503,14 +7470,14 @@
                   </a:extLst>
                 </a:gridCol>
               </a:tblGrid>
-              <a:tr h="470491">
-                <a:tc>
-                  <a:txBody>
-                    <a:bodyPr/>
-                    <a:lstStyle/>
-                    <a:p>
-                      <a:pPr algn="ctr"/>
-                      <a:endParaRPr lang="en-US" b="0" dirty="0">
+              <a:tr h="425913">
+                <a:tc>
+                  <a:txBody>
+                    <a:bodyPr/>
+                    <a:lstStyle/>
+                    <a:p>
+                      <a:pPr algn="ctr"/>
+                      <a:endParaRPr lang="en-US" sz="1600" b="0" dirty="0">
                         <a:solidFill>
                           <a:schemeClr val="bg1"/>
                         </a:solidFill>
@@ -7530,7 +7497,7 @@
                     <a:p>
                       <a:pPr algn="ctr"/>
                       <a:r>
-                        <a:rPr lang="en-US" b="0" dirty="0"/>
+                        <a:rPr lang="en-US" sz="1600" b="0" dirty="0"/>
                         <a:t>1</a:t>
                       </a:r>
                     </a:p>
@@ -7544,7 +7511,7 @@
                     <a:p>
                       <a:pPr algn="ctr"/>
                       <a:r>
-                        <a:rPr lang="en-US" b="0" dirty="0"/>
+                        <a:rPr lang="en-US" sz="1600" b="0" dirty="0"/>
                         <a:t>2</a:t>
                       </a:r>
                     </a:p>
@@ -7558,7 +7525,7 @@
                     <a:p>
                       <a:pPr algn="ctr"/>
                       <a:r>
-                        <a:rPr lang="en-US" b="0" dirty="0"/>
+                        <a:rPr lang="en-US" sz="1600" b="0" dirty="0"/>
                         <a:t>3</a:t>
                       </a:r>
                     </a:p>
@@ -7572,7 +7539,7 @@
                     <a:p>
                       <a:pPr algn="ctr"/>
                       <a:r>
-                        <a:rPr lang="en-US" b="0" dirty="0"/>
+                        <a:rPr lang="en-US" sz="1600" b="0" dirty="0"/>
                         <a:t>4</a:t>
                       </a:r>
                     </a:p>
@@ -7586,7 +7553,7 @@
                     <a:p>
                       <a:pPr algn="ctr"/>
                       <a:r>
-                        <a:rPr lang="en-US" b="0" dirty="0"/>
+                        <a:rPr lang="en-US" sz="1600" b="0" dirty="0"/>
                         <a:t>5</a:t>
                       </a:r>
                     </a:p>
@@ -7600,7 +7567,7 @@
                     <a:p>
                       <a:pPr algn="ctr"/>
                       <a:r>
-                        <a:rPr lang="en-US" b="0" dirty="0"/>
+                        <a:rPr lang="en-US" sz="1600" b="0" dirty="0"/>
                         <a:t>6</a:t>
                       </a:r>
                     </a:p>
@@ -7614,7 +7581,7 @@
                     <a:p>
                       <a:pPr algn="ctr"/>
                       <a:r>
-                        <a:rPr lang="en-US" b="0" dirty="0"/>
+                        <a:rPr lang="en-US" sz="1600" b="0" dirty="0"/>
                         <a:t>7</a:t>
                       </a:r>
                     </a:p>
@@ -7628,7 +7595,7 @@
                     <a:p>
                       <a:pPr algn="ctr"/>
                       <a:r>
-                        <a:rPr lang="en-US" b="0" dirty="0"/>
+                        <a:rPr lang="en-US" sz="1600" b="0" dirty="0"/>
                         <a:t>8</a:t>
                       </a:r>
                     </a:p>
@@ -7642,7 +7609,7 @@
                     <a:p>
                       <a:pPr algn="ctr"/>
                       <a:r>
-                        <a:rPr lang="en-US" b="0" dirty="0"/>
+                        <a:rPr lang="en-US" sz="1600" b="0" dirty="0"/>
                         <a:t>9</a:t>
                       </a:r>
                     </a:p>
@@ -7656,7 +7623,7 @@
                     <a:p>
                       <a:pPr algn="ctr"/>
                       <a:r>
-                        <a:rPr lang="en-US" b="0" dirty="0"/>
+                        <a:rPr lang="en-US" sz="1600" b="0" dirty="0"/>
                         <a:t>10</a:t>
                       </a:r>
                     </a:p>
@@ -7669,15 +7636,15 @@
                   </a:ext>
                 </a:extLst>
               </a:tr>
-              <a:tr h="470491">
-                <a:tc>
-                  <a:txBody>
-                    <a:bodyPr/>
-                    <a:lstStyle/>
-                    <a:p>
-                      <a:pPr algn="ctr"/>
-                      <a:r>
-                        <a:rPr lang="en-US" dirty="0">
+              <a:tr h="627427">
+                <a:tc>
+                  <a:txBody>
+                    <a:bodyPr/>
+                    <a:lstStyle/>
+                    <a:p>
+                      <a:pPr algn="ctr"/>
+                      <a:r>
+                        <a:rPr lang="en-US" sz="1600" dirty="0">
                           <a:solidFill>
                             <a:schemeClr val="bg1"/>
                           </a:solidFill>
@@ -7698,106 +7665,106 @@
                     <a:lstStyle/>
                     <a:p>
                       <a:pPr algn="ctr"/>
-                      <a:endParaRPr lang="en-US" dirty="0"/>
-                    </a:p>
-                  </a:txBody>
-                  <a:tcPr anchor="ctr"/>
-                </a:tc>
-                <a:tc>
-                  <a:txBody>
-                    <a:bodyPr/>
-                    <a:lstStyle/>
-                    <a:p>
-                      <a:pPr algn="ctr"/>
-                      <a:endParaRPr lang="en-US"/>
-                    </a:p>
-                  </a:txBody>
-                  <a:tcPr anchor="ctr"/>
-                </a:tc>
-                <a:tc>
-                  <a:txBody>
-                    <a:bodyPr/>
-                    <a:lstStyle/>
-                    <a:p>
-                      <a:pPr algn="ctr"/>
-                      <a:endParaRPr lang="en-US"/>
-                    </a:p>
-                  </a:txBody>
-                  <a:tcPr anchor="ctr"/>
-                </a:tc>
-                <a:tc>
-                  <a:txBody>
-                    <a:bodyPr/>
-                    <a:lstStyle/>
-                    <a:p>
-                      <a:pPr algn="ctr"/>
-                      <a:endParaRPr lang="en-US"/>
-                    </a:p>
-                  </a:txBody>
-                  <a:tcPr anchor="ctr"/>
-                </a:tc>
-                <a:tc>
-                  <a:txBody>
-                    <a:bodyPr/>
-                    <a:lstStyle/>
-                    <a:p>
-                      <a:pPr algn="ctr"/>
-                      <a:endParaRPr lang="en-US"/>
-                    </a:p>
-                  </a:txBody>
-                  <a:tcPr anchor="ctr"/>
-                </a:tc>
-                <a:tc>
-                  <a:txBody>
-                    <a:bodyPr/>
-                    <a:lstStyle/>
-                    <a:p>
-                      <a:pPr algn="ctr"/>
-                      <a:endParaRPr lang="en-US"/>
-                    </a:p>
-                  </a:txBody>
-                  <a:tcPr anchor="ctr"/>
-                </a:tc>
-                <a:tc>
-                  <a:txBody>
-                    <a:bodyPr/>
-                    <a:lstStyle/>
-                    <a:p>
-                      <a:pPr algn="ctr"/>
-                      <a:endParaRPr lang="en-US"/>
-                    </a:p>
-                  </a:txBody>
-                  <a:tcPr anchor="ctr"/>
-                </a:tc>
-                <a:tc>
-                  <a:txBody>
-                    <a:bodyPr/>
-                    <a:lstStyle/>
-                    <a:p>
-                      <a:pPr algn="ctr"/>
-                      <a:endParaRPr lang="en-US"/>
-                    </a:p>
-                  </a:txBody>
-                  <a:tcPr anchor="ctr"/>
-                </a:tc>
-                <a:tc>
-                  <a:txBody>
-                    <a:bodyPr/>
-                    <a:lstStyle/>
-                    <a:p>
-                      <a:pPr algn="ctr"/>
-                      <a:endParaRPr lang="en-US" dirty="0"/>
-                    </a:p>
-                  </a:txBody>
-                  <a:tcPr anchor="ctr"/>
-                </a:tc>
-                <a:tc>
-                  <a:txBody>
-                    <a:bodyPr/>
-                    <a:lstStyle/>
-                    <a:p>
-                      <a:pPr algn="ctr"/>
-                      <a:endParaRPr lang="en-US"/>
+                      <a:endParaRPr lang="en-US" sz="1600" dirty="0"/>
+                    </a:p>
+                  </a:txBody>
+                  <a:tcPr anchor="ctr"/>
+                </a:tc>
+                <a:tc>
+                  <a:txBody>
+                    <a:bodyPr/>
+                    <a:lstStyle/>
+                    <a:p>
+                      <a:pPr algn="ctr"/>
+                      <a:endParaRPr lang="en-US" sz="1600"/>
+                    </a:p>
+                  </a:txBody>
+                  <a:tcPr anchor="ctr"/>
+                </a:tc>
+                <a:tc>
+                  <a:txBody>
+                    <a:bodyPr/>
+                    <a:lstStyle/>
+                    <a:p>
+                      <a:pPr algn="ctr"/>
+                      <a:endParaRPr lang="en-US" sz="1600"/>
+                    </a:p>
+                  </a:txBody>
+                  <a:tcPr anchor="ctr"/>
+                </a:tc>
+                <a:tc>
+                  <a:txBody>
+                    <a:bodyPr/>
+                    <a:lstStyle/>
+                    <a:p>
+                      <a:pPr algn="ctr"/>
+                      <a:endParaRPr lang="en-US" sz="1600"/>
+                    </a:p>
+                  </a:txBody>
+                  <a:tcPr anchor="ctr"/>
+                </a:tc>
+                <a:tc>
+                  <a:txBody>
+                    <a:bodyPr/>
+                    <a:lstStyle/>
+                    <a:p>
+                      <a:pPr algn="ctr"/>
+                      <a:endParaRPr lang="en-US" sz="1600"/>
+                    </a:p>
+                  </a:txBody>
+                  <a:tcPr anchor="ctr"/>
+                </a:tc>
+                <a:tc>
+                  <a:txBody>
+                    <a:bodyPr/>
+                    <a:lstStyle/>
+                    <a:p>
+                      <a:pPr algn="ctr"/>
+                      <a:endParaRPr lang="en-US" sz="1600"/>
+                    </a:p>
+                  </a:txBody>
+                  <a:tcPr anchor="ctr"/>
+                </a:tc>
+                <a:tc>
+                  <a:txBody>
+                    <a:bodyPr/>
+                    <a:lstStyle/>
+                    <a:p>
+                      <a:pPr algn="ctr"/>
+                      <a:endParaRPr lang="en-US" sz="1600"/>
+                    </a:p>
+                  </a:txBody>
+                  <a:tcPr anchor="ctr"/>
+                </a:tc>
+                <a:tc>
+                  <a:txBody>
+                    <a:bodyPr/>
+                    <a:lstStyle/>
+                    <a:p>
+                      <a:pPr algn="ctr"/>
+                      <a:endParaRPr lang="en-US" sz="1600"/>
+                    </a:p>
+                  </a:txBody>
+                  <a:tcPr anchor="ctr"/>
+                </a:tc>
+                <a:tc>
+                  <a:txBody>
+                    <a:bodyPr/>
+                    <a:lstStyle/>
+                    <a:p>
+                      <a:pPr algn="ctr"/>
+                      <a:endParaRPr lang="en-US" sz="1600" dirty="0"/>
+                    </a:p>
+                  </a:txBody>
+                  <a:tcPr anchor="ctr"/>
+                </a:tc>
+                <a:tc>
+                  <a:txBody>
+                    <a:bodyPr/>
+                    <a:lstStyle/>
+                    <a:p>
+                      <a:pPr algn="ctr"/>
+                      <a:endParaRPr lang="en-US" sz="1600"/>
                     </a:p>
                   </a:txBody>
                   <a:tcPr anchor="ctr"/>
@@ -7808,15 +7775,15 @@
                   </a:ext>
                 </a:extLst>
               </a:tr>
-              <a:tr h="470491">
-                <a:tc>
-                  <a:txBody>
-                    <a:bodyPr/>
-                    <a:lstStyle/>
-                    <a:p>
-                      <a:pPr algn="ctr"/>
-                      <a:r>
-                        <a:rPr lang="en-US" dirty="0">
+              <a:tr h="425913">
+                <a:tc>
+                  <a:txBody>
+                    <a:bodyPr/>
+                    <a:lstStyle/>
+                    <a:p>
+                      <a:pPr algn="ctr"/>
+                      <a:r>
+                        <a:rPr lang="en-US" sz="1600" dirty="0">
                           <a:solidFill>
                             <a:schemeClr val="bg1"/>
                           </a:solidFill>
@@ -7837,7 +7804,7 @@
                     <a:lstStyle/>
                     <a:p>
                       <a:pPr algn="ctr"/>
-                      <a:endParaRPr lang="en-US" dirty="0"/>
+                      <a:endParaRPr lang="en-US" sz="1600" dirty="0"/>
                     </a:p>
                   </a:txBody>
                   <a:tcPr anchor="ctr">
@@ -7854,95 +7821,95 @@
                     <a:lstStyle/>
                     <a:p>
                       <a:pPr algn="ctr"/>
-                      <a:endParaRPr lang="en-US"/>
-                    </a:p>
-                  </a:txBody>
-                  <a:tcPr anchor="ctr"/>
-                </a:tc>
-                <a:tc>
-                  <a:txBody>
-                    <a:bodyPr/>
-                    <a:lstStyle/>
-                    <a:p>
-                      <a:pPr algn="ctr"/>
-                      <a:endParaRPr lang="en-US"/>
-                    </a:p>
-                  </a:txBody>
-                  <a:tcPr anchor="ctr"/>
-                </a:tc>
-                <a:tc>
-                  <a:txBody>
-                    <a:bodyPr/>
-                    <a:lstStyle/>
-                    <a:p>
-                      <a:pPr algn="ctr"/>
-                      <a:endParaRPr lang="en-US"/>
-                    </a:p>
-                  </a:txBody>
-                  <a:tcPr anchor="ctr"/>
-                </a:tc>
-                <a:tc>
-                  <a:txBody>
-                    <a:bodyPr/>
-                    <a:lstStyle/>
-                    <a:p>
-                      <a:pPr algn="ctr"/>
-                      <a:endParaRPr lang="en-US"/>
-                    </a:p>
-                  </a:txBody>
-                  <a:tcPr anchor="ctr"/>
-                </a:tc>
-                <a:tc>
-                  <a:txBody>
-                    <a:bodyPr/>
-                    <a:lstStyle/>
-                    <a:p>
-                      <a:pPr algn="ctr"/>
-                      <a:endParaRPr lang="en-US"/>
-                    </a:p>
-                  </a:txBody>
-                  <a:tcPr anchor="ctr"/>
-                </a:tc>
-                <a:tc>
-                  <a:txBody>
-                    <a:bodyPr/>
-                    <a:lstStyle/>
-                    <a:p>
-                      <a:pPr algn="ctr"/>
-                      <a:endParaRPr lang="en-US"/>
-                    </a:p>
-                  </a:txBody>
-                  <a:tcPr anchor="ctr"/>
-                </a:tc>
-                <a:tc>
-                  <a:txBody>
-                    <a:bodyPr/>
-                    <a:lstStyle/>
-                    <a:p>
-                      <a:pPr algn="ctr"/>
-                      <a:endParaRPr lang="en-US"/>
-                    </a:p>
-                  </a:txBody>
-                  <a:tcPr anchor="ctr"/>
-                </a:tc>
-                <a:tc>
-                  <a:txBody>
-                    <a:bodyPr/>
-                    <a:lstStyle/>
-                    <a:p>
-                      <a:pPr algn="ctr"/>
-                      <a:endParaRPr lang="en-US" dirty="0"/>
-                    </a:p>
-                  </a:txBody>
-                  <a:tcPr anchor="ctr"/>
-                </a:tc>
-                <a:tc>
-                  <a:txBody>
-                    <a:bodyPr/>
-                    <a:lstStyle/>
-                    <a:p>
-                      <a:pPr algn="ctr"/>
-                      <a:endParaRPr lang="en-US" dirty="0"/>
+                      <a:endParaRPr lang="en-US" sz="1600"/>
+                    </a:p>
+                  </a:txBody>
+                  <a:tcPr anchor="ctr"/>
+                </a:tc>
+                <a:tc>
+                  <a:txBody>
+                    <a:bodyPr/>
+                    <a:lstStyle/>
+                    <a:p>
+                      <a:pPr algn="ctr"/>
+                      <a:endParaRPr lang="en-US" sz="1600"/>
+                    </a:p>
+                  </a:txBody>
+                  <a:tcPr anchor="ctr"/>
+                </a:tc>
+                <a:tc>
+                  <a:txBody>
+                    <a:bodyPr/>
+                    <a:lstStyle/>
+                    <a:p>
+                      <a:pPr algn="ctr"/>
+                      <a:endParaRPr lang="en-US" sz="1600"/>
+                    </a:p>
+                  </a:txBody>
+                  <a:tcPr anchor="ctr"/>
+                </a:tc>
+                <a:tc>
+                  <a:txBody>
+                    <a:bodyPr/>
+                    <a:lstStyle/>
+                    <a:p>
+                      <a:pPr algn="ctr"/>
+                      <a:endParaRPr lang="en-US" sz="1600"/>
+                    </a:p>
+                  </a:txBody>
+                  <a:tcPr anchor="ctr"/>
+                </a:tc>
+                <a:tc>
+                  <a:txBody>
+                    <a:bodyPr/>
+                    <a:lstStyle/>
+                    <a:p>
+                      <a:pPr algn="ctr"/>
+                      <a:endParaRPr lang="en-US" sz="1600"/>
+                    </a:p>
+                  </a:txBody>
+                  <a:tcPr anchor="ctr"/>
+                </a:tc>
+                <a:tc>
+                  <a:txBody>
+                    <a:bodyPr/>
+                    <a:lstStyle/>
+                    <a:p>
+                      <a:pPr algn="ctr"/>
+                      <a:endParaRPr lang="en-US" sz="1600"/>
+                    </a:p>
+                  </a:txBody>
+                  <a:tcPr anchor="ctr"/>
+                </a:tc>
+                <a:tc>
+                  <a:txBody>
+                    <a:bodyPr/>
+                    <a:lstStyle/>
+                    <a:p>
+                      <a:pPr algn="ctr"/>
+                      <a:endParaRPr lang="en-US" sz="1600"/>
+                    </a:p>
+                  </a:txBody>
+                  <a:tcPr anchor="ctr"/>
+                </a:tc>
+                <a:tc>
+                  <a:txBody>
+                    <a:bodyPr/>
+                    <a:lstStyle/>
+                    <a:p>
+                      <a:pPr algn="ctr"/>
+                      <a:endParaRPr lang="en-US" sz="1600" dirty="0"/>
+                    </a:p>
+                  </a:txBody>
+                  <a:tcPr anchor="ctr"/>
+                </a:tc>
+                <a:tc>
+                  <a:txBody>
+                    <a:bodyPr/>
+                    <a:lstStyle/>
+                    <a:p>
+                      <a:pPr algn="ctr"/>
+                      <a:endParaRPr lang="en-US" sz="1600" dirty="0"/>
                     </a:p>
                   </a:txBody>
                   <a:tcPr anchor="ctr"/>
@@ -7953,15 +7920,15 @@
                   </a:ext>
                 </a:extLst>
               </a:tr>
-              <a:tr h="470491">
-                <a:tc>
-                  <a:txBody>
-                    <a:bodyPr/>
-                    <a:lstStyle/>
-                    <a:p>
-                      <a:pPr algn="ctr"/>
-                      <a:r>
-                        <a:rPr lang="en-US" dirty="0">
+              <a:tr h="425913">
+                <a:tc>
+                  <a:txBody>
+                    <a:bodyPr/>
+                    <a:lstStyle/>
+                    <a:p>
+                      <a:pPr algn="ctr"/>
+                      <a:r>
+                        <a:rPr lang="en-US" sz="1600" dirty="0">
                           <a:solidFill>
                             <a:schemeClr val="bg1"/>
                           </a:solidFill>
@@ -7982,18 +7949,18 @@
                     <a:lstStyle/>
                     <a:p>
                       <a:pPr algn="ctr"/>
-                      <a:endParaRPr lang="en-US"/>
-                    </a:p>
-                  </a:txBody>
-                  <a:tcPr anchor="ctr"/>
-                </a:tc>
-                <a:tc>
-                  <a:txBody>
-                    <a:bodyPr/>
-                    <a:lstStyle/>
-                    <a:p>
-                      <a:pPr algn="ctr"/>
-                      <a:endParaRPr lang="en-US" dirty="0"/>
+                      <a:endParaRPr lang="en-US" sz="1600"/>
+                    </a:p>
+                  </a:txBody>
+                  <a:tcPr anchor="ctr"/>
+                </a:tc>
+                <a:tc>
+                  <a:txBody>
+                    <a:bodyPr/>
+                    <a:lstStyle/>
+                    <a:p>
+                      <a:pPr algn="ctr"/>
+                      <a:endParaRPr lang="en-US" sz="1600" dirty="0"/>
                     </a:p>
                   </a:txBody>
                   <a:tcPr anchor="ctr">
@@ -8010,84 +7977,84 @@
                     <a:lstStyle/>
                     <a:p>
                       <a:pPr algn="ctr"/>
-                      <a:endParaRPr lang="en-US"/>
-                    </a:p>
-                  </a:txBody>
-                  <a:tcPr anchor="ctr"/>
-                </a:tc>
-                <a:tc>
-                  <a:txBody>
-                    <a:bodyPr/>
-                    <a:lstStyle/>
-                    <a:p>
-                      <a:pPr algn="ctr"/>
-                      <a:endParaRPr lang="en-US"/>
-                    </a:p>
-                  </a:txBody>
-                  <a:tcPr anchor="ctr"/>
-                </a:tc>
-                <a:tc>
-                  <a:txBody>
-                    <a:bodyPr/>
-                    <a:lstStyle/>
-                    <a:p>
-                      <a:pPr algn="ctr"/>
-                      <a:endParaRPr lang="en-US"/>
-                    </a:p>
-                  </a:txBody>
-                  <a:tcPr anchor="ctr"/>
-                </a:tc>
-                <a:tc>
-                  <a:txBody>
-                    <a:bodyPr/>
-                    <a:lstStyle/>
-                    <a:p>
-                      <a:pPr algn="ctr"/>
-                      <a:endParaRPr lang="en-US"/>
-                    </a:p>
-                  </a:txBody>
-                  <a:tcPr anchor="ctr"/>
-                </a:tc>
-                <a:tc>
-                  <a:txBody>
-                    <a:bodyPr/>
-                    <a:lstStyle/>
-                    <a:p>
-                      <a:pPr algn="ctr"/>
-                      <a:endParaRPr lang="en-US"/>
-                    </a:p>
-                  </a:txBody>
-                  <a:tcPr anchor="ctr"/>
-                </a:tc>
-                <a:tc>
-                  <a:txBody>
-                    <a:bodyPr/>
-                    <a:lstStyle/>
-                    <a:p>
-                      <a:pPr algn="ctr"/>
-                      <a:endParaRPr lang="en-US"/>
-                    </a:p>
-                  </a:txBody>
-                  <a:tcPr anchor="ctr"/>
-                </a:tc>
-                <a:tc>
-                  <a:txBody>
-                    <a:bodyPr/>
-                    <a:lstStyle/>
-                    <a:p>
-                      <a:pPr algn="ctr"/>
-                      <a:endParaRPr lang="en-US"/>
-                    </a:p>
-                  </a:txBody>
-                  <a:tcPr anchor="ctr"/>
-                </a:tc>
-                <a:tc>
-                  <a:txBody>
-                    <a:bodyPr/>
-                    <a:lstStyle/>
-                    <a:p>
-                      <a:pPr algn="ctr"/>
-                      <a:endParaRPr lang="en-US"/>
+                      <a:endParaRPr lang="en-US" sz="1600"/>
+                    </a:p>
+                  </a:txBody>
+                  <a:tcPr anchor="ctr"/>
+                </a:tc>
+                <a:tc>
+                  <a:txBody>
+                    <a:bodyPr/>
+                    <a:lstStyle/>
+                    <a:p>
+                      <a:pPr algn="ctr"/>
+                      <a:endParaRPr lang="en-US" sz="1600"/>
+                    </a:p>
+                  </a:txBody>
+                  <a:tcPr anchor="ctr"/>
+                </a:tc>
+                <a:tc>
+                  <a:txBody>
+                    <a:bodyPr/>
+                    <a:lstStyle/>
+                    <a:p>
+                      <a:pPr algn="ctr"/>
+                      <a:endParaRPr lang="en-US" sz="1600"/>
+                    </a:p>
+                  </a:txBody>
+                  <a:tcPr anchor="ctr"/>
+                </a:tc>
+                <a:tc>
+                  <a:txBody>
+                    <a:bodyPr/>
+                    <a:lstStyle/>
+                    <a:p>
+                      <a:pPr algn="ctr"/>
+                      <a:endParaRPr lang="en-US" sz="1600"/>
+                    </a:p>
+                  </a:txBody>
+                  <a:tcPr anchor="ctr"/>
+                </a:tc>
+                <a:tc>
+                  <a:txBody>
+                    <a:bodyPr/>
+                    <a:lstStyle/>
+                    <a:p>
+                      <a:pPr algn="ctr"/>
+                      <a:endParaRPr lang="en-US" sz="1600"/>
+                    </a:p>
+                  </a:txBody>
+                  <a:tcPr anchor="ctr"/>
+                </a:tc>
+                <a:tc>
+                  <a:txBody>
+                    <a:bodyPr/>
+                    <a:lstStyle/>
+                    <a:p>
+                      <a:pPr algn="ctr"/>
+                      <a:endParaRPr lang="en-US" sz="1600"/>
+                    </a:p>
+                  </a:txBody>
+                  <a:tcPr anchor="ctr"/>
+                </a:tc>
+                <a:tc>
+                  <a:txBody>
+                    <a:bodyPr/>
+                    <a:lstStyle/>
+                    <a:p>
+                      <a:pPr algn="ctr"/>
+                      <a:endParaRPr lang="en-US" sz="1600"/>
+                    </a:p>
+                  </a:txBody>
+                  <a:tcPr anchor="ctr"/>
+                </a:tc>
+                <a:tc>
+                  <a:txBody>
+                    <a:bodyPr/>
+                    <a:lstStyle/>
+                    <a:p>
+                      <a:pPr algn="ctr"/>
+                      <a:endParaRPr lang="en-US" sz="1600"/>
                     </a:p>
                   </a:txBody>
                   <a:tcPr anchor="ctr"/>
@@ -8098,15 +8065,15 @@
                   </a:ext>
                 </a:extLst>
               </a:tr>
-              <a:tr h="470491">
-                <a:tc>
-                  <a:txBody>
-                    <a:bodyPr/>
-                    <a:lstStyle/>
-                    <a:p>
-                      <a:pPr algn="ctr"/>
-                      <a:r>
-                        <a:rPr lang="en-US" dirty="0">
+              <a:tr h="425913">
+                <a:tc>
+                  <a:txBody>
+                    <a:bodyPr/>
+                    <a:lstStyle/>
+                    <a:p>
+                      <a:pPr algn="ctr"/>
+                      <a:r>
+                        <a:rPr lang="en-US" sz="1600" dirty="0">
                           <a:solidFill>
                             <a:schemeClr val="bg1"/>
                           </a:solidFill>
@@ -8128,7 +8095,7 @@
                     <a:p>
                       <a:pPr algn="ctr"/>
                       <a:r>
-                        <a:rPr lang="en-US" dirty="0"/>
+                        <a:rPr lang="en-US" sz="1600" dirty="0"/>
                         <a:t>-</a:t>
                       </a:r>
                     </a:p>
@@ -8148,7 +8115,7 @@
                     <a:p>
                       <a:pPr algn="ctr"/>
                       <a:r>
-                        <a:rPr lang="en-US" dirty="0"/>
+                        <a:rPr lang="en-US" sz="1600" dirty="0"/>
                         <a:t>-</a:t>
                       </a:r>
                     </a:p>
@@ -8167,7 +8134,7 @@
                     <a:lstStyle/>
                     <a:p>
                       <a:pPr algn="ctr"/>
-                      <a:endParaRPr lang="en-US" dirty="0"/>
+                      <a:endParaRPr lang="en-US" sz="1600" dirty="0"/>
                     </a:p>
                   </a:txBody>
                   <a:tcPr anchor="ctr">
@@ -8184,30 +8151,30 @@
                     <a:lstStyle/>
                     <a:p>
                       <a:pPr algn="ctr"/>
-                      <a:endParaRPr lang="en-US"/>
-                    </a:p>
-                  </a:txBody>
-                  <a:tcPr anchor="ctr"/>
-                </a:tc>
-                <a:tc>
-                  <a:txBody>
-                    <a:bodyPr/>
-                    <a:lstStyle/>
-                    <a:p>
-                      <a:pPr algn="ctr"/>
-                      <a:endParaRPr lang="en-US" dirty="0"/>
-                    </a:p>
-                  </a:txBody>
-                  <a:tcPr anchor="ctr"/>
-                </a:tc>
-                <a:tc>
-                  <a:txBody>
-                    <a:bodyPr/>
-                    <a:lstStyle/>
-                    <a:p>
-                      <a:pPr algn="ctr"/>
-                      <a:r>
-                        <a:rPr lang="en-US" dirty="0"/>
+                      <a:endParaRPr lang="en-US" sz="1600"/>
+                    </a:p>
+                  </a:txBody>
+                  <a:tcPr anchor="ctr"/>
+                </a:tc>
+                <a:tc>
+                  <a:txBody>
+                    <a:bodyPr/>
+                    <a:lstStyle/>
+                    <a:p>
+                      <a:pPr algn="ctr"/>
+                      <a:endParaRPr lang="en-US" sz="1600" dirty="0"/>
+                    </a:p>
+                  </a:txBody>
+                  <a:tcPr anchor="ctr"/>
+                </a:tc>
+                <a:tc>
+                  <a:txBody>
+                    <a:bodyPr/>
+                    <a:lstStyle/>
+                    <a:p>
+                      <a:pPr algn="ctr"/>
+                      <a:r>
+                        <a:rPr lang="en-US" sz="1600" dirty="0"/>
                         <a:t>-</a:t>
                       </a:r>
                     </a:p>
@@ -8227,7 +8194,7 @@
                     <a:p>
                       <a:pPr algn="ctr"/>
                       <a:r>
-                        <a:rPr lang="en-US" dirty="0"/>
+                        <a:rPr lang="en-US" sz="1600" dirty="0"/>
                         <a:t>-</a:t>
                       </a:r>
                     </a:p>
@@ -8246,32 +8213,41 @@
                     <a:lstStyle/>
                     <a:p>
                       <a:pPr algn="ctr"/>
-                      <a:endParaRPr lang="en-US"/>
-                    </a:p>
-                  </a:txBody>
-                  <a:tcPr anchor="ctr"/>
-                </a:tc>
-                <a:tc>
-                  <a:txBody>
-                    <a:bodyPr/>
-                    <a:lstStyle/>
-                    <a:p>
-                      <a:pPr algn="ctr"/>
-                      <a:endParaRPr lang="en-US"/>
-                    </a:p>
-                  </a:txBody>
-                  <a:tcPr anchor="ctr"/>
-                </a:tc>
-                <a:tc>
-                  <a:txBody>
-                    <a:bodyPr/>
-                    <a:lstStyle/>
-                    <a:p>
-                      <a:pPr algn="ctr"/>
-                      <a:endParaRPr lang="en-US" dirty="0"/>
-                    </a:p>
-                  </a:txBody>
-                  <a:tcPr anchor="ctr"/>
+                      <a:endParaRPr lang="en-US" sz="1600"/>
+                    </a:p>
+                  </a:txBody>
+                  <a:tcPr anchor="ctr"/>
+                </a:tc>
+                <a:tc>
+                  <a:txBody>
+                    <a:bodyPr/>
+                    <a:lstStyle/>
+                    <a:p>
+                      <a:pPr algn="ctr"/>
+                      <a:endParaRPr lang="en-US" sz="1600"/>
+                    </a:p>
+                  </a:txBody>
+                  <a:tcPr anchor="ctr"/>
+                </a:tc>
+                <a:tc>
+                  <a:txBody>
+                    <a:bodyPr/>
+                    <a:lstStyle/>
+                    <a:p>
+                      <a:pPr algn="ctr"/>
+                      <a:r>
+                        <a:rPr lang="en-US" sz="1600" dirty="0"/>
+                        <a:t>-</a:t>
+                      </a:r>
+                    </a:p>
+                  </a:txBody>
+                  <a:tcPr anchor="ctr">
+                    <a:solidFill>
+                      <a:schemeClr val="bg2">
+                        <a:lumMod val="75000"/>
+                      </a:schemeClr>
+                    </a:solidFill>
+                  </a:tcPr>
                 </a:tc>
                 <a:extLst>
                   <a:ext uri="{0D108BD9-81ED-4DB2-BD59-A6C34878D82A}">
@@ -8279,15 +8255,15 @@
                   </a:ext>
                 </a:extLst>
               </a:tr>
-              <a:tr h="470491">
-                <a:tc>
-                  <a:txBody>
-                    <a:bodyPr/>
-                    <a:lstStyle/>
-                    <a:p>
-                      <a:pPr algn="ctr"/>
-                      <a:r>
-                        <a:rPr lang="en-US" dirty="0">
+              <a:tr h="425913">
+                <a:tc>
+                  <a:txBody>
+                    <a:bodyPr/>
+                    <a:lstStyle/>
+                    <a:p>
+                      <a:pPr algn="ctr"/>
+                      <a:r>
+                        <a:rPr lang="en-US" sz="1600" dirty="0">
                           <a:solidFill>
                             <a:schemeClr val="bg1"/>
                           </a:solidFill>
@@ -8309,7 +8285,7 @@
                     <a:p>
                       <a:pPr algn="ctr"/>
                       <a:r>
-                        <a:rPr lang="en-US" dirty="0"/>
+                        <a:rPr lang="en-US" sz="1600" dirty="0"/>
                         <a:t>-</a:t>
                       </a:r>
                     </a:p>
@@ -8329,7 +8305,7 @@
                     <a:p>
                       <a:pPr algn="ctr"/>
                       <a:r>
-                        <a:rPr lang="en-US" dirty="0"/>
+                        <a:rPr lang="en-US" sz="1600" dirty="0"/>
                         <a:t>-</a:t>
                       </a:r>
                     </a:p>
@@ -8348,18 +8324,18 @@
                     <a:lstStyle/>
                     <a:p>
                       <a:pPr algn="ctr"/>
-                      <a:endParaRPr lang="en-US" dirty="0"/>
-                    </a:p>
-                  </a:txBody>
-                  <a:tcPr anchor="ctr"/>
-                </a:tc>
-                <a:tc>
-                  <a:txBody>
-                    <a:bodyPr/>
-                    <a:lstStyle/>
-                    <a:p>
-                      <a:pPr algn="ctr"/>
-                      <a:endParaRPr lang="en-US" dirty="0"/>
+                      <a:endParaRPr lang="en-US" sz="1600" dirty="0"/>
+                    </a:p>
+                  </a:txBody>
+                  <a:tcPr anchor="ctr"/>
+                </a:tc>
+                <a:tc>
+                  <a:txBody>
+                    <a:bodyPr/>
+                    <a:lstStyle/>
+                    <a:p>
+                      <a:pPr algn="ctr"/>
+                      <a:endParaRPr lang="en-US" sz="1600" dirty="0"/>
                     </a:p>
                   </a:txBody>
                   <a:tcPr anchor="ctr">
@@ -8376,19 +8352,19 @@
                     <a:lstStyle/>
                     <a:p>
                       <a:pPr algn="ctr"/>
-                      <a:endParaRPr lang="en-US"/>
-                    </a:p>
-                  </a:txBody>
-                  <a:tcPr anchor="ctr"/>
-                </a:tc>
-                <a:tc>
-                  <a:txBody>
-                    <a:bodyPr/>
-                    <a:lstStyle/>
-                    <a:p>
-                      <a:pPr algn="ctr"/>
-                      <a:r>
-                        <a:rPr lang="en-US" dirty="0"/>
+                      <a:endParaRPr lang="en-US" sz="1600"/>
+                    </a:p>
+                  </a:txBody>
+                  <a:tcPr anchor="ctr"/>
+                </a:tc>
+                <a:tc>
+                  <a:txBody>
+                    <a:bodyPr/>
+                    <a:lstStyle/>
+                    <a:p>
+                      <a:pPr algn="ctr"/>
+                      <a:r>
+                        <a:rPr lang="en-US" sz="1600" dirty="0"/>
                         <a:t>-</a:t>
                       </a:r>
                     </a:p>
@@ -8408,7 +8384,7 @@
                     <a:p>
                       <a:pPr algn="ctr"/>
                       <a:r>
-                        <a:rPr lang="en-US" dirty="0"/>
+                        <a:rPr lang="en-US" sz="1600" dirty="0"/>
                         <a:t>-</a:t>
                       </a:r>
                     </a:p>
@@ -8427,32 +8403,41 @@
                     <a:lstStyle/>
                     <a:p>
                       <a:pPr algn="ctr"/>
-                      <a:endParaRPr lang="en-US"/>
-                    </a:p>
-                  </a:txBody>
-                  <a:tcPr anchor="ctr"/>
-                </a:tc>
-                <a:tc>
-                  <a:txBody>
-                    <a:bodyPr/>
-                    <a:lstStyle/>
-                    <a:p>
-                      <a:pPr algn="ctr"/>
-                      <a:endParaRPr lang="en-US"/>
-                    </a:p>
-                  </a:txBody>
-                  <a:tcPr anchor="ctr"/>
-                </a:tc>
-                <a:tc>
-                  <a:txBody>
-                    <a:bodyPr/>
-                    <a:lstStyle/>
-                    <a:p>
-                      <a:pPr algn="ctr"/>
-                      <a:endParaRPr lang="en-US"/>
-                    </a:p>
-                  </a:txBody>
-                  <a:tcPr anchor="ctr"/>
+                      <a:endParaRPr lang="en-US" sz="1600"/>
+                    </a:p>
+                  </a:txBody>
+                  <a:tcPr anchor="ctr"/>
+                </a:tc>
+                <a:tc>
+                  <a:txBody>
+                    <a:bodyPr/>
+                    <a:lstStyle/>
+                    <a:p>
+                      <a:pPr algn="ctr"/>
+                      <a:endParaRPr lang="en-US" sz="1600"/>
+                    </a:p>
+                  </a:txBody>
+                  <a:tcPr anchor="ctr"/>
+                </a:tc>
+                <a:tc>
+                  <a:txBody>
+                    <a:bodyPr/>
+                    <a:lstStyle/>
+                    <a:p>
+                      <a:pPr algn="ctr"/>
+                      <a:r>
+                        <a:rPr lang="en-US" sz="1600" dirty="0"/>
+                        <a:t>-</a:t>
+                      </a:r>
+                    </a:p>
+                  </a:txBody>
+                  <a:tcPr anchor="ctr">
+                    <a:solidFill>
+                      <a:schemeClr val="bg2">
+                        <a:lumMod val="75000"/>
+                      </a:schemeClr>
+                    </a:solidFill>
+                  </a:tcPr>
                 </a:tc>
                 <a:extLst>
                   <a:ext uri="{0D108BD9-81ED-4DB2-BD59-A6C34878D82A}">
@@ -8460,15 +8445,15 @@
                   </a:ext>
                 </a:extLst>
               </a:tr>
-              <a:tr h="470491">
-                <a:tc>
-                  <a:txBody>
-                    <a:bodyPr/>
-                    <a:lstStyle/>
-                    <a:p>
-                      <a:pPr algn="ctr"/>
-                      <a:r>
-                        <a:rPr lang="en-US" dirty="0">
+              <a:tr h="425913">
+                <a:tc>
+                  <a:txBody>
+                    <a:bodyPr/>
+                    <a:lstStyle/>
+                    <a:p>
+                      <a:pPr algn="ctr"/>
+                      <a:r>
+                        <a:rPr lang="en-US" sz="1600" dirty="0">
                           <a:solidFill>
                             <a:schemeClr val="bg1"/>
                           </a:solidFill>
@@ -8490,7 +8475,7 @@
                     <a:p>
                       <a:pPr algn="ctr"/>
                       <a:r>
-                        <a:rPr lang="en-US" dirty="0"/>
+                        <a:rPr lang="en-US" sz="1600" dirty="0"/>
                         <a:t>-</a:t>
                       </a:r>
                     </a:p>
@@ -8510,7 +8495,7 @@
                     <a:p>
                       <a:pPr algn="ctr"/>
                       <a:r>
-                        <a:rPr lang="en-US" dirty="0"/>
+                        <a:rPr lang="en-US" sz="1600" dirty="0"/>
                         <a:t>-</a:t>
                       </a:r>
                     </a:p>
@@ -8529,29 +8514,29 @@
                     <a:lstStyle/>
                     <a:p>
                       <a:pPr algn="ctr"/>
-                      <a:endParaRPr lang="en-US"/>
-                    </a:p>
-                  </a:txBody>
-                  <a:tcPr anchor="ctr"/>
-                </a:tc>
-                <a:tc>
-                  <a:txBody>
-                    <a:bodyPr/>
-                    <a:lstStyle/>
-                    <a:p>
-                      <a:pPr algn="ctr"/>
-                      <a:endParaRPr lang="en-US"/>
-                    </a:p>
-                  </a:txBody>
-                  <a:tcPr anchor="ctr"/>
-                </a:tc>
-                <a:tc>
-                  <a:txBody>
-                    <a:bodyPr/>
-                    <a:lstStyle/>
-                    <a:p>
-                      <a:pPr algn="ctr"/>
-                      <a:endParaRPr lang="en-US" dirty="0"/>
+                      <a:endParaRPr lang="en-US" sz="1600"/>
+                    </a:p>
+                  </a:txBody>
+                  <a:tcPr anchor="ctr"/>
+                </a:tc>
+                <a:tc>
+                  <a:txBody>
+                    <a:bodyPr/>
+                    <a:lstStyle/>
+                    <a:p>
+                      <a:pPr algn="ctr"/>
+                      <a:endParaRPr lang="en-US" sz="1600"/>
+                    </a:p>
+                  </a:txBody>
+                  <a:tcPr anchor="ctr"/>
+                </a:tc>
+                <a:tc>
+                  <a:txBody>
+                    <a:bodyPr/>
+                    <a:lstStyle/>
+                    <a:p>
+                      <a:pPr algn="ctr"/>
+                      <a:endParaRPr lang="en-US" sz="1600" dirty="0"/>
                     </a:p>
                   </a:txBody>
                   <a:tcPr anchor="ctr">
@@ -8569,7 +8554,7 @@
                     <a:p>
                       <a:pPr algn="ctr"/>
                       <a:r>
-                        <a:rPr lang="en-US" dirty="0"/>
+                        <a:rPr lang="en-US" sz="1600" dirty="0"/>
                         <a:t>-</a:t>
                       </a:r>
                     </a:p>
@@ -8589,7 +8574,7 @@
                     <a:p>
                       <a:pPr algn="ctr"/>
                       <a:r>
-                        <a:rPr lang="en-US" dirty="0"/>
+                        <a:rPr lang="en-US" sz="1600" dirty="0"/>
                         <a:t>-</a:t>
                       </a:r>
                     </a:p>
@@ -8608,32 +8593,41 @@
                     <a:lstStyle/>
                     <a:p>
                       <a:pPr algn="ctr"/>
-                      <a:endParaRPr lang="en-US"/>
-                    </a:p>
-                  </a:txBody>
-                  <a:tcPr anchor="ctr"/>
-                </a:tc>
-                <a:tc>
-                  <a:txBody>
-                    <a:bodyPr/>
-                    <a:lstStyle/>
-                    <a:p>
-                      <a:pPr algn="ctr"/>
-                      <a:endParaRPr lang="en-US"/>
-                    </a:p>
-                  </a:txBody>
-                  <a:tcPr anchor="ctr"/>
-                </a:tc>
-                <a:tc>
-                  <a:txBody>
-                    <a:bodyPr/>
-                    <a:lstStyle/>
-                    <a:p>
-                      <a:pPr algn="ctr"/>
-                      <a:endParaRPr lang="en-US"/>
-                    </a:p>
-                  </a:txBody>
-                  <a:tcPr anchor="ctr"/>
+                      <a:endParaRPr lang="en-US" sz="1600"/>
+                    </a:p>
+                  </a:txBody>
+                  <a:tcPr anchor="ctr"/>
+                </a:tc>
+                <a:tc>
+                  <a:txBody>
+                    <a:bodyPr/>
+                    <a:lstStyle/>
+                    <a:p>
+                      <a:pPr algn="ctr"/>
+                      <a:endParaRPr lang="en-US" sz="1600"/>
+                    </a:p>
+                  </a:txBody>
+                  <a:tcPr anchor="ctr"/>
+                </a:tc>
+                <a:tc>
+                  <a:txBody>
+                    <a:bodyPr/>
+                    <a:lstStyle/>
+                    <a:p>
+                      <a:pPr algn="ctr"/>
+                      <a:r>
+                        <a:rPr lang="en-US" sz="1600" dirty="0"/>
+                        <a:t>-</a:t>
+                      </a:r>
+                    </a:p>
+                  </a:txBody>
+                  <a:tcPr anchor="ctr">
+                    <a:solidFill>
+                      <a:schemeClr val="bg2">
+                        <a:lumMod val="75000"/>
+                      </a:schemeClr>
+                    </a:solidFill>
+                  </a:tcPr>
                 </a:tc>
                 <a:extLst>
                   <a:ext uri="{0D108BD9-81ED-4DB2-BD59-A6C34878D82A}">
@@ -8641,15 +8635,15 @@
                   </a:ext>
                 </a:extLst>
               </a:tr>
-              <a:tr h="470491">
-                <a:tc>
-                  <a:txBody>
-                    <a:bodyPr/>
-                    <a:lstStyle/>
-                    <a:p>
-                      <a:pPr algn="ctr"/>
-                      <a:r>
-                        <a:rPr lang="en-US" dirty="0">
+              <a:tr h="425913">
+                <a:tc>
+                  <a:txBody>
+                    <a:bodyPr/>
+                    <a:lstStyle/>
+                    <a:p>
+                      <a:pPr algn="ctr"/>
+                      <a:r>
+                        <a:rPr lang="en-US" sz="1600" dirty="0">
                           <a:solidFill>
                             <a:schemeClr val="bg1"/>
                           </a:solidFill>
@@ -8671,7 +8665,7 @@
                     <a:p>
                       <a:pPr algn="ctr"/>
                       <a:r>
-                        <a:rPr lang="en-US" dirty="0"/>
+                        <a:rPr lang="en-US" sz="1600" dirty="0"/>
                         <a:t>-</a:t>
                       </a:r>
                     </a:p>
@@ -8691,7 +8685,7 @@
                     <a:p>
                       <a:pPr algn="ctr"/>
                       <a:r>
-                        <a:rPr lang="en-US" dirty="0"/>
+                        <a:rPr lang="en-US" sz="1600" dirty="0"/>
                         <a:t>-</a:t>
                       </a:r>
                     </a:p>
@@ -8711,7 +8705,7 @@
                     <a:p>
                       <a:pPr algn="ctr"/>
                       <a:r>
-                        <a:rPr lang="en-US" dirty="0"/>
+                        <a:rPr lang="en-US" sz="1600" dirty="0"/>
                         <a:t>-</a:t>
                       </a:r>
                     </a:p>
@@ -8731,7 +8725,7 @@
                     <a:p>
                       <a:pPr algn="ctr"/>
                       <a:r>
-                        <a:rPr lang="en-US" dirty="0"/>
+                        <a:rPr lang="en-US" sz="1600" dirty="0"/>
                         <a:t>-</a:t>
                       </a:r>
                     </a:p>
@@ -8751,7 +8745,7 @@
                     <a:p>
                       <a:pPr algn="ctr"/>
                       <a:r>
-                        <a:rPr lang="en-US" dirty="0"/>
+                        <a:rPr lang="en-US" sz="1600" dirty="0"/>
                         <a:t>-</a:t>
                       </a:r>
                     </a:p>
@@ -8770,7 +8764,7 @@
                     <a:lstStyle/>
                     <a:p>
                       <a:pPr algn="ctr"/>
-                      <a:endParaRPr lang="en-US" dirty="0"/>
+                      <a:endParaRPr lang="en-US" sz="1600" dirty="0"/>
                     </a:p>
                   </a:txBody>
                   <a:tcPr anchor="ctr">
@@ -8787,40 +8781,49 @@
                     <a:lstStyle/>
                     <a:p>
                       <a:pPr algn="ctr"/>
-                      <a:endParaRPr lang="en-US" dirty="0"/>
-                    </a:p>
-                  </a:txBody>
-                  <a:tcPr anchor="ctr"/>
-                </a:tc>
-                <a:tc>
-                  <a:txBody>
-                    <a:bodyPr/>
-                    <a:lstStyle/>
-                    <a:p>
-                      <a:pPr algn="ctr"/>
-                      <a:endParaRPr lang="en-US"/>
-                    </a:p>
-                  </a:txBody>
-                  <a:tcPr anchor="ctr"/>
-                </a:tc>
-                <a:tc>
-                  <a:txBody>
-                    <a:bodyPr/>
-                    <a:lstStyle/>
-                    <a:p>
-                      <a:pPr algn="ctr"/>
-                      <a:endParaRPr lang="en-US"/>
-                    </a:p>
-                  </a:txBody>
-                  <a:tcPr anchor="ctr"/>
-                </a:tc>
-                <a:tc>
-                  <a:txBody>
-                    <a:bodyPr/>
-                    <a:lstStyle/>
-                    <a:p>
-                      <a:pPr algn="ctr"/>
-                      <a:endParaRPr lang="en-US"/>
+                      <a:endParaRPr lang="en-US" sz="1600" dirty="0"/>
+                    </a:p>
+                  </a:txBody>
+                  <a:tcPr anchor="ctr"/>
+                </a:tc>
+                <a:tc>
+                  <a:txBody>
+                    <a:bodyPr/>
+                    <a:lstStyle/>
+                    <a:p>
+                      <a:pPr algn="ctr"/>
+                      <a:endParaRPr lang="en-US" sz="1600"/>
+                    </a:p>
+                  </a:txBody>
+                  <a:tcPr anchor="ctr"/>
+                </a:tc>
+                <a:tc>
+                  <a:txBody>
+                    <a:bodyPr/>
+                    <a:lstStyle/>
+                    <a:p>
+                      <a:pPr algn="ctr"/>
+                      <a:r>
+                        <a:rPr lang="en-US" sz="1600" dirty="0"/>
+                        <a:t>-</a:t>
+                      </a:r>
+                    </a:p>
+                  </a:txBody>
+                  <a:tcPr anchor="ctr">
+                    <a:solidFill>
+                      <a:schemeClr val="bg2">
+                        <a:lumMod val="75000"/>
+                      </a:schemeClr>
+                    </a:solidFill>
+                  </a:tcPr>
+                </a:tc>
+                <a:tc>
+                  <a:txBody>
+                    <a:bodyPr/>
+                    <a:lstStyle/>
+                    <a:p>
+                      <a:pPr algn="ctr"/>
+                      <a:endParaRPr lang="en-US" sz="1600" dirty="0"/>
                     </a:p>
                   </a:txBody>
                   <a:tcPr anchor="ctr"/>
@@ -8831,15 +8834,15 @@
                   </a:ext>
                 </a:extLst>
               </a:tr>
-              <a:tr h="470491">
-                <a:tc>
-                  <a:txBody>
-                    <a:bodyPr/>
-                    <a:lstStyle/>
-                    <a:p>
-                      <a:pPr algn="ctr"/>
-                      <a:r>
-                        <a:rPr lang="en-US" dirty="0">
+              <a:tr h="425913">
+                <a:tc>
+                  <a:txBody>
+                    <a:bodyPr/>
+                    <a:lstStyle/>
+                    <a:p>
+                      <a:pPr algn="ctr"/>
+                      <a:r>
+                        <a:rPr lang="en-US" sz="1600" dirty="0">
                           <a:solidFill>
                             <a:schemeClr val="bg1"/>
                           </a:solidFill>
@@ -8861,7 +8864,7 @@
                     <a:p>
                       <a:pPr algn="ctr"/>
                       <a:r>
-                        <a:rPr lang="en-US" dirty="0"/>
+                        <a:rPr lang="en-US" sz="1600" dirty="0"/>
                         <a:t>-</a:t>
                       </a:r>
                     </a:p>
@@ -8881,7 +8884,7 @@
                     <a:p>
                       <a:pPr algn="ctr"/>
                       <a:r>
-                        <a:rPr lang="en-US" dirty="0"/>
+                        <a:rPr lang="en-US" sz="1600" dirty="0"/>
                         <a:t>-</a:t>
                       </a:r>
                     </a:p>
@@ -8901,7 +8904,7 @@
                     <a:p>
                       <a:pPr algn="ctr"/>
                       <a:r>
-                        <a:rPr lang="en-US" dirty="0"/>
+                        <a:rPr lang="en-US" sz="1600" dirty="0"/>
                         <a:t>-</a:t>
                       </a:r>
                     </a:p>
@@ -8921,7 +8924,7 @@
                     <a:p>
                       <a:pPr algn="ctr"/>
                       <a:r>
-                        <a:rPr lang="en-US" dirty="0"/>
+                        <a:rPr lang="en-US" sz="1600" dirty="0"/>
                         <a:t>-</a:t>
                       </a:r>
                     </a:p>
@@ -8941,7 +8944,7 @@
                     <a:p>
                       <a:pPr algn="ctr"/>
                       <a:r>
-                        <a:rPr lang="en-US" dirty="0"/>
+                        <a:rPr lang="en-US" sz="1600" dirty="0"/>
                         <a:t>-</a:t>
                       </a:r>
                     </a:p>
@@ -8960,18 +8963,18 @@
                     <a:lstStyle/>
                     <a:p>
                       <a:pPr algn="ctr"/>
-                      <a:endParaRPr lang="en-US" dirty="0"/>
-                    </a:p>
-                  </a:txBody>
-                  <a:tcPr anchor="ctr"/>
-                </a:tc>
-                <a:tc>
-                  <a:txBody>
-                    <a:bodyPr/>
-                    <a:lstStyle/>
-                    <a:p>
-                      <a:pPr algn="ctr"/>
-                      <a:endParaRPr lang="en-US" dirty="0"/>
+                      <a:endParaRPr lang="en-US" sz="1600" dirty="0"/>
+                    </a:p>
+                  </a:txBody>
+                  <a:tcPr anchor="ctr"/>
+                </a:tc>
+                <a:tc>
+                  <a:txBody>
+                    <a:bodyPr/>
+                    <a:lstStyle/>
+                    <a:p>
+                      <a:pPr algn="ctr"/>
+                      <a:endParaRPr lang="en-US" sz="1600" dirty="0"/>
                     </a:p>
                   </a:txBody>
                   <a:tcPr anchor="ctr">
@@ -8988,29 +8991,38 @@
                     <a:lstStyle/>
                     <a:p>
                       <a:pPr algn="ctr"/>
-                      <a:endParaRPr lang="en-US"/>
-                    </a:p>
-                  </a:txBody>
-                  <a:tcPr anchor="ctr"/>
-                </a:tc>
-                <a:tc>
-                  <a:txBody>
-                    <a:bodyPr/>
-                    <a:lstStyle/>
-                    <a:p>
-                      <a:pPr algn="ctr"/>
-                      <a:endParaRPr lang="en-US"/>
-                    </a:p>
-                  </a:txBody>
-                  <a:tcPr anchor="ctr"/>
-                </a:tc>
-                <a:tc>
-                  <a:txBody>
-                    <a:bodyPr/>
-                    <a:lstStyle/>
-                    <a:p>
-                      <a:pPr algn="ctr"/>
-                      <a:endParaRPr lang="en-US"/>
+                      <a:endParaRPr lang="en-US" sz="1600"/>
+                    </a:p>
+                  </a:txBody>
+                  <a:tcPr anchor="ctr"/>
+                </a:tc>
+                <a:tc>
+                  <a:txBody>
+                    <a:bodyPr/>
+                    <a:lstStyle/>
+                    <a:p>
+                      <a:pPr algn="ctr"/>
+                      <a:r>
+                        <a:rPr lang="en-US" sz="1600" dirty="0"/>
+                        <a:t>-</a:t>
+                      </a:r>
+                    </a:p>
+                  </a:txBody>
+                  <a:tcPr anchor="ctr">
+                    <a:solidFill>
+                      <a:schemeClr val="bg2">
+                        <a:lumMod val="75000"/>
+                      </a:schemeClr>
+                    </a:solidFill>
+                  </a:tcPr>
+                </a:tc>
+                <a:tc>
+                  <a:txBody>
+                    <a:bodyPr/>
+                    <a:lstStyle/>
+                    <a:p>
+                      <a:pPr algn="ctr"/>
+                      <a:endParaRPr lang="en-US" sz="1600"/>
                     </a:p>
                   </a:txBody>
                   <a:tcPr anchor="ctr"/>
@@ -9021,15 +9033,15 @@
                   </a:ext>
                 </a:extLst>
               </a:tr>
-              <a:tr h="470491">
-                <a:tc>
-                  <a:txBody>
-                    <a:bodyPr/>
-                    <a:lstStyle/>
-                    <a:p>
-                      <a:pPr algn="ctr"/>
-                      <a:r>
-                        <a:rPr lang="en-US" dirty="0">
+              <a:tr h="425913">
+                <a:tc>
+                  <a:txBody>
+                    <a:bodyPr/>
+                    <a:lstStyle/>
+                    <a:p>
+                      <a:pPr algn="ctr"/>
+                      <a:r>
+                        <a:rPr lang="en-US" sz="1600" dirty="0">
                           <a:solidFill>
                             <a:schemeClr val="bg1"/>
                           </a:solidFill>
@@ -9051,7 +9063,7 @@
                     <a:p>
                       <a:pPr algn="ctr"/>
                       <a:r>
-                        <a:rPr lang="en-US" dirty="0"/>
+                        <a:rPr lang="en-US" sz="1600" dirty="0"/>
                         <a:t>-</a:t>
                       </a:r>
                     </a:p>
@@ -9071,7 +9083,7 @@
                     <a:p>
                       <a:pPr algn="ctr"/>
                       <a:r>
-                        <a:rPr lang="en-US" dirty="0"/>
+                        <a:rPr lang="en-US" sz="1600" dirty="0"/>
                         <a:t>-</a:t>
                       </a:r>
                     </a:p>
@@ -9091,7 +9103,7 @@
                     <a:p>
                       <a:pPr algn="ctr"/>
                       <a:r>
-                        <a:rPr lang="en-US" dirty="0"/>
+                        <a:rPr lang="en-US" sz="1600" dirty="0"/>
                         <a:t>-</a:t>
                       </a:r>
                     </a:p>
@@ -9111,7 +9123,7 @@
                     <a:p>
                       <a:pPr algn="ctr"/>
                       <a:r>
-                        <a:rPr lang="en-US" dirty="0"/>
+                        <a:rPr lang="en-US" sz="1600" dirty="0"/>
                         <a:t>-</a:t>
                       </a:r>
                     </a:p>
@@ -9131,7 +9143,7 @@
                     <a:p>
                       <a:pPr algn="ctr"/>
                       <a:r>
-                        <a:rPr lang="en-US" dirty="0"/>
+                        <a:rPr lang="en-US" sz="1600" dirty="0"/>
                         <a:t>-</a:t>
                       </a:r>
                     </a:p>
@@ -9151,7 +9163,7 @@
                     <a:p>
                       <a:pPr algn="ctr"/>
                       <a:r>
-                        <a:rPr lang="en-US" dirty="0"/>
+                        <a:rPr lang="en-US" sz="1600" dirty="0"/>
                         <a:t>-</a:t>
                       </a:r>
                     </a:p>
@@ -9171,7 +9183,7 @@
                     <a:p>
                       <a:pPr algn="ctr"/>
                       <a:r>
-                        <a:rPr lang="en-US" dirty="0"/>
+                        <a:rPr lang="en-US" sz="1600" dirty="0"/>
                         <a:t>-</a:t>
                       </a:r>
                     </a:p>
@@ -9190,7 +9202,7 @@
                     <a:lstStyle/>
                     <a:p>
                       <a:pPr algn="ctr"/>
-                      <a:endParaRPr lang="en-US" dirty="0"/>
+                      <a:endParaRPr lang="en-US" sz="1600" dirty="0"/>
                     </a:p>
                   </a:txBody>
                   <a:tcPr anchor="ctr">
@@ -9208,7 +9220,7 @@
                     <a:p>
                       <a:pPr algn="ctr"/>
                       <a:r>
-                        <a:rPr lang="en-US" dirty="0"/>
+                        <a:rPr lang="en-US" sz="1600" dirty="0"/>
                         <a:t>-</a:t>
                       </a:r>
                     </a:p>
@@ -9228,7 +9240,7 @@
                     <a:p>
                       <a:pPr algn="ctr"/>
                       <a:r>
-                        <a:rPr lang="en-US" dirty="0"/>
+                        <a:rPr lang="en-US" sz="1600" dirty="0"/>
                         <a:t>-</a:t>
                       </a:r>
                     </a:p>
@@ -9247,15 +9259,15 @@
                   </a:ext>
                 </a:extLst>
               </a:tr>
-              <a:tr h="470491">
-                <a:tc>
-                  <a:txBody>
-                    <a:bodyPr/>
-                    <a:lstStyle/>
-                    <a:p>
-                      <a:pPr algn="ctr"/>
-                      <a:r>
-                        <a:rPr lang="en-US" dirty="0">
+              <a:tr h="425913">
+                <a:tc>
+                  <a:txBody>
+                    <a:bodyPr/>
+                    <a:lstStyle/>
+                    <a:p>
+                      <a:pPr algn="ctr"/>
+                      <a:r>
+                        <a:rPr lang="en-US" sz="1600" dirty="0">
                           <a:solidFill>
                             <a:schemeClr val="bg1"/>
                           </a:solidFill>
@@ -9277,7 +9289,7 @@
                     <a:p>
                       <a:pPr algn="ctr"/>
                       <a:r>
-                        <a:rPr lang="en-US" dirty="0"/>
+                        <a:rPr lang="en-US" sz="1600" dirty="0"/>
                         <a:t>-</a:t>
                       </a:r>
                     </a:p>
@@ -9297,7 +9309,7 @@
                     <a:p>
                       <a:pPr algn="ctr"/>
                       <a:r>
-                        <a:rPr lang="en-US" dirty="0"/>
+                        <a:rPr lang="en-US" sz="1600" dirty="0"/>
                         <a:t>-</a:t>
                       </a:r>
                     </a:p>
@@ -9317,7 +9329,7 @@
                     <a:p>
                       <a:pPr algn="ctr"/>
                       <a:r>
-                        <a:rPr lang="en-US" dirty="0"/>
+                        <a:rPr lang="en-US" sz="1600" dirty="0"/>
                         <a:t>-</a:t>
                       </a:r>
                     </a:p>
@@ -9337,7 +9349,7 @@
                     <a:p>
                       <a:pPr algn="ctr"/>
                       <a:r>
-                        <a:rPr lang="en-US" dirty="0"/>
+                        <a:rPr lang="en-US" sz="1600" dirty="0"/>
                         <a:t>-</a:t>
                       </a:r>
                     </a:p>
@@ -9357,7 +9369,7 @@
                     <a:p>
                       <a:pPr algn="ctr"/>
                       <a:r>
-                        <a:rPr lang="en-US" dirty="0"/>
+                        <a:rPr lang="en-US" sz="1600" dirty="0"/>
                         <a:t>-</a:t>
                       </a:r>
                     </a:p>
@@ -9377,7 +9389,7 @@
                     <a:p>
                       <a:pPr algn="ctr"/>
                       <a:r>
-                        <a:rPr lang="en-US" dirty="0"/>
+                        <a:rPr lang="en-US" sz="1600" dirty="0"/>
                         <a:t>-</a:t>
                       </a:r>
                     </a:p>
@@ -9397,7 +9409,7 @@
                     <a:p>
                       <a:pPr algn="ctr"/>
                       <a:r>
-                        <a:rPr lang="en-US" dirty="0"/>
+                        <a:rPr lang="en-US" sz="1600" dirty="0"/>
                         <a:t>-</a:t>
                       </a:r>
                     </a:p>
@@ -9417,7 +9429,7 @@
                     <a:p>
                       <a:pPr algn="ctr"/>
                       <a:r>
-                        <a:rPr lang="en-US" dirty="0"/>
+                        <a:rPr lang="en-US" sz="1600" dirty="0"/>
                         <a:t>-</a:t>
                       </a:r>
                     </a:p>
@@ -9436,7 +9448,7 @@
                     <a:lstStyle/>
                     <a:p>
                       <a:pPr algn="ctr"/>
-                      <a:endParaRPr lang="en-US" dirty="0"/>
+                      <a:endParaRPr lang="en-US" sz="1600" dirty="0"/>
                     </a:p>
                   </a:txBody>
                   <a:tcPr anchor="ctr">
@@ -9454,7 +9466,7 @@
                     <a:p>
                       <a:pPr algn="ctr"/>
                       <a:r>
-                        <a:rPr lang="en-US" dirty="0"/>
+                        <a:rPr lang="en-US" sz="1600" dirty="0"/>
                         <a:t>-</a:t>
                       </a:r>
                     </a:p>
@@ -9473,15 +9485,15 @@
                   </a:ext>
                 </a:extLst>
               </a:tr>
-              <a:tr h="470491">
-                <a:tc>
-                  <a:txBody>
-                    <a:bodyPr/>
-                    <a:lstStyle/>
-                    <a:p>
-                      <a:pPr algn="ctr"/>
-                      <a:r>
-                        <a:rPr lang="en-US" dirty="0">
+              <a:tr h="425913">
+                <a:tc>
+                  <a:txBody>
+                    <a:bodyPr/>
+                    <a:lstStyle/>
+                    <a:p>
+                      <a:pPr algn="ctr"/>
+                      <a:r>
+                        <a:rPr lang="en-US" sz="1600" dirty="0">
                           <a:solidFill>
                             <a:schemeClr val="bg1"/>
                           </a:solidFill>
@@ -9503,7 +9515,7 @@
                     <a:p>
                       <a:pPr algn="ctr"/>
                       <a:r>
-                        <a:rPr lang="en-US" dirty="0"/>
+                        <a:rPr lang="en-US" sz="1600" dirty="0"/>
                         <a:t>-</a:t>
                       </a:r>
                     </a:p>
@@ -9523,7 +9535,7 @@
                     <a:p>
                       <a:pPr algn="ctr"/>
                       <a:r>
-                        <a:rPr lang="en-US" dirty="0"/>
+                        <a:rPr lang="en-US" sz="1600" dirty="0"/>
                         <a:t>-</a:t>
                       </a:r>
                     </a:p>
@@ -9543,7 +9555,7 @@
                     <a:p>
                       <a:pPr algn="ctr"/>
                       <a:r>
-                        <a:rPr lang="en-US" dirty="0"/>
+                        <a:rPr lang="en-US" sz="1600" dirty="0"/>
                         <a:t>-</a:t>
                       </a:r>
                     </a:p>
@@ -9563,7 +9575,7 @@
                     <a:p>
                       <a:pPr algn="ctr"/>
                       <a:r>
-                        <a:rPr lang="en-US" dirty="0"/>
+                        <a:rPr lang="en-US" sz="1600" dirty="0"/>
                         <a:t>-</a:t>
                       </a:r>
                     </a:p>
@@ -9583,7 +9595,7 @@
                     <a:p>
                       <a:pPr algn="ctr"/>
                       <a:r>
-                        <a:rPr lang="en-US" dirty="0"/>
+                        <a:rPr lang="en-US" sz="1600" dirty="0"/>
                         <a:t>-</a:t>
                       </a:r>
                     </a:p>
@@ -9603,7 +9615,7 @@
                     <a:p>
                       <a:pPr algn="ctr"/>
                       <a:r>
-                        <a:rPr lang="en-US" dirty="0"/>
+                        <a:rPr lang="en-US" sz="1600" dirty="0"/>
                         <a:t>-</a:t>
                       </a:r>
                     </a:p>
@@ -9623,7 +9635,7 @@
                     <a:p>
                       <a:pPr algn="ctr"/>
                       <a:r>
-                        <a:rPr lang="en-US" dirty="0"/>
+                        <a:rPr lang="en-US" sz="1600" dirty="0"/>
                         <a:t>-</a:t>
                       </a:r>
                     </a:p>
@@ -9643,7 +9655,7 @@
                     <a:p>
                       <a:pPr algn="ctr"/>
                       <a:r>
-                        <a:rPr lang="en-US" dirty="0"/>
+                        <a:rPr lang="en-US" sz="1600" dirty="0"/>
                         <a:t>-</a:t>
                       </a:r>
                     </a:p>
@@ -9663,7 +9675,7 @@
                     <a:p>
                       <a:pPr algn="ctr"/>
                       <a:r>
-                        <a:rPr lang="en-US" dirty="0"/>
+                        <a:rPr lang="en-US" sz="1600" dirty="0"/>
                         <a:t>-</a:t>
                       </a:r>
                     </a:p>
@@ -9682,7 +9694,7 @@
                     <a:lstStyle/>
                     <a:p>
                       <a:pPr algn="ctr"/>
-                      <a:endParaRPr lang="en-US" dirty="0"/>
+                      <a:endParaRPr lang="en-US" sz="1600" dirty="0"/>
                     </a:p>
                   </a:txBody>
                   <a:tcPr anchor="ctr">
@@ -9717,7 +9729,7 @@
         </p:nvSpPr>
         <p:spPr>
           <a:xfrm>
-            <a:off x="8052388" y="614180"/>
+            <a:off x="8641800" y="953017"/>
             <a:ext cx="451086" cy="369332"/>
           </a:xfrm>
           <a:prstGeom prst="rect">
@@ -9751,8 +9763,8 @@
           <p:nvPr/>
         </p:nvSpPr>
         <p:spPr>
-          <a:xfrm>
-            <a:off x="3702983" y="3716230"/>
+          <a:xfrm rot="16200000">
+            <a:off x="4805712" y="4022648"/>
             <a:ext cx="673069" cy="369332"/>
           </a:xfrm>
           <a:prstGeom prst="rect">
@@ -9775,10 +9787,10 @@
       </p:sp>
       <p:pic>
         <p:nvPicPr>
-          <p:cNvPr id="7" name="Picture 6">
+          <p:cNvPr id="6" name="Picture 5">
             <a:extLst>
               <a:ext uri="{FF2B5EF4-FFF2-40B4-BE49-F238E27FC236}">
-                <a16:creationId xmlns:a16="http://schemas.microsoft.com/office/drawing/2014/main" id="{A02C911F-6868-3945-97FA-DAA51506D619}"/>
+                <a16:creationId xmlns:a16="http://schemas.microsoft.com/office/drawing/2014/main" id="{56190962-8556-F642-8A98-F26C02C801CE}"/>
               </a:ext>
             </a:extLst>
           </p:cNvPr>
@@ -9795,14 +9807,164 @@
         </p:blipFill>
         <p:spPr>
           <a:xfrm>
-            <a:off x="427518" y="2068995"/>
-            <a:ext cx="2746641" cy="3357006"/>
+            <a:off x="1433134" y="1233375"/>
+            <a:ext cx="2595853" cy="3172709"/>
           </a:xfrm>
           <a:prstGeom prst="rect">
             <a:avLst/>
           </a:prstGeom>
         </p:spPr>
       </p:pic>
+      <p:sp>
+        <p:nvSpPr>
+          <p:cNvPr id="8" name="TextBox 7">
+            <a:extLst>
+              <a:ext uri="{FF2B5EF4-FFF2-40B4-BE49-F238E27FC236}">
+                <a16:creationId xmlns:a16="http://schemas.microsoft.com/office/drawing/2014/main" id="{C1DE4CB9-AABC-B646-82DC-F6627BC3B024}"/>
+              </a:ext>
+            </a:extLst>
+          </p:cNvPr>
+          <p:cNvSpPr txBox="1"/>
+          <p:nvPr/>
+        </p:nvSpPr>
+        <p:spPr>
+          <a:xfrm>
+            <a:off x="235311" y="4950604"/>
+            <a:ext cx="4957580" cy="1477328"/>
+          </a:xfrm>
+          <a:prstGeom prst="rect">
+            <a:avLst/>
+          </a:prstGeom>
+          <a:noFill/>
+        </p:spPr>
+        <p:txBody>
+          <a:bodyPr wrap="square" rtlCol="0">
+            <a:spAutoFit/>
+          </a:bodyPr>
+          <a:lstStyle/>
+          <a:p>
+            <a:pPr marL="285750" indent="-285750">
+              <a:buFont typeface="Arial" panose="020B0604020202020204" pitchFamily="34" charset="0"/>
+              <a:buChar char="•"/>
+            </a:pPr>
+            <a:r>
+              <a:rPr lang="en-US" dirty="0"/>
+              <a:t>Can’t go to self</a:t>
+            </a:r>
+          </a:p>
+          <a:p>
+            <a:pPr marL="285750" indent="-285750">
+              <a:buFont typeface="Arial" panose="020B0604020202020204" pitchFamily="34" charset="0"/>
+              <a:buChar char="•"/>
+            </a:pPr>
+            <a:r>
+              <a:rPr lang="en-US" dirty="0"/>
+              <a:t>No restraints if present in same set of samples</a:t>
+            </a:r>
+          </a:p>
+          <a:p>
+            <a:pPr marL="285750" indent="-285750">
+              <a:buFont typeface="Arial" panose="020B0604020202020204" pitchFamily="34" charset="0"/>
+              <a:buChar char="•"/>
+            </a:pPr>
+            <a:r>
+              <a:rPr lang="en-US" dirty="0"/>
+              <a:t>Restraint if # of </a:t>
+            </a:r>
+            <a:r>
+              <a:rPr lang="en-US" dirty="0" err="1"/>
+              <a:t>from.samples</a:t>
+            </a:r>
+            <a:r>
+              <a:rPr lang="en-US" dirty="0"/>
+              <a:t> &lt; # of </a:t>
+            </a:r>
+            <a:r>
+              <a:rPr lang="en-US" dirty="0" err="1"/>
+              <a:t>to.samples</a:t>
+            </a:r>
+            <a:endParaRPr lang="en-US" dirty="0"/>
+          </a:p>
+          <a:p>
+            <a:pPr marL="285750" indent="-285750">
+              <a:buFont typeface="Arial" panose="020B0604020202020204" pitchFamily="34" charset="0"/>
+              <a:buChar char="•"/>
+            </a:pPr>
+            <a:r>
+              <a:rPr lang="en-US" dirty="0"/>
+              <a:t>Restraint if </a:t>
+            </a:r>
+            <a:r>
+              <a:rPr lang="en-US" dirty="0" err="1"/>
+              <a:t>to.samples</a:t>
+            </a:r>
+            <a:r>
+              <a:rPr lang="en-US" dirty="0"/>
+              <a:t> is not subset of </a:t>
+            </a:r>
+            <a:r>
+              <a:rPr lang="en-US" dirty="0" err="1"/>
+              <a:t>from.samples</a:t>
+            </a:r>
+            <a:endParaRPr lang="en-US" dirty="0"/>
+          </a:p>
+        </p:txBody>
+      </p:sp>
+      <p:sp>
+        <p:nvSpPr>
+          <p:cNvPr id="19" name="Title 1">
+            <a:extLst>
+              <a:ext uri="{FF2B5EF4-FFF2-40B4-BE49-F238E27FC236}">
+                <a16:creationId xmlns:a16="http://schemas.microsoft.com/office/drawing/2014/main" id="{31548A45-85C7-1140-B1C9-B8E1EB36CF38}"/>
+              </a:ext>
+            </a:extLst>
+          </p:cNvPr>
+          <p:cNvSpPr txBox="1">
+            <a:spLocks/>
+          </p:cNvSpPr>
+          <p:nvPr/>
+        </p:nvSpPr>
+        <p:spPr>
+          <a:xfrm>
+            <a:off x="838200" y="343860"/>
+            <a:ext cx="10515600" cy="517377"/>
+          </a:xfrm>
+          <a:prstGeom prst="rect">
+            <a:avLst/>
+          </a:prstGeom>
+        </p:spPr>
+        <p:txBody>
+          <a:bodyPr vert="horz" lIns="91440" tIns="45720" rIns="91440" bIns="45720" rtlCol="0" anchor="ctr">
+            <a:noAutofit/>
+          </a:bodyPr>
+          <a:lstStyle>
+            <a:lvl1pPr algn="l" defTabSz="914400" rtl="0" eaLnBrk="1" latinLnBrk="0" hangingPunct="1">
+              <a:lnSpc>
+                <a:spcPct val="90000"/>
+              </a:lnSpc>
+              <a:spcBef>
+                <a:spcPct val="0"/>
+              </a:spcBef>
+              <a:buNone/>
+              <a:defRPr sz="4400" kern="1200">
+                <a:solidFill>
+                  <a:schemeClr val="tx1"/>
+                </a:solidFill>
+                <a:latin typeface="+mj-lt"/>
+                <a:ea typeface="+mj-ea"/>
+                <a:cs typeface="+mj-cs"/>
+              </a:defRPr>
+            </a:lvl1pPr>
+          </a:lstStyle>
+          <a:p>
+            <a:r>
+              <a:rPr lang="en-US" sz="2800"/>
+              <a:t>Adjacency matrix – restraints</a:t>
+            </a:r>
+            <a:endParaRPr lang="en-US" sz="2800" dirty="0"/>
+          </a:p>
+        </p:txBody>
+      </p:sp>
     </p:spTree>
     <p:extLst>
       <p:ext uri="{BB962C8B-B14F-4D97-AF65-F5344CB8AC3E}">
@@ -9862,8 +10024,8 @@
           <a:lstStyle/>
           <a:p>
             <a:r>
-              <a:rPr lang="en-US" sz="3200" dirty="0"/>
-              <a:t>Adjacency matrix</a:t>
+              <a:rPr lang="en-US" sz="2800" dirty="0"/>
+              <a:t>Adjacency matrix – restraints</a:t>
             </a:r>
           </a:p>
         </p:txBody>
@@ -9880,17 +10042,11 @@
           <p:cNvGraphicFramePr>
             <a:graphicFrameLocks noGrp="1"/>
           </p:cNvGraphicFramePr>
-          <p:nvPr>
-            <p:extLst>
-              <p:ext uri="{D42A27DB-BD31-4B8C-83A1-F6EECF244321}">
-                <p14:modId xmlns:p14="http://schemas.microsoft.com/office/powerpoint/2010/main" val="889569302"/>
-              </p:ext>
-            </p:extLst>
-          </p:nvPr>
+          <p:nvPr/>
         </p:nvGraphicFramePr>
         <p:xfrm>
-          <a:off x="4327056" y="1131557"/>
-          <a:ext cx="7450663" cy="5645892"/>
+          <a:off x="5326912" y="1414130"/>
+          <a:ext cx="6629777" cy="5312470"/>
         </p:xfrm>
         <a:graphic>
           <a:graphicData uri="http://schemas.openxmlformats.org/drawingml/2006/table">
@@ -9899,77 +10055,77 @@
                 <a:tableStyleId>{5C22544A-7EE6-4342-B048-85BDC9FD1C3A}</a:tableStyleId>
               </a:tblPr>
               <a:tblGrid>
-                <a:gridCol w="677333">
+                <a:gridCol w="602707">
                   <a:extLst>
                     <a:ext uri="{9D8B030D-6E8A-4147-A177-3AD203B41FA5}">
                       <a16:colId xmlns:a16="http://schemas.microsoft.com/office/drawing/2014/main" val="3382499790"/>
                     </a:ext>
                   </a:extLst>
                 </a:gridCol>
-                <a:gridCol w="677333">
+                <a:gridCol w="602707">
                   <a:extLst>
                     <a:ext uri="{9D8B030D-6E8A-4147-A177-3AD203B41FA5}">
                       <a16:colId xmlns:a16="http://schemas.microsoft.com/office/drawing/2014/main" val="2840473121"/>
                     </a:ext>
                   </a:extLst>
                 </a:gridCol>
-                <a:gridCol w="677333">
+                <a:gridCol w="602707">
                   <a:extLst>
                     <a:ext uri="{9D8B030D-6E8A-4147-A177-3AD203B41FA5}">
                       <a16:colId xmlns:a16="http://schemas.microsoft.com/office/drawing/2014/main" val="1020499543"/>
                     </a:ext>
                   </a:extLst>
                 </a:gridCol>
-                <a:gridCol w="677333">
+                <a:gridCol w="602707">
                   <a:extLst>
                     <a:ext uri="{9D8B030D-6E8A-4147-A177-3AD203B41FA5}">
                       <a16:colId xmlns:a16="http://schemas.microsoft.com/office/drawing/2014/main" val="763296561"/>
                     </a:ext>
                   </a:extLst>
                 </a:gridCol>
-                <a:gridCol w="677333">
+                <a:gridCol w="602707">
                   <a:extLst>
                     <a:ext uri="{9D8B030D-6E8A-4147-A177-3AD203B41FA5}">
                       <a16:colId xmlns:a16="http://schemas.microsoft.com/office/drawing/2014/main" val="2674329282"/>
                     </a:ext>
                   </a:extLst>
                 </a:gridCol>
-                <a:gridCol w="677333">
+                <a:gridCol w="602707">
                   <a:extLst>
                     <a:ext uri="{9D8B030D-6E8A-4147-A177-3AD203B41FA5}">
                       <a16:colId xmlns:a16="http://schemas.microsoft.com/office/drawing/2014/main" val="2835177305"/>
                     </a:ext>
                   </a:extLst>
                 </a:gridCol>
-                <a:gridCol w="677333">
+                <a:gridCol w="602707">
                   <a:extLst>
                     <a:ext uri="{9D8B030D-6E8A-4147-A177-3AD203B41FA5}">
                       <a16:colId xmlns:a16="http://schemas.microsoft.com/office/drawing/2014/main" val="2104659244"/>
                     </a:ext>
                   </a:extLst>
                 </a:gridCol>
-                <a:gridCol w="677333">
+                <a:gridCol w="602707">
                   <a:extLst>
                     <a:ext uri="{9D8B030D-6E8A-4147-A177-3AD203B41FA5}">
                       <a16:colId xmlns:a16="http://schemas.microsoft.com/office/drawing/2014/main" val="3185212664"/>
                     </a:ext>
                   </a:extLst>
                 </a:gridCol>
-                <a:gridCol w="677333">
+                <a:gridCol w="602707">
                   <a:extLst>
                     <a:ext uri="{9D8B030D-6E8A-4147-A177-3AD203B41FA5}">
                       <a16:colId xmlns:a16="http://schemas.microsoft.com/office/drawing/2014/main" val="3152940129"/>
                     </a:ext>
                   </a:extLst>
                 </a:gridCol>
-                <a:gridCol w="677333">
+                <a:gridCol w="602707">
                   <a:extLst>
                     <a:ext uri="{9D8B030D-6E8A-4147-A177-3AD203B41FA5}">
                       <a16:colId xmlns:a16="http://schemas.microsoft.com/office/drawing/2014/main" val="4032822331"/>
                     </a:ext>
                   </a:extLst>
                 </a:gridCol>
-                <a:gridCol w="677333">
+                <a:gridCol w="602707">
                   <a:extLst>
                     <a:ext uri="{9D8B030D-6E8A-4147-A177-3AD203B41FA5}">
                       <a16:colId xmlns:a16="http://schemas.microsoft.com/office/drawing/2014/main" val="149262565"/>
@@ -9977,14 +10133,14 @@
                   </a:extLst>
                 </a:gridCol>
               </a:tblGrid>
-              <a:tr h="470491">
-                <a:tc>
-                  <a:txBody>
-                    <a:bodyPr/>
-                    <a:lstStyle/>
-                    <a:p>
-                      <a:pPr algn="ctr"/>
-                      <a:endParaRPr lang="en-US" b="0" dirty="0">
+              <a:tr h="425913">
+                <a:tc>
+                  <a:txBody>
+                    <a:bodyPr/>
+                    <a:lstStyle/>
+                    <a:p>
+                      <a:pPr algn="ctr"/>
+                      <a:endParaRPr lang="en-US" sz="1600" b="0" dirty="0">
                         <a:solidFill>
                           <a:schemeClr val="bg1"/>
                         </a:solidFill>
@@ -10004,7 +10160,7 @@
                     <a:p>
                       <a:pPr algn="ctr"/>
                       <a:r>
-                        <a:rPr lang="en-US" b="0" dirty="0"/>
+                        <a:rPr lang="en-US" sz="1600" b="0" dirty="0"/>
                         <a:t>1</a:t>
                       </a:r>
                     </a:p>
@@ -10018,7 +10174,7 @@
                     <a:p>
                       <a:pPr algn="ctr"/>
                       <a:r>
-                        <a:rPr lang="en-US" b="0" dirty="0"/>
+                        <a:rPr lang="en-US" sz="1600" b="0" dirty="0"/>
                         <a:t>2</a:t>
                       </a:r>
                     </a:p>
@@ -10032,7 +10188,7 @@
                     <a:p>
                       <a:pPr algn="ctr"/>
                       <a:r>
-                        <a:rPr lang="en-US" b="0" dirty="0"/>
+                        <a:rPr lang="en-US" sz="1600" b="0" dirty="0"/>
                         <a:t>3</a:t>
                       </a:r>
                     </a:p>
@@ -10046,7 +10202,7 @@
                     <a:p>
                       <a:pPr algn="ctr"/>
                       <a:r>
-                        <a:rPr lang="en-US" b="0" dirty="0"/>
+                        <a:rPr lang="en-US" sz="1600" b="0" dirty="0"/>
                         <a:t>4</a:t>
                       </a:r>
                     </a:p>
@@ -10060,7 +10216,7 @@
                     <a:p>
                       <a:pPr algn="ctr"/>
                       <a:r>
-                        <a:rPr lang="en-US" b="0" dirty="0"/>
+                        <a:rPr lang="en-US" sz="1600" b="0" dirty="0"/>
                         <a:t>5</a:t>
                       </a:r>
                     </a:p>
@@ -10074,7 +10230,7 @@
                     <a:p>
                       <a:pPr algn="ctr"/>
                       <a:r>
-                        <a:rPr lang="en-US" b="0" dirty="0"/>
+                        <a:rPr lang="en-US" sz="1600" b="0" dirty="0"/>
                         <a:t>6</a:t>
                       </a:r>
                     </a:p>
@@ -10088,7 +10244,7 @@
                     <a:p>
                       <a:pPr algn="ctr"/>
                       <a:r>
-                        <a:rPr lang="en-US" b="0" dirty="0"/>
+                        <a:rPr lang="en-US" sz="1600" b="0" dirty="0"/>
                         <a:t>7</a:t>
                       </a:r>
                     </a:p>
@@ -10102,7 +10258,7 @@
                     <a:p>
                       <a:pPr algn="ctr"/>
                       <a:r>
-                        <a:rPr lang="en-US" b="0" dirty="0"/>
+                        <a:rPr lang="en-US" sz="1600" b="0" dirty="0"/>
                         <a:t>8</a:t>
                       </a:r>
                     </a:p>
@@ -10116,7 +10272,7 @@
                     <a:p>
                       <a:pPr algn="ctr"/>
                       <a:r>
-                        <a:rPr lang="en-US" b="0" dirty="0"/>
+                        <a:rPr lang="en-US" sz="1600" b="0" dirty="0"/>
                         <a:t>9</a:t>
                       </a:r>
                     </a:p>
@@ -10130,7 +10286,7 @@
                     <a:p>
                       <a:pPr algn="ctr"/>
                       <a:r>
-                        <a:rPr lang="en-US" b="0" dirty="0"/>
+                        <a:rPr lang="en-US" sz="1600" b="0" dirty="0"/>
                         <a:t>10</a:t>
                       </a:r>
                     </a:p>
@@ -10143,15 +10299,15 @@
                   </a:ext>
                 </a:extLst>
               </a:tr>
-              <a:tr h="470491">
-                <a:tc>
-                  <a:txBody>
-                    <a:bodyPr/>
-                    <a:lstStyle/>
-                    <a:p>
-                      <a:pPr algn="ctr"/>
-                      <a:r>
-                        <a:rPr lang="en-US" dirty="0">
+              <a:tr h="627427">
+                <a:tc>
+                  <a:txBody>
+                    <a:bodyPr/>
+                    <a:lstStyle/>
+                    <a:p>
+                      <a:pPr algn="ctr"/>
+                      <a:r>
+                        <a:rPr lang="en-US" sz="1600" dirty="0">
                           <a:solidFill>
                             <a:schemeClr val="bg1"/>
                           </a:solidFill>
@@ -10172,106 +10328,106 @@
                     <a:lstStyle/>
                     <a:p>
                       <a:pPr algn="ctr"/>
-                      <a:endParaRPr lang="en-US" dirty="0"/>
-                    </a:p>
-                  </a:txBody>
-                  <a:tcPr anchor="ctr"/>
-                </a:tc>
-                <a:tc>
-                  <a:txBody>
-                    <a:bodyPr/>
-                    <a:lstStyle/>
-                    <a:p>
-                      <a:pPr algn="ctr"/>
-                      <a:endParaRPr lang="en-US"/>
-                    </a:p>
-                  </a:txBody>
-                  <a:tcPr anchor="ctr"/>
-                </a:tc>
-                <a:tc>
-                  <a:txBody>
-                    <a:bodyPr/>
-                    <a:lstStyle/>
-                    <a:p>
-                      <a:pPr algn="ctr"/>
-                      <a:endParaRPr lang="en-US"/>
-                    </a:p>
-                  </a:txBody>
-                  <a:tcPr anchor="ctr"/>
-                </a:tc>
-                <a:tc>
-                  <a:txBody>
-                    <a:bodyPr/>
-                    <a:lstStyle/>
-                    <a:p>
-                      <a:pPr algn="ctr"/>
-                      <a:endParaRPr lang="en-US"/>
-                    </a:p>
-                  </a:txBody>
-                  <a:tcPr anchor="ctr"/>
-                </a:tc>
-                <a:tc>
-                  <a:txBody>
-                    <a:bodyPr/>
-                    <a:lstStyle/>
-                    <a:p>
-                      <a:pPr algn="ctr"/>
-                      <a:endParaRPr lang="en-US"/>
-                    </a:p>
-                  </a:txBody>
-                  <a:tcPr anchor="ctr"/>
-                </a:tc>
-                <a:tc>
-                  <a:txBody>
-                    <a:bodyPr/>
-                    <a:lstStyle/>
-                    <a:p>
-                      <a:pPr algn="ctr"/>
-                      <a:endParaRPr lang="en-US"/>
-                    </a:p>
-                  </a:txBody>
-                  <a:tcPr anchor="ctr"/>
-                </a:tc>
-                <a:tc>
-                  <a:txBody>
-                    <a:bodyPr/>
-                    <a:lstStyle/>
-                    <a:p>
-                      <a:pPr algn="ctr"/>
-                      <a:endParaRPr lang="en-US"/>
-                    </a:p>
-                  </a:txBody>
-                  <a:tcPr anchor="ctr"/>
-                </a:tc>
-                <a:tc>
-                  <a:txBody>
-                    <a:bodyPr/>
-                    <a:lstStyle/>
-                    <a:p>
-                      <a:pPr algn="ctr"/>
-                      <a:endParaRPr lang="en-US"/>
-                    </a:p>
-                  </a:txBody>
-                  <a:tcPr anchor="ctr"/>
-                </a:tc>
-                <a:tc>
-                  <a:txBody>
-                    <a:bodyPr/>
-                    <a:lstStyle/>
-                    <a:p>
-                      <a:pPr algn="ctr"/>
-                      <a:endParaRPr lang="en-US" dirty="0"/>
-                    </a:p>
-                  </a:txBody>
-                  <a:tcPr anchor="ctr"/>
-                </a:tc>
-                <a:tc>
-                  <a:txBody>
-                    <a:bodyPr/>
-                    <a:lstStyle/>
-                    <a:p>
-                      <a:pPr algn="ctr"/>
-                      <a:endParaRPr lang="en-US"/>
+                      <a:endParaRPr lang="en-US" sz="1600" dirty="0"/>
+                    </a:p>
+                  </a:txBody>
+                  <a:tcPr anchor="ctr"/>
+                </a:tc>
+                <a:tc>
+                  <a:txBody>
+                    <a:bodyPr/>
+                    <a:lstStyle/>
+                    <a:p>
+                      <a:pPr algn="ctr"/>
+                      <a:endParaRPr lang="en-US" sz="1600"/>
+                    </a:p>
+                  </a:txBody>
+                  <a:tcPr anchor="ctr"/>
+                </a:tc>
+                <a:tc>
+                  <a:txBody>
+                    <a:bodyPr/>
+                    <a:lstStyle/>
+                    <a:p>
+                      <a:pPr algn="ctr"/>
+                      <a:endParaRPr lang="en-US" sz="1600"/>
+                    </a:p>
+                  </a:txBody>
+                  <a:tcPr anchor="ctr"/>
+                </a:tc>
+                <a:tc>
+                  <a:txBody>
+                    <a:bodyPr/>
+                    <a:lstStyle/>
+                    <a:p>
+                      <a:pPr algn="ctr"/>
+                      <a:endParaRPr lang="en-US" sz="1600"/>
+                    </a:p>
+                  </a:txBody>
+                  <a:tcPr anchor="ctr"/>
+                </a:tc>
+                <a:tc>
+                  <a:txBody>
+                    <a:bodyPr/>
+                    <a:lstStyle/>
+                    <a:p>
+                      <a:pPr algn="ctr"/>
+                      <a:endParaRPr lang="en-US" sz="1600"/>
+                    </a:p>
+                  </a:txBody>
+                  <a:tcPr anchor="ctr"/>
+                </a:tc>
+                <a:tc>
+                  <a:txBody>
+                    <a:bodyPr/>
+                    <a:lstStyle/>
+                    <a:p>
+                      <a:pPr algn="ctr"/>
+                      <a:endParaRPr lang="en-US" sz="1600"/>
+                    </a:p>
+                  </a:txBody>
+                  <a:tcPr anchor="ctr"/>
+                </a:tc>
+                <a:tc>
+                  <a:txBody>
+                    <a:bodyPr/>
+                    <a:lstStyle/>
+                    <a:p>
+                      <a:pPr algn="ctr"/>
+                      <a:endParaRPr lang="en-US" sz="1600"/>
+                    </a:p>
+                  </a:txBody>
+                  <a:tcPr anchor="ctr"/>
+                </a:tc>
+                <a:tc>
+                  <a:txBody>
+                    <a:bodyPr/>
+                    <a:lstStyle/>
+                    <a:p>
+                      <a:pPr algn="ctr"/>
+                      <a:endParaRPr lang="en-US" sz="1600"/>
+                    </a:p>
+                  </a:txBody>
+                  <a:tcPr anchor="ctr"/>
+                </a:tc>
+                <a:tc>
+                  <a:txBody>
+                    <a:bodyPr/>
+                    <a:lstStyle/>
+                    <a:p>
+                      <a:pPr algn="ctr"/>
+                      <a:endParaRPr lang="en-US" sz="1600" dirty="0"/>
+                    </a:p>
+                  </a:txBody>
+                  <a:tcPr anchor="ctr"/>
+                </a:tc>
+                <a:tc>
+                  <a:txBody>
+                    <a:bodyPr/>
+                    <a:lstStyle/>
+                    <a:p>
+                      <a:pPr algn="ctr"/>
+                      <a:endParaRPr lang="en-US" sz="1600"/>
                     </a:p>
                   </a:txBody>
                   <a:tcPr anchor="ctr"/>
@@ -10282,15 +10438,15 @@
                   </a:ext>
                 </a:extLst>
               </a:tr>
-              <a:tr h="470491">
-                <a:tc>
-                  <a:txBody>
-                    <a:bodyPr/>
-                    <a:lstStyle/>
-                    <a:p>
-                      <a:pPr algn="ctr"/>
-                      <a:r>
-                        <a:rPr lang="en-US" dirty="0">
+              <a:tr h="425913">
+                <a:tc>
+                  <a:txBody>
+                    <a:bodyPr/>
+                    <a:lstStyle/>
+                    <a:p>
+                      <a:pPr algn="ctr"/>
+                      <a:r>
+                        <a:rPr lang="en-US" sz="1600" dirty="0">
                           <a:solidFill>
                             <a:schemeClr val="bg1"/>
                           </a:solidFill>
@@ -10311,112 +10467,112 @@
                     <a:lstStyle/>
                     <a:p>
                       <a:pPr algn="ctr"/>
-                      <a:endParaRPr lang="en-US" dirty="0"/>
-                    </a:p>
-                  </a:txBody>
-                  <a:tcPr anchor="ctr">
-                    <a:solidFill>
-                      <a:schemeClr val="bg2">
-                        <a:lumMod val="75000"/>
-                      </a:schemeClr>
-                    </a:solidFill>
-                  </a:tcPr>
-                </a:tc>
-                <a:tc>
-                  <a:txBody>
-                    <a:bodyPr/>
-                    <a:lstStyle/>
-                    <a:p>
-                      <a:pPr algn="ctr"/>
-                      <a:endParaRPr lang="en-US"/>
-                    </a:p>
-                  </a:txBody>
-                  <a:tcPr anchor="ctr"/>
-                </a:tc>
-                <a:tc>
-                  <a:txBody>
-                    <a:bodyPr/>
-                    <a:lstStyle/>
-                    <a:p>
-                      <a:pPr algn="ctr"/>
-                      <a:endParaRPr lang="en-US"/>
-                    </a:p>
-                  </a:txBody>
-                  <a:tcPr anchor="ctr"/>
-                </a:tc>
-                <a:tc>
-                  <a:txBody>
-                    <a:bodyPr/>
-                    <a:lstStyle/>
-                    <a:p>
-                      <a:pPr algn="ctr"/>
-                      <a:endParaRPr lang="en-US"/>
-                    </a:p>
-                  </a:txBody>
-                  <a:tcPr anchor="ctr"/>
-                </a:tc>
-                <a:tc>
-                  <a:txBody>
-                    <a:bodyPr/>
-                    <a:lstStyle/>
-                    <a:p>
-                      <a:pPr algn="ctr"/>
-                      <a:endParaRPr lang="en-US"/>
-                    </a:p>
-                  </a:txBody>
-                  <a:tcPr anchor="ctr"/>
-                </a:tc>
-                <a:tc>
-                  <a:txBody>
-                    <a:bodyPr/>
-                    <a:lstStyle/>
-                    <a:p>
-                      <a:pPr algn="ctr"/>
-                      <a:endParaRPr lang="en-US"/>
-                    </a:p>
-                  </a:txBody>
-                  <a:tcPr anchor="ctr"/>
-                </a:tc>
-                <a:tc>
-                  <a:txBody>
-                    <a:bodyPr/>
-                    <a:lstStyle/>
-                    <a:p>
-                      <a:pPr algn="ctr"/>
-                      <a:endParaRPr lang="en-US"/>
-                    </a:p>
-                  </a:txBody>
-                  <a:tcPr anchor="ctr"/>
-                </a:tc>
-                <a:tc>
-                  <a:txBody>
-                    <a:bodyPr/>
-                    <a:lstStyle/>
-                    <a:p>
-                      <a:pPr algn="ctr"/>
-                      <a:endParaRPr lang="en-US"/>
-                    </a:p>
-                  </a:txBody>
-                  <a:tcPr anchor="ctr"/>
-                </a:tc>
-                <a:tc>
-                  <a:txBody>
-                    <a:bodyPr/>
-                    <a:lstStyle/>
-                    <a:p>
-                      <a:pPr algn="ctr"/>
-                      <a:endParaRPr lang="en-US" dirty="0"/>
-                    </a:p>
-                  </a:txBody>
-                  <a:tcPr anchor="ctr"/>
-                </a:tc>
-                <a:tc>
-                  <a:txBody>
-                    <a:bodyPr/>
-                    <a:lstStyle/>
-                    <a:p>
-                      <a:pPr algn="ctr"/>
-                      <a:endParaRPr lang="en-US"/>
+                      <a:endParaRPr lang="en-US" sz="1600" dirty="0"/>
+                    </a:p>
+                  </a:txBody>
+                  <a:tcPr anchor="ctr">
+                    <a:solidFill>
+                      <a:schemeClr val="bg2">
+                        <a:lumMod val="50000"/>
+                      </a:schemeClr>
+                    </a:solidFill>
+                  </a:tcPr>
+                </a:tc>
+                <a:tc>
+                  <a:txBody>
+                    <a:bodyPr/>
+                    <a:lstStyle/>
+                    <a:p>
+                      <a:pPr algn="ctr"/>
+                      <a:endParaRPr lang="en-US" sz="1600"/>
+                    </a:p>
+                  </a:txBody>
+                  <a:tcPr anchor="ctr"/>
+                </a:tc>
+                <a:tc>
+                  <a:txBody>
+                    <a:bodyPr/>
+                    <a:lstStyle/>
+                    <a:p>
+                      <a:pPr algn="ctr"/>
+                      <a:endParaRPr lang="en-US" sz="1600"/>
+                    </a:p>
+                  </a:txBody>
+                  <a:tcPr anchor="ctr"/>
+                </a:tc>
+                <a:tc>
+                  <a:txBody>
+                    <a:bodyPr/>
+                    <a:lstStyle/>
+                    <a:p>
+                      <a:pPr algn="ctr"/>
+                      <a:endParaRPr lang="en-US" sz="1600"/>
+                    </a:p>
+                  </a:txBody>
+                  <a:tcPr anchor="ctr"/>
+                </a:tc>
+                <a:tc>
+                  <a:txBody>
+                    <a:bodyPr/>
+                    <a:lstStyle/>
+                    <a:p>
+                      <a:pPr algn="ctr"/>
+                      <a:endParaRPr lang="en-US" sz="1600"/>
+                    </a:p>
+                  </a:txBody>
+                  <a:tcPr anchor="ctr"/>
+                </a:tc>
+                <a:tc>
+                  <a:txBody>
+                    <a:bodyPr/>
+                    <a:lstStyle/>
+                    <a:p>
+                      <a:pPr algn="ctr"/>
+                      <a:endParaRPr lang="en-US" sz="1600"/>
+                    </a:p>
+                  </a:txBody>
+                  <a:tcPr anchor="ctr"/>
+                </a:tc>
+                <a:tc>
+                  <a:txBody>
+                    <a:bodyPr/>
+                    <a:lstStyle/>
+                    <a:p>
+                      <a:pPr algn="ctr"/>
+                      <a:endParaRPr lang="en-US" sz="1600"/>
+                    </a:p>
+                  </a:txBody>
+                  <a:tcPr anchor="ctr"/>
+                </a:tc>
+                <a:tc>
+                  <a:txBody>
+                    <a:bodyPr/>
+                    <a:lstStyle/>
+                    <a:p>
+                      <a:pPr algn="ctr"/>
+                      <a:endParaRPr lang="en-US" sz="1600"/>
+                    </a:p>
+                  </a:txBody>
+                  <a:tcPr anchor="ctr"/>
+                </a:tc>
+                <a:tc>
+                  <a:txBody>
+                    <a:bodyPr/>
+                    <a:lstStyle/>
+                    <a:p>
+                      <a:pPr algn="ctr"/>
+                      <a:endParaRPr lang="en-US" sz="1600" dirty="0"/>
+                    </a:p>
+                  </a:txBody>
+                  <a:tcPr anchor="ctr"/>
+                </a:tc>
+                <a:tc>
+                  <a:txBody>
+                    <a:bodyPr/>
+                    <a:lstStyle/>
+                    <a:p>
+                      <a:pPr algn="ctr"/>
+                      <a:endParaRPr lang="en-US" sz="1600" dirty="0"/>
                     </a:p>
                   </a:txBody>
                   <a:tcPr anchor="ctr"/>
@@ -10427,15 +10583,15 @@
                   </a:ext>
                 </a:extLst>
               </a:tr>
-              <a:tr h="470491">
-                <a:tc>
-                  <a:txBody>
-                    <a:bodyPr/>
-                    <a:lstStyle/>
-                    <a:p>
-                      <a:pPr algn="ctr"/>
-                      <a:r>
-                        <a:rPr lang="en-US" dirty="0">
+              <a:tr h="425913">
+                <a:tc>
+                  <a:txBody>
+                    <a:bodyPr/>
+                    <a:lstStyle/>
+                    <a:p>
+                      <a:pPr algn="ctr"/>
+                      <a:r>
+                        <a:rPr lang="en-US" sz="1600" dirty="0">
                           <a:solidFill>
                             <a:schemeClr val="bg1"/>
                           </a:solidFill>
@@ -10456,112 +10612,112 @@
                     <a:lstStyle/>
                     <a:p>
                       <a:pPr algn="ctr"/>
-                      <a:endParaRPr lang="en-US"/>
-                    </a:p>
-                  </a:txBody>
-                  <a:tcPr anchor="ctr"/>
-                </a:tc>
-                <a:tc>
-                  <a:txBody>
-                    <a:bodyPr/>
-                    <a:lstStyle/>
-                    <a:p>
-                      <a:pPr algn="ctr"/>
-                      <a:endParaRPr lang="en-US" dirty="0"/>
-                    </a:p>
-                  </a:txBody>
-                  <a:tcPr anchor="ctr">
-                    <a:solidFill>
-                      <a:schemeClr val="bg2">
-                        <a:lumMod val="75000"/>
-                      </a:schemeClr>
-                    </a:solidFill>
-                  </a:tcPr>
-                </a:tc>
-                <a:tc>
-                  <a:txBody>
-                    <a:bodyPr/>
-                    <a:lstStyle/>
-                    <a:p>
-                      <a:pPr algn="ctr"/>
-                      <a:endParaRPr lang="en-US"/>
-                    </a:p>
-                  </a:txBody>
-                  <a:tcPr anchor="ctr"/>
-                </a:tc>
-                <a:tc>
-                  <a:txBody>
-                    <a:bodyPr/>
-                    <a:lstStyle/>
-                    <a:p>
-                      <a:pPr algn="ctr"/>
-                      <a:endParaRPr lang="en-US"/>
-                    </a:p>
-                  </a:txBody>
-                  <a:tcPr anchor="ctr"/>
-                </a:tc>
-                <a:tc>
-                  <a:txBody>
-                    <a:bodyPr/>
-                    <a:lstStyle/>
-                    <a:p>
-                      <a:pPr algn="ctr"/>
-                      <a:endParaRPr lang="en-US"/>
-                    </a:p>
-                  </a:txBody>
-                  <a:tcPr anchor="ctr"/>
-                </a:tc>
-                <a:tc>
-                  <a:txBody>
-                    <a:bodyPr/>
-                    <a:lstStyle/>
-                    <a:p>
-                      <a:pPr algn="ctr"/>
-                      <a:endParaRPr lang="en-US"/>
-                    </a:p>
-                  </a:txBody>
-                  <a:tcPr anchor="ctr"/>
-                </a:tc>
-                <a:tc>
-                  <a:txBody>
-                    <a:bodyPr/>
-                    <a:lstStyle/>
-                    <a:p>
-                      <a:pPr algn="ctr"/>
-                      <a:endParaRPr lang="en-US"/>
-                    </a:p>
-                  </a:txBody>
-                  <a:tcPr anchor="ctr"/>
-                </a:tc>
-                <a:tc>
-                  <a:txBody>
-                    <a:bodyPr/>
-                    <a:lstStyle/>
-                    <a:p>
-                      <a:pPr algn="ctr"/>
-                      <a:endParaRPr lang="en-US"/>
-                    </a:p>
-                  </a:txBody>
-                  <a:tcPr anchor="ctr"/>
-                </a:tc>
-                <a:tc>
-                  <a:txBody>
-                    <a:bodyPr/>
-                    <a:lstStyle/>
-                    <a:p>
-                      <a:pPr algn="ctr"/>
-                      <a:endParaRPr lang="en-US"/>
-                    </a:p>
-                  </a:txBody>
-                  <a:tcPr anchor="ctr"/>
-                </a:tc>
-                <a:tc>
-                  <a:txBody>
-                    <a:bodyPr/>
-                    <a:lstStyle/>
-                    <a:p>
-                      <a:pPr algn="ctr"/>
-                      <a:endParaRPr lang="en-US"/>
+                      <a:endParaRPr lang="en-US" sz="1600"/>
+                    </a:p>
+                  </a:txBody>
+                  <a:tcPr anchor="ctr"/>
+                </a:tc>
+                <a:tc>
+                  <a:txBody>
+                    <a:bodyPr/>
+                    <a:lstStyle/>
+                    <a:p>
+                      <a:pPr algn="ctr"/>
+                      <a:endParaRPr lang="en-US" sz="1600" dirty="0"/>
+                    </a:p>
+                  </a:txBody>
+                  <a:tcPr anchor="ctr">
+                    <a:solidFill>
+                      <a:schemeClr val="bg2">
+                        <a:lumMod val="50000"/>
+                      </a:schemeClr>
+                    </a:solidFill>
+                  </a:tcPr>
+                </a:tc>
+                <a:tc>
+                  <a:txBody>
+                    <a:bodyPr/>
+                    <a:lstStyle/>
+                    <a:p>
+                      <a:pPr algn="ctr"/>
+                      <a:endParaRPr lang="en-US" sz="1600"/>
+                    </a:p>
+                  </a:txBody>
+                  <a:tcPr anchor="ctr"/>
+                </a:tc>
+                <a:tc>
+                  <a:txBody>
+                    <a:bodyPr/>
+                    <a:lstStyle/>
+                    <a:p>
+                      <a:pPr algn="ctr"/>
+                      <a:endParaRPr lang="en-US" sz="1600"/>
+                    </a:p>
+                  </a:txBody>
+                  <a:tcPr anchor="ctr"/>
+                </a:tc>
+                <a:tc>
+                  <a:txBody>
+                    <a:bodyPr/>
+                    <a:lstStyle/>
+                    <a:p>
+                      <a:pPr algn="ctr"/>
+                      <a:endParaRPr lang="en-US" sz="1600"/>
+                    </a:p>
+                  </a:txBody>
+                  <a:tcPr anchor="ctr"/>
+                </a:tc>
+                <a:tc>
+                  <a:txBody>
+                    <a:bodyPr/>
+                    <a:lstStyle/>
+                    <a:p>
+                      <a:pPr algn="ctr"/>
+                      <a:endParaRPr lang="en-US" sz="1600"/>
+                    </a:p>
+                  </a:txBody>
+                  <a:tcPr anchor="ctr"/>
+                </a:tc>
+                <a:tc>
+                  <a:txBody>
+                    <a:bodyPr/>
+                    <a:lstStyle/>
+                    <a:p>
+                      <a:pPr algn="ctr"/>
+                      <a:endParaRPr lang="en-US" sz="1600"/>
+                    </a:p>
+                  </a:txBody>
+                  <a:tcPr anchor="ctr"/>
+                </a:tc>
+                <a:tc>
+                  <a:txBody>
+                    <a:bodyPr/>
+                    <a:lstStyle/>
+                    <a:p>
+                      <a:pPr algn="ctr"/>
+                      <a:endParaRPr lang="en-US" sz="1600"/>
+                    </a:p>
+                  </a:txBody>
+                  <a:tcPr anchor="ctr"/>
+                </a:tc>
+                <a:tc>
+                  <a:txBody>
+                    <a:bodyPr/>
+                    <a:lstStyle/>
+                    <a:p>
+                      <a:pPr algn="ctr"/>
+                      <a:endParaRPr lang="en-US" sz="1600"/>
+                    </a:p>
+                  </a:txBody>
+                  <a:tcPr anchor="ctr"/>
+                </a:tc>
+                <a:tc>
+                  <a:txBody>
+                    <a:bodyPr/>
+                    <a:lstStyle/>
+                    <a:p>
+                      <a:pPr algn="ctr"/>
+                      <a:endParaRPr lang="en-US" sz="1600"/>
                     </a:p>
                   </a:txBody>
                   <a:tcPr anchor="ctr"/>
@@ -10572,15 +10728,15 @@
                   </a:ext>
                 </a:extLst>
               </a:tr>
-              <a:tr h="470491">
-                <a:tc>
-                  <a:txBody>
-                    <a:bodyPr/>
-                    <a:lstStyle/>
-                    <a:p>
-                      <a:pPr algn="ctr"/>
-                      <a:r>
-                        <a:rPr lang="en-US" dirty="0">
+              <a:tr h="425913">
+                <a:tc>
+                  <a:txBody>
+                    <a:bodyPr/>
+                    <a:lstStyle/>
+                    <a:p>
+                      <a:pPr algn="ctr"/>
+                      <a:r>
+                        <a:rPr lang="en-US" sz="1600" dirty="0">
                           <a:solidFill>
                             <a:schemeClr val="bg1"/>
                           </a:solidFill>
@@ -10602,36 +10758,31 @@
                     <a:p>
                       <a:pPr algn="ctr"/>
                       <a:r>
-                        <a:rPr lang="en-US" dirty="0"/>
+                        <a:rPr lang="en-US" sz="1600" dirty="0"/>
                         <a:t>-</a:t>
                       </a:r>
                     </a:p>
                   </a:txBody>
-                  <a:tcPr anchor="ctr"/>
-                </a:tc>
-                <a:tc>
-                  <a:txBody>
-                    <a:bodyPr/>
-                    <a:lstStyle/>
-                    <a:p>
-                      <a:pPr algn="ctr"/>
-                      <a:r>
-                        <a:rPr lang="en-US" dirty="0"/>
+                  <a:tcPr anchor="ctr">
+                    <a:solidFill>
+                      <a:schemeClr val="bg2">
+                        <a:lumMod val="75000"/>
+                      </a:schemeClr>
+                    </a:solidFill>
+                  </a:tcPr>
+                </a:tc>
+                <a:tc>
+                  <a:txBody>
+                    <a:bodyPr/>
+                    <a:lstStyle/>
+                    <a:p>
+                      <a:pPr algn="ctr"/>
+                      <a:r>
+                        <a:rPr lang="en-US" sz="1600" dirty="0"/>
                         <a:t>-</a:t>
                       </a:r>
                     </a:p>
                   </a:txBody>
-                  <a:tcPr anchor="ctr"/>
-                </a:tc>
-                <a:tc>
-                  <a:txBody>
-                    <a:bodyPr/>
-                    <a:lstStyle/>
-                    <a:p>
-                      <a:pPr algn="ctr"/>
-                      <a:endParaRPr lang="en-US" dirty="0"/>
-                    </a:p>
-                  </a:txBody>
                   <a:tcPr anchor="ctr">
                     <a:solidFill>
                       <a:schemeClr val="bg2">
@@ -10646,76 +10797,120 @@
                     <a:lstStyle/>
                     <a:p>
                       <a:pPr algn="ctr"/>
-                      <a:endParaRPr lang="en-US"/>
-                    </a:p>
-                  </a:txBody>
-                  <a:tcPr anchor="ctr"/>
-                </a:tc>
-                <a:tc>
-                  <a:txBody>
-                    <a:bodyPr/>
-                    <a:lstStyle/>
-                    <a:p>
-                      <a:pPr algn="ctr"/>
-                      <a:endParaRPr lang="en-US" dirty="0"/>
-                    </a:p>
-                  </a:txBody>
-                  <a:tcPr anchor="ctr"/>
-                </a:tc>
-                <a:tc>
-                  <a:txBody>
-                    <a:bodyPr/>
-                    <a:lstStyle/>
-                    <a:p>
-                      <a:pPr algn="ctr"/>
-                      <a:endParaRPr lang="en-US" dirty="0"/>
-                    </a:p>
-                  </a:txBody>
-                  <a:tcPr anchor="ctr"/>
-                </a:tc>
-                <a:tc>
-                  <a:txBody>
-                    <a:bodyPr/>
-                    <a:lstStyle/>
-                    <a:p>
-                      <a:pPr algn="ctr"/>
-                      <a:endParaRPr lang="en-US" dirty="0"/>
-                    </a:p>
-                  </a:txBody>
-                  <a:tcPr anchor="ctr"/>
-                </a:tc>
-                <a:tc>
-                  <a:txBody>
-                    <a:bodyPr/>
-                    <a:lstStyle/>
-                    <a:p>
-                      <a:pPr algn="ctr"/>
-                      <a:endParaRPr lang="en-US"/>
-                    </a:p>
-                  </a:txBody>
-                  <a:tcPr anchor="ctr"/>
-                </a:tc>
-                <a:tc>
-                  <a:txBody>
-                    <a:bodyPr/>
-                    <a:lstStyle/>
-                    <a:p>
-                      <a:pPr algn="ctr"/>
-                      <a:endParaRPr lang="en-US"/>
-                    </a:p>
-                  </a:txBody>
-                  <a:tcPr anchor="ctr"/>
-                </a:tc>
-                <a:tc>
-                  <a:txBody>
-                    <a:bodyPr/>
-                    <a:lstStyle/>
-                    <a:p>
-                      <a:pPr algn="ctr"/>
-                      <a:endParaRPr lang="en-US" dirty="0"/>
-                    </a:p>
-                  </a:txBody>
-                  <a:tcPr anchor="ctr"/>
+                      <a:endParaRPr lang="en-US" sz="1600" dirty="0"/>
+                    </a:p>
+                  </a:txBody>
+                  <a:tcPr anchor="ctr">
+                    <a:solidFill>
+                      <a:schemeClr val="bg2">
+                        <a:lumMod val="50000"/>
+                      </a:schemeClr>
+                    </a:solidFill>
+                  </a:tcPr>
+                </a:tc>
+                <a:tc>
+                  <a:txBody>
+                    <a:bodyPr/>
+                    <a:lstStyle/>
+                    <a:p>
+                      <a:pPr algn="ctr"/>
+                      <a:endParaRPr lang="en-US" sz="1600"/>
+                    </a:p>
+                  </a:txBody>
+                  <a:tcPr anchor="ctr"/>
+                </a:tc>
+                <a:tc>
+                  <a:txBody>
+                    <a:bodyPr/>
+                    <a:lstStyle/>
+                    <a:p>
+                      <a:pPr algn="ctr"/>
+                      <a:endParaRPr lang="en-US" sz="1600" dirty="0"/>
+                    </a:p>
+                  </a:txBody>
+                  <a:tcPr anchor="ctr"/>
+                </a:tc>
+                <a:tc>
+                  <a:txBody>
+                    <a:bodyPr/>
+                    <a:lstStyle/>
+                    <a:p>
+                      <a:pPr algn="ctr"/>
+                      <a:r>
+                        <a:rPr lang="en-US" sz="1600" dirty="0"/>
+                        <a:t>-</a:t>
+                      </a:r>
+                    </a:p>
+                  </a:txBody>
+                  <a:tcPr anchor="ctr">
+                    <a:solidFill>
+                      <a:schemeClr val="bg2">
+                        <a:lumMod val="75000"/>
+                      </a:schemeClr>
+                    </a:solidFill>
+                  </a:tcPr>
+                </a:tc>
+                <a:tc>
+                  <a:txBody>
+                    <a:bodyPr/>
+                    <a:lstStyle/>
+                    <a:p>
+                      <a:pPr algn="ctr"/>
+                      <a:r>
+                        <a:rPr lang="en-US" sz="1600" dirty="0"/>
+                        <a:t>-</a:t>
+                      </a:r>
+                    </a:p>
+                  </a:txBody>
+                  <a:tcPr anchor="ctr">
+                    <a:solidFill>
+                      <a:schemeClr val="bg2">
+                        <a:lumMod val="75000"/>
+                      </a:schemeClr>
+                    </a:solidFill>
+                  </a:tcPr>
+                </a:tc>
+                <a:tc>
+                  <a:txBody>
+                    <a:bodyPr/>
+                    <a:lstStyle/>
+                    <a:p>
+                      <a:pPr algn="ctr"/>
+                      <a:endParaRPr lang="en-US" sz="1600"/>
+                    </a:p>
+                  </a:txBody>
+                  <a:tcPr anchor="ctr"/>
+                </a:tc>
+                <a:tc>
+                  <a:txBody>
+                    <a:bodyPr/>
+                    <a:lstStyle/>
+                    <a:p>
+                      <a:pPr algn="ctr"/>
+                      <a:endParaRPr lang="en-US" sz="1600"/>
+                    </a:p>
+                  </a:txBody>
+                  <a:tcPr anchor="ctr"/>
+                </a:tc>
+                <a:tc>
+                  <a:txBody>
+                    <a:bodyPr/>
+                    <a:lstStyle/>
+                    <a:p>
+                      <a:pPr algn="ctr"/>
+                      <a:r>
+                        <a:rPr lang="en-US" sz="1600" dirty="0"/>
+                        <a:t>-</a:t>
+                      </a:r>
+                    </a:p>
+                  </a:txBody>
+                  <a:tcPr anchor="ctr">
+                    <a:solidFill>
+                      <a:schemeClr val="bg2">
+                        <a:lumMod val="75000"/>
+                      </a:schemeClr>
+                    </a:solidFill>
+                  </a:tcPr>
                 </a:tc>
                 <a:extLst>
                   <a:ext uri="{0D108BD9-81ED-4DB2-BD59-A6C34878D82A}">
@@ -10723,15 +10918,15 @@
                   </a:ext>
                 </a:extLst>
               </a:tr>
-              <a:tr h="470491">
-                <a:tc>
-                  <a:txBody>
-                    <a:bodyPr/>
-                    <a:lstStyle/>
-                    <a:p>
-                      <a:pPr algn="ctr"/>
-                      <a:r>
-                        <a:rPr lang="en-US" dirty="0">
+              <a:tr h="425913">
+                <a:tc>
+                  <a:txBody>
+                    <a:bodyPr/>
+                    <a:lstStyle/>
+                    <a:p>
+                      <a:pPr algn="ctr"/>
+                      <a:r>
+                        <a:rPr lang="en-US" sz="1600" dirty="0">
                           <a:solidFill>
                             <a:schemeClr val="bg1"/>
                           </a:solidFill>
@@ -10753,47 +10948,31 @@
                     <a:p>
                       <a:pPr algn="ctr"/>
                       <a:r>
-                        <a:rPr lang="en-US" dirty="0"/>
+                        <a:rPr lang="en-US" sz="1600" dirty="0"/>
                         <a:t>-</a:t>
                       </a:r>
                     </a:p>
                   </a:txBody>
-                  <a:tcPr anchor="ctr"/>
-                </a:tc>
-                <a:tc>
-                  <a:txBody>
-                    <a:bodyPr/>
-                    <a:lstStyle/>
-                    <a:p>
-                      <a:pPr algn="ctr"/>
-                      <a:r>
-                        <a:rPr lang="en-US" dirty="0"/>
+                  <a:tcPr anchor="ctr">
+                    <a:solidFill>
+                      <a:schemeClr val="bg2">
+                        <a:lumMod val="75000"/>
+                      </a:schemeClr>
+                    </a:solidFill>
+                  </a:tcPr>
+                </a:tc>
+                <a:tc>
+                  <a:txBody>
+                    <a:bodyPr/>
+                    <a:lstStyle/>
+                    <a:p>
+                      <a:pPr algn="ctr"/>
+                      <a:r>
+                        <a:rPr lang="en-US" sz="1600" dirty="0"/>
                         <a:t>-</a:t>
                       </a:r>
                     </a:p>
                   </a:txBody>
-                  <a:tcPr anchor="ctr"/>
-                </a:tc>
-                <a:tc>
-                  <a:txBody>
-                    <a:bodyPr/>
-                    <a:lstStyle/>
-                    <a:p>
-                      <a:pPr algn="ctr"/>
-                      <a:endParaRPr lang="en-US" dirty="0"/>
-                    </a:p>
-                  </a:txBody>
-                  <a:tcPr anchor="ctr"/>
-                </a:tc>
-                <a:tc>
-                  <a:txBody>
-                    <a:bodyPr/>
-                    <a:lstStyle/>
-                    <a:p>
-                      <a:pPr algn="ctr"/>
-                      <a:endParaRPr lang="en-US" dirty="0"/>
-                    </a:p>
-                  </a:txBody>
                   <a:tcPr anchor="ctr">
                     <a:solidFill>
                       <a:schemeClr val="bg2">
@@ -10808,65 +10987,120 @@
                     <a:lstStyle/>
                     <a:p>
                       <a:pPr algn="ctr"/>
-                      <a:endParaRPr lang="en-US"/>
-                    </a:p>
-                  </a:txBody>
-                  <a:tcPr anchor="ctr"/>
-                </a:tc>
-                <a:tc>
-                  <a:txBody>
-                    <a:bodyPr/>
-                    <a:lstStyle/>
-                    <a:p>
-                      <a:pPr algn="ctr"/>
-                      <a:endParaRPr lang="en-US" dirty="0"/>
-                    </a:p>
-                  </a:txBody>
-                  <a:tcPr anchor="ctr"/>
-                </a:tc>
-                <a:tc>
-                  <a:txBody>
-                    <a:bodyPr/>
-                    <a:lstStyle/>
-                    <a:p>
-                      <a:pPr algn="ctr"/>
-                      <a:endParaRPr lang="en-US" dirty="0"/>
-                    </a:p>
-                  </a:txBody>
-                  <a:tcPr anchor="ctr"/>
-                </a:tc>
-                <a:tc>
-                  <a:txBody>
-                    <a:bodyPr/>
-                    <a:lstStyle/>
-                    <a:p>
-                      <a:pPr algn="ctr"/>
-                      <a:endParaRPr lang="en-US"/>
-                    </a:p>
-                  </a:txBody>
-                  <a:tcPr anchor="ctr"/>
-                </a:tc>
-                <a:tc>
-                  <a:txBody>
-                    <a:bodyPr/>
-                    <a:lstStyle/>
-                    <a:p>
-                      <a:pPr algn="ctr"/>
-                      <a:endParaRPr lang="en-US"/>
-                    </a:p>
-                  </a:txBody>
-                  <a:tcPr anchor="ctr"/>
-                </a:tc>
-                <a:tc>
-                  <a:txBody>
-                    <a:bodyPr/>
-                    <a:lstStyle/>
-                    <a:p>
-                      <a:pPr algn="ctr"/>
-                      <a:endParaRPr lang="en-US"/>
-                    </a:p>
-                  </a:txBody>
-                  <a:tcPr anchor="ctr"/>
+                      <a:endParaRPr lang="en-US" sz="1600" dirty="0"/>
+                    </a:p>
+                  </a:txBody>
+                  <a:tcPr anchor="ctr"/>
+                </a:tc>
+                <a:tc>
+                  <a:txBody>
+                    <a:bodyPr/>
+                    <a:lstStyle/>
+                    <a:p>
+                      <a:pPr algn="ctr"/>
+                      <a:endParaRPr lang="en-US" sz="1600" dirty="0"/>
+                    </a:p>
+                  </a:txBody>
+                  <a:tcPr anchor="ctr">
+                    <a:solidFill>
+                      <a:schemeClr val="bg2">
+                        <a:lumMod val="50000"/>
+                      </a:schemeClr>
+                    </a:solidFill>
+                  </a:tcPr>
+                </a:tc>
+                <a:tc>
+                  <a:txBody>
+                    <a:bodyPr/>
+                    <a:lstStyle/>
+                    <a:p>
+                      <a:pPr algn="ctr"/>
+                      <a:endParaRPr lang="en-US" sz="1600"/>
+                    </a:p>
+                  </a:txBody>
+                  <a:tcPr anchor="ctr"/>
+                </a:tc>
+                <a:tc>
+                  <a:txBody>
+                    <a:bodyPr/>
+                    <a:lstStyle/>
+                    <a:p>
+                      <a:pPr algn="ctr"/>
+                      <a:r>
+                        <a:rPr lang="en-US" sz="1600" dirty="0"/>
+                        <a:t>-</a:t>
+                      </a:r>
+                    </a:p>
+                  </a:txBody>
+                  <a:tcPr anchor="ctr">
+                    <a:solidFill>
+                      <a:schemeClr val="bg2">
+                        <a:lumMod val="75000"/>
+                      </a:schemeClr>
+                    </a:solidFill>
+                  </a:tcPr>
+                </a:tc>
+                <a:tc>
+                  <a:txBody>
+                    <a:bodyPr/>
+                    <a:lstStyle/>
+                    <a:p>
+                      <a:pPr algn="ctr"/>
+                      <a:r>
+                        <a:rPr lang="en-US" sz="1600" dirty="0"/>
+                        <a:t>-</a:t>
+                      </a:r>
+                    </a:p>
+                  </a:txBody>
+                  <a:tcPr anchor="ctr">
+                    <a:solidFill>
+                      <a:schemeClr val="bg2">
+                        <a:lumMod val="75000"/>
+                      </a:schemeClr>
+                    </a:solidFill>
+                  </a:tcPr>
+                </a:tc>
+                <a:tc>
+                  <a:txBody>
+                    <a:bodyPr/>
+                    <a:lstStyle/>
+                    <a:p>
+                      <a:pPr algn="ctr"/>
+                      <a:endParaRPr lang="en-US" sz="1600"/>
+                    </a:p>
+                  </a:txBody>
+                  <a:tcPr anchor="ctr"/>
+                </a:tc>
+                <a:tc>
+                  <a:txBody>
+                    <a:bodyPr/>
+                    <a:lstStyle/>
+                    <a:p>
+                      <a:pPr algn="ctr"/>
+                      <a:endParaRPr lang="en-US" sz="1600"/>
+                    </a:p>
+                  </a:txBody>
+                  <a:tcPr anchor="ctr"/>
+                </a:tc>
+                <a:tc>
+                  <a:txBody>
+                    <a:bodyPr/>
+                    <a:lstStyle/>
+                    <a:p>
+                      <a:pPr algn="ctr"/>
+                      <a:r>
+                        <a:rPr lang="en-US" sz="1600" dirty="0"/>
+                        <a:t>-</a:t>
+                      </a:r>
+                    </a:p>
+                  </a:txBody>
+                  <a:tcPr anchor="ctr">
+                    <a:solidFill>
+                      <a:schemeClr val="bg2">
+                        <a:lumMod val="75000"/>
+                      </a:schemeClr>
+                    </a:solidFill>
+                  </a:tcPr>
                 </a:tc>
                 <a:extLst>
                   <a:ext uri="{0D108BD9-81ED-4DB2-BD59-A6C34878D82A}">
@@ -10874,15 +11108,15 @@
                   </a:ext>
                 </a:extLst>
               </a:tr>
-              <a:tr h="470491">
-                <a:tc>
-                  <a:txBody>
-                    <a:bodyPr/>
-                    <a:lstStyle/>
-                    <a:p>
-                      <a:pPr algn="ctr"/>
-                      <a:r>
-                        <a:rPr lang="en-US" dirty="0">
+              <a:tr h="425913">
+                <a:tc>
+                  <a:txBody>
+                    <a:bodyPr/>
+                    <a:lstStyle/>
+                    <a:p>
+                      <a:pPr algn="ctr"/>
+                      <a:r>
+                        <a:rPr lang="en-US" sz="1600" dirty="0">
                           <a:solidFill>
                             <a:schemeClr val="bg1"/>
                           </a:solidFill>
@@ -10904,58 +11138,31 @@
                     <a:p>
                       <a:pPr algn="ctr"/>
                       <a:r>
-                        <a:rPr lang="en-US" dirty="0"/>
+                        <a:rPr lang="en-US" sz="1600" dirty="0"/>
                         <a:t>-</a:t>
                       </a:r>
                     </a:p>
                   </a:txBody>
-                  <a:tcPr anchor="ctr"/>
-                </a:tc>
-                <a:tc>
-                  <a:txBody>
-                    <a:bodyPr/>
-                    <a:lstStyle/>
-                    <a:p>
-                      <a:pPr algn="ctr"/>
-                      <a:r>
-                        <a:rPr lang="en-US" dirty="0"/>
+                  <a:tcPr anchor="ctr">
+                    <a:solidFill>
+                      <a:schemeClr val="bg2">
+                        <a:lumMod val="75000"/>
+                      </a:schemeClr>
+                    </a:solidFill>
+                  </a:tcPr>
+                </a:tc>
+                <a:tc>
+                  <a:txBody>
+                    <a:bodyPr/>
+                    <a:lstStyle/>
+                    <a:p>
+                      <a:pPr algn="ctr"/>
+                      <a:r>
+                        <a:rPr lang="en-US" sz="1600" dirty="0"/>
                         <a:t>-</a:t>
                       </a:r>
                     </a:p>
                   </a:txBody>
-                  <a:tcPr anchor="ctr"/>
-                </a:tc>
-                <a:tc>
-                  <a:txBody>
-                    <a:bodyPr/>
-                    <a:lstStyle/>
-                    <a:p>
-                      <a:pPr algn="ctr"/>
-                      <a:endParaRPr lang="en-US"/>
-                    </a:p>
-                  </a:txBody>
-                  <a:tcPr anchor="ctr"/>
-                </a:tc>
-                <a:tc>
-                  <a:txBody>
-                    <a:bodyPr/>
-                    <a:lstStyle/>
-                    <a:p>
-                      <a:pPr algn="ctr"/>
-                      <a:endParaRPr lang="en-US"/>
-                    </a:p>
-                  </a:txBody>
-                  <a:tcPr anchor="ctr"/>
-                </a:tc>
-                <a:tc>
-                  <a:txBody>
-                    <a:bodyPr/>
-                    <a:lstStyle/>
-                    <a:p>
-                      <a:pPr algn="ctr"/>
-                      <a:endParaRPr lang="en-US" dirty="0"/>
-                    </a:p>
-                  </a:txBody>
                   <a:tcPr anchor="ctr">
                     <a:solidFill>
                       <a:schemeClr val="bg2">
@@ -10970,54 +11177,120 @@
                     <a:lstStyle/>
                     <a:p>
                       <a:pPr algn="ctr"/>
-                      <a:endParaRPr lang="en-US" dirty="0"/>
-                    </a:p>
-                  </a:txBody>
-                  <a:tcPr anchor="ctr"/>
-                </a:tc>
-                <a:tc>
-                  <a:txBody>
-                    <a:bodyPr/>
-                    <a:lstStyle/>
-                    <a:p>
-                      <a:pPr algn="ctr"/>
-                      <a:endParaRPr lang="en-US" dirty="0"/>
-                    </a:p>
-                  </a:txBody>
-                  <a:tcPr anchor="ctr"/>
-                </a:tc>
-                <a:tc>
-                  <a:txBody>
-                    <a:bodyPr/>
-                    <a:lstStyle/>
-                    <a:p>
-                      <a:pPr algn="ctr"/>
-                      <a:endParaRPr lang="en-US"/>
-                    </a:p>
-                  </a:txBody>
-                  <a:tcPr anchor="ctr"/>
-                </a:tc>
-                <a:tc>
-                  <a:txBody>
-                    <a:bodyPr/>
-                    <a:lstStyle/>
-                    <a:p>
-                      <a:pPr algn="ctr"/>
-                      <a:endParaRPr lang="en-US"/>
-                    </a:p>
-                  </a:txBody>
-                  <a:tcPr anchor="ctr"/>
-                </a:tc>
-                <a:tc>
-                  <a:txBody>
-                    <a:bodyPr/>
-                    <a:lstStyle/>
-                    <a:p>
-                      <a:pPr algn="ctr"/>
-                      <a:endParaRPr lang="en-US"/>
-                    </a:p>
-                  </a:txBody>
-                  <a:tcPr anchor="ctr"/>
+                      <a:endParaRPr lang="en-US" sz="1600"/>
+                    </a:p>
+                  </a:txBody>
+                  <a:tcPr anchor="ctr"/>
+                </a:tc>
+                <a:tc>
+                  <a:txBody>
+                    <a:bodyPr/>
+                    <a:lstStyle/>
+                    <a:p>
+                      <a:pPr algn="ctr"/>
+                      <a:endParaRPr lang="en-US" sz="1600"/>
+                    </a:p>
+                  </a:txBody>
+                  <a:tcPr anchor="ctr"/>
+                </a:tc>
+                <a:tc>
+                  <a:txBody>
+                    <a:bodyPr/>
+                    <a:lstStyle/>
+                    <a:p>
+                      <a:pPr algn="ctr"/>
+                      <a:endParaRPr lang="en-US" sz="1600" dirty="0"/>
+                    </a:p>
+                  </a:txBody>
+                  <a:tcPr anchor="ctr">
+                    <a:solidFill>
+                      <a:schemeClr val="bg2">
+                        <a:lumMod val="50000"/>
+                      </a:schemeClr>
+                    </a:solidFill>
+                  </a:tcPr>
+                </a:tc>
+                <a:tc>
+                  <a:txBody>
+                    <a:bodyPr/>
+                    <a:lstStyle/>
+                    <a:p>
+                      <a:pPr algn="ctr"/>
+                      <a:r>
+                        <a:rPr lang="en-US" sz="1600" dirty="0"/>
+                        <a:t>-</a:t>
+                      </a:r>
+                    </a:p>
+                  </a:txBody>
+                  <a:tcPr anchor="ctr">
+                    <a:solidFill>
+                      <a:schemeClr val="bg2">
+                        <a:lumMod val="75000"/>
+                      </a:schemeClr>
+                    </a:solidFill>
+                  </a:tcPr>
+                </a:tc>
+                <a:tc>
+                  <a:txBody>
+                    <a:bodyPr/>
+                    <a:lstStyle/>
+                    <a:p>
+                      <a:pPr algn="ctr"/>
+                      <a:r>
+                        <a:rPr lang="en-US" sz="1600" dirty="0"/>
+                        <a:t>-</a:t>
+                      </a:r>
+                    </a:p>
+                  </a:txBody>
+                  <a:tcPr anchor="ctr">
+                    <a:solidFill>
+                      <a:schemeClr val="bg2">
+                        <a:lumMod val="75000"/>
+                      </a:schemeClr>
+                    </a:solidFill>
+                  </a:tcPr>
+                </a:tc>
+                <a:tc>
+                  <a:txBody>
+                    <a:bodyPr/>
+                    <a:lstStyle/>
+                    <a:p>
+                      <a:pPr algn="ctr"/>
+                      <a:endParaRPr lang="en-US" sz="1600"/>
+                    </a:p>
+                  </a:txBody>
+                  <a:tcPr anchor="ctr"/>
+                </a:tc>
+                <a:tc>
+                  <a:txBody>
+                    <a:bodyPr/>
+                    <a:lstStyle/>
+                    <a:p>
+                      <a:pPr algn="ctr"/>
+                      <a:endParaRPr lang="en-US" sz="1600"/>
+                    </a:p>
+                  </a:txBody>
+                  <a:tcPr anchor="ctr"/>
+                </a:tc>
+                <a:tc>
+                  <a:txBody>
+                    <a:bodyPr/>
+                    <a:lstStyle/>
+                    <a:p>
+                      <a:pPr algn="ctr"/>
+                      <a:r>
+                        <a:rPr lang="en-US" sz="1600" dirty="0"/>
+                        <a:t>-</a:t>
+                      </a:r>
+                    </a:p>
+                  </a:txBody>
+                  <a:tcPr anchor="ctr">
+                    <a:solidFill>
+                      <a:schemeClr val="bg2">
+                        <a:lumMod val="75000"/>
+                      </a:schemeClr>
+                    </a:solidFill>
+                  </a:tcPr>
                 </a:tc>
                 <a:extLst>
                   <a:ext uri="{0D108BD9-81ED-4DB2-BD59-A6C34878D82A}">
@@ -11025,15 +11298,15 @@
                   </a:ext>
                 </a:extLst>
               </a:tr>
-              <a:tr h="470491">
-                <a:tc>
-                  <a:txBody>
-                    <a:bodyPr/>
-                    <a:lstStyle/>
-                    <a:p>
-                      <a:pPr algn="ctr"/>
-                      <a:r>
-                        <a:rPr lang="en-US" dirty="0">
+              <a:tr h="425913">
+                <a:tc>
+                  <a:txBody>
+                    <a:bodyPr/>
+                    <a:lstStyle/>
+                    <a:p>
+                      <a:pPr algn="ctr"/>
+                      <a:r>
+                        <a:rPr lang="en-US" sz="1600" dirty="0">
                           <a:solidFill>
                             <a:schemeClr val="bg1"/>
                           </a:solidFill>
@@ -11055,78 +11328,91 @@
                     <a:p>
                       <a:pPr algn="ctr"/>
                       <a:r>
-                        <a:rPr lang="en-US" dirty="0"/>
+                        <a:rPr lang="en-US" sz="1600" dirty="0"/>
                         <a:t>-</a:t>
                       </a:r>
                     </a:p>
                   </a:txBody>
-                  <a:tcPr anchor="ctr"/>
-                </a:tc>
-                <a:tc>
-                  <a:txBody>
-                    <a:bodyPr/>
-                    <a:lstStyle/>
-                    <a:p>
-                      <a:pPr algn="ctr"/>
-                      <a:r>
-                        <a:rPr lang="en-US" dirty="0"/>
+                  <a:tcPr anchor="ctr">
+                    <a:solidFill>
+                      <a:schemeClr val="bg2">
+                        <a:lumMod val="75000"/>
+                      </a:schemeClr>
+                    </a:solidFill>
+                  </a:tcPr>
+                </a:tc>
+                <a:tc>
+                  <a:txBody>
+                    <a:bodyPr/>
+                    <a:lstStyle/>
+                    <a:p>
+                      <a:pPr algn="ctr"/>
+                      <a:r>
+                        <a:rPr lang="en-US" sz="1600" dirty="0"/>
                         <a:t>-</a:t>
                       </a:r>
                     </a:p>
                   </a:txBody>
-                  <a:tcPr anchor="ctr"/>
-                </a:tc>
-                <a:tc>
-                  <a:txBody>
-                    <a:bodyPr/>
-                    <a:lstStyle/>
-                    <a:p>
-                      <a:pPr algn="ctr"/>
-                      <a:r>
-                        <a:rPr lang="en-US" dirty="0"/>
+                  <a:tcPr anchor="ctr">
+                    <a:solidFill>
+                      <a:schemeClr val="bg2">
+                        <a:lumMod val="75000"/>
+                      </a:schemeClr>
+                    </a:solidFill>
+                  </a:tcPr>
+                </a:tc>
+                <a:tc>
+                  <a:txBody>
+                    <a:bodyPr/>
+                    <a:lstStyle/>
+                    <a:p>
+                      <a:pPr algn="ctr"/>
+                      <a:r>
+                        <a:rPr lang="en-US" sz="1600" dirty="0"/>
                         <a:t>-</a:t>
                       </a:r>
                     </a:p>
                   </a:txBody>
-                  <a:tcPr anchor="ctr"/>
-                </a:tc>
-                <a:tc>
-                  <a:txBody>
-                    <a:bodyPr/>
-                    <a:lstStyle/>
-                    <a:p>
-                      <a:pPr algn="ctr"/>
-                      <a:r>
-                        <a:rPr lang="en-US" dirty="0"/>
+                  <a:tcPr anchor="ctr">
+                    <a:solidFill>
+                      <a:schemeClr val="bg2">
+                        <a:lumMod val="75000"/>
+                      </a:schemeClr>
+                    </a:solidFill>
+                  </a:tcPr>
+                </a:tc>
+                <a:tc>
+                  <a:txBody>
+                    <a:bodyPr/>
+                    <a:lstStyle/>
+                    <a:p>
+                      <a:pPr algn="ctr"/>
+                      <a:r>
+                        <a:rPr lang="en-US" sz="1600" dirty="0"/>
                         <a:t>-</a:t>
                       </a:r>
                     </a:p>
                   </a:txBody>
-                  <a:tcPr anchor="ctr"/>
-                </a:tc>
-                <a:tc>
-                  <a:txBody>
-                    <a:bodyPr/>
-                    <a:lstStyle/>
-                    <a:p>
-                      <a:pPr algn="ctr"/>
-                      <a:r>
-                        <a:rPr lang="en-US" dirty="0"/>
+                  <a:tcPr anchor="ctr">
+                    <a:solidFill>
+                      <a:schemeClr val="bg2">
+                        <a:lumMod val="75000"/>
+                      </a:schemeClr>
+                    </a:solidFill>
+                  </a:tcPr>
+                </a:tc>
+                <a:tc>
+                  <a:txBody>
+                    <a:bodyPr/>
+                    <a:lstStyle/>
+                    <a:p>
+                      <a:pPr algn="ctr"/>
+                      <a:r>
+                        <a:rPr lang="en-US" sz="1600" dirty="0"/>
                         <a:t>-</a:t>
                       </a:r>
                     </a:p>
                   </a:txBody>
-                  <a:tcPr anchor="ctr"/>
-                </a:tc>
-                <a:tc>
-                  <a:txBody>
-                    <a:bodyPr/>
-                    <a:lstStyle/>
-                    <a:p>
-                      <a:pPr algn="ctr"/>
-                      <a:endParaRPr lang="en-US" dirty="0"/>
-                    </a:p>
-                  </a:txBody>
                   <a:tcPr anchor="ctr">
                     <a:solidFill>
                       <a:schemeClr val="bg2">
@@ -11141,40 +11427,66 @@
                     <a:lstStyle/>
                     <a:p>
                       <a:pPr algn="ctr"/>
-                      <a:endParaRPr lang="en-US" dirty="0"/>
-                    </a:p>
-                  </a:txBody>
-                  <a:tcPr anchor="ctr"/>
-                </a:tc>
-                <a:tc>
-                  <a:txBody>
-                    <a:bodyPr/>
-                    <a:lstStyle/>
-                    <a:p>
-                      <a:pPr algn="ctr"/>
-                      <a:endParaRPr lang="en-US"/>
-                    </a:p>
-                  </a:txBody>
-                  <a:tcPr anchor="ctr"/>
-                </a:tc>
-                <a:tc>
-                  <a:txBody>
-                    <a:bodyPr/>
-                    <a:lstStyle/>
-                    <a:p>
-                      <a:pPr algn="ctr"/>
-                      <a:endParaRPr lang="en-US"/>
-                    </a:p>
-                  </a:txBody>
-                  <a:tcPr anchor="ctr"/>
-                </a:tc>
-                <a:tc>
-                  <a:txBody>
-                    <a:bodyPr/>
-                    <a:lstStyle/>
-                    <a:p>
-                      <a:pPr algn="ctr"/>
-                      <a:endParaRPr lang="en-US"/>
+                      <a:endParaRPr lang="en-US" sz="1600" dirty="0"/>
+                    </a:p>
+                  </a:txBody>
+                  <a:tcPr anchor="ctr">
+                    <a:solidFill>
+                      <a:schemeClr val="bg2">
+                        <a:lumMod val="50000"/>
+                      </a:schemeClr>
+                    </a:solidFill>
+                  </a:tcPr>
+                </a:tc>
+                <a:tc>
+                  <a:txBody>
+                    <a:bodyPr/>
+                    <a:lstStyle/>
+                    <a:p>
+                      <a:pPr algn="ctr"/>
+                      <a:endParaRPr lang="en-US" sz="1600" dirty="0"/>
+                    </a:p>
+                  </a:txBody>
+                  <a:tcPr anchor="ctr"/>
+                </a:tc>
+                <a:tc>
+                  <a:txBody>
+                    <a:bodyPr/>
+                    <a:lstStyle/>
+                    <a:p>
+                      <a:pPr algn="ctr"/>
+                      <a:endParaRPr lang="en-US" sz="1600"/>
+                    </a:p>
+                  </a:txBody>
+                  <a:tcPr anchor="ctr"/>
+                </a:tc>
+                <a:tc>
+                  <a:txBody>
+                    <a:bodyPr/>
+                    <a:lstStyle/>
+                    <a:p>
+                      <a:pPr algn="ctr"/>
+                      <a:r>
+                        <a:rPr lang="en-US" sz="1600" dirty="0"/>
+                        <a:t>-</a:t>
+                      </a:r>
+                    </a:p>
+                  </a:txBody>
+                  <a:tcPr anchor="ctr">
+                    <a:solidFill>
+                      <a:schemeClr val="bg2">
+                        <a:lumMod val="75000"/>
+                      </a:schemeClr>
+                    </a:solidFill>
+                  </a:tcPr>
+                </a:tc>
+                <a:tc>
+                  <a:txBody>
+                    <a:bodyPr/>
+                    <a:lstStyle/>
+                    <a:p>
+                      <a:pPr algn="ctr"/>
+                      <a:endParaRPr lang="en-US" sz="1600" dirty="0"/>
                     </a:p>
                   </a:txBody>
                   <a:tcPr anchor="ctr"/>
@@ -11185,15 +11497,15 @@
                   </a:ext>
                 </a:extLst>
               </a:tr>
-              <a:tr h="470491">
-                <a:tc>
-                  <a:txBody>
-                    <a:bodyPr/>
-                    <a:lstStyle/>
-                    <a:p>
-                      <a:pPr algn="ctr"/>
-                      <a:r>
-                        <a:rPr lang="en-US" dirty="0">
+              <a:tr h="425913">
+                <a:tc>
+                  <a:txBody>
+                    <a:bodyPr/>
+                    <a:lstStyle/>
+                    <a:p>
+                      <a:pPr algn="ctr"/>
+                      <a:r>
+                        <a:rPr lang="en-US" sz="1600" dirty="0">
                           <a:solidFill>
                             <a:schemeClr val="bg1"/>
                           </a:solidFill>
@@ -11215,89 +11527,91 @@
                     <a:p>
                       <a:pPr algn="ctr"/>
                       <a:r>
-                        <a:rPr lang="en-US" dirty="0"/>
+                        <a:rPr lang="en-US" sz="1600" dirty="0"/>
                         <a:t>-</a:t>
                       </a:r>
                     </a:p>
                   </a:txBody>
-                  <a:tcPr anchor="ctr"/>
-                </a:tc>
-                <a:tc>
-                  <a:txBody>
-                    <a:bodyPr/>
-                    <a:lstStyle/>
-                    <a:p>
-                      <a:pPr algn="ctr"/>
-                      <a:r>
-                        <a:rPr lang="en-US" dirty="0"/>
+                  <a:tcPr anchor="ctr">
+                    <a:solidFill>
+                      <a:schemeClr val="bg2">
+                        <a:lumMod val="75000"/>
+                      </a:schemeClr>
+                    </a:solidFill>
+                  </a:tcPr>
+                </a:tc>
+                <a:tc>
+                  <a:txBody>
+                    <a:bodyPr/>
+                    <a:lstStyle/>
+                    <a:p>
+                      <a:pPr algn="ctr"/>
+                      <a:r>
+                        <a:rPr lang="en-US" sz="1600" dirty="0"/>
                         <a:t>-</a:t>
                       </a:r>
                     </a:p>
                   </a:txBody>
-                  <a:tcPr anchor="ctr"/>
-                </a:tc>
-                <a:tc>
-                  <a:txBody>
-                    <a:bodyPr/>
-                    <a:lstStyle/>
-                    <a:p>
-                      <a:pPr algn="ctr"/>
-                      <a:r>
-                        <a:rPr lang="en-US" dirty="0"/>
+                  <a:tcPr anchor="ctr">
+                    <a:solidFill>
+                      <a:schemeClr val="bg2">
+                        <a:lumMod val="75000"/>
+                      </a:schemeClr>
+                    </a:solidFill>
+                  </a:tcPr>
+                </a:tc>
+                <a:tc>
+                  <a:txBody>
+                    <a:bodyPr/>
+                    <a:lstStyle/>
+                    <a:p>
+                      <a:pPr algn="ctr"/>
+                      <a:r>
+                        <a:rPr lang="en-US" sz="1600" dirty="0"/>
                         <a:t>-</a:t>
                       </a:r>
                     </a:p>
                   </a:txBody>
-                  <a:tcPr anchor="ctr"/>
-                </a:tc>
-                <a:tc>
-                  <a:txBody>
-                    <a:bodyPr/>
-                    <a:lstStyle/>
-                    <a:p>
-                      <a:pPr algn="ctr"/>
-                      <a:r>
-                        <a:rPr lang="en-US" dirty="0"/>
+                  <a:tcPr anchor="ctr">
+                    <a:solidFill>
+                      <a:schemeClr val="bg2">
+                        <a:lumMod val="75000"/>
+                      </a:schemeClr>
+                    </a:solidFill>
+                  </a:tcPr>
+                </a:tc>
+                <a:tc>
+                  <a:txBody>
+                    <a:bodyPr/>
+                    <a:lstStyle/>
+                    <a:p>
+                      <a:pPr algn="ctr"/>
+                      <a:r>
+                        <a:rPr lang="en-US" sz="1600" dirty="0"/>
                         <a:t>-</a:t>
                       </a:r>
                     </a:p>
                   </a:txBody>
-                  <a:tcPr anchor="ctr"/>
-                </a:tc>
-                <a:tc>
-                  <a:txBody>
-                    <a:bodyPr/>
-                    <a:lstStyle/>
-                    <a:p>
-                      <a:pPr algn="ctr"/>
-                      <a:r>
-                        <a:rPr lang="en-US" dirty="0"/>
+                  <a:tcPr anchor="ctr">
+                    <a:solidFill>
+                      <a:schemeClr val="bg2">
+                        <a:lumMod val="75000"/>
+                      </a:schemeClr>
+                    </a:solidFill>
+                  </a:tcPr>
+                </a:tc>
+                <a:tc>
+                  <a:txBody>
+                    <a:bodyPr/>
+                    <a:lstStyle/>
+                    <a:p>
+                      <a:pPr algn="ctr"/>
+                      <a:r>
+                        <a:rPr lang="en-US" sz="1600" dirty="0"/>
                         <a:t>-</a:t>
                       </a:r>
                     </a:p>
                   </a:txBody>
-                  <a:tcPr anchor="ctr"/>
-                </a:tc>
-                <a:tc>
-                  <a:txBody>
-                    <a:bodyPr/>
-                    <a:lstStyle/>
-                    <a:p>
-                      <a:pPr algn="ctr"/>
-                      <a:endParaRPr lang="en-US" dirty="0"/>
-                    </a:p>
-                  </a:txBody>
-                  <a:tcPr anchor="ctr"/>
-                </a:tc>
-                <a:tc>
-                  <a:txBody>
-                    <a:bodyPr/>
-                    <a:lstStyle/>
-                    <a:p>
-                      <a:pPr algn="ctr"/>
-                      <a:endParaRPr lang="en-US" dirty="0"/>
-                    </a:p>
-                  </a:txBody>
                   <a:tcPr anchor="ctr">
                     <a:solidFill>
                       <a:schemeClr val="bg2">
@@ -11312,29 +11626,66 @@
                     <a:lstStyle/>
                     <a:p>
                       <a:pPr algn="ctr"/>
-                      <a:endParaRPr lang="en-US"/>
-                    </a:p>
-                  </a:txBody>
-                  <a:tcPr anchor="ctr"/>
-                </a:tc>
-                <a:tc>
-                  <a:txBody>
-                    <a:bodyPr/>
-                    <a:lstStyle/>
-                    <a:p>
-                      <a:pPr algn="ctr"/>
-                      <a:endParaRPr lang="en-US"/>
-                    </a:p>
-                  </a:txBody>
-                  <a:tcPr anchor="ctr"/>
-                </a:tc>
-                <a:tc>
-                  <a:txBody>
-                    <a:bodyPr/>
-                    <a:lstStyle/>
-                    <a:p>
-                      <a:pPr algn="ctr"/>
-                      <a:endParaRPr lang="en-US"/>
+                      <a:endParaRPr lang="en-US" sz="1600" dirty="0"/>
+                    </a:p>
+                  </a:txBody>
+                  <a:tcPr anchor="ctr"/>
+                </a:tc>
+                <a:tc>
+                  <a:txBody>
+                    <a:bodyPr/>
+                    <a:lstStyle/>
+                    <a:p>
+                      <a:pPr algn="ctr"/>
+                      <a:endParaRPr lang="en-US" sz="1600" dirty="0"/>
+                    </a:p>
+                  </a:txBody>
+                  <a:tcPr anchor="ctr">
+                    <a:solidFill>
+                      <a:schemeClr val="bg2">
+                        <a:lumMod val="50000"/>
+                      </a:schemeClr>
+                    </a:solidFill>
+                  </a:tcPr>
+                </a:tc>
+                <a:tc>
+                  <a:txBody>
+                    <a:bodyPr/>
+                    <a:lstStyle/>
+                    <a:p>
+                      <a:pPr algn="ctr"/>
+                      <a:endParaRPr lang="en-US" sz="1600"/>
+                    </a:p>
+                  </a:txBody>
+                  <a:tcPr anchor="ctr"/>
+                </a:tc>
+                <a:tc>
+                  <a:txBody>
+                    <a:bodyPr/>
+                    <a:lstStyle/>
+                    <a:p>
+                      <a:pPr algn="ctr"/>
+                      <a:r>
+                        <a:rPr lang="en-US" sz="1600" dirty="0"/>
+                        <a:t>-</a:t>
+                      </a:r>
+                    </a:p>
+                  </a:txBody>
+                  <a:tcPr anchor="ctr">
+                    <a:solidFill>
+                      <a:schemeClr val="bg2">
+                        <a:lumMod val="75000"/>
+                      </a:schemeClr>
+                    </a:solidFill>
+                  </a:tcPr>
+                </a:tc>
+                <a:tc>
+                  <a:txBody>
+                    <a:bodyPr/>
+                    <a:lstStyle/>
+                    <a:p>
+                      <a:pPr algn="ctr"/>
+                      <a:endParaRPr lang="en-US" sz="1600"/>
                     </a:p>
                   </a:txBody>
                   <a:tcPr anchor="ctr"/>
@@ -11345,15 +11696,15 @@
                   </a:ext>
                 </a:extLst>
               </a:tr>
-              <a:tr h="470491">
-                <a:tc>
-                  <a:txBody>
-                    <a:bodyPr/>
-                    <a:lstStyle/>
-                    <a:p>
-                      <a:pPr algn="ctr"/>
-                      <a:r>
-                        <a:rPr lang="en-US" dirty="0">
+              <a:tr h="425913">
+                <a:tc>
+                  <a:txBody>
+                    <a:bodyPr/>
+                    <a:lstStyle/>
+                    <a:p>
+                      <a:pPr algn="ctr"/>
+                      <a:r>
+                        <a:rPr lang="en-US" sz="1600" dirty="0">
                           <a:solidFill>
                             <a:schemeClr val="bg1"/>
                           </a:solidFill>
@@ -11375,106 +11726,131 @@
                     <a:p>
                       <a:pPr algn="ctr"/>
                       <a:r>
-                        <a:rPr lang="en-US" dirty="0"/>
+                        <a:rPr lang="en-US" sz="1600" dirty="0"/>
                         <a:t>-</a:t>
                       </a:r>
                     </a:p>
                   </a:txBody>
-                  <a:tcPr anchor="ctr"/>
-                </a:tc>
-                <a:tc>
-                  <a:txBody>
-                    <a:bodyPr/>
-                    <a:lstStyle/>
-                    <a:p>
-                      <a:pPr algn="ctr"/>
-                      <a:r>
-                        <a:rPr lang="en-US" dirty="0"/>
+                  <a:tcPr anchor="ctr">
+                    <a:solidFill>
+                      <a:schemeClr val="bg2">
+                        <a:lumMod val="75000"/>
+                      </a:schemeClr>
+                    </a:solidFill>
+                  </a:tcPr>
+                </a:tc>
+                <a:tc>
+                  <a:txBody>
+                    <a:bodyPr/>
+                    <a:lstStyle/>
+                    <a:p>
+                      <a:pPr algn="ctr"/>
+                      <a:r>
+                        <a:rPr lang="en-US" sz="1600" dirty="0"/>
                         <a:t>-</a:t>
                       </a:r>
                     </a:p>
                   </a:txBody>
-                  <a:tcPr anchor="ctr"/>
-                </a:tc>
-                <a:tc>
-                  <a:txBody>
-                    <a:bodyPr/>
-                    <a:lstStyle/>
-                    <a:p>
-                      <a:pPr algn="ctr"/>
-                      <a:r>
-                        <a:rPr lang="en-US" dirty="0"/>
+                  <a:tcPr anchor="ctr">
+                    <a:solidFill>
+                      <a:schemeClr val="bg2">
+                        <a:lumMod val="75000"/>
+                      </a:schemeClr>
+                    </a:solidFill>
+                  </a:tcPr>
+                </a:tc>
+                <a:tc>
+                  <a:txBody>
+                    <a:bodyPr/>
+                    <a:lstStyle/>
+                    <a:p>
+                      <a:pPr algn="ctr"/>
+                      <a:r>
+                        <a:rPr lang="en-US" sz="1600" dirty="0"/>
                         <a:t>-</a:t>
                       </a:r>
                     </a:p>
                   </a:txBody>
-                  <a:tcPr anchor="ctr"/>
-                </a:tc>
-                <a:tc>
-                  <a:txBody>
-                    <a:bodyPr/>
-                    <a:lstStyle/>
-                    <a:p>
-                      <a:pPr algn="ctr"/>
-                      <a:r>
-                        <a:rPr lang="en-US" dirty="0"/>
+                  <a:tcPr anchor="ctr">
+                    <a:solidFill>
+                      <a:schemeClr val="bg2">
+                        <a:lumMod val="75000"/>
+                      </a:schemeClr>
+                    </a:solidFill>
+                  </a:tcPr>
+                </a:tc>
+                <a:tc>
+                  <a:txBody>
+                    <a:bodyPr/>
+                    <a:lstStyle/>
+                    <a:p>
+                      <a:pPr algn="ctr"/>
+                      <a:r>
+                        <a:rPr lang="en-US" sz="1600" dirty="0"/>
                         <a:t>-</a:t>
                       </a:r>
                     </a:p>
                   </a:txBody>
-                  <a:tcPr anchor="ctr"/>
-                </a:tc>
-                <a:tc>
-                  <a:txBody>
-                    <a:bodyPr/>
-                    <a:lstStyle/>
-                    <a:p>
-                      <a:pPr algn="ctr"/>
-                      <a:r>
-                        <a:rPr lang="en-US" dirty="0"/>
+                  <a:tcPr anchor="ctr">
+                    <a:solidFill>
+                      <a:schemeClr val="bg2">
+                        <a:lumMod val="75000"/>
+                      </a:schemeClr>
+                    </a:solidFill>
+                  </a:tcPr>
+                </a:tc>
+                <a:tc>
+                  <a:txBody>
+                    <a:bodyPr/>
+                    <a:lstStyle/>
+                    <a:p>
+                      <a:pPr algn="ctr"/>
+                      <a:r>
+                        <a:rPr lang="en-US" sz="1600" dirty="0"/>
                         <a:t>-</a:t>
                       </a:r>
                     </a:p>
                   </a:txBody>
-                  <a:tcPr anchor="ctr"/>
-                </a:tc>
-                <a:tc>
-                  <a:txBody>
-                    <a:bodyPr/>
-                    <a:lstStyle/>
-                    <a:p>
-                      <a:pPr algn="ctr"/>
-                      <a:r>
-                        <a:rPr lang="en-US" dirty="0"/>
+                  <a:tcPr anchor="ctr">
+                    <a:solidFill>
+                      <a:schemeClr val="bg2">
+                        <a:lumMod val="75000"/>
+                      </a:schemeClr>
+                    </a:solidFill>
+                  </a:tcPr>
+                </a:tc>
+                <a:tc>
+                  <a:txBody>
+                    <a:bodyPr/>
+                    <a:lstStyle/>
+                    <a:p>
+                      <a:pPr algn="ctr"/>
+                      <a:r>
+                        <a:rPr lang="en-US" sz="1600" dirty="0"/>
                         <a:t>-</a:t>
                       </a:r>
                     </a:p>
                   </a:txBody>
-                  <a:tcPr anchor="ctr"/>
-                </a:tc>
-                <a:tc>
-                  <a:txBody>
-                    <a:bodyPr/>
-                    <a:lstStyle/>
-                    <a:p>
-                      <a:pPr algn="ctr"/>
-                      <a:r>
-                        <a:rPr lang="en-US" dirty="0"/>
+                  <a:tcPr anchor="ctr">
+                    <a:solidFill>
+                      <a:schemeClr val="bg2">
+                        <a:lumMod val="75000"/>
+                      </a:schemeClr>
+                    </a:solidFill>
+                  </a:tcPr>
+                </a:tc>
+                <a:tc>
+                  <a:txBody>
+                    <a:bodyPr/>
+                    <a:lstStyle/>
+                    <a:p>
+                      <a:pPr algn="ctr"/>
+                      <a:r>
+                        <a:rPr lang="en-US" sz="1600" dirty="0"/>
                         <a:t>-</a:t>
                       </a:r>
                     </a:p>
                   </a:txBody>
-                  <a:tcPr anchor="ctr"/>
-                </a:tc>
-                <a:tc>
-                  <a:txBody>
-                    <a:bodyPr/>
-                    <a:lstStyle/>
-                    <a:p>
-                      <a:pPr algn="ctr"/>
-                      <a:endParaRPr lang="en-US" dirty="0"/>
-                    </a:p>
-                  </a:txBody>
                   <a:tcPr anchor="ctr">
                     <a:solidFill>
                       <a:schemeClr val="bg2">
@@ -11489,27 +11865,56 @@
                     <a:lstStyle/>
                     <a:p>
                       <a:pPr algn="ctr"/>
-                      <a:r>
-                        <a:rPr lang="en-US" dirty="0"/>
+                      <a:endParaRPr lang="en-US" sz="1600" dirty="0"/>
+                    </a:p>
+                  </a:txBody>
+                  <a:tcPr anchor="ctr">
+                    <a:solidFill>
+                      <a:schemeClr val="bg2">
+                        <a:lumMod val="50000"/>
+                      </a:schemeClr>
+                    </a:solidFill>
+                  </a:tcPr>
+                </a:tc>
+                <a:tc>
+                  <a:txBody>
+                    <a:bodyPr/>
+                    <a:lstStyle/>
+                    <a:p>
+                      <a:pPr algn="ctr"/>
+                      <a:r>
+                        <a:rPr lang="en-US" sz="1600" dirty="0"/>
                         <a:t>-</a:t>
                       </a:r>
                     </a:p>
                   </a:txBody>
-                  <a:tcPr anchor="ctr"/>
-                </a:tc>
-                <a:tc>
-                  <a:txBody>
-                    <a:bodyPr/>
-                    <a:lstStyle/>
-                    <a:p>
-                      <a:pPr algn="ctr"/>
-                      <a:r>
-                        <a:rPr lang="en-US" dirty="0"/>
+                  <a:tcPr anchor="ctr">
+                    <a:solidFill>
+                      <a:schemeClr val="bg2">
+                        <a:lumMod val="75000"/>
+                      </a:schemeClr>
+                    </a:solidFill>
+                  </a:tcPr>
+                </a:tc>
+                <a:tc>
+                  <a:txBody>
+                    <a:bodyPr/>
+                    <a:lstStyle/>
+                    <a:p>
+                      <a:pPr algn="ctr"/>
+                      <a:r>
+                        <a:rPr lang="en-US" sz="1600" dirty="0"/>
                         <a:t>-</a:t>
                       </a:r>
                     </a:p>
                   </a:txBody>
-                  <a:tcPr anchor="ctr"/>
+                  <a:tcPr anchor="ctr">
+                    <a:solidFill>
+                      <a:schemeClr val="bg2">
+                        <a:lumMod val="75000"/>
+                      </a:schemeClr>
+                    </a:solidFill>
+                  </a:tcPr>
                 </a:tc>
                 <a:extLst>
                   <a:ext uri="{0D108BD9-81ED-4DB2-BD59-A6C34878D82A}">
@@ -11517,15 +11922,15 @@
                   </a:ext>
                 </a:extLst>
               </a:tr>
-              <a:tr h="470491">
-                <a:tc>
-                  <a:txBody>
-                    <a:bodyPr/>
-                    <a:lstStyle/>
-                    <a:p>
-                      <a:pPr algn="ctr"/>
-                      <a:r>
-                        <a:rPr lang="en-US" dirty="0">
+              <a:tr h="425913">
+                <a:tc>
+                  <a:txBody>
+                    <a:bodyPr/>
+                    <a:lstStyle/>
+                    <a:p>
+                      <a:pPr algn="ctr"/>
+                      <a:r>
+                        <a:rPr lang="en-US" sz="1600" dirty="0">
                           <a:solidFill>
                             <a:schemeClr val="bg1"/>
                           </a:solidFill>
@@ -11547,120 +11952,151 @@
                     <a:p>
                       <a:pPr algn="ctr"/>
                       <a:r>
-                        <a:rPr lang="en-US" dirty="0"/>
+                        <a:rPr lang="en-US" sz="1600" dirty="0"/>
                         <a:t>-</a:t>
                       </a:r>
                     </a:p>
                   </a:txBody>
-                  <a:tcPr anchor="ctr"/>
-                </a:tc>
-                <a:tc>
-                  <a:txBody>
-                    <a:bodyPr/>
-                    <a:lstStyle/>
-                    <a:p>
-                      <a:pPr algn="ctr"/>
-                      <a:r>
-                        <a:rPr lang="en-US" dirty="0"/>
+                  <a:tcPr anchor="ctr">
+                    <a:solidFill>
+                      <a:schemeClr val="bg2">
+                        <a:lumMod val="75000"/>
+                      </a:schemeClr>
+                    </a:solidFill>
+                  </a:tcPr>
+                </a:tc>
+                <a:tc>
+                  <a:txBody>
+                    <a:bodyPr/>
+                    <a:lstStyle/>
+                    <a:p>
+                      <a:pPr algn="ctr"/>
+                      <a:r>
+                        <a:rPr lang="en-US" sz="1600" dirty="0"/>
                         <a:t>-</a:t>
                       </a:r>
                     </a:p>
                   </a:txBody>
-                  <a:tcPr anchor="ctr"/>
-                </a:tc>
-                <a:tc>
-                  <a:txBody>
-                    <a:bodyPr/>
-                    <a:lstStyle/>
-                    <a:p>
-                      <a:pPr algn="ctr"/>
-                      <a:r>
-                        <a:rPr lang="en-US" dirty="0"/>
+                  <a:tcPr anchor="ctr">
+                    <a:solidFill>
+                      <a:schemeClr val="bg2">
+                        <a:lumMod val="75000"/>
+                      </a:schemeClr>
+                    </a:solidFill>
+                  </a:tcPr>
+                </a:tc>
+                <a:tc>
+                  <a:txBody>
+                    <a:bodyPr/>
+                    <a:lstStyle/>
+                    <a:p>
+                      <a:pPr algn="ctr"/>
+                      <a:r>
+                        <a:rPr lang="en-US" sz="1600" dirty="0"/>
                         <a:t>-</a:t>
                       </a:r>
                     </a:p>
                   </a:txBody>
-                  <a:tcPr anchor="ctr"/>
-                </a:tc>
-                <a:tc>
-                  <a:txBody>
-                    <a:bodyPr/>
-                    <a:lstStyle/>
-                    <a:p>
-                      <a:pPr algn="ctr"/>
-                      <a:r>
-                        <a:rPr lang="en-US" dirty="0"/>
+                  <a:tcPr anchor="ctr">
+                    <a:solidFill>
+                      <a:schemeClr val="bg2">
+                        <a:lumMod val="75000"/>
+                      </a:schemeClr>
+                    </a:solidFill>
+                  </a:tcPr>
+                </a:tc>
+                <a:tc>
+                  <a:txBody>
+                    <a:bodyPr/>
+                    <a:lstStyle/>
+                    <a:p>
+                      <a:pPr algn="ctr"/>
+                      <a:r>
+                        <a:rPr lang="en-US" sz="1600" dirty="0"/>
                         <a:t>-</a:t>
                       </a:r>
                     </a:p>
                   </a:txBody>
-                  <a:tcPr anchor="ctr"/>
-                </a:tc>
-                <a:tc>
-                  <a:txBody>
-                    <a:bodyPr/>
-                    <a:lstStyle/>
-                    <a:p>
-                      <a:pPr algn="ctr"/>
-                      <a:r>
-                        <a:rPr lang="en-US" dirty="0"/>
+                  <a:tcPr anchor="ctr">
+                    <a:solidFill>
+                      <a:schemeClr val="bg2">
+                        <a:lumMod val="75000"/>
+                      </a:schemeClr>
+                    </a:solidFill>
+                  </a:tcPr>
+                </a:tc>
+                <a:tc>
+                  <a:txBody>
+                    <a:bodyPr/>
+                    <a:lstStyle/>
+                    <a:p>
+                      <a:pPr algn="ctr"/>
+                      <a:r>
+                        <a:rPr lang="en-US" sz="1600" dirty="0"/>
                         <a:t>-</a:t>
                       </a:r>
                     </a:p>
                   </a:txBody>
-                  <a:tcPr anchor="ctr"/>
-                </a:tc>
-                <a:tc>
-                  <a:txBody>
-                    <a:bodyPr/>
-                    <a:lstStyle/>
-                    <a:p>
-                      <a:pPr algn="ctr"/>
-                      <a:r>
-                        <a:rPr lang="en-US" dirty="0"/>
+                  <a:tcPr anchor="ctr">
+                    <a:solidFill>
+                      <a:schemeClr val="bg2">
+                        <a:lumMod val="75000"/>
+                      </a:schemeClr>
+                    </a:solidFill>
+                  </a:tcPr>
+                </a:tc>
+                <a:tc>
+                  <a:txBody>
+                    <a:bodyPr/>
+                    <a:lstStyle/>
+                    <a:p>
+                      <a:pPr algn="ctr"/>
+                      <a:r>
+                        <a:rPr lang="en-US" sz="1600" dirty="0"/>
                         <a:t>-</a:t>
                       </a:r>
                     </a:p>
                   </a:txBody>
-                  <a:tcPr anchor="ctr"/>
-                </a:tc>
-                <a:tc>
-                  <a:txBody>
-                    <a:bodyPr/>
-                    <a:lstStyle/>
-                    <a:p>
-                      <a:pPr algn="ctr"/>
-                      <a:r>
-                        <a:rPr lang="en-US" dirty="0"/>
+                  <a:tcPr anchor="ctr">
+                    <a:solidFill>
+                      <a:schemeClr val="bg2">
+                        <a:lumMod val="75000"/>
+                      </a:schemeClr>
+                    </a:solidFill>
+                  </a:tcPr>
+                </a:tc>
+                <a:tc>
+                  <a:txBody>
+                    <a:bodyPr/>
+                    <a:lstStyle/>
+                    <a:p>
+                      <a:pPr algn="ctr"/>
+                      <a:r>
+                        <a:rPr lang="en-US" sz="1600" dirty="0"/>
                         <a:t>-</a:t>
                       </a:r>
                     </a:p>
                   </a:txBody>
-                  <a:tcPr anchor="ctr"/>
-                </a:tc>
-                <a:tc>
-                  <a:txBody>
-                    <a:bodyPr/>
-                    <a:lstStyle/>
-                    <a:p>
-                      <a:pPr algn="ctr"/>
-                      <a:r>
-                        <a:rPr lang="en-US" dirty="0"/>
+                  <a:tcPr anchor="ctr">
+                    <a:solidFill>
+                      <a:schemeClr val="bg2">
+                        <a:lumMod val="75000"/>
+                      </a:schemeClr>
+                    </a:solidFill>
+                  </a:tcPr>
+                </a:tc>
+                <a:tc>
+                  <a:txBody>
+                    <a:bodyPr/>
+                    <a:lstStyle/>
+                    <a:p>
+                      <a:pPr algn="ctr"/>
+                      <a:r>
+                        <a:rPr lang="en-US" sz="1600" dirty="0"/>
                         <a:t>-</a:t>
                       </a:r>
                     </a:p>
                   </a:txBody>
-                  <a:tcPr anchor="ctr"/>
-                </a:tc>
-                <a:tc>
-                  <a:txBody>
-                    <a:bodyPr/>
-                    <a:lstStyle/>
-                    <a:p>
-                      <a:pPr algn="ctr"/>
-                      <a:endParaRPr lang="en-US" dirty="0"/>
-                    </a:p>
-                  </a:txBody>
                   <a:tcPr anchor="ctr">
                     <a:solidFill>
                       <a:schemeClr val="bg2">
@@ -11675,13 +12111,36 @@
                     <a:lstStyle/>
                     <a:p>
                       <a:pPr algn="ctr"/>
-                      <a:r>
-                        <a:rPr lang="en-US" dirty="0"/>
+                      <a:endParaRPr lang="en-US" sz="1600" dirty="0"/>
+                    </a:p>
+                  </a:txBody>
+                  <a:tcPr anchor="ctr">
+                    <a:solidFill>
+                      <a:schemeClr val="bg2">
+                        <a:lumMod val="50000"/>
+                      </a:schemeClr>
+                    </a:solidFill>
+                  </a:tcPr>
+                </a:tc>
+                <a:tc>
+                  <a:txBody>
+                    <a:bodyPr/>
+                    <a:lstStyle/>
+                    <a:p>
+                      <a:pPr algn="ctr"/>
+                      <a:r>
+                        <a:rPr lang="en-US" sz="1600" dirty="0"/>
                         <a:t>-</a:t>
                       </a:r>
                     </a:p>
                   </a:txBody>
-                  <a:tcPr anchor="ctr"/>
+                  <a:tcPr anchor="ctr">
+                    <a:solidFill>
+                      <a:schemeClr val="bg2">
+                        <a:lumMod val="75000"/>
+                      </a:schemeClr>
+                    </a:solidFill>
+                  </a:tcPr>
                 </a:tc>
                 <a:extLst>
                   <a:ext uri="{0D108BD9-81ED-4DB2-BD59-A6C34878D82A}">
@@ -11689,15 +12148,15 @@
                   </a:ext>
                 </a:extLst>
               </a:tr>
-              <a:tr h="470491">
-                <a:tc>
-                  <a:txBody>
-                    <a:bodyPr/>
-                    <a:lstStyle/>
-                    <a:p>
-                      <a:pPr algn="ctr"/>
-                      <a:r>
-                        <a:rPr lang="en-US" dirty="0">
+              <a:tr h="425913">
+                <a:tc>
+                  <a:txBody>
+                    <a:bodyPr/>
+                    <a:lstStyle/>
+                    <a:p>
+                      <a:pPr algn="ctr"/>
+                      <a:r>
+                        <a:rPr lang="en-US" sz="1600" dirty="0">
                           <a:solidFill>
                             <a:schemeClr val="bg1"/>
                           </a:solidFill>
@@ -11719,138 +12178,192 @@
                     <a:p>
                       <a:pPr algn="ctr"/>
                       <a:r>
-                        <a:rPr lang="en-US" dirty="0"/>
+                        <a:rPr lang="en-US" sz="1600" dirty="0"/>
                         <a:t>-</a:t>
                       </a:r>
                     </a:p>
                   </a:txBody>
-                  <a:tcPr anchor="ctr"/>
-                </a:tc>
-                <a:tc>
-                  <a:txBody>
-                    <a:bodyPr/>
-                    <a:lstStyle/>
-                    <a:p>
-                      <a:pPr algn="ctr"/>
-                      <a:r>
-                        <a:rPr lang="en-US" dirty="0"/>
+                  <a:tcPr anchor="ctr">
+                    <a:solidFill>
+                      <a:schemeClr val="bg2">
+                        <a:lumMod val="75000"/>
+                      </a:schemeClr>
+                    </a:solidFill>
+                  </a:tcPr>
+                </a:tc>
+                <a:tc>
+                  <a:txBody>
+                    <a:bodyPr/>
+                    <a:lstStyle/>
+                    <a:p>
+                      <a:pPr algn="ctr"/>
+                      <a:r>
+                        <a:rPr lang="en-US" sz="1600" dirty="0"/>
                         <a:t>-</a:t>
                       </a:r>
                     </a:p>
                   </a:txBody>
-                  <a:tcPr anchor="ctr"/>
-                </a:tc>
-                <a:tc>
-                  <a:txBody>
-                    <a:bodyPr/>
-                    <a:lstStyle/>
-                    <a:p>
-                      <a:pPr algn="ctr"/>
-                      <a:r>
-                        <a:rPr lang="en-US" dirty="0"/>
+                  <a:tcPr anchor="ctr">
+                    <a:solidFill>
+                      <a:schemeClr val="bg2">
+                        <a:lumMod val="75000"/>
+                      </a:schemeClr>
+                    </a:solidFill>
+                  </a:tcPr>
+                </a:tc>
+                <a:tc>
+                  <a:txBody>
+                    <a:bodyPr/>
+                    <a:lstStyle/>
+                    <a:p>
+                      <a:pPr algn="ctr"/>
+                      <a:r>
+                        <a:rPr lang="en-US" sz="1600" dirty="0"/>
                         <a:t>-</a:t>
                       </a:r>
                     </a:p>
                   </a:txBody>
-                  <a:tcPr anchor="ctr"/>
-                </a:tc>
-                <a:tc>
-                  <a:txBody>
-                    <a:bodyPr/>
-                    <a:lstStyle/>
-                    <a:p>
-                      <a:pPr algn="ctr"/>
-                      <a:r>
-                        <a:rPr lang="en-US" dirty="0"/>
+                  <a:tcPr anchor="ctr">
+                    <a:solidFill>
+                      <a:schemeClr val="bg2">
+                        <a:lumMod val="75000"/>
+                      </a:schemeClr>
+                    </a:solidFill>
+                  </a:tcPr>
+                </a:tc>
+                <a:tc>
+                  <a:txBody>
+                    <a:bodyPr/>
+                    <a:lstStyle/>
+                    <a:p>
+                      <a:pPr algn="ctr"/>
+                      <a:r>
+                        <a:rPr lang="en-US" sz="1600" dirty="0"/>
                         <a:t>-</a:t>
                       </a:r>
                     </a:p>
                   </a:txBody>
-                  <a:tcPr anchor="ctr"/>
-                </a:tc>
-                <a:tc>
-                  <a:txBody>
-                    <a:bodyPr/>
-                    <a:lstStyle/>
-                    <a:p>
-                      <a:pPr algn="ctr"/>
-                      <a:r>
-                        <a:rPr lang="en-US" dirty="0"/>
+                  <a:tcPr anchor="ctr">
+                    <a:solidFill>
+                      <a:schemeClr val="bg2">
+                        <a:lumMod val="75000"/>
+                      </a:schemeClr>
+                    </a:solidFill>
+                  </a:tcPr>
+                </a:tc>
+                <a:tc>
+                  <a:txBody>
+                    <a:bodyPr/>
+                    <a:lstStyle/>
+                    <a:p>
+                      <a:pPr algn="ctr"/>
+                      <a:r>
+                        <a:rPr lang="en-US" sz="1600" dirty="0"/>
                         <a:t>-</a:t>
                       </a:r>
                     </a:p>
                   </a:txBody>
-                  <a:tcPr anchor="ctr"/>
-                </a:tc>
-                <a:tc>
-                  <a:txBody>
-                    <a:bodyPr/>
-                    <a:lstStyle/>
-                    <a:p>
-                      <a:pPr algn="ctr"/>
-                      <a:r>
-                        <a:rPr lang="en-US" dirty="0"/>
+                  <a:tcPr anchor="ctr">
+                    <a:solidFill>
+                      <a:schemeClr val="bg2">
+                        <a:lumMod val="75000"/>
+                      </a:schemeClr>
+                    </a:solidFill>
+                  </a:tcPr>
+                </a:tc>
+                <a:tc>
+                  <a:txBody>
+                    <a:bodyPr/>
+                    <a:lstStyle/>
+                    <a:p>
+                      <a:pPr algn="ctr"/>
+                      <a:r>
+                        <a:rPr lang="en-US" sz="1600" dirty="0"/>
                         <a:t>-</a:t>
                       </a:r>
                     </a:p>
                   </a:txBody>
-                  <a:tcPr anchor="ctr"/>
-                </a:tc>
-                <a:tc>
-                  <a:txBody>
-                    <a:bodyPr/>
-                    <a:lstStyle/>
-                    <a:p>
-                      <a:pPr algn="ctr"/>
-                      <a:r>
-                        <a:rPr lang="en-US" dirty="0"/>
+                  <a:tcPr anchor="ctr">
+                    <a:solidFill>
+                      <a:schemeClr val="bg2">
+                        <a:lumMod val="75000"/>
+                      </a:schemeClr>
+                    </a:solidFill>
+                  </a:tcPr>
+                </a:tc>
+                <a:tc>
+                  <a:txBody>
+                    <a:bodyPr/>
+                    <a:lstStyle/>
+                    <a:p>
+                      <a:pPr algn="ctr"/>
+                      <a:r>
+                        <a:rPr lang="en-US" sz="1600" dirty="0"/>
                         <a:t>-</a:t>
                       </a:r>
                     </a:p>
                   </a:txBody>
-                  <a:tcPr anchor="ctr"/>
-                </a:tc>
-                <a:tc>
-                  <a:txBody>
-                    <a:bodyPr/>
-                    <a:lstStyle/>
-                    <a:p>
-                      <a:pPr algn="ctr"/>
-                      <a:r>
-                        <a:rPr lang="en-US" dirty="0"/>
+                  <a:tcPr anchor="ctr">
+                    <a:solidFill>
+                      <a:schemeClr val="bg2">
+                        <a:lumMod val="75000"/>
+                      </a:schemeClr>
+                    </a:solidFill>
+                  </a:tcPr>
+                </a:tc>
+                <a:tc>
+                  <a:txBody>
+                    <a:bodyPr/>
+                    <a:lstStyle/>
+                    <a:p>
+                      <a:pPr algn="ctr"/>
+                      <a:r>
+                        <a:rPr lang="en-US" sz="1600" dirty="0"/>
                         <a:t>-</a:t>
                       </a:r>
                     </a:p>
                   </a:txBody>
-                  <a:tcPr anchor="ctr"/>
-                </a:tc>
-                <a:tc>
-                  <a:txBody>
-                    <a:bodyPr/>
-                    <a:lstStyle/>
-                    <a:p>
-                      <a:pPr algn="ctr"/>
-                      <a:r>
-                        <a:rPr lang="en-US" dirty="0"/>
+                  <a:tcPr anchor="ctr">
+                    <a:solidFill>
+                      <a:schemeClr val="bg2">
+                        <a:lumMod val="75000"/>
+                      </a:schemeClr>
+                    </a:solidFill>
+                  </a:tcPr>
+                </a:tc>
+                <a:tc>
+                  <a:txBody>
+                    <a:bodyPr/>
+                    <a:lstStyle/>
+                    <a:p>
+                      <a:pPr algn="ctr"/>
+                      <a:r>
+                        <a:rPr lang="en-US" sz="1600" dirty="0"/>
                         <a:t>-</a:t>
                       </a:r>
                     </a:p>
                   </a:txBody>
-                  <a:tcPr anchor="ctr"/>
-                </a:tc>
-                <a:tc>
-                  <a:txBody>
-                    <a:bodyPr/>
-                    <a:lstStyle/>
-                    <a:p>
-                      <a:pPr algn="ctr"/>
-                      <a:endParaRPr lang="en-US" dirty="0"/>
-                    </a:p>
-                  </a:txBody>
                   <a:tcPr anchor="ctr">
                     <a:solidFill>
                       <a:schemeClr val="bg2">
                         <a:lumMod val="75000"/>
+                      </a:schemeClr>
+                    </a:solidFill>
+                  </a:tcPr>
+                </a:tc>
+                <a:tc>
+                  <a:txBody>
+                    <a:bodyPr/>
+                    <a:lstStyle/>
+                    <a:p>
+                      <a:pPr algn="ctr"/>
+                      <a:endParaRPr lang="en-US" sz="1600" dirty="0"/>
+                    </a:p>
+                  </a:txBody>
+                  <a:tcPr anchor="ctr">
+                    <a:solidFill>
+                      <a:schemeClr val="bg2">
+                        <a:lumMod val="50000"/>
                       </a:schemeClr>
                     </a:solidFill>
                   </a:tcPr>
@@ -11879,7 +12392,7 @@
         </p:nvSpPr>
         <p:spPr>
           <a:xfrm>
-            <a:off x="8052388" y="614180"/>
+            <a:off x="8641800" y="953017"/>
             <a:ext cx="451086" cy="369332"/>
           </a:xfrm>
           <a:prstGeom prst="rect">
@@ -11913,8 +12426,8 @@
           <p:nvPr/>
         </p:nvSpPr>
         <p:spPr>
-          <a:xfrm>
-            <a:off x="3584449" y="3926667"/>
+          <a:xfrm rot="16200000">
+            <a:off x="4805712" y="4022648"/>
             <a:ext cx="673069" cy="369332"/>
           </a:xfrm>
           <a:prstGeom prst="rect">
@@ -11935,12 +12448,178 @@
           </a:p>
         </p:txBody>
       </p:sp>
+      <p:pic>
+        <p:nvPicPr>
+          <p:cNvPr id="5" name="Picture 4">
+            <a:extLst>
+              <a:ext uri="{FF2B5EF4-FFF2-40B4-BE49-F238E27FC236}">
+                <a16:creationId xmlns:a16="http://schemas.microsoft.com/office/drawing/2014/main" id="{CA403E93-F6CD-8B4B-8917-3D444C8D6AD6}"/>
+              </a:ext>
+            </a:extLst>
+          </p:cNvPr>
+          <p:cNvPicPr>
+            <a:picLocks noChangeAspect="1"/>
+          </p:cNvPicPr>
+          <p:nvPr/>
+        </p:nvPicPr>
+        <p:blipFill>
+          <a:blip r:embed="rId2"/>
+          <a:stretch>
+            <a:fillRect/>
+          </a:stretch>
+        </p:blipFill>
+        <p:spPr>
+          <a:xfrm>
+            <a:off x="0" y="2983571"/>
+            <a:ext cx="4815508" cy="2447486"/>
+          </a:xfrm>
+          <a:prstGeom prst="rect">
+            <a:avLst/>
+          </a:prstGeom>
+        </p:spPr>
+      </p:pic>
+    </p:spTree>
+    <p:extLst>
+      <p:ext uri="{BB962C8B-B14F-4D97-AF65-F5344CB8AC3E}">
+        <p14:creationId xmlns:p14="http://schemas.microsoft.com/office/powerpoint/2010/main" val="753206991"/>
+      </p:ext>
+    </p:extLst>
+  </p:cSld>
+  <p:clrMapOvr>
+    <a:masterClrMapping/>
+  </p:clrMapOvr>
+</p:sld>
+</file>
+
+<file path=ppt/slides/slide5.xml><?xml version="1.0" encoding="utf-8"?>
+<p:sld xmlns:a="http://schemas.openxmlformats.org/drawingml/2006/main" xmlns:r="http://schemas.openxmlformats.org/officeDocument/2006/relationships" xmlns:p="http://schemas.openxmlformats.org/presentationml/2006/main">
+  <p:cSld>
+    <p:spTree>
+      <p:nvGrpSpPr>
+        <p:cNvPr id="1" name=""/>
+        <p:cNvGrpSpPr/>
+        <p:nvPr/>
+      </p:nvGrpSpPr>
+      <p:grpSpPr>
+        <a:xfrm>
+          <a:off x="0" y="0"/>
+          <a:ext cx="0" cy="0"/>
+          <a:chOff x="0" y="0"/>
+          <a:chExt cx="0" cy="0"/>
+        </a:xfrm>
+      </p:grpSpPr>
       <p:sp>
         <p:nvSpPr>
-          <p:cNvPr id="3" name="TextBox 2">
+          <p:cNvPr id="2" name="Title 1">
             <a:extLst>
               <a:ext uri="{FF2B5EF4-FFF2-40B4-BE49-F238E27FC236}">
-                <a16:creationId xmlns:a16="http://schemas.microsoft.com/office/drawing/2014/main" id="{0F6E11E8-6341-4949-B8EA-A890336DD88F}"/>
+                <a16:creationId xmlns:a16="http://schemas.microsoft.com/office/drawing/2014/main" id="{085B9FC7-B83C-6D45-9658-A1E39C6535DC}"/>
+              </a:ext>
+            </a:extLst>
+          </p:cNvPr>
+          <p:cNvSpPr>
+            <a:spLocks noGrp="1"/>
+          </p:cNvSpPr>
+          <p:nvPr>
+            <p:ph type="title"/>
+          </p:nvPr>
+        </p:nvSpPr>
+        <p:spPr>
+          <a:xfrm>
+            <a:off x="838200" y="343860"/>
+            <a:ext cx="10515600" cy="517377"/>
+          </a:xfrm>
+        </p:spPr>
+        <p:txBody>
+          <a:bodyPr>
+            <a:noAutofit/>
+          </a:bodyPr>
+          <a:lstStyle/>
+          <a:p>
+            <a:r>
+              <a:rPr lang="en-US" sz="2800" dirty="0"/>
+              <a:t>Adjacency matrix – initialize random values</a:t>
+            </a:r>
+          </a:p>
+        </p:txBody>
+      </p:sp>
+      <p:pic>
+        <p:nvPicPr>
+          <p:cNvPr id="5" name="Picture 4">
+            <a:extLst>
+              <a:ext uri="{FF2B5EF4-FFF2-40B4-BE49-F238E27FC236}">
+                <a16:creationId xmlns:a16="http://schemas.microsoft.com/office/drawing/2014/main" id="{CA403E93-F6CD-8B4B-8917-3D444C8D6AD6}"/>
+              </a:ext>
+            </a:extLst>
+          </p:cNvPr>
+          <p:cNvPicPr>
+            <a:picLocks noChangeAspect="1"/>
+          </p:cNvPicPr>
+          <p:nvPr/>
+        </p:nvPicPr>
+        <p:blipFill>
+          <a:blip r:embed="rId2"/>
+          <a:stretch>
+            <a:fillRect/>
+          </a:stretch>
+        </p:blipFill>
+        <p:spPr>
+          <a:xfrm>
+            <a:off x="0" y="2950780"/>
+            <a:ext cx="4815508" cy="2447486"/>
+          </a:xfrm>
+          <a:prstGeom prst="rect">
+            <a:avLst/>
+          </a:prstGeom>
+        </p:spPr>
+      </p:pic>
+      <p:cxnSp>
+        <p:nvCxnSpPr>
+          <p:cNvPr id="4" name="Straight Arrow Connector 3">
+            <a:extLst>
+              <a:ext uri="{FF2B5EF4-FFF2-40B4-BE49-F238E27FC236}">
+                <a16:creationId xmlns:a16="http://schemas.microsoft.com/office/drawing/2014/main" id="{DC4D56FC-1804-A444-B7D9-19DF3801B733}"/>
+              </a:ext>
+            </a:extLst>
+          </p:cNvPr>
+          <p:cNvCxnSpPr>
+            <a:cxnSpLocks/>
+          </p:cNvCxnSpPr>
+          <p:nvPr/>
+        </p:nvCxnSpPr>
+        <p:spPr>
+          <a:xfrm>
+            <a:off x="5268410" y="4187429"/>
+            <a:ext cx="1446835" cy="0"/>
+          </a:xfrm>
+          <a:prstGeom prst="straightConnector1">
+            <a:avLst/>
+          </a:prstGeom>
+          <a:ln>
+            <a:tailEnd type="triangle"/>
+          </a:ln>
+        </p:spPr>
+        <p:style>
+          <a:lnRef idx="1">
+            <a:schemeClr val="accent1"/>
+          </a:lnRef>
+          <a:fillRef idx="0">
+            <a:schemeClr val="accent1"/>
+          </a:fillRef>
+          <a:effectRef idx="0">
+            <a:schemeClr val="accent1"/>
+          </a:effectRef>
+          <a:fontRef idx="minor">
+            <a:schemeClr val="tx1"/>
+          </a:fontRef>
+        </p:style>
+      </p:cxnSp>
+      <p:sp>
+        <p:nvSpPr>
+          <p:cNvPr id="6" name="TextBox 5">
+            <a:extLst>
+              <a:ext uri="{FF2B5EF4-FFF2-40B4-BE49-F238E27FC236}">
+                <a16:creationId xmlns:a16="http://schemas.microsoft.com/office/drawing/2014/main" id="{26C1F4B2-4C6E-5249-9CD3-D0649501204F}"/>
               </a:ext>
             </a:extLst>
           </p:cNvPr>
@@ -11949,8 +12628,3257 @@
         </p:nvSpPr>
         <p:spPr>
           <a:xfrm>
-            <a:off x="1723292" y="2414954"/>
-            <a:ext cx="301686" cy="369332"/>
+            <a:off x="942370" y="1459734"/>
+            <a:ext cx="6870541" cy="400110"/>
+          </a:xfrm>
+          <a:prstGeom prst="rect">
+            <a:avLst/>
+          </a:prstGeom>
+          <a:noFill/>
+        </p:spPr>
+        <p:txBody>
+          <a:bodyPr wrap="square" rtlCol="0">
+            <a:spAutoFit/>
+          </a:bodyPr>
+          <a:lstStyle/>
+          <a:p>
+            <a:pPr marL="342900" indent="-342900" algn="ctr">
+              <a:buFont typeface="Arial" panose="020B0604020202020204" pitchFamily="34" charset="0"/>
+              <a:buChar char="•"/>
+            </a:pPr>
+            <a:r>
+              <a:rPr lang="en-US" sz="2000" dirty="0"/>
+              <a:t>Randomly assign 1 to a possible position in each column</a:t>
+            </a:r>
+          </a:p>
+        </p:txBody>
+      </p:sp>
+      <p:pic>
+        <p:nvPicPr>
+          <p:cNvPr id="8" name="Picture 7">
+            <a:extLst>
+              <a:ext uri="{FF2B5EF4-FFF2-40B4-BE49-F238E27FC236}">
+                <a16:creationId xmlns:a16="http://schemas.microsoft.com/office/drawing/2014/main" id="{CFD1BD35-30AD-954A-9387-FA35679DAD25}"/>
+              </a:ext>
+            </a:extLst>
+          </p:cNvPr>
+          <p:cNvPicPr>
+            <a:picLocks noChangeAspect="1"/>
+          </p:cNvPicPr>
+          <p:nvPr/>
+        </p:nvPicPr>
+        <p:blipFill>
+          <a:blip r:embed="rId3"/>
+          <a:stretch>
+            <a:fillRect/>
+          </a:stretch>
+        </p:blipFill>
+        <p:spPr>
+          <a:xfrm>
+            <a:off x="7151510" y="2950779"/>
+            <a:ext cx="4994192" cy="2447485"/>
+          </a:xfrm>
+          <a:prstGeom prst="rect">
+            <a:avLst/>
+          </a:prstGeom>
+        </p:spPr>
+      </p:pic>
+    </p:spTree>
+    <p:extLst>
+      <p:ext uri="{BB962C8B-B14F-4D97-AF65-F5344CB8AC3E}">
+        <p14:creationId xmlns:p14="http://schemas.microsoft.com/office/powerpoint/2010/main" val="1180546906"/>
+      </p:ext>
+    </p:extLst>
+  </p:cSld>
+  <p:clrMapOvr>
+    <a:masterClrMapping/>
+  </p:clrMapOvr>
+</p:sld>
+</file>
+
+<file path=ppt/slides/slide6.xml><?xml version="1.0" encoding="utf-8"?>
+<p:sld xmlns:a="http://schemas.openxmlformats.org/drawingml/2006/main" xmlns:r="http://schemas.openxmlformats.org/officeDocument/2006/relationships" xmlns:p="http://schemas.openxmlformats.org/presentationml/2006/main">
+  <p:cSld>
+    <p:spTree>
+      <p:nvGrpSpPr>
+        <p:cNvPr id="1" name=""/>
+        <p:cNvGrpSpPr/>
+        <p:nvPr/>
+      </p:nvGrpSpPr>
+      <p:grpSpPr>
+        <a:xfrm>
+          <a:off x="0" y="0"/>
+          <a:ext cx="0" cy="0"/>
+          <a:chOff x="0" y="0"/>
+          <a:chExt cx="0" cy="0"/>
+        </a:xfrm>
+      </p:grpSpPr>
+      <p:sp>
+        <p:nvSpPr>
+          <p:cNvPr id="2" name="Title 1">
+            <a:extLst>
+              <a:ext uri="{FF2B5EF4-FFF2-40B4-BE49-F238E27FC236}">
+                <a16:creationId xmlns:a16="http://schemas.microsoft.com/office/drawing/2014/main" id="{085B9FC7-B83C-6D45-9658-A1E39C6535DC}"/>
+              </a:ext>
+            </a:extLst>
+          </p:cNvPr>
+          <p:cNvSpPr>
+            <a:spLocks noGrp="1"/>
+          </p:cNvSpPr>
+          <p:nvPr>
+            <p:ph type="title"/>
+          </p:nvPr>
+        </p:nvSpPr>
+        <p:spPr>
+          <a:xfrm>
+            <a:off x="838200" y="343860"/>
+            <a:ext cx="10515600" cy="517377"/>
+          </a:xfrm>
+        </p:spPr>
+        <p:txBody>
+          <a:bodyPr>
+            <a:noAutofit/>
+          </a:bodyPr>
+          <a:lstStyle/>
+          <a:p>
+            <a:r>
+              <a:rPr lang="en-US" sz="2800" dirty="0"/>
+              <a:t>Adjacency matrix – mutate</a:t>
+            </a:r>
+          </a:p>
+        </p:txBody>
+      </p:sp>
+      <p:cxnSp>
+        <p:nvCxnSpPr>
+          <p:cNvPr id="4" name="Straight Arrow Connector 3">
+            <a:extLst>
+              <a:ext uri="{FF2B5EF4-FFF2-40B4-BE49-F238E27FC236}">
+                <a16:creationId xmlns:a16="http://schemas.microsoft.com/office/drawing/2014/main" id="{DC4D56FC-1804-A444-B7D9-19DF3801B733}"/>
+              </a:ext>
+            </a:extLst>
+          </p:cNvPr>
+          <p:cNvCxnSpPr>
+            <a:cxnSpLocks/>
+          </p:cNvCxnSpPr>
+          <p:nvPr/>
+        </p:nvCxnSpPr>
+        <p:spPr>
+          <a:xfrm>
+            <a:off x="5268410" y="4044657"/>
+            <a:ext cx="1446835" cy="0"/>
+          </a:xfrm>
+          <a:prstGeom prst="straightConnector1">
+            <a:avLst/>
+          </a:prstGeom>
+          <a:ln>
+            <a:tailEnd type="triangle"/>
+          </a:ln>
+        </p:spPr>
+        <p:style>
+          <a:lnRef idx="1">
+            <a:schemeClr val="accent1"/>
+          </a:lnRef>
+          <a:fillRef idx="0">
+            <a:schemeClr val="accent1"/>
+          </a:fillRef>
+          <a:effectRef idx="0">
+            <a:schemeClr val="accent1"/>
+          </a:effectRef>
+          <a:fontRef idx="minor">
+            <a:schemeClr val="tx1"/>
+          </a:fontRef>
+        </p:style>
+      </p:cxnSp>
+      <p:sp>
+        <p:nvSpPr>
+          <p:cNvPr id="6" name="TextBox 5">
+            <a:extLst>
+              <a:ext uri="{FF2B5EF4-FFF2-40B4-BE49-F238E27FC236}">
+                <a16:creationId xmlns:a16="http://schemas.microsoft.com/office/drawing/2014/main" id="{26C1F4B2-4C6E-5249-9CD3-D0649501204F}"/>
+              </a:ext>
+            </a:extLst>
+          </p:cNvPr>
+          <p:cNvSpPr txBox="1"/>
+          <p:nvPr/>
+        </p:nvSpPr>
+        <p:spPr>
+          <a:xfrm>
+            <a:off x="942370" y="1459734"/>
+            <a:ext cx="6870541" cy="707886"/>
+          </a:xfrm>
+          <a:prstGeom prst="rect">
+            <a:avLst/>
+          </a:prstGeom>
+          <a:noFill/>
+        </p:spPr>
+        <p:txBody>
+          <a:bodyPr wrap="square" rtlCol="0">
+            <a:spAutoFit/>
+          </a:bodyPr>
+          <a:lstStyle/>
+          <a:p>
+            <a:pPr marL="342900" indent="-342900">
+              <a:buFont typeface="Arial" panose="020B0604020202020204" pitchFamily="34" charset="0"/>
+              <a:buChar char="•"/>
+            </a:pPr>
+            <a:r>
+              <a:rPr lang="en-US" sz="2000" dirty="0"/>
+              <a:t>Randomly pick a column to mutate</a:t>
+            </a:r>
+          </a:p>
+          <a:p>
+            <a:pPr marL="342900" indent="-342900">
+              <a:buFont typeface="Arial" panose="020B0604020202020204" pitchFamily="34" charset="0"/>
+              <a:buChar char="•"/>
+            </a:pPr>
+            <a:r>
+              <a:rPr lang="en-US" sz="2000" dirty="0"/>
+              <a:t>Select new possible position to be 1</a:t>
+            </a:r>
+          </a:p>
+        </p:txBody>
+      </p:sp>
+      <p:pic>
+        <p:nvPicPr>
+          <p:cNvPr id="8" name="Picture 7">
+            <a:extLst>
+              <a:ext uri="{FF2B5EF4-FFF2-40B4-BE49-F238E27FC236}">
+                <a16:creationId xmlns:a16="http://schemas.microsoft.com/office/drawing/2014/main" id="{CFD1BD35-30AD-954A-9387-FA35679DAD25}"/>
+              </a:ext>
+            </a:extLst>
+          </p:cNvPr>
+          <p:cNvPicPr>
+            <a:picLocks noChangeAspect="1"/>
+          </p:cNvPicPr>
+          <p:nvPr/>
+        </p:nvPicPr>
+        <p:blipFill>
+          <a:blip r:embed="rId2"/>
+          <a:stretch>
+            <a:fillRect/>
+          </a:stretch>
+        </p:blipFill>
+        <p:spPr>
+          <a:xfrm>
+            <a:off x="125678" y="2820914"/>
+            <a:ext cx="4994192" cy="2447485"/>
+          </a:xfrm>
+          <a:prstGeom prst="rect">
+            <a:avLst/>
+          </a:prstGeom>
+        </p:spPr>
+      </p:pic>
+      <p:grpSp>
+        <p:nvGrpSpPr>
+          <p:cNvPr id="10" name="Group 9">
+            <a:extLst>
+              <a:ext uri="{FF2B5EF4-FFF2-40B4-BE49-F238E27FC236}">
+                <a16:creationId xmlns:a16="http://schemas.microsoft.com/office/drawing/2014/main" id="{9093CD1B-6DF5-4744-9EEB-1E919BA906CD}"/>
+              </a:ext>
+            </a:extLst>
+          </p:cNvPr>
+          <p:cNvGrpSpPr/>
+          <p:nvPr/>
+        </p:nvGrpSpPr>
+        <p:grpSpPr>
+          <a:xfrm>
+            <a:off x="6863785" y="2766117"/>
+            <a:ext cx="4994192" cy="2534339"/>
+            <a:chOff x="6863785" y="2632161"/>
+            <a:chExt cx="4623981" cy="2286572"/>
+          </a:xfrm>
+        </p:grpSpPr>
+        <p:pic>
+          <p:nvPicPr>
+            <p:cNvPr id="3" name="Picture 2">
+              <a:extLst>
+                <a:ext uri="{FF2B5EF4-FFF2-40B4-BE49-F238E27FC236}">
+                  <a16:creationId xmlns:a16="http://schemas.microsoft.com/office/drawing/2014/main" id="{5A681C35-D5B0-4642-A437-161DDDCE8624}"/>
+                </a:ext>
+              </a:extLst>
+            </p:cNvPr>
+            <p:cNvPicPr>
+              <a:picLocks noChangeAspect="1"/>
+            </p:cNvPicPr>
+            <p:nvPr/>
+          </p:nvPicPr>
+          <p:blipFill>
+            <a:blip r:embed="rId3"/>
+            <a:stretch>
+              <a:fillRect/>
+            </a:stretch>
+          </p:blipFill>
+          <p:spPr>
+            <a:xfrm>
+              <a:off x="6863785" y="2956583"/>
+              <a:ext cx="4623981" cy="1962150"/>
+            </a:xfrm>
+            <a:prstGeom prst="rect">
+              <a:avLst/>
+            </a:prstGeom>
+          </p:spPr>
+        </p:pic>
+        <p:pic>
+          <p:nvPicPr>
+            <p:cNvPr id="9" name="Picture 8">
+              <a:extLst>
+                <a:ext uri="{FF2B5EF4-FFF2-40B4-BE49-F238E27FC236}">
+                  <a16:creationId xmlns:a16="http://schemas.microsoft.com/office/drawing/2014/main" id="{D5A1117F-7EDC-D546-9ED9-2D2CB42A288A}"/>
+                </a:ext>
+              </a:extLst>
+            </p:cNvPr>
+            <p:cNvPicPr>
+              <a:picLocks noChangeAspect="1"/>
+            </p:cNvPicPr>
+            <p:nvPr/>
+          </p:nvPicPr>
+          <p:blipFill>
+            <a:blip r:embed="rId4"/>
+            <a:stretch>
+              <a:fillRect/>
+            </a:stretch>
+          </p:blipFill>
+          <p:spPr>
+            <a:xfrm>
+              <a:off x="6907458" y="2632161"/>
+              <a:ext cx="4580308" cy="517377"/>
+            </a:xfrm>
+            <a:prstGeom prst="rect">
+              <a:avLst/>
+            </a:prstGeom>
+          </p:spPr>
+        </p:pic>
+      </p:grpSp>
+      <p:sp>
+        <p:nvSpPr>
+          <p:cNvPr id="15" name="Rectangle 14">
+            <a:extLst>
+              <a:ext uri="{FF2B5EF4-FFF2-40B4-BE49-F238E27FC236}">
+                <a16:creationId xmlns:a16="http://schemas.microsoft.com/office/drawing/2014/main" id="{6CF15A9C-45C8-9E48-B19D-581C90FB22E9}"/>
+              </a:ext>
+            </a:extLst>
+          </p:cNvPr>
+          <p:cNvSpPr/>
+          <p:nvPr/>
+        </p:nvSpPr>
+        <p:spPr>
+          <a:xfrm>
+            <a:off x="3669175" y="2766117"/>
+            <a:ext cx="405114" cy="2502282"/>
+          </a:xfrm>
+          <a:prstGeom prst="rect">
+            <a:avLst/>
+          </a:prstGeom>
+          <a:noFill/>
+        </p:spPr>
+        <p:style>
+          <a:lnRef idx="2">
+            <a:schemeClr val="accent1">
+              <a:shade val="50000"/>
+            </a:schemeClr>
+          </a:lnRef>
+          <a:fillRef idx="1">
+            <a:schemeClr val="accent1"/>
+          </a:fillRef>
+          <a:effectRef idx="0">
+            <a:schemeClr val="accent1"/>
+          </a:effectRef>
+          <a:fontRef idx="minor">
+            <a:schemeClr val="lt1"/>
+          </a:fontRef>
+        </p:style>
+        <p:txBody>
+          <a:bodyPr rtlCol="0" anchor="ctr"/>
+          <a:lstStyle/>
+          <a:p>
+            <a:pPr algn="ctr"/>
+            <a:endParaRPr lang="en-US"/>
+          </a:p>
+        </p:txBody>
+      </p:sp>
+      <p:sp>
+        <p:nvSpPr>
+          <p:cNvPr id="16" name="Rectangle 15">
+            <a:extLst>
+              <a:ext uri="{FF2B5EF4-FFF2-40B4-BE49-F238E27FC236}">
+                <a16:creationId xmlns:a16="http://schemas.microsoft.com/office/drawing/2014/main" id="{C5C7D9F7-BED1-1243-8C96-523493E10261}"/>
+              </a:ext>
+            </a:extLst>
+          </p:cNvPr>
+          <p:cNvSpPr/>
+          <p:nvPr/>
+        </p:nvSpPr>
+        <p:spPr>
+          <a:xfrm>
+            <a:off x="10407569" y="2766117"/>
+            <a:ext cx="405114" cy="2502282"/>
+          </a:xfrm>
+          <a:prstGeom prst="rect">
+            <a:avLst/>
+          </a:prstGeom>
+          <a:noFill/>
+        </p:spPr>
+        <p:style>
+          <a:lnRef idx="2">
+            <a:schemeClr val="accent1">
+              <a:shade val="50000"/>
+            </a:schemeClr>
+          </a:lnRef>
+          <a:fillRef idx="1">
+            <a:schemeClr val="accent1"/>
+          </a:fillRef>
+          <a:effectRef idx="0">
+            <a:schemeClr val="accent1"/>
+          </a:effectRef>
+          <a:fontRef idx="minor">
+            <a:schemeClr val="lt1"/>
+          </a:fontRef>
+        </p:style>
+        <p:txBody>
+          <a:bodyPr rtlCol="0" anchor="ctr"/>
+          <a:lstStyle/>
+          <a:p>
+            <a:pPr algn="ctr"/>
+            <a:endParaRPr lang="en-US"/>
+          </a:p>
+        </p:txBody>
+      </p:sp>
+    </p:spTree>
+    <p:extLst>
+      <p:ext uri="{BB962C8B-B14F-4D97-AF65-F5344CB8AC3E}">
+        <p14:creationId xmlns:p14="http://schemas.microsoft.com/office/powerpoint/2010/main" val="2958104803"/>
+      </p:ext>
+    </p:extLst>
+  </p:cSld>
+  <p:clrMapOvr>
+    <a:masterClrMapping/>
+  </p:clrMapOvr>
+</p:sld>
+</file>
+
+<file path=ppt/slides/slide7.xml><?xml version="1.0" encoding="utf-8"?>
+<p:sld xmlns:a="http://schemas.openxmlformats.org/drawingml/2006/main" xmlns:r="http://schemas.openxmlformats.org/officeDocument/2006/relationships" xmlns:p="http://schemas.openxmlformats.org/presentationml/2006/main">
+  <p:cSld>
+    <p:spTree>
+      <p:nvGrpSpPr>
+        <p:cNvPr id="1" name=""/>
+        <p:cNvGrpSpPr/>
+        <p:nvPr/>
+      </p:nvGrpSpPr>
+      <p:grpSpPr>
+        <a:xfrm>
+          <a:off x="0" y="0"/>
+          <a:ext cx="0" cy="0"/>
+          <a:chOff x="0" y="0"/>
+          <a:chExt cx="0" cy="0"/>
+        </a:xfrm>
+      </p:grpSpPr>
+      <p:sp>
+        <p:nvSpPr>
+          <p:cNvPr id="2" name="Title 1">
+            <a:extLst>
+              <a:ext uri="{FF2B5EF4-FFF2-40B4-BE49-F238E27FC236}">
+                <a16:creationId xmlns:a16="http://schemas.microsoft.com/office/drawing/2014/main" id="{085B9FC7-B83C-6D45-9658-A1E39C6535DC}"/>
+              </a:ext>
+            </a:extLst>
+          </p:cNvPr>
+          <p:cNvSpPr>
+            <a:spLocks noGrp="1"/>
+          </p:cNvSpPr>
+          <p:nvPr>
+            <p:ph type="title"/>
+          </p:nvPr>
+        </p:nvSpPr>
+        <p:spPr>
+          <a:xfrm>
+            <a:off x="838200" y="343860"/>
+            <a:ext cx="10515600" cy="517377"/>
+          </a:xfrm>
+        </p:spPr>
+        <p:txBody>
+          <a:bodyPr>
+            <a:noAutofit/>
+          </a:bodyPr>
+          <a:lstStyle/>
+          <a:p>
+            <a:r>
+              <a:rPr lang="en-US" sz="3200" dirty="0"/>
+              <a:t>Adjacency matrix</a:t>
+            </a:r>
+          </a:p>
+        </p:txBody>
+      </p:sp>
+      <p:grpSp>
+        <p:nvGrpSpPr>
+          <p:cNvPr id="6" name="Group 5">
+            <a:extLst>
+              <a:ext uri="{FF2B5EF4-FFF2-40B4-BE49-F238E27FC236}">
+                <a16:creationId xmlns:a16="http://schemas.microsoft.com/office/drawing/2014/main" id="{6DEE4F0D-A065-8F48-844F-2587ADF82C4E}"/>
+              </a:ext>
+            </a:extLst>
+          </p:cNvPr>
+          <p:cNvGrpSpPr/>
+          <p:nvPr/>
+        </p:nvGrpSpPr>
+        <p:grpSpPr>
+          <a:xfrm>
+            <a:off x="1139882" y="1842645"/>
+            <a:ext cx="2611530" cy="3172709"/>
+            <a:chOff x="181939" y="1970980"/>
+            <a:chExt cx="2611530" cy="3172709"/>
+          </a:xfrm>
+        </p:grpSpPr>
+        <p:pic>
+          <p:nvPicPr>
+            <p:cNvPr id="20" name="Picture 19">
+              <a:extLst>
+                <a:ext uri="{FF2B5EF4-FFF2-40B4-BE49-F238E27FC236}">
+                  <a16:creationId xmlns:a16="http://schemas.microsoft.com/office/drawing/2014/main" id="{006781E6-A9B1-444F-BC70-E6849C319EA3}"/>
+                </a:ext>
+              </a:extLst>
+            </p:cNvPr>
+            <p:cNvPicPr>
+              <a:picLocks noChangeAspect="1"/>
+            </p:cNvPicPr>
+            <p:nvPr/>
+          </p:nvPicPr>
+          <p:blipFill>
+            <a:blip r:embed="rId2"/>
+            <a:stretch>
+              <a:fillRect/>
+            </a:stretch>
+          </p:blipFill>
+          <p:spPr>
+            <a:xfrm>
+              <a:off x="197616" y="1970980"/>
+              <a:ext cx="2595853" cy="3172709"/>
+            </a:xfrm>
+            <a:prstGeom prst="rect">
+              <a:avLst/>
+            </a:prstGeom>
+          </p:spPr>
+        </p:pic>
+        <p:sp>
+          <p:nvSpPr>
+            <p:cNvPr id="3" name="TextBox 2">
+              <a:extLst>
+                <a:ext uri="{FF2B5EF4-FFF2-40B4-BE49-F238E27FC236}">
+                  <a16:creationId xmlns:a16="http://schemas.microsoft.com/office/drawing/2014/main" id="{0F6E11E8-6341-4949-B8EA-A890336DD88F}"/>
+                </a:ext>
+              </a:extLst>
+            </p:cNvPr>
+            <p:cNvSpPr txBox="1"/>
+            <p:nvPr/>
+          </p:nvSpPr>
+          <p:spPr>
+            <a:xfrm>
+              <a:off x="1723292" y="2414954"/>
+              <a:ext cx="301686" cy="369332"/>
+            </a:xfrm>
+            <a:prstGeom prst="rect">
+              <a:avLst/>
+            </a:prstGeom>
+            <a:noFill/>
+          </p:spPr>
+          <p:txBody>
+            <a:bodyPr wrap="none" rtlCol="0">
+              <a:spAutoFit/>
+            </a:bodyPr>
+            <a:lstStyle/>
+            <a:p>
+              <a:r>
+                <a:rPr lang="en-US" dirty="0"/>
+                <a:t>1</a:t>
+              </a:r>
+            </a:p>
+          </p:txBody>
+        </p:sp>
+        <p:sp>
+          <p:nvSpPr>
+            <p:cNvPr id="8" name="TextBox 7">
+              <a:extLst>
+                <a:ext uri="{FF2B5EF4-FFF2-40B4-BE49-F238E27FC236}">
+                  <a16:creationId xmlns:a16="http://schemas.microsoft.com/office/drawing/2014/main" id="{BE3C9C74-FCB0-E94B-8A5F-218349E89FFE}"/>
+                </a:ext>
+              </a:extLst>
+            </p:cNvPr>
+            <p:cNvSpPr txBox="1"/>
+            <p:nvPr/>
+          </p:nvSpPr>
+          <p:spPr>
+            <a:xfrm>
+              <a:off x="1707654" y="2894782"/>
+              <a:ext cx="301686" cy="369332"/>
+            </a:xfrm>
+            <a:prstGeom prst="rect">
+              <a:avLst/>
+            </a:prstGeom>
+            <a:noFill/>
+          </p:spPr>
+          <p:txBody>
+            <a:bodyPr wrap="none" rtlCol="0">
+              <a:spAutoFit/>
+            </a:bodyPr>
+            <a:lstStyle/>
+            <a:p>
+              <a:r>
+                <a:rPr lang="en-US" dirty="0"/>
+                <a:t>2</a:t>
+              </a:r>
+            </a:p>
+          </p:txBody>
+        </p:sp>
+        <p:sp>
+          <p:nvSpPr>
+            <p:cNvPr id="9" name="TextBox 8">
+              <a:extLst>
+                <a:ext uri="{FF2B5EF4-FFF2-40B4-BE49-F238E27FC236}">
+                  <a16:creationId xmlns:a16="http://schemas.microsoft.com/office/drawing/2014/main" id="{BAB4A24B-0E3F-7F4C-B658-A2898D411E11}"/>
+                </a:ext>
+              </a:extLst>
+            </p:cNvPr>
+            <p:cNvSpPr txBox="1"/>
+            <p:nvPr/>
+          </p:nvSpPr>
+          <p:spPr>
+            <a:xfrm>
+              <a:off x="516961" y="3557335"/>
+              <a:ext cx="301686" cy="369332"/>
+            </a:xfrm>
+            <a:prstGeom prst="rect">
+              <a:avLst/>
+            </a:prstGeom>
+            <a:noFill/>
+          </p:spPr>
+          <p:txBody>
+            <a:bodyPr wrap="none" rtlCol="0">
+              <a:spAutoFit/>
+            </a:bodyPr>
+            <a:lstStyle/>
+            <a:p>
+              <a:r>
+                <a:rPr lang="en-US" dirty="0"/>
+                <a:t>8</a:t>
+              </a:r>
+            </a:p>
+          </p:txBody>
+        </p:sp>
+        <p:sp>
+          <p:nvSpPr>
+            <p:cNvPr id="10" name="TextBox 9">
+              <a:extLst>
+                <a:ext uri="{FF2B5EF4-FFF2-40B4-BE49-F238E27FC236}">
+                  <a16:creationId xmlns:a16="http://schemas.microsoft.com/office/drawing/2014/main" id="{1E1EE2D8-E8FF-014C-92E2-00639E52F9FF}"/>
+                </a:ext>
+              </a:extLst>
+            </p:cNvPr>
+            <p:cNvSpPr txBox="1"/>
+            <p:nvPr/>
+          </p:nvSpPr>
+          <p:spPr>
+            <a:xfrm flipH="1">
+              <a:off x="181939" y="4056185"/>
+              <a:ext cx="792222" cy="369332"/>
+            </a:xfrm>
+            <a:prstGeom prst="rect">
+              <a:avLst/>
+            </a:prstGeom>
+            <a:noFill/>
+          </p:spPr>
+          <p:txBody>
+            <a:bodyPr wrap="square" rtlCol="0">
+              <a:spAutoFit/>
+            </a:bodyPr>
+            <a:lstStyle/>
+            <a:p>
+              <a:r>
+                <a:rPr lang="en-US" dirty="0"/>
+                <a:t>10</a:t>
+              </a:r>
+            </a:p>
+          </p:txBody>
+        </p:sp>
+        <p:sp>
+          <p:nvSpPr>
+            <p:cNvPr id="11" name="TextBox 10">
+              <a:extLst>
+                <a:ext uri="{FF2B5EF4-FFF2-40B4-BE49-F238E27FC236}">
+                  <a16:creationId xmlns:a16="http://schemas.microsoft.com/office/drawing/2014/main" id="{3400A563-AC15-9045-9BED-285361913347}"/>
+                </a:ext>
+              </a:extLst>
+            </p:cNvPr>
+            <p:cNvSpPr txBox="1"/>
+            <p:nvPr/>
+          </p:nvSpPr>
+          <p:spPr>
+            <a:xfrm>
+              <a:off x="1344700" y="4056185"/>
+              <a:ext cx="301686" cy="369332"/>
+            </a:xfrm>
+            <a:prstGeom prst="rect">
+              <a:avLst/>
+            </a:prstGeom>
+            <a:noFill/>
+          </p:spPr>
+          <p:txBody>
+            <a:bodyPr wrap="none" rtlCol="0">
+              <a:spAutoFit/>
+            </a:bodyPr>
+            <a:lstStyle/>
+            <a:p>
+              <a:r>
+                <a:rPr lang="en-US" dirty="0"/>
+                <a:t>4</a:t>
+              </a:r>
+            </a:p>
+          </p:txBody>
+        </p:sp>
+        <p:sp>
+          <p:nvSpPr>
+            <p:cNvPr id="12" name="TextBox 11">
+              <a:extLst>
+                <a:ext uri="{FF2B5EF4-FFF2-40B4-BE49-F238E27FC236}">
+                  <a16:creationId xmlns:a16="http://schemas.microsoft.com/office/drawing/2014/main" id="{A5C22C81-B222-B343-951E-38CFDA2189D4}"/>
+                </a:ext>
+              </a:extLst>
+            </p:cNvPr>
+            <p:cNvSpPr txBox="1"/>
+            <p:nvPr/>
+          </p:nvSpPr>
+          <p:spPr>
+            <a:xfrm>
+              <a:off x="2185713" y="3540642"/>
+              <a:ext cx="301686" cy="369332"/>
+            </a:xfrm>
+            <a:prstGeom prst="rect">
+              <a:avLst/>
+            </a:prstGeom>
+            <a:noFill/>
+          </p:spPr>
+          <p:txBody>
+            <a:bodyPr wrap="none" rtlCol="0">
+              <a:spAutoFit/>
+            </a:bodyPr>
+            <a:lstStyle/>
+            <a:p>
+              <a:r>
+                <a:rPr lang="en-US" dirty="0"/>
+                <a:t>7</a:t>
+              </a:r>
+            </a:p>
+          </p:txBody>
+        </p:sp>
+        <p:sp>
+          <p:nvSpPr>
+            <p:cNvPr id="13" name="TextBox 12">
+              <a:extLst>
+                <a:ext uri="{FF2B5EF4-FFF2-40B4-BE49-F238E27FC236}">
+                  <a16:creationId xmlns:a16="http://schemas.microsoft.com/office/drawing/2014/main" id="{E059BC82-60B8-1845-B570-1B3D21A6896E}"/>
+                </a:ext>
+              </a:extLst>
+            </p:cNvPr>
+            <p:cNvSpPr txBox="1"/>
+            <p:nvPr/>
+          </p:nvSpPr>
+          <p:spPr>
+            <a:xfrm>
+              <a:off x="2185713" y="4056185"/>
+              <a:ext cx="301686" cy="369332"/>
+            </a:xfrm>
+            <a:prstGeom prst="rect">
+              <a:avLst/>
+            </a:prstGeom>
+            <a:noFill/>
+          </p:spPr>
+          <p:txBody>
+            <a:bodyPr wrap="none" rtlCol="0">
+              <a:spAutoFit/>
+            </a:bodyPr>
+            <a:lstStyle/>
+            <a:p>
+              <a:r>
+                <a:rPr lang="en-US" dirty="0"/>
+                <a:t>9</a:t>
+              </a:r>
+            </a:p>
+          </p:txBody>
+        </p:sp>
+        <p:sp>
+          <p:nvSpPr>
+            <p:cNvPr id="14" name="TextBox 13">
+              <a:extLst>
+                <a:ext uri="{FF2B5EF4-FFF2-40B4-BE49-F238E27FC236}">
+                  <a16:creationId xmlns:a16="http://schemas.microsoft.com/office/drawing/2014/main" id="{AFB1FCA9-91C2-2A40-BD58-CEEC5FAD31FD}"/>
+                </a:ext>
+              </a:extLst>
+            </p:cNvPr>
+            <p:cNvSpPr txBox="1"/>
+            <p:nvPr/>
+          </p:nvSpPr>
+          <p:spPr>
+            <a:xfrm>
+              <a:off x="213346" y="4701181"/>
+              <a:ext cx="301686" cy="369332"/>
+            </a:xfrm>
+            <a:prstGeom prst="rect">
+              <a:avLst/>
+            </a:prstGeom>
+            <a:noFill/>
+          </p:spPr>
+          <p:txBody>
+            <a:bodyPr wrap="none" rtlCol="0">
+              <a:spAutoFit/>
+            </a:bodyPr>
+            <a:lstStyle/>
+            <a:p>
+              <a:r>
+                <a:rPr lang="en-US" dirty="0"/>
+                <a:t>6</a:t>
+              </a:r>
+            </a:p>
+          </p:txBody>
+        </p:sp>
+        <p:sp>
+          <p:nvSpPr>
+            <p:cNvPr id="15" name="TextBox 14">
+              <a:extLst>
+                <a:ext uri="{FF2B5EF4-FFF2-40B4-BE49-F238E27FC236}">
+                  <a16:creationId xmlns:a16="http://schemas.microsoft.com/office/drawing/2014/main" id="{D22307DD-7789-1D47-9178-993BBBC6ADC7}"/>
+                </a:ext>
+              </a:extLst>
+            </p:cNvPr>
+            <p:cNvSpPr txBox="1"/>
+            <p:nvPr/>
+          </p:nvSpPr>
+          <p:spPr>
+            <a:xfrm>
+              <a:off x="1344700" y="4701181"/>
+              <a:ext cx="301686" cy="369332"/>
+            </a:xfrm>
+            <a:prstGeom prst="rect">
+              <a:avLst/>
+            </a:prstGeom>
+            <a:noFill/>
+          </p:spPr>
+          <p:txBody>
+            <a:bodyPr wrap="none" rtlCol="0">
+              <a:spAutoFit/>
+            </a:bodyPr>
+            <a:lstStyle/>
+            <a:p>
+              <a:r>
+                <a:rPr lang="en-US" dirty="0"/>
+                <a:t>3</a:t>
+              </a:r>
+            </a:p>
+          </p:txBody>
+        </p:sp>
+        <p:sp>
+          <p:nvSpPr>
+            <p:cNvPr id="16" name="TextBox 15">
+              <a:extLst>
+                <a:ext uri="{FF2B5EF4-FFF2-40B4-BE49-F238E27FC236}">
+                  <a16:creationId xmlns:a16="http://schemas.microsoft.com/office/drawing/2014/main" id="{8E4E2368-C3C1-E040-9DA5-68F98C384F13}"/>
+                </a:ext>
+              </a:extLst>
+            </p:cNvPr>
+            <p:cNvSpPr txBox="1"/>
+            <p:nvPr/>
+          </p:nvSpPr>
+          <p:spPr>
+            <a:xfrm>
+              <a:off x="2171221" y="4665266"/>
+              <a:ext cx="301686" cy="369332"/>
+            </a:xfrm>
+            <a:prstGeom prst="rect">
+              <a:avLst/>
+            </a:prstGeom>
+            <a:noFill/>
+          </p:spPr>
+          <p:txBody>
+            <a:bodyPr wrap="none" rtlCol="0">
+              <a:spAutoFit/>
+            </a:bodyPr>
+            <a:lstStyle/>
+            <a:p>
+              <a:r>
+                <a:rPr lang="en-US" dirty="0"/>
+                <a:t>5</a:t>
+              </a:r>
+            </a:p>
+          </p:txBody>
+        </p:sp>
+      </p:grpSp>
+      <p:graphicFrame>
+        <p:nvGraphicFramePr>
+          <p:cNvPr id="22" name="Table 21">
+            <a:extLst>
+              <a:ext uri="{FF2B5EF4-FFF2-40B4-BE49-F238E27FC236}">
+                <a16:creationId xmlns:a16="http://schemas.microsoft.com/office/drawing/2014/main" id="{7ED2F7ED-F5B4-8244-8660-818A446C7F96}"/>
+              </a:ext>
+            </a:extLst>
+          </p:cNvPr>
+          <p:cNvGraphicFramePr>
+            <a:graphicFrameLocks noGrp="1"/>
+          </p:cNvGraphicFramePr>
+          <p:nvPr>
+            <p:extLst>
+              <p:ext uri="{D42A27DB-BD31-4B8C-83A1-F6EECF244321}">
+                <p14:modId xmlns:p14="http://schemas.microsoft.com/office/powerpoint/2010/main" val="263672460"/>
+              </p:ext>
+            </p:extLst>
+          </p:nvPr>
+        </p:nvGraphicFramePr>
+        <p:xfrm>
+          <a:off x="5326912" y="1414130"/>
+          <a:ext cx="6629777" cy="5312470"/>
+        </p:xfrm>
+        <a:graphic>
+          <a:graphicData uri="http://schemas.openxmlformats.org/drawingml/2006/table">
+            <a:tbl>
+              <a:tblPr firstRow="1" bandRow="1">
+                <a:tableStyleId>{5C22544A-7EE6-4342-B048-85BDC9FD1C3A}</a:tableStyleId>
+              </a:tblPr>
+              <a:tblGrid>
+                <a:gridCol w="602707">
+                  <a:extLst>
+                    <a:ext uri="{9D8B030D-6E8A-4147-A177-3AD203B41FA5}">
+                      <a16:colId xmlns:a16="http://schemas.microsoft.com/office/drawing/2014/main" val="3382499790"/>
+                    </a:ext>
+                  </a:extLst>
+                </a:gridCol>
+                <a:gridCol w="602707">
+                  <a:extLst>
+                    <a:ext uri="{9D8B030D-6E8A-4147-A177-3AD203B41FA5}">
+                      <a16:colId xmlns:a16="http://schemas.microsoft.com/office/drawing/2014/main" val="2840473121"/>
+                    </a:ext>
+                  </a:extLst>
+                </a:gridCol>
+                <a:gridCol w="602707">
+                  <a:extLst>
+                    <a:ext uri="{9D8B030D-6E8A-4147-A177-3AD203B41FA5}">
+                      <a16:colId xmlns:a16="http://schemas.microsoft.com/office/drawing/2014/main" val="1020499543"/>
+                    </a:ext>
+                  </a:extLst>
+                </a:gridCol>
+                <a:gridCol w="602707">
+                  <a:extLst>
+                    <a:ext uri="{9D8B030D-6E8A-4147-A177-3AD203B41FA5}">
+                      <a16:colId xmlns:a16="http://schemas.microsoft.com/office/drawing/2014/main" val="763296561"/>
+                    </a:ext>
+                  </a:extLst>
+                </a:gridCol>
+                <a:gridCol w="602707">
+                  <a:extLst>
+                    <a:ext uri="{9D8B030D-6E8A-4147-A177-3AD203B41FA5}">
+                      <a16:colId xmlns:a16="http://schemas.microsoft.com/office/drawing/2014/main" val="2674329282"/>
+                    </a:ext>
+                  </a:extLst>
+                </a:gridCol>
+                <a:gridCol w="602707">
+                  <a:extLst>
+                    <a:ext uri="{9D8B030D-6E8A-4147-A177-3AD203B41FA5}">
+                      <a16:colId xmlns:a16="http://schemas.microsoft.com/office/drawing/2014/main" val="2835177305"/>
+                    </a:ext>
+                  </a:extLst>
+                </a:gridCol>
+                <a:gridCol w="602707">
+                  <a:extLst>
+                    <a:ext uri="{9D8B030D-6E8A-4147-A177-3AD203B41FA5}">
+                      <a16:colId xmlns:a16="http://schemas.microsoft.com/office/drawing/2014/main" val="2104659244"/>
+                    </a:ext>
+                  </a:extLst>
+                </a:gridCol>
+                <a:gridCol w="602707">
+                  <a:extLst>
+                    <a:ext uri="{9D8B030D-6E8A-4147-A177-3AD203B41FA5}">
+                      <a16:colId xmlns:a16="http://schemas.microsoft.com/office/drawing/2014/main" val="3185212664"/>
+                    </a:ext>
+                  </a:extLst>
+                </a:gridCol>
+                <a:gridCol w="602707">
+                  <a:extLst>
+                    <a:ext uri="{9D8B030D-6E8A-4147-A177-3AD203B41FA5}">
+                      <a16:colId xmlns:a16="http://schemas.microsoft.com/office/drawing/2014/main" val="3152940129"/>
+                    </a:ext>
+                  </a:extLst>
+                </a:gridCol>
+                <a:gridCol w="602707">
+                  <a:extLst>
+                    <a:ext uri="{9D8B030D-6E8A-4147-A177-3AD203B41FA5}">
+                      <a16:colId xmlns:a16="http://schemas.microsoft.com/office/drawing/2014/main" val="4032822331"/>
+                    </a:ext>
+                  </a:extLst>
+                </a:gridCol>
+                <a:gridCol w="602707">
+                  <a:extLst>
+                    <a:ext uri="{9D8B030D-6E8A-4147-A177-3AD203B41FA5}">
+                      <a16:colId xmlns:a16="http://schemas.microsoft.com/office/drawing/2014/main" val="149262565"/>
+                    </a:ext>
+                  </a:extLst>
+                </a:gridCol>
+              </a:tblGrid>
+              <a:tr h="425913">
+                <a:tc>
+                  <a:txBody>
+                    <a:bodyPr/>
+                    <a:lstStyle/>
+                    <a:p>
+                      <a:pPr algn="ctr"/>
+                      <a:endParaRPr lang="en-US" sz="1600" b="0" dirty="0">
+                        <a:solidFill>
+                          <a:schemeClr val="bg1"/>
+                        </a:solidFill>
+                      </a:endParaRPr>
+                    </a:p>
+                  </a:txBody>
+                  <a:tcPr anchor="ctr">
+                    <a:solidFill>
+                      <a:schemeClr val="accent1"/>
+                    </a:solidFill>
+                  </a:tcPr>
+                </a:tc>
+                <a:tc>
+                  <a:txBody>
+                    <a:bodyPr/>
+                    <a:lstStyle/>
+                    <a:p>
+                      <a:pPr algn="ctr"/>
+                      <a:r>
+                        <a:rPr lang="en-US" sz="1600" b="0" dirty="0"/>
+                        <a:t>1</a:t>
+                      </a:r>
+                    </a:p>
+                  </a:txBody>
+                  <a:tcPr anchor="ctr"/>
+                </a:tc>
+                <a:tc>
+                  <a:txBody>
+                    <a:bodyPr/>
+                    <a:lstStyle/>
+                    <a:p>
+                      <a:pPr algn="ctr"/>
+                      <a:r>
+                        <a:rPr lang="en-US" sz="1600" b="0" dirty="0"/>
+                        <a:t>2</a:t>
+                      </a:r>
+                    </a:p>
+                  </a:txBody>
+                  <a:tcPr anchor="ctr"/>
+                </a:tc>
+                <a:tc>
+                  <a:txBody>
+                    <a:bodyPr/>
+                    <a:lstStyle/>
+                    <a:p>
+                      <a:pPr algn="ctr"/>
+                      <a:r>
+                        <a:rPr lang="en-US" sz="1600" b="0" dirty="0"/>
+                        <a:t>3</a:t>
+                      </a:r>
+                    </a:p>
+                  </a:txBody>
+                  <a:tcPr anchor="ctr"/>
+                </a:tc>
+                <a:tc>
+                  <a:txBody>
+                    <a:bodyPr/>
+                    <a:lstStyle/>
+                    <a:p>
+                      <a:pPr algn="ctr"/>
+                      <a:r>
+                        <a:rPr lang="en-US" sz="1600" b="0" dirty="0"/>
+                        <a:t>4</a:t>
+                      </a:r>
+                    </a:p>
+                  </a:txBody>
+                  <a:tcPr anchor="ctr"/>
+                </a:tc>
+                <a:tc>
+                  <a:txBody>
+                    <a:bodyPr/>
+                    <a:lstStyle/>
+                    <a:p>
+                      <a:pPr algn="ctr"/>
+                      <a:r>
+                        <a:rPr lang="en-US" sz="1600" b="0" dirty="0"/>
+                        <a:t>5</a:t>
+                      </a:r>
+                    </a:p>
+                  </a:txBody>
+                  <a:tcPr anchor="ctr"/>
+                </a:tc>
+                <a:tc>
+                  <a:txBody>
+                    <a:bodyPr/>
+                    <a:lstStyle/>
+                    <a:p>
+                      <a:pPr algn="ctr"/>
+                      <a:r>
+                        <a:rPr lang="en-US" sz="1600" b="0" dirty="0"/>
+                        <a:t>6</a:t>
+                      </a:r>
+                    </a:p>
+                  </a:txBody>
+                  <a:tcPr anchor="ctr"/>
+                </a:tc>
+                <a:tc>
+                  <a:txBody>
+                    <a:bodyPr/>
+                    <a:lstStyle/>
+                    <a:p>
+                      <a:pPr algn="ctr"/>
+                      <a:r>
+                        <a:rPr lang="en-US" sz="1600" b="0" dirty="0"/>
+                        <a:t>7</a:t>
+                      </a:r>
+                    </a:p>
+                  </a:txBody>
+                  <a:tcPr anchor="ctr"/>
+                </a:tc>
+                <a:tc>
+                  <a:txBody>
+                    <a:bodyPr/>
+                    <a:lstStyle/>
+                    <a:p>
+                      <a:pPr algn="ctr"/>
+                      <a:r>
+                        <a:rPr lang="en-US" sz="1600" b="0" dirty="0"/>
+                        <a:t>8</a:t>
+                      </a:r>
+                    </a:p>
+                  </a:txBody>
+                  <a:tcPr anchor="ctr"/>
+                </a:tc>
+                <a:tc>
+                  <a:txBody>
+                    <a:bodyPr/>
+                    <a:lstStyle/>
+                    <a:p>
+                      <a:pPr algn="ctr"/>
+                      <a:r>
+                        <a:rPr lang="en-US" sz="1600" b="0" dirty="0"/>
+                        <a:t>9</a:t>
+                      </a:r>
+                    </a:p>
+                  </a:txBody>
+                  <a:tcPr anchor="ctr"/>
+                </a:tc>
+                <a:tc>
+                  <a:txBody>
+                    <a:bodyPr/>
+                    <a:lstStyle/>
+                    <a:p>
+                      <a:pPr algn="ctr"/>
+                      <a:r>
+                        <a:rPr lang="en-US" sz="1600" b="0" dirty="0"/>
+                        <a:t>10</a:t>
+                      </a:r>
+                    </a:p>
+                  </a:txBody>
+                  <a:tcPr anchor="ctr"/>
+                </a:tc>
+                <a:extLst>
+                  <a:ext uri="{0D108BD9-81ED-4DB2-BD59-A6C34878D82A}">
+                    <a16:rowId xmlns:a16="http://schemas.microsoft.com/office/drawing/2014/main" val="3432947557"/>
+                  </a:ext>
+                </a:extLst>
+              </a:tr>
+              <a:tr h="627427">
+                <a:tc>
+                  <a:txBody>
+                    <a:bodyPr/>
+                    <a:lstStyle/>
+                    <a:p>
+                      <a:pPr algn="ctr"/>
+                      <a:r>
+                        <a:rPr lang="en-US" sz="1600" dirty="0">
+                          <a:solidFill>
+                            <a:schemeClr val="bg1"/>
+                          </a:solidFill>
+                        </a:rPr>
+                        <a:t>Root</a:t>
+                      </a:r>
+                    </a:p>
+                  </a:txBody>
+                  <a:tcPr anchor="ctr">
+                    <a:solidFill>
+                      <a:schemeClr val="accent1"/>
+                    </a:solidFill>
+                  </a:tcPr>
+                </a:tc>
+                <a:tc>
+                  <a:txBody>
+                    <a:bodyPr/>
+                    <a:lstStyle/>
+                    <a:p>
+                      <a:pPr algn="ctr"/>
+                      <a:endParaRPr lang="en-US" sz="1600" dirty="0"/>
+                    </a:p>
+                  </a:txBody>
+                  <a:tcPr anchor="ctr"/>
+                </a:tc>
+                <a:tc>
+                  <a:txBody>
+                    <a:bodyPr/>
+                    <a:lstStyle/>
+                    <a:p>
+                      <a:pPr algn="ctr"/>
+                      <a:endParaRPr lang="en-US" sz="1600"/>
+                    </a:p>
+                  </a:txBody>
+                  <a:tcPr anchor="ctr"/>
+                </a:tc>
+                <a:tc>
+                  <a:txBody>
+                    <a:bodyPr/>
+                    <a:lstStyle/>
+                    <a:p>
+                      <a:pPr algn="ctr"/>
+                      <a:endParaRPr lang="en-US" sz="1600"/>
+                    </a:p>
+                  </a:txBody>
+                  <a:tcPr anchor="ctr"/>
+                </a:tc>
+                <a:tc>
+                  <a:txBody>
+                    <a:bodyPr/>
+                    <a:lstStyle/>
+                    <a:p>
+                      <a:pPr algn="ctr"/>
+                      <a:endParaRPr lang="en-US" sz="1600"/>
+                    </a:p>
+                  </a:txBody>
+                  <a:tcPr anchor="ctr"/>
+                </a:tc>
+                <a:tc>
+                  <a:txBody>
+                    <a:bodyPr/>
+                    <a:lstStyle/>
+                    <a:p>
+                      <a:pPr algn="ctr"/>
+                      <a:endParaRPr lang="en-US" sz="1600"/>
+                    </a:p>
+                  </a:txBody>
+                  <a:tcPr anchor="ctr"/>
+                </a:tc>
+                <a:tc>
+                  <a:txBody>
+                    <a:bodyPr/>
+                    <a:lstStyle/>
+                    <a:p>
+                      <a:pPr algn="ctr"/>
+                      <a:endParaRPr lang="en-US" sz="1600"/>
+                    </a:p>
+                  </a:txBody>
+                  <a:tcPr anchor="ctr"/>
+                </a:tc>
+                <a:tc>
+                  <a:txBody>
+                    <a:bodyPr/>
+                    <a:lstStyle/>
+                    <a:p>
+                      <a:pPr algn="ctr"/>
+                      <a:endParaRPr lang="en-US" sz="1600"/>
+                    </a:p>
+                  </a:txBody>
+                  <a:tcPr anchor="ctr"/>
+                </a:tc>
+                <a:tc>
+                  <a:txBody>
+                    <a:bodyPr/>
+                    <a:lstStyle/>
+                    <a:p>
+                      <a:pPr algn="ctr"/>
+                      <a:endParaRPr lang="en-US" sz="1600"/>
+                    </a:p>
+                  </a:txBody>
+                  <a:tcPr anchor="ctr"/>
+                </a:tc>
+                <a:tc>
+                  <a:txBody>
+                    <a:bodyPr/>
+                    <a:lstStyle/>
+                    <a:p>
+                      <a:pPr algn="ctr"/>
+                      <a:endParaRPr lang="en-US" sz="1600" dirty="0"/>
+                    </a:p>
+                  </a:txBody>
+                  <a:tcPr anchor="ctr"/>
+                </a:tc>
+                <a:tc>
+                  <a:txBody>
+                    <a:bodyPr/>
+                    <a:lstStyle/>
+                    <a:p>
+                      <a:pPr algn="ctr"/>
+                      <a:endParaRPr lang="en-US" sz="1600"/>
+                    </a:p>
+                  </a:txBody>
+                  <a:tcPr anchor="ctr"/>
+                </a:tc>
+                <a:extLst>
+                  <a:ext uri="{0D108BD9-81ED-4DB2-BD59-A6C34878D82A}">
+                    <a16:rowId xmlns:a16="http://schemas.microsoft.com/office/drawing/2014/main" val="3894760842"/>
+                  </a:ext>
+                </a:extLst>
+              </a:tr>
+              <a:tr h="425913">
+                <a:tc>
+                  <a:txBody>
+                    <a:bodyPr/>
+                    <a:lstStyle/>
+                    <a:p>
+                      <a:pPr algn="ctr"/>
+                      <a:r>
+                        <a:rPr lang="en-US" sz="1600" dirty="0">
+                          <a:solidFill>
+                            <a:schemeClr val="bg1"/>
+                          </a:solidFill>
+                        </a:rPr>
+                        <a:t>1</a:t>
+                      </a:r>
+                    </a:p>
+                  </a:txBody>
+                  <a:tcPr anchor="ctr">
+                    <a:solidFill>
+                      <a:schemeClr val="accent1"/>
+                    </a:solidFill>
+                  </a:tcPr>
+                </a:tc>
+                <a:tc>
+                  <a:txBody>
+                    <a:bodyPr/>
+                    <a:lstStyle/>
+                    <a:p>
+                      <a:pPr algn="ctr"/>
+                      <a:endParaRPr lang="en-US" sz="1600" dirty="0"/>
+                    </a:p>
+                  </a:txBody>
+                  <a:tcPr anchor="ctr">
+                    <a:solidFill>
+                      <a:schemeClr val="bg2">
+                        <a:lumMod val="50000"/>
+                      </a:schemeClr>
+                    </a:solidFill>
+                  </a:tcPr>
+                </a:tc>
+                <a:tc>
+                  <a:txBody>
+                    <a:bodyPr/>
+                    <a:lstStyle/>
+                    <a:p>
+                      <a:pPr algn="ctr"/>
+                      <a:endParaRPr lang="en-US" sz="1600"/>
+                    </a:p>
+                  </a:txBody>
+                  <a:tcPr anchor="ctr"/>
+                </a:tc>
+                <a:tc>
+                  <a:txBody>
+                    <a:bodyPr/>
+                    <a:lstStyle/>
+                    <a:p>
+                      <a:pPr algn="ctr"/>
+                      <a:endParaRPr lang="en-US" sz="1600"/>
+                    </a:p>
+                  </a:txBody>
+                  <a:tcPr anchor="ctr"/>
+                </a:tc>
+                <a:tc>
+                  <a:txBody>
+                    <a:bodyPr/>
+                    <a:lstStyle/>
+                    <a:p>
+                      <a:pPr algn="ctr"/>
+                      <a:endParaRPr lang="en-US" sz="1600"/>
+                    </a:p>
+                  </a:txBody>
+                  <a:tcPr anchor="ctr"/>
+                </a:tc>
+                <a:tc>
+                  <a:txBody>
+                    <a:bodyPr/>
+                    <a:lstStyle/>
+                    <a:p>
+                      <a:pPr algn="ctr"/>
+                      <a:endParaRPr lang="en-US" sz="1600"/>
+                    </a:p>
+                  </a:txBody>
+                  <a:tcPr anchor="ctr"/>
+                </a:tc>
+                <a:tc>
+                  <a:txBody>
+                    <a:bodyPr/>
+                    <a:lstStyle/>
+                    <a:p>
+                      <a:pPr algn="ctr"/>
+                      <a:endParaRPr lang="en-US" sz="1600"/>
+                    </a:p>
+                  </a:txBody>
+                  <a:tcPr anchor="ctr"/>
+                </a:tc>
+                <a:tc>
+                  <a:txBody>
+                    <a:bodyPr/>
+                    <a:lstStyle/>
+                    <a:p>
+                      <a:pPr algn="ctr"/>
+                      <a:endParaRPr lang="en-US" sz="1600"/>
+                    </a:p>
+                  </a:txBody>
+                  <a:tcPr anchor="ctr"/>
+                </a:tc>
+                <a:tc>
+                  <a:txBody>
+                    <a:bodyPr/>
+                    <a:lstStyle/>
+                    <a:p>
+                      <a:pPr algn="ctr"/>
+                      <a:endParaRPr lang="en-US" sz="1600"/>
+                    </a:p>
+                  </a:txBody>
+                  <a:tcPr anchor="ctr"/>
+                </a:tc>
+                <a:tc>
+                  <a:txBody>
+                    <a:bodyPr/>
+                    <a:lstStyle/>
+                    <a:p>
+                      <a:pPr algn="ctr"/>
+                      <a:endParaRPr lang="en-US" sz="1600" dirty="0"/>
+                    </a:p>
+                  </a:txBody>
+                  <a:tcPr anchor="ctr"/>
+                </a:tc>
+                <a:tc>
+                  <a:txBody>
+                    <a:bodyPr/>
+                    <a:lstStyle/>
+                    <a:p>
+                      <a:pPr algn="ctr"/>
+                      <a:endParaRPr lang="en-US" sz="1600" dirty="0"/>
+                    </a:p>
+                  </a:txBody>
+                  <a:tcPr anchor="ctr"/>
+                </a:tc>
+                <a:extLst>
+                  <a:ext uri="{0D108BD9-81ED-4DB2-BD59-A6C34878D82A}">
+                    <a16:rowId xmlns:a16="http://schemas.microsoft.com/office/drawing/2014/main" val="975743077"/>
+                  </a:ext>
+                </a:extLst>
+              </a:tr>
+              <a:tr h="425913">
+                <a:tc>
+                  <a:txBody>
+                    <a:bodyPr/>
+                    <a:lstStyle/>
+                    <a:p>
+                      <a:pPr algn="ctr"/>
+                      <a:r>
+                        <a:rPr lang="en-US" sz="1600" dirty="0">
+                          <a:solidFill>
+                            <a:schemeClr val="bg1"/>
+                          </a:solidFill>
+                        </a:rPr>
+                        <a:t>2</a:t>
+                      </a:r>
+                    </a:p>
+                  </a:txBody>
+                  <a:tcPr anchor="ctr">
+                    <a:solidFill>
+                      <a:schemeClr val="accent1"/>
+                    </a:solidFill>
+                  </a:tcPr>
+                </a:tc>
+                <a:tc>
+                  <a:txBody>
+                    <a:bodyPr/>
+                    <a:lstStyle/>
+                    <a:p>
+                      <a:pPr algn="ctr"/>
+                      <a:endParaRPr lang="en-US" sz="1600"/>
+                    </a:p>
+                  </a:txBody>
+                  <a:tcPr anchor="ctr"/>
+                </a:tc>
+                <a:tc>
+                  <a:txBody>
+                    <a:bodyPr/>
+                    <a:lstStyle/>
+                    <a:p>
+                      <a:pPr algn="ctr"/>
+                      <a:endParaRPr lang="en-US" sz="1600" dirty="0"/>
+                    </a:p>
+                  </a:txBody>
+                  <a:tcPr anchor="ctr">
+                    <a:solidFill>
+                      <a:schemeClr val="bg2">
+                        <a:lumMod val="50000"/>
+                      </a:schemeClr>
+                    </a:solidFill>
+                  </a:tcPr>
+                </a:tc>
+                <a:tc>
+                  <a:txBody>
+                    <a:bodyPr/>
+                    <a:lstStyle/>
+                    <a:p>
+                      <a:pPr algn="ctr"/>
+                      <a:endParaRPr lang="en-US" sz="1600"/>
+                    </a:p>
+                  </a:txBody>
+                  <a:tcPr anchor="ctr"/>
+                </a:tc>
+                <a:tc>
+                  <a:txBody>
+                    <a:bodyPr/>
+                    <a:lstStyle/>
+                    <a:p>
+                      <a:pPr algn="ctr"/>
+                      <a:endParaRPr lang="en-US" sz="1600"/>
+                    </a:p>
+                  </a:txBody>
+                  <a:tcPr anchor="ctr"/>
+                </a:tc>
+                <a:tc>
+                  <a:txBody>
+                    <a:bodyPr/>
+                    <a:lstStyle/>
+                    <a:p>
+                      <a:pPr algn="ctr"/>
+                      <a:endParaRPr lang="en-US" sz="1600"/>
+                    </a:p>
+                  </a:txBody>
+                  <a:tcPr anchor="ctr"/>
+                </a:tc>
+                <a:tc>
+                  <a:txBody>
+                    <a:bodyPr/>
+                    <a:lstStyle/>
+                    <a:p>
+                      <a:pPr algn="ctr"/>
+                      <a:endParaRPr lang="en-US" sz="1600"/>
+                    </a:p>
+                  </a:txBody>
+                  <a:tcPr anchor="ctr"/>
+                </a:tc>
+                <a:tc>
+                  <a:txBody>
+                    <a:bodyPr/>
+                    <a:lstStyle/>
+                    <a:p>
+                      <a:pPr algn="ctr"/>
+                      <a:endParaRPr lang="en-US" sz="1600"/>
+                    </a:p>
+                  </a:txBody>
+                  <a:tcPr anchor="ctr"/>
+                </a:tc>
+                <a:tc>
+                  <a:txBody>
+                    <a:bodyPr/>
+                    <a:lstStyle/>
+                    <a:p>
+                      <a:pPr algn="ctr"/>
+                      <a:endParaRPr lang="en-US" sz="1600"/>
+                    </a:p>
+                  </a:txBody>
+                  <a:tcPr anchor="ctr"/>
+                </a:tc>
+                <a:tc>
+                  <a:txBody>
+                    <a:bodyPr/>
+                    <a:lstStyle/>
+                    <a:p>
+                      <a:pPr algn="ctr"/>
+                      <a:endParaRPr lang="en-US" sz="1600"/>
+                    </a:p>
+                  </a:txBody>
+                  <a:tcPr anchor="ctr"/>
+                </a:tc>
+                <a:tc>
+                  <a:txBody>
+                    <a:bodyPr/>
+                    <a:lstStyle/>
+                    <a:p>
+                      <a:pPr algn="ctr"/>
+                      <a:endParaRPr lang="en-US" sz="1600"/>
+                    </a:p>
+                  </a:txBody>
+                  <a:tcPr anchor="ctr"/>
+                </a:tc>
+                <a:extLst>
+                  <a:ext uri="{0D108BD9-81ED-4DB2-BD59-A6C34878D82A}">
+                    <a16:rowId xmlns:a16="http://schemas.microsoft.com/office/drawing/2014/main" val="3485857920"/>
+                  </a:ext>
+                </a:extLst>
+              </a:tr>
+              <a:tr h="425913">
+                <a:tc>
+                  <a:txBody>
+                    <a:bodyPr/>
+                    <a:lstStyle/>
+                    <a:p>
+                      <a:pPr algn="ctr"/>
+                      <a:r>
+                        <a:rPr lang="en-US" sz="1600" dirty="0">
+                          <a:solidFill>
+                            <a:schemeClr val="bg1"/>
+                          </a:solidFill>
+                        </a:rPr>
+                        <a:t>3</a:t>
+                      </a:r>
+                    </a:p>
+                  </a:txBody>
+                  <a:tcPr anchor="ctr">
+                    <a:solidFill>
+                      <a:schemeClr val="accent1"/>
+                    </a:solidFill>
+                  </a:tcPr>
+                </a:tc>
+                <a:tc>
+                  <a:txBody>
+                    <a:bodyPr/>
+                    <a:lstStyle/>
+                    <a:p>
+                      <a:pPr algn="ctr"/>
+                      <a:r>
+                        <a:rPr lang="en-US" sz="1600" dirty="0"/>
+                        <a:t>-</a:t>
+                      </a:r>
+                    </a:p>
+                  </a:txBody>
+                  <a:tcPr anchor="ctr">
+                    <a:solidFill>
+                      <a:schemeClr val="bg2">
+                        <a:lumMod val="75000"/>
+                      </a:schemeClr>
+                    </a:solidFill>
+                  </a:tcPr>
+                </a:tc>
+                <a:tc>
+                  <a:txBody>
+                    <a:bodyPr/>
+                    <a:lstStyle/>
+                    <a:p>
+                      <a:pPr algn="ctr"/>
+                      <a:r>
+                        <a:rPr lang="en-US" sz="1600" dirty="0"/>
+                        <a:t>-</a:t>
+                      </a:r>
+                    </a:p>
+                  </a:txBody>
+                  <a:tcPr anchor="ctr">
+                    <a:solidFill>
+                      <a:schemeClr val="bg2">
+                        <a:lumMod val="75000"/>
+                      </a:schemeClr>
+                    </a:solidFill>
+                  </a:tcPr>
+                </a:tc>
+                <a:tc>
+                  <a:txBody>
+                    <a:bodyPr/>
+                    <a:lstStyle/>
+                    <a:p>
+                      <a:pPr algn="ctr"/>
+                      <a:endParaRPr lang="en-US" sz="1600" dirty="0"/>
+                    </a:p>
+                  </a:txBody>
+                  <a:tcPr anchor="ctr">
+                    <a:solidFill>
+                      <a:schemeClr val="bg2">
+                        <a:lumMod val="50000"/>
+                      </a:schemeClr>
+                    </a:solidFill>
+                  </a:tcPr>
+                </a:tc>
+                <a:tc>
+                  <a:txBody>
+                    <a:bodyPr/>
+                    <a:lstStyle/>
+                    <a:p>
+                      <a:pPr algn="ctr"/>
+                      <a:endParaRPr lang="en-US" sz="1600"/>
+                    </a:p>
+                  </a:txBody>
+                  <a:tcPr anchor="ctr"/>
+                </a:tc>
+                <a:tc>
+                  <a:txBody>
+                    <a:bodyPr/>
+                    <a:lstStyle/>
+                    <a:p>
+                      <a:pPr algn="ctr"/>
+                      <a:endParaRPr lang="en-US" sz="1600" dirty="0"/>
+                    </a:p>
+                  </a:txBody>
+                  <a:tcPr anchor="ctr"/>
+                </a:tc>
+                <a:tc>
+                  <a:txBody>
+                    <a:bodyPr/>
+                    <a:lstStyle/>
+                    <a:p>
+                      <a:pPr algn="ctr"/>
+                      <a:r>
+                        <a:rPr lang="en-US" sz="1600" dirty="0"/>
+                        <a:t>-</a:t>
+                      </a:r>
+                    </a:p>
+                  </a:txBody>
+                  <a:tcPr anchor="ctr">
+                    <a:solidFill>
+                      <a:schemeClr val="bg2">
+                        <a:lumMod val="75000"/>
+                      </a:schemeClr>
+                    </a:solidFill>
+                  </a:tcPr>
+                </a:tc>
+                <a:tc>
+                  <a:txBody>
+                    <a:bodyPr/>
+                    <a:lstStyle/>
+                    <a:p>
+                      <a:pPr algn="ctr"/>
+                      <a:r>
+                        <a:rPr lang="en-US" sz="1600" dirty="0"/>
+                        <a:t>-</a:t>
+                      </a:r>
+                    </a:p>
+                  </a:txBody>
+                  <a:tcPr anchor="ctr">
+                    <a:solidFill>
+                      <a:schemeClr val="bg2">
+                        <a:lumMod val="75000"/>
+                      </a:schemeClr>
+                    </a:solidFill>
+                  </a:tcPr>
+                </a:tc>
+                <a:tc>
+                  <a:txBody>
+                    <a:bodyPr/>
+                    <a:lstStyle/>
+                    <a:p>
+                      <a:pPr algn="ctr"/>
+                      <a:endParaRPr lang="en-US" sz="1600"/>
+                    </a:p>
+                  </a:txBody>
+                  <a:tcPr anchor="ctr"/>
+                </a:tc>
+                <a:tc>
+                  <a:txBody>
+                    <a:bodyPr/>
+                    <a:lstStyle/>
+                    <a:p>
+                      <a:pPr algn="ctr"/>
+                      <a:endParaRPr lang="en-US" sz="1600"/>
+                    </a:p>
+                  </a:txBody>
+                  <a:tcPr anchor="ctr"/>
+                </a:tc>
+                <a:tc>
+                  <a:txBody>
+                    <a:bodyPr/>
+                    <a:lstStyle/>
+                    <a:p>
+                      <a:pPr algn="ctr"/>
+                      <a:r>
+                        <a:rPr lang="en-US" sz="1600" dirty="0"/>
+                        <a:t>-</a:t>
+                      </a:r>
+                    </a:p>
+                  </a:txBody>
+                  <a:tcPr anchor="ctr">
+                    <a:solidFill>
+                      <a:schemeClr val="bg2">
+                        <a:lumMod val="75000"/>
+                      </a:schemeClr>
+                    </a:solidFill>
+                  </a:tcPr>
+                </a:tc>
+                <a:extLst>
+                  <a:ext uri="{0D108BD9-81ED-4DB2-BD59-A6C34878D82A}">
+                    <a16:rowId xmlns:a16="http://schemas.microsoft.com/office/drawing/2014/main" val="3971703997"/>
+                  </a:ext>
+                </a:extLst>
+              </a:tr>
+              <a:tr h="425913">
+                <a:tc>
+                  <a:txBody>
+                    <a:bodyPr/>
+                    <a:lstStyle/>
+                    <a:p>
+                      <a:pPr algn="ctr"/>
+                      <a:r>
+                        <a:rPr lang="en-US" sz="1600" dirty="0">
+                          <a:solidFill>
+                            <a:schemeClr val="bg1"/>
+                          </a:solidFill>
+                        </a:rPr>
+                        <a:t>4</a:t>
+                      </a:r>
+                    </a:p>
+                  </a:txBody>
+                  <a:tcPr anchor="ctr">
+                    <a:solidFill>
+                      <a:schemeClr val="accent1"/>
+                    </a:solidFill>
+                  </a:tcPr>
+                </a:tc>
+                <a:tc>
+                  <a:txBody>
+                    <a:bodyPr/>
+                    <a:lstStyle/>
+                    <a:p>
+                      <a:pPr algn="ctr"/>
+                      <a:r>
+                        <a:rPr lang="en-US" sz="1600" dirty="0"/>
+                        <a:t>-</a:t>
+                      </a:r>
+                    </a:p>
+                  </a:txBody>
+                  <a:tcPr anchor="ctr">
+                    <a:solidFill>
+                      <a:schemeClr val="bg2">
+                        <a:lumMod val="75000"/>
+                      </a:schemeClr>
+                    </a:solidFill>
+                  </a:tcPr>
+                </a:tc>
+                <a:tc>
+                  <a:txBody>
+                    <a:bodyPr/>
+                    <a:lstStyle/>
+                    <a:p>
+                      <a:pPr algn="ctr"/>
+                      <a:r>
+                        <a:rPr lang="en-US" sz="1600" dirty="0"/>
+                        <a:t>-</a:t>
+                      </a:r>
+                    </a:p>
+                  </a:txBody>
+                  <a:tcPr anchor="ctr">
+                    <a:solidFill>
+                      <a:schemeClr val="bg2">
+                        <a:lumMod val="75000"/>
+                      </a:schemeClr>
+                    </a:solidFill>
+                  </a:tcPr>
+                </a:tc>
+                <a:tc>
+                  <a:txBody>
+                    <a:bodyPr/>
+                    <a:lstStyle/>
+                    <a:p>
+                      <a:pPr algn="ctr"/>
+                      <a:endParaRPr lang="en-US" sz="1600" dirty="0"/>
+                    </a:p>
+                  </a:txBody>
+                  <a:tcPr anchor="ctr"/>
+                </a:tc>
+                <a:tc>
+                  <a:txBody>
+                    <a:bodyPr/>
+                    <a:lstStyle/>
+                    <a:p>
+                      <a:pPr algn="ctr"/>
+                      <a:endParaRPr lang="en-US" sz="1600" dirty="0"/>
+                    </a:p>
+                  </a:txBody>
+                  <a:tcPr anchor="ctr">
+                    <a:solidFill>
+                      <a:schemeClr val="bg2">
+                        <a:lumMod val="50000"/>
+                      </a:schemeClr>
+                    </a:solidFill>
+                  </a:tcPr>
+                </a:tc>
+                <a:tc>
+                  <a:txBody>
+                    <a:bodyPr/>
+                    <a:lstStyle/>
+                    <a:p>
+                      <a:pPr algn="ctr"/>
+                      <a:endParaRPr lang="en-US" sz="1600"/>
+                    </a:p>
+                  </a:txBody>
+                  <a:tcPr anchor="ctr"/>
+                </a:tc>
+                <a:tc>
+                  <a:txBody>
+                    <a:bodyPr/>
+                    <a:lstStyle/>
+                    <a:p>
+                      <a:pPr algn="ctr"/>
+                      <a:r>
+                        <a:rPr lang="en-US" sz="1600" dirty="0"/>
+                        <a:t>-</a:t>
+                      </a:r>
+                    </a:p>
+                  </a:txBody>
+                  <a:tcPr anchor="ctr">
+                    <a:solidFill>
+                      <a:schemeClr val="bg2">
+                        <a:lumMod val="75000"/>
+                      </a:schemeClr>
+                    </a:solidFill>
+                  </a:tcPr>
+                </a:tc>
+                <a:tc>
+                  <a:txBody>
+                    <a:bodyPr/>
+                    <a:lstStyle/>
+                    <a:p>
+                      <a:pPr algn="ctr"/>
+                      <a:r>
+                        <a:rPr lang="en-US" sz="1600" dirty="0"/>
+                        <a:t>-</a:t>
+                      </a:r>
+                    </a:p>
+                  </a:txBody>
+                  <a:tcPr anchor="ctr">
+                    <a:solidFill>
+                      <a:schemeClr val="bg2">
+                        <a:lumMod val="75000"/>
+                      </a:schemeClr>
+                    </a:solidFill>
+                  </a:tcPr>
+                </a:tc>
+                <a:tc>
+                  <a:txBody>
+                    <a:bodyPr/>
+                    <a:lstStyle/>
+                    <a:p>
+                      <a:pPr algn="ctr"/>
+                      <a:endParaRPr lang="en-US" sz="1600"/>
+                    </a:p>
+                  </a:txBody>
+                  <a:tcPr anchor="ctr"/>
+                </a:tc>
+                <a:tc>
+                  <a:txBody>
+                    <a:bodyPr/>
+                    <a:lstStyle/>
+                    <a:p>
+                      <a:pPr algn="ctr"/>
+                      <a:endParaRPr lang="en-US" sz="1600"/>
+                    </a:p>
+                  </a:txBody>
+                  <a:tcPr anchor="ctr"/>
+                </a:tc>
+                <a:tc>
+                  <a:txBody>
+                    <a:bodyPr/>
+                    <a:lstStyle/>
+                    <a:p>
+                      <a:pPr algn="ctr"/>
+                      <a:r>
+                        <a:rPr lang="en-US" sz="1600" dirty="0"/>
+                        <a:t>-</a:t>
+                      </a:r>
+                    </a:p>
+                  </a:txBody>
+                  <a:tcPr anchor="ctr">
+                    <a:solidFill>
+                      <a:schemeClr val="bg2">
+                        <a:lumMod val="75000"/>
+                      </a:schemeClr>
+                    </a:solidFill>
+                  </a:tcPr>
+                </a:tc>
+                <a:extLst>
+                  <a:ext uri="{0D108BD9-81ED-4DB2-BD59-A6C34878D82A}">
+                    <a16:rowId xmlns:a16="http://schemas.microsoft.com/office/drawing/2014/main" val="4216095044"/>
+                  </a:ext>
+                </a:extLst>
+              </a:tr>
+              <a:tr h="425913">
+                <a:tc>
+                  <a:txBody>
+                    <a:bodyPr/>
+                    <a:lstStyle/>
+                    <a:p>
+                      <a:pPr algn="ctr"/>
+                      <a:r>
+                        <a:rPr lang="en-US" sz="1600" dirty="0">
+                          <a:solidFill>
+                            <a:schemeClr val="bg1"/>
+                          </a:solidFill>
+                        </a:rPr>
+                        <a:t>5</a:t>
+                      </a:r>
+                    </a:p>
+                  </a:txBody>
+                  <a:tcPr anchor="ctr">
+                    <a:solidFill>
+                      <a:schemeClr val="accent1"/>
+                    </a:solidFill>
+                  </a:tcPr>
+                </a:tc>
+                <a:tc>
+                  <a:txBody>
+                    <a:bodyPr/>
+                    <a:lstStyle/>
+                    <a:p>
+                      <a:pPr algn="ctr"/>
+                      <a:r>
+                        <a:rPr lang="en-US" sz="1600" dirty="0"/>
+                        <a:t>-</a:t>
+                      </a:r>
+                    </a:p>
+                  </a:txBody>
+                  <a:tcPr anchor="ctr">
+                    <a:solidFill>
+                      <a:schemeClr val="bg2">
+                        <a:lumMod val="75000"/>
+                      </a:schemeClr>
+                    </a:solidFill>
+                  </a:tcPr>
+                </a:tc>
+                <a:tc>
+                  <a:txBody>
+                    <a:bodyPr/>
+                    <a:lstStyle/>
+                    <a:p>
+                      <a:pPr algn="ctr"/>
+                      <a:r>
+                        <a:rPr lang="en-US" sz="1600" dirty="0"/>
+                        <a:t>-</a:t>
+                      </a:r>
+                    </a:p>
+                  </a:txBody>
+                  <a:tcPr anchor="ctr">
+                    <a:solidFill>
+                      <a:schemeClr val="bg2">
+                        <a:lumMod val="75000"/>
+                      </a:schemeClr>
+                    </a:solidFill>
+                  </a:tcPr>
+                </a:tc>
+                <a:tc>
+                  <a:txBody>
+                    <a:bodyPr/>
+                    <a:lstStyle/>
+                    <a:p>
+                      <a:pPr algn="ctr"/>
+                      <a:endParaRPr lang="en-US" sz="1600"/>
+                    </a:p>
+                  </a:txBody>
+                  <a:tcPr anchor="ctr"/>
+                </a:tc>
+                <a:tc>
+                  <a:txBody>
+                    <a:bodyPr/>
+                    <a:lstStyle/>
+                    <a:p>
+                      <a:pPr algn="ctr"/>
+                      <a:endParaRPr lang="en-US" sz="1600"/>
+                    </a:p>
+                  </a:txBody>
+                  <a:tcPr anchor="ctr"/>
+                </a:tc>
+                <a:tc>
+                  <a:txBody>
+                    <a:bodyPr/>
+                    <a:lstStyle/>
+                    <a:p>
+                      <a:pPr algn="ctr"/>
+                      <a:endParaRPr lang="en-US" sz="1600" dirty="0"/>
+                    </a:p>
+                  </a:txBody>
+                  <a:tcPr anchor="ctr">
+                    <a:solidFill>
+                      <a:schemeClr val="bg2">
+                        <a:lumMod val="50000"/>
+                      </a:schemeClr>
+                    </a:solidFill>
+                  </a:tcPr>
+                </a:tc>
+                <a:tc>
+                  <a:txBody>
+                    <a:bodyPr/>
+                    <a:lstStyle/>
+                    <a:p>
+                      <a:pPr algn="ctr"/>
+                      <a:r>
+                        <a:rPr lang="en-US" sz="1600" dirty="0"/>
+                        <a:t>-</a:t>
+                      </a:r>
+                    </a:p>
+                  </a:txBody>
+                  <a:tcPr anchor="ctr">
+                    <a:solidFill>
+                      <a:schemeClr val="bg2">
+                        <a:lumMod val="75000"/>
+                      </a:schemeClr>
+                    </a:solidFill>
+                  </a:tcPr>
+                </a:tc>
+                <a:tc>
+                  <a:txBody>
+                    <a:bodyPr/>
+                    <a:lstStyle/>
+                    <a:p>
+                      <a:pPr algn="ctr"/>
+                      <a:r>
+                        <a:rPr lang="en-US" sz="1600" dirty="0"/>
+                        <a:t>-</a:t>
+                      </a:r>
+                    </a:p>
+                  </a:txBody>
+                  <a:tcPr anchor="ctr">
+                    <a:solidFill>
+                      <a:schemeClr val="bg2">
+                        <a:lumMod val="75000"/>
+                      </a:schemeClr>
+                    </a:solidFill>
+                  </a:tcPr>
+                </a:tc>
+                <a:tc>
+                  <a:txBody>
+                    <a:bodyPr/>
+                    <a:lstStyle/>
+                    <a:p>
+                      <a:pPr algn="ctr"/>
+                      <a:endParaRPr lang="en-US" sz="1600"/>
+                    </a:p>
+                  </a:txBody>
+                  <a:tcPr anchor="ctr"/>
+                </a:tc>
+                <a:tc>
+                  <a:txBody>
+                    <a:bodyPr/>
+                    <a:lstStyle/>
+                    <a:p>
+                      <a:pPr algn="ctr"/>
+                      <a:endParaRPr lang="en-US" sz="1600"/>
+                    </a:p>
+                  </a:txBody>
+                  <a:tcPr anchor="ctr"/>
+                </a:tc>
+                <a:tc>
+                  <a:txBody>
+                    <a:bodyPr/>
+                    <a:lstStyle/>
+                    <a:p>
+                      <a:pPr algn="ctr"/>
+                      <a:r>
+                        <a:rPr lang="en-US" sz="1600" dirty="0"/>
+                        <a:t>-</a:t>
+                      </a:r>
+                    </a:p>
+                  </a:txBody>
+                  <a:tcPr anchor="ctr">
+                    <a:solidFill>
+                      <a:schemeClr val="bg2">
+                        <a:lumMod val="75000"/>
+                      </a:schemeClr>
+                    </a:solidFill>
+                  </a:tcPr>
+                </a:tc>
+                <a:extLst>
+                  <a:ext uri="{0D108BD9-81ED-4DB2-BD59-A6C34878D82A}">
+                    <a16:rowId xmlns:a16="http://schemas.microsoft.com/office/drawing/2014/main" val="2237266844"/>
+                  </a:ext>
+                </a:extLst>
+              </a:tr>
+              <a:tr h="425913">
+                <a:tc>
+                  <a:txBody>
+                    <a:bodyPr/>
+                    <a:lstStyle/>
+                    <a:p>
+                      <a:pPr algn="ctr"/>
+                      <a:r>
+                        <a:rPr lang="en-US" sz="1600" dirty="0">
+                          <a:solidFill>
+                            <a:schemeClr val="bg1"/>
+                          </a:solidFill>
+                        </a:rPr>
+                        <a:t>6</a:t>
+                      </a:r>
+                    </a:p>
+                  </a:txBody>
+                  <a:tcPr anchor="ctr">
+                    <a:solidFill>
+                      <a:schemeClr val="accent1"/>
+                    </a:solidFill>
+                  </a:tcPr>
+                </a:tc>
+                <a:tc>
+                  <a:txBody>
+                    <a:bodyPr/>
+                    <a:lstStyle/>
+                    <a:p>
+                      <a:pPr algn="ctr"/>
+                      <a:r>
+                        <a:rPr lang="en-US" sz="1600" dirty="0"/>
+                        <a:t>-</a:t>
+                      </a:r>
+                    </a:p>
+                  </a:txBody>
+                  <a:tcPr anchor="ctr">
+                    <a:solidFill>
+                      <a:schemeClr val="bg2">
+                        <a:lumMod val="75000"/>
+                      </a:schemeClr>
+                    </a:solidFill>
+                  </a:tcPr>
+                </a:tc>
+                <a:tc>
+                  <a:txBody>
+                    <a:bodyPr/>
+                    <a:lstStyle/>
+                    <a:p>
+                      <a:pPr algn="ctr"/>
+                      <a:r>
+                        <a:rPr lang="en-US" sz="1600" dirty="0"/>
+                        <a:t>-</a:t>
+                      </a:r>
+                    </a:p>
+                  </a:txBody>
+                  <a:tcPr anchor="ctr">
+                    <a:solidFill>
+                      <a:schemeClr val="bg2">
+                        <a:lumMod val="75000"/>
+                      </a:schemeClr>
+                    </a:solidFill>
+                  </a:tcPr>
+                </a:tc>
+                <a:tc>
+                  <a:txBody>
+                    <a:bodyPr/>
+                    <a:lstStyle/>
+                    <a:p>
+                      <a:pPr algn="ctr"/>
+                      <a:r>
+                        <a:rPr lang="en-US" sz="1600" dirty="0"/>
+                        <a:t>-</a:t>
+                      </a:r>
+                    </a:p>
+                  </a:txBody>
+                  <a:tcPr anchor="ctr">
+                    <a:solidFill>
+                      <a:schemeClr val="bg2">
+                        <a:lumMod val="75000"/>
+                      </a:schemeClr>
+                    </a:solidFill>
+                  </a:tcPr>
+                </a:tc>
+                <a:tc>
+                  <a:txBody>
+                    <a:bodyPr/>
+                    <a:lstStyle/>
+                    <a:p>
+                      <a:pPr algn="ctr"/>
+                      <a:r>
+                        <a:rPr lang="en-US" sz="1600" dirty="0"/>
+                        <a:t>-</a:t>
+                      </a:r>
+                    </a:p>
+                  </a:txBody>
+                  <a:tcPr anchor="ctr">
+                    <a:solidFill>
+                      <a:schemeClr val="bg2">
+                        <a:lumMod val="75000"/>
+                      </a:schemeClr>
+                    </a:solidFill>
+                  </a:tcPr>
+                </a:tc>
+                <a:tc>
+                  <a:txBody>
+                    <a:bodyPr/>
+                    <a:lstStyle/>
+                    <a:p>
+                      <a:pPr algn="ctr"/>
+                      <a:r>
+                        <a:rPr lang="en-US" sz="1600" dirty="0"/>
+                        <a:t>-</a:t>
+                      </a:r>
+                    </a:p>
+                  </a:txBody>
+                  <a:tcPr anchor="ctr">
+                    <a:solidFill>
+                      <a:schemeClr val="bg2">
+                        <a:lumMod val="75000"/>
+                      </a:schemeClr>
+                    </a:solidFill>
+                  </a:tcPr>
+                </a:tc>
+                <a:tc>
+                  <a:txBody>
+                    <a:bodyPr/>
+                    <a:lstStyle/>
+                    <a:p>
+                      <a:pPr algn="ctr"/>
+                      <a:endParaRPr lang="en-US" sz="1600" dirty="0"/>
+                    </a:p>
+                  </a:txBody>
+                  <a:tcPr anchor="ctr">
+                    <a:solidFill>
+                      <a:schemeClr val="bg2">
+                        <a:lumMod val="50000"/>
+                      </a:schemeClr>
+                    </a:solidFill>
+                  </a:tcPr>
+                </a:tc>
+                <a:tc>
+                  <a:txBody>
+                    <a:bodyPr/>
+                    <a:lstStyle/>
+                    <a:p>
+                      <a:pPr algn="ctr"/>
+                      <a:endParaRPr lang="en-US" sz="1600" dirty="0"/>
+                    </a:p>
+                  </a:txBody>
+                  <a:tcPr anchor="ctr"/>
+                </a:tc>
+                <a:tc>
+                  <a:txBody>
+                    <a:bodyPr/>
+                    <a:lstStyle/>
+                    <a:p>
+                      <a:pPr algn="ctr"/>
+                      <a:endParaRPr lang="en-US" sz="1600"/>
+                    </a:p>
+                  </a:txBody>
+                  <a:tcPr anchor="ctr"/>
+                </a:tc>
+                <a:tc>
+                  <a:txBody>
+                    <a:bodyPr/>
+                    <a:lstStyle/>
+                    <a:p>
+                      <a:pPr algn="ctr"/>
+                      <a:r>
+                        <a:rPr lang="en-US" sz="1600" dirty="0"/>
+                        <a:t>-</a:t>
+                      </a:r>
+                    </a:p>
+                  </a:txBody>
+                  <a:tcPr anchor="ctr">
+                    <a:solidFill>
+                      <a:schemeClr val="bg2">
+                        <a:lumMod val="75000"/>
+                      </a:schemeClr>
+                    </a:solidFill>
+                  </a:tcPr>
+                </a:tc>
+                <a:tc>
+                  <a:txBody>
+                    <a:bodyPr/>
+                    <a:lstStyle/>
+                    <a:p>
+                      <a:pPr algn="ctr"/>
+                      <a:endParaRPr lang="en-US" sz="1600" dirty="0"/>
+                    </a:p>
+                  </a:txBody>
+                  <a:tcPr anchor="ctr"/>
+                </a:tc>
+                <a:extLst>
+                  <a:ext uri="{0D108BD9-81ED-4DB2-BD59-A6C34878D82A}">
+                    <a16:rowId xmlns:a16="http://schemas.microsoft.com/office/drawing/2014/main" val="2252693935"/>
+                  </a:ext>
+                </a:extLst>
+              </a:tr>
+              <a:tr h="425913">
+                <a:tc>
+                  <a:txBody>
+                    <a:bodyPr/>
+                    <a:lstStyle/>
+                    <a:p>
+                      <a:pPr algn="ctr"/>
+                      <a:r>
+                        <a:rPr lang="en-US" sz="1600" dirty="0">
+                          <a:solidFill>
+                            <a:schemeClr val="bg1"/>
+                          </a:solidFill>
+                        </a:rPr>
+                        <a:t>7</a:t>
+                      </a:r>
+                    </a:p>
+                  </a:txBody>
+                  <a:tcPr anchor="ctr">
+                    <a:solidFill>
+                      <a:schemeClr val="accent1"/>
+                    </a:solidFill>
+                  </a:tcPr>
+                </a:tc>
+                <a:tc>
+                  <a:txBody>
+                    <a:bodyPr/>
+                    <a:lstStyle/>
+                    <a:p>
+                      <a:pPr algn="ctr"/>
+                      <a:r>
+                        <a:rPr lang="en-US" sz="1600" dirty="0"/>
+                        <a:t>-</a:t>
+                      </a:r>
+                    </a:p>
+                  </a:txBody>
+                  <a:tcPr anchor="ctr">
+                    <a:solidFill>
+                      <a:schemeClr val="bg2">
+                        <a:lumMod val="75000"/>
+                      </a:schemeClr>
+                    </a:solidFill>
+                  </a:tcPr>
+                </a:tc>
+                <a:tc>
+                  <a:txBody>
+                    <a:bodyPr/>
+                    <a:lstStyle/>
+                    <a:p>
+                      <a:pPr algn="ctr"/>
+                      <a:r>
+                        <a:rPr lang="en-US" sz="1600" dirty="0"/>
+                        <a:t>-</a:t>
+                      </a:r>
+                    </a:p>
+                  </a:txBody>
+                  <a:tcPr anchor="ctr">
+                    <a:solidFill>
+                      <a:schemeClr val="bg2">
+                        <a:lumMod val="75000"/>
+                      </a:schemeClr>
+                    </a:solidFill>
+                  </a:tcPr>
+                </a:tc>
+                <a:tc>
+                  <a:txBody>
+                    <a:bodyPr/>
+                    <a:lstStyle/>
+                    <a:p>
+                      <a:pPr algn="ctr"/>
+                      <a:r>
+                        <a:rPr lang="en-US" sz="1600" dirty="0"/>
+                        <a:t>-</a:t>
+                      </a:r>
+                    </a:p>
+                  </a:txBody>
+                  <a:tcPr anchor="ctr">
+                    <a:solidFill>
+                      <a:schemeClr val="bg2">
+                        <a:lumMod val="75000"/>
+                      </a:schemeClr>
+                    </a:solidFill>
+                  </a:tcPr>
+                </a:tc>
+                <a:tc>
+                  <a:txBody>
+                    <a:bodyPr/>
+                    <a:lstStyle/>
+                    <a:p>
+                      <a:pPr algn="ctr"/>
+                      <a:r>
+                        <a:rPr lang="en-US" sz="1600" dirty="0"/>
+                        <a:t>-</a:t>
+                      </a:r>
+                    </a:p>
+                  </a:txBody>
+                  <a:tcPr anchor="ctr">
+                    <a:solidFill>
+                      <a:schemeClr val="bg2">
+                        <a:lumMod val="75000"/>
+                      </a:schemeClr>
+                    </a:solidFill>
+                  </a:tcPr>
+                </a:tc>
+                <a:tc>
+                  <a:txBody>
+                    <a:bodyPr/>
+                    <a:lstStyle/>
+                    <a:p>
+                      <a:pPr algn="ctr"/>
+                      <a:r>
+                        <a:rPr lang="en-US" sz="1600" dirty="0"/>
+                        <a:t>-</a:t>
+                      </a:r>
+                    </a:p>
+                  </a:txBody>
+                  <a:tcPr anchor="ctr">
+                    <a:solidFill>
+                      <a:schemeClr val="bg2">
+                        <a:lumMod val="75000"/>
+                      </a:schemeClr>
+                    </a:solidFill>
+                  </a:tcPr>
+                </a:tc>
+                <a:tc>
+                  <a:txBody>
+                    <a:bodyPr/>
+                    <a:lstStyle/>
+                    <a:p>
+                      <a:pPr algn="ctr"/>
+                      <a:endParaRPr lang="en-US" sz="1600" dirty="0"/>
+                    </a:p>
+                  </a:txBody>
+                  <a:tcPr anchor="ctr"/>
+                </a:tc>
+                <a:tc>
+                  <a:txBody>
+                    <a:bodyPr/>
+                    <a:lstStyle/>
+                    <a:p>
+                      <a:pPr algn="ctr"/>
+                      <a:endParaRPr lang="en-US" sz="1600" dirty="0"/>
+                    </a:p>
+                  </a:txBody>
+                  <a:tcPr anchor="ctr">
+                    <a:solidFill>
+                      <a:schemeClr val="bg2">
+                        <a:lumMod val="50000"/>
+                      </a:schemeClr>
+                    </a:solidFill>
+                  </a:tcPr>
+                </a:tc>
+                <a:tc>
+                  <a:txBody>
+                    <a:bodyPr/>
+                    <a:lstStyle/>
+                    <a:p>
+                      <a:pPr algn="ctr"/>
+                      <a:endParaRPr lang="en-US" sz="1600"/>
+                    </a:p>
+                  </a:txBody>
+                  <a:tcPr anchor="ctr"/>
+                </a:tc>
+                <a:tc>
+                  <a:txBody>
+                    <a:bodyPr/>
+                    <a:lstStyle/>
+                    <a:p>
+                      <a:pPr algn="ctr"/>
+                      <a:r>
+                        <a:rPr lang="en-US" sz="1600" dirty="0"/>
+                        <a:t>-</a:t>
+                      </a:r>
+                    </a:p>
+                  </a:txBody>
+                  <a:tcPr anchor="ctr">
+                    <a:solidFill>
+                      <a:schemeClr val="bg2">
+                        <a:lumMod val="75000"/>
+                      </a:schemeClr>
+                    </a:solidFill>
+                  </a:tcPr>
+                </a:tc>
+                <a:tc>
+                  <a:txBody>
+                    <a:bodyPr/>
+                    <a:lstStyle/>
+                    <a:p>
+                      <a:pPr algn="ctr"/>
+                      <a:endParaRPr lang="en-US" sz="1600"/>
+                    </a:p>
+                  </a:txBody>
+                  <a:tcPr anchor="ctr"/>
+                </a:tc>
+                <a:extLst>
+                  <a:ext uri="{0D108BD9-81ED-4DB2-BD59-A6C34878D82A}">
+                    <a16:rowId xmlns:a16="http://schemas.microsoft.com/office/drawing/2014/main" val="1987902878"/>
+                  </a:ext>
+                </a:extLst>
+              </a:tr>
+              <a:tr h="425913">
+                <a:tc>
+                  <a:txBody>
+                    <a:bodyPr/>
+                    <a:lstStyle/>
+                    <a:p>
+                      <a:pPr algn="ctr"/>
+                      <a:r>
+                        <a:rPr lang="en-US" sz="1600" dirty="0">
+                          <a:solidFill>
+                            <a:schemeClr val="bg1"/>
+                          </a:solidFill>
+                        </a:rPr>
+                        <a:t>8</a:t>
+                      </a:r>
+                    </a:p>
+                  </a:txBody>
+                  <a:tcPr anchor="ctr">
+                    <a:solidFill>
+                      <a:schemeClr val="accent1"/>
+                    </a:solidFill>
+                  </a:tcPr>
+                </a:tc>
+                <a:tc>
+                  <a:txBody>
+                    <a:bodyPr/>
+                    <a:lstStyle/>
+                    <a:p>
+                      <a:pPr algn="ctr"/>
+                      <a:r>
+                        <a:rPr lang="en-US" sz="1600" dirty="0"/>
+                        <a:t>-</a:t>
+                      </a:r>
+                    </a:p>
+                  </a:txBody>
+                  <a:tcPr anchor="ctr">
+                    <a:solidFill>
+                      <a:schemeClr val="bg2">
+                        <a:lumMod val="75000"/>
+                      </a:schemeClr>
+                    </a:solidFill>
+                  </a:tcPr>
+                </a:tc>
+                <a:tc>
+                  <a:txBody>
+                    <a:bodyPr/>
+                    <a:lstStyle/>
+                    <a:p>
+                      <a:pPr algn="ctr"/>
+                      <a:r>
+                        <a:rPr lang="en-US" sz="1600" dirty="0"/>
+                        <a:t>-</a:t>
+                      </a:r>
+                    </a:p>
+                  </a:txBody>
+                  <a:tcPr anchor="ctr">
+                    <a:solidFill>
+                      <a:schemeClr val="bg2">
+                        <a:lumMod val="75000"/>
+                      </a:schemeClr>
+                    </a:solidFill>
+                  </a:tcPr>
+                </a:tc>
+                <a:tc>
+                  <a:txBody>
+                    <a:bodyPr/>
+                    <a:lstStyle/>
+                    <a:p>
+                      <a:pPr algn="ctr"/>
+                      <a:r>
+                        <a:rPr lang="en-US" sz="1600" dirty="0"/>
+                        <a:t>-</a:t>
+                      </a:r>
+                    </a:p>
+                  </a:txBody>
+                  <a:tcPr anchor="ctr">
+                    <a:solidFill>
+                      <a:schemeClr val="bg2">
+                        <a:lumMod val="75000"/>
+                      </a:schemeClr>
+                    </a:solidFill>
+                  </a:tcPr>
+                </a:tc>
+                <a:tc>
+                  <a:txBody>
+                    <a:bodyPr/>
+                    <a:lstStyle/>
+                    <a:p>
+                      <a:pPr algn="ctr"/>
+                      <a:r>
+                        <a:rPr lang="en-US" sz="1600" dirty="0"/>
+                        <a:t>-</a:t>
+                      </a:r>
+                    </a:p>
+                  </a:txBody>
+                  <a:tcPr anchor="ctr">
+                    <a:solidFill>
+                      <a:schemeClr val="bg2">
+                        <a:lumMod val="75000"/>
+                      </a:schemeClr>
+                    </a:solidFill>
+                  </a:tcPr>
+                </a:tc>
+                <a:tc>
+                  <a:txBody>
+                    <a:bodyPr/>
+                    <a:lstStyle/>
+                    <a:p>
+                      <a:pPr algn="ctr"/>
+                      <a:r>
+                        <a:rPr lang="en-US" sz="1600" dirty="0"/>
+                        <a:t>-</a:t>
+                      </a:r>
+                    </a:p>
+                  </a:txBody>
+                  <a:tcPr anchor="ctr">
+                    <a:solidFill>
+                      <a:schemeClr val="bg2">
+                        <a:lumMod val="75000"/>
+                      </a:schemeClr>
+                    </a:solidFill>
+                  </a:tcPr>
+                </a:tc>
+                <a:tc>
+                  <a:txBody>
+                    <a:bodyPr/>
+                    <a:lstStyle/>
+                    <a:p>
+                      <a:pPr algn="ctr"/>
+                      <a:r>
+                        <a:rPr lang="en-US" sz="1600" dirty="0"/>
+                        <a:t>-</a:t>
+                      </a:r>
+                    </a:p>
+                  </a:txBody>
+                  <a:tcPr anchor="ctr">
+                    <a:solidFill>
+                      <a:schemeClr val="bg2">
+                        <a:lumMod val="75000"/>
+                      </a:schemeClr>
+                    </a:solidFill>
+                  </a:tcPr>
+                </a:tc>
+                <a:tc>
+                  <a:txBody>
+                    <a:bodyPr/>
+                    <a:lstStyle/>
+                    <a:p>
+                      <a:pPr algn="ctr"/>
+                      <a:r>
+                        <a:rPr lang="en-US" sz="1600" dirty="0"/>
+                        <a:t>-</a:t>
+                      </a:r>
+                    </a:p>
+                  </a:txBody>
+                  <a:tcPr anchor="ctr">
+                    <a:solidFill>
+                      <a:schemeClr val="bg2">
+                        <a:lumMod val="75000"/>
+                      </a:schemeClr>
+                    </a:solidFill>
+                  </a:tcPr>
+                </a:tc>
+                <a:tc>
+                  <a:txBody>
+                    <a:bodyPr/>
+                    <a:lstStyle/>
+                    <a:p>
+                      <a:pPr algn="ctr"/>
+                      <a:endParaRPr lang="en-US" sz="1600" dirty="0"/>
+                    </a:p>
+                  </a:txBody>
+                  <a:tcPr anchor="ctr">
+                    <a:solidFill>
+                      <a:schemeClr val="bg2">
+                        <a:lumMod val="50000"/>
+                      </a:schemeClr>
+                    </a:solidFill>
+                  </a:tcPr>
+                </a:tc>
+                <a:tc>
+                  <a:txBody>
+                    <a:bodyPr/>
+                    <a:lstStyle/>
+                    <a:p>
+                      <a:pPr algn="ctr"/>
+                      <a:r>
+                        <a:rPr lang="en-US" sz="1600" dirty="0"/>
+                        <a:t>-</a:t>
+                      </a:r>
+                    </a:p>
+                  </a:txBody>
+                  <a:tcPr anchor="ctr">
+                    <a:solidFill>
+                      <a:schemeClr val="bg2">
+                        <a:lumMod val="75000"/>
+                      </a:schemeClr>
+                    </a:solidFill>
+                  </a:tcPr>
+                </a:tc>
+                <a:tc>
+                  <a:txBody>
+                    <a:bodyPr/>
+                    <a:lstStyle/>
+                    <a:p>
+                      <a:pPr algn="ctr"/>
+                      <a:r>
+                        <a:rPr lang="en-US" sz="1600" dirty="0"/>
+                        <a:t>-</a:t>
+                      </a:r>
+                    </a:p>
+                  </a:txBody>
+                  <a:tcPr anchor="ctr">
+                    <a:solidFill>
+                      <a:schemeClr val="bg2">
+                        <a:lumMod val="75000"/>
+                      </a:schemeClr>
+                    </a:solidFill>
+                  </a:tcPr>
+                </a:tc>
+                <a:extLst>
+                  <a:ext uri="{0D108BD9-81ED-4DB2-BD59-A6C34878D82A}">
+                    <a16:rowId xmlns:a16="http://schemas.microsoft.com/office/drawing/2014/main" val="3154358782"/>
+                  </a:ext>
+                </a:extLst>
+              </a:tr>
+              <a:tr h="425913">
+                <a:tc>
+                  <a:txBody>
+                    <a:bodyPr/>
+                    <a:lstStyle/>
+                    <a:p>
+                      <a:pPr algn="ctr"/>
+                      <a:r>
+                        <a:rPr lang="en-US" sz="1600" dirty="0">
+                          <a:solidFill>
+                            <a:schemeClr val="bg1"/>
+                          </a:solidFill>
+                        </a:rPr>
+                        <a:t>9</a:t>
+                      </a:r>
+                    </a:p>
+                  </a:txBody>
+                  <a:tcPr anchor="ctr">
+                    <a:solidFill>
+                      <a:schemeClr val="accent1"/>
+                    </a:solidFill>
+                  </a:tcPr>
+                </a:tc>
+                <a:tc>
+                  <a:txBody>
+                    <a:bodyPr/>
+                    <a:lstStyle/>
+                    <a:p>
+                      <a:pPr algn="ctr"/>
+                      <a:r>
+                        <a:rPr lang="en-US" sz="1600" dirty="0"/>
+                        <a:t>-</a:t>
+                      </a:r>
+                    </a:p>
+                  </a:txBody>
+                  <a:tcPr anchor="ctr">
+                    <a:solidFill>
+                      <a:schemeClr val="bg2">
+                        <a:lumMod val="75000"/>
+                      </a:schemeClr>
+                    </a:solidFill>
+                  </a:tcPr>
+                </a:tc>
+                <a:tc>
+                  <a:txBody>
+                    <a:bodyPr/>
+                    <a:lstStyle/>
+                    <a:p>
+                      <a:pPr algn="ctr"/>
+                      <a:r>
+                        <a:rPr lang="en-US" sz="1600" dirty="0"/>
+                        <a:t>-</a:t>
+                      </a:r>
+                    </a:p>
+                  </a:txBody>
+                  <a:tcPr anchor="ctr">
+                    <a:solidFill>
+                      <a:schemeClr val="bg2">
+                        <a:lumMod val="75000"/>
+                      </a:schemeClr>
+                    </a:solidFill>
+                  </a:tcPr>
+                </a:tc>
+                <a:tc>
+                  <a:txBody>
+                    <a:bodyPr/>
+                    <a:lstStyle/>
+                    <a:p>
+                      <a:pPr algn="ctr"/>
+                      <a:r>
+                        <a:rPr lang="en-US" sz="1600" dirty="0"/>
+                        <a:t>-</a:t>
+                      </a:r>
+                    </a:p>
+                  </a:txBody>
+                  <a:tcPr anchor="ctr">
+                    <a:solidFill>
+                      <a:schemeClr val="bg2">
+                        <a:lumMod val="75000"/>
+                      </a:schemeClr>
+                    </a:solidFill>
+                  </a:tcPr>
+                </a:tc>
+                <a:tc>
+                  <a:txBody>
+                    <a:bodyPr/>
+                    <a:lstStyle/>
+                    <a:p>
+                      <a:pPr algn="ctr"/>
+                      <a:r>
+                        <a:rPr lang="en-US" sz="1600" dirty="0"/>
+                        <a:t>-</a:t>
+                      </a:r>
+                    </a:p>
+                  </a:txBody>
+                  <a:tcPr anchor="ctr">
+                    <a:solidFill>
+                      <a:schemeClr val="bg2">
+                        <a:lumMod val="75000"/>
+                      </a:schemeClr>
+                    </a:solidFill>
+                  </a:tcPr>
+                </a:tc>
+                <a:tc>
+                  <a:txBody>
+                    <a:bodyPr/>
+                    <a:lstStyle/>
+                    <a:p>
+                      <a:pPr algn="ctr"/>
+                      <a:r>
+                        <a:rPr lang="en-US" sz="1600" dirty="0"/>
+                        <a:t>-</a:t>
+                      </a:r>
+                    </a:p>
+                  </a:txBody>
+                  <a:tcPr anchor="ctr">
+                    <a:solidFill>
+                      <a:schemeClr val="bg2">
+                        <a:lumMod val="75000"/>
+                      </a:schemeClr>
+                    </a:solidFill>
+                  </a:tcPr>
+                </a:tc>
+                <a:tc>
+                  <a:txBody>
+                    <a:bodyPr/>
+                    <a:lstStyle/>
+                    <a:p>
+                      <a:pPr algn="ctr"/>
+                      <a:r>
+                        <a:rPr lang="en-US" sz="1600" dirty="0"/>
+                        <a:t>-</a:t>
+                      </a:r>
+                    </a:p>
+                  </a:txBody>
+                  <a:tcPr anchor="ctr">
+                    <a:solidFill>
+                      <a:schemeClr val="bg2">
+                        <a:lumMod val="75000"/>
+                      </a:schemeClr>
+                    </a:solidFill>
+                  </a:tcPr>
+                </a:tc>
+                <a:tc>
+                  <a:txBody>
+                    <a:bodyPr/>
+                    <a:lstStyle/>
+                    <a:p>
+                      <a:pPr algn="ctr"/>
+                      <a:r>
+                        <a:rPr lang="en-US" sz="1600" dirty="0"/>
+                        <a:t>-</a:t>
+                      </a:r>
+                    </a:p>
+                  </a:txBody>
+                  <a:tcPr anchor="ctr">
+                    <a:solidFill>
+                      <a:schemeClr val="bg2">
+                        <a:lumMod val="75000"/>
+                      </a:schemeClr>
+                    </a:solidFill>
+                  </a:tcPr>
+                </a:tc>
+                <a:tc>
+                  <a:txBody>
+                    <a:bodyPr/>
+                    <a:lstStyle/>
+                    <a:p>
+                      <a:pPr algn="ctr"/>
+                      <a:r>
+                        <a:rPr lang="en-US" sz="1600" dirty="0"/>
+                        <a:t>-</a:t>
+                      </a:r>
+                    </a:p>
+                  </a:txBody>
+                  <a:tcPr anchor="ctr">
+                    <a:solidFill>
+                      <a:schemeClr val="bg2">
+                        <a:lumMod val="75000"/>
+                      </a:schemeClr>
+                    </a:solidFill>
+                  </a:tcPr>
+                </a:tc>
+                <a:tc>
+                  <a:txBody>
+                    <a:bodyPr/>
+                    <a:lstStyle/>
+                    <a:p>
+                      <a:pPr algn="ctr"/>
+                      <a:endParaRPr lang="en-US" sz="1600" dirty="0"/>
+                    </a:p>
+                  </a:txBody>
+                  <a:tcPr anchor="ctr">
+                    <a:solidFill>
+                      <a:schemeClr val="bg2">
+                        <a:lumMod val="50000"/>
+                      </a:schemeClr>
+                    </a:solidFill>
+                  </a:tcPr>
+                </a:tc>
+                <a:tc>
+                  <a:txBody>
+                    <a:bodyPr/>
+                    <a:lstStyle/>
+                    <a:p>
+                      <a:pPr algn="ctr"/>
+                      <a:r>
+                        <a:rPr lang="en-US" sz="1600" dirty="0"/>
+                        <a:t>-</a:t>
+                      </a:r>
+                    </a:p>
+                  </a:txBody>
+                  <a:tcPr anchor="ctr">
+                    <a:solidFill>
+                      <a:schemeClr val="bg2">
+                        <a:lumMod val="75000"/>
+                      </a:schemeClr>
+                    </a:solidFill>
+                  </a:tcPr>
+                </a:tc>
+                <a:extLst>
+                  <a:ext uri="{0D108BD9-81ED-4DB2-BD59-A6C34878D82A}">
+                    <a16:rowId xmlns:a16="http://schemas.microsoft.com/office/drawing/2014/main" val="796563362"/>
+                  </a:ext>
+                </a:extLst>
+              </a:tr>
+              <a:tr h="425913">
+                <a:tc>
+                  <a:txBody>
+                    <a:bodyPr/>
+                    <a:lstStyle/>
+                    <a:p>
+                      <a:pPr algn="ctr"/>
+                      <a:r>
+                        <a:rPr lang="en-US" sz="1600" dirty="0">
+                          <a:solidFill>
+                            <a:schemeClr val="bg1"/>
+                          </a:solidFill>
+                        </a:rPr>
+                        <a:t>10</a:t>
+                      </a:r>
+                    </a:p>
+                  </a:txBody>
+                  <a:tcPr anchor="ctr">
+                    <a:solidFill>
+                      <a:schemeClr val="accent1"/>
+                    </a:solidFill>
+                  </a:tcPr>
+                </a:tc>
+                <a:tc>
+                  <a:txBody>
+                    <a:bodyPr/>
+                    <a:lstStyle/>
+                    <a:p>
+                      <a:pPr algn="ctr"/>
+                      <a:r>
+                        <a:rPr lang="en-US" sz="1600" dirty="0"/>
+                        <a:t>-</a:t>
+                      </a:r>
+                    </a:p>
+                  </a:txBody>
+                  <a:tcPr anchor="ctr">
+                    <a:solidFill>
+                      <a:schemeClr val="bg2">
+                        <a:lumMod val="75000"/>
+                      </a:schemeClr>
+                    </a:solidFill>
+                  </a:tcPr>
+                </a:tc>
+                <a:tc>
+                  <a:txBody>
+                    <a:bodyPr/>
+                    <a:lstStyle/>
+                    <a:p>
+                      <a:pPr algn="ctr"/>
+                      <a:r>
+                        <a:rPr lang="en-US" sz="1600" dirty="0"/>
+                        <a:t>-</a:t>
+                      </a:r>
+                    </a:p>
+                  </a:txBody>
+                  <a:tcPr anchor="ctr">
+                    <a:solidFill>
+                      <a:schemeClr val="bg2">
+                        <a:lumMod val="75000"/>
+                      </a:schemeClr>
+                    </a:solidFill>
+                  </a:tcPr>
+                </a:tc>
+                <a:tc>
+                  <a:txBody>
+                    <a:bodyPr/>
+                    <a:lstStyle/>
+                    <a:p>
+                      <a:pPr algn="ctr"/>
+                      <a:r>
+                        <a:rPr lang="en-US" sz="1600" dirty="0"/>
+                        <a:t>-</a:t>
+                      </a:r>
+                    </a:p>
+                  </a:txBody>
+                  <a:tcPr anchor="ctr">
+                    <a:solidFill>
+                      <a:schemeClr val="bg2">
+                        <a:lumMod val="75000"/>
+                      </a:schemeClr>
+                    </a:solidFill>
+                  </a:tcPr>
+                </a:tc>
+                <a:tc>
+                  <a:txBody>
+                    <a:bodyPr/>
+                    <a:lstStyle/>
+                    <a:p>
+                      <a:pPr algn="ctr"/>
+                      <a:r>
+                        <a:rPr lang="en-US" sz="1600" dirty="0"/>
+                        <a:t>-</a:t>
+                      </a:r>
+                    </a:p>
+                  </a:txBody>
+                  <a:tcPr anchor="ctr">
+                    <a:solidFill>
+                      <a:schemeClr val="bg2">
+                        <a:lumMod val="75000"/>
+                      </a:schemeClr>
+                    </a:solidFill>
+                  </a:tcPr>
+                </a:tc>
+                <a:tc>
+                  <a:txBody>
+                    <a:bodyPr/>
+                    <a:lstStyle/>
+                    <a:p>
+                      <a:pPr algn="ctr"/>
+                      <a:r>
+                        <a:rPr lang="en-US" sz="1600" dirty="0"/>
+                        <a:t>-</a:t>
+                      </a:r>
+                    </a:p>
+                  </a:txBody>
+                  <a:tcPr anchor="ctr">
+                    <a:solidFill>
+                      <a:schemeClr val="bg2">
+                        <a:lumMod val="75000"/>
+                      </a:schemeClr>
+                    </a:solidFill>
+                  </a:tcPr>
+                </a:tc>
+                <a:tc>
+                  <a:txBody>
+                    <a:bodyPr/>
+                    <a:lstStyle/>
+                    <a:p>
+                      <a:pPr algn="ctr"/>
+                      <a:r>
+                        <a:rPr lang="en-US" sz="1600" dirty="0"/>
+                        <a:t>-</a:t>
+                      </a:r>
+                    </a:p>
+                  </a:txBody>
+                  <a:tcPr anchor="ctr">
+                    <a:solidFill>
+                      <a:schemeClr val="bg2">
+                        <a:lumMod val="75000"/>
+                      </a:schemeClr>
+                    </a:solidFill>
+                  </a:tcPr>
+                </a:tc>
+                <a:tc>
+                  <a:txBody>
+                    <a:bodyPr/>
+                    <a:lstStyle/>
+                    <a:p>
+                      <a:pPr algn="ctr"/>
+                      <a:r>
+                        <a:rPr lang="en-US" sz="1600" dirty="0"/>
+                        <a:t>-</a:t>
+                      </a:r>
+                    </a:p>
+                  </a:txBody>
+                  <a:tcPr anchor="ctr">
+                    <a:solidFill>
+                      <a:schemeClr val="bg2">
+                        <a:lumMod val="75000"/>
+                      </a:schemeClr>
+                    </a:solidFill>
+                  </a:tcPr>
+                </a:tc>
+                <a:tc>
+                  <a:txBody>
+                    <a:bodyPr/>
+                    <a:lstStyle/>
+                    <a:p>
+                      <a:pPr algn="ctr"/>
+                      <a:r>
+                        <a:rPr lang="en-US" sz="1600" dirty="0"/>
+                        <a:t>-</a:t>
+                      </a:r>
+                    </a:p>
+                  </a:txBody>
+                  <a:tcPr anchor="ctr">
+                    <a:solidFill>
+                      <a:schemeClr val="bg2">
+                        <a:lumMod val="75000"/>
+                      </a:schemeClr>
+                    </a:solidFill>
+                  </a:tcPr>
+                </a:tc>
+                <a:tc>
+                  <a:txBody>
+                    <a:bodyPr/>
+                    <a:lstStyle/>
+                    <a:p>
+                      <a:pPr algn="ctr"/>
+                      <a:r>
+                        <a:rPr lang="en-US" sz="1600" dirty="0"/>
+                        <a:t>-</a:t>
+                      </a:r>
+                    </a:p>
+                  </a:txBody>
+                  <a:tcPr anchor="ctr">
+                    <a:solidFill>
+                      <a:schemeClr val="bg2">
+                        <a:lumMod val="75000"/>
+                      </a:schemeClr>
+                    </a:solidFill>
+                  </a:tcPr>
+                </a:tc>
+                <a:tc>
+                  <a:txBody>
+                    <a:bodyPr/>
+                    <a:lstStyle/>
+                    <a:p>
+                      <a:pPr algn="ctr"/>
+                      <a:endParaRPr lang="en-US" sz="1600" dirty="0"/>
+                    </a:p>
+                  </a:txBody>
+                  <a:tcPr anchor="ctr">
+                    <a:solidFill>
+                      <a:schemeClr val="bg2">
+                        <a:lumMod val="50000"/>
+                      </a:schemeClr>
+                    </a:solidFill>
+                  </a:tcPr>
+                </a:tc>
+                <a:extLst>
+                  <a:ext uri="{0D108BD9-81ED-4DB2-BD59-A6C34878D82A}">
+                    <a16:rowId xmlns:a16="http://schemas.microsoft.com/office/drawing/2014/main" val="291497224"/>
+                  </a:ext>
+                </a:extLst>
+              </a:tr>
+            </a:tbl>
+          </a:graphicData>
+        </a:graphic>
+      </p:graphicFrame>
+      <p:sp>
+        <p:nvSpPr>
+          <p:cNvPr id="23" name="TextBox 22">
+            <a:extLst>
+              <a:ext uri="{FF2B5EF4-FFF2-40B4-BE49-F238E27FC236}">
+                <a16:creationId xmlns:a16="http://schemas.microsoft.com/office/drawing/2014/main" id="{9CE63153-7836-A24F-9475-27DAADE4EC25}"/>
+              </a:ext>
+            </a:extLst>
+          </p:cNvPr>
+          <p:cNvSpPr txBox="1"/>
+          <p:nvPr/>
+        </p:nvSpPr>
+        <p:spPr>
+          <a:xfrm>
+            <a:off x="8641800" y="953017"/>
+            <a:ext cx="451086" cy="369332"/>
           </a:xfrm>
           <a:prstGeom prst="rect">
             <a:avLst/>
@@ -11965,17 +15893,17 @@
           <a:p>
             <a:r>
               <a:rPr lang="en-US" dirty="0"/>
-              <a:t>1</a:t>
+              <a:t>To </a:t>
             </a:r>
           </a:p>
         </p:txBody>
       </p:sp>
       <p:sp>
         <p:nvSpPr>
-          <p:cNvPr id="8" name="TextBox 7">
+          <p:cNvPr id="24" name="TextBox 23">
             <a:extLst>
               <a:ext uri="{FF2B5EF4-FFF2-40B4-BE49-F238E27FC236}">
-                <a16:creationId xmlns:a16="http://schemas.microsoft.com/office/drawing/2014/main" id="{BE3C9C74-FCB0-E94B-8A5F-218349E89FFE}"/>
+                <a16:creationId xmlns:a16="http://schemas.microsoft.com/office/drawing/2014/main" id="{F4B11054-7DB4-C241-A600-FA21A6961D91}"/>
               </a:ext>
             </a:extLst>
           </p:cNvPr>
@@ -11983,9 +15911,9 @@
           <p:nvPr/>
         </p:nvSpPr>
         <p:spPr>
-          <a:xfrm>
-            <a:off x="1707654" y="2894782"/>
-            <a:ext cx="301686" cy="369332"/>
+          <a:xfrm rot="16200000">
+            <a:off x="4805712" y="4022648"/>
+            <a:ext cx="673069" cy="369332"/>
           </a:xfrm>
           <a:prstGeom prst="rect">
             <a:avLst/>
@@ -12000,287 +15928,7 @@
           <a:p>
             <a:r>
               <a:rPr lang="en-US" dirty="0"/>
-              <a:t>2</a:t>
-            </a:r>
-          </a:p>
-        </p:txBody>
-      </p:sp>
-      <p:sp>
-        <p:nvSpPr>
-          <p:cNvPr id="9" name="TextBox 8">
-            <a:extLst>
-              <a:ext uri="{FF2B5EF4-FFF2-40B4-BE49-F238E27FC236}">
-                <a16:creationId xmlns:a16="http://schemas.microsoft.com/office/drawing/2014/main" id="{BAB4A24B-0E3F-7F4C-B658-A2898D411E11}"/>
-              </a:ext>
-            </a:extLst>
-          </p:cNvPr>
-          <p:cNvSpPr txBox="1"/>
-          <p:nvPr/>
-        </p:nvSpPr>
-        <p:spPr>
-          <a:xfrm>
-            <a:off x="516961" y="3557335"/>
-            <a:ext cx="301686" cy="369332"/>
-          </a:xfrm>
-          <a:prstGeom prst="rect">
-            <a:avLst/>
-          </a:prstGeom>
-          <a:noFill/>
-        </p:spPr>
-        <p:txBody>
-          <a:bodyPr wrap="none" rtlCol="0">
-            <a:spAutoFit/>
-          </a:bodyPr>
-          <a:lstStyle/>
-          <a:p>
-            <a:r>
-              <a:rPr lang="en-US" dirty="0"/>
-              <a:t>8</a:t>
-            </a:r>
-          </a:p>
-        </p:txBody>
-      </p:sp>
-      <p:sp>
-        <p:nvSpPr>
-          <p:cNvPr id="10" name="TextBox 9">
-            <a:extLst>
-              <a:ext uri="{FF2B5EF4-FFF2-40B4-BE49-F238E27FC236}">
-                <a16:creationId xmlns:a16="http://schemas.microsoft.com/office/drawing/2014/main" id="{1E1EE2D8-E8FF-014C-92E2-00639E52F9FF}"/>
-              </a:ext>
-            </a:extLst>
-          </p:cNvPr>
-          <p:cNvSpPr txBox="1"/>
-          <p:nvPr/>
-        </p:nvSpPr>
-        <p:spPr>
-          <a:xfrm flipH="1">
-            <a:off x="181939" y="4056185"/>
-            <a:ext cx="792222" cy="369332"/>
-          </a:xfrm>
-          <a:prstGeom prst="rect">
-            <a:avLst/>
-          </a:prstGeom>
-          <a:noFill/>
-        </p:spPr>
-        <p:txBody>
-          <a:bodyPr wrap="square" rtlCol="0">
-            <a:spAutoFit/>
-          </a:bodyPr>
-          <a:lstStyle/>
-          <a:p>
-            <a:r>
-              <a:rPr lang="en-US" dirty="0"/>
-              <a:t>10</a:t>
-            </a:r>
-          </a:p>
-        </p:txBody>
-      </p:sp>
-      <p:sp>
-        <p:nvSpPr>
-          <p:cNvPr id="11" name="TextBox 10">
-            <a:extLst>
-              <a:ext uri="{FF2B5EF4-FFF2-40B4-BE49-F238E27FC236}">
-                <a16:creationId xmlns:a16="http://schemas.microsoft.com/office/drawing/2014/main" id="{3400A563-AC15-9045-9BED-285361913347}"/>
-              </a:ext>
-            </a:extLst>
-          </p:cNvPr>
-          <p:cNvSpPr txBox="1"/>
-          <p:nvPr/>
-        </p:nvSpPr>
-        <p:spPr>
-          <a:xfrm>
-            <a:off x="1344700" y="4056185"/>
-            <a:ext cx="301686" cy="369332"/>
-          </a:xfrm>
-          <a:prstGeom prst="rect">
-            <a:avLst/>
-          </a:prstGeom>
-          <a:noFill/>
-        </p:spPr>
-        <p:txBody>
-          <a:bodyPr wrap="none" rtlCol="0">
-            <a:spAutoFit/>
-          </a:bodyPr>
-          <a:lstStyle/>
-          <a:p>
-            <a:r>
-              <a:rPr lang="en-US" dirty="0"/>
-              <a:t>4</a:t>
-            </a:r>
-          </a:p>
-        </p:txBody>
-      </p:sp>
-      <p:sp>
-        <p:nvSpPr>
-          <p:cNvPr id="12" name="TextBox 11">
-            <a:extLst>
-              <a:ext uri="{FF2B5EF4-FFF2-40B4-BE49-F238E27FC236}">
-                <a16:creationId xmlns:a16="http://schemas.microsoft.com/office/drawing/2014/main" id="{A5C22C81-B222-B343-951E-38CFDA2189D4}"/>
-              </a:ext>
-            </a:extLst>
-          </p:cNvPr>
-          <p:cNvSpPr txBox="1"/>
-          <p:nvPr/>
-        </p:nvSpPr>
-        <p:spPr>
-          <a:xfrm>
-            <a:off x="2185713" y="3540642"/>
-            <a:ext cx="301686" cy="369332"/>
-          </a:xfrm>
-          <a:prstGeom prst="rect">
-            <a:avLst/>
-          </a:prstGeom>
-          <a:noFill/>
-        </p:spPr>
-        <p:txBody>
-          <a:bodyPr wrap="none" rtlCol="0">
-            <a:spAutoFit/>
-          </a:bodyPr>
-          <a:lstStyle/>
-          <a:p>
-            <a:r>
-              <a:rPr lang="en-US" dirty="0"/>
-              <a:t>7</a:t>
-            </a:r>
-          </a:p>
-        </p:txBody>
-      </p:sp>
-      <p:sp>
-        <p:nvSpPr>
-          <p:cNvPr id="13" name="TextBox 12">
-            <a:extLst>
-              <a:ext uri="{FF2B5EF4-FFF2-40B4-BE49-F238E27FC236}">
-                <a16:creationId xmlns:a16="http://schemas.microsoft.com/office/drawing/2014/main" id="{E059BC82-60B8-1845-B570-1B3D21A6896E}"/>
-              </a:ext>
-            </a:extLst>
-          </p:cNvPr>
-          <p:cNvSpPr txBox="1"/>
-          <p:nvPr/>
-        </p:nvSpPr>
-        <p:spPr>
-          <a:xfrm>
-            <a:off x="2185713" y="4056185"/>
-            <a:ext cx="301686" cy="369332"/>
-          </a:xfrm>
-          <a:prstGeom prst="rect">
-            <a:avLst/>
-          </a:prstGeom>
-          <a:noFill/>
-        </p:spPr>
-        <p:txBody>
-          <a:bodyPr wrap="none" rtlCol="0">
-            <a:spAutoFit/>
-          </a:bodyPr>
-          <a:lstStyle/>
-          <a:p>
-            <a:r>
-              <a:rPr lang="en-US" dirty="0"/>
-              <a:t>9</a:t>
-            </a:r>
-          </a:p>
-        </p:txBody>
-      </p:sp>
-      <p:sp>
-        <p:nvSpPr>
-          <p:cNvPr id="14" name="TextBox 13">
-            <a:extLst>
-              <a:ext uri="{FF2B5EF4-FFF2-40B4-BE49-F238E27FC236}">
-                <a16:creationId xmlns:a16="http://schemas.microsoft.com/office/drawing/2014/main" id="{AFB1FCA9-91C2-2A40-BD58-CEEC5FAD31FD}"/>
-              </a:ext>
-            </a:extLst>
-          </p:cNvPr>
-          <p:cNvSpPr txBox="1"/>
-          <p:nvPr/>
-        </p:nvSpPr>
-        <p:spPr>
-          <a:xfrm>
-            <a:off x="213346" y="4701181"/>
-            <a:ext cx="301686" cy="369332"/>
-          </a:xfrm>
-          <a:prstGeom prst="rect">
-            <a:avLst/>
-          </a:prstGeom>
-          <a:noFill/>
-        </p:spPr>
-        <p:txBody>
-          <a:bodyPr wrap="none" rtlCol="0">
-            <a:spAutoFit/>
-          </a:bodyPr>
-          <a:lstStyle/>
-          <a:p>
-            <a:r>
-              <a:rPr lang="en-US" dirty="0"/>
-              <a:t>6</a:t>
-            </a:r>
-          </a:p>
-        </p:txBody>
-      </p:sp>
-      <p:sp>
-        <p:nvSpPr>
-          <p:cNvPr id="15" name="TextBox 14">
-            <a:extLst>
-              <a:ext uri="{FF2B5EF4-FFF2-40B4-BE49-F238E27FC236}">
-                <a16:creationId xmlns:a16="http://schemas.microsoft.com/office/drawing/2014/main" id="{D22307DD-7789-1D47-9178-993BBBC6ADC7}"/>
-              </a:ext>
-            </a:extLst>
-          </p:cNvPr>
-          <p:cNvSpPr txBox="1"/>
-          <p:nvPr/>
-        </p:nvSpPr>
-        <p:spPr>
-          <a:xfrm>
-            <a:off x="1344700" y="4701181"/>
-            <a:ext cx="301686" cy="369332"/>
-          </a:xfrm>
-          <a:prstGeom prst="rect">
-            <a:avLst/>
-          </a:prstGeom>
-          <a:noFill/>
-        </p:spPr>
-        <p:txBody>
-          <a:bodyPr wrap="none" rtlCol="0">
-            <a:spAutoFit/>
-          </a:bodyPr>
-          <a:lstStyle/>
-          <a:p>
-            <a:r>
-              <a:rPr lang="en-US" dirty="0"/>
-              <a:t>3</a:t>
-            </a:r>
-          </a:p>
-        </p:txBody>
-      </p:sp>
-      <p:sp>
-        <p:nvSpPr>
-          <p:cNvPr id="16" name="TextBox 15">
-            <a:extLst>
-              <a:ext uri="{FF2B5EF4-FFF2-40B4-BE49-F238E27FC236}">
-                <a16:creationId xmlns:a16="http://schemas.microsoft.com/office/drawing/2014/main" id="{8E4E2368-C3C1-E040-9DA5-68F98C384F13}"/>
-              </a:ext>
-            </a:extLst>
-          </p:cNvPr>
-          <p:cNvSpPr txBox="1"/>
-          <p:nvPr/>
-        </p:nvSpPr>
-        <p:spPr>
-          <a:xfrm>
-            <a:off x="2171221" y="4665266"/>
-            <a:ext cx="301686" cy="369332"/>
-          </a:xfrm>
-          <a:prstGeom prst="rect">
-            <a:avLst/>
-          </a:prstGeom>
-          <a:noFill/>
-        </p:spPr>
-        <p:txBody>
-          <a:bodyPr wrap="none" rtlCol="0">
-            <a:spAutoFit/>
-          </a:bodyPr>
-          <a:lstStyle/>
-          <a:p>
-            <a:r>
-              <a:rPr lang="en-US" dirty="0"/>
-              <a:t>5</a:t>
+              <a:t>From</a:t>
             </a:r>
           </a:p>
         </p:txBody>

--- a/v6/figs/test-data-1.pptx
+++ b/v6/figs/test-data-1.pptx
@@ -4,6 +4,9 @@
   <p:sldMasterIdLst>
     <p:sldMasterId id="2147483648" r:id="rId1"/>
   </p:sldMasterIdLst>
+  <p:notesMasterIdLst>
+    <p:notesMasterId r:id="rId12"/>
+  </p:notesMasterIdLst>
   <p:sldIdLst>
     <p:sldId id="256" r:id="rId2"/>
     <p:sldId id="257" r:id="rId3"/>
@@ -11,7 +14,10 @@
     <p:sldId id="262" r:id="rId5"/>
     <p:sldId id="263" r:id="rId6"/>
     <p:sldId id="264" r:id="rId7"/>
-    <p:sldId id="259" r:id="rId8"/>
+    <p:sldId id="303" r:id="rId8"/>
+    <p:sldId id="304" r:id="rId9"/>
+    <p:sldId id="265" r:id="rId10"/>
+    <p:sldId id="259" r:id="rId11"/>
   </p:sldIdLst>
   <p:sldSz cx="12192000" cy="6858000"/>
   <p:notesSz cx="6858000" cy="9144000"/>
@@ -116,6 +122,439 @@
     </p:ext>
   </p:extLst>
 </p:presentation>
+</file>
+
+<file path=ppt/notesMasters/notesMaster1.xml><?xml version="1.0" encoding="utf-8"?>
+<p:notesMaster xmlns:a="http://schemas.openxmlformats.org/drawingml/2006/main" xmlns:r="http://schemas.openxmlformats.org/officeDocument/2006/relationships" xmlns:p="http://schemas.openxmlformats.org/presentationml/2006/main">
+  <p:cSld>
+    <p:bg>
+      <p:bgRef idx="1001">
+        <a:schemeClr val="bg1"/>
+      </p:bgRef>
+    </p:bg>
+    <p:spTree>
+      <p:nvGrpSpPr>
+        <p:cNvPr id="1" name=""/>
+        <p:cNvGrpSpPr/>
+        <p:nvPr/>
+      </p:nvGrpSpPr>
+      <p:grpSpPr>
+        <a:xfrm>
+          <a:off x="0" y="0"/>
+          <a:ext cx="0" cy="0"/>
+          <a:chOff x="0" y="0"/>
+          <a:chExt cx="0" cy="0"/>
+        </a:xfrm>
+      </p:grpSpPr>
+      <p:sp>
+        <p:nvSpPr>
+          <p:cNvPr id="2" name="Header Placeholder 1"/>
+          <p:cNvSpPr>
+            <a:spLocks noGrp="1"/>
+          </p:cNvSpPr>
+          <p:nvPr>
+            <p:ph type="hdr" sz="quarter"/>
+          </p:nvPr>
+        </p:nvSpPr>
+        <p:spPr>
+          <a:xfrm>
+            <a:off x="0" y="0"/>
+            <a:ext cx="2971800" cy="458788"/>
+          </a:xfrm>
+          <a:prstGeom prst="rect">
+            <a:avLst/>
+          </a:prstGeom>
+        </p:spPr>
+        <p:txBody>
+          <a:bodyPr vert="horz" lIns="91440" tIns="45720" rIns="91440" bIns="45720" rtlCol="0"/>
+          <a:lstStyle>
+            <a:lvl1pPr algn="l">
+              <a:defRPr sz="1200"/>
+            </a:lvl1pPr>
+          </a:lstStyle>
+          <a:p>
+            <a:endParaRPr lang="en-US"/>
+          </a:p>
+        </p:txBody>
+      </p:sp>
+      <p:sp>
+        <p:nvSpPr>
+          <p:cNvPr id="3" name="Date Placeholder 2"/>
+          <p:cNvSpPr>
+            <a:spLocks noGrp="1"/>
+          </p:cNvSpPr>
+          <p:nvPr>
+            <p:ph type="dt" idx="1"/>
+          </p:nvPr>
+        </p:nvSpPr>
+        <p:spPr>
+          <a:xfrm>
+            <a:off x="3884613" y="0"/>
+            <a:ext cx="2971800" cy="458788"/>
+          </a:xfrm>
+          <a:prstGeom prst="rect">
+            <a:avLst/>
+          </a:prstGeom>
+        </p:spPr>
+        <p:txBody>
+          <a:bodyPr vert="horz" lIns="91440" tIns="45720" rIns="91440" bIns="45720" rtlCol="0"/>
+          <a:lstStyle>
+            <a:lvl1pPr algn="r">
+              <a:defRPr sz="1200"/>
+            </a:lvl1pPr>
+          </a:lstStyle>
+          <a:p>
+            <a:fld id="{EC31AA79-2A63-0748-AE4B-D95685E6F187}" type="datetimeFigureOut">
+              <a:rPr lang="en-US" smtClean="0"/>
+              <a:t>1/21/20</a:t>
+            </a:fld>
+            <a:endParaRPr lang="en-US"/>
+          </a:p>
+        </p:txBody>
+      </p:sp>
+      <p:sp>
+        <p:nvSpPr>
+          <p:cNvPr id="4" name="Slide Image Placeholder 3"/>
+          <p:cNvSpPr>
+            <a:spLocks noGrp="1" noRot="1" noChangeAspect="1"/>
+          </p:cNvSpPr>
+          <p:nvPr>
+            <p:ph type="sldImg" idx="2"/>
+          </p:nvPr>
+        </p:nvSpPr>
+        <p:spPr>
+          <a:xfrm>
+            <a:off x="685800" y="1143000"/>
+            <a:ext cx="5486400" cy="3086100"/>
+          </a:xfrm>
+          <a:prstGeom prst="rect">
+            <a:avLst/>
+          </a:prstGeom>
+          <a:noFill/>
+          <a:ln w="12700">
+            <a:solidFill>
+              <a:prstClr val="black"/>
+            </a:solidFill>
+          </a:ln>
+        </p:spPr>
+        <p:txBody>
+          <a:bodyPr vert="horz" lIns="91440" tIns="45720" rIns="91440" bIns="45720" rtlCol="0" anchor="ctr"/>
+          <a:lstStyle/>
+          <a:p>
+            <a:endParaRPr lang="en-US"/>
+          </a:p>
+        </p:txBody>
+      </p:sp>
+      <p:sp>
+        <p:nvSpPr>
+          <p:cNvPr id="5" name="Notes Placeholder 4"/>
+          <p:cNvSpPr>
+            <a:spLocks noGrp="1"/>
+          </p:cNvSpPr>
+          <p:nvPr>
+            <p:ph type="body" sz="quarter" idx="3"/>
+          </p:nvPr>
+        </p:nvSpPr>
+        <p:spPr>
+          <a:xfrm>
+            <a:off x="685800" y="4400550"/>
+            <a:ext cx="5486400" cy="3600450"/>
+          </a:xfrm>
+          <a:prstGeom prst="rect">
+            <a:avLst/>
+          </a:prstGeom>
+        </p:spPr>
+        <p:txBody>
+          <a:bodyPr vert="horz" lIns="91440" tIns="45720" rIns="91440" bIns="45720" rtlCol="0"/>
+          <a:lstStyle/>
+          <a:p>
+            <a:pPr lvl="0"/>
+            <a:r>
+              <a:rPr lang="en-US"/>
+              <a:t>Click to edit Master text styles</a:t>
+            </a:r>
+          </a:p>
+          <a:p>
+            <a:pPr lvl="1"/>
+            <a:r>
+              <a:rPr lang="en-US"/>
+              <a:t>Second level</a:t>
+            </a:r>
+          </a:p>
+          <a:p>
+            <a:pPr lvl="2"/>
+            <a:r>
+              <a:rPr lang="en-US"/>
+              <a:t>Third level</a:t>
+            </a:r>
+          </a:p>
+          <a:p>
+            <a:pPr lvl="3"/>
+            <a:r>
+              <a:rPr lang="en-US"/>
+              <a:t>Fourth level</a:t>
+            </a:r>
+          </a:p>
+          <a:p>
+            <a:pPr lvl="4"/>
+            <a:r>
+              <a:rPr lang="en-US"/>
+              <a:t>Fifth level</a:t>
+            </a:r>
+          </a:p>
+        </p:txBody>
+      </p:sp>
+      <p:sp>
+        <p:nvSpPr>
+          <p:cNvPr id="6" name="Footer Placeholder 5"/>
+          <p:cNvSpPr>
+            <a:spLocks noGrp="1"/>
+          </p:cNvSpPr>
+          <p:nvPr>
+            <p:ph type="ftr" sz="quarter" idx="4"/>
+          </p:nvPr>
+        </p:nvSpPr>
+        <p:spPr>
+          <a:xfrm>
+            <a:off x="0" y="8685213"/>
+            <a:ext cx="2971800" cy="458787"/>
+          </a:xfrm>
+          <a:prstGeom prst="rect">
+            <a:avLst/>
+          </a:prstGeom>
+        </p:spPr>
+        <p:txBody>
+          <a:bodyPr vert="horz" lIns="91440" tIns="45720" rIns="91440" bIns="45720" rtlCol="0" anchor="b"/>
+          <a:lstStyle>
+            <a:lvl1pPr algn="l">
+              <a:defRPr sz="1200"/>
+            </a:lvl1pPr>
+          </a:lstStyle>
+          <a:p>
+            <a:endParaRPr lang="en-US"/>
+          </a:p>
+        </p:txBody>
+      </p:sp>
+      <p:sp>
+        <p:nvSpPr>
+          <p:cNvPr id="7" name="Slide Number Placeholder 6"/>
+          <p:cNvSpPr>
+            <a:spLocks noGrp="1"/>
+          </p:cNvSpPr>
+          <p:nvPr>
+            <p:ph type="sldNum" sz="quarter" idx="5"/>
+          </p:nvPr>
+        </p:nvSpPr>
+        <p:spPr>
+          <a:xfrm>
+            <a:off x="3884613" y="8685213"/>
+            <a:ext cx="2971800" cy="458787"/>
+          </a:xfrm>
+          <a:prstGeom prst="rect">
+            <a:avLst/>
+          </a:prstGeom>
+        </p:spPr>
+        <p:txBody>
+          <a:bodyPr vert="horz" lIns="91440" tIns="45720" rIns="91440" bIns="45720" rtlCol="0" anchor="b"/>
+          <a:lstStyle>
+            <a:lvl1pPr algn="r">
+              <a:defRPr sz="1200"/>
+            </a:lvl1pPr>
+          </a:lstStyle>
+          <a:p>
+            <a:fld id="{60F08843-5D9D-DF49-9D10-2C26011B823A}" type="slidenum">
+              <a:rPr lang="en-US" smtClean="0"/>
+              <a:t>‹#›</a:t>
+            </a:fld>
+            <a:endParaRPr lang="en-US"/>
+          </a:p>
+        </p:txBody>
+      </p:sp>
+    </p:spTree>
+    <p:extLst>
+      <p:ext uri="{BB962C8B-B14F-4D97-AF65-F5344CB8AC3E}">
+        <p14:creationId xmlns:p14="http://schemas.microsoft.com/office/powerpoint/2010/main" val="1340203505"/>
+      </p:ext>
+    </p:extLst>
+  </p:cSld>
+  <p:clrMap bg1="lt1" tx1="dk1" bg2="lt2" tx2="dk2" accent1="accent1" accent2="accent2" accent3="accent3" accent4="accent4" accent5="accent5" accent6="accent6" hlink="hlink" folHlink="folHlink"/>
+  <p:notesStyle>
+    <a:lvl1pPr marL="0" algn="l" defTabSz="914400" rtl="0" eaLnBrk="1" latinLnBrk="0" hangingPunct="1">
+      <a:defRPr sz="1200" kern="1200">
+        <a:solidFill>
+          <a:schemeClr val="tx1"/>
+        </a:solidFill>
+        <a:latin typeface="+mn-lt"/>
+        <a:ea typeface="+mn-ea"/>
+        <a:cs typeface="+mn-cs"/>
+      </a:defRPr>
+    </a:lvl1pPr>
+    <a:lvl2pPr marL="457200" algn="l" defTabSz="914400" rtl="0" eaLnBrk="1" latinLnBrk="0" hangingPunct="1">
+      <a:defRPr sz="1200" kern="1200">
+        <a:solidFill>
+          <a:schemeClr val="tx1"/>
+        </a:solidFill>
+        <a:latin typeface="+mn-lt"/>
+        <a:ea typeface="+mn-ea"/>
+        <a:cs typeface="+mn-cs"/>
+      </a:defRPr>
+    </a:lvl2pPr>
+    <a:lvl3pPr marL="914400" algn="l" defTabSz="914400" rtl="0" eaLnBrk="1" latinLnBrk="0" hangingPunct="1">
+      <a:defRPr sz="1200" kern="1200">
+        <a:solidFill>
+          <a:schemeClr val="tx1"/>
+        </a:solidFill>
+        <a:latin typeface="+mn-lt"/>
+        <a:ea typeface="+mn-ea"/>
+        <a:cs typeface="+mn-cs"/>
+      </a:defRPr>
+    </a:lvl3pPr>
+    <a:lvl4pPr marL="1371600" algn="l" defTabSz="914400" rtl="0" eaLnBrk="1" latinLnBrk="0" hangingPunct="1">
+      <a:defRPr sz="1200" kern="1200">
+        <a:solidFill>
+          <a:schemeClr val="tx1"/>
+        </a:solidFill>
+        <a:latin typeface="+mn-lt"/>
+        <a:ea typeface="+mn-ea"/>
+        <a:cs typeface="+mn-cs"/>
+      </a:defRPr>
+    </a:lvl4pPr>
+    <a:lvl5pPr marL="1828800" algn="l" defTabSz="914400" rtl="0" eaLnBrk="1" latinLnBrk="0" hangingPunct="1">
+      <a:defRPr sz="1200" kern="1200">
+        <a:solidFill>
+          <a:schemeClr val="tx1"/>
+        </a:solidFill>
+        <a:latin typeface="+mn-lt"/>
+        <a:ea typeface="+mn-ea"/>
+        <a:cs typeface="+mn-cs"/>
+      </a:defRPr>
+    </a:lvl5pPr>
+    <a:lvl6pPr marL="2286000" algn="l" defTabSz="914400" rtl="0" eaLnBrk="1" latinLnBrk="0" hangingPunct="1">
+      <a:defRPr sz="1200" kern="1200">
+        <a:solidFill>
+          <a:schemeClr val="tx1"/>
+        </a:solidFill>
+        <a:latin typeface="+mn-lt"/>
+        <a:ea typeface="+mn-ea"/>
+        <a:cs typeface="+mn-cs"/>
+      </a:defRPr>
+    </a:lvl6pPr>
+    <a:lvl7pPr marL="2743200" algn="l" defTabSz="914400" rtl="0" eaLnBrk="1" latinLnBrk="0" hangingPunct="1">
+      <a:defRPr sz="1200" kern="1200">
+        <a:solidFill>
+          <a:schemeClr val="tx1"/>
+        </a:solidFill>
+        <a:latin typeface="+mn-lt"/>
+        <a:ea typeface="+mn-ea"/>
+        <a:cs typeface="+mn-cs"/>
+      </a:defRPr>
+    </a:lvl7pPr>
+    <a:lvl8pPr marL="3200400" algn="l" defTabSz="914400" rtl="0" eaLnBrk="1" latinLnBrk="0" hangingPunct="1">
+      <a:defRPr sz="1200" kern="1200">
+        <a:solidFill>
+          <a:schemeClr val="tx1"/>
+        </a:solidFill>
+        <a:latin typeface="+mn-lt"/>
+        <a:ea typeface="+mn-ea"/>
+        <a:cs typeface="+mn-cs"/>
+      </a:defRPr>
+    </a:lvl8pPr>
+    <a:lvl9pPr marL="3657600" algn="l" defTabSz="914400" rtl="0" eaLnBrk="1" latinLnBrk="0" hangingPunct="1">
+      <a:defRPr sz="1200" kern="1200">
+        <a:solidFill>
+          <a:schemeClr val="tx1"/>
+        </a:solidFill>
+        <a:latin typeface="+mn-lt"/>
+        <a:ea typeface="+mn-ea"/>
+        <a:cs typeface="+mn-cs"/>
+      </a:defRPr>
+    </a:lvl9pPr>
+  </p:notesStyle>
+</p:notesMaster>
+</file>
+
+<file path=ppt/notesSlides/notesSlide1.xml><?xml version="1.0" encoding="utf-8"?>
+<p:notes xmlns:a="http://schemas.openxmlformats.org/drawingml/2006/main" xmlns:r="http://schemas.openxmlformats.org/officeDocument/2006/relationships" xmlns:p="http://schemas.openxmlformats.org/presentationml/2006/main">
+  <p:cSld>
+    <p:spTree>
+      <p:nvGrpSpPr>
+        <p:cNvPr id="1" name=""/>
+        <p:cNvGrpSpPr/>
+        <p:nvPr/>
+      </p:nvGrpSpPr>
+      <p:grpSpPr>
+        <a:xfrm>
+          <a:off x="0" y="0"/>
+          <a:ext cx="0" cy="0"/>
+          <a:chOff x="0" y="0"/>
+          <a:chExt cx="0" cy="0"/>
+        </a:xfrm>
+      </p:grpSpPr>
+      <p:sp>
+        <p:nvSpPr>
+          <p:cNvPr id="2" name="Slide Image Placeholder 1"/>
+          <p:cNvSpPr>
+            <a:spLocks noGrp="1" noRot="1" noChangeAspect="1"/>
+          </p:cNvSpPr>
+          <p:nvPr>
+            <p:ph type="sldImg"/>
+          </p:nvPr>
+        </p:nvSpPr>
+        <p:spPr/>
+      </p:sp>
+      <p:sp>
+        <p:nvSpPr>
+          <p:cNvPr id="3" name="Notes Placeholder 2"/>
+          <p:cNvSpPr>
+            <a:spLocks noGrp="1"/>
+          </p:cNvSpPr>
+          <p:nvPr>
+            <p:ph type="body" idx="1"/>
+          </p:nvPr>
+        </p:nvSpPr>
+        <p:spPr/>
+        <p:txBody>
+          <a:bodyPr/>
+          <a:lstStyle/>
+          <a:p>
+            <a:endParaRPr lang="en-US" dirty="0"/>
+          </a:p>
+        </p:txBody>
+      </p:sp>
+      <p:sp>
+        <p:nvSpPr>
+          <p:cNvPr id="4" name="Slide Number Placeholder 3"/>
+          <p:cNvSpPr>
+            <a:spLocks noGrp="1"/>
+          </p:cNvSpPr>
+          <p:nvPr>
+            <p:ph type="sldNum" sz="quarter" idx="5"/>
+          </p:nvPr>
+        </p:nvSpPr>
+        <p:spPr/>
+        <p:txBody>
+          <a:bodyPr/>
+          <a:lstStyle/>
+          <a:p>
+            <a:fld id="{60F08843-5D9D-DF49-9D10-2C26011B823A}" type="slidenum">
+              <a:rPr lang="en-US" smtClean="0"/>
+              <a:t>8</a:t>
+            </a:fld>
+            <a:endParaRPr lang="en-US"/>
+          </a:p>
+        </p:txBody>
+      </p:sp>
+    </p:spTree>
+    <p:extLst>
+      <p:ext uri="{BB962C8B-B14F-4D97-AF65-F5344CB8AC3E}">
+        <p14:creationId xmlns:p14="http://schemas.microsoft.com/office/powerpoint/2010/main" val="432417526"/>
+      </p:ext>
+    </p:extLst>
+  </p:cSld>
+  <p:clrMapOvr>
+    <a:masterClrMapping/>
+  </p:clrMapOvr>
+</p:notes>
 </file>
 
 <file path=ppt/slideLayouts/slideLayout1.xml><?xml version="1.0" encoding="utf-8"?>
@@ -4769,7 +5208,7 @@
           <p:nvPr>
             <p:extLst>
               <p:ext uri="{D42A27DB-BD31-4B8C-83A1-F6EECF244321}">
-                <p14:modId xmlns:p14="http://schemas.microsoft.com/office/powerpoint/2010/main" val="2414483471"/>
+                <p14:modId xmlns:p14="http://schemas.microsoft.com/office/powerpoint/2010/main" val="2465055225"/>
               </p:ext>
             </p:extLst>
           </p:nvPr>
@@ -5803,6 +6242,2896 @@
     <p:extLst>
       <p:ext uri="{BB962C8B-B14F-4D97-AF65-F5344CB8AC3E}">
         <p14:creationId xmlns:p14="http://schemas.microsoft.com/office/powerpoint/2010/main" val="2665743579"/>
+      </p:ext>
+    </p:extLst>
+  </p:cSld>
+  <p:clrMapOvr>
+    <a:masterClrMapping/>
+  </p:clrMapOvr>
+</p:sld>
+</file>
+
+<file path=ppt/slides/slide10.xml><?xml version="1.0" encoding="utf-8"?>
+<p:sld xmlns:a="http://schemas.openxmlformats.org/drawingml/2006/main" xmlns:r="http://schemas.openxmlformats.org/officeDocument/2006/relationships" xmlns:p="http://schemas.openxmlformats.org/presentationml/2006/main" show="0">
+  <p:cSld>
+    <p:spTree>
+      <p:nvGrpSpPr>
+        <p:cNvPr id="1" name=""/>
+        <p:cNvGrpSpPr/>
+        <p:nvPr/>
+      </p:nvGrpSpPr>
+      <p:grpSpPr>
+        <a:xfrm>
+          <a:off x="0" y="0"/>
+          <a:ext cx="0" cy="0"/>
+          <a:chOff x="0" y="0"/>
+          <a:chExt cx="0" cy="0"/>
+        </a:xfrm>
+      </p:grpSpPr>
+      <p:sp>
+        <p:nvSpPr>
+          <p:cNvPr id="2" name="Title 1">
+            <a:extLst>
+              <a:ext uri="{FF2B5EF4-FFF2-40B4-BE49-F238E27FC236}">
+                <a16:creationId xmlns:a16="http://schemas.microsoft.com/office/drawing/2014/main" id="{085B9FC7-B83C-6D45-9658-A1E39C6535DC}"/>
+              </a:ext>
+            </a:extLst>
+          </p:cNvPr>
+          <p:cNvSpPr>
+            <a:spLocks noGrp="1"/>
+          </p:cNvSpPr>
+          <p:nvPr>
+            <p:ph type="title"/>
+          </p:nvPr>
+        </p:nvSpPr>
+        <p:spPr>
+          <a:xfrm>
+            <a:off x="838200" y="343860"/>
+            <a:ext cx="10515600" cy="517377"/>
+          </a:xfrm>
+        </p:spPr>
+        <p:txBody>
+          <a:bodyPr>
+            <a:noAutofit/>
+          </a:bodyPr>
+          <a:lstStyle/>
+          <a:p>
+            <a:r>
+              <a:rPr lang="en-US" sz="3200" dirty="0"/>
+              <a:t>Adjacency matrix</a:t>
+            </a:r>
+          </a:p>
+        </p:txBody>
+      </p:sp>
+      <p:grpSp>
+        <p:nvGrpSpPr>
+          <p:cNvPr id="6" name="Group 5">
+            <a:extLst>
+              <a:ext uri="{FF2B5EF4-FFF2-40B4-BE49-F238E27FC236}">
+                <a16:creationId xmlns:a16="http://schemas.microsoft.com/office/drawing/2014/main" id="{6DEE4F0D-A065-8F48-844F-2587ADF82C4E}"/>
+              </a:ext>
+            </a:extLst>
+          </p:cNvPr>
+          <p:cNvGrpSpPr/>
+          <p:nvPr/>
+        </p:nvGrpSpPr>
+        <p:grpSpPr>
+          <a:xfrm>
+            <a:off x="1139882" y="1842645"/>
+            <a:ext cx="2611530" cy="3172709"/>
+            <a:chOff x="181939" y="1970980"/>
+            <a:chExt cx="2611530" cy="3172709"/>
+          </a:xfrm>
+        </p:grpSpPr>
+        <p:pic>
+          <p:nvPicPr>
+            <p:cNvPr id="20" name="Picture 19">
+              <a:extLst>
+                <a:ext uri="{FF2B5EF4-FFF2-40B4-BE49-F238E27FC236}">
+                  <a16:creationId xmlns:a16="http://schemas.microsoft.com/office/drawing/2014/main" id="{006781E6-A9B1-444F-BC70-E6849C319EA3}"/>
+                </a:ext>
+              </a:extLst>
+            </p:cNvPr>
+            <p:cNvPicPr>
+              <a:picLocks noChangeAspect="1"/>
+            </p:cNvPicPr>
+            <p:nvPr/>
+          </p:nvPicPr>
+          <p:blipFill>
+            <a:blip r:embed="rId2"/>
+            <a:stretch>
+              <a:fillRect/>
+            </a:stretch>
+          </p:blipFill>
+          <p:spPr>
+            <a:xfrm>
+              <a:off x="197616" y="1970980"/>
+              <a:ext cx="2595853" cy="3172709"/>
+            </a:xfrm>
+            <a:prstGeom prst="rect">
+              <a:avLst/>
+            </a:prstGeom>
+          </p:spPr>
+        </p:pic>
+        <p:sp>
+          <p:nvSpPr>
+            <p:cNvPr id="3" name="TextBox 2">
+              <a:extLst>
+                <a:ext uri="{FF2B5EF4-FFF2-40B4-BE49-F238E27FC236}">
+                  <a16:creationId xmlns:a16="http://schemas.microsoft.com/office/drawing/2014/main" id="{0F6E11E8-6341-4949-B8EA-A890336DD88F}"/>
+                </a:ext>
+              </a:extLst>
+            </p:cNvPr>
+            <p:cNvSpPr txBox="1"/>
+            <p:nvPr/>
+          </p:nvSpPr>
+          <p:spPr>
+            <a:xfrm>
+              <a:off x="1723292" y="2414954"/>
+              <a:ext cx="301686" cy="369332"/>
+            </a:xfrm>
+            <a:prstGeom prst="rect">
+              <a:avLst/>
+            </a:prstGeom>
+            <a:noFill/>
+          </p:spPr>
+          <p:txBody>
+            <a:bodyPr wrap="none" rtlCol="0">
+              <a:spAutoFit/>
+            </a:bodyPr>
+            <a:lstStyle/>
+            <a:p>
+              <a:r>
+                <a:rPr lang="en-US" dirty="0"/>
+                <a:t>1</a:t>
+              </a:r>
+            </a:p>
+          </p:txBody>
+        </p:sp>
+        <p:sp>
+          <p:nvSpPr>
+            <p:cNvPr id="8" name="TextBox 7">
+              <a:extLst>
+                <a:ext uri="{FF2B5EF4-FFF2-40B4-BE49-F238E27FC236}">
+                  <a16:creationId xmlns:a16="http://schemas.microsoft.com/office/drawing/2014/main" id="{BE3C9C74-FCB0-E94B-8A5F-218349E89FFE}"/>
+                </a:ext>
+              </a:extLst>
+            </p:cNvPr>
+            <p:cNvSpPr txBox="1"/>
+            <p:nvPr/>
+          </p:nvSpPr>
+          <p:spPr>
+            <a:xfrm>
+              <a:off x="1707654" y="2894782"/>
+              <a:ext cx="301686" cy="369332"/>
+            </a:xfrm>
+            <a:prstGeom prst="rect">
+              <a:avLst/>
+            </a:prstGeom>
+            <a:noFill/>
+          </p:spPr>
+          <p:txBody>
+            <a:bodyPr wrap="none" rtlCol="0">
+              <a:spAutoFit/>
+            </a:bodyPr>
+            <a:lstStyle/>
+            <a:p>
+              <a:r>
+                <a:rPr lang="en-US" dirty="0"/>
+                <a:t>2</a:t>
+              </a:r>
+            </a:p>
+          </p:txBody>
+        </p:sp>
+        <p:sp>
+          <p:nvSpPr>
+            <p:cNvPr id="9" name="TextBox 8">
+              <a:extLst>
+                <a:ext uri="{FF2B5EF4-FFF2-40B4-BE49-F238E27FC236}">
+                  <a16:creationId xmlns:a16="http://schemas.microsoft.com/office/drawing/2014/main" id="{BAB4A24B-0E3F-7F4C-B658-A2898D411E11}"/>
+                </a:ext>
+              </a:extLst>
+            </p:cNvPr>
+            <p:cNvSpPr txBox="1"/>
+            <p:nvPr/>
+          </p:nvSpPr>
+          <p:spPr>
+            <a:xfrm>
+              <a:off x="516961" y="3557335"/>
+              <a:ext cx="301686" cy="369332"/>
+            </a:xfrm>
+            <a:prstGeom prst="rect">
+              <a:avLst/>
+            </a:prstGeom>
+            <a:noFill/>
+          </p:spPr>
+          <p:txBody>
+            <a:bodyPr wrap="none" rtlCol="0">
+              <a:spAutoFit/>
+            </a:bodyPr>
+            <a:lstStyle/>
+            <a:p>
+              <a:r>
+                <a:rPr lang="en-US" dirty="0"/>
+                <a:t>8</a:t>
+              </a:r>
+            </a:p>
+          </p:txBody>
+        </p:sp>
+        <p:sp>
+          <p:nvSpPr>
+            <p:cNvPr id="10" name="TextBox 9">
+              <a:extLst>
+                <a:ext uri="{FF2B5EF4-FFF2-40B4-BE49-F238E27FC236}">
+                  <a16:creationId xmlns:a16="http://schemas.microsoft.com/office/drawing/2014/main" id="{1E1EE2D8-E8FF-014C-92E2-00639E52F9FF}"/>
+                </a:ext>
+              </a:extLst>
+            </p:cNvPr>
+            <p:cNvSpPr txBox="1"/>
+            <p:nvPr/>
+          </p:nvSpPr>
+          <p:spPr>
+            <a:xfrm flipH="1">
+              <a:off x="181939" y="4056185"/>
+              <a:ext cx="792222" cy="369332"/>
+            </a:xfrm>
+            <a:prstGeom prst="rect">
+              <a:avLst/>
+            </a:prstGeom>
+            <a:noFill/>
+          </p:spPr>
+          <p:txBody>
+            <a:bodyPr wrap="square" rtlCol="0">
+              <a:spAutoFit/>
+            </a:bodyPr>
+            <a:lstStyle/>
+            <a:p>
+              <a:r>
+                <a:rPr lang="en-US" dirty="0"/>
+                <a:t>10</a:t>
+              </a:r>
+            </a:p>
+          </p:txBody>
+        </p:sp>
+        <p:sp>
+          <p:nvSpPr>
+            <p:cNvPr id="11" name="TextBox 10">
+              <a:extLst>
+                <a:ext uri="{FF2B5EF4-FFF2-40B4-BE49-F238E27FC236}">
+                  <a16:creationId xmlns:a16="http://schemas.microsoft.com/office/drawing/2014/main" id="{3400A563-AC15-9045-9BED-285361913347}"/>
+                </a:ext>
+              </a:extLst>
+            </p:cNvPr>
+            <p:cNvSpPr txBox="1"/>
+            <p:nvPr/>
+          </p:nvSpPr>
+          <p:spPr>
+            <a:xfrm>
+              <a:off x="1344700" y="4056185"/>
+              <a:ext cx="301686" cy="369332"/>
+            </a:xfrm>
+            <a:prstGeom prst="rect">
+              <a:avLst/>
+            </a:prstGeom>
+            <a:noFill/>
+          </p:spPr>
+          <p:txBody>
+            <a:bodyPr wrap="none" rtlCol="0">
+              <a:spAutoFit/>
+            </a:bodyPr>
+            <a:lstStyle/>
+            <a:p>
+              <a:r>
+                <a:rPr lang="en-US" dirty="0"/>
+                <a:t>4</a:t>
+              </a:r>
+            </a:p>
+          </p:txBody>
+        </p:sp>
+        <p:sp>
+          <p:nvSpPr>
+            <p:cNvPr id="12" name="TextBox 11">
+              <a:extLst>
+                <a:ext uri="{FF2B5EF4-FFF2-40B4-BE49-F238E27FC236}">
+                  <a16:creationId xmlns:a16="http://schemas.microsoft.com/office/drawing/2014/main" id="{A5C22C81-B222-B343-951E-38CFDA2189D4}"/>
+                </a:ext>
+              </a:extLst>
+            </p:cNvPr>
+            <p:cNvSpPr txBox="1"/>
+            <p:nvPr/>
+          </p:nvSpPr>
+          <p:spPr>
+            <a:xfrm>
+              <a:off x="2185713" y="3540642"/>
+              <a:ext cx="301686" cy="369332"/>
+            </a:xfrm>
+            <a:prstGeom prst="rect">
+              <a:avLst/>
+            </a:prstGeom>
+            <a:noFill/>
+          </p:spPr>
+          <p:txBody>
+            <a:bodyPr wrap="none" rtlCol="0">
+              <a:spAutoFit/>
+            </a:bodyPr>
+            <a:lstStyle/>
+            <a:p>
+              <a:r>
+                <a:rPr lang="en-US" dirty="0"/>
+                <a:t>7</a:t>
+              </a:r>
+            </a:p>
+          </p:txBody>
+        </p:sp>
+        <p:sp>
+          <p:nvSpPr>
+            <p:cNvPr id="13" name="TextBox 12">
+              <a:extLst>
+                <a:ext uri="{FF2B5EF4-FFF2-40B4-BE49-F238E27FC236}">
+                  <a16:creationId xmlns:a16="http://schemas.microsoft.com/office/drawing/2014/main" id="{E059BC82-60B8-1845-B570-1B3D21A6896E}"/>
+                </a:ext>
+              </a:extLst>
+            </p:cNvPr>
+            <p:cNvSpPr txBox="1"/>
+            <p:nvPr/>
+          </p:nvSpPr>
+          <p:spPr>
+            <a:xfrm>
+              <a:off x="2185713" y="4056185"/>
+              <a:ext cx="301686" cy="369332"/>
+            </a:xfrm>
+            <a:prstGeom prst="rect">
+              <a:avLst/>
+            </a:prstGeom>
+            <a:noFill/>
+          </p:spPr>
+          <p:txBody>
+            <a:bodyPr wrap="none" rtlCol="0">
+              <a:spAutoFit/>
+            </a:bodyPr>
+            <a:lstStyle/>
+            <a:p>
+              <a:r>
+                <a:rPr lang="en-US" dirty="0"/>
+                <a:t>9</a:t>
+              </a:r>
+            </a:p>
+          </p:txBody>
+        </p:sp>
+        <p:sp>
+          <p:nvSpPr>
+            <p:cNvPr id="14" name="TextBox 13">
+              <a:extLst>
+                <a:ext uri="{FF2B5EF4-FFF2-40B4-BE49-F238E27FC236}">
+                  <a16:creationId xmlns:a16="http://schemas.microsoft.com/office/drawing/2014/main" id="{AFB1FCA9-91C2-2A40-BD58-CEEC5FAD31FD}"/>
+                </a:ext>
+              </a:extLst>
+            </p:cNvPr>
+            <p:cNvSpPr txBox="1"/>
+            <p:nvPr/>
+          </p:nvSpPr>
+          <p:spPr>
+            <a:xfrm>
+              <a:off x="213346" y="4701181"/>
+              <a:ext cx="301686" cy="369332"/>
+            </a:xfrm>
+            <a:prstGeom prst="rect">
+              <a:avLst/>
+            </a:prstGeom>
+            <a:noFill/>
+          </p:spPr>
+          <p:txBody>
+            <a:bodyPr wrap="none" rtlCol="0">
+              <a:spAutoFit/>
+            </a:bodyPr>
+            <a:lstStyle/>
+            <a:p>
+              <a:r>
+                <a:rPr lang="en-US" dirty="0"/>
+                <a:t>6</a:t>
+              </a:r>
+            </a:p>
+          </p:txBody>
+        </p:sp>
+        <p:sp>
+          <p:nvSpPr>
+            <p:cNvPr id="15" name="TextBox 14">
+              <a:extLst>
+                <a:ext uri="{FF2B5EF4-FFF2-40B4-BE49-F238E27FC236}">
+                  <a16:creationId xmlns:a16="http://schemas.microsoft.com/office/drawing/2014/main" id="{D22307DD-7789-1D47-9178-993BBBC6ADC7}"/>
+                </a:ext>
+              </a:extLst>
+            </p:cNvPr>
+            <p:cNvSpPr txBox="1"/>
+            <p:nvPr/>
+          </p:nvSpPr>
+          <p:spPr>
+            <a:xfrm>
+              <a:off x="1344700" y="4701181"/>
+              <a:ext cx="301686" cy="369332"/>
+            </a:xfrm>
+            <a:prstGeom prst="rect">
+              <a:avLst/>
+            </a:prstGeom>
+            <a:noFill/>
+          </p:spPr>
+          <p:txBody>
+            <a:bodyPr wrap="none" rtlCol="0">
+              <a:spAutoFit/>
+            </a:bodyPr>
+            <a:lstStyle/>
+            <a:p>
+              <a:r>
+                <a:rPr lang="en-US" dirty="0"/>
+                <a:t>3</a:t>
+              </a:r>
+            </a:p>
+          </p:txBody>
+        </p:sp>
+        <p:sp>
+          <p:nvSpPr>
+            <p:cNvPr id="16" name="TextBox 15">
+              <a:extLst>
+                <a:ext uri="{FF2B5EF4-FFF2-40B4-BE49-F238E27FC236}">
+                  <a16:creationId xmlns:a16="http://schemas.microsoft.com/office/drawing/2014/main" id="{8E4E2368-C3C1-E040-9DA5-68F98C384F13}"/>
+                </a:ext>
+              </a:extLst>
+            </p:cNvPr>
+            <p:cNvSpPr txBox="1"/>
+            <p:nvPr/>
+          </p:nvSpPr>
+          <p:spPr>
+            <a:xfrm>
+              <a:off x="2171221" y="4665266"/>
+              <a:ext cx="301686" cy="369332"/>
+            </a:xfrm>
+            <a:prstGeom prst="rect">
+              <a:avLst/>
+            </a:prstGeom>
+            <a:noFill/>
+          </p:spPr>
+          <p:txBody>
+            <a:bodyPr wrap="none" rtlCol="0">
+              <a:spAutoFit/>
+            </a:bodyPr>
+            <a:lstStyle/>
+            <a:p>
+              <a:r>
+                <a:rPr lang="en-US" dirty="0"/>
+                <a:t>5</a:t>
+              </a:r>
+            </a:p>
+          </p:txBody>
+        </p:sp>
+      </p:grpSp>
+      <p:graphicFrame>
+        <p:nvGraphicFramePr>
+          <p:cNvPr id="22" name="Table 21">
+            <a:extLst>
+              <a:ext uri="{FF2B5EF4-FFF2-40B4-BE49-F238E27FC236}">
+                <a16:creationId xmlns:a16="http://schemas.microsoft.com/office/drawing/2014/main" id="{7ED2F7ED-F5B4-8244-8660-818A446C7F96}"/>
+              </a:ext>
+            </a:extLst>
+          </p:cNvPr>
+          <p:cNvGraphicFramePr>
+            <a:graphicFrameLocks noGrp="1"/>
+          </p:cNvGraphicFramePr>
+          <p:nvPr>
+            <p:extLst>
+              <p:ext uri="{D42A27DB-BD31-4B8C-83A1-F6EECF244321}">
+                <p14:modId xmlns:p14="http://schemas.microsoft.com/office/powerpoint/2010/main" val="263672460"/>
+              </p:ext>
+            </p:extLst>
+          </p:nvPr>
+        </p:nvGraphicFramePr>
+        <p:xfrm>
+          <a:off x="5326912" y="1414130"/>
+          <a:ext cx="6629777" cy="5312470"/>
+        </p:xfrm>
+        <a:graphic>
+          <a:graphicData uri="http://schemas.openxmlformats.org/drawingml/2006/table">
+            <a:tbl>
+              <a:tblPr firstRow="1" bandRow="1">
+                <a:tableStyleId>{5C22544A-7EE6-4342-B048-85BDC9FD1C3A}</a:tableStyleId>
+              </a:tblPr>
+              <a:tblGrid>
+                <a:gridCol w="602707">
+                  <a:extLst>
+                    <a:ext uri="{9D8B030D-6E8A-4147-A177-3AD203B41FA5}">
+                      <a16:colId xmlns:a16="http://schemas.microsoft.com/office/drawing/2014/main" val="3382499790"/>
+                    </a:ext>
+                  </a:extLst>
+                </a:gridCol>
+                <a:gridCol w="602707">
+                  <a:extLst>
+                    <a:ext uri="{9D8B030D-6E8A-4147-A177-3AD203B41FA5}">
+                      <a16:colId xmlns:a16="http://schemas.microsoft.com/office/drawing/2014/main" val="2840473121"/>
+                    </a:ext>
+                  </a:extLst>
+                </a:gridCol>
+                <a:gridCol w="602707">
+                  <a:extLst>
+                    <a:ext uri="{9D8B030D-6E8A-4147-A177-3AD203B41FA5}">
+                      <a16:colId xmlns:a16="http://schemas.microsoft.com/office/drawing/2014/main" val="1020499543"/>
+                    </a:ext>
+                  </a:extLst>
+                </a:gridCol>
+                <a:gridCol w="602707">
+                  <a:extLst>
+                    <a:ext uri="{9D8B030D-6E8A-4147-A177-3AD203B41FA5}">
+                      <a16:colId xmlns:a16="http://schemas.microsoft.com/office/drawing/2014/main" val="763296561"/>
+                    </a:ext>
+                  </a:extLst>
+                </a:gridCol>
+                <a:gridCol w="602707">
+                  <a:extLst>
+                    <a:ext uri="{9D8B030D-6E8A-4147-A177-3AD203B41FA5}">
+                      <a16:colId xmlns:a16="http://schemas.microsoft.com/office/drawing/2014/main" val="2674329282"/>
+                    </a:ext>
+                  </a:extLst>
+                </a:gridCol>
+                <a:gridCol w="602707">
+                  <a:extLst>
+                    <a:ext uri="{9D8B030D-6E8A-4147-A177-3AD203B41FA5}">
+                      <a16:colId xmlns:a16="http://schemas.microsoft.com/office/drawing/2014/main" val="2835177305"/>
+                    </a:ext>
+                  </a:extLst>
+                </a:gridCol>
+                <a:gridCol w="602707">
+                  <a:extLst>
+                    <a:ext uri="{9D8B030D-6E8A-4147-A177-3AD203B41FA5}">
+                      <a16:colId xmlns:a16="http://schemas.microsoft.com/office/drawing/2014/main" val="2104659244"/>
+                    </a:ext>
+                  </a:extLst>
+                </a:gridCol>
+                <a:gridCol w="602707">
+                  <a:extLst>
+                    <a:ext uri="{9D8B030D-6E8A-4147-A177-3AD203B41FA5}">
+                      <a16:colId xmlns:a16="http://schemas.microsoft.com/office/drawing/2014/main" val="3185212664"/>
+                    </a:ext>
+                  </a:extLst>
+                </a:gridCol>
+                <a:gridCol w="602707">
+                  <a:extLst>
+                    <a:ext uri="{9D8B030D-6E8A-4147-A177-3AD203B41FA5}">
+                      <a16:colId xmlns:a16="http://schemas.microsoft.com/office/drawing/2014/main" val="3152940129"/>
+                    </a:ext>
+                  </a:extLst>
+                </a:gridCol>
+                <a:gridCol w="602707">
+                  <a:extLst>
+                    <a:ext uri="{9D8B030D-6E8A-4147-A177-3AD203B41FA5}">
+                      <a16:colId xmlns:a16="http://schemas.microsoft.com/office/drawing/2014/main" val="4032822331"/>
+                    </a:ext>
+                  </a:extLst>
+                </a:gridCol>
+                <a:gridCol w="602707">
+                  <a:extLst>
+                    <a:ext uri="{9D8B030D-6E8A-4147-A177-3AD203B41FA5}">
+                      <a16:colId xmlns:a16="http://schemas.microsoft.com/office/drawing/2014/main" val="149262565"/>
+                    </a:ext>
+                  </a:extLst>
+                </a:gridCol>
+              </a:tblGrid>
+              <a:tr h="425913">
+                <a:tc>
+                  <a:txBody>
+                    <a:bodyPr/>
+                    <a:lstStyle/>
+                    <a:p>
+                      <a:pPr algn="ctr"/>
+                      <a:endParaRPr lang="en-US" sz="1600" b="0" dirty="0">
+                        <a:solidFill>
+                          <a:schemeClr val="bg1"/>
+                        </a:solidFill>
+                      </a:endParaRPr>
+                    </a:p>
+                  </a:txBody>
+                  <a:tcPr anchor="ctr">
+                    <a:solidFill>
+                      <a:schemeClr val="accent1"/>
+                    </a:solidFill>
+                  </a:tcPr>
+                </a:tc>
+                <a:tc>
+                  <a:txBody>
+                    <a:bodyPr/>
+                    <a:lstStyle/>
+                    <a:p>
+                      <a:pPr algn="ctr"/>
+                      <a:r>
+                        <a:rPr lang="en-US" sz="1600" b="0" dirty="0"/>
+                        <a:t>1</a:t>
+                      </a:r>
+                    </a:p>
+                  </a:txBody>
+                  <a:tcPr anchor="ctr"/>
+                </a:tc>
+                <a:tc>
+                  <a:txBody>
+                    <a:bodyPr/>
+                    <a:lstStyle/>
+                    <a:p>
+                      <a:pPr algn="ctr"/>
+                      <a:r>
+                        <a:rPr lang="en-US" sz="1600" b="0" dirty="0"/>
+                        <a:t>2</a:t>
+                      </a:r>
+                    </a:p>
+                  </a:txBody>
+                  <a:tcPr anchor="ctr"/>
+                </a:tc>
+                <a:tc>
+                  <a:txBody>
+                    <a:bodyPr/>
+                    <a:lstStyle/>
+                    <a:p>
+                      <a:pPr algn="ctr"/>
+                      <a:r>
+                        <a:rPr lang="en-US" sz="1600" b="0" dirty="0"/>
+                        <a:t>3</a:t>
+                      </a:r>
+                    </a:p>
+                  </a:txBody>
+                  <a:tcPr anchor="ctr"/>
+                </a:tc>
+                <a:tc>
+                  <a:txBody>
+                    <a:bodyPr/>
+                    <a:lstStyle/>
+                    <a:p>
+                      <a:pPr algn="ctr"/>
+                      <a:r>
+                        <a:rPr lang="en-US" sz="1600" b="0" dirty="0"/>
+                        <a:t>4</a:t>
+                      </a:r>
+                    </a:p>
+                  </a:txBody>
+                  <a:tcPr anchor="ctr"/>
+                </a:tc>
+                <a:tc>
+                  <a:txBody>
+                    <a:bodyPr/>
+                    <a:lstStyle/>
+                    <a:p>
+                      <a:pPr algn="ctr"/>
+                      <a:r>
+                        <a:rPr lang="en-US" sz="1600" b="0" dirty="0"/>
+                        <a:t>5</a:t>
+                      </a:r>
+                    </a:p>
+                  </a:txBody>
+                  <a:tcPr anchor="ctr"/>
+                </a:tc>
+                <a:tc>
+                  <a:txBody>
+                    <a:bodyPr/>
+                    <a:lstStyle/>
+                    <a:p>
+                      <a:pPr algn="ctr"/>
+                      <a:r>
+                        <a:rPr lang="en-US" sz="1600" b="0" dirty="0"/>
+                        <a:t>6</a:t>
+                      </a:r>
+                    </a:p>
+                  </a:txBody>
+                  <a:tcPr anchor="ctr"/>
+                </a:tc>
+                <a:tc>
+                  <a:txBody>
+                    <a:bodyPr/>
+                    <a:lstStyle/>
+                    <a:p>
+                      <a:pPr algn="ctr"/>
+                      <a:r>
+                        <a:rPr lang="en-US" sz="1600" b="0" dirty="0"/>
+                        <a:t>7</a:t>
+                      </a:r>
+                    </a:p>
+                  </a:txBody>
+                  <a:tcPr anchor="ctr"/>
+                </a:tc>
+                <a:tc>
+                  <a:txBody>
+                    <a:bodyPr/>
+                    <a:lstStyle/>
+                    <a:p>
+                      <a:pPr algn="ctr"/>
+                      <a:r>
+                        <a:rPr lang="en-US" sz="1600" b="0" dirty="0"/>
+                        <a:t>8</a:t>
+                      </a:r>
+                    </a:p>
+                  </a:txBody>
+                  <a:tcPr anchor="ctr"/>
+                </a:tc>
+                <a:tc>
+                  <a:txBody>
+                    <a:bodyPr/>
+                    <a:lstStyle/>
+                    <a:p>
+                      <a:pPr algn="ctr"/>
+                      <a:r>
+                        <a:rPr lang="en-US" sz="1600" b="0" dirty="0"/>
+                        <a:t>9</a:t>
+                      </a:r>
+                    </a:p>
+                  </a:txBody>
+                  <a:tcPr anchor="ctr"/>
+                </a:tc>
+                <a:tc>
+                  <a:txBody>
+                    <a:bodyPr/>
+                    <a:lstStyle/>
+                    <a:p>
+                      <a:pPr algn="ctr"/>
+                      <a:r>
+                        <a:rPr lang="en-US" sz="1600" b="0" dirty="0"/>
+                        <a:t>10</a:t>
+                      </a:r>
+                    </a:p>
+                  </a:txBody>
+                  <a:tcPr anchor="ctr"/>
+                </a:tc>
+                <a:extLst>
+                  <a:ext uri="{0D108BD9-81ED-4DB2-BD59-A6C34878D82A}">
+                    <a16:rowId xmlns:a16="http://schemas.microsoft.com/office/drawing/2014/main" val="3432947557"/>
+                  </a:ext>
+                </a:extLst>
+              </a:tr>
+              <a:tr h="627427">
+                <a:tc>
+                  <a:txBody>
+                    <a:bodyPr/>
+                    <a:lstStyle/>
+                    <a:p>
+                      <a:pPr algn="ctr"/>
+                      <a:r>
+                        <a:rPr lang="en-US" sz="1600" dirty="0">
+                          <a:solidFill>
+                            <a:schemeClr val="bg1"/>
+                          </a:solidFill>
+                        </a:rPr>
+                        <a:t>Root</a:t>
+                      </a:r>
+                    </a:p>
+                  </a:txBody>
+                  <a:tcPr anchor="ctr">
+                    <a:solidFill>
+                      <a:schemeClr val="accent1"/>
+                    </a:solidFill>
+                  </a:tcPr>
+                </a:tc>
+                <a:tc>
+                  <a:txBody>
+                    <a:bodyPr/>
+                    <a:lstStyle/>
+                    <a:p>
+                      <a:pPr algn="ctr"/>
+                      <a:endParaRPr lang="en-US" sz="1600" dirty="0"/>
+                    </a:p>
+                  </a:txBody>
+                  <a:tcPr anchor="ctr"/>
+                </a:tc>
+                <a:tc>
+                  <a:txBody>
+                    <a:bodyPr/>
+                    <a:lstStyle/>
+                    <a:p>
+                      <a:pPr algn="ctr"/>
+                      <a:endParaRPr lang="en-US" sz="1600"/>
+                    </a:p>
+                  </a:txBody>
+                  <a:tcPr anchor="ctr"/>
+                </a:tc>
+                <a:tc>
+                  <a:txBody>
+                    <a:bodyPr/>
+                    <a:lstStyle/>
+                    <a:p>
+                      <a:pPr algn="ctr"/>
+                      <a:endParaRPr lang="en-US" sz="1600"/>
+                    </a:p>
+                  </a:txBody>
+                  <a:tcPr anchor="ctr"/>
+                </a:tc>
+                <a:tc>
+                  <a:txBody>
+                    <a:bodyPr/>
+                    <a:lstStyle/>
+                    <a:p>
+                      <a:pPr algn="ctr"/>
+                      <a:endParaRPr lang="en-US" sz="1600"/>
+                    </a:p>
+                  </a:txBody>
+                  <a:tcPr anchor="ctr"/>
+                </a:tc>
+                <a:tc>
+                  <a:txBody>
+                    <a:bodyPr/>
+                    <a:lstStyle/>
+                    <a:p>
+                      <a:pPr algn="ctr"/>
+                      <a:endParaRPr lang="en-US" sz="1600"/>
+                    </a:p>
+                  </a:txBody>
+                  <a:tcPr anchor="ctr"/>
+                </a:tc>
+                <a:tc>
+                  <a:txBody>
+                    <a:bodyPr/>
+                    <a:lstStyle/>
+                    <a:p>
+                      <a:pPr algn="ctr"/>
+                      <a:endParaRPr lang="en-US" sz="1600"/>
+                    </a:p>
+                  </a:txBody>
+                  <a:tcPr anchor="ctr"/>
+                </a:tc>
+                <a:tc>
+                  <a:txBody>
+                    <a:bodyPr/>
+                    <a:lstStyle/>
+                    <a:p>
+                      <a:pPr algn="ctr"/>
+                      <a:endParaRPr lang="en-US" sz="1600"/>
+                    </a:p>
+                  </a:txBody>
+                  <a:tcPr anchor="ctr"/>
+                </a:tc>
+                <a:tc>
+                  <a:txBody>
+                    <a:bodyPr/>
+                    <a:lstStyle/>
+                    <a:p>
+                      <a:pPr algn="ctr"/>
+                      <a:endParaRPr lang="en-US" sz="1600"/>
+                    </a:p>
+                  </a:txBody>
+                  <a:tcPr anchor="ctr"/>
+                </a:tc>
+                <a:tc>
+                  <a:txBody>
+                    <a:bodyPr/>
+                    <a:lstStyle/>
+                    <a:p>
+                      <a:pPr algn="ctr"/>
+                      <a:endParaRPr lang="en-US" sz="1600" dirty="0"/>
+                    </a:p>
+                  </a:txBody>
+                  <a:tcPr anchor="ctr"/>
+                </a:tc>
+                <a:tc>
+                  <a:txBody>
+                    <a:bodyPr/>
+                    <a:lstStyle/>
+                    <a:p>
+                      <a:pPr algn="ctr"/>
+                      <a:endParaRPr lang="en-US" sz="1600"/>
+                    </a:p>
+                  </a:txBody>
+                  <a:tcPr anchor="ctr"/>
+                </a:tc>
+                <a:extLst>
+                  <a:ext uri="{0D108BD9-81ED-4DB2-BD59-A6C34878D82A}">
+                    <a16:rowId xmlns:a16="http://schemas.microsoft.com/office/drawing/2014/main" val="3894760842"/>
+                  </a:ext>
+                </a:extLst>
+              </a:tr>
+              <a:tr h="425913">
+                <a:tc>
+                  <a:txBody>
+                    <a:bodyPr/>
+                    <a:lstStyle/>
+                    <a:p>
+                      <a:pPr algn="ctr"/>
+                      <a:r>
+                        <a:rPr lang="en-US" sz="1600" dirty="0">
+                          <a:solidFill>
+                            <a:schemeClr val="bg1"/>
+                          </a:solidFill>
+                        </a:rPr>
+                        <a:t>1</a:t>
+                      </a:r>
+                    </a:p>
+                  </a:txBody>
+                  <a:tcPr anchor="ctr">
+                    <a:solidFill>
+                      <a:schemeClr val="accent1"/>
+                    </a:solidFill>
+                  </a:tcPr>
+                </a:tc>
+                <a:tc>
+                  <a:txBody>
+                    <a:bodyPr/>
+                    <a:lstStyle/>
+                    <a:p>
+                      <a:pPr algn="ctr"/>
+                      <a:endParaRPr lang="en-US" sz="1600" dirty="0"/>
+                    </a:p>
+                  </a:txBody>
+                  <a:tcPr anchor="ctr">
+                    <a:solidFill>
+                      <a:schemeClr val="bg2">
+                        <a:lumMod val="50000"/>
+                      </a:schemeClr>
+                    </a:solidFill>
+                  </a:tcPr>
+                </a:tc>
+                <a:tc>
+                  <a:txBody>
+                    <a:bodyPr/>
+                    <a:lstStyle/>
+                    <a:p>
+                      <a:pPr algn="ctr"/>
+                      <a:endParaRPr lang="en-US" sz="1600"/>
+                    </a:p>
+                  </a:txBody>
+                  <a:tcPr anchor="ctr"/>
+                </a:tc>
+                <a:tc>
+                  <a:txBody>
+                    <a:bodyPr/>
+                    <a:lstStyle/>
+                    <a:p>
+                      <a:pPr algn="ctr"/>
+                      <a:endParaRPr lang="en-US" sz="1600"/>
+                    </a:p>
+                  </a:txBody>
+                  <a:tcPr anchor="ctr"/>
+                </a:tc>
+                <a:tc>
+                  <a:txBody>
+                    <a:bodyPr/>
+                    <a:lstStyle/>
+                    <a:p>
+                      <a:pPr algn="ctr"/>
+                      <a:endParaRPr lang="en-US" sz="1600"/>
+                    </a:p>
+                  </a:txBody>
+                  <a:tcPr anchor="ctr"/>
+                </a:tc>
+                <a:tc>
+                  <a:txBody>
+                    <a:bodyPr/>
+                    <a:lstStyle/>
+                    <a:p>
+                      <a:pPr algn="ctr"/>
+                      <a:endParaRPr lang="en-US" sz="1600"/>
+                    </a:p>
+                  </a:txBody>
+                  <a:tcPr anchor="ctr"/>
+                </a:tc>
+                <a:tc>
+                  <a:txBody>
+                    <a:bodyPr/>
+                    <a:lstStyle/>
+                    <a:p>
+                      <a:pPr algn="ctr"/>
+                      <a:endParaRPr lang="en-US" sz="1600"/>
+                    </a:p>
+                  </a:txBody>
+                  <a:tcPr anchor="ctr"/>
+                </a:tc>
+                <a:tc>
+                  <a:txBody>
+                    <a:bodyPr/>
+                    <a:lstStyle/>
+                    <a:p>
+                      <a:pPr algn="ctr"/>
+                      <a:endParaRPr lang="en-US" sz="1600"/>
+                    </a:p>
+                  </a:txBody>
+                  <a:tcPr anchor="ctr"/>
+                </a:tc>
+                <a:tc>
+                  <a:txBody>
+                    <a:bodyPr/>
+                    <a:lstStyle/>
+                    <a:p>
+                      <a:pPr algn="ctr"/>
+                      <a:endParaRPr lang="en-US" sz="1600"/>
+                    </a:p>
+                  </a:txBody>
+                  <a:tcPr anchor="ctr"/>
+                </a:tc>
+                <a:tc>
+                  <a:txBody>
+                    <a:bodyPr/>
+                    <a:lstStyle/>
+                    <a:p>
+                      <a:pPr algn="ctr"/>
+                      <a:endParaRPr lang="en-US" sz="1600" dirty="0"/>
+                    </a:p>
+                  </a:txBody>
+                  <a:tcPr anchor="ctr"/>
+                </a:tc>
+                <a:tc>
+                  <a:txBody>
+                    <a:bodyPr/>
+                    <a:lstStyle/>
+                    <a:p>
+                      <a:pPr algn="ctr"/>
+                      <a:endParaRPr lang="en-US" sz="1600" dirty="0"/>
+                    </a:p>
+                  </a:txBody>
+                  <a:tcPr anchor="ctr"/>
+                </a:tc>
+                <a:extLst>
+                  <a:ext uri="{0D108BD9-81ED-4DB2-BD59-A6C34878D82A}">
+                    <a16:rowId xmlns:a16="http://schemas.microsoft.com/office/drawing/2014/main" val="975743077"/>
+                  </a:ext>
+                </a:extLst>
+              </a:tr>
+              <a:tr h="425913">
+                <a:tc>
+                  <a:txBody>
+                    <a:bodyPr/>
+                    <a:lstStyle/>
+                    <a:p>
+                      <a:pPr algn="ctr"/>
+                      <a:r>
+                        <a:rPr lang="en-US" sz="1600" dirty="0">
+                          <a:solidFill>
+                            <a:schemeClr val="bg1"/>
+                          </a:solidFill>
+                        </a:rPr>
+                        <a:t>2</a:t>
+                      </a:r>
+                    </a:p>
+                  </a:txBody>
+                  <a:tcPr anchor="ctr">
+                    <a:solidFill>
+                      <a:schemeClr val="accent1"/>
+                    </a:solidFill>
+                  </a:tcPr>
+                </a:tc>
+                <a:tc>
+                  <a:txBody>
+                    <a:bodyPr/>
+                    <a:lstStyle/>
+                    <a:p>
+                      <a:pPr algn="ctr"/>
+                      <a:endParaRPr lang="en-US" sz="1600"/>
+                    </a:p>
+                  </a:txBody>
+                  <a:tcPr anchor="ctr"/>
+                </a:tc>
+                <a:tc>
+                  <a:txBody>
+                    <a:bodyPr/>
+                    <a:lstStyle/>
+                    <a:p>
+                      <a:pPr algn="ctr"/>
+                      <a:endParaRPr lang="en-US" sz="1600" dirty="0"/>
+                    </a:p>
+                  </a:txBody>
+                  <a:tcPr anchor="ctr">
+                    <a:solidFill>
+                      <a:schemeClr val="bg2">
+                        <a:lumMod val="50000"/>
+                      </a:schemeClr>
+                    </a:solidFill>
+                  </a:tcPr>
+                </a:tc>
+                <a:tc>
+                  <a:txBody>
+                    <a:bodyPr/>
+                    <a:lstStyle/>
+                    <a:p>
+                      <a:pPr algn="ctr"/>
+                      <a:endParaRPr lang="en-US" sz="1600"/>
+                    </a:p>
+                  </a:txBody>
+                  <a:tcPr anchor="ctr"/>
+                </a:tc>
+                <a:tc>
+                  <a:txBody>
+                    <a:bodyPr/>
+                    <a:lstStyle/>
+                    <a:p>
+                      <a:pPr algn="ctr"/>
+                      <a:endParaRPr lang="en-US" sz="1600"/>
+                    </a:p>
+                  </a:txBody>
+                  <a:tcPr anchor="ctr"/>
+                </a:tc>
+                <a:tc>
+                  <a:txBody>
+                    <a:bodyPr/>
+                    <a:lstStyle/>
+                    <a:p>
+                      <a:pPr algn="ctr"/>
+                      <a:endParaRPr lang="en-US" sz="1600"/>
+                    </a:p>
+                  </a:txBody>
+                  <a:tcPr anchor="ctr"/>
+                </a:tc>
+                <a:tc>
+                  <a:txBody>
+                    <a:bodyPr/>
+                    <a:lstStyle/>
+                    <a:p>
+                      <a:pPr algn="ctr"/>
+                      <a:endParaRPr lang="en-US" sz="1600"/>
+                    </a:p>
+                  </a:txBody>
+                  <a:tcPr anchor="ctr"/>
+                </a:tc>
+                <a:tc>
+                  <a:txBody>
+                    <a:bodyPr/>
+                    <a:lstStyle/>
+                    <a:p>
+                      <a:pPr algn="ctr"/>
+                      <a:endParaRPr lang="en-US" sz="1600"/>
+                    </a:p>
+                  </a:txBody>
+                  <a:tcPr anchor="ctr"/>
+                </a:tc>
+                <a:tc>
+                  <a:txBody>
+                    <a:bodyPr/>
+                    <a:lstStyle/>
+                    <a:p>
+                      <a:pPr algn="ctr"/>
+                      <a:endParaRPr lang="en-US" sz="1600"/>
+                    </a:p>
+                  </a:txBody>
+                  <a:tcPr anchor="ctr"/>
+                </a:tc>
+                <a:tc>
+                  <a:txBody>
+                    <a:bodyPr/>
+                    <a:lstStyle/>
+                    <a:p>
+                      <a:pPr algn="ctr"/>
+                      <a:endParaRPr lang="en-US" sz="1600"/>
+                    </a:p>
+                  </a:txBody>
+                  <a:tcPr anchor="ctr"/>
+                </a:tc>
+                <a:tc>
+                  <a:txBody>
+                    <a:bodyPr/>
+                    <a:lstStyle/>
+                    <a:p>
+                      <a:pPr algn="ctr"/>
+                      <a:endParaRPr lang="en-US" sz="1600"/>
+                    </a:p>
+                  </a:txBody>
+                  <a:tcPr anchor="ctr"/>
+                </a:tc>
+                <a:extLst>
+                  <a:ext uri="{0D108BD9-81ED-4DB2-BD59-A6C34878D82A}">
+                    <a16:rowId xmlns:a16="http://schemas.microsoft.com/office/drawing/2014/main" val="3485857920"/>
+                  </a:ext>
+                </a:extLst>
+              </a:tr>
+              <a:tr h="425913">
+                <a:tc>
+                  <a:txBody>
+                    <a:bodyPr/>
+                    <a:lstStyle/>
+                    <a:p>
+                      <a:pPr algn="ctr"/>
+                      <a:r>
+                        <a:rPr lang="en-US" sz="1600" dirty="0">
+                          <a:solidFill>
+                            <a:schemeClr val="bg1"/>
+                          </a:solidFill>
+                        </a:rPr>
+                        <a:t>3</a:t>
+                      </a:r>
+                    </a:p>
+                  </a:txBody>
+                  <a:tcPr anchor="ctr">
+                    <a:solidFill>
+                      <a:schemeClr val="accent1"/>
+                    </a:solidFill>
+                  </a:tcPr>
+                </a:tc>
+                <a:tc>
+                  <a:txBody>
+                    <a:bodyPr/>
+                    <a:lstStyle/>
+                    <a:p>
+                      <a:pPr algn="ctr"/>
+                      <a:r>
+                        <a:rPr lang="en-US" sz="1600" dirty="0"/>
+                        <a:t>-</a:t>
+                      </a:r>
+                    </a:p>
+                  </a:txBody>
+                  <a:tcPr anchor="ctr">
+                    <a:solidFill>
+                      <a:schemeClr val="bg2">
+                        <a:lumMod val="75000"/>
+                      </a:schemeClr>
+                    </a:solidFill>
+                  </a:tcPr>
+                </a:tc>
+                <a:tc>
+                  <a:txBody>
+                    <a:bodyPr/>
+                    <a:lstStyle/>
+                    <a:p>
+                      <a:pPr algn="ctr"/>
+                      <a:r>
+                        <a:rPr lang="en-US" sz="1600" dirty="0"/>
+                        <a:t>-</a:t>
+                      </a:r>
+                    </a:p>
+                  </a:txBody>
+                  <a:tcPr anchor="ctr">
+                    <a:solidFill>
+                      <a:schemeClr val="bg2">
+                        <a:lumMod val="75000"/>
+                      </a:schemeClr>
+                    </a:solidFill>
+                  </a:tcPr>
+                </a:tc>
+                <a:tc>
+                  <a:txBody>
+                    <a:bodyPr/>
+                    <a:lstStyle/>
+                    <a:p>
+                      <a:pPr algn="ctr"/>
+                      <a:endParaRPr lang="en-US" sz="1600" dirty="0"/>
+                    </a:p>
+                  </a:txBody>
+                  <a:tcPr anchor="ctr">
+                    <a:solidFill>
+                      <a:schemeClr val="bg2">
+                        <a:lumMod val="50000"/>
+                      </a:schemeClr>
+                    </a:solidFill>
+                  </a:tcPr>
+                </a:tc>
+                <a:tc>
+                  <a:txBody>
+                    <a:bodyPr/>
+                    <a:lstStyle/>
+                    <a:p>
+                      <a:pPr algn="ctr"/>
+                      <a:endParaRPr lang="en-US" sz="1600"/>
+                    </a:p>
+                  </a:txBody>
+                  <a:tcPr anchor="ctr"/>
+                </a:tc>
+                <a:tc>
+                  <a:txBody>
+                    <a:bodyPr/>
+                    <a:lstStyle/>
+                    <a:p>
+                      <a:pPr algn="ctr"/>
+                      <a:endParaRPr lang="en-US" sz="1600" dirty="0"/>
+                    </a:p>
+                  </a:txBody>
+                  <a:tcPr anchor="ctr"/>
+                </a:tc>
+                <a:tc>
+                  <a:txBody>
+                    <a:bodyPr/>
+                    <a:lstStyle/>
+                    <a:p>
+                      <a:pPr algn="ctr"/>
+                      <a:r>
+                        <a:rPr lang="en-US" sz="1600" dirty="0"/>
+                        <a:t>-</a:t>
+                      </a:r>
+                    </a:p>
+                  </a:txBody>
+                  <a:tcPr anchor="ctr">
+                    <a:solidFill>
+                      <a:schemeClr val="bg2">
+                        <a:lumMod val="75000"/>
+                      </a:schemeClr>
+                    </a:solidFill>
+                  </a:tcPr>
+                </a:tc>
+                <a:tc>
+                  <a:txBody>
+                    <a:bodyPr/>
+                    <a:lstStyle/>
+                    <a:p>
+                      <a:pPr algn="ctr"/>
+                      <a:r>
+                        <a:rPr lang="en-US" sz="1600" dirty="0"/>
+                        <a:t>-</a:t>
+                      </a:r>
+                    </a:p>
+                  </a:txBody>
+                  <a:tcPr anchor="ctr">
+                    <a:solidFill>
+                      <a:schemeClr val="bg2">
+                        <a:lumMod val="75000"/>
+                      </a:schemeClr>
+                    </a:solidFill>
+                  </a:tcPr>
+                </a:tc>
+                <a:tc>
+                  <a:txBody>
+                    <a:bodyPr/>
+                    <a:lstStyle/>
+                    <a:p>
+                      <a:pPr algn="ctr"/>
+                      <a:endParaRPr lang="en-US" sz="1600"/>
+                    </a:p>
+                  </a:txBody>
+                  <a:tcPr anchor="ctr"/>
+                </a:tc>
+                <a:tc>
+                  <a:txBody>
+                    <a:bodyPr/>
+                    <a:lstStyle/>
+                    <a:p>
+                      <a:pPr algn="ctr"/>
+                      <a:endParaRPr lang="en-US" sz="1600"/>
+                    </a:p>
+                  </a:txBody>
+                  <a:tcPr anchor="ctr"/>
+                </a:tc>
+                <a:tc>
+                  <a:txBody>
+                    <a:bodyPr/>
+                    <a:lstStyle/>
+                    <a:p>
+                      <a:pPr algn="ctr"/>
+                      <a:r>
+                        <a:rPr lang="en-US" sz="1600" dirty="0"/>
+                        <a:t>-</a:t>
+                      </a:r>
+                    </a:p>
+                  </a:txBody>
+                  <a:tcPr anchor="ctr">
+                    <a:solidFill>
+                      <a:schemeClr val="bg2">
+                        <a:lumMod val="75000"/>
+                      </a:schemeClr>
+                    </a:solidFill>
+                  </a:tcPr>
+                </a:tc>
+                <a:extLst>
+                  <a:ext uri="{0D108BD9-81ED-4DB2-BD59-A6C34878D82A}">
+                    <a16:rowId xmlns:a16="http://schemas.microsoft.com/office/drawing/2014/main" val="3971703997"/>
+                  </a:ext>
+                </a:extLst>
+              </a:tr>
+              <a:tr h="425913">
+                <a:tc>
+                  <a:txBody>
+                    <a:bodyPr/>
+                    <a:lstStyle/>
+                    <a:p>
+                      <a:pPr algn="ctr"/>
+                      <a:r>
+                        <a:rPr lang="en-US" sz="1600" dirty="0">
+                          <a:solidFill>
+                            <a:schemeClr val="bg1"/>
+                          </a:solidFill>
+                        </a:rPr>
+                        <a:t>4</a:t>
+                      </a:r>
+                    </a:p>
+                  </a:txBody>
+                  <a:tcPr anchor="ctr">
+                    <a:solidFill>
+                      <a:schemeClr val="accent1"/>
+                    </a:solidFill>
+                  </a:tcPr>
+                </a:tc>
+                <a:tc>
+                  <a:txBody>
+                    <a:bodyPr/>
+                    <a:lstStyle/>
+                    <a:p>
+                      <a:pPr algn="ctr"/>
+                      <a:r>
+                        <a:rPr lang="en-US" sz="1600" dirty="0"/>
+                        <a:t>-</a:t>
+                      </a:r>
+                    </a:p>
+                  </a:txBody>
+                  <a:tcPr anchor="ctr">
+                    <a:solidFill>
+                      <a:schemeClr val="bg2">
+                        <a:lumMod val="75000"/>
+                      </a:schemeClr>
+                    </a:solidFill>
+                  </a:tcPr>
+                </a:tc>
+                <a:tc>
+                  <a:txBody>
+                    <a:bodyPr/>
+                    <a:lstStyle/>
+                    <a:p>
+                      <a:pPr algn="ctr"/>
+                      <a:r>
+                        <a:rPr lang="en-US" sz="1600" dirty="0"/>
+                        <a:t>-</a:t>
+                      </a:r>
+                    </a:p>
+                  </a:txBody>
+                  <a:tcPr anchor="ctr">
+                    <a:solidFill>
+                      <a:schemeClr val="bg2">
+                        <a:lumMod val="75000"/>
+                      </a:schemeClr>
+                    </a:solidFill>
+                  </a:tcPr>
+                </a:tc>
+                <a:tc>
+                  <a:txBody>
+                    <a:bodyPr/>
+                    <a:lstStyle/>
+                    <a:p>
+                      <a:pPr algn="ctr"/>
+                      <a:endParaRPr lang="en-US" sz="1600" dirty="0"/>
+                    </a:p>
+                  </a:txBody>
+                  <a:tcPr anchor="ctr"/>
+                </a:tc>
+                <a:tc>
+                  <a:txBody>
+                    <a:bodyPr/>
+                    <a:lstStyle/>
+                    <a:p>
+                      <a:pPr algn="ctr"/>
+                      <a:endParaRPr lang="en-US" sz="1600" dirty="0"/>
+                    </a:p>
+                  </a:txBody>
+                  <a:tcPr anchor="ctr">
+                    <a:solidFill>
+                      <a:schemeClr val="bg2">
+                        <a:lumMod val="50000"/>
+                      </a:schemeClr>
+                    </a:solidFill>
+                  </a:tcPr>
+                </a:tc>
+                <a:tc>
+                  <a:txBody>
+                    <a:bodyPr/>
+                    <a:lstStyle/>
+                    <a:p>
+                      <a:pPr algn="ctr"/>
+                      <a:endParaRPr lang="en-US" sz="1600"/>
+                    </a:p>
+                  </a:txBody>
+                  <a:tcPr anchor="ctr"/>
+                </a:tc>
+                <a:tc>
+                  <a:txBody>
+                    <a:bodyPr/>
+                    <a:lstStyle/>
+                    <a:p>
+                      <a:pPr algn="ctr"/>
+                      <a:r>
+                        <a:rPr lang="en-US" sz="1600" dirty="0"/>
+                        <a:t>-</a:t>
+                      </a:r>
+                    </a:p>
+                  </a:txBody>
+                  <a:tcPr anchor="ctr">
+                    <a:solidFill>
+                      <a:schemeClr val="bg2">
+                        <a:lumMod val="75000"/>
+                      </a:schemeClr>
+                    </a:solidFill>
+                  </a:tcPr>
+                </a:tc>
+                <a:tc>
+                  <a:txBody>
+                    <a:bodyPr/>
+                    <a:lstStyle/>
+                    <a:p>
+                      <a:pPr algn="ctr"/>
+                      <a:r>
+                        <a:rPr lang="en-US" sz="1600" dirty="0"/>
+                        <a:t>-</a:t>
+                      </a:r>
+                    </a:p>
+                  </a:txBody>
+                  <a:tcPr anchor="ctr">
+                    <a:solidFill>
+                      <a:schemeClr val="bg2">
+                        <a:lumMod val="75000"/>
+                      </a:schemeClr>
+                    </a:solidFill>
+                  </a:tcPr>
+                </a:tc>
+                <a:tc>
+                  <a:txBody>
+                    <a:bodyPr/>
+                    <a:lstStyle/>
+                    <a:p>
+                      <a:pPr algn="ctr"/>
+                      <a:endParaRPr lang="en-US" sz="1600"/>
+                    </a:p>
+                  </a:txBody>
+                  <a:tcPr anchor="ctr"/>
+                </a:tc>
+                <a:tc>
+                  <a:txBody>
+                    <a:bodyPr/>
+                    <a:lstStyle/>
+                    <a:p>
+                      <a:pPr algn="ctr"/>
+                      <a:endParaRPr lang="en-US" sz="1600"/>
+                    </a:p>
+                  </a:txBody>
+                  <a:tcPr anchor="ctr"/>
+                </a:tc>
+                <a:tc>
+                  <a:txBody>
+                    <a:bodyPr/>
+                    <a:lstStyle/>
+                    <a:p>
+                      <a:pPr algn="ctr"/>
+                      <a:r>
+                        <a:rPr lang="en-US" sz="1600" dirty="0"/>
+                        <a:t>-</a:t>
+                      </a:r>
+                    </a:p>
+                  </a:txBody>
+                  <a:tcPr anchor="ctr">
+                    <a:solidFill>
+                      <a:schemeClr val="bg2">
+                        <a:lumMod val="75000"/>
+                      </a:schemeClr>
+                    </a:solidFill>
+                  </a:tcPr>
+                </a:tc>
+                <a:extLst>
+                  <a:ext uri="{0D108BD9-81ED-4DB2-BD59-A6C34878D82A}">
+                    <a16:rowId xmlns:a16="http://schemas.microsoft.com/office/drawing/2014/main" val="4216095044"/>
+                  </a:ext>
+                </a:extLst>
+              </a:tr>
+              <a:tr h="425913">
+                <a:tc>
+                  <a:txBody>
+                    <a:bodyPr/>
+                    <a:lstStyle/>
+                    <a:p>
+                      <a:pPr algn="ctr"/>
+                      <a:r>
+                        <a:rPr lang="en-US" sz="1600" dirty="0">
+                          <a:solidFill>
+                            <a:schemeClr val="bg1"/>
+                          </a:solidFill>
+                        </a:rPr>
+                        <a:t>5</a:t>
+                      </a:r>
+                    </a:p>
+                  </a:txBody>
+                  <a:tcPr anchor="ctr">
+                    <a:solidFill>
+                      <a:schemeClr val="accent1"/>
+                    </a:solidFill>
+                  </a:tcPr>
+                </a:tc>
+                <a:tc>
+                  <a:txBody>
+                    <a:bodyPr/>
+                    <a:lstStyle/>
+                    <a:p>
+                      <a:pPr algn="ctr"/>
+                      <a:r>
+                        <a:rPr lang="en-US" sz="1600" dirty="0"/>
+                        <a:t>-</a:t>
+                      </a:r>
+                    </a:p>
+                  </a:txBody>
+                  <a:tcPr anchor="ctr">
+                    <a:solidFill>
+                      <a:schemeClr val="bg2">
+                        <a:lumMod val="75000"/>
+                      </a:schemeClr>
+                    </a:solidFill>
+                  </a:tcPr>
+                </a:tc>
+                <a:tc>
+                  <a:txBody>
+                    <a:bodyPr/>
+                    <a:lstStyle/>
+                    <a:p>
+                      <a:pPr algn="ctr"/>
+                      <a:r>
+                        <a:rPr lang="en-US" sz="1600" dirty="0"/>
+                        <a:t>-</a:t>
+                      </a:r>
+                    </a:p>
+                  </a:txBody>
+                  <a:tcPr anchor="ctr">
+                    <a:solidFill>
+                      <a:schemeClr val="bg2">
+                        <a:lumMod val="75000"/>
+                      </a:schemeClr>
+                    </a:solidFill>
+                  </a:tcPr>
+                </a:tc>
+                <a:tc>
+                  <a:txBody>
+                    <a:bodyPr/>
+                    <a:lstStyle/>
+                    <a:p>
+                      <a:pPr algn="ctr"/>
+                      <a:endParaRPr lang="en-US" sz="1600"/>
+                    </a:p>
+                  </a:txBody>
+                  <a:tcPr anchor="ctr"/>
+                </a:tc>
+                <a:tc>
+                  <a:txBody>
+                    <a:bodyPr/>
+                    <a:lstStyle/>
+                    <a:p>
+                      <a:pPr algn="ctr"/>
+                      <a:endParaRPr lang="en-US" sz="1600"/>
+                    </a:p>
+                  </a:txBody>
+                  <a:tcPr anchor="ctr"/>
+                </a:tc>
+                <a:tc>
+                  <a:txBody>
+                    <a:bodyPr/>
+                    <a:lstStyle/>
+                    <a:p>
+                      <a:pPr algn="ctr"/>
+                      <a:endParaRPr lang="en-US" sz="1600" dirty="0"/>
+                    </a:p>
+                  </a:txBody>
+                  <a:tcPr anchor="ctr">
+                    <a:solidFill>
+                      <a:schemeClr val="bg2">
+                        <a:lumMod val="50000"/>
+                      </a:schemeClr>
+                    </a:solidFill>
+                  </a:tcPr>
+                </a:tc>
+                <a:tc>
+                  <a:txBody>
+                    <a:bodyPr/>
+                    <a:lstStyle/>
+                    <a:p>
+                      <a:pPr algn="ctr"/>
+                      <a:r>
+                        <a:rPr lang="en-US" sz="1600" dirty="0"/>
+                        <a:t>-</a:t>
+                      </a:r>
+                    </a:p>
+                  </a:txBody>
+                  <a:tcPr anchor="ctr">
+                    <a:solidFill>
+                      <a:schemeClr val="bg2">
+                        <a:lumMod val="75000"/>
+                      </a:schemeClr>
+                    </a:solidFill>
+                  </a:tcPr>
+                </a:tc>
+                <a:tc>
+                  <a:txBody>
+                    <a:bodyPr/>
+                    <a:lstStyle/>
+                    <a:p>
+                      <a:pPr algn="ctr"/>
+                      <a:r>
+                        <a:rPr lang="en-US" sz="1600" dirty="0"/>
+                        <a:t>-</a:t>
+                      </a:r>
+                    </a:p>
+                  </a:txBody>
+                  <a:tcPr anchor="ctr">
+                    <a:solidFill>
+                      <a:schemeClr val="bg2">
+                        <a:lumMod val="75000"/>
+                      </a:schemeClr>
+                    </a:solidFill>
+                  </a:tcPr>
+                </a:tc>
+                <a:tc>
+                  <a:txBody>
+                    <a:bodyPr/>
+                    <a:lstStyle/>
+                    <a:p>
+                      <a:pPr algn="ctr"/>
+                      <a:endParaRPr lang="en-US" sz="1600"/>
+                    </a:p>
+                  </a:txBody>
+                  <a:tcPr anchor="ctr"/>
+                </a:tc>
+                <a:tc>
+                  <a:txBody>
+                    <a:bodyPr/>
+                    <a:lstStyle/>
+                    <a:p>
+                      <a:pPr algn="ctr"/>
+                      <a:endParaRPr lang="en-US" sz="1600"/>
+                    </a:p>
+                  </a:txBody>
+                  <a:tcPr anchor="ctr"/>
+                </a:tc>
+                <a:tc>
+                  <a:txBody>
+                    <a:bodyPr/>
+                    <a:lstStyle/>
+                    <a:p>
+                      <a:pPr algn="ctr"/>
+                      <a:r>
+                        <a:rPr lang="en-US" sz="1600" dirty="0"/>
+                        <a:t>-</a:t>
+                      </a:r>
+                    </a:p>
+                  </a:txBody>
+                  <a:tcPr anchor="ctr">
+                    <a:solidFill>
+                      <a:schemeClr val="bg2">
+                        <a:lumMod val="75000"/>
+                      </a:schemeClr>
+                    </a:solidFill>
+                  </a:tcPr>
+                </a:tc>
+                <a:extLst>
+                  <a:ext uri="{0D108BD9-81ED-4DB2-BD59-A6C34878D82A}">
+                    <a16:rowId xmlns:a16="http://schemas.microsoft.com/office/drawing/2014/main" val="2237266844"/>
+                  </a:ext>
+                </a:extLst>
+              </a:tr>
+              <a:tr h="425913">
+                <a:tc>
+                  <a:txBody>
+                    <a:bodyPr/>
+                    <a:lstStyle/>
+                    <a:p>
+                      <a:pPr algn="ctr"/>
+                      <a:r>
+                        <a:rPr lang="en-US" sz="1600" dirty="0">
+                          <a:solidFill>
+                            <a:schemeClr val="bg1"/>
+                          </a:solidFill>
+                        </a:rPr>
+                        <a:t>6</a:t>
+                      </a:r>
+                    </a:p>
+                  </a:txBody>
+                  <a:tcPr anchor="ctr">
+                    <a:solidFill>
+                      <a:schemeClr val="accent1"/>
+                    </a:solidFill>
+                  </a:tcPr>
+                </a:tc>
+                <a:tc>
+                  <a:txBody>
+                    <a:bodyPr/>
+                    <a:lstStyle/>
+                    <a:p>
+                      <a:pPr algn="ctr"/>
+                      <a:r>
+                        <a:rPr lang="en-US" sz="1600" dirty="0"/>
+                        <a:t>-</a:t>
+                      </a:r>
+                    </a:p>
+                  </a:txBody>
+                  <a:tcPr anchor="ctr">
+                    <a:solidFill>
+                      <a:schemeClr val="bg2">
+                        <a:lumMod val="75000"/>
+                      </a:schemeClr>
+                    </a:solidFill>
+                  </a:tcPr>
+                </a:tc>
+                <a:tc>
+                  <a:txBody>
+                    <a:bodyPr/>
+                    <a:lstStyle/>
+                    <a:p>
+                      <a:pPr algn="ctr"/>
+                      <a:r>
+                        <a:rPr lang="en-US" sz="1600" dirty="0"/>
+                        <a:t>-</a:t>
+                      </a:r>
+                    </a:p>
+                  </a:txBody>
+                  <a:tcPr anchor="ctr">
+                    <a:solidFill>
+                      <a:schemeClr val="bg2">
+                        <a:lumMod val="75000"/>
+                      </a:schemeClr>
+                    </a:solidFill>
+                  </a:tcPr>
+                </a:tc>
+                <a:tc>
+                  <a:txBody>
+                    <a:bodyPr/>
+                    <a:lstStyle/>
+                    <a:p>
+                      <a:pPr algn="ctr"/>
+                      <a:r>
+                        <a:rPr lang="en-US" sz="1600" dirty="0"/>
+                        <a:t>-</a:t>
+                      </a:r>
+                    </a:p>
+                  </a:txBody>
+                  <a:tcPr anchor="ctr">
+                    <a:solidFill>
+                      <a:schemeClr val="bg2">
+                        <a:lumMod val="75000"/>
+                      </a:schemeClr>
+                    </a:solidFill>
+                  </a:tcPr>
+                </a:tc>
+                <a:tc>
+                  <a:txBody>
+                    <a:bodyPr/>
+                    <a:lstStyle/>
+                    <a:p>
+                      <a:pPr algn="ctr"/>
+                      <a:r>
+                        <a:rPr lang="en-US" sz="1600" dirty="0"/>
+                        <a:t>-</a:t>
+                      </a:r>
+                    </a:p>
+                  </a:txBody>
+                  <a:tcPr anchor="ctr">
+                    <a:solidFill>
+                      <a:schemeClr val="bg2">
+                        <a:lumMod val="75000"/>
+                      </a:schemeClr>
+                    </a:solidFill>
+                  </a:tcPr>
+                </a:tc>
+                <a:tc>
+                  <a:txBody>
+                    <a:bodyPr/>
+                    <a:lstStyle/>
+                    <a:p>
+                      <a:pPr algn="ctr"/>
+                      <a:r>
+                        <a:rPr lang="en-US" sz="1600" dirty="0"/>
+                        <a:t>-</a:t>
+                      </a:r>
+                    </a:p>
+                  </a:txBody>
+                  <a:tcPr anchor="ctr">
+                    <a:solidFill>
+                      <a:schemeClr val="bg2">
+                        <a:lumMod val="75000"/>
+                      </a:schemeClr>
+                    </a:solidFill>
+                  </a:tcPr>
+                </a:tc>
+                <a:tc>
+                  <a:txBody>
+                    <a:bodyPr/>
+                    <a:lstStyle/>
+                    <a:p>
+                      <a:pPr algn="ctr"/>
+                      <a:endParaRPr lang="en-US" sz="1600" dirty="0"/>
+                    </a:p>
+                  </a:txBody>
+                  <a:tcPr anchor="ctr">
+                    <a:solidFill>
+                      <a:schemeClr val="bg2">
+                        <a:lumMod val="50000"/>
+                      </a:schemeClr>
+                    </a:solidFill>
+                  </a:tcPr>
+                </a:tc>
+                <a:tc>
+                  <a:txBody>
+                    <a:bodyPr/>
+                    <a:lstStyle/>
+                    <a:p>
+                      <a:pPr algn="ctr"/>
+                      <a:endParaRPr lang="en-US" sz="1600" dirty="0"/>
+                    </a:p>
+                  </a:txBody>
+                  <a:tcPr anchor="ctr"/>
+                </a:tc>
+                <a:tc>
+                  <a:txBody>
+                    <a:bodyPr/>
+                    <a:lstStyle/>
+                    <a:p>
+                      <a:pPr algn="ctr"/>
+                      <a:endParaRPr lang="en-US" sz="1600"/>
+                    </a:p>
+                  </a:txBody>
+                  <a:tcPr anchor="ctr"/>
+                </a:tc>
+                <a:tc>
+                  <a:txBody>
+                    <a:bodyPr/>
+                    <a:lstStyle/>
+                    <a:p>
+                      <a:pPr algn="ctr"/>
+                      <a:r>
+                        <a:rPr lang="en-US" sz="1600" dirty="0"/>
+                        <a:t>-</a:t>
+                      </a:r>
+                    </a:p>
+                  </a:txBody>
+                  <a:tcPr anchor="ctr">
+                    <a:solidFill>
+                      <a:schemeClr val="bg2">
+                        <a:lumMod val="75000"/>
+                      </a:schemeClr>
+                    </a:solidFill>
+                  </a:tcPr>
+                </a:tc>
+                <a:tc>
+                  <a:txBody>
+                    <a:bodyPr/>
+                    <a:lstStyle/>
+                    <a:p>
+                      <a:pPr algn="ctr"/>
+                      <a:endParaRPr lang="en-US" sz="1600" dirty="0"/>
+                    </a:p>
+                  </a:txBody>
+                  <a:tcPr anchor="ctr"/>
+                </a:tc>
+                <a:extLst>
+                  <a:ext uri="{0D108BD9-81ED-4DB2-BD59-A6C34878D82A}">
+                    <a16:rowId xmlns:a16="http://schemas.microsoft.com/office/drawing/2014/main" val="2252693935"/>
+                  </a:ext>
+                </a:extLst>
+              </a:tr>
+              <a:tr h="425913">
+                <a:tc>
+                  <a:txBody>
+                    <a:bodyPr/>
+                    <a:lstStyle/>
+                    <a:p>
+                      <a:pPr algn="ctr"/>
+                      <a:r>
+                        <a:rPr lang="en-US" sz="1600" dirty="0">
+                          <a:solidFill>
+                            <a:schemeClr val="bg1"/>
+                          </a:solidFill>
+                        </a:rPr>
+                        <a:t>7</a:t>
+                      </a:r>
+                    </a:p>
+                  </a:txBody>
+                  <a:tcPr anchor="ctr">
+                    <a:solidFill>
+                      <a:schemeClr val="accent1"/>
+                    </a:solidFill>
+                  </a:tcPr>
+                </a:tc>
+                <a:tc>
+                  <a:txBody>
+                    <a:bodyPr/>
+                    <a:lstStyle/>
+                    <a:p>
+                      <a:pPr algn="ctr"/>
+                      <a:r>
+                        <a:rPr lang="en-US" sz="1600" dirty="0"/>
+                        <a:t>-</a:t>
+                      </a:r>
+                    </a:p>
+                  </a:txBody>
+                  <a:tcPr anchor="ctr">
+                    <a:solidFill>
+                      <a:schemeClr val="bg2">
+                        <a:lumMod val="75000"/>
+                      </a:schemeClr>
+                    </a:solidFill>
+                  </a:tcPr>
+                </a:tc>
+                <a:tc>
+                  <a:txBody>
+                    <a:bodyPr/>
+                    <a:lstStyle/>
+                    <a:p>
+                      <a:pPr algn="ctr"/>
+                      <a:r>
+                        <a:rPr lang="en-US" sz="1600" dirty="0"/>
+                        <a:t>-</a:t>
+                      </a:r>
+                    </a:p>
+                  </a:txBody>
+                  <a:tcPr anchor="ctr">
+                    <a:solidFill>
+                      <a:schemeClr val="bg2">
+                        <a:lumMod val="75000"/>
+                      </a:schemeClr>
+                    </a:solidFill>
+                  </a:tcPr>
+                </a:tc>
+                <a:tc>
+                  <a:txBody>
+                    <a:bodyPr/>
+                    <a:lstStyle/>
+                    <a:p>
+                      <a:pPr algn="ctr"/>
+                      <a:r>
+                        <a:rPr lang="en-US" sz="1600" dirty="0"/>
+                        <a:t>-</a:t>
+                      </a:r>
+                    </a:p>
+                  </a:txBody>
+                  <a:tcPr anchor="ctr">
+                    <a:solidFill>
+                      <a:schemeClr val="bg2">
+                        <a:lumMod val="75000"/>
+                      </a:schemeClr>
+                    </a:solidFill>
+                  </a:tcPr>
+                </a:tc>
+                <a:tc>
+                  <a:txBody>
+                    <a:bodyPr/>
+                    <a:lstStyle/>
+                    <a:p>
+                      <a:pPr algn="ctr"/>
+                      <a:r>
+                        <a:rPr lang="en-US" sz="1600" dirty="0"/>
+                        <a:t>-</a:t>
+                      </a:r>
+                    </a:p>
+                  </a:txBody>
+                  <a:tcPr anchor="ctr">
+                    <a:solidFill>
+                      <a:schemeClr val="bg2">
+                        <a:lumMod val="75000"/>
+                      </a:schemeClr>
+                    </a:solidFill>
+                  </a:tcPr>
+                </a:tc>
+                <a:tc>
+                  <a:txBody>
+                    <a:bodyPr/>
+                    <a:lstStyle/>
+                    <a:p>
+                      <a:pPr algn="ctr"/>
+                      <a:r>
+                        <a:rPr lang="en-US" sz="1600" dirty="0"/>
+                        <a:t>-</a:t>
+                      </a:r>
+                    </a:p>
+                  </a:txBody>
+                  <a:tcPr anchor="ctr">
+                    <a:solidFill>
+                      <a:schemeClr val="bg2">
+                        <a:lumMod val="75000"/>
+                      </a:schemeClr>
+                    </a:solidFill>
+                  </a:tcPr>
+                </a:tc>
+                <a:tc>
+                  <a:txBody>
+                    <a:bodyPr/>
+                    <a:lstStyle/>
+                    <a:p>
+                      <a:pPr algn="ctr"/>
+                      <a:endParaRPr lang="en-US" sz="1600" dirty="0"/>
+                    </a:p>
+                  </a:txBody>
+                  <a:tcPr anchor="ctr"/>
+                </a:tc>
+                <a:tc>
+                  <a:txBody>
+                    <a:bodyPr/>
+                    <a:lstStyle/>
+                    <a:p>
+                      <a:pPr algn="ctr"/>
+                      <a:endParaRPr lang="en-US" sz="1600" dirty="0"/>
+                    </a:p>
+                  </a:txBody>
+                  <a:tcPr anchor="ctr">
+                    <a:solidFill>
+                      <a:schemeClr val="bg2">
+                        <a:lumMod val="50000"/>
+                      </a:schemeClr>
+                    </a:solidFill>
+                  </a:tcPr>
+                </a:tc>
+                <a:tc>
+                  <a:txBody>
+                    <a:bodyPr/>
+                    <a:lstStyle/>
+                    <a:p>
+                      <a:pPr algn="ctr"/>
+                      <a:endParaRPr lang="en-US" sz="1600"/>
+                    </a:p>
+                  </a:txBody>
+                  <a:tcPr anchor="ctr"/>
+                </a:tc>
+                <a:tc>
+                  <a:txBody>
+                    <a:bodyPr/>
+                    <a:lstStyle/>
+                    <a:p>
+                      <a:pPr algn="ctr"/>
+                      <a:r>
+                        <a:rPr lang="en-US" sz="1600" dirty="0"/>
+                        <a:t>-</a:t>
+                      </a:r>
+                    </a:p>
+                  </a:txBody>
+                  <a:tcPr anchor="ctr">
+                    <a:solidFill>
+                      <a:schemeClr val="bg2">
+                        <a:lumMod val="75000"/>
+                      </a:schemeClr>
+                    </a:solidFill>
+                  </a:tcPr>
+                </a:tc>
+                <a:tc>
+                  <a:txBody>
+                    <a:bodyPr/>
+                    <a:lstStyle/>
+                    <a:p>
+                      <a:pPr algn="ctr"/>
+                      <a:endParaRPr lang="en-US" sz="1600"/>
+                    </a:p>
+                  </a:txBody>
+                  <a:tcPr anchor="ctr"/>
+                </a:tc>
+                <a:extLst>
+                  <a:ext uri="{0D108BD9-81ED-4DB2-BD59-A6C34878D82A}">
+                    <a16:rowId xmlns:a16="http://schemas.microsoft.com/office/drawing/2014/main" val="1987902878"/>
+                  </a:ext>
+                </a:extLst>
+              </a:tr>
+              <a:tr h="425913">
+                <a:tc>
+                  <a:txBody>
+                    <a:bodyPr/>
+                    <a:lstStyle/>
+                    <a:p>
+                      <a:pPr algn="ctr"/>
+                      <a:r>
+                        <a:rPr lang="en-US" sz="1600" dirty="0">
+                          <a:solidFill>
+                            <a:schemeClr val="bg1"/>
+                          </a:solidFill>
+                        </a:rPr>
+                        <a:t>8</a:t>
+                      </a:r>
+                    </a:p>
+                  </a:txBody>
+                  <a:tcPr anchor="ctr">
+                    <a:solidFill>
+                      <a:schemeClr val="accent1"/>
+                    </a:solidFill>
+                  </a:tcPr>
+                </a:tc>
+                <a:tc>
+                  <a:txBody>
+                    <a:bodyPr/>
+                    <a:lstStyle/>
+                    <a:p>
+                      <a:pPr algn="ctr"/>
+                      <a:r>
+                        <a:rPr lang="en-US" sz="1600" dirty="0"/>
+                        <a:t>-</a:t>
+                      </a:r>
+                    </a:p>
+                  </a:txBody>
+                  <a:tcPr anchor="ctr">
+                    <a:solidFill>
+                      <a:schemeClr val="bg2">
+                        <a:lumMod val="75000"/>
+                      </a:schemeClr>
+                    </a:solidFill>
+                  </a:tcPr>
+                </a:tc>
+                <a:tc>
+                  <a:txBody>
+                    <a:bodyPr/>
+                    <a:lstStyle/>
+                    <a:p>
+                      <a:pPr algn="ctr"/>
+                      <a:r>
+                        <a:rPr lang="en-US" sz="1600" dirty="0"/>
+                        <a:t>-</a:t>
+                      </a:r>
+                    </a:p>
+                  </a:txBody>
+                  <a:tcPr anchor="ctr">
+                    <a:solidFill>
+                      <a:schemeClr val="bg2">
+                        <a:lumMod val="75000"/>
+                      </a:schemeClr>
+                    </a:solidFill>
+                  </a:tcPr>
+                </a:tc>
+                <a:tc>
+                  <a:txBody>
+                    <a:bodyPr/>
+                    <a:lstStyle/>
+                    <a:p>
+                      <a:pPr algn="ctr"/>
+                      <a:r>
+                        <a:rPr lang="en-US" sz="1600" dirty="0"/>
+                        <a:t>-</a:t>
+                      </a:r>
+                    </a:p>
+                  </a:txBody>
+                  <a:tcPr anchor="ctr">
+                    <a:solidFill>
+                      <a:schemeClr val="bg2">
+                        <a:lumMod val="75000"/>
+                      </a:schemeClr>
+                    </a:solidFill>
+                  </a:tcPr>
+                </a:tc>
+                <a:tc>
+                  <a:txBody>
+                    <a:bodyPr/>
+                    <a:lstStyle/>
+                    <a:p>
+                      <a:pPr algn="ctr"/>
+                      <a:r>
+                        <a:rPr lang="en-US" sz="1600" dirty="0"/>
+                        <a:t>-</a:t>
+                      </a:r>
+                    </a:p>
+                  </a:txBody>
+                  <a:tcPr anchor="ctr">
+                    <a:solidFill>
+                      <a:schemeClr val="bg2">
+                        <a:lumMod val="75000"/>
+                      </a:schemeClr>
+                    </a:solidFill>
+                  </a:tcPr>
+                </a:tc>
+                <a:tc>
+                  <a:txBody>
+                    <a:bodyPr/>
+                    <a:lstStyle/>
+                    <a:p>
+                      <a:pPr algn="ctr"/>
+                      <a:r>
+                        <a:rPr lang="en-US" sz="1600" dirty="0"/>
+                        <a:t>-</a:t>
+                      </a:r>
+                    </a:p>
+                  </a:txBody>
+                  <a:tcPr anchor="ctr">
+                    <a:solidFill>
+                      <a:schemeClr val="bg2">
+                        <a:lumMod val="75000"/>
+                      </a:schemeClr>
+                    </a:solidFill>
+                  </a:tcPr>
+                </a:tc>
+                <a:tc>
+                  <a:txBody>
+                    <a:bodyPr/>
+                    <a:lstStyle/>
+                    <a:p>
+                      <a:pPr algn="ctr"/>
+                      <a:r>
+                        <a:rPr lang="en-US" sz="1600" dirty="0"/>
+                        <a:t>-</a:t>
+                      </a:r>
+                    </a:p>
+                  </a:txBody>
+                  <a:tcPr anchor="ctr">
+                    <a:solidFill>
+                      <a:schemeClr val="bg2">
+                        <a:lumMod val="75000"/>
+                      </a:schemeClr>
+                    </a:solidFill>
+                  </a:tcPr>
+                </a:tc>
+                <a:tc>
+                  <a:txBody>
+                    <a:bodyPr/>
+                    <a:lstStyle/>
+                    <a:p>
+                      <a:pPr algn="ctr"/>
+                      <a:r>
+                        <a:rPr lang="en-US" sz="1600" dirty="0"/>
+                        <a:t>-</a:t>
+                      </a:r>
+                    </a:p>
+                  </a:txBody>
+                  <a:tcPr anchor="ctr">
+                    <a:solidFill>
+                      <a:schemeClr val="bg2">
+                        <a:lumMod val="75000"/>
+                      </a:schemeClr>
+                    </a:solidFill>
+                  </a:tcPr>
+                </a:tc>
+                <a:tc>
+                  <a:txBody>
+                    <a:bodyPr/>
+                    <a:lstStyle/>
+                    <a:p>
+                      <a:pPr algn="ctr"/>
+                      <a:endParaRPr lang="en-US" sz="1600" dirty="0"/>
+                    </a:p>
+                  </a:txBody>
+                  <a:tcPr anchor="ctr">
+                    <a:solidFill>
+                      <a:schemeClr val="bg2">
+                        <a:lumMod val="50000"/>
+                      </a:schemeClr>
+                    </a:solidFill>
+                  </a:tcPr>
+                </a:tc>
+                <a:tc>
+                  <a:txBody>
+                    <a:bodyPr/>
+                    <a:lstStyle/>
+                    <a:p>
+                      <a:pPr algn="ctr"/>
+                      <a:r>
+                        <a:rPr lang="en-US" sz="1600" dirty="0"/>
+                        <a:t>-</a:t>
+                      </a:r>
+                    </a:p>
+                  </a:txBody>
+                  <a:tcPr anchor="ctr">
+                    <a:solidFill>
+                      <a:schemeClr val="bg2">
+                        <a:lumMod val="75000"/>
+                      </a:schemeClr>
+                    </a:solidFill>
+                  </a:tcPr>
+                </a:tc>
+                <a:tc>
+                  <a:txBody>
+                    <a:bodyPr/>
+                    <a:lstStyle/>
+                    <a:p>
+                      <a:pPr algn="ctr"/>
+                      <a:r>
+                        <a:rPr lang="en-US" sz="1600" dirty="0"/>
+                        <a:t>-</a:t>
+                      </a:r>
+                    </a:p>
+                  </a:txBody>
+                  <a:tcPr anchor="ctr">
+                    <a:solidFill>
+                      <a:schemeClr val="bg2">
+                        <a:lumMod val="75000"/>
+                      </a:schemeClr>
+                    </a:solidFill>
+                  </a:tcPr>
+                </a:tc>
+                <a:extLst>
+                  <a:ext uri="{0D108BD9-81ED-4DB2-BD59-A6C34878D82A}">
+                    <a16:rowId xmlns:a16="http://schemas.microsoft.com/office/drawing/2014/main" val="3154358782"/>
+                  </a:ext>
+                </a:extLst>
+              </a:tr>
+              <a:tr h="425913">
+                <a:tc>
+                  <a:txBody>
+                    <a:bodyPr/>
+                    <a:lstStyle/>
+                    <a:p>
+                      <a:pPr algn="ctr"/>
+                      <a:r>
+                        <a:rPr lang="en-US" sz="1600" dirty="0">
+                          <a:solidFill>
+                            <a:schemeClr val="bg1"/>
+                          </a:solidFill>
+                        </a:rPr>
+                        <a:t>9</a:t>
+                      </a:r>
+                    </a:p>
+                  </a:txBody>
+                  <a:tcPr anchor="ctr">
+                    <a:solidFill>
+                      <a:schemeClr val="accent1"/>
+                    </a:solidFill>
+                  </a:tcPr>
+                </a:tc>
+                <a:tc>
+                  <a:txBody>
+                    <a:bodyPr/>
+                    <a:lstStyle/>
+                    <a:p>
+                      <a:pPr algn="ctr"/>
+                      <a:r>
+                        <a:rPr lang="en-US" sz="1600" dirty="0"/>
+                        <a:t>-</a:t>
+                      </a:r>
+                    </a:p>
+                  </a:txBody>
+                  <a:tcPr anchor="ctr">
+                    <a:solidFill>
+                      <a:schemeClr val="bg2">
+                        <a:lumMod val="75000"/>
+                      </a:schemeClr>
+                    </a:solidFill>
+                  </a:tcPr>
+                </a:tc>
+                <a:tc>
+                  <a:txBody>
+                    <a:bodyPr/>
+                    <a:lstStyle/>
+                    <a:p>
+                      <a:pPr algn="ctr"/>
+                      <a:r>
+                        <a:rPr lang="en-US" sz="1600" dirty="0"/>
+                        <a:t>-</a:t>
+                      </a:r>
+                    </a:p>
+                  </a:txBody>
+                  <a:tcPr anchor="ctr">
+                    <a:solidFill>
+                      <a:schemeClr val="bg2">
+                        <a:lumMod val="75000"/>
+                      </a:schemeClr>
+                    </a:solidFill>
+                  </a:tcPr>
+                </a:tc>
+                <a:tc>
+                  <a:txBody>
+                    <a:bodyPr/>
+                    <a:lstStyle/>
+                    <a:p>
+                      <a:pPr algn="ctr"/>
+                      <a:r>
+                        <a:rPr lang="en-US" sz="1600" dirty="0"/>
+                        <a:t>-</a:t>
+                      </a:r>
+                    </a:p>
+                  </a:txBody>
+                  <a:tcPr anchor="ctr">
+                    <a:solidFill>
+                      <a:schemeClr val="bg2">
+                        <a:lumMod val="75000"/>
+                      </a:schemeClr>
+                    </a:solidFill>
+                  </a:tcPr>
+                </a:tc>
+                <a:tc>
+                  <a:txBody>
+                    <a:bodyPr/>
+                    <a:lstStyle/>
+                    <a:p>
+                      <a:pPr algn="ctr"/>
+                      <a:r>
+                        <a:rPr lang="en-US" sz="1600" dirty="0"/>
+                        <a:t>-</a:t>
+                      </a:r>
+                    </a:p>
+                  </a:txBody>
+                  <a:tcPr anchor="ctr">
+                    <a:solidFill>
+                      <a:schemeClr val="bg2">
+                        <a:lumMod val="75000"/>
+                      </a:schemeClr>
+                    </a:solidFill>
+                  </a:tcPr>
+                </a:tc>
+                <a:tc>
+                  <a:txBody>
+                    <a:bodyPr/>
+                    <a:lstStyle/>
+                    <a:p>
+                      <a:pPr algn="ctr"/>
+                      <a:r>
+                        <a:rPr lang="en-US" sz="1600" dirty="0"/>
+                        <a:t>-</a:t>
+                      </a:r>
+                    </a:p>
+                  </a:txBody>
+                  <a:tcPr anchor="ctr">
+                    <a:solidFill>
+                      <a:schemeClr val="bg2">
+                        <a:lumMod val="75000"/>
+                      </a:schemeClr>
+                    </a:solidFill>
+                  </a:tcPr>
+                </a:tc>
+                <a:tc>
+                  <a:txBody>
+                    <a:bodyPr/>
+                    <a:lstStyle/>
+                    <a:p>
+                      <a:pPr algn="ctr"/>
+                      <a:r>
+                        <a:rPr lang="en-US" sz="1600" dirty="0"/>
+                        <a:t>-</a:t>
+                      </a:r>
+                    </a:p>
+                  </a:txBody>
+                  <a:tcPr anchor="ctr">
+                    <a:solidFill>
+                      <a:schemeClr val="bg2">
+                        <a:lumMod val="75000"/>
+                      </a:schemeClr>
+                    </a:solidFill>
+                  </a:tcPr>
+                </a:tc>
+                <a:tc>
+                  <a:txBody>
+                    <a:bodyPr/>
+                    <a:lstStyle/>
+                    <a:p>
+                      <a:pPr algn="ctr"/>
+                      <a:r>
+                        <a:rPr lang="en-US" sz="1600" dirty="0"/>
+                        <a:t>-</a:t>
+                      </a:r>
+                    </a:p>
+                  </a:txBody>
+                  <a:tcPr anchor="ctr">
+                    <a:solidFill>
+                      <a:schemeClr val="bg2">
+                        <a:lumMod val="75000"/>
+                      </a:schemeClr>
+                    </a:solidFill>
+                  </a:tcPr>
+                </a:tc>
+                <a:tc>
+                  <a:txBody>
+                    <a:bodyPr/>
+                    <a:lstStyle/>
+                    <a:p>
+                      <a:pPr algn="ctr"/>
+                      <a:r>
+                        <a:rPr lang="en-US" sz="1600" dirty="0"/>
+                        <a:t>-</a:t>
+                      </a:r>
+                    </a:p>
+                  </a:txBody>
+                  <a:tcPr anchor="ctr">
+                    <a:solidFill>
+                      <a:schemeClr val="bg2">
+                        <a:lumMod val="75000"/>
+                      </a:schemeClr>
+                    </a:solidFill>
+                  </a:tcPr>
+                </a:tc>
+                <a:tc>
+                  <a:txBody>
+                    <a:bodyPr/>
+                    <a:lstStyle/>
+                    <a:p>
+                      <a:pPr algn="ctr"/>
+                      <a:endParaRPr lang="en-US" sz="1600" dirty="0"/>
+                    </a:p>
+                  </a:txBody>
+                  <a:tcPr anchor="ctr">
+                    <a:solidFill>
+                      <a:schemeClr val="bg2">
+                        <a:lumMod val="50000"/>
+                      </a:schemeClr>
+                    </a:solidFill>
+                  </a:tcPr>
+                </a:tc>
+                <a:tc>
+                  <a:txBody>
+                    <a:bodyPr/>
+                    <a:lstStyle/>
+                    <a:p>
+                      <a:pPr algn="ctr"/>
+                      <a:r>
+                        <a:rPr lang="en-US" sz="1600" dirty="0"/>
+                        <a:t>-</a:t>
+                      </a:r>
+                    </a:p>
+                  </a:txBody>
+                  <a:tcPr anchor="ctr">
+                    <a:solidFill>
+                      <a:schemeClr val="bg2">
+                        <a:lumMod val="75000"/>
+                      </a:schemeClr>
+                    </a:solidFill>
+                  </a:tcPr>
+                </a:tc>
+                <a:extLst>
+                  <a:ext uri="{0D108BD9-81ED-4DB2-BD59-A6C34878D82A}">
+                    <a16:rowId xmlns:a16="http://schemas.microsoft.com/office/drawing/2014/main" val="796563362"/>
+                  </a:ext>
+                </a:extLst>
+              </a:tr>
+              <a:tr h="425913">
+                <a:tc>
+                  <a:txBody>
+                    <a:bodyPr/>
+                    <a:lstStyle/>
+                    <a:p>
+                      <a:pPr algn="ctr"/>
+                      <a:r>
+                        <a:rPr lang="en-US" sz="1600" dirty="0">
+                          <a:solidFill>
+                            <a:schemeClr val="bg1"/>
+                          </a:solidFill>
+                        </a:rPr>
+                        <a:t>10</a:t>
+                      </a:r>
+                    </a:p>
+                  </a:txBody>
+                  <a:tcPr anchor="ctr">
+                    <a:solidFill>
+                      <a:schemeClr val="accent1"/>
+                    </a:solidFill>
+                  </a:tcPr>
+                </a:tc>
+                <a:tc>
+                  <a:txBody>
+                    <a:bodyPr/>
+                    <a:lstStyle/>
+                    <a:p>
+                      <a:pPr algn="ctr"/>
+                      <a:r>
+                        <a:rPr lang="en-US" sz="1600" dirty="0"/>
+                        <a:t>-</a:t>
+                      </a:r>
+                    </a:p>
+                  </a:txBody>
+                  <a:tcPr anchor="ctr">
+                    <a:solidFill>
+                      <a:schemeClr val="bg2">
+                        <a:lumMod val="75000"/>
+                      </a:schemeClr>
+                    </a:solidFill>
+                  </a:tcPr>
+                </a:tc>
+                <a:tc>
+                  <a:txBody>
+                    <a:bodyPr/>
+                    <a:lstStyle/>
+                    <a:p>
+                      <a:pPr algn="ctr"/>
+                      <a:r>
+                        <a:rPr lang="en-US" sz="1600" dirty="0"/>
+                        <a:t>-</a:t>
+                      </a:r>
+                    </a:p>
+                  </a:txBody>
+                  <a:tcPr anchor="ctr">
+                    <a:solidFill>
+                      <a:schemeClr val="bg2">
+                        <a:lumMod val="75000"/>
+                      </a:schemeClr>
+                    </a:solidFill>
+                  </a:tcPr>
+                </a:tc>
+                <a:tc>
+                  <a:txBody>
+                    <a:bodyPr/>
+                    <a:lstStyle/>
+                    <a:p>
+                      <a:pPr algn="ctr"/>
+                      <a:r>
+                        <a:rPr lang="en-US" sz="1600" dirty="0"/>
+                        <a:t>-</a:t>
+                      </a:r>
+                    </a:p>
+                  </a:txBody>
+                  <a:tcPr anchor="ctr">
+                    <a:solidFill>
+                      <a:schemeClr val="bg2">
+                        <a:lumMod val="75000"/>
+                      </a:schemeClr>
+                    </a:solidFill>
+                  </a:tcPr>
+                </a:tc>
+                <a:tc>
+                  <a:txBody>
+                    <a:bodyPr/>
+                    <a:lstStyle/>
+                    <a:p>
+                      <a:pPr algn="ctr"/>
+                      <a:r>
+                        <a:rPr lang="en-US" sz="1600" dirty="0"/>
+                        <a:t>-</a:t>
+                      </a:r>
+                    </a:p>
+                  </a:txBody>
+                  <a:tcPr anchor="ctr">
+                    <a:solidFill>
+                      <a:schemeClr val="bg2">
+                        <a:lumMod val="75000"/>
+                      </a:schemeClr>
+                    </a:solidFill>
+                  </a:tcPr>
+                </a:tc>
+                <a:tc>
+                  <a:txBody>
+                    <a:bodyPr/>
+                    <a:lstStyle/>
+                    <a:p>
+                      <a:pPr algn="ctr"/>
+                      <a:r>
+                        <a:rPr lang="en-US" sz="1600" dirty="0"/>
+                        <a:t>-</a:t>
+                      </a:r>
+                    </a:p>
+                  </a:txBody>
+                  <a:tcPr anchor="ctr">
+                    <a:solidFill>
+                      <a:schemeClr val="bg2">
+                        <a:lumMod val="75000"/>
+                      </a:schemeClr>
+                    </a:solidFill>
+                  </a:tcPr>
+                </a:tc>
+                <a:tc>
+                  <a:txBody>
+                    <a:bodyPr/>
+                    <a:lstStyle/>
+                    <a:p>
+                      <a:pPr algn="ctr"/>
+                      <a:r>
+                        <a:rPr lang="en-US" sz="1600" dirty="0"/>
+                        <a:t>-</a:t>
+                      </a:r>
+                    </a:p>
+                  </a:txBody>
+                  <a:tcPr anchor="ctr">
+                    <a:solidFill>
+                      <a:schemeClr val="bg2">
+                        <a:lumMod val="75000"/>
+                      </a:schemeClr>
+                    </a:solidFill>
+                  </a:tcPr>
+                </a:tc>
+                <a:tc>
+                  <a:txBody>
+                    <a:bodyPr/>
+                    <a:lstStyle/>
+                    <a:p>
+                      <a:pPr algn="ctr"/>
+                      <a:r>
+                        <a:rPr lang="en-US" sz="1600" dirty="0"/>
+                        <a:t>-</a:t>
+                      </a:r>
+                    </a:p>
+                  </a:txBody>
+                  <a:tcPr anchor="ctr">
+                    <a:solidFill>
+                      <a:schemeClr val="bg2">
+                        <a:lumMod val="75000"/>
+                      </a:schemeClr>
+                    </a:solidFill>
+                  </a:tcPr>
+                </a:tc>
+                <a:tc>
+                  <a:txBody>
+                    <a:bodyPr/>
+                    <a:lstStyle/>
+                    <a:p>
+                      <a:pPr algn="ctr"/>
+                      <a:r>
+                        <a:rPr lang="en-US" sz="1600" dirty="0"/>
+                        <a:t>-</a:t>
+                      </a:r>
+                    </a:p>
+                  </a:txBody>
+                  <a:tcPr anchor="ctr">
+                    <a:solidFill>
+                      <a:schemeClr val="bg2">
+                        <a:lumMod val="75000"/>
+                      </a:schemeClr>
+                    </a:solidFill>
+                  </a:tcPr>
+                </a:tc>
+                <a:tc>
+                  <a:txBody>
+                    <a:bodyPr/>
+                    <a:lstStyle/>
+                    <a:p>
+                      <a:pPr algn="ctr"/>
+                      <a:r>
+                        <a:rPr lang="en-US" sz="1600" dirty="0"/>
+                        <a:t>-</a:t>
+                      </a:r>
+                    </a:p>
+                  </a:txBody>
+                  <a:tcPr anchor="ctr">
+                    <a:solidFill>
+                      <a:schemeClr val="bg2">
+                        <a:lumMod val="75000"/>
+                      </a:schemeClr>
+                    </a:solidFill>
+                  </a:tcPr>
+                </a:tc>
+                <a:tc>
+                  <a:txBody>
+                    <a:bodyPr/>
+                    <a:lstStyle/>
+                    <a:p>
+                      <a:pPr algn="ctr"/>
+                      <a:endParaRPr lang="en-US" sz="1600" dirty="0"/>
+                    </a:p>
+                  </a:txBody>
+                  <a:tcPr anchor="ctr">
+                    <a:solidFill>
+                      <a:schemeClr val="bg2">
+                        <a:lumMod val="50000"/>
+                      </a:schemeClr>
+                    </a:solidFill>
+                  </a:tcPr>
+                </a:tc>
+                <a:extLst>
+                  <a:ext uri="{0D108BD9-81ED-4DB2-BD59-A6C34878D82A}">
+                    <a16:rowId xmlns:a16="http://schemas.microsoft.com/office/drawing/2014/main" val="291497224"/>
+                  </a:ext>
+                </a:extLst>
+              </a:tr>
+            </a:tbl>
+          </a:graphicData>
+        </a:graphic>
+      </p:graphicFrame>
+      <p:sp>
+        <p:nvSpPr>
+          <p:cNvPr id="23" name="TextBox 22">
+            <a:extLst>
+              <a:ext uri="{FF2B5EF4-FFF2-40B4-BE49-F238E27FC236}">
+                <a16:creationId xmlns:a16="http://schemas.microsoft.com/office/drawing/2014/main" id="{9CE63153-7836-A24F-9475-27DAADE4EC25}"/>
+              </a:ext>
+            </a:extLst>
+          </p:cNvPr>
+          <p:cNvSpPr txBox="1"/>
+          <p:nvPr/>
+        </p:nvSpPr>
+        <p:spPr>
+          <a:xfrm>
+            <a:off x="8641800" y="953017"/>
+            <a:ext cx="451086" cy="369332"/>
+          </a:xfrm>
+          <a:prstGeom prst="rect">
+            <a:avLst/>
+          </a:prstGeom>
+          <a:noFill/>
+        </p:spPr>
+        <p:txBody>
+          <a:bodyPr wrap="none" rtlCol="0">
+            <a:spAutoFit/>
+          </a:bodyPr>
+          <a:lstStyle/>
+          <a:p>
+            <a:r>
+              <a:rPr lang="en-US" dirty="0"/>
+              <a:t>To </a:t>
+            </a:r>
+          </a:p>
+        </p:txBody>
+      </p:sp>
+      <p:sp>
+        <p:nvSpPr>
+          <p:cNvPr id="24" name="TextBox 23">
+            <a:extLst>
+              <a:ext uri="{FF2B5EF4-FFF2-40B4-BE49-F238E27FC236}">
+                <a16:creationId xmlns:a16="http://schemas.microsoft.com/office/drawing/2014/main" id="{F4B11054-7DB4-C241-A600-FA21A6961D91}"/>
+              </a:ext>
+            </a:extLst>
+          </p:cNvPr>
+          <p:cNvSpPr txBox="1"/>
+          <p:nvPr/>
+        </p:nvSpPr>
+        <p:spPr>
+          <a:xfrm rot="16200000">
+            <a:off x="4805712" y="4022648"/>
+            <a:ext cx="673069" cy="369332"/>
+          </a:xfrm>
+          <a:prstGeom prst="rect">
+            <a:avLst/>
+          </a:prstGeom>
+          <a:noFill/>
+        </p:spPr>
+        <p:txBody>
+          <a:bodyPr wrap="none" rtlCol="0">
+            <a:spAutoFit/>
+          </a:bodyPr>
+          <a:lstStyle/>
+          <a:p>
+            <a:r>
+              <a:rPr lang="en-US" dirty="0"/>
+              <a:t>From</a:t>
+            </a:r>
+          </a:p>
+        </p:txBody>
+      </p:sp>
+    </p:spTree>
+    <p:extLst>
+      <p:ext uri="{BB962C8B-B14F-4D97-AF65-F5344CB8AC3E}">
+        <p14:creationId xmlns:p14="http://schemas.microsoft.com/office/powerpoint/2010/main" val="3545952431"/>
       </p:ext>
     </p:extLst>
   </p:cSld>
@@ -9807,7 +13136,7 @@
         </p:blipFill>
         <p:spPr>
           <a:xfrm>
-            <a:off x="1433134" y="1233375"/>
+            <a:off x="59172" y="1137683"/>
             <a:ext cx="2595853" cy="3172709"/>
           </a:xfrm>
           <a:prstGeom prst="rect">
@@ -9829,8 +13158,8 @@
         </p:nvSpPr>
         <p:spPr>
           <a:xfrm>
-            <a:off x="235311" y="4950604"/>
-            <a:ext cx="4957580" cy="1477328"/>
+            <a:off x="235311" y="4972274"/>
+            <a:ext cx="4957580" cy="1754326"/>
           </a:xfrm>
           <a:prstGeom prst="rect">
             <a:avLst/>
@@ -9842,6 +13171,12 @@
             <a:spAutoFit/>
           </a:bodyPr>
           <a:lstStyle/>
+          <a:p>
+            <a:r>
+              <a:rPr lang="en-US" dirty="0"/>
+              <a:t>Restraints:</a:t>
+            </a:r>
+          </a:p>
           <a:p>
             <a:pPr marL="285750" indent="-285750">
               <a:buFont typeface="Arial" panose="020B0604020202020204" pitchFamily="34" charset="0"/>
@@ -9958,10 +13293,120 @@
           </a:lstStyle>
           <a:p>
             <a:r>
-              <a:rPr lang="en-US" sz="2800"/>
+              <a:rPr lang="en-US" sz="2800" dirty="0"/>
               <a:t>Adjacency matrix – restraints</a:t>
             </a:r>
-            <a:endParaRPr lang="en-US" sz="2800" dirty="0"/>
+          </a:p>
+        </p:txBody>
+      </p:sp>
+      <p:pic>
+        <p:nvPicPr>
+          <p:cNvPr id="13" name="Picture 12">
+            <a:extLst>
+              <a:ext uri="{FF2B5EF4-FFF2-40B4-BE49-F238E27FC236}">
+                <a16:creationId xmlns:a16="http://schemas.microsoft.com/office/drawing/2014/main" id="{004A44DF-8413-3A45-B637-825A56D54C66}"/>
+              </a:ext>
+            </a:extLst>
+          </p:cNvPr>
+          <p:cNvPicPr>
+            <a:picLocks noChangeAspect="1"/>
+          </p:cNvPicPr>
+          <p:nvPr/>
+        </p:nvPicPr>
+        <p:blipFill>
+          <a:blip r:embed="rId3"/>
+          <a:stretch>
+            <a:fillRect/>
+          </a:stretch>
+        </p:blipFill>
+        <p:spPr>
+          <a:xfrm>
+            <a:off x="2693204" y="1712838"/>
+            <a:ext cx="2344672" cy="1892687"/>
+          </a:xfrm>
+          <a:prstGeom prst="rect">
+            <a:avLst/>
+          </a:prstGeom>
+        </p:spPr>
+      </p:pic>
+      <p:sp>
+        <p:nvSpPr>
+          <p:cNvPr id="14" name="Rectangle 13">
+            <a:extLst>
+              <a:ext uri="{FF2B5EF4-FFF2-40B4-BE49-F238E27FC236}">
+                <a16:creationId xmlns:a16="http://schemas.microsoft.com/office/drawing/2014/main" id="{A50D056F-F564-C84A-94BE-13BE2F2F7E4F}"/>
+              </a:ext>
+            </a:extLst>
+          </p:cNvPr>
+          <p:cNvSpPr/>
+          <p:nvPr/>
+        </p:nvSpPr>
+        <p:spPr>
+          <a:xfrm>
+            <a:off x="2895291" y="3704124"/>
+            <a:ext cx="1771379" cy="584775"/>
+          </a:xfrm>
+          <a:prstGeom prst="rect">
+            <a:avLst/>
+          </a:prstGeom>
+        </p:spPr>
+        <p:txBody>
+          <a:bodyPr wrap="square">
+            <a:spAutoFit/>
+          </a:bodyPr>
+          <a:lstStyle/>
+          <a:p>
+            <a:pPr algn="ctr"/>
+            <a:r>
+              <a:rPr lang="en-US" sz="1600" dirty="0"/>
+              <a:t>Present in sample if </a:t>
+            </a:r>
+            <a:r>
+              <a:rPr lang="en-US" sz="1600" dirty="0" err="1"/>
+              <a:t>ω</a:t>
+            </a:r>
+            <a:r>
+              <a:rPr lang="en-US" sz="1600" dirty="0"/>
+              <a:t> &gt; 0.01</a:t>
+            </a:r>
+          </a:p>
+        </p:txBody>
+      </p:sp>
+      <p:sp>
+        <p:nvSpPr>
+          <p:cNvPr id="17" name="Rectangle 16">
+            <a:extLst>
+              <a:ext uri="{FF2B5EF4-FFF2-40B4-BE49-F238E27FC236}">
+                <a16:creationId xmlns:a16="http://schemas.microsoft.com/office/drawing/2014/main" id="{B34E5C53-860A-F742-A553-5D39105793B3}"/>
+              </a:ext>
+            </a:extLst>
+          </p:cNvPr>
+          <p:cNvSpPr/>
+          <p:nvPr/>
+        </p:nvSpPr>
+        <p:spPr>
+          <a:xfrm>
+            <a:off x="3803090" y="1280106"/>
+            <a:ext cx="397866" cy="369332"/>
+          </a:xfrm>
+          <a:prstGeom prst="rect">
+            <a:avLst/>
+          </a:prstGeom>
+        </p:spPr>
+        <p:txBody>
+          <a:bodyPr wrap="none">
+            <a:spAutoFit/>
+          </a:bodyPr>
+          <a:lstStyle/>
+          <a:p>
+            <a:r>
+              <a:rPr lang="en-US" dirty="0" err="1"/>
+              <a:t>ω</a:t>
+            </a:r>
+            <a:r>
+              <a:rPr lang="en-US" dirty="0"/>
+              <a:t> </a:t>
+            </a:r>
           </a:p>
         </p:txBody>
       </p:sp>
@@ -13078,6 +16523,2151 @@
           <p:cNvPr id="2" name="Title 1">
             <a:extLst>
               <a:ext uri="{FF2B5EF4-FFF2-40B4-BE49-F238E27FC236}">
+                <a16:creationId xmlns:a16="http://schemas.microsoft.com/office/drawing/2014/main" id="{E463D4F6-58B3-204B-A38A-670A2539CFD0}"/>
+              </a:ext>
+            </a:extLst>
+          </p:cNvPr>
+          <p:cNvSpPr>
+            <a:spLocks noGrp="1"/>
+          </p:cNvSpPr>
+          <p:nvPr>
+            <p:ph type="title"/>
+          </p:nvPr>
+        </p:nvSpPr>
+        <p:spPr>
+          <a:xfrm>
+            <a:off x="838200" y="365125"/>
+            <a:ext cx="10515600" cy="626717"/>
+          </a:xfrm>
+        </p:spPr>
+        <p:txBody>
+          <a:bodyPr>
+            <a:normAutofit/>
+          </a:bodyPr>
+          <a:lstStyle/>
+          <a:p>
+            <a:r>
+              <a:rPr lang="en-US" sz="3200" dirty="0"/>
+              <a:t>Tree scoring</a:t>
+            </a:r>
+          </a:p>
+        </p:txBody>
+      </p:sp>
+      <p:sp>
+        <p:nvSpPr>
+          <p:cNvPr id="6" name="Oval 5">
+            <a:extLst>
+              <a:ext uri="{FF2B5EF4-FFF2-40B4-BE49-F238E27FC236}">
+                <a16:creationId xmlns:a16="http://schemas.microsoft.com/office/drawing/2014/main" id="{31C6EE3B-502F-7547-B1A7-B208F26F77CF}"/>
+              </a:ext>
+            </a:extLst>
+          </p:cNvPr>
+          <p:cNvSpPr/>
+          <p:nvPr/>
+        </p:nvSpPr>
+        <p:spPr>
+          <a:xfrm>
+            <a:off x="681445" y="4752988"/>
+            <a:ext cx="318271" cy="331696"/>
+          </a:xfrm>
+          <a:prstGeom prst="ellipse">
+            <a:avLst/>
+          </a:prstGeom>
+          <a:noFill/>
+          <a:ln>
+            <a:solidFill>
+              <a:schemeClr val="tx1"/>
+            </a:solidFill>
+          </a:ln>
+          <a:effectLst/>
+        </p:spPr>
+        <p:style>
+          <a:lnRef idx="1">
+            <a:schemeClr val="accent1"/>
+          </a:lnRef>
+          <a:fillRef idx="3">
+            <a:schemeClr val="accent1"/>
+          </a:fillRef>
+          <a:effectRef idx="2">
+            <a:schemeClr val="accent1"/>
+          </a:effectRef>
+          <a:fontRef idx="minor">
+            <a:schemeClr val="lt1"/>
+          </a:fontRef>
+        </p:style>
+        <p:txBody>
+          <a:bodyPr rtlCol="0" anchor="ctr"/>
+          <a:lstStyle/>
+          <a:p>
+            <a:pPr algn="ctr"/>
+            <a:r>
+              <a:rPr lang="en-US" dirty="0">
+                <a:solidFill>
+                  <a:schemeClr val="tx1"/>
+                </a:solidFill>
+              </a:rPr>
+              <a:t>3</a:t>
+            </a:r>
+          </a:p>
+        </p:txBody>
+      </p:sp>
+      <p:sp>
+        <p:nvSpPr>
+          <p:cNvPr id="7" name="Oval 6">
+            <a:extLst>
+              <a:ext uri="{FF2B5EF4-FFF2-40B4-BE49-F238E27FC236}">
+                <a16:creationId xmlns:a16="http://schemas.microsoft.com/office/drawing/2014/main" id="{C0C8154A-7BCC-564D-AA23-68E85AE9A5DE}"/>
+              </a:ext>
+            </a:extLst>
+          </p:cNvPr>
+          <p:cNvSpPr/>
+          <p:nvPr/>
+        </p:nvSpPr>
+        <p:spPr>
+          <a:xfrm>
+            <a:off x="2060475" y="4752988"/>
+            <a:ext cx="318271" cy="331696"/>
+          </a:xfrm>
+          <a:prstGeom prst="ellipse">
+            <a:avLst/>
+          </a:prstGeom>
+          <a:noFill/>
+          <a:ln>
+            <a:solidFill>
+              <a:schemeClr val="tx1"/>
+            </a:solidFill>
+          </a:ln>
+          <a:effectLst/>
+        </p:spPr>
+        <p:style>
+          <a:lnRef idx="1">
+            <a:schemeClr val="accent1"/>
+          </a:lnRef>
+          <a:fillRef idx="3">
+            <a:schemeClr val="accent1"/>
+          </a:fillRef>
+          <a:effectRef idx="2">
+            <a:schemeClr val="accent1"/>
+          </a:effectRef>
+          <a:fontRef idx="minor">
+            <a:schemeClr val="lt1"/>
+          </a:fontRef>
+        </p:style>
+        <p:txBody>
+          <a:bodyPr rtlCol="0" anchor="ctr"/>
+          <a:lstStyle/>
+          <a:p>
+            <a:pPr algn="ctr"/>
+            <a:r>
+              <a:rPr lang="en-US" dirty="0">
+                <a:solidFill>
+                  <a:schemeClr val="tx1"/>
+                </a:solidFill>
+              </a:rPr>
+              <a:t>4</a:t>
+            </a:r>
+          </a:p>
+        </p:txBody>
+      </p:sp>
+      <p:sp>
+        <p:nvSpPr>
+          <p:cNvPr id="8" name="Oval 7">
+            <a:extLst>
+              <a:ext uri="{FF2B5EF4-FFF2-40B4-BE49-F238E27FC236}">
+                <a16:creationId xmlns:a16="http://schemas.microsoft.com/office/drawing/2014/main" id="{38696D8C-1E68-DF4D-9BAA-AB71F7CC92AF}"/>
+              </a:ext>
+            </a:extLst>
+          </p:cNvPr>
+          <p:cNvSpPr/>
+          <p:nvPr/>
+        </p:nvSpPr>
+        <p:spPr>
+          <a:xfrm>
+            <a:off x="1370960" y="4005518"/>
+            <a:ext cx="318271" cy="331696"/>
+          </a:xfrm>
+          <a:prstGeom prst="ellipse">
+            <a:avLst/>
+          </a:prstGeom>
+          <a:noFill/>
+          <a:ln>
+            <a:solidFill>
+              <a:schemeClr val="tx1"/>
+            </a:solidFill>
+          </a:ln>
+          <a:effectLst/>
+        </p:spPr>
+        <p:style>
+          <a:lnRef idx="1">
+            <a:schemeClr val="accent1"/>
+          </a:lnRef>
+          <a:fillRef idx="3">
+            <a:schemeClr val="accent1"/>
+          </a:fillRef>
+          <a:effectRef idx="2">
+            <a:schemeClr val="accent1"/>
+          </a:effectRef>
+          <a:fontRef idx="minor">
+            <a:schemeClr val="lt1"/>
+          </a:fontRef>
+        </p:style>
+        <p:txBody>
+          <a:bodyPr rtlCol="0" anchor="ctr"/>
+          <a:lstStyle/>
+          <a:p>
+            <a:pPr algn="ctr"/>
+            <a:r>
+              <a:rPr lang="en-US" dirty="0">
+                <a:solidFill>
+                  <a:schemeClr val="tx1"/>
+                </a:solidFill>
+              </a:rPr>
+              <a:t>2</a:t>
+            </a:r>
+          </a:p>
+        </p:txBody>
+      </p:sp>
+      <p:cxnSp>
+        <p:nvCxnSpPr>
+          <p:cNvPr id="9" name="Straight Arrow Connector 8">
+            <a:extLst>
+              <a:ext uri="{FF2B5EF4-FFF2-40B4-BE49-F238E27FC236}">
+                <a16:creationId xmlns:a16="http://schemas.microsoft.com/office/drawing/2014/main" id="{2CD093AC-3A4F-3D49-8017-C7F2DC1FCE42}"/>
+              </a:ext>
+            </a:extLst>
+          </p:cNvPr>
+          <p:cNvCxnSpPr>
+            <a:stCxn id="8" idx="3"/>
+            <a:endCxn id="6" idx="7"/>
+          </p:cNvCxnSpPr>
+          <p:nvPr/>
+        </p:nvCxnSpPr>
+        <p:spPr>
+          <a:xfrm flipH="1">
+            <a:off x="953107" y="4288636"/>
+            <a:ext cx="464464" cy="512929"/>
+          </a:xfrm>
+          <a:prstGeom prst="straightConnector1">
+            <a:avLst/>
+          </a:prstGeom>
+          <a:ln>
+            <a:solidFill>
+              <a:srgbClr val="A6A6A6"/>
+            </a:solidFill>
+            <a:headEnd type="none"/>
+            <a:tailEnd type="triangle"/>
+          </a:ln>
+          <a:effectLst/>
+        </p:spPr>
+        <p:style>
+          <a:lnRef idx="2">
+            <a:schemeClr val="accent1"/>
+          </a:lnRef>
+          <a:fillRef idx="0">
+            <a:schemeClr val="accent1"/>
+          </a:fillRef>
+          <a:effectRef idx="1">
+            <a:schemeClr val="accent1"/>
+          </a:effectRef>
+          <a:fontRef idx="minor">
+            <a:schemeClr val="tx1"/>
+          </a:fontRef>
+        </p:style>
+      </p:cxnSp>
+      <p:cxnSp>
+        <p:nvCxnSpPr>
+          <p:cNvPr id="10" name="Straight Arrow Connector 9">
+            <a:extLst>
+              <a:ext uri="{FF2B5EF4-FFF2-40B4-BE49-F238E27FC236}">
+                <a16:creationId xmlns:a16="http://schemas.microsoft.com/office/drawing/2014/main" id="{280E6DA5-27D0-5A4B-9428-0278D2ACAEFD}"/>
+              </a:ext>
+            </a:extLst>
+          </p:cNvPr>
+          <p:cNvCxnSpPr>
+            <a:stCxn id="8" idx="5"/>
+            <a:endCxn id="7" idx="1"/>
+          </p:cNvCxnSpPr>
+          <p:nvPr/>
+        </p:nvCxnSpPr>
+        <p:spPr>
+          <a:xfrm>
+            <a:off x="1642622" y="4288636"/>
+            <a:ext cx="464464" cy="512929"/>
+          </a:xfrm>
+          <a:prstGeom prst="straightConnector1">
+            <a:avLst/>
+          </a:prstGeom>
+          <a:ln>
+            <a:solidFill>
+              <a:srgbClr val="A6A6A6"/>
+            </a:solidFill>
+            <a:headEnd type="none"/>
+            <a:tailEnd type="triangle"/>
+          </a:ln>
+          <a:effectLst/>
+        </p:spPr>
+        <p:style>
+          <a:lnRef idx="2">
+            <a:schemeClr val="accent1"/>
+          </a:lnRef>
+          <a:fillRef idx="0">
+            <a:schemeClr val="accent1"/>
+          </a:fillRef>
+          <a:effectRef idx="1">
+            <a:schemeClr val="accent1"/>
+          </a:effectRef>
+          <a:fontRef idx="minor">
+            <a:schemeClr val="tx1"/>
+          </a:fontRef>
+        </p:style>
+      </p:cxnSp>
+      <p:cxnSp>
+        <p:nvCxnSpPr>
+          <p:cNvPr id="11" name="Straight Arrow Connector 10">
+            <a:extLst>
+              <a:ext uri="{FF2B5EF4-FFF2-40B4-BE49-F238E27FC236}">
+                <a16:creationId xmlns:a16="http://schemas.microsoft.com/office/drawing/2014/main" id="{5B969ED6-15D6-EE43-9F25-47DBAB4608B3}"/>
+              </a:ext>
+            </a:extLst>
+          </p:cNvPr>
+          <p:cNvCxnSpPr>
+            <a:endCxn id="8" idx="0"/>
+          </p:cNvCxnSpPr>
+          <p:nvPr/>
+        </p:nvCxnSpPr>
+        <p:spPr>
+          <a:xfrm>
+            <a:off x="1530096" y="3429000"/>
+            <a:ext cx="0" cy="576518"/>
+          </a:xfrm>
+          <a:prstGeom prst="straightConnector1">
+            <a:avLst/>
+          </a:prstGeom>
+          <a:ln>
+            <a:solidFill>
+              <a:srgbClr val="A6A6A6"/>
+            </a:solidFill>
+            <a:headEnd type="none"/>
+            <a:tailEnd type="triangle"/>
+          </a:ln>
+          <a:effectLst/>
+        </p:spPr>
+        <p:style>
+          <a:lnRef idx="2">
+            <a:schemeClr val="accent1"/>
+          </a:lnRef>
+          <a:fillRef idx="0">
+            <a:schemeClr val="accent1"/>
+          </a:fillRef>
+          <a:effectRef idx="1">
+            <a:schemeClr val="accent1"/>
+          </a:effectRef>
+          <a:fontRef idx="minor">
+            <a:schemeClr val="tx1"/>
+          </a:fontRef>
+        </p:style>
+      </p:cxnSp>
+      <p:sp>
+        <p:nvSpPr>
+          <p:cNvPr id="15" name="Oval 14">
+            <a:extLst>
+              <a:ext uri="{FF2B5EF4-FFF2-40B4-BE49-F238E27FC236}">
+                <a16:creationId xmlns:a16="http://schemas.microsoft.com/office/drawing/2014/main" id="{E0D1AB2A-B845-C749-846E-6C0CB3A405D1}"/>
+              </a:ext>
+            </a:extLst>
+          </p:cNvPr>
+          <p:cNvSpPr/>
+          <p:nvPr/>
+        </p:nvSpPr>
+        <p:spPr>
+          <a:xfrm>
+            <a:off x="1380248" y="3102198"/>
+            <a:ext cx="318271" cy="331696"/>
+          </a:xfrm>
+          <a:prstGeom prst="ellipse">
+            <a:avLst/>
+          </a:prstGeom>
+          <a:noFill/>
+          <a:ln>
+            <a:solidFill>
+              <a:schemeClr val="tx1"/>
+            </a:solidFill>
+          </a:ln>
+          <a:effectLst/>
+        </p:spPr>
+        <p:style>
+          <a:lnRef idx="1">
+            <a:schemeClr val="accent1"/>
+          </a:lnRef>
+          <a:fillRef idx="3">
+            <a:schemeClr val="accent1"/>
+          </a:fillRef>
+          <a:effectRef idx="2">
+            <a:schemeClr val="accent1"/>
+          </a:effectRef>
+          <a:fontRef idx="minor">
+            <a:schemeClr val="lt1"/>
+          </a:fontRef>
+        </p:style>
+        <p:txBody>
+          <a:bodyPr rtlCol="0" anchor="ctr"/>
+          <a:lstStyle/>
+          <a:p>
+            <a:pPr algn="ctr"/>
+            <a:r>
+              <a:rPr lang="en-US" dirty="0">
+                <a:solidFill>
+                  <a:schemeClr val="tx1"/>
+                </a:solidFill>
+              </a:rPr>
+              <a:t>1</a:t>
+            </a:r>
+          </a:p>
+        </p:txBody>
+      </p:sp>
+      <p:cxnSp>
+        <p:nvCxnSpPr>
+          <p:cNvPr id="16" name="Straight Arrow Connector 15">
+            <a:extLst>
+              <a:ext uri="{FF2B5EF4-FFF2-40B4-BE49-F238E27FC236}">
+                <a16:creationId xmlns:a16="http://schemas.microsoft.com/office/drawing/2014/main" id="{4B9D0F0D-3579-A248-89E7-2F52F6198078}"/>
+              </a:ext>
+            </a:extLst>
+          </p:cNvPr>
+          <p:cNvCxnSpPr/>
+          <p:nvPr/>
+        </p:nvCxnSpPr>
+        <p:spPr>
+          <a:xfrm>
+            <a:off x="1530096" y="2508979"/>
+            <a:ext cx="0" cy="576518"/>
+          </a:xfrm>
+          <a:prstGeom prst="straightConnector1">
+            <a:avLst/>
+          </a:prstGeom>
+          <a:ln>
+            <a:solidFill>
+              <a:srgbClr val="A6A6A6"/>
+            </a:solidFill>
+            <a:headEnd type="none"/>
+            <a:tailEnd type="triangle"/>
+          </a:ln>
+          <a:effectLst/>
+        </p:spPr>
+        <p:style>
+          <a:lnRef idx="2">
+            <a:schemeClr val="accent1"/>
+          </a:lnRef>
+          <a:fillRef idx="0">
+            <a:schemeClr val="accent1"/>
+          </a:fillRef>
+          <a:effectRef idx="1">
+            <a:schemeClr val="accent1"/>
+          </a:effectRef>
+          <a:fontRef idx="minor">
+            <a:schemeClr val="tx1"/>
+          </a:fontRef>
+        </p:style>
+      </p:cxnSp>
+      <p:sp>
+        <p:nvSpPr>
+          <p:cNvPr id="17" name="Oval 16">
+            <a:extLst>
+              <a:ext uri="{FF2B5EF4-FFF2-40B4-BE49-F238E27FC236}">
+                <a16:creationId xmlns:a16="http://schemas.microsoft.com/office/drawing/2014/main" id="{BF264685-198E-BC47-BBBF-FE7C33D03443}"/>
+              </a:ext>
+            </a:extLst>
+          </p:cNvPr>
+          <p:cNvSpPr/>
+          <p:nvPr/>
+        </p:nvSpPr>
+        <p:spPr>
+          <a:xfrm>
+            <a:off x="1380248" y="2182177"/>
+            <a:ext cx="318271" cy="331696"/>
+          </a:xfrm>
+          <a:prstGeom prst="ellipse">
+            <a:avLst/>
+          </a:prstGeom>
+          <a:noFill/>
+          <a:ln>
+            <a:solidFill>
+              <a:schemeClr val="tx1"/>
+            </a:solidFill>
+          </a:ln>
+          <a:effectLst/>
+        </p:spPr>
+        <p:style>
+          <a:lnRef idx="1">
+            <a:schemeClr val="accent1"/>
+          </a:lnRef>
+          <a:fillRef idx="3">
+            <a:schemeClr val="accent1"/>
+          </a:fillRef>
+          <a:effectRef idx="2">
+            <a:schemeClr val="accent1"/>
+          </a:effectRef>
+          <a:fontRef idx="minor">
+            <a:schemeClr val="lt1"/>
+          </a:fontRef>
+        </p:style>
+        <p:txBody>
+          <a:bodyPr rtlCol="0" anchor="ctr"/>
+          <a:lstStyle/>
+          <a:p>
+            <a:pPr algn="ctr"/>
+            <a:r>
+              <a:rPr lang="en-US" dirty="0">
+                <a:solidFill>
+                  <a:schemeClr val="tx1"/>
+                </a:solidFill>
+              </a:rPr>
+              <a:t>N</a:t>
+            </a:r>
+          </a:p>
+        </p:txBody>
+      </p:sp>
+      <mc:AlternateContent xmlns:mc="http://schemas.openxmlformats.org/markup-compatibility/2006">
+        <mc:Choice xmlns:a14="http://schemas.microsoft.com/office/drawing/2010/main" Requires="a14">
+          <p:sp>
+            <p:nvSpPr>
+              <p:cNvPr id="18" name="TextBox 17">
+                <a:extLst>
+                  <a:ext uri="{FF2B5EF4-FFF2-40B4-BE49-F238E27FC236}">
+                    <a16:creationId xmlns:a16="http://schemas.microsoft.com/office/drawing/2014/main" id="{29487602-223E-314A-B276-A726284EFA3F}"/>
+                  </a:ext>
+                </a:extLst>
+              </p:cNvPr>
+              <p:cNvSpPr txBox="1"/>
+              <p:nvPr/>
+            </p:nvSpPr>
+            <p:spPr>
+              <a:xfrm>
+                <a:off x="2704011" y="1846584"/>
+                <a:ext cx="6677982" cy="461665"/>
+              </a:xfrm>
+              <a:prstGeom prst="rect">
+                <a:avLst/>
+              </a:prstGeom>
+              <a:noFill/>
+            </p:spPr>
+            <p:txBody>
+              <a:bodyPr wrap="none" rtlCol="0">
+                <a:spAutoFit/>
+              </a:bodyPr>
+              <a:lstStyle/>
+              <a:p>
+                <a14:m>
+                  <m:oMathPara xmlns:m="http://schemas.openxmlformats.org/officeDocument/2006/math">
+                    <m:oMathParaPr>
+                      <m:jc m:val="centerGroup"/>
+                    </m:oMathParaPr>
+                    <m:oMath xmlns:m="http://schemas.openxmlformats.org/officeDocument/2006/math">
+                      <m:r>
+                        <a:rPr lang="en-US" sz="2400" b="0" i="1" smtClean="0">
+                          <a:latin typeface="Cambria Math" panose="02040503050406030204" pitchFamily="18" charset="0"/>
+                          <a:ea typeface="Cambria Math" panose="02040503050406030204" pitchFamily="18" charset="0"/>
+                        </a:rPr>
+                        <m:t>𝑃</m:t>
+                      </m:r>
+                      <m:d>
+                        <m:dPr>
+                          <m:ctrlPr>
+                            <a:rPr lang="en-US" sz="2400" b="0" i="1" smtClean="0">
+                              <a:latin typeface="Cambria Math" panose="02040503050406030204" pitchFamily="18" charset="0"/>
+                              <a:ea typeface="Cambria Math" panose="02040503050406030204" pitchFamily="18" charset="0"/>
+                            </a:rPr>
+                          </m:ctrlPr>
+                        </m:dPr>
+                        <m:e>
+                          <m:r>
+                            <a:rPr lang="en-US" sz="2400" b="0" i="1" smtClean="0">
+                              <a:latin typeface="Cambria Math" panose="02040503050406030204" pitchFamily="18" charset="0"/>
+                              <a:ea typeface="Cambria Math" panose="02040503050406030204" pitchFamily="18" charset="0"/>
+                            </a:rPr>
+                            <m:t>𝑇𝑟𝑒𝑒</m:t>
+                          </m:r>
+                        </m:e>
+                        <m:e>
+                          <m:sSub>
+                            <m:sSubPr>
+                              <m:ctrlPr>
+                                <a:rPr lang="en-US" sz="2400" b="0" i="1" smtClean="0">
+                                  <a:latin typeface="Cambria Math" panose="02040503050406030204" pitchFamily="18" charset="0"/>
+                                  <a:ea typeface="Cambria Math" panose="02040503050406030204" pitchFamily="18" charset="0"/>
+                                </a:rPr>
+                              </m:ctrlPr>
+                            </m:sSubPr>
+                            <m:e>
+                              <m:r>
+                                <a:rPr lang="en-US" sz="2400" b="0" i="1" smtClean="0">
+                                  <a:latin typeface="Cambria Math" panose="02040503050406030204" pitchFamily="18" charset="0"/>
+                                  <a:ea typeface="Cambria Math" panose="02040503050406030204" pitchFamily="18" charset="0"/>
+                                </a:rPr>
+                                <m:t>𝜔</m:t>
+                              </m:r>
+                            </m:e>
+                            <m:sub>
+                              <m:r>
+                                <a:rPr lang="en-US" sz="2400" b="0" i="1" smtClean="0">
+                                  <a:latin typeface="Cambria Math" panose="02040503050406030204" pitchFamily="18" charset="0"/>
+                                  <a:ea typeface="Cambria Math" panose="02040503050406030204" pitchFamily="18" charset="0"/>
+                                </a:rPr>
+                                <m:t>1</m:t>
+                              </m:r>
+                            </m:sub>
+                          </m:sSub>
+                          <m:r>
+                            <a:rPr lang="en-US" sz="2400" b="0" i="1" smtClean="0">
+                              <a:latin typeface="Cambria Math" panose="02040503050406030204" pitchFamily="18" charset="0"/>
+                              <a:ea typeface="Cambria Math" panose="02040503050406030204" pitchFamily="18" charset="0"/>
+                            </a:rPr>
+                            <m:t>,…,</m:t>
+                          </m:r>
+                          <m:sSub>
+                            <m:sSubPr>
+                              <m:ctrlPr>
+                                <a:rPr lang="en-US" sz="2400" b="0" i="1" smtClean="0">
+                                  <a:latin typeface="Cambria Math" panose="02040503050406030204" pitchFamily="18" charset="0"/>
+                                  <a:ea typeface="Cambria Math" panose="02040503050406030204" pitchFamily="18" charset="0"/>
+                                </a:rPr>
+                              </m:ctrlPr>
+                            </m:sSubPr>
+                            <m:e>
+                              <m:r>
+                                <a:rPr lang="en-US" sz="2400" b="0" i="1" smtClean="0">
+                                  <a:latin typeface="Cambria Math" panose="02040503050406030204" pitchFamily="18" charset="0"/>
+                                  <a:ea typeface="Cambria Math" panose="02040503050406030204" pitchFamily="18" charset="0"/>
+                                </a:rPr>
+                                <m:t>𝜔</m:t>
+                              </m:r>
+                            </m:e>
+                            <m:sub>
+                              <m:r>
+                                <a:rPr lang="en-US" sz="2400" b="0" i="1" smtClean="0">
+                                  <a:latin typeface="Cambria Math" panose="02040503050406030204" pitchFamily="18" charset="0"/>
+                                  <a:ea typeface="Cambria Math" panose="02040503050406030204" pitchFamily="18" charset="0"/>
+                                </a:rPr>
+                                <m:t>𝑘</m:t>
+                              </m:r>
+                            </m:sub>
+                          </m:sSub>
+                        </m:e>
+                      </m:d>
+                      <m:r>
+                        <a:rPr lang="en-US" sz="2400" b="0" i="1" smtClean="0">
+                          <a:latin typeface="Cambria Math" panose="02040503050406030204" pitchFamily="18" charset="0"/>
+                          <a:ea typeface="Cambria Math" panose="02040503050406030204" pitchFamily="18" charset="0"/>
+                        </a:rPr>
+                        <m:t>∝</m:t>
+                      </m:r>
+                      <m:r>
+                        <a:rPr lang="en-US" sz="2400" b="0" i="1" smtClean="0">
+                          <a:latin typeface="Cambria Math" panose="02040503050406030204" pitchFamily="18" charset="0"/>
+                          <a:ea typeface="Cambria Math" panose="02040503050406030204" pitchFamily="18" charset="0"/>
+                        </a:rPr>
+                        <m:t>𝑃</m:t>
+                      </m:r>
+                      <m:d>
+                        <m:dPr>
+                          <m:ctrlPr>
+                            <a:rPr lang="en-US" sz="2400" b="0" i="1" smtClean="0">
+                              <a:latin typeface="Cambria Math" panose="02040503050406030204" pitchFamily="18" charset="0"/>
+                              <a:ea typeface="Cambria Math" panose="02040503050406030204" pitchFamily="18" charset="0"/>
+                            </a:rPr>
+                          </m:ctrlPr>
+                        </m:dPr>
+                        <m:e>
+                          <m:sSub>
+                            <m:sSubPr>
+                              <m:ctrlPr>
+                                <a:rPr lang="en-US" sz="2400" i="1">
+                                  <a:latin typeface="Cambria Math" panose="02040503050406030204" pitchFamily="18" charset="0"/>
+                                  <a:ea typeface="Cambria Math" panose="02040503050406030204" pitchFamily="18" charset="0"/>
+                                </a:rPr>
+                              </m:ctrlPr>
+                            </m:sSubPr>
+                            <m:e>
+                              <m:r>
+                                <a:rPr lang="en-US" sz="2400" i="1">
+                                  <a:latin typeface="Cambria Math" panose="02040503050406030204" pitchFamily="18" charset="0"/>
+                                  <a:ea typeface="Cambria Math" panose="02040503050406030204" pitchFamily="18" charset="0"/>
+                                </a:rPr>
+                                <m:t>𝜔</m:t>
+                              </m:r>
+                            </m:e>
+                            <m:sub>
+                              <m:r>
+                                <a:rPr lang="en-US" sz="2400" i="1">
+                                  <a:latin typeface="Cambria Math" panose="02040503050406030204" pitchFamily="18" charset="0"/>
+                                  <a:ea typeface="Cambria Math" panose="02040503050406030204" pitchFamily="18" charset="0"/>
+                                </a:rPr>
+                                <m:t>1</m:t>
+                              </m:r>
+                            </m:sub>
+                          </m:sSub>
+                          <m:r>
+                            <a:rPr lang="en-US" sz="2400" i="1">
+                              <a:latin typeface="Cambria Math" panose="02040503050406030204" pitchFamily="18" charset="0"/>
+                              <a:ea typeface="Cambria Math" panose="02040503050406030204" pitchFamily="18" charset="0"/>
+                            </a:rPr>
+                            <m:t>,…,</m:t>
+                          </m:r>
+                          <m:sSub>
+                            <m:sSubPr>
+                              <m:ctrlPr>
+                                <a:rPr lang="en-US" sz="2400" i="1">
+                                  <a:latin typeface="Cambria Math" panose="02040503050406030204" pitchFamily="18" charset="0"/>
+                                  <a:ea typeface="Cambria Math" panose="02040503050406030204" pitchFamily="18" charset="0"/>
+                                </a:rPr>
+                              </m:ctrlPr>
+                            </m:sSubPr>
+                            <m:e>
+                              <m:r>
+                                <a:rPr lang="en-US" sz="2400" i="1">
+                                  <a:latin typeface="Cambria Math" panose="02040503050406030204" pitchFamily="18" charset="0"/>
+                                  <a:ea typeface="Cambria Math" panose="02040503050406030204" pitchFamily="18" charset="0"/>
+                                </a:rPr>
+                                <m:t>𝜔</m:t>
+                              </m:r>
+                            </m:e>
+                            <m:sub>
+                              <m:r>
+                                <a:rPr lang="en-US" sz="2400" i="1">
+                                  <a:latin typeface="Cambria Math" panose="02040503050406030204" pitchFamily="18" charset="0"/>
+                                  <a:ea typeface="Cambria Math" panose="02040503050406030204" pitchFamily="18" charset="0"/>
+                                </a:rPr>
+                                <m:t>𝑘</m:t>
+                              </m:r>
+                            </m:sub>
+                          </m:sSub>
+                        </m:e>
+                        <m:e>
+                          <m:r>
+                            <a:rPr lang="en-US" sz="2400" b="0" i="1" smtClean="0">
+                              <a:latin typeface="Cambria Math" panose="02040503050406030204" pitchFamily="18" charset="0"/>
+                              <a:ea typeface="Cambria Math" panose="02040503050406030204" pitchFamily="18" charset="0"/>
+                            </a:rPr>
+                            <m:t>𝑇𝑟𝑒𝑒</m:t>
+                          </m:r>
+                        </m:e>
+                      </m:d>
+                      <m:r>
+                        <a:rPr lang="en-US" sz="2400" b="0" i="1" smtClean="0">
+                          <a:latin typeface="Cambria Math" panose="02040503050406030204" pitchFamily="18" charset="0"/>
+                          <a:ea typeface="Cambria Math" panose="02040503050406030204" pitchFamily="18" charset="0"/>
+                        </a:rPr>
+                        <m:t> </m:t>
+                      </m:r>
+                      <m:r>
+                        <a:rPr lang="en-US" sz="2400" b="0" i="1" smtClean="0">
+                          <a:latin typeface="Cambria Math" panose="02040503050406030204" pitchFamily="18" charset="0"/>
+                          <a:ea typeface="Cambria Math" panose="02040503050406030204" pitchFamily="18" charset="0"/>
+                        </a:rPr>
+                        <m:t>𝑃</m:t>
+                      </m:r>
+                      <m:r>
+                        <a:rPr lang="en-US" sz="2400" b="0" i="1" smtClean="0">
+                          <a:latin typeface="Cambria Math" panose="02040503050406030204" pitchFamily="18" charset="0"/>
+                          <a:ea typeface="Cambria Math" panose="02040503050406030204" pitchFamily="18" charset="0"/>
+                        </a:rPr>
+                        <m:t>(</m:t>
+                      </m:r>
+                      <m:r>
+                        <a:rPr lang="en-US" sz="2400" b="0" i="1" smtClean="0">
+                          <a:latin typeface="Cambria Math" panose="02040503050406030204" pitchFamily="18" charset="0"/>
+                          <a:ea typeface="Cambria Math" panose="02040503050406030204" pitchFamily="18" charset="0"/>
+                        </a:rPr>
+                        <m:t>𝑇𝑟𝑒𝑒</m:t>
+                      </m:r>
+                      <m:r>
+                        <a:rPr lang="en-US" sz="2400" b="0" i="1" smtClean="0">
+                          <a:latin typeface="Cambria Math" panose="02040503050406030204" pitchFamily="18" charset="0"/>
+                          <a:ea typeface="Cambria Math" panose="02040503050406030204" pitchFamily="18" charset="0"/>
+                        </a:rPr>
+                        <m:t>)</m:t>
+                      </m:r>
+                    </m:oMath>
+                  </m:oMathPara>
+                </a14:m>
+                <a:endParaRPr lang="en-US" sz="2400" dirty="0"/>
+              </a:p>
+            </p:txBody>
+          </p:sp>
+        </mc:Choice>
+        <mc:Fallback>
+          <p:sp>
+            <p:nvSpPr>
+              <p:cNvPr id="18" name="TextBox 17">
+                <a:extLst>
+                  <a:ext uri="{FF2B5EF4-FFF2-40B4-BE49-F238E27FC236}">
+                    <a16:creationId xmlns:a16="http://schemas.microsoft.com/office/drawing/2014/main" id="{29487602-223E-314A-B276-A726284EFA3F}"/>
+                  </a:ext>
+                </a:extLst>
+              </p:cNvPr>
+              <p:cNvSpPr txBox="1">
+                <a:spLocks noRot="1" noChangeAspect="1" noMove="1" noResize="1" noEditPoints="1" noAdjustHandles="1" noChangeArrowheads="1" noChangeShapeType="1" noTextEdit="1"/>
+              </p:cNvSpPr>
+              <p:nvPr/>
+            </p:nvSpPr>
+            <p:spPr>
+              <a:xfrm>
+                <a:off x="2704011" y="1846584"/>
+                <a:ext cx="6677982" cy="461665"/>
+              </a:xfrm>
+              <a:prstGeom prst="rect">
+                <a:avLst/>
+              </a:prstGeom>
+              <a:blipFill>
+                <a:blip r:embed="rId2"/>
+                <a:stretch>
+                  <a:fillRect b="-18421"/>
+                </a:stretch>
+              </a:blipFill>
+            </p:spPr>
+            <p:txBody>
+              <a:bodyPr/>
+              <a:lstStyle/>
+              <a:p>
+                <a:r>
+                  <a:rPr lang="en-US">
+                    <a:noFill/>
+                  </a:rPr>
+                  <a:t> </a:t>
+                </a:r>
+              </a:p>
+            </p:txBody>
+          </p:sp>
+        </mc:Fallback>
+      </mc:AlternateContent>
+      <mc:AlternateContent xmlns:mc="http://schemas.openxmlformats.org/markup-compatibility/2006">
+        <mc:Choice xmlns:a14="http://schemas.microsoft.com/office/drawing/2010/main" Requires="a14">
+          <p:sp>
+            <p:nvSpPr>
+              <p:cNvPr id="19" name="TextBox 18">
+                <a:extLst>
+                  <a:ext uri="{FF2B5EF4-FFF2-40B4-BE49-F238E27FC236}">
+                    <a16:creationId xmlns:a16="http://schemas.microsoft.com/office/drawing/2014/main" id="{4E13584E-B946-B346-A9D5-787BFAA0C64F}"/>
+                  </a:ext>
+                </a:extLst>
+              </p:cNvPr>
+              <p:cNvSpPr txBox="1"/>
+              <p:nvPr/>
+            </p:nvSpPr>
+            <p:spPr>
+              <a:xfrm>
+                <a:off x="5214182" y="2932158"/>
+                <a:ext cx="4552080" cy="461665"/>
+              </a:xfrm>
+              <a:prstGeom prst="rect">
+                <a:avLst/>
+              </a:prstGeom>
+              <a:noFill/>
+            </p:spPr>
+            <p:txBody>
+              <a:bodyPr wrap="none" rtlCol="0">
+                <a:spAutoFit/>
+              </a:bodyPr>
+              <a:lstStyle/>
+              <a:p>
+                <a14:m>
+                  <m:oMath xmlns:m="http://schemas.openxmlformats.org/officeDocument/2006/math">
+                    <m:r>
+                      <a:rPr lang="en-US" sz="2400" i="1">
+                        <a:latin typeface="Cambria Math" panose="02040503050406030204" pitchFamily="18" charset="0"/>
+                        <a:ea typeface="Cambria Math" panose="02040503050406030204" pitchFamily="18" charset="0"/>
+                      </a:rPr>
+                      <m:t>∝ </m:t>
+                    </m:r>
+                    <m:r>
+                      <a:rPr lang="en-US" sz="2400" b="0" i="1" smtClean="0">
+                        <a:latin typeface="Cambria Math" panose="02040503050406030204" pitchFamily="18" charset="0"/>
+                        <a:ea typeface="Cambria Math" panose="02040503050406030204" pitchFamily="18" charset="0"/>
+                      </a:rPr>
+                      <m:t>𝑃</m:t>
+                    </m:r>
+                    <m:r>
+                      <a:rPr lang="en-US" sz="2400" b="0" i="1" smtClean="0">
+                        <a:latin typeface="Cambria Math" panose="02040503050406030204" pitchFamily="18" charset="0"/>
+                        <a:ea typeface="Cambria Math" panose="02040503050406030204" pitchFamily="18" charset="0"/>
+                      </a:rPr>
+                      <m:t>(</m:t>
+                    </m:r>
+                    <m:sSub>
+                      <m:sSubPr>
+                        <m:ctrlPr>
+                          <a:rPr lang="en-US" sz="2400" b="0" i="1" smtClean="0">
+                            <a:latin typeface="Cambria Math" panose="02040503050406030204" pitchFamily="18" charset="0"/>
+                            <a:ea typeface="Cambria Math" panose="02040503050406030204" pitchFamily="18" charset="0"/>
+                          </a:rPr>
+                        </m:ctrlPr>
+                      </m:sSubPr>
+                      <m:e>
+                        <m:r>
+                          <a:rPr lang="en-US" sz="2400" i="1" smtClean="0">
+                            <a:latin typeface="Cambria Math" panose="02040503050406030204" pitchFamily="18" charset="0"/>
+                            <a:ea typeface="Cambria Math" panose="02040503050406030204" pitchFamily="18" charset="0"/>
+                          </a:rPr>
+                          <m:t>𝜔</m:t>
+                        </m:r>
+                      </m:e>
+                      <m:sub>
+                        <m:r>
+                          <a:rPr lang="en-US" sz="2400" b="0" i="1" smtClean="0">
+                            <a:latin typeface="Cambria Math" panose="02040503050406030204" pitchFamily="18" charset="0"/>
+                            <a:ea typeface="Cambria Math" panose="02040503050406030204" pitchFamily="18" charset="0"/>
+                          </a:rPr>
+                          <m:t>1</m:t>
+                        </m:r>
+                      </m:sub>
+                    </m:sSub>
+                    <m:r>
+                      <a:rPr lang="en-US" sz="2400" b="0" i="1" smtClean="0">
+                        <a:latin typeface="Cambria Math" panose="02040503050406030204" pitchFamily="18" charset="0"/>
+                        <a:ea typeface="Cambria Math" panose="02040503050406030204" pitchFamily="18" charset="0"/>
+                      </a:rPr>
+                      <m:t>≥</m:t>
+                    </m:r>
+                    <m:sSub>
+                      <m:sSubPr>
+                        <m:ctrlPr>
+                          <a:rPr lang="en-US" sz="2400" b="0" i="1" smtClean="0">
+                            <a:latin typeface="Cambria Math" panose="02040503050406030204" pitchFamily="18" charset="0"/>
+                            <a:ea typeface="Cambria Math" panose="02040503050406030204" pitchFamily="18" charset="0"/>
+                          </a:rPr>
+                        </m:ctrlPr>
+                      </m:sSubPr>
+                      <m:e>
+                        <m:r>
+                          <a:rPr lang="en-US" sz="2400" i="1" smtClean="0">
+                            <a:latin typeface="Cambria Math" panose="02040503050406030204" pitchFamily="18" charset="0"/>
+                            <a:ea typeface="Cambria Math" panose="02040503050406030204" pitchFamily="18" charset="0"/>
+                          </a:rPr>
+                          <m:t>𝜔</m:t>
+                        </m:r>
+                      </m:e>
+                      <m:sub>
+                        <m:r>
+                          <a:rPr lang="en-US" sz="2400" b="0" i="1" smtClean="0">
+                            <a:latin typeface="Cambria Math" panose="02040503050406030204" pitchFamily="18" charset="0"/>
+                            <a:ea typeface="Cambria Math" panose="02040503050406030204" pitchFamily="18" charset="0"/>
+                          </a:rPr>
+                          <m:t>2</m:t>
+                        </m:r>
+                      </m:sub>
+                    </m:sSub>
+                    <m:r>
+                      <a:rPr lang="en-US" sz="2400" b="0" i="1" smtClean="0">
+                        <a:latin typeface="Cambria Math" panose="02040503050406030204" pitchFamily="18" charset="0"/>
+                        <a:ea typeface="Cambria Math" panose="02040503050406030204" pitchFamily="18" charset="0"/>
+                      </a:rPr>
+                      <m:t> ∩ </m:t>
+                    </m:r>
+                    <m:sSub>
+                      <m:sSubPr>
+                        <m:ctrlPr>
+                          <a:rPr lang="en-US" sz="2400" b="0" i="1" smtClean="0">
+                            <a:latin typeface="Cambria Math" panose="02040503050406030204" pitchFamily="18" charset="0"/>
+                            <a:ea typeface="Cambria Math" panose="02040503050406030204" pitchFamily="18" charset="0"/>
+                          </a:rPr>
+                        </m:ctrlPr>
+                      </m:sSubPr>
+                      <m:e>
+                        <m:r>
+                          <a:rPr lang="en-US" sz="2400" i="1" smtClean="0">
+                            <a:latin typeface="Cambria Math" panose="02040503050406030204" pitchFamily="18" charset="0"/>
+                            <a:ea typeface="Cambria Math" panose="02040503050406030204" pitchFamily="18" charset="0"/>
+                          </a:rPr>
+                          <m:t>𝜔</m:t>
+                        </m:r>
+                      </m:e>
+                      <m:sub>
+                        <m:r>
+                          <a:rPr lang="en-US" sz="2400" b="0" i="1" smtClean="0">
+                            <a:latin typeface="Cambria Math" panose="02040503050406030204" pitchFamily="18" charset="0"/>
+                            <a:ea typeface="Cambria Math" panose="02040503050406030204" pitchFamily="18" charset="0"/>
+                          </a:rPr>
+                          <m:t>2</m:t>
+                        </m:r>
+                      </m:sub>
+                    </m:sSub>
+                    <m:r>
+                      <a:rPr lang="en-US" sz="2400" b="0" i="1" smtClean="0">
+                        <a:latin typeface="Cambria Math" panose="02040503050406030204" pitchFamily="18" charset="0"/>
+                        <a:ea typeface="Cambria Math" panose="02040503050406030204" pitchFamily="18" charset="0"/>
+                      </a:rPr>
+                      <m:t>≥</m:t>
+                    </m:r>
+                    <m:sSub>
+                      <m:sSubPr>
+                        <m:ctrlPr>
+                          <a:rPr lang="en-US" sz="2400" b="0" i="1" smtClean="0">
+                            <a:latin typeface="Cambria Math" panose="02040503050406030204" pitchFamily="18" charset="0"/>
+                            <a:ea typeface="Cambria Math" panose="02040503050406030204" pitchFamily="18" charset="0"/>
+                          </a:rPr>
+                        </m:ctrlPr>
+                      </m:sSubPr>
+                      <m:e>
+                        <m:r>
+                          <a:rPr lang="en-US" sz="2400" b="0" i="1" smtClean="0">
+                            <a:latin typeface="Cambria Math" panose="02040503050406030204" pitchFamily="18" charset="0"/>
+                            <a:ea typeface="Cambria Math" panose="02040503050406030204" pitchFamily="18" charset="0"/>
+                          </a:rPr>
+                          <m:t>(</m:t>
+                        </m:r>
+                        <m:r>
+                          <a:rPr lang="en-US" sz="2400" i="1" smtClean="0">
+                            <a:latin typeface="Cambria Math" panose="02040503050406030204" pitchFamily="18" charset="0"/>
+                            <a:ea typeface="Cambria Math" panose="02040503050406030204" pitchFamily="18" charset="0"/>
+                          </a:rPr>
+                          <m:t>𝜔</m:t>
+                        </m:r>
+                      </m:e>
+                      <m:sub>
+                        <m:r>
+                          <a:rPr lang="en-US" sz="2400" b="0" i="1" smtClean="0">
+                            <a:latin typeface="Cambria Math" panose="02040503050406030204" pitchFamily="18" charset="0"/>
+                            <a:ea typeface="Cambria Math" panose="02040503050406030204" pitchFamily="18" charset="0"/>
+                          </a:rPr>
+                          <m:t>3</m:t>
+                        </m:r>
+                      </m:sub>
+                    </m:sSub>
+                    <m:r>
+                      <a:rPr lang="en-US" sz="2400" b="0" i="1" smtClean="0">
+                        <a:latin typeface="Cambria Math" panose="02040503050406030204" pitchFamily="18" charset="0"/>
+                        <a:ea typeface="Cambria Math" panose="02040503050406030204" pitchFamily="18" charset="0"/>
+                      </a:rPr>
+                      <m:t>+</m:t>
+                    </m:r>
+                    <m:sSub>
+                      <m:sSubPr>
+                        <m:ctrlPr>
+                          <a:rPr lang="en-US" sz="2400" b="0" i="1" smtClean="0">
+                            <a:latin typeface="Cambria Math" panose="02040503050406030204" pitchFamily="18" charset="0"/>
+                            <a:ea typeface="Cambria Math" panose="02040503050406030204" pitchFamily="18" charset="0"/>
+                          </a:rPr>
+                        </m:ctrlPr>
+                      </m:sSubPr>
+                      <m:e>
+                        <m:r>
+                          <a:rPr lang="en-US" sz="2400" i="1" smtClean="0">
+                            <a:latin typeface="Cambria Math" panose="02040503050406030204" pitchFamily="18" charset="0"/>
+                            <a:ea typeface="Cambria Math" panose="02040503050406030204" pitchFamily="18" charset="0"/>
+                          </a:rPr>
+                          <m:t>𝜔</m:t>
+                        </m:r>
+                      </m:e>
+                      <m:sub>
+                        <m:r>
+                          <a:rPr lang="en-US" sz="2400" b="0" i="1" smtClean="0">
+                            <a:latin typeface="Cambria Math" panose="02040503050406030204" pitchFamily="18" charset="0"/>
+                            <a:ea typeface="Cambria Math" panose="02040503050406030204" pitchFamily="18" charset="0"/>
+                          </a:rPr>
+                          <m:t>4</m:t>
+                        </m:r>
+                      </m:sub>
+                    </m:sSub>
+                    <m:r>
+                      <a:rPr lang="en-US" sz="2400" b="0" i="1" smtClean="0">
+                        <a:latin typeface="Cambria Math" panose="02040503050406030204" pitchFamily="18" charset="0"/>
+                        <a:ea typeface="Cambria Math" panose="02040503050406030204" pitchFamily="18" charset="0"/>
+                      </a:rPr>
+                      <m:t>)</m:t>
+                    </m:r>
+                  </m:oMath>
+                </a14:m>
+                <a:r>
+                  <a:rPr lang="en-US" sz="2400" dirty="0"/>
+                  <a:t>)</a:t>
+                </a:r>
+              </a:p>
+            </p:txBody>
+          </p:sp>
+        </mc:Choice>
+        <mc:Fallback>
+          <p:sp>
+            <p:nvSpPr>
+              <p:cNvPr id="19" name="TextBox 18">
+                <a:extLst>
+                  <a:ext uri="{FF2B5EF4-FFF2-40B4-BE49-F238E27FC236}">
+                    <a16:creationId xmlns:a16="http://schemas.microsoft.com/office/drawing/2014/main" id="{4E13584E-B946-B346-A9D5-787BFAA0C64F}"/>
+                  </a:ext>
+                </a:extLst>
+              </p:cNvPr>
+              <p:cNvSpPr txBox="1">
+                <a:spLocks noRot="1" noChangeAspect="1" noMove="1" noResize="1" noEditPoints="1" noAdjustHandles="1" noChangeArrowheads="1" noChangeShapeType="1" noTextEdit="1"/>
+              </p:cNvSpPr>
+              <p:nvPr/>
+            </p:nvSpPr>
+            <p:spPr>
+              <a:xfrm>
+                <a:off x="5214182" y="2932158"/>
+                <a:ext cx="4552080" cy="461665"/>
+              </a:xfrm>
+              <a:prstGeom prst="rect">
+                <a:avLst/>
+              </a:prstGeom>
+              <a:blipFill>
+                <a:blip r:embed="rId3"/>
+                <a:stretch>
+                  <a:fillRect t="-5405" r="-1114" b="-29730"/>
+                </a:stretch>
+              </a:blipFill>
+            </p:spPr>
+            <p:txBody>
+              <a:bodyPr/>
+              <a:lstStyle/>
+              <a:p>
+                <a:r>
+                  <a:rPr lang="en-US">
+                    <a:noFill/>
+                  </a:rPr>
+                  <a:t> </a:t>
+                </a:r>
+              </a:p>
+            </p:txBody>
+          </p:sp>
+        </mc:Fallback>
+      </mc:AlternateContent>
+      <mc:AlternateContent xmlns:mc="http://schemas.openxmlformats.org/markup-compatibility/2006">
+        <mc:Choice xmlns:a14="http://schemas.microsoft.com/office/drawing/2010/main" Requires="a14">
+          <p:sp>
+            <p:nvSpPr>
+              <p:cNvPr id="20" name="TextBox 19">
+                <a:extLst>
+                  <a:ext uri="{FF2B5EF4-FFF2-40B4-BE49-F238E27FC236}">
+                    <a16:creationId xmlns:a16="http://schemas.microsoft.com/office/drawing/2014/main" id="{1FAE9BF4-4385-894C-932D-6822A1188E83}"/>
+                  </a:ext>
+                </a:extLst>
+              </p:cNvPr>
+              <p:cNvSpPr txBox="1"/>
+              <p:nvPr/>
+            </p:nvSpPr>
+            <p:spPr>
+              <a:xfrm>
+                <a:off x="5214182" y="3532567"/>
+                <a:ext cx="4592668" cy="461665"/>
+              </a:xfrm>
+              <a:prstGeom prst="rect">
+                <a:avLst/>
+              </a:prstGeom>
+              <a:noFill/>
+            </p:spPr>
+            <p:txBody>
+              <a:bodyPr wrap="none" rtlCol="0">
+                <a:spAutoFit/>
+              </a:bodyPr>
+              <a:lstStyle/>
+              <a:p>
+                <a14:m>
+                  <m:oMath xmlns:m="http://schemas.openxmlformats.org/officeDocument/2006/math">
+                    <m:r>
+                      <a:rPr lang="en-US" sz="2400" i="1">
+                        <a:latin typeface="Cambria Math" panose="02040503050406030204" pitchFamily="18" charset="0"/>
+                        <a:ea typeface="Cambria Math" panose="02040503050406030204" pitchFamily="18" charset="0"/>
+                      </a:rPr>
+                      <m:t>∝ </m:t>
+                    </m:r>
+                    <m:r>
+                      <a:rPr lang="en-US" sz="2400" b="0" i="1" smtClean="0">
+                        <a:latin typeface="Cambria Math" panose="02040503050406030204" pitchFamily="18" charset="0"/>
+                        <a:ea typeface="Cambria Math" panose="02040503050406030204" pitchFamily="18" charset="0"/>
+                      </a:rPr>
+                      <m:t>𝑃</m:t>
+                    </m:r>
+                    <m:r>
+                      <a:rPr lang="en-US" sz="2400" b="0" i="1" smtClean="0">
+                        <a:latin typeface="Cambria Math" panose="02040503050406030204" pitchFamily="18" charset="0"/>
+                        <a:ea typeface="Cambria Math" panose="02040503050406030204" pitchFamily="18" charset="0"/>
+                      </a:rPr>
+                      <m:t>(</m:t>
+                    </m:r>
+                    <m:sSub>
+                      <m:sSubPr>
+                        <m:ctrlPr>
+                          <a:rPr lang="en-US" sz="2400" b="0" i="1" smtClean="0">
+                            <a:latin typeface="Cambria Math" panose="02040503050406030204" pitchFamily="18" charset="0"/>
+                            <a:ea typeface="Cambria Math" panose="02040503050406030204" pitchFamily="18" charset="0"/>
+                          </a:rPr>
+                        </m:ctrlPr>
+                      </m:sSubPr>
+                      <m:e>
+                        <m:r>
+                          <a:rPr lang="en-US" sz="2400" i="1" smtClean="0">
+                            <a:latin typeface="Cambria Math" panose="02040503050406030204" pitchFamily="18" charset="0"/>
+                            <a:ea typeface="Cambria Math" panose="02040503050406030204" pitchFamily="18" charset="0"/>
+                          </a:rPr>
+                          <m:t>𝜔</m:t>
+                        </m:r>
+                      </m:e>
+                      <m:sub>
+                        <m:r>
+                          <a:rPr lang="en-US" sz="2400" b="0" i="1" smtClean="0">
+                            <a:latin typeface="Cambria Math" panose="02040503050406030204" pitchFamily="18" charset="0"/>
+                            <a:ea typeface="Cambria Math" panose="02040503050406030204" pitchFamily="18" charset="0"/>
+                          </a:rPr>
+                          <m:t>1</m:t>
+                        </m:r>
+                      </m:sub>
+                    </m:sSub>
+                    <m:r>
+                      <a:rPr lang="en-US" sz="2400" b="0" i="1" smtClean="0">
+                        <a:latin typeface="Cambria Math" panose="02040503050406030204" pitchFamily="18" charset="0"/>
+                        <a:ea typeface="Cambria Math" panose="02040503050406030204" pitchFamily="18" charset="0"/>
+                      </a:rPr>
+                      <m:t>≥</m:t>
+                    </m:r>
+                    <m:sSub>
+                      <m:sSubPr>
+                        <m:ctrlPr>
+                          <a:rPr lang="en-US" sz="2400" b="0" i="1" smtClean="0">
+                            <a:latin typeface="Cambria Math" panose="02040503050406030204" pitchFamily="18" charset="0"/>
+                            <a:ea typeface="Cambria Math" panose="02040503050406030204" pitchFamily="18" charset="0"/>
+                          </a:rPr>
+                        </m:ctrlPr>
+                      </m:sSubPr>
+                      <m:e>
+                        <m:r>
+                          <a:rPr lang="en-US" sz="2400" i="1" smtClean="0">
+                            <a:latin typeface="Cambria Math" panose="02040503050406030204" pitchFamily="18" charset="0"/>
+                            <a:ea typeface="Cambria Math" panose="02040503050406030204" pitchFamily="18" charset="0"/>
+                          </a:rPr>
+                          <m:t>𝜔</m:t>
+                        </m:r>
+                      </m:e>
+                      <m:sub>
+                        <m:r>
+                          <a:rPr lang="en-US" sz="2400" b="0" i="1" smtClean="0">
+                            <a:latin typeface="Cambria Math" panose="02040503050406030204" pitchFamily="18" charset="0"/>
+                            <a:ea typeface="Cambria Math" panose="02040503050406030204" pitchFamily="18" charset="0"/>
+                          </a:rPr>
+                          <m:t>2</m:t>
+                        </m:r>
+                      </m:sub>
+                    </m:sSub>
+                    <m:r>
+                      <a:rPr lang="en-US" sz="2400" b="0" i="1" smtClean="0">
+                        <a:latin typeface="Cambria Math" panose="02040503050406030204" pitchFamily="18" charset="0"/>
+                        <a:ea typeface="Cambria Math" panose="02040503050406030204" pitchFamily="18" charset="0"/>
+                      </a:rPr>
+                      <m:t>) </m:t>
+                    </m:r>
+                    <m:r>
+                      <a:rPr lang="en-US" sz="2400" b="0" i="1" smtClean="0">
+                        <a:latin typeface="Cambria Math" panose="02040503050406030204" pitchFamily="18" charset="0"/>
+                        <a:ea typeface="Cambria Math" panose="02040503050406030204" pitchFamily="18" charset="0"/>
+                      </a:rPr>
+                      <m:t>𝑃</m:t>
+                    </m:r>
+                    <m:r>
+                      <a:rPr lang="en-US" sz="2400" b="0" i="1" smtClean="0">
+                        <a:latin typeface="Cambria Math" panose="02040503050406030204" pitchFamily="18" charset="0"/>
+                        <a:ea typeface="Cambria Math" panose="02040503050406030204" pitchFamily="18" charset="0"/>
+                      </a:rPr>
+                      <m:t>(</m:t>
+                    </m:r>
+                    <m:sSub>
+                      <m:sSubPr>
+                        <m:ctrlPr>
+                          <a:rPr lang="en-US" sz="2400" b="0" i="1" smtClean="0">
+                            <a:latin typeface="Cambria Math" panose="02040503050406030204" pitchFamily="18" charset="0"/>
+                            <a:ea typeface="Cambria Math" panose="02040503050406030204" pitchFamily="18" charset="0"/>
+                          </a:rPr>
+                        </m:ctrlPr>
+                      </m:sSubPr>
+                      <m:e>
+                        <m:r>
+                          <a:rPr lang="en-US" sz="2400" i="1" smtClean="0">
+                            <a:latin typeface="Cambria Math" panose="02040503050406030204" pitchFamily="18" charset="0"/>
+                            <a:ea typeface="Cambria Math" panose="02040503050406030204" pitchFamily="18" charset="0"/>
+                          </a:rPr>
+                          <m:t>𝜔</m:t>
+                        </m:r>
+                      </m:e>
+                      <m:sub>
+                        <m:r>
+                          <a:rPr lang="en-US" sz="2400" b="0" i="1" smtClean="0">
+                            <a:latin typeface="Cambria Math" panose="02040503050406030204" pitchFamily="18" charset="0"/>
+                            <a:ea typeface="Cambria Math" panose="02040503050406030204" pitchFamily="18" charset="0"/>
+                          </a:rPr>
+                          <m:t>2</m:t>
+                        </m:r>
+                      </m:sub>
+                    </m:sSub>
+                    <m:r>
+                      <a:rPr lang="en-US" sz="2400" b="0" i="1" smtClean="0">
+                        <a:latin typeface="Cambria Math" panose="02040503050406030204" pitchFamily="18" charset="0"/>
+                        <a:ea typeface="Cambria Math" panose="02040503050406030204" pitchFamily="18" charset="0"/>
+                      </a:rPr>
+                      <m:t>≥</m:t>
+                    </m:r>
+                    <m:sSub>
+                      <m:sSubPr>
+                        <m:ctrlPr>
+                          <a:rPr lang="en-US" sz="2400" b="0" i="1" smtClean="0">
+                            <a:latin typeface="Cambria Math" panose="02040503050406030204" pitchFamily="18" charset="0"/>
+                            <a:ea typeface="Cambria Math" panose="02040503050406030204" pitchFamily="18" charset="0"/>
+                          </a:rPr>
+                        </m:ctrlPr>
+                      </m:sSubPr>
+                      <m:e>
+                        <m:r>
+                          <a:rPr lang="en-US" sz="2400" b="0" i="1" smtClean="0">
+                            <a:latin typeface="Cambria Math" panose="02040503050406030204" pitchFamily="18" charset="0"/>
+                            <a:ea typeface="Cambria Math" panose="02040503050406030204" pitchFamily="18" charset="0"/>
+                          </a:rPr>
+                          <m:t>(</m:t>
+                        </m:r>
+                        <m:r>
+                          <a:rPr lang="en-US" sz="2400" i="1" smtClean="0">
+                            <a:latin typeface="Cambria Math" panose="02040503050406030204" pitchFamily="18" charset="0"/>
+                            <a:ea typeface="Cambria Math" panose="02040503050406030204" pitchFamily="18" charset="0"/>
+                          </a:rPr>
+                          <m:t>𝜔</m:t>
+                        </m:r>
+                      </m:e>
+                      <m:sub>
+                        <m:r>
+                          <a:rPr lang="en-US" sz="2400" b="0" i="1" smtClean="0">
+                            <a:latin typeface="Cambria Math" panose="02040503050406030204" pitchFamily="18" charset="0"/>
+                            <a:ea typeface="Cambria Math" panose="02040503050406030204" pitchFamily="18" charset="0"/>
+                          </a:rPr>
+                          <m:t>3</m:t>
+                        </m:r>
+                      </m:sub>
+                    </m:sSub>
+                    <m:r>
+                      <a:rPr lang="en-US" sz="2400" b="0" i="1" smtClean="0">
+                        <a:latin typeface="Cambria Math" panose="02040503050406030204" pitchFamily="18" charset="0"/>
+                        <a:ea typeface="Cambria Math" panose="02040503050406030204" pitchFamily="18" charset="0"/>
+                      </a:rPr>
+                      <m:t>+</m:t>
+                    </m:r>
+                    <m:sSub>
+                      <m:sSubPr>
+                        <m:ctrlPr>
+                          <a:rPr lang="en-US" sz="2400" b="0" i="1" smtClean="0">
+                            <a:latin typeface="Cambria Math" panose="02040503050406030204" pitchFamily="18" charset="0"/>
+                            <a:ea typeface="Cambria Math" panose="02040503050406030204" pitchFamily="18" charset="0"/>
+                          </a:rPr>
+                        </m:ctrlPr>
+                      </m:sSubPr>
+                      <m:e>
+                        <m:r>
+                          <a:rPr lang="en-US" sz="2400" i="1" smtClean="0">
+                            <a:latin typeface="Cambria Math" panose="02040503050406030204" pitchFamily="18" charset="0"/>
+                            <a:ea typeface="Cambria Math" panose="02040503050406030204" pitchFamily="18" charset="0"/>
+                          </a:rPr>
+                          <m:t>𝜔</m:t>
+                        </m:r>
+                      </m:e>
+                      <m:sub>
+                        <m:r>
+                          <a:rPr lang="en-US" sz="2400" b="0" i="1" smtClean="0">
+                            <a:latin typeface="Cambria Math" panose="02040503050406030204" pitchFamily="18" charset="0"/>
+                            <a:ea typeface="Cambria Math" panose="02040503050406030204" pitchFamily="18" charset="0"/>
+                          </a:rPr>
+                          <m:t>4</m:t>
+                        </m:r>
+                      </m:sub>
+                    </m:sSub>
+                    <m:r>
+                      <a:rPr lang="en-US" sz="2400" b="0" i="1" smtClean="0">
+                        <a:latin typeface="Cambria Math" panose="02040503050406030204" pitchFamily="18" charset="0"/>
+                        <a:ea typeface="Cambria Math" panose="02040503050406030204" pitchFamily="18" charset="0"/>
+                      </a:rPr>
+                      <m:t>)</m:t>
+                    </m:r>
+                  </m:oMath>
+                </a14:m>
+                <a:r>
+                  <a:rPr lang="en-US" sz="2400" dirty="0"/>
+                  <a:t>)</a:t>
+                </a:r>
+              </a:p>
+            </p:txBody>
+          </p:sp>
+        </mc:Choice>
+        <mc:Fallback>
+          <p:sp>
+            <p:nvSpPr>
+              <p:cNvPr id="20" name="TextBox 19">
+                <a:extLst>
+                  <a:ext uri="{FF2B5EF4-FFF2-40B4-BE49-F238E27FC236}">
+                    <a16:creationId xmlns:a16="http://schemas.microsoft.com/office/drawing/2014/main" id="{1FAE9BF4-4385-894C-932D-6822A1188E83}"/>
+                  </a:ext>
+                </a:extLst>
+              </p:cNvPr>
+              <p:cNvSpPr txBox="1">
+                <a:spLocks noRot="1" noChangeAspect="1" noMove="1" noResize="1" noEditPoints="1" noAdjustHandles="1" noChangeArrowheads="1" noChangeShapeType="1" noTextEdit="1"/>
+              </p:cNvSpPr>
+              <p:nvPr/>
+            </p:nvSpPr>
+            <p:spPr>
+              <a:xfrm>
+                <a:off x="5214182" y="3532567"/>
+                <a:ext cx="4592668" cy="461665"/>
+              </a:xfrm>
+              <a:prstGeom prst="rect">
+                <a:avLst/>
+              </a:prstGeom>
+              <a:blipFill>
+                <a:blip r:embed="rId4"/>
+                <a:stretch>
+                  <a:fillRect t="-5263" r="-1105" b="-26316"/>
+                </a:stretch>
+              </a:blipFill>
+            </p:spPr>
+            <p:txBody>
+              <a:bodyPr/>
+              <a:lstStyle/>
+              <a:p>
+                <a:r>
+                  <a:rPr lang="en-US">
+                    <a:noFill/>
+                  </a:rPr>
+                  <a:t> </a:t>
+                </a:r>
+              </a:p>
+            </p:txBody>
+          </p:sp>
+        </mc:Fallback>
+      </mc:AlternateContent>
+      <mc:AlternateContent xmlns:mc="http://schemas.openxmlformats.org/markup-compatibility/2006">
+        <mc:Choice xmlns:a14="http://schemas.microsoft.com/office/drawing/2010/main" Requires="a14">
+          <p:sp>
+            <p:nvSpPr>
+              <p:cNvPr id="3" name="Rectangle 2">
+                <a:extLst>
+                  <a:ext uri="{FF2B5EF4-FFF2-40B4-BE49-F238E27FC236}">
+                    <a16:creationId xmlns:a16="http://schemas.microsoft.com/office/drawing/2014/main" id="{CF200099-F96C-5444-B69B-91AC211AA17A}"/>
+                  </a:ext>
+                </a:extLst>
+              </p:cNvPr>
+              <p:cNvSpPr/>
+              <p:nvPr/>
+            </p:nvSpPr>
+            <p:spPr>
+              <a:xfrm>
+                <a:off x="5214182" y="2401121"/>
+                <a:ext cx="3842014" cy="461665"/>
+              </a:xfrm>
+              <a:prstGeom prst="rect">
+                <a:avLst/>
+              </a:prstGeom>
+            </p:spPr>
+            <p:txBody>
+              <a:bodyPr wrap="none">
+                <a:spAutoFit/>
+              </a:bodyPr>
+              <a:lstStyle/>
+              <a:p>
+                <a14:m>
+                  <m:oMath xmlns:m="http://schemas.openxmlformats.org/officeDocument/2006/math">
+                    <m:r>
+                      <a:rPr lang="en-US" sz="2400" i="1" smtClean="0">
+                        <a:latin typeface="Cambria Math" panose="02040503050406030204" pitchFamily="18" charset="0"/>
+                        <a:ea typeface="Cambria Math" panose="02040503050406030204" pitchFamily="18" charset="0"/>
+                      </a:rPr>
+                      <m:t>∝</m:t>
+                    </m:r>
+                    <m:r>
+                      <a:rPr lang="en-US" sz="2400" b="0" i="1" smtClean="0">
+                        <a:latin typeface="Cambria Math" panose="02040503050406030204" pitchFamily="18" charset="0"/>
+                        <a:ea typeface="Cambria Math" panose="02040503050406030204" pitchFamily="18" charset="0"/>
+                      </a:rPr>
+                      <m:t> </m:t>
+                    </m:r>
+                    <m:r>
+                      <a:rPr lang="en-US" sz="2400" i="1">
+                        <a:latin typeface="Cambria Math" panose="02040503050406030204" pitchFamily="18" charset="0"/>
+                        <a:ea typeface="Cambria Math" panose="02040503050406030204" pitchFamily="18" charset="0"/>
+                      </a:rPr>
+                      <m:t>𝑃</m:t>
+                    </m:r>
+                    <m:r>
+                      <a:rPr lang="en-US" sz="2400" i="1">
+                        <a:latin typeface="Cambria Math" panose="02040503050406030204" pitchFamily="18" charset="0"/>
+                        <a:ea typeface="Cambria Math" panose="02040503050406030204" pitchFamily="18" charset="0"/>
+                      </a:rPr>
+                      <m:t>(</m:t>
+                    </m:r>
+                    <m:sSub>
+                      <m:sSubPr>
+                        <m:ctrlPr>
+                          <a:rPr lang="en-US" sz="2400" i="1">
+                            <a:latin typeface="Cambria Math" panose="02040503050406030204" pitchFamily="18" charset="0"/>
+                            <a:ea typeface="Cambria Math" panose="02040503050406030204" pitchFamily="18" charset="0"/>
+                          </a:rPr>
+                        </m:ctrlPr>
+                      </m:sSubPr>
+                      <m:e>
+                        <m:r>
+                          <a:rPr lang="en-US" sz="2400" i="1">
+                            <a:latin typeface="Cambria Math" panose="02040503050406030204" pitchFamily="18" charset="0"/>
+                            <a:ea typeface="Cambria Math" panose="02040503050406030204" pitchFamily="18" charset="0"/>
+                          </a:rPr>
+                          <m:t>𝜔</m:t>
+                        </m:r>
+                      </m:e>
+                      <m:sub>
+                        <m:r>
+                          <a:rPr lang="en-US" sz="2400" i="1">
+                            <a:latin typeface="Cambria Math" panose="02040503050406030204" pitchFamily="18" charset="0"/>
+                            <a:ea typeface="Cambria Math" panose="02040503050406030204" pitchFamily="18" charset="0"/>
+                          </a:rPr>
+                          <m:t>1</m:t>
+                        </m:r>
+                      </m:sub>
+                    </m:sSub>
+                    <m:r>
+                      <a:rPr lang="en-US" sz="2400" i="1">
+                        <a:latin typeface="Cambria Math" panose="02040503050406030204" pitchFamily="18" charset="0"/>
+                        <a:ea typeface="Cambria Math" panose="02040503050406030204" pitchFamily="18" charset="0"/>
+                      </a:rPr>
+                      <m:t>≥</m:t>
+                    </m:r>
+                    <m:sSub>
+                      <m:sSubPr>
+                        <m:ctrlPr>
+                          <a:rPr lang="en-US" sz="2400" i="1">
+                            <a:latin typeface="Cambria Math" panose="02040503050406030204" pitchFamily="18" charset="0"/>
+                            <a:ea typeface="Cambria Math" panose="02040503050406030204" pitchFamily="18" charset="0"/>
+                          </a:rPr>
+                        </m:ctrlPr>
+                      </m:sSubPr>
+                      <m:e>
+                        <m:r>
+                          <a:rPr lang="en-US" sz="2400" i="1">
+                            <a:latin typeface="Cambria Math" panose="02040503050406030204" pitchFamily="18" charset="0"/>
+                            <a:ea typeface="Cambria Math" panose="02040503050406030204" pitchFamily="18" charset="0"/>
+                          </a:rPr>
+                          <m:t>𝜔</m:t>
+                        </m:r>
+                      </m:e>
+                      <m:sub>
+                        <m:r>
+                          <a:rPr lang="en-US" sz="2400" i="1">
+                            <a:latin typeface="Cambria Math" panose="02040503050406030204" pitchFamily="18" charset="0"/>
+                            <a:ea typeface="Cambria Math" panose="02040503050406030204" pitchFamily="18" charset="0"/>
+                          </a:rPr>
+                          <m:t>2</m:t>
+                        </m:r>
+                      </m:sub>
+                    </m:sSub>
+                    <m:r>
+                      <a:rPr lang="en-US" sz="2400" i="1">
+                        <a:latin typeface="Cambria Math" panose="02040503050406030204" pitchFamily="18" charset="0"/>
+                        <a:ea typeface="Cambria Math" panose="02040503050406030204" pitchFamily="18" charset="0"/>
+                      </a:rPr>
+                      <m:t>≥(</m:t>
+                    </m:r>
+                    <m:sSub>
+                      <m:sSubPr>
+                        <m:ctrlPr>
+                          <a:rPr lang="en-US" sz="2400" i="1">
+                            <a:latin typeface="Cambria Math" panose="02040503050406030204" pitchFamily="18" charset="0"/>
+                            <a:ea typeface="Cambria Math" panose="02040503050406030204" pitchFamily="18" charset="0"/>
+                          </a:rPr>
+                        </m:ctrlPr>
+                      </m:sSubPr>
+                      <m:e>
+                        <m:r>
+                          <a:rPr lang="en-US" sz="2400" i="1">
+                            <a:latin typeface="Cambria Math" panose="02040503050406030204" pitchFamily="18" charset="0"/>
+                            <a:ea typeface="Cambria Math" panose="02040503050406030204" pitchFamily="18" charset="0"/>
+                          </a:rPr>
+                          <m:t>𝜔</m:t>
+                        </m:r>
+                      </m:e>
+                      <m:sub>
+                        <m:r>
+                          <a:rPr lang="en-US" sz="2400" i="1">
+                            <a:latin typeface="Cambria Math" panose="02040503050406030204" pitchFamily="18" charset="0"/>
+                            <a:ea typeface="Cambria Math" panose="02040503050406030204" pitchFamily="18" charset="0"/>
+                          </a:rPr>
+                          <m:t>3</m:t>
+                        </m:r>
+                      </m:sub>
+                    </m:sSub>
+                    <m:r>
+                      <a:rPr lang="en-US" sz="2400" i="1">
+                        <a:latin typeface="Cambria Math" panose="02040503050406030204" pitchFamily="18" charset="0"/>
+                        <a:ea typeface="Cambria Math" panose="02040503050406030204" pitchFamily="18" charset="0"/>
+                      </a:rPr>
+                      <m:t>+</m:t>
+                    </m:r>
+                    <m:sSub>
+                      <m:sSubPr>
+                        <m:ctrlPr>
+                          <a:rPr lang="en-US" sz="2400" i="1">
+                            <a:latin typeface="Cambria Math" panose="02040503050406030204" pitchFamily="18" charset="0"/>
+                            <a:ea typeface="Cambria Math" panose="02040503050406030204" pitchFamily="18" charset="0"/>
+                          </a:rPr>
+                        </m:ctrlPr>
+                      </m:sSubPr>
+                      <m:e>
+                        <m:r>
+                          <a:rPr lang="en-US" sz="2400" i="1">
+                            <a:latin typeface="Cambria Math" panose="02040503050406030204" pitchFamily="18" charset="0"/>
+                            <a:ea typeface="Cambria Math" panose="02040503050406030204" pitchFamily="18" charset="0"/>
+                          </a:rPr>
+                          <m:t>𝜔</m:t>
+                        </m:r>
+                      </m:e>
+                      <m:sub>
+                        <m:r>
+                          <a:rPr lang="en-US" sz="2400" i="1">
+                            <a:latin typeface="Cambria Math" panose="02040503050406030204" pitchFamily="18" charset="0"/>
+                            <a:ea typeface="Cambria Math" panose="02040503050406030204" pitchFamily="18" charset="0"/>
+                          </a:rPr>
+                          <m:t>4</m:t>
+                        </m:r>
+                      </m:sub>
+                    </m:sSub>
+                    <m:r>
+                      <a:rPr lang="en-US" sz="2400" i="1">
+                        <a:latin typeface="Cambria Math" panose="02040503050406030204" pitchFamily="18" charset="0"/>
+                        <a:ea typeface="Cambria Math" panose="02040503050406030204" pitchFamily="18" charset="0"/>
+                      </a:rPr>
+                      <m:t>)</m:t>
+                    </m:r>
+                  </m:oMath>
+                </a14:m>
+                <a:r>
+                  <a:rPr lang="en-US" sz="2400" dirty="0"/>
+                  <a:t>)</a:t>
+                </a:r>
+              </a:p>
+            </p:txBody>
+          </p:sp>
+        </mc:Choice>
+        <mc:Fallback>
+          <p:sp>
+            <p:nvSpPr>
+              <p:cNvPr id="3" name="Rectangle 2">
+                <a:extLst>
+                  <a:ext uri="{FF2B5EF4-FFF2-40B4-BE49-F238E27FC236}">
+                    <a16:creationId xmlns:a16="http://schemas.microsoft.com/office/drawing/2014/main" id="{CF200099-F96C-5444-B69B-91AC211AA17A}"/>
+                  </a:ext>
+                </a:extLst>
+              </p:cNvPr>
+              <p:cNvSpPr>
+                <a:spLocks noRot="1" noChangeAspect="1" noMove="1" noResize="1" noEditPoints="1" noAdjustHandles="1" noChangeArrowheads="1" noChangeShapeType="1" noTextEdit="1"/>
+              </p:cNvSpPr>
+              <p:nvPr/>
+            </p:nvSpPr>
+            <p:spPr>
+              <a:xfrm>
+                <a:off x="5214182" y="2401121"/>
+                <a:ext cx="3842014" cy="461665"/>
+              </a:xfrm>
+              <a:prstGeom prst="rect">
+                <a:avLst/>
+              </a:prstGeom>
+              <a:blipFill>
+                <a:blip r:embed="rId5"/>
+                <a:stretch>
+                  <a:fillRect t="-5405" r="-1320" b="-29730"/>
+                </a:stretch>
+              </a:blipFill>
+            </p:spPr>
+            <p:txBody>
+              <a:bodyPr/>
+              <a:lstStyle/>
+              <a:p>
+                <a:r>
+                  <a:rPr lang="en-US">
+                    <a:noFill/>
+                  </a:rPr>
+                  <a:t> </a:t>
+                </a:r>
+              </a:p>
+            </p:txBody>
+          </p:sp>
+        </mc:Fallback>
+      </mc:AlternateContent>
+      <p:cxnSp>
+        <p:nvCxnSpPr>
+          <p:cNvPr id="5" name="Straight Connector 4">
+            <a:extLst>
+              <a:ext uri="{FF2B5EF4-FFF2-40B4-BE49-F238E27FC236}">
+                <a16:creationId xmlns:a16="http://schemas.microsoft.com/office/drawing/2014/main" id="{BF2A4076-2C02-184B-B345-324CFCB5C42B}"/>
+              </a:ext>
+            </a:extLst>
+          </p:cNvPr>
+          <p:cNvCxnSpPr/>
+          <p:nvPr/>
+        </p:nvCxnSpPr>
+        <p:spPr>
+          <a:xfrm flipV="1">
+            <a:off x="8055980" y="1907316"/>
+            <a:ext cx="1169043" cy="363702"/>
+          </a:xfrm>
+          <a:prstGeom prst="line">
+            <a:avLst/>
+          </a:prstGeom>
+        </p:spPr>
+        <p:style>
+          <a:lnRef idx="1">
+            <a:schemeClr val="accent1"/>
+          </a:lnRef>
+          <a:fillRef idx="0">
+            <a:schemeClr val="accent1"/>
+          </a:fillRef>
+          <a:effectRef idx="0">
+            <a:schemeClr val="accent1"/>
+          </a:effectRef>
+          <a:fontRef idx="minor">
+            <a:schemeClr val="tx1"/>
+          </a:fontRef>
+        </p:style>
+      </p:cxnSp>
+      <mc:AlternateContent xmlns:mc="http://schemas.openxmlformats.org/markup-compatibility/2006">
+        <mc:Choice xmlns:a14="http://schemas.microsoft.com/office/drawing/2010/main" Requires="a14">
+          <p:sp>
+            <p:nvSpPr>
+              <p:cNvPr id="12" name="TextBox 11">
+                <a:extLst>
+                  <a:ext uri="{FF2B5EF4-FFF2-40B4-BE49-F238E27FC236}">
+                    <a16:creationId xmlns:a16="http://schemas.microsoft.com/office/drawing/2014/main" id="{B6051068-2B59-C048-B734-C0731E25A7CD}"/>
+                  </a:ext>
+                </a:extLst>
+              </p:cNvPr>
+              <p:cNvSpPr txBox="1"/>
+              <p:nvPr/>
+            </p:nvSpPr>
+            <p:spPr>
+              <a:xfrm>
+                <a:off x="6043002" y="4616899"/>
+                <a:ext cx="2870145" cy="369332"/>
+              </a:xfrm>
+              <a:prstGeom prst="rect">
+                <a:avLst/>
+              </a:prstGeom>
+              <a:noFill/>
+            </p:spPr>
+            <p:txBody>
+              <a:bodyPr wrap="none" rtlCol="0">
+                <a:spAutoFit/>
+              </a:bodyPr>
+              <a:lstStyle/>
+              <a:p>
+                <a:r>
+                  <a:rPr lang="en-US" dirty="0"/>
+                  <a:t>Frequency in </a:t>
+                </a:r>
+                <a14:m>
+                  <m:oMath xmlns:m="http://schemas.openxmlformats.org/officeDocument/2006/math">
+                    <m:r>
+                      <a:rPr lang="en-US" i="1">
+                        <a:latin typeface="Cambria Math" panose="02040503050406030204" pitchFamily="18" charset="0"/>
+                        <a:ea typeface="Cambria Math" panose="02040503050406030204" pitchFamily="18" charset="0"/>
+                      </a:rPr>
+                      <m:t>𝜔</m:t>
+                    </m:r>
+                  </m:oMath>
+                </a14:m>
+                <a:r>
+                  <a:rPr lang="en-US" dirty="0"/>
+                  <a:t> MCMC chain</a:t>
+                </a:r>
+              </a:p>
+            </p:txBody>
+          </p:sp>
+        </mc:Choice>
+        <mc:Fallback>
+          <p:sp>
+            <p:nvSpPr>
+              <p:cNvPr id="12" name="TextBox 11">
+                <a:extLst>
+                  <a:ext uri="{FF2B5EF4-FFF2-40B4-BE49-F238E27FC236}">
+                    <a16:creationId xmlns:a16="http://schemas.microsoft.com/office/drawing/2014/main" id="{B6051068-2B59-C048-B734-C0731E25A7CD}"/>
+                  </a:ext>
+                </a:extLst>
+              </p:cNvPr>
+              <p:cNvSpPr txBox="1">
+                <a:spLocks noRot="1" noChangeAspect="1" noMove="1" noResize="1" noEditPoints="1" noAdjustHandles="1" noChangeArrowheads="1" noChangeShapeType="1" noTextEdit="1"/>
+              </p:cNvSpPr>
+              <p:nvPr/>
+            </p:nvSpPr>
+            <p:spPr>
+              <a:xfrm>
+                <a:off x="6043002" y="4616899"/>
+                <a:ext cx="2870145" cy="369332"/>
+              </a:xfrm>
+              <a:prstGeom prst="rect">
+                <a:avLst/>
+              </a:prstGeom>
+              <a:blipFill>
+                <a:blip r:embed="rId6"/>
+                <a:stretch>
+                  <a:fillRect l="-1762" t="-6667" r="-441" b="-23333"/>
+                </a:stretch>
+              </a:blipFill>
+            </p:spPr>
+            <p:txBody>
+              <a:bodyPr/>
+              <a:lstStyle/>
+              <a:p>
+                <a:r>
+                  <a:rPr lang="en-US">
+                    <a:noFill/>
+                  </a:rPr>
+                  <a:t> </a:t>
+                </a:r>
+              </a:p>
+            </p:txBody>
+          </p:sp>
+        </mc:Fallback>
+      </mc:AlternateContent>
+      <p:cxnSp>
+        <p:nvCxnSpPr>
+          <p:cNvPr id="14" name="Straight Arrow Connector 13">
+            <a:extLst>
+              <a:ext uri="{FF2B5EF4-FFF2-40B4-BE49-F238E27FC236}">
+                <a16:creationId xmlns:a16="http://schemas.microsoft.com/office/drawing/2014/main" id="{DC7D57E3-89EA-3349-A3A3-D41A1CE8FC83}"/>
+              </a:ext>
+            </a:extLst>
+          </p:cNvPr>
+          <p:cNvCxnSpPr/>
+          <p:nvPr/>
+        </p:nvCxnSpPr>
+        <p:spPr>
+          <a:xfrm flipH="1" flipV="1">
+            <a:off x="6667018" y="4017732"/>
+            <a:ext cx="289367" cy="527368"/>
+          </a:xfrm>
+          <a:prstGeom prst="straightConnector1">
+            <a:avLst/>
+          </a:prstGeom>
+          <a:ln>
+            <a:tailEnd type="triangle"/>
+          </a:ln>
+        </p:spPr>
+        <p:style>
+          <a:lnRef idx="1">
+            <a:schemeClr val="accent1"/>
+          </a:lnRef>
+          <a:fillRef idx="0">
+            <a:schemeClr val="accent1"/>
+          </a:fillRef>
+          <a:effectRef idx="0">
+            <a:schemeClr val="accent1"/>
+          </a:effectRef>
+          <a:fontRef idx="minor">
+            <a:schemeClr val="tx1"/>
+          </a:fontRef>
+        </p:style>
+      </p:cxnSp>
+      <p:cxnSp>
+        <p:nvCxnSpPr>
+          <p:cNvPr id="23" name="Straight Arrow Connector 22">
+            <a:extLst>
+              <a:ext uri="{FF2B5EF4-FFF2-40B4-BE49-F238E27FC236}">
+                <a16:creationId xmlns:a16="http://schemas.microsoft.com/office/drawing/2014/main" id="{65694C16-0E06-8945-9C0E-821F893F0532}"/>
+              </a:ext>
+            </a:extLst>
+          </p:cNvPr>
+          <p:cNvCxnSpPr/>
+          <p:nvPr/>
+        </p:nvCxnSpPr>
+        <p:spPr>
+          <a:xfrm flipV="1">
+            <a:off x="7743463" y="4041881"/>
+            <a:ext cx="231494" cy="503219"/>
+          </a:xfrm>
+          <a:prstGeom prst="straightConnector1">
+            <a:avLst/>
+          </a:prstGeom>
+          <a:ln>
+            <a:tailEnd type="triangle"/>
+          </a:ln>
+        </p:spPr>
+        <p:style>
+          <a:lnRef idx="1">
+            <a:schemeClr val="accent1"/>
+          </a:lnRef>
+          <a:fillRef idx="0">
+            <a:schemeClr val="accent1"/>
+          </a:fillRef>
+          <a:effectRef idx="0">
+            <a:schemeClr val="accent1"/>
+          </a:effectRef>
+          <a:fontRef idx="minor">
+            <a:schemeClr val="tx1"/>
+          </a:fontRef>
+        </p:style>
+      </p:cxnSp>
+    </p:spTree>
+    <p:extLst>
+      <p:ext uri="{BB962C8B-B14F-4D97-AF65-F5344CB8AC3E}">
+        <p14:creationId xmlns:p14="http://schemas.microsoft.com/office/powerpoint/2010/main" val="1730820861"/>
+      </p:ext>
+    </p:extLst>
+  </p:cSld>
+  <p:clrMapOvr>
+    <a:masterClrMapping/>
+  </p:clrMapOvr>
+</p:sld>
+</file>
+
+<file path=ppt/slides/slide8.xml><?xml version="1.0" encoding="utf-8"?>
+<p:sld xmlns:a="http://schemas.openxmlformats.org/drawingml/2006/main" xmlns:r="http://schemas.openxmlformats.org/officeDocument/2006/relationships" xmlns:p="http://schemas.openxmlformats.org/presentationml/2006/main">
+  <p:cSld>
+    <p:spTree>
+      <p:nvGrpSpPr>
+        <p:cNvPr id="1" name=""/>
+        <p:cNvGrpSpPr/>
+        <p:nvPr/>
+      </p:nvGrpSpPr>
+      <p:grpSpPr>
+        <a:xfrm>
+          <a:off x="0" y="0"/>
+          <a:ext cx="0" cy="0"/>
+          <a:chOff x="0" y="0"/>
+          <a:chExt cx="0" cy="0"/>
+        </a:xfrm>
+      </p:grpSpPr>
+      <p:pic>
+        <p:nvPicPr>
+          <p:cNvPr id="6" name="Picture 5">
+            <a:extLst>
+              <a:ext uri="{FF2B5EF4-FFF2-40B4-BE49-F238E27FC236}">
+                <a16:creationId xmlns:a16="http://schemas.microsoft.com/office/drawing/2014/main" id="{56190962-8556-F642-8A98-F26C02C801CE}"/>
+              </a:ext>
+            </a:extLst>
+          </p:cNvPr>
+          <p:cNvPicPr>
+            <a:picLocks noChangeAspect="1"/>
+          </p:cNvPicPr>
+          <p:nvPr/>
+        </p:nvPicPr>
+        <p:blipFill>
+          <a:blip r:embed="rId3"/>
+          <a:stretch>
+            <a:fillRect/>
+          </a:stretch>
+        </p:blipFill>
+        <p:spPr>
+          <a:xfrm>
+            <a:off x="174919" y="1186099"/>
+            <a:ext cx="2595853" cy="3172709"/>
+          </a:xfrm>
+          <a:prstGeom prst="rect">
+            <a:avLst/>
+          </a:prstGeom>
+        </p:spPr>
+      </p:pic>
+      <p:sp>
+        <p:nvSpPr>
+          <p:cNvPr id="19" name="Title 1">
+            <a:extLst>
+              <a:ext uri="{FF2B5EF4-FFF2-40B4-BE49-F238E27FC236}">
+                <a16:creationId xmlns:a16="http://schemas.microsoft.com/office/drawing/2014/main" id="{31548A45-85C7-1140-B1C9-B8E1EB36CF38}"/>
+              </a:ext>
+            </a:extLst>
+          </p:cNvPr>
+          <p:cNvSpPr txBox="1">
+            <a:spLocks/>
+          </p:cNvSpPr>
+          <p:nvPr/>
+        </p:nvSpPr>
+        <p:spPr>
+          <a:xfrm>
+            <a:off x="838200" y="343860"/>
+            <a:ext cx="10515600" cy="517377"/>
+          </a:xfrm>
+          <a:prstGeom prst="rect">
+            <a:avLst/>
+          </a:prstGeom>
+        </p:spPr>
+        <p:txBody>
+          <a:bodyPr vert="horz" lIns="91440" tIns="45720" rIns="91440" bIns="45720" rtlCol="0" anchor="ctr">
+            <a:noAutofit/>
+          </a:bodyPr>
+          <a:lstStyle>
+            <a:lvl1pPr algn="l" defTabSz="914400" rtl="0" eaLnBrk="1" latinLnBrk="0" hangingPunct="1">
+              <a:lnSpc>
+                <a:spcPct val="90000"/>
+              </a:lnSpc>
+              <a:spcBef>
+                <a:spcPct val="0"/>
+              </a:spcBef>
+              <a:buNone/>
+              <a:defRPr sz="4400" kern="1200">
+                <a:solidFill>
+                  <a:schemeClr val="tx1"/>
+                </a:solidFill>
+                <a:latin typeface="+mj-lt"/>
+                <a:ea typeface="+mj-ea"/>
+                <a:cs typeface="+mj-cs"/>
+              </a:defRPr>
+            </a:lvl1pPr>
+          </a:lstStyle>
+          <a:p>
+            <a:r>
+              <a:rPr lang="en-US" sz="2800" dirty="0"/>
+              <a:t>Adjacency matrix – true tree</a:t>
+            </a:r>
+          </a:p>
+        </p:txBody>
+      </p:sp>
+      <p:grpSp>
+        <p:nvGrpSpPr>
+          <p:cNvPr id="2" name="Group 1">
+            <a:extLst>
+              <a:ext uri="{FF2B5EF4-FFF2-40B4-BE49-F238E27FC236}">
+                <a16:creationId xmlns:a16="http://schemas.microsoft.com/office/drawing/2014/main" id="{683CFFB5-6692-9A42-B50A-689F2F1552D6}"/>
+              </a:ext>
+            </a:extLst>
+          </p:cNvPr>
+          <p:cNvGrpSpPr/>
+          <p:nvPr/>
+        </p:nvGrpSpPr>
+        <p:grpSpPr>
+          <a:xfrm>
+            <a:off x="8938183" y="1286824"/>
+            <a:ext cx="2782398" cy="2709371"/>
+            <a:chOff x="3428634" y="1186099"/>
+            <a:chExt cx="2782398" cy="2709371"/>
+          </a:xfrm>
+        </p:grpSpPr>
+        <p:pic>
+          <p:nvPicPr>
+            <p:cNvPr id="13" name="Picture 12">
+              <a:extLst>
+                <a:ext uri="{FF2B5EF4-FFF2-40B4-BE49-F238E27FC236}">
+                  <a16:creationId xmlns:a16="http://schemas.microsoft.com/office/drawing/2014/main" id="{004A44DF-8413-3A45-B637-825A56D54C66}"/>
+                </a:ext>
+              </a:extLst>
+            </p:cNvPr>
+            <p:cNvPicPr>
+              <a:picLocks noChangeAspect="1"/>
+            </p:cNvPicPr>
+            <p:nvPr/>
+          </p:nvPicPr>
+          <p:blipFill>
+            <a:blip r:embed="rId4"/>
+            <a:stretch>
+              <a:fillRect/>
+            </a:stretch>
+          </p:blipFill>
+          <p:spPr>
+            <a:xfrm>
+              <a:off x="3428634" y="1649438"/>
+              <a:ext cx="2782398" cy="2246032"/>
+            </a:xfrm>
+            <a:prstGeom prst="rect">
+              <a:avLst/>
+            </a:prstGeom>
+          </p:spPr>
+        </p:pic>
+        <p:sp>
+          <p:nvSpPr>
+            <p:cNvPr id="17" name="Rectangle 16">
+              <a:extLst>
+                <a:ext uri="{FF2B5EF4-FFF2-40B4-BE49-F238E27FC236}">
+                  <a16:creationId xmlns:a16="http://schemas.microsoft.com/office/drawing/2014/main" id="{B34E5C53-860A-F742-A553-5D39105793B3}"/>
+                </a:ext>
+              </a:extLst>
+            </p:cNvPr>
+            <p:cNvSpPr/>
+            <p:nvPr/>
+          </p:nvSpPr>
+          <p:spPr>
+            <a:xfrm>
+              <a:off x="4635076" y="1186099"/>
+              <a:ext cx="397866" cy="369332"/>
+            </a:xfrm>
+            <a:prstGeom prst="rect">
+              <a:avLst/>
+            </a:prstGeom>
+          </p:spPr>
+          <p:txBody>
+            <a:bodyPr wrap="none">
+              <a:spAutoFit/>
+            </a:bodyPr>
+            <a:lstStyle/>
+            <a:p>
+              <a:r>
+                <a:rPr lang="en-US" dirty="0" err="1"/>
+                <a:t>ω</a:t>
+              </a:r>
+              <a:r>
+                <a:rPr lang="en-US" dirty="0"/>
+                <a:t> </a:t>
+              </a:r>
+            </a:p>
+          </p:txBody>
+        </p:sp>
+      </p:grpSp>
+      <p:pic>
+        <p:nvPicPr>
+          <p:cNvPr id="11" name="Picture 10">
+            <a:extLst>
+              <a:ext uri="{FF2B5EF4-FFF2-40B4-BE49-F238E27FC236}">
+                <a16:creationId xmlns:a16="http://schemas.microsoft.com/office/drawing/2014/main" id="{7CD71237-8267-4A43-AE2C-C199208EC15E}"/>
+              </a:ext>
+            </a:extLst>
+          </p:cNvPr>
+          <p:cNvPicPr>
+            <a:picLocks noChangeAspect="1"/>
+          </p:cNvPicPr>
+          <p:nvPr/>
+        </p:nvPicPr>
+        <p:blipFill>
+          <a:blip r:embed="rId5"/>
+          <a:stretch>
+            <a:fillRect/>
+          </a:stretch>
+        </p:blipFill>
+        <p:spPr>
+          <a:xfrm>
+            <a:off x="3253818" y="1548710"/>
+            <a:ext cx="4994192" cy="2447485"/>
+          </a:xfrm>
+          <a:prstGeom prst="rect">
+            <a:avLst/>
+          </a:prstGeom>
+        </p:spPr>
+      </p:pic>
+    </p:spTree>
+    <p:extLst>
+      <p:ext uri="{BB962C8B-B14F-4D97-AF65-F5344CB8AC3E}">
+        <p14:creationId xmlns:p14="http://schemas.microsoft.com/office/powerpoint/2010/main" val="919403732"/>
+      </p:ext>
+    </p:extLst>
+  </p:cSld>
+  <p:clrMapOvr>
+    <a:masterClrMapping/>
+  </p:clrMapOvr>
+</p:sld>
+</file>
+
+<file path=ppt/slides/slide9.xml><?xml version="1.0" encoding="utf-8"?>
+<p:sld xmlns:a="http://schemas.openxmlformats.org/drawingml/2006/main" xmlns:r="http://schemas.openxmlformats.org/officeDocument/2006/relationships" xmlns:p="http://schemas.openxmlformats.org/presentationml/2006/main">
+  <p:cSld>
+    <p:spTree>
+      <p:nvGrpSpPr>
+        <p:cNvPr id="1" name=""/>
+        <p:cNvGrpSpPr/>
+        <p:nvPr/>
+      </p:nvGrpSpPr>
+      <p:grpSpPr>
+        <a:xfrm>
+          <a:off x="0" y="0"/>
+          <a:ext cx="0" cy="0"/>
+          <a:chOff x="0" y="0"/>
+          <a:chExt cx="0" cy="0"/>
+        </a:xfrm>
+      </p:grpSpPr>
+      <p:sp>
+        <p:nvSpPr>
+          <p:cNvPr id="2" name="Title 1">
+            <a:extLst>
+              <a:ext uri="{FF2B5EF4-FFF2-40B4-BE49-F238E27FC236}">
                 <a16:creationId xmlns:a16="http://schemas.microsoft.com/office/drawing/2014/main" id="{085B9FC7-B83C-6D45-9658-A1E39C6535DC}"/>
               </a:ext>
             </a:extLst>
@@ -13102,2833 +18692,8 @@
           <a:lstStyle/>
           <a:p>
             <a:r>
-              <a:rPr lang="en-US" sz="3200" dirty="0"/>
-              <a:t>Adjacency matrix</a:t>
-            </a:r>
-          </a:p>
-        </p:txBody>
-      </p:sp>
-      <p:grpSp>
-        <p:nvGrpSpPr>
-          <p:cNvPr id="6" name="Group 5">
-            <a:extLst>
-              <a:ext uri="{FF2B5EF4-FFF2-40B4-BE49-F238E27FC236}">
-                <a16:creationId xmlns:a16="http://schemas.microsoft.com/office/drawing/2014/main" id="{6DEE4F0D-A065-8F48-844F-2587ADF82C4E}"/>
-              </a:ext>
-            </a:extLst>
-          </p:cNvPr>
-          <p:cNvGrpSpPr/>
-          <p:nvPr/>
-        </p:nvGrpSpPr>
-        <p:grpSpPr>
-          <a:xfrm>
-            <a:off x="1139882" y="1842645"/>
-            <a:ext cx="2611530" cy="3172709"/>
-            <a:chOff x="181939" y="1970980"/>
-            <a:chExt cx="2611530" cy="3172709"/>
-          </a:xfrm>
-        </p:grpSpPr>
-        <p:pic>
-          <p:nvPicPr>
-            <p:cNvPr id="20" name="Picture 19">
-              <a:extLst>
-                <a:ext uri="{FF2B5EF4-FFF2-40B4-BE49-F238E27FC236}">
-                  <a16:creationId xmlns:a16="http://schemas.microsoft.com/office/drawing/2014/main" id="{006781E6-A9B1-444F-BC70-E6849C319EA3}"/>
-                </a:ext>
-              </a:extLst>
-            </p:cNvPr>
-            <p:cNvPicPr>
-              <a:picLocks noChangeAspect="1"/>
-            </p:cNvPicPr>
-            <p:nvPr/>
-          </p:nvPicPr>
-          <p:blipFill>
-            <a:blip r:embed="rId2"/>
-            <a:stretch>
-              <a:fillRect/>
-            </a:stretch>
-          </p:blipFill>
-          <p:spPr>
-            <a:xfrm>
-              <a:off x="197616" y="1970980"/>
-              <a:ext cx="2595853" cy="3172709"/>
-            </a:xfrm>
-            <a:prstGeom prst="rect">
-              <a:avLst/>
-            </a:prstGeom>
-          </p:spPr>
-        </p:pic>
-        <p:sp>
-          <p:nvSpPr>
-            <p:cNvPr id="3" name="TextBox 2">
-              <a:extLst>
-                <a:ext uri="{FF2B5EF4-FFF2-40B4-BE49-F238E27FC236}">
-                  <a16:creationId xmlns:a16="http://schemas.microsoft.com/office/drawing/2014/main" id="{0F6E11E8-6341-4949-B8EA-A890336DD88F}"/>
-                </a:ext>
-              </a:extLst>
-            </p:cNvPr>
-            <p:cNvSpPr txBox="1"/>
-            <p:nvPr/>
-          </p:nvSpPr>
-          <p:spPr>
-            <a:xfrm>
-              <a:off x="1723292" y="2414954"/>
-              <a:ext cx="301686" cy="369332"/>
-            </a:xfrm>
-            <a:prstGeom prst="rect">
-              <a:avLst/>
-            </a:prstGeom>
-            <a:noFill/>
-          </p:spPr>
-          <p:txBody>
-            <a:bodyPr wrap="none" rtlCol="0">
-              <a:spAutoFit/>
-            </a:bodyPr>
-            <a:lstStyle/>
-            <a:p>
-              <a:r>
-                <a:rPr lang="en-US" dirty="0"/>
-                <a:t>1</a:t>
-              </a:r>
-            </a:p>
-          </p:txBody>
-        </p:sp>
-        <p:sp>
-          <p:nvSpPr>
-            <p:cNvPr id="8" name="TextBox 7">
-              <a:extLst>
-                <a:ext uri="{FF2B5EF4-FFF2-40B4-BE49-F238E27FC236}">
-                  <a16:creationId xmlns:a16="http://schemas.microsoft.com/office/drawing/2014/main" id="{BE3C9C74-FCB0-E94B-8A5F-218349E89FFE}"/>
-                </a:ext>
-              </a:extLst>
-            </p:cNvPr>
-            <p:cNvSpPr txBox="1"/>
-            <p:nvPr/>
-          </p:nvSpPr>
-          <p:spPr>
-            <a:xfrm>
-              <a:off x="1707654" y="2894782"/>
-              <a:ext cx="301686" cy="369332"/>
-            </a:xfrm>
-            <a:prstGeom prst="rect">
-              <a:avLst/>
-            </a:prstGeom>
-            <a:noFill/>
-          </p:spPr>
-          <p:txBody>
-            <a:bodyPr wrap="none" rtlCol="0">
-              <a:spAutoFit/>
-            </a:bodyPr>
-            <a:lstStyle/>
-            <a:p>
-              <a:r>
-                <a:rPr lang="en-US" dirty="0"/>
-                <a:t>2</a:t>
-              </a:r>
-            </a:p>
-          </p:txBody>
-        </p:sp>
-        <p:sp>
-          <p:nvSpPr>
-            <p:cNvPr id="9" name="TextBox 8">
-              <a:extLst>
-                <a:ext uri="{FF2B5EF4-FFF2-40B4-BE49-F238E27FC236}">
-                  <a16:creationId xmlns:a16="http://schemas.microsoft.com/office/drawing/2014/main" id="{BAB4A24B-0E3F-7F4C-B658-A2898D411E11}"/>
-                </a:ext>
-              </a:extLst>
-            </p:cNvPr>
-            <p:cNvSpPr txBox="1"/>
-            <p:nvPr/>
-          </p:nvSpPr>
-          <p:spPr>
-            <a:xfrm>
-              <a:off x="516961" y="3557335"/>
-              <a:ext cx="301686" cy="369332"/>
-            </a:xfrm>
-            <a:prstGeom prst="rect">
-              <a:avLst/>
-            </a:prstGeom>
-            <a:noFill/>
-          </p:spPr>
-          <p:txBody>
-            <a:bodyPr wrap="none" rtlCol="0">
-              <a:spAutoFit/>
-            </a:bodyPr>
-            <a:lstStyle/>
-            <a:p>
-              <a:r>
-                <a:rPr lang="en-US" dirty="0"/>
-                <a:t>8</a:t>
-              </a:r>
-            </a:p>
-          </p:txBody>
-        </p:sp>
-        <p:sp>
-          <p:nvSpPr>
-            <p:cNvPr id="10" name="TextBox 9">
-              <a:extLst>
-                <a:ext uri="{FF2B5EF4-FFF2-40B4-BE49-F238E27FC236}">
-                  <a16:creationId xmlns:a16="http://schemas.microsoft.com/office/drawing/2014/main" id="{1E1EE2D8-E8FF-014C-92E2-00639E52F9FF}"/>
-                </a:ext>
-              </a:extLst>
-            </p:cNvPr>
-            <p:cNvSpPr txBox="1"/>
-            <p:nvPr/>
-          </p:nvSpPr>
-          <p:spPr>
-            <a:xfrm flipH="1">
-              <a:off x="181939" y="4056185"/>
-              <a:ext cx="792222" cy="369332"/>
-            </a:xfrm>
-            <a:prstGeom prst="rect">
-              <a:avLst/>
-            </a:prstGeom>
-            <a:noFill/>
-          </p:spPr>
-          <p:txBody>
-            <a:bodyPr wrap="square" rtlCol="0">
-              <a:spAutoFit/>
-            </a:bodyPr>
-            <a:lstStyle/>
-            <a:p>
-              <a:r>
-                <a:rPr lang="en-US" dirty="0"/>
-                <a:t>10</a:t>
-              </a:r>
-            </a:p>
-          </p:txBody>
-        </p:sp>
-        <p:sp>
-          <p:nvSpPr>
-            <p:cNvPr id="11" name="TextBox 10">
-              <a:extLst>
-                <a:ext uri="{FF2B5EF4-FFF2-40B4-BE49-F238E27FC236}">
-                  <a16:creationId xmlns:a16="http://schemas.microsoft.com/office/drawing/2014/main" id="{3400A563-AC15-9045-9BED-285361913347}"/>
-                </a:ext>
-              </a:extLst>
-            </p:cNvPr>
-            <p:cNvSpPr txBox="1"/>
-            <p:nvPr/>
-          </p:nvSpPr>
-          <p:spPr>
-            <a:xfrm>
-              <a:off x="1344700" y="4056185"/>
-              <a:ext cx="301686" cy="369332"/>
-            </a:xfrm>
-            <a:prstGeom prst="rect">
-              <a:avLst/>
-            </a:prstGeom>
-            <a:noFill/>
-          </p:spPr>
-          <p:txBody>
-            <a:bodyPr wrap="none" rtlCol="0">
-              <a:spAutoFit/>
-            </a:bodyPr>
-            <a:lstStyle/>
-            <a:p>
-              <a:r>
-                <a:rPr lang="en-US" dirty="0"/>
-                <a:t>4</a:t>
-              </a:r>
-            </a:p>
-          </p:txBody>
-        </p:sp>
-        <p:sp>
-          <p:nvSpPr>
-            <p:cNvPr id="12" name="TextBox 11">
-              <a:extLst>
-                <a:ext uri="{FF2B5EF4-FFF2-40B4-BE49-F238E27FC236}">
-                  <a16:creationId xmlns:a16="http://schemas.microsoft.com/office/drawing/2014/main" id="{A5C22C81-B222-B343-951E-38CFDA2189D4}"/>
-                </a:ext>
-              </a:extLst>
-            </p:cNvPr>
-            <p:cNvSpPr txBox="1"/>
-            <p:nvPr/>
-          </p:nvSpPr>
-          <p:spPr>
-            <a:xfrm>
-              <a:off x="2185713" y="3540642"/>
-              <a:ext cx="301686" cy="369332"/>
-            </a:xfrm>
-            <a:prstGeom prst="rect">
-              <a:avLst/>
-            </a:prstGeom>
-            <a:noFill/>
-          </p:spPr>
-          <p:txBody>
-            <a:bodyPr wrap="none" rtlCol="0">
-              <a:spAutoFit/>
-            </a:bodyPr>
-            <a:lstStyle/>
-            <a:p>
-              <a:r>
-                <a:rPr lang="en-US" dirty="0"/>
-                <a:t>7</a:t>
-              </a:r>
-            </a:p>
-          </p:txBody>
-        </p:sp>
-        <p:sp>
-          <p:nvSpPr>
-            <p:cNvPr id="13" name="TextBox 12">
-              <a:extLst>
-                <a:ext uri="{FF2B5EF4-FFF2-40B4-BE49-F238E27FC236}">
-                  <a16:creationId xmlns:a16="http://schemas.microsoft.com/office/drawing/2014/main" id="{E059BC82-60B8-1845-B570-1B3D21A6896E}"/>
-                </a:ext>
-              </a:extLst>
-            </p:cNvPr>
-            <p:cNvSpPr txBox="1"/>
-            <p:nvPr/>
-          </p:nvSpPr>
-          <p:spPr>
-            <a:xfrm>
-              <a:off x="2185713" y="4056185"/>
-              <a:ext cx="301686" cy="369332"/>
-            </a:xfrm>
-            <a:prstGeom prst="rect">
-              <a:avLst/>
-            </a:prstGeom>
-            <a:noFill/>
-          </p:spPr>
-          <p:txBody>
-            <a:bodyPr wrap="none" rtlCol="0">
-              <a:spAutoFit/>
-            </a:bodyPr>
-            <a:lstStyle/>
-            <a:p>
-              <a:r>
-                <a:rPr lang="en-US" dirty="0"/>
-                <a:t>9</a:t>
-              </a:r>
-            </a:p>
-          </p:txBody>
-        </p:sp>
-        <p:sp>
-          <p:nvSpPr>
-            <p:cNvPr id="14" name="TextBox 13">
-              <a:extLst>
-                <a:ext uri="{FF2B5EF4-FFF2-40B4-BE49-F238E27FC236}">
-                  <a16:creationId xmlns:a16="http://schemas.microsoft.com/office/drawing/2014/main" id="{AFB1FCA9-91C2-2A40-BD58-CEEC5FAD31FD}"/>
-                </a:ext>
-              </a:extLst>
-            </p:cNvPr>
-            <p:cNvSpPr txBox="1"/>
-            <p:nvPr/>
-          </p:nvSpPr>
-          <p:spPr>
-            <a:xfrm>
-              <a:off x="213346" y="4701181"/>
-              <a:ext cx="301686" cy="369332"/>
-            </a:xfrm>
-            <a:prstGeom prst="rect">
-              <a:avLst/>
-            </a:prstGeom>
-            <a:noFill/>
-          </p:spPr>
-          <p:txBody>
-            <a:bodyPr wrap="none" rtlCol="0">
-              <a:spAutoFit/>
-            </a:bodyPr>
-            <a:lstStyle/>
-            <a:p>
-              <a:r>
-                <a:rPr lang="en-US" dirty="0"/>
-                <a:t>6</a:t>
-              </a:r>
-            </a:p>
-          </p:txBody>
-        </p:sp>
-        <p:sp>
-          <p:nvSpPr>
-            <p:cNvPr id="15" name="TextBox 14">
-              <a:extLst>
-                <a:ext uri="{FF2B5EF4-FFF2-40B4-BE49-F238E27FC236}">
-                  <a16:creationId xmlns:a16="http://schemas.microsoft.com/office/drawing/2014/main" id="{D22307DD-7789-1D47-9178-993BBBC6ADC7}"/>
-                </a:ext>
-              </a:extLst>
-            </p:cNvPr>
-            <p:cNvSpPr txBox="1"/>
-            <p:nvPr/>
-          </p:nvSpPr>
-          <p:spPr>
-            <a:xfrm>
-              <a:off x="1344700" y="4701181"/>
-              <a:ext cx="301686" cy="369332"/>
-            </a:xfrm>
-            <a:prstGeom prst="rect">
-              <a:avLst/>
-            </a:prstGeom>
-            <a:noFill/>
-          </p:spPr>
-          <p:txBody>
-            <a:bodyPr wrap="none" rtlCol="0">
-              <a:spAutoFit/>
-            </a:bodyPr>
-            <a:lstStyle/>
-            <a:p>
-              <a:r>
-                <a:rPr lang="en-US" dirty="0"/>
-                <a:t>3</a:t>
-              </a:r>
-            </a:p>
-          </p:txBody>
-        </p:sp>
-        <p:sp>
-          <p:nvSpPr>
-            <p:cNvPr id="16" name="TextBox 15">
-              <a:extLst>
-                <a:ext uri="{FF2B5EF4-FFF2-40B4-BE49-F238E27FC236}">
-                  <a16:creationId xmlns:a16="http://schemas.microsoft.com/office/drawing/2014/main" id="{8E4E2368-C3C1-E040-9DA5-68F98C384F13}"/>
-                </a:ext>
-              </a:extLst>
-            </p:cNvPr>
-            <p:cNvSpPr txBox="1"/>
-            <p:nvPr/>
-          </p:nvSpPr>
-          <p:spPr>
-            <a:xfrm>
-              <a:off x="2171221" y="4665266"/>
-              <a:ext cx="301686" cy="369332"/>
-            </a:xfrm>
-            <a:prstGeom prst="rect">
-              <a:avLst/>
-            </a:prstGeom>
-            <a:noFill/>
-          </p:spPr>
-          <p:txBody>
-            <a:bodyPr wrap="none" rtlCol="0">
-              <a:spAutoFit/>
-            </a:bodyPr>
-            <a:lstStyle/>
-            <a:p>
-              <a:r>
-                <a:rPr lang="en-US" dirty="0"/>
-                <a:t>5</a:t>
-              </a:r>
-            </a:p>
-          </p:txBody>
-        </p:sp>
-      </p:grpSp>
-      <p:graphicFrame>
-        <p:nvGraphicFramePr>
-          <p:cNvPr id="22" name="Table 21">
-            <a:extLst>
-              <a:ext uri="{FF2B5EF4-FFF2-40B4-BE49-F238E27FC236}">
-                <a16:creationId xmlns:a16="http://schemas.microsoft.com/office/drawing/2014/main" id="{7ED2F7ED-F5B4-8244-8660-818A446C7F96}"/>
-              </a:ext>
-            </a:extLst>
-          </p:cNvPr>
-          <p:cNvGraphicFramePr>
-            <a:graphicFrameLocks noGrp="1"/>
-          </p:cNvGraphicFramePr>
-          <p:nvPr>
-            <p:extLst>
-              <p:ext uri="{D42A27DB-BD31-4B8C-83A1-F6EECF244321}">
-                <p14:modId xmlns:p14="http://schemas.microsoft.com/office/powerpoint/2010/main" val="263672460"/>
-              </p:ext>
-            </p:extLst>
-          </p:nvPr>
-        </p:nvGraphicFramePr>
-        <p:xfrm>
-          <a:off x="5326912" y="1414130"/>
-          <a:ext cx="6629777" cy="5312470"/>
-        </p:xfrm>
-        <a:graphic>
-          <a:graphicData uri="http://schemas.openxmlformats.org/drawingml/2006/table">
-            <a:tbl>
-              <a:tblPr firstRow="1" bandRow="1">
-                <a:tableStyleId>{5C22544A-7EE6-4342-B048-85BDC9FD1C3A}</a:tableStyleId>
-              </a:tblPr>
-              <a:tblGrid>
-                <a:gridCol w="602707">
-                  <a:extLst>
-                    <a:ext uri="{9D8B030D-6E8A-4147-A177-3AD203B41FA5}">
-                      <a16:colId xmlns:a16="http://schemas.microsoft.com/office/drawing/2014/main" val="3382499790"/>
-                    </a:ext>
-                  </a:extLst>
-                </a:gridCol>
-                <a:gridCol w="602707">
-                  <a:extLst>
-                    <a:ext uri="{9D8B030D-6E8A-4147-A177-3AD203B41FA5}">
-                      <a16:colId xmlns:a16="http://schemas.microsoft.com/office/drawing/2014/main" val="2840473121"/>
-                    </a:ext>
-                  </a:extLst>
-                </a:gridCol>
-                <a:gridCol w="602707">
-                  <a:extLst>
-                    <a:ext uri="{9D8B030D-6E8A-4147-A177-3AD203B41FA5}">
-                      <a16:colId xmlns:a16="http://schemas.microsoft.com/office/drawing/2014/main" val="1020499543"/>
-                    </a:ext>
-                  </a:extLst>
-                </a:gridCol>
-                <a:gridCol w="602707">
-                  <a:extLst>
-                    <a:ext uri="{9D8B030D-6E8A-4147-A177-3AD203B41FA5}">
-                      <a16:colId xmlns:a16="http://schemas.microsoft.com/office/drawing/2014/main" val="763296561"/>
-                    </a:ext>
-                  </a:extLst>
-                </a:gridCol>
-                <a:gridCol w="602707">
-                  <a:extLst>
-                    <a:ext uri="{9D8B030D-6E8A-4147-A177-3AD203B41FA5}">
-                      <a16:colId xmlns:a16="http://schemas.microsoft.com/office/drawing/2014/main" val="2674329282"/>
-                    </a:ext>
-                  </a:extLst>
-                </a:gridCol>
-                <a:gridCol w="602707">
-                  <a:extLst>
-                    <a:ext uri="{9D8B030D-6E8A-4147-A177-3AD203B41FA5}">
-                      <a16:colId xmlns:a16="http://schemas.microsoft.com/office/drawing/2014/main" val="2835177305"/>
-                    </a:ext>
-                  </a:extLst>
-                </a:gridCol>
-                <a:gridCol w="602707">
-                  <a:extLst>
-                    <a:ext uri="{9D8B030D-6E8A-4147-A177-3AD203B41FA5}">
-                      <a16:colId xmlns:a16="http://schemas.microsoft.com/office/drawing/2014/main" val="2104659244"/>
-                    </a:ext>
-                  </a:extLst>
-                </a:gridCol>
-                <a:gridCol w="602707">
-                  <a:extLst>
-                    <a:ext uri="{9D8B030D-6E8A-4147-A177-3AD203B41FA5}">
-                      <a16:colId xmlns:a16="http://schemas.microsoft.com/office/drawing/2014/main" val="3185212664"/>
-                    </a:ext>
-                  </a:extLst>
-                </a:gridCol>
-                <a:gridCol w="602707">
-                  <a:extLst>
-                    <a:ext uri="{9D8B030D-6E8A-4147-A177-3AD203B41FA5}">
-                      <a16:colId xmlns:a16="http://schemas.microsoft.com/office/drawing/2014/main" val="3152940129"/>
-                    </a:ext>
-                  </a:extLst>
-                </a:gridCol>
-                <a:gridCol w="602707">
-                  <a:extLst>
-                    <a:ext uri="{9D8B030D-6E8A-4147-A177-3AD203B41FA5}">
-                      <a16:colId xmlns:a16="http://schemas.microsoft.com/office/drawing/2014/main" val="4032822331"/>
-                    </a:ext>
-                  </a:extLst>
-                </a:gridCol>
-                <a:gridCol w="602707">
-                  <a:extLst>
-                    <a:ext uri="{9D8B030D-6E8A-4147-A177-3AD203B41FA5}">
-                      <a16:colId xmlns:a16="http://schemas.microsoft.com/office/drawing/2014/main" val="149262565"/>
-                    </a:ext>
-                  </a:extLst>
-                </a:gridCol>
-              </a:tblGrid>
-              <a:tr h="425913">
-                <a:tc>
-                  <a:txBody>
-                    <a:bodyPr/>
-                    <a:lstStyle/>
-                    <a:p>
-                      <a:pPr algn="ctr"/>
-                      <a:endParaRPr lang="en-US" sz="1600" b="0" dirty="0">
-                        <a:solidFill>
-                          <a:schemeClr val="bg1"/>
-                        </a:solidFill>
-                      </a:endParaRPr>
-                    </a:p>
-                  </a:txBody>
-                  <a:tcPr anchor="ctr">
-                    <a:solidFill>
-                      <a:schemeClr val="accent1"/>
-                    </a:solidFill>
-                  </a:tcPr>
-                </a:tc>
-                <a:tc>
-                  <a:txBody>
-                    <a:bodyPr/>
-                    <a:lstStyle/>
-                    <a:p>
-                      <a:pPr algn="ctr"/>
-                      <a:r>
-                        <a:rPr lang="en-US" sz="1600" b="0" dirty="0"/>
-                        <a:t>1</a:t>
-                      </a:r>
-                    </a:p>
-                  </a:txBody>
-                  <a:tcPr anchor="ctr"/>
-                </a:tc>
-                <a:tc>
-                  <a:txBody>
-                    <a:bodyPr/>
-                    <a:lstStyle/>
-                    <a:p>
-                      <a:pPr algn="ctr"/>
-                      <a:r>
-                        <a:rPr lang="en-US" sz="1600" b="0" dirty="0"/>
-                        <a:t>2</a:t>
-                      </a:r>
-                    </a:p>
-                  </a:txBody>
-                  <a:tcPr anchor="ctr"/>
-                </a:tc>
-                <a:tc>
-                  <a:txBody>
-                    <a:bodyPr/>
-                    <a:lstStyle/>
-                    <a:p>
-                      <a:pPr algn="ctr"/>
-                      <a:r>
-                        <a:rPr lang="en-US" sz="1600" b="0" dirty="0"/>
-                        <a:t>3</a:t>
-                      </a:r>
-                    </a:p>
-                  </a:txBody>
-                  <a:tcPr anchor="ctr"/>
-                </a:tc>
-                <a:tc>
-                  <a:txBody>
-                    <a:bodyPr/>
-                    <a:lstStyle/>
-                    <a:p>
-                      <a:pPr algn="ctr"/>
-                      <a:r>
-                        <a:rPr lang="en-US" sz="1600" b="0" dirty="0"/>
-                        <a:t>4</a:t>
-                      </a:r>
-                    </a:p>
-                  </a:txBody>
-                  <a:tcPr anchor="ctr"/>
-                </a:tc>
-                <a:tc>
-                  <a:txBody>
-                    <a:bodyPr/>
-                    <a:lstStyle/>
-                    <a:p>
-                      <a:pPr algn="ctr"/>
-                      <a:r>
-                        <a:rPr lang="en-US" sz="1600" b="0" dirty="0"/>
-                        <a:t>5</a:t>
-                      </a:r>
-                    </a:p>
-                  </a:txBody>
-                  <a:tcPr anchor="ctr"/>
-                </a:tc>
-                <a:tc>
-                  <a:txBody>
-                    <a:bodyPr/>
-                    <a:lstStyle/>
-                    <a:p>
-                      <a:pPr algn="ctr"/>
-                      <a:r>
-                        <a:rPr lang="en-US" sz="1600" b="0" dirty="0"/>
-                        <a:t>6</a:t>
-                      </a:r>
-                    </a:p>
-                  </a:txBody>
-                  <a:tcPr anchor="ctr"/>
-                </a:tc>
-                <a:tc>
-                  <a:txBody>
-                    <a:bodyPr/>
-                    <a:lstStyle/>
-                    <a:p>
-                      <a:pPr algn="ctr"/>
-                      <a:r>
-                        <a:rPr lang="en-US" sz="1600" b="0" dirty="0"/>
-                        <a:t>7</a:t>
-                      </a:r>
-                    </a:p>
-                  </a:txBody>
-                  <a:tcPr anchor="ctr"/>
-                </a:tc>
-                <a:tc>
-                  <a:txBody>
-                    <a:bodyPr/>
-                    <a:lstStyle/>
-                    <a:p>
-                      <a:pPr algn="ctr"/>
-                      <a:r>
-                        <a:rPr lang="en-US" sz="1600" b="0" dirty="0"/>
-                        <a:t>8</a:t>
-                      </a:r>
-                    </a:p>
-                  </a:txBody>
-                  <a:tcPr anchor="ctr"/>
-                </a:tc>
-                <a:tc>
-                  <a:txBody>
-                    <a:bodyPr/>
-                    <a:lstStyle/>
-                    <a:p>
-                      <a:pPr algn="ctr"/>
-                      <a:r>
-                        <a:rPr lang="en-US" sz="1600" b="0" dirty="0"/>
-                        <a:t>9</a:t>
-                      </a:r>
-                    </a:p>
-                  </a:txBody>
-                  <a:tcPr anchor="ctr"/>
-                </a:tc>
-                <a:tc>
-                  <a:txBody>
-                    <a:bodyPr/>
-                    <a:lstStyle/>
-                    <a:p>
-                      <a:pPr algn="ctr"/>
-                      <a:r>
-                        <a:rPr lang="en-US" sz="1600" b="0" dirty="0"/>
-                        <a:t>10</a:t>
-                      </a:r>
-                    </a:p>
-                  </a:txBody>
-                  <a:tcPr anchor="ctr"/>
-                </a:tc>
-                <a:extLst>
-                  <a:ext uri="{0D108BD9-81ED-4DB2-BD59-A6C34878D82A}">
-                    <a16:rowId xmlns:a16="http://schemas.microsoft.com/office/drawing/2014/main" val="3432947557"/>
-                  </a:ext>
-                </a:extLst>
-              </a:tr>
-              <a:tr h="627427">
-                <a:tc>
-                  <a:txBody>
-                    <a:bodyPr/>
-                    <a:lstStyle/>
-                    <a:p>
-                      <a:pPr algn="ctr"/>
-                      <a:r>
-                        <a:rPr lang="en-US" sz="1600" dirty="0">
-                          <a:solidFill>
-                            <a:schemeClr val="bg1"/>
-                          </a:solidFill>
-                        </a:rPr>
-                        <a:t>Root</a:t>
-                      </a:r>
-                    </a:p>
-                  </a:txBody>
-                  <a:tcPr anchor="ctr">
-                    <a:solidFill>
-                      <a:schemeClr val="accent1"/>
-                    </a:solidFill>
-                  </a:tcPr>
-                </a:tc>
-                <a:tc>
-                  <a:txBody>
-                    <a:bodyPr/>
-                    <a:lstStyle/>
-                    <a:p>
-                      <a:pPr algn="ctr"/>
-                      <a:endParaRPr lang="en-US" sz="1600" dirty="0"/>
-                    </a:p>
-                  </a:txBody>
-                  <a:tcPr anchor="ctr"/>
-                </a:tc>
-                <a:tc>
-                  <a:txBody>
-                    <a:bodyPr/>
-                    <a:lstStyle/>
-                    <a:p>
-                      <a:pPr algn="ctr"/>
-                      <a:endParaRPr lang="en-US" sz="1600"/>
-                    </a:p>
-                  </a:txBody>
-                  <a:tcPr anchor="ctr"/>
-                </a:tc>
-                <a:tc>
-                  <a:txBody>
-                    <a:bodyPr/>
-                    <a:lstStyle/>
-                    <a:p>
-                      <a:pPr algn="ctr"/>
-                      <a:endParaRPr lang="en-US" sz="1600"/>
-                    </a:p>
-                  </a:txBody>
-                  <a:tcPr anchor="ctr"/>
-                </a:tc>
-                <a:tc>
-                  <a:txBody>
-                    <a:bodyPr/>
-                    <a:lstStyle/>
-                    <a:p>
-                      <a:pPr algn="ctr"/>
-                      <a:endParaRPr lang="en-US" sz="1600"/>
-                    </a:p>
-                  </a:txBody>
-                  <a:tcPr anchor="ctr"/>
-                </a:tc>
-                <a:tc>
-                  <a:txBody>
-                    <a:bodyPr/>
-                    <a:lstStyle/>
-                    <a:p>
-                      <a:pPr algn="ctr"/>
-                      <a:endParaRPr lang="en-US" sz="1600"/>
-                    </a:p>
-                  </a:txBody>
-                  <a:tcPr anchor="ctr"/>
-                </a:tc>
-                <a:tc>
-                  <a:txBody>
-                    <a:bodyPr/>
-                    <a:lstStyle/>
-                    <a:p>
-                      <a:pPr algn="ctr"/>
-                      <a:endParaRPr lang="en-US" sz="1600"/>
-                    </a:p>
-                  </a:txBody>
-                  <a:tcPr anchor="ctr"/>
-                </a:tc>
-                <a:tc>
-                  <a:txBody>
-                    <a:bodyPr/>
-                    <a:lstStyle/>
-                    <a:p>
-                      <a:pPr algn="ctr"/>
-                      <a:endParaRPr lang="en-US" sz="1600"/>
-                    </a:p>
-                  </a:txBody>
-                  <a:tcPr anchor="ctr"/>
-                </a:tc>
-                <a:tc>
-                  <a:txBody>
-                    <a:bodyPr/>
-                    <a:lstStyle/>
-                    <a:p>
-                      <a:pPr algn="ctr"/>
-                      <a:endParaRPr lang="en-US" sz="1600"/>
-                    </a:p>
-                  </a:txBody>
-                  <a:tcPr anchor="ctr"/>
-                </a:tc>
-                <a:tc>
-                  <a:txBody>
-                    <a:bodyPr/>
-                    <a:lstStyle/>
-                    <a:p>
-                      <a:pPr algn="ctr"/>
-                      <a:endParaRPr lang="en-US" sz="1600" dirty="0"/>
-                    </a:p>
-                  </a:txBody>
-                  <a:tcPr anchor="ctr"/>
-                </a:tc>
-                <a:tc>
-                  <a:txBody>
-                    <a:bodyPr/>
-                    <a:lstStyle/>
-                    <a:p>
-                      <a:pPr algn="ctr"/>
-                      <a:endParaRPr lang="en-US" sz="1600"/>
-                    </a:p>
-                  </a:txBody>
-                  <a:tcPr anchor="ctr"/>
-                </a:tc>
-                <a:extLst>
-                  <a:ext uri="{0D108BD9-81ED-4DB2-BD59-A6C34878D82A}">
-                    <a16:rowId xmlns:a16="http://schemas.microsoft.com/office/drawing/2014/main" val="3894760842"/>
-                  </a:ext>
-                </a:extLst>
-              </a:tr>
-              <a:tr h="425913">
-                <a:tc>
-                  <a:txBody>
-                    <a:bodyPr/>
-                    <a:lstStyle/>
-                    <a:p>
-                      <a:pPr algn="ctr"/>
-                      <a:r>
-                        <a:rPr lang="en-US" sz="1600" dirty="0">
-                          <a:solidFill>
-                            <a:schemeClr val="bg1"/>
-                          </a:solidFill>
-                        </a:rPr>
-                        <a:t>1</a:t>
-                      </a:r>
-                    </a:p>
-                  </a:txBody>
-                  <a:tcPr anchor="ctr">
-                    <a:solidFill>
-                      <a:schemeClr val="accent1"/>
-                    </a:solidFill>
-                  </a:tcPr>
-                </a:tc>
-                <a:tc>
-                  <a:txBody>
-                    <a:bodyPr/>
-                    <a:lstStyle/>
-                    <a:p>
-                      <a:pPr algn="ctr"/>
-                      <a:endParaRPr lang="en-US" sz="1600" dirty="0"/>
-                    </a:p>
-                  </a:txBody>
-                  <a:tcPr anchor="ctr">
-                    <a:solidFill>
-                      <a:schemeClr val="bg2">
-                        <a:lumMod val="50000"/>
-                      </a:schemeClr>
-                    </a:solidFill>
-                  </a:tcPr>
-                </a:tc>
-                <a:tc>
-                  <a:txBody>
-                    <a:bodyPr/>
-                    <a:lstStyle/>
-                    <a:p>
-                      <a:pPr algn="ctr"/>
-                      <a:endParaRPr lang="en-US" sz="1600"/>
-                    </a:p>
-                  </a:txBody>
-                  <a:tcPr anchor="ctr"/>
-                </a:tc>
-                <a:tc>
-                  <a:txBody>
-                    <a:bodyPr/>
-                    <a:lstStyle/>
-                    <a:p>
-                      <a:pPr algn="ctr"/>
-                      <a:endParaRPr lang="en-US" sz="1600"/>
-                    </a:p>
-                  </a:txBody>
-                  <a:tcPr anchor="ctr"/>
-                </a:tc>
-                <a:tc>
-                  <a:txBody>
-                    <a:bodyPr/>
-                    <a:lstStyle/>
-                    <a:p>
-                      <a:pPr algn="ctr"/>
-                      <a:endParaRPr lang="en-US" sz="1600"/>
-                    </a:p>
-                  </a:txBody>
-                  <a:tcPr anchor="ctr"/>
-                </a:tc>
-                <a:tc>
-                  <a:txBody>
-                    <a:bodyPr/>
-                    <a:lstStyle/>
-                    <a:p>
-                      <a:pPr algn="ctr"/>
-                      <a:endParaRPr lang="en-US" sz="1600"/>
-                    </a:p>
-                  </a:txBody>
-                  <a:tcPr anchor="ctr"/>
-                </a:tc>
-                <a:tc>
-                  <a:txBody>
-                    <a:bodyPr/>
-                    <a:lstStyle/>
-                    <a:p>
-                      <a:pPr algn="ctr"/>
-                      <a:endParaRPr lang="en-US" sz="1600"/>
-                    </a:p>
-                  </a:txBody>
-                  <a:tcPr anchor="ctr"/>
-                </a:tc>
-                <a:tc>
-                  <a:txBody>
-                    <a:bodyPr/>
-                    <a:lstStyle/>
-                    <a:p>
-                      <a:pPr algn="ctr"/>
-                      <a:endParaRPr lang="en-US" sz="1600"/>
-                    </a:p>
-                  </a:txBody>
-                  <a:tcPr anchor="ctr"/>
-                </a:tc>
-                <a:tc>
-                  <a:txBody>
-                    <a:bodyPr/>
-                    <a:lstStyle/>
-                    <a:p>
-                      <a:pPr algn="ctr"/>
-                      <a:endParaRPr lang="en-US" sz="1600"/>
-                    </a:p>
-                  </a:txBody>
-                  <a:tcPr anchor="ctr"/>
-                </a:tc>
-                <a:tc>
-                  <a:txBody>
-                    <a:bodyPr/>
-                    <a:lstStyle/>
-                    <a:p>
-                      <a:pPr algn="ctr"/>
-                      <a:endParaRPr lang="en-US" sz="1600" dirty="0"/>
-                    </a:p>
-                  </a:txBody>
-                  <a:tcPr anchor="ctr"/>
-                </a:tc>
-                <a:tc>
-                  <a:txBody>
-                    <a:bodyPr/>
-                    <a:lstStyle/>
-                    <a:p>
-                      <a:pPr algn="ctr"/>
-                      <a:endParaRPr lang="en-US" sz="1600" dirty="0"/>
-                    </a:p>
-                  </a:txBody>
-                  <a:tcPr anchor="ctr"/>
-                </a:tc>
-                <a:extLst>
-                  <a:ext uri="{0D108BD9-81ED-4DB2-BD59-A6C34878D82A}">
-                    <a16:rowId xmlns:a16="http://schemas.microsoft.com/office/drawing/2014/main" val="975743077"/>
-                  </a:ext>
-                </a:extLst>
-              </a:tr>
-              <a:tr h="425913">
-                <a:tc>
-                  <a:txBody>
-                    <a:bodyPr/>
-                    <a:lstStyle/>
-                    <a:p>
-                      <a:pPr algn="ctr"/>
-                      <a:r>
-                        <a:rPr lang="en-US" sz="1600" dirty="0">
-                          <a:solidFill>
-                            <a:schemeClr val="bg1"/>
-                          </a:solidFill>
-                        </a:rPr>
-                        <a:t>2</a:t>
-                      </a:r>
-                    </a:p>
-                  </a:txBody>
-                  <a:tcPr anchor="ctr">
-                    <a:solidFill>
-                      <a:schemeClr val="accent1"/>
-                    </a:solidFill>
-                  </a:tcPr>
-                </a:tc>
-                <a:tc>
-                  <a:txBody>
-                    <a:bodyPr/>
-                    <a:lstStyle/>
-                    <a:p>
-                      <a:pPr algn="ctr"/>
-                      <a:endParaRPr lang="en-US" sz="1600"/>
-                    </a:p>
-                  </a:txBody>
-                  <a:tcPr anchor="ctr"/>
-                </a:tc>
-                <a:tc>
-                  <a:txBody>
-                    <a:bodyPr/>
-                    <a:lstStyle/>
-                    <a:p>
-                      <a:pPr algn="ctr"/>
-                      <a:endParaRPr lang="en-US" sz="1600" dirty="0"/>
-                    </a:p>
-                  </a:txBody>
-                  <a:tcPr anchor="ctr">
-                    <a:solidFill>
-                      <a:schemeClr val="bg2">
-                        <a:lumMod val="50000"/>
-                      </a:schemeClr>
-                    </a:solidFill>
-                  </a:tcPr>
-                </a:tc>
-                <a:tc>
-                  <a:txBody>
-                    <a:bodyPr/>
-                    <a:lstStyle/>
-                    <a:p>
-                      <a:pPr algn="ctr"/>
-                      <a:endParaRPr lang="en-US" sz="1600"/>
-                    </a:p>
-                  </a:txBody>
-                  <a:tcPr anchor="ctr"/>
-                </a:tc>
-                <a:tc>
-                  <a:txBody>
-                    <a:bodyPr/>
-                    <a:lstStyle/>
-                    <a:p>
-                      <a:pPr algn="ctr"/>
-                      <a:endParaRPr lang="en-US" sz="1600"/>
-                    </a:p>
-                  </a:txBody>
-                  <a:tcPr anchor="ctr"/>
-                </a:tc>
-                <a:tc>
-                  <a:txBody>
-                    <a:bodyPr/>
-                    <a:lstStyle/>
-                    <a:p>
-                      <a:pPr algn="ctr"/>
-                      <a:endParaRPr lang="en-US" sz="1600"/>
-                    </a:p>
-                  </a:txBody>
-                  <a:tcPr anchor="ctr"/>
-                </a:tc>
-                <a:tc>
-                  <a:txBody>
-                    <a:bodyPr/>
-                    <a:lstStyle/>
-                    <a:p>
-                      <a:pPr algn="ctr"/>
-                      <a:endParaRPr lang="en-US" sz="1600"/>
-                    </a:p>
-                  </a:txBody>
-                  <a:tcPr anchor="ctr"/>
-                </a:tc>
-                <a:tc>
-                  <a:txBody>
-                    <a:bodyPr/>
-                    <a:lstStyle/>
-                    <a:p>
-                      <a:pPr algn="ctr"/>
-                      <a:endParaRPr lang="en-US" sz="1600"/>
-                    </a:p>
-                  </a:txBody>
-                  <a:tcPr anchor="ctr"/>
-                </a:tc>
-                <a:tc>
-                  <a:txBody>
-                    <a:bodyPr/>
-                    <a:lstStyle/>
-                    <a:p>
-                      <a:pPr algn="ctr"/>
-                      <a:endParaRPr lang="en-US" sz="1600"/>
-                    </a:p>
-                  </a:txBody>
-                  <a:tcPr anchor="ctr"/>
-                </a:tc>
-                <a:tc>
-                  <a:txBody>
-                    <a:bodyPr/>
-                    <a:lstStyle/>
-                    <a:p>
-                      <a:pPr algn="ctr"/>
-                      <a:endParaRPr lang="en-US" sz="1600"/>
-                    </a:p>
-                  </a:txBody>
-                  <a:tcPr anchor="ctr"/>
-                </a:tc>
-                <a:tc>
-                  <a:txBody>
-                    <a:bodyPr/>
-                    <a:lstStyle/>
-                    <a:p>
-                      <a:pPr algn="ctr"/>
-                      <a:endParaRPr lang="en-US" sz="1600"/>
-                    </a:p>
-                  </a:txBody>
-                  <a:tcPr anchor="ctr"/>
-                </a:tc>
-                <a:extLst>
-                  <a:ext uri="{0D108BD9-81ED-4DB2-BD59-A6C34878D82A}">
-                    <a16:rowId xmlns:a16="http://schemas.microsoft.com/office/drawing/2014/main" val="3485857920"/>
-                  </a:ext>
-                </a:extLst>
-              </a:tr>
-              <a:tr h="425913">
-                <a:tc>
-                  <a:txBody>
-                    <a:bodyPr/>
-                    <a:lstStyle/>
-                    <a:p>
-                      <a:pPr algn="ctr"/>
-                      <a:r>
-                        <a:rPr lang="en-US" sz="1600" dirty="0">
-                          <a:solidFill>
-                            <a:schemeClr val="bg1"/>
-                          </a:solidFill>
-                        </a:rPr>
-                        <a:t>3</a:t>
-                      </a:r>
-                    </a:p>
-                  </a:txBody>
-                  <a:tcPr anchor="ctr">
-                    <a:solidFill>
-                      <a:schemeClr val="accent1"/>
-                    </a:solidFill>
-                  </a:tcPr>
-                </a:tc>
-                <a:tc>
-                  <a:txBody>
-                    <a:bodyPr/>
-                    <a:lstStyle/>
-                    <a:p>
-                      <a:pPr algn="ctr"/>
-                      <a:r>
-                        <a:rPr lang="en-US" sz="1600" dirty="0"/>
-                        <a:t>-</a:t>
-                      </a:r>
-                    </a:p>
-                  </a:txBody>
-                  <a:tcPr anchor="ctr">
-                    <a:solidFill>
-                      <a:schemeClr val="bg2">
-                        <a:lumMod val="75000"/>
-                      </a:schemeClr>
-                    </a:solidFill>
-                  </a:tcPr>
-                </a:tc>
-                <a:tc>
-                  <a:txBody>
-                    <a:bodyPr/>
-                    <a:lstStyle/>
-                    <a:p>
-                      <a:pPr algn="ctr"/>
-                      <a:r>
-                        <a:rPr lang="en-US" sz="1600" dirty="0"/>
-                        <a:t>-</a:t>
-                      </a:r>
-                    </a:p>
-                  </a:txBody>
-                  <a:tcPr anchor="ctr">
-                    <a:solidFill>
-                      <a:schemeClr val="bg2">
-                        <a:lumMod val="75000"/>
-                      </a:schemeClr>
-                    </a:solidFill>
-                  </a:tcPr>
-                </a:tc>
-                <a:tc>
-                  <a:txBody>
-                    <a:bodyPr/>
-                    <a:lstStyle/>
-                    <a:p>
-                      <a:pPr algn="ctr"/>
-                      <a:endParaRPr lang="en-US" sz="1600" dirty="0"/>
-                    </a:p>
-                  </a:txBody>
-                  <a:tcPr anchor="ctr">
-                    <a:solidFill>
-                      <a:schemeClr val="bg2">
-                        <a:lumMod val="50000"/>
-                      </a:schemeClr>
-                    </a:solidFill>
-                  </a:tcPr>
-                </a:tc>
-                <a:tc>
-                  <a:txBody>
-                    <a:bodyPr/>
-                    <a:lstStyle/>
-                    <a:p>
-                      <a:pPr algn="ctr"/>
-                      <a:endParaRPr lang="en-US" sz="1600"/>
-                    </a:p>
-                  </a:txBody>
-                  <a:tcPr anchor="ctr"/>
-                </a:tc>
-                <a:tc>
-                  <a:txBody>
-                    <a:bodyPr/>
-                    <a:lstStyle/>
-                    <a:p>
-                      <a:pPr algn="ctr"/>
-                      <a:endParaRPr lang="en-US" sz="1600" dirty="0"/>
-                    </a:p>
-                  </a:txBody>
-                  <a:tcPr anchor="ctr"/>
-                </a:tc>
-                <a:tc>
-                  <a:txBody>
-                    <a:bodyPr/>
-                    <a:lstStyle/>
-                    <a:p>
-                      <a:pPr algn="ctr"/>
-                      <a:r>
-                        <a:rPr lang="en-US" sz="1600" dirty="0"/>
-                        <a:t>-</a:t>
-                      </a:r>
-                    </a:p>
-                  </a:txBody>
-                  <a:tcPr anchor="ctr">
-                    <a:solidFill>
-                      <a:schemeClr val="bg2">
-                        <a:lumMod val="75000"/>
-                      </a:schemeClr>
-                    </a:solidFill>
-                  </a:tcPr>
-                </a:tc>
-                <a:tc>
-                  <a:txBody>
-                    <a:bodyPr/>
-                    <a:lstStyle/>
-                    <a:p>
-                      <a:pPr algn="ctr"/>
-                      <a:r>
-                        <a:rPr lang="en-US" sz="1600" dirty="0"/>
-                        <a:t>-</a:t>
-                      </a:r>
-                    </a:p>
-                  </a:txBody>
-                  <a:tcPr anchor="ctr">
-                    <a:solidFill>
-                      <a:schemeClr val="bg2">
-                        <a:lumMod val="75000"/>
-                      </a:schemeClr>
-                    </a:solidFill>
-                  </a:tcPr>
-                </a:tc>
-                <a:tc>
-                  <a:txBody>
-                    <a:bodyPr/>
-                    <a:lstStyle/>
-                    <a:p>
-                      <a:pPr algn="ctr"/>
-                      <a:endParaRPr lang="en-US" sz="1600"/>
-                    </a:p>
-                  </a:txBody>
-                  <a:tcPr anchor="ctr"/>
-                </a:tc>
-                <a:tc>
-                  <a:txBody>
-                    <a:bodyPr/>
-                    <a:lstStyle/>
-                    <a:p>
-                      <a:pPr algn="ctr"/>
-                      <a:endParaRPr lang="en-US" sz="1600"/>
-                    </a:p>
-                  </a:txBody>
-                  <a:tcPr anchor="ctr"/>
-                </a:tc>
-                <a:tc>
-                  <a:txBody>
-                    <a:bodyPr/>
-                    <a:lstStyle/>
-                    <a:p>
-                      <a:pPr algn="ctr"/>
-                      <a:r>
-                        <a:rPr lang="en-US" sz="1600" dirty="0"/>
-                        <a:t>-</a:t>
-                      </a:r>
-                    </a:p>
-                  </a:txBody>
-                  <a:tcPr anchor="ctr">
-                    <a:solidFill>
-                      <a:schemeClr val="bg2">
-                        <a:lumMod val="75000"/>
-                      </a:schemeClr>
-                    </a:solidFill>
-                  </a:tcPr>
-                </a:tc>
-                <a:extLst>
-                  <a:ext uri="{0D108BD9-81ED-4DB2-BD59-A6C34878D82A}">
-                    <a16:rowId xmlns:a16="http://schemas.microsoft.com/office/drawing/2014/main" val="3971703997"/>
-                  </a:ext>
-                </a:extLst>
-              </a:tr>
-              <a:tr h="425913">
-                <a:tc>
-                  <a:txBody>
-                    <a:bodyPr/>
-                    <a:lstStyle/>
-                    <a:p>
-                      <a:pPr algn="ctr"/>
-                      <a:r>
-                        <a:rPr lang="en-US" sz="1600" dirty="0">
-                          <a:solidFill>
-                            <a:schemeClr val="bg1"/>
-                          </a:solidFill>
-                        </a:rPr>
-                        <a:t>4</a:t>
-                      </a:r>
-                    </a:p>
-                  </a:txBody>
-                  <a:tcPr anchor="ctr">
-                    <a:solidFill>
-                      <a:schemeClr val="accent1"/>
-                    </a:solidFill>
-                  </a:tcPr>
-                </a:tc>
-                <a:tc>
-                  <a:txBody>
-                    <a:bodyPr/>
-                    <a:lstStyle/>
-                    <a:p>
-                      <a:pPr algn="ctr"/>
-                      <a:r>
-                        <a:rPr lang="en-US" sz="1600" dirty="0"/>
-                        <a:t>-</a:t>
-                      </a:r>
-                    </a:p>
-                  </a:txBody>
-                  <a:tcPr anchor="ctr">
-                    <a:solidFill>
-                      <a:schemeClr val="bg2">
-                        <a:lumMod val="75000"/>
-                      </a:schemeClr>
-                    </a:solidFill>
-                  </a:tcPr>
-                </a:tc>
-                <a:tc>
-                  <a:txBody>
-                    <a:bodyPr/>
-                    <a:lstStyle/>
-                    <a:p>
-                      <a:pPr algn="ctr"/>
-                      <a:r>
-                        <a:rPr lang="en-US" sz="1600" dirty="0"/>
-                        <a:t>-</a:t>
-                      </a:r>
-                    </a:p>
-                  </a:txBody>
-                  <a:tcPr anchor="ctr">
-                    <a:solidFill>
-                      <a:schemeClr val="bg2">
-                        <a:lumMod val="75000"/>
-                      </a:schemeClr>
-                    </a:solidFill>
-                  </a:tcPr>
-                </a:tc>
-                <a:tc>
-                  <a:txBody>
-                    <a:bodyPr/>
-                    <a:lstStyle/>
-                    <a:p>
-                      <a:pPr algn="ctr"/>
-                      <a:endParaRPr lang="en-US" sz="1600" dirty="0"/>
-                    </a:p>
-                  </a:txBody>
-                  <a:tcPr anchor="ctr"/>
-                </a:tc>
-                <a:tc>
-                  <a:txBody>
-                    <a:bodyPr/>
-                    <a:lstStyle/>
-                    <a:p>
-                      <a:pPr algn="ctr"/>
-                      <a:endParaRPr lang="en-US" sz="1600" dirty="0"/>
-                    </a:p>
-                  </a:txBody>
-                  <a:tcPr anchor="ctr">
-                    <a:solidFill>
-                      <a:schemeClr val="bg2">
-                        <a:lumMod val="50000"/>
-                      </a:schemeClr>
-                    </a:solidFill>
-                  </a:tcPr>
-                </a:tc>
-                <a:tc>
-                  <a:txBody>
-                    <a:bodyPr/>
-                    <a:lstStyle/>
-                    <a:p>
-                      <a:pPr algn="ctr"/>
-                      <a:endParaRPr lang="en-US" sz="1600"/>
-                    </a:p>
-                  </a:txBody>
-                  <a:tcPr anchor="ctr"/>
-                </a:tc>
-                <a:tc>
-                  <a:txBody>
-                    <a:bodyPr/>
-                    <a:lstStyle/>
-                    <a:p>
-                      <a:pPr algn="ctr"/>
-                      <a:r>
-                        <a:rPr lang="en-US" sz="1600" dirty="0"/>
-                        <a:t>-</a:t>
-                      </a:r>
-                    </a:p>
-                  </a:txBody>
-                  <a:tcPr anchor="ctr">
-                    <a:solidFill>
-                      <a:schemeClr val="bg2">
-                        <a:lumMod val="75000"/>
-                      </a:schemeClr>
-                    </a:solidFill>
-                  </a:tcPr>
-                </a:tc>
-                <a:tc>
-                  <a:txBody>
-                    <a:bodyPr/>
-                    <a:lstStyle/>
-                    <a:p>
-                      <a:pPr algn="ctr"/>
-                      <a:r>
-                        <a:rPr lang="en-US" sz="1600" dirty="0"/>
-                        <a:t>-</a:t>
-                      </a:r>
-                    </a:p>
-                  </a:txBody>
-                  <a:tcPr anchor="ctr">
-                    <a:solidFill>
-                      <a:schemeClr val="bg2">
-                        <a:lumMod val="75000"/>
-                      </a:schemeClr>
-                    </a:solidFill>
-                  </a:tcPr>
-                </a:tc>
-                <a:tc>
-                  <a:txBody>
-                    <a:bodyPr/>
-                    <a:lstStyle/>
-                    <a:p>
-                      <a:pPr algn="ctr"/>
-                      <a:endParaRPr lang="en-US" sz="1600"/>
-                    </a:p>
-                  </a:txBody>
-                  <a:tcPr anchor="ctr"/>
-                </a:tc>
-                <a:tc>
-                  <a:txBody>
-                    <a:bodyPr/>
-                    <a:lstStyle/>
-                    <a:p>
-                      <a:pPr algn="ctr"/>
-                      <a:endParaRPr lang="en-US" sz="1600"/>
-                    </a:p>
-                  </a:txBody>
-                  <a:tcPr anchor="ctr"/>
-                </a:tc>
-                <a:tc>
-                  <a:txBody>
-                    <a:bodyPr/>
-                    <a:lstStyle/>
-                    <a:p>
-                      <a:pPr algn="ctr"/>
-                      <a:r>
-                        <a:rPr lang="en-US" sz="1600" dirty="0"/>
-                        <a:t>-</a:t>
-                      </a:r>
-                    </a:p>
-                  </a:txBody>
-                  <a:tcPr anchor="ctr">
-                    <a:solidFill>
-                      <a:schemeClr val="bg2">
-                        <a:lumMod val="75000"/>
-                      </a:schemeClr>
-                    </a:solidFill>
-                  </a:tcPr>
-                </a:tc>
-                <a:extLst>
-                  <a:ext uri="{0D108BD9-81ED-4DB2-BD59-A6C34878D82A}">
-                    <a16:rowId xmlns:a16="http://schemas.microsoft.com/office/drawing/2014/main" val="4216095044"/>
-                  </a:ext>
-                </a:extLst>
-              </a:tr>
-              <a:tr h="425913">
-                <a:tc>
-                  <a:txBody>
-                    <a:bodyPr/>
-                    <a:lstStyle/>
-                    <a:p>
-                      <a:pPr algn="ctr"/>
-                      <a:r>
-                        <a:rPr lang="en-US" sz="1600" dirty="0">
-                          <a:solidFill>
-                            <a:schemeClr val="bg1"/>
-                          </a:solidFill>
-                        </a:rPr>
-                        <a:t>5</a:t>
-                      </a:r>
-                    </a:p>
-                  </a:txBody>
-                  <a:tcPr anchor="ctr">
-                    <a:solidFill>
-                      <a:schemeClr val="accent1"/>
-                    </a:solidFill>
-                  </a:tcPr>
-                </a:tc>
-                <a:tc>
-                  <a:txBody>
-                    <a:bodyPr/>
-                    <a:lstStyle/>
-                    <a:p>
-                      <a:pPr algn="ctr"/>
-                      <a:r>
-                        <a:rPr lang="en-US" sz="1600" dirty="0"/>
-                        <a:t>-</a:t>
-                      </a:r>
-                    </a:p>
-                  </a:txBody>
-                  <a:tcPr anchor="ctr">
-                    <a:solidFill>
-                      <a:schemeClr val="bg2">
-                        <a:lumMod val="75000"/>
-                      </a:schemeClr>
-                    </a:solidFill>
-                  </a:tcPr>
-                </a:tc>
-                <a:tc>
-                  <a:txBody>
-                    <a:bodyPr/>
-                    <a:lstStyle/>
-                    <a:p>
-                      <a:pPr algn="ctr"/>
-                      <a:r>
-                        <a:rPr lang="en-US" sz="1600" dirty="0"/>
-                        <a:t>-</a:t>
-                      </a:r>
-                    </a:p>
-                  </a:txBody>
-                  <a:tcPr anchor="ctr">
-                    <a:solidFill>
-                      <a:schemeClr val="bg2">
-                        <a:lumMod val="75000"/>
-                      </a:schemeClr>
-                    </a:solidFill>
-                  </a:tcPr>
-                </a:tc>
-                <a:tc>
-                  <a:txBody>
-                    <a:bodyPr/>
-                    <a:lstStyle/>
-                    <a:p>
-                      <a:pPr algn="ctr"/>
-                      <a:endParaRPr lang="en-US" sz="1600"/>
-                    </a:p>
-                  </a:txBody>
-                  <a:tcPr anchor="ctr"/>
-                </a:tc>
-                <a:tc>
-                  <a:txBody>
-                    <a:bodyPr/>
-                    <a:lstStyle/>
-                    <a:p>
-                      <a:pPr algn="ctr"/>
-                      <a:endParaRPr lang="en-US" sz="1600"/>
-                    </a:p>
-                  </a:txBody>
-                  <a:tcPr anchor="ctr"/>
-                </a:tc>
-                <a:tc>
-                  <a:txBody>
-                    <a:bodyPr/>
-                    <a:lstStyle/>
-                    <a:p>
-                      <a:pPr algn="ctr"/>
-                      <a:endParaRPr lang="en-US" sz="1600" dirty="0"/>
-                    </a:p>
-                  </a:txBody>
-                  <a:tcPr anchor="ctr">
-                    <a:solidFill>
-                      <a:schemeClr val="bg2">
-                        <a:lumMod val="50000"/>
-                      </a:schemeClr>
-                    </a:solidFill>
-                  </a:tcPr>
-                </a:tc>
-                <a:tc>
-                  <a:txBody>
-                    <a:bodyPr/>
-                    <a:lstStyle/>
-                    <a:p>
-                      <a:pPr algn="ctr"/>
-                      <a:r>
-                        <a:rPr lang="en-US" sz="1600" dirty="0"/>
-                        <a:t>-</a:t>
-                      </a:r>
-                    </a:p>
-                  </a:txBody>
-                  <a:tcPr anchor="ctr">
-                    <a:solidFill>
-                      <a:schemeClr val="bg2">
-                        <a:lumMod val="75000"/>
-                      </a:schemeClr>
-                    </a:solidFill>
-                  </a:tcPr>
-                </a:tc>
-                <a:tc>
-                  <a:txBody>
-                    <a:bodyPr/>
-                    <a:lstStyle/>
-                    <a:p>
-                      <a:pPr algn="ctr"/>
-                      <a:r>
-                        <a:rPr lang="en-US" sz="1600" dirty="0"/>
-                        <a:t>-</a:t>
-                      </a:r>
-                    </a:p>
-                  </a:txBody>
-                  <a:tcPr anchor="ctr">
-                    <a:solidFill>
-                      <a:schemeClr val="bg2">
-                        <a:lumMod val="75000"/>
-                      </a:schemeClr>
-                    </a:solidFill>
-                  </a:tcPr>
-                </a:tc>
-                <a:tc>
-                  <a:txBody>
-                    <a:bodyPr/>
-                    <a:lstStyle/>
-                    <a:p>
-                      <a:pPr algn="ctr"/>
-                      <a:endParaRPr lang="en-US" sz="1600"/>
-                    </a:p>
-                  </a:txBody>
-                  <a:tcPr anchor="ctr"/>
-                </a:tc>
-                <a:tc>
-                  <a:txBody>
-                    <a:bodyPr/>
-                    <a:lstStyle/>
-                    <a:p>
-                      <a:pPr algn="ctr"/>
-                      <a:endParaRPr lang="en-US" sz="1600"/>
-                    </a:p>
-                  </a:txBody>
-                  <a:tcPr anchor="ctr"/>
-                </a:tc>
-                <a:tc>
-                  <a:txBody>
-                    <a:bodyPr/>
-                    <a:lstStyle/>
-                    <a:p>
-                      <a:pPr algn="ctr"/>
-                      <a:r>
-                        <a:rPr lang="en-US" sz="1600" dirty="0"/>
-                        <a:t>-</a:t>
-                      </a:r>
-                    </a:p>
-                  </a:txBody>
-                  <a:tcPr anchor="ctr">
-                    <a:solidFill>
-                      <a:schemeClr val="bg2">
-                        <a:lumMod val="75000"/>
-                      </a:schemeClr>
-                    </a:solidFill>
-                  </a:tcPr>
-                </a:tc>
-                <a:extLst>
-                  <a:ext uri="{0D108BD9-81ED-4DB2-BD59-A6C34878D82A}">
-                    <a16:rowId xmlns:a16="http://schemas.microsoft.com/office/drawing/2014/main" val="2237266844"/>
-                  </a:ext>
-                </a:extLst>
-              </a:tr>
-              <a:tr h="425913">
-                <a:tc>
-                  <a:txBody>
-                    <a:bodyPr/>
-                    <a:lstStyle/>
-                    <a:p>
-                      <a:pPr algn="ctr"/>
-                      <a:r>
-                        <a:rPr lang="en-US" sz="1600" dirty="0">
-                          <a:solidFill>
-                            <a:schemeClr val="bg1"/>
-                          </a:solidFill>
-                        </a:rPr>
-                        <a:t>6</a:t>
-                      </a:r>
-                    </a:p>
-                  </a:txBody>
-                  <a:tcPr anchor="ctr">
-                    <a:solidFill>
-                      <a:schemeClr val="accent1"/>
-                    </a:solidFill>
-                  </a:tcPr>
-                </a:tc>
-                <a:tc>
-                  <a:txBody>
-                    <a:bodyPr/>
-                    <a:lstStyle/>
-                    <a:p>
-                      <a:pPr algn="ctr"/>
-                      <a:r>
-                        <a:rPr lang="en-US" sz="1600" dirty="0"/>
-                        <a:t>-</a:t>
-                      </a:r>
-                    </a:p>
-                  </a:txBody>
-                  <a:tcPr anchor="ctr">
-                    <a:solidFill>
-                      <a:schemeClr val="bg2">
-                        <a:lumMod val="75000"/>
-                      </a:schemeClr>
-                    </a:solidFill>
-                  </a:tcPr>
-                </a:tc>
-                <a:tc>
-                  <a:txBody>
-                    <a:bodyPr/>
-                    <a:lstStyle/>
-                    <a:p>
-                      <a:pPr algn="ctr"/>
-                      <a:r>
-                        <a:rPr lang="en-US" sz="1600" dirty="0"/>
-                        <a:t>-</a:t>
-                      </a:r>
-                    </a:p>
-                  </a:txBody>
-                  <a:tcPr anchor="ctr">
-                    <a:solidFill>
-                      <a:schemeClr val="bg2">
-                        <a:lumMod val="75000"/>
-                      </a:schemeClr>
-                    </a:solidFill>
-                  </a:tcPr>
-                </a:tc>
-                <a:tc>
-                  <a:txBody>
-                    <a:bodyPr/>
-                    <a:lstStyle/>
-                    <a:p>
-                      <a:pPr algn="ctr"/>
-                      <a:r>
-                        <a:rPr lang="en-US" sz="1600" dirty="0"/>
-                        <a:t>-</a:t>
-                      </a:r>
-                    </a:p>
-                  </a:txBody>
-                  <a:tcPr anchor="ctr">
-                    <a:solidFill>
-                      <a:schemeClr val="bg2">
-                        <a:lumMod val="75000"/>
-                      </a:schemeClr>
-                    </a:solidFill>
-                  </a:tcPr>
-                </a:tc>
-                <a:tc>
-                  <a:txBody>
-                    <a:bodyPr/>
-                    <a:lstStyle/>
-                    <a:p>
-                      <a:pPr algn="ctr"/>
-                      <a:r>
-                        <a:rPr lang="en-US" sz="1600" dirty="0"/>
-                        <a:t>-</a:t>
-                      </a:r>
-                    </a:p>
-                  </a:txBody>
-                  <a:tcPr anchor="ctr">
-                    <a:solidFill>
-                      <a:schemeClr val="bg2">
-                        <a:lumMod val="75000"/>
-                      </a:schemeClr>
-                    </a:solidFill>
-                  </a:tcPr>
-                </a:tc>
-                <a:tc>
-                  <a:txBody>
-                    <a:bodyPr/>
-                    <a:lstStyle/>
-                    <a:p>
-                      <a:pPr algn="ctr"/>
-                      <a:r>
-                        <a:rPr lang="en-US" sz="1600" dirty="0"/>
-                        <a:t>-</a:t>
-                      </a:r>
-                    </a:p>
-                  </a:txBody>
-                  <a:tcPr anchor="ctr">
-                    <a:solidFill>
-                      <a:schemeClr val="bg2">
-                        <a:lumMod val="75000"/>
-                      </a:schemeClr>
-                    </a:solidFill>
-                  </a:tcPr>
-                </a:tc>
-                <a:tc>
-                  <a:txBody>
-                    <a:bodyPr/>
-                    <a:lstStyle/>
-                    <a:p>
-                      <a:pPr algn="ctr"/>
-                      <a:endParaRPr lang="en-US" sz="1600" dirty="0"/>
-                    </a:p>
-                  </a:txBody>
-                  <a:tcPr anchor="ctr">
-                    <a:solidFill>
-                      <a:schemeClr val="bg2">
-                        <a:lumMod val="50000"/>
-                      </a:schemeClr>
-                    </a:solidFill>
-                  </a:tcPr>
-                </a:tc>
-                <a:tc>
-                  <a:txBody>
-                    <a:bodyPr/>
-                    <a:lstStyle/>
-                    <a:p>
-                      <a:pPr algn="ctr"/>
-                      <a:endParaRPr lang="en-US" sz="1600" dirty="0"/>
-                    </a:p>
-                  </a:txBody>
-                  <a:tcPr anchor="ctr"/>
-                </a:tc>
-                <a:tc>
-                  <a:txBody>
-                    <a:bodyPr/>
-                    <a:lstStyle/>
-                    <a:p>
-                      <a:pPr algn="ctr"/>
-                      <a:endParaRPr lang="en-US" sz="1600"/>
-                    </a:p>
-                  </a:txBody>
-                  <a:tcPr anchor="ctr"/>
-                </a:tc>
-                <a:tc>
-                  <a:txBody>
-                    <a:bodyPr/>
-                    <a:lstStyle/>
-                    <a:p>
-                      <a:pPr algn="ctr"/>
-                      <a:r>
-                        <a:rPr lang="en-US" sz="1600" dirty="0"/>
-                        <a:t>-</a:t>
-                      </a:r>
-                    </a:p>
-                  </a:txBody>
-                  <a:tcPr anchor="ctr">
-                    <a:solidFill>
-                      <a:schemeClr val="bg2">
-                        <a:lumMod val="75000"/>
-                      </a:schemeClr>
-                    </a:solidFill>
-                  </a:tcPr>
-                </a:tc>
-                <a:tc>
-                  <a:txBody>
-                    <a:bodyPr/>
-                    <a:lstStyle/>
-                    <a:p>
-                      <a:pPr algn="ctr"/>
-                      <a:endParaRPr lang="en-US" sz="1600" dirty="0"/>
-                    </a:p>
-                  </a:txBody>
-                  <a:tcPr anchor="ctr"/>
-                </a:tc>
-                <a:extLst>
-                  <a:ext uri="{0D108BD9-81ED-4DB2-BD59-A6C34878D82A}">
-                    <a16:rowId xmlns:a16="http://schemas.microsoft.com/office/drawing/2014/main" val="2252693935"/>
-                  </a:ext>
-                </a:extLst>
-              </a:tr>
-              <a:tr h="425913">
-                <a:tc>
-                  <a:txBody>
-                    <a:bodyPr/>
-                    <a:lstStyle/>
-                    <a:p>
-                      <a:pPr algn="ctr"/>
-                      <a:r>
-                        <a:rPr lang="en-US" sz="1600" dirty="0">
-                          <a:solidFill>
-                            <a:schemeClr val="bg1"/>
-                          </a:solidFill>
-                        </a:rPr>
-                        <a:t>7</a:t>
-                      </a:r>
-                    </a:p>
-                  </a:txBody>
-                  <a:tcPr anchor="ctr">
-                    <a:solidFill>
-                      <a:schemeClr val="accent1"/>
-                    </a:solidFill>
-                  </a:tcPr>
-                </a:tc>
-                <a:tc>
-                  <a:txBody>
-                    <a:bodyPr/>
-                    <a:lstStyle/>
-                    <a:p>
-                      <a:pPr algn="ctr"/>
-                      <a:r>
-                        <a:rPr lang="en-US" sz="1600" dirty="0"/>
-                        <a:t>-</a:t>
-                      </a:r>
-                    </a:p>
-                  </a:txBody>
-                  <a:tcPr anchor="ctr">
-                    <a:solidFill>
-                      <a:schemeClr val="bg2">
-                        <a:lumMod val="75000"/>
-                      </a:schemeClr>
-                    </a:solidFill>
-                  </a:tcPr>
-                </a:tc>
-                <a:tc>
-                  <a:txBody>
-                    <a:bodyPr/>
-                    <a:lstStyle/>
-                    <a:p>
-                      <a:pPr algn="ctr"/>
-                      <a:r>
-                        <a:rPr lang="en-US" sz="1600" dirty="0"/>
-                        <a:t>-</a:t>
-                      </a:r>
-                    </a:p>
-                  </a:txBody>
-                  <a:tcPr anchor="ctr">
-                    <a:solidFill>
-                      <a:schemeClr val="bg2">
-                        <a:lumMod val="75000"/>
-                      </a:schemeClr>
-                    </a:solidFill>
-                  </a:tcPr>
-                </a:tc>
-                <a:tc>
-                  <a:txBody>
-                    <a:bodyPr/>
-                    <a:lstStyle/>
-                    <a:p>
-                      <a:pPr algn="ctr"/>
-                      <a:r>
-                        <a:rPr lang="en-US" sz="1600" dirty="0"/>
-                        <a:t>-</a:t>
-                      </a:r>
-                    </a:p>
-                  </a:txBody>
-                  <a:tcPr anchor="ctr">
-                    <a:solidFill>
-                      <a:schemeClr val="bg2">
-                        <a:lumMod val="75000"/>
-                      </a:schemeClr>
-                    </a:solidFill>
-                  </a:tcPr>
-                </a:tc>
-                <a:tc>
-                  <a:txBody>
-                    <a:bodyPr/>
-                    <a:lstStyle/>
-                    <a:p>
-                      <a:pPr algn="ctr"/>
-                      <a:r>
-                        <a:rPr lang="en-US" sz="1600" dirty="0"/>
-                        <a:t>-</a:t>
-                      </a:r>
-                    </a:p>
-                  </a:txBody>
-                  <a:tcPr anchor="ctr">
-                    <a:solidFill>
-                      <a:schemeClr val="bg2">
-                        <a:lumMod val="75000"/>
-                      </a:schemeClr>
-                    </a:solidFill>
-                  </a:tcPr>
-                </a:tc>
-                <a:tc>
-                  <a:txBody>
-                    <a:bodyPr/>
-                    <a:lstStyle/>
-                    <a:p>
-                      <a:pPr algn="ctr"/>
-                      <a:r>
-                        <a:rPr lang="en-US" sz="1600" dirty="0"/>
-                        <a:t>-</a:t>
-                      </a:r>
-                    </a:p>
-                  </a:txBody>
-                  <a:tcPr anchor="ctr">
-                    <a:solidFill>
-                      <a:schemeClr val="bg2">
-                        <a:lumMod val="75000"/>
-                      </a:schemeClr>
-                    </a:solidFill>
-                  </a:tcPr>
-                </a:tc>
-                <a:tc>
-                  <a:txBody>
-                    <a:bodyPr/>
-                    <a:lstStyle/>
-                    <a:p>
-                      <a:pPr algn="ctr"/>
-                      <a:endParaRPr lang="en-US" sz="1600" dirty="0"/>
-                    </a:p>
-                  </a:txBody>
-                  <a:tcPr anchor="ctr"/>
-                </a:tc>
-                <a:tc>
-                  <a:txBody>
-                    <a:bodyPr/>
-                    <a:lstStyle/>
-                    <a:p>
-                      <a:pPr algn="ctr"/>
-                      <a:endParaRPr lang="en-US" sz="1600" dirty="0"/>
-                    </a:p>
-                  </a:txBody>
-                  <a:tcPr anchor="ctr">
-                    <a:solidFill>
-                      <a:schemeClr val="bg2">
-                        <a:lumMod val="50000"/>
-                      </a:schemeClr>
-                    </a:solidFill>
-                  </a:tcPr>
-                </a:tc>
-                <a:tc>
-                  <a:txBody>
-                    <a:bodyPr/>
-                    <a:lstStyle/>
-                    <a:p>
-                      <a:pPr algn="ctr"/>
-                      <a:endParaRPr lang="en-US" sz="1600"/>
-                    </a:p>
-                  </a:txBody>
-                  <a:tcPr anchor="ctr"/>
-                </a:tc>
-                <a:tc>
-                  <a:txBody>
-                    <a:bodyPr/>
-                    <a:lstStyle/>
-                    <a:p>
-                      <a:pPr algn="ctr"/>
-                      <a:r>
-                        <a:rPr lang="en-US" sz="1600" dirty="0"/>
-                        <a:t>-</a:t>
-                      </a:r>
-                    </a:p>
-                  </a:txBody>
-                  <a:tcPr anchor="ctr">
-                    <a:solidFill>
-                      <a:schemeClr val="bg2">
-                        <a:lumMod val="75000"/>
-                      </a:schemeClr>
-                    </a:solidFill>
-                  </a:tcPr>
-                </a:tc>
-                <a:tc>
-                  <a:txBody>
-                    <a:bodyPr/>
-                    <a:lstStyle/>
-                    <a:p>
-                      <a:pPr algn="ctr"/>
-                      <a:endParaRPr lang="en-US" sz="1600"/>
-                    </a:p>
-                  </a:txBody>
-                  <a:tcPr anchor="ctr"/>
-                </a:tc>
-                <a:extLst>
-                  <a:ext uri="{0D108BD9-81ED-4DB2-BD59-A6C34878D82A}">
-                    <a16:rowId xmlns:a16="http://schemas.microsoft.com/office/drawing/2014/main" val="1987902878"/>
-                  </a:ext>
-                </a:extLst>
-              </a:tr>
-              <a:tr h="425913">
-                <a:tc>
-                  <a:txBody>
-                    <a:bodyPr/>
-                    <a:lstStyle/>
-                    <a:p>
-                      <a:pPr algn="ctr"/>
-                      <a:r>
-                        <a:rPr lang="en-US" sz="1600" dirty="0">
-                          <a:solidFill>
-                            <a:schemeClr val="bg1"/>
-                          </a:solidFill>
-                        </a:rPr>
-                        <a:t>8</a:t>
-                      </a:r>
-                    </a:p>
-                  </a:txBody>
-                  <a:tcPr anchor="ctr">
-                    <a:solidFill>
-                      <a:schemeClr val="accent1"/>
-                    </a:solidFill>
-                  </a:tcPr>
-                </a:tc>
-                <a:tc>
-                  <a:txBody>
-                    <a:bodyPr/>
-                    <a:lstStyle/>
-                    <a:p>
-                      <a:pPr algn="ctr"/>
-                      <a:r>
-                        <a:rPr lang="en-US" sz="1600" dirty="0"/>
-                        <a:t>-</a:t>
-                      </a:r>
-                    </a:p>
-                  </a:txBody>
-                  <a:tcPr anchor="ctr">
-                    <a:solidFill>
-                      <a:schemeClr val="bg2">
-                        <a:lumMod val="75000"/>
-                      </a:schemeClr>
-                    </a:solidFill>
-                  </a:tcPr>
-                </a:tc>
-                <a:tc>
-                  <a:txBody>
-                    <a:bodyPr/>
-                    <a:lstStyle/>
-                    <a:p>
-                      <a:pPr algn="ctr"/>
-                      <a:r>
-                        <a:rPr lang="en-US" sz="1600" dirty="0"/>
-                        <a:t>-</a:t>
-                      </a:r>
-                    </a:p>
-                  </a:txBody>
-                  <a:tcPr anchor="ctr">
-                    <a:solidFill>
-                      <a:schemeClr val="bg2">
-                        <a:lumMod val="75000"/>
-                      </a:schemeClr>
-                    </a:solidFill>
-                  </a:tcPr>
-                </a:tc>
-                <a:tc>
-                  <a:txBody>
-                    <a:bodyPr/>
-                    <a:lstStyle/>
-                    <a:p>
-                      <a:pPr algn="ctr"/>
-                      <a:r>
-                        <a:rPr lang="en-US" sz="1600" dirty="0"/>
-                        <a:t>-</a:t>
-                      </a:r>
-                    </a:p>
-                  </a:txBody>
-                  <a:tcPr anchor="ctr">
-                    <a:solidFill>
-                      <a:schemeClr val="bg2">
-                        <a:lumMod val="75000"/>
-                      </a:schemeClr>
-                    </a:solidFill>
-                  </a:tcPr>
-                </a:tc>
-                <a:tc>
-                  <a:txBody>
-                    <a:bodyPr/>
-                    <a:lstStyle/>
-                    <a:p>
-                      <a:pPr algn="ctr"/>
-                      <a:r>
-                        <a:rPr lang="en-US" sz="1600" dirty="0"/>
-                        <a:t>-</a:t>
-                      </a:r>
-                    </a:p>
-                  </a:txBody>
-                  <a:tcPr anchor="ctr">
-                    <a:solidFill>
-                      <a:schemeClr val="bg2">
-                        <a:lumMod val="75000"/>
-                      </a:schemeClr>
-                    </a:solidFill>
-                  </a:tcPr>
-                </a:tc>
-                <a:tc>
-                  <a:txBody>
-                    <a:bodyPr/>
-                    <a:lstStyle/>
-                    <a:p>
-                      <a:pPr algn="ctr"/>
-                      <a:r>
-                        <a:rPr lang="en-US" sz="1600" dirty="0"/>
-                        <a:t>-</a:t>
-                      </a:r>
-                    </a:p>
-                  </a:txBody>
-                  <a:tcPr anchor="ctr">
-                    <a:solidFill>
-                      <a:schemeClr val="bg2">
-                        <a:lumMod val="75000"/>
-                      </a:schemeClr>
-                    </a:solidFill>
-                  </a:tcPr>
-                </a:tc>
-                <a:tc>
-                  <a:txBody>
-                    <a:bodyPr/>
-                    <a:lstStyle/>
-                    <a:p>
-                      <a:pPr algn="ctr"/>
-                      <a:r>
-                        <a:rPr lang="en-US" sz="1600" dirty="0"/>
-                        <a:t>-</a:t>
-                      </a:r>
-                    </a:p>
-                  </a:txBody>
-                  <a:tcPr anchor="ctr">
-                    <a:solidFill>
-                      <a:schemeClr val="bg2">
-                        <a:lumMod val="75000"/>
-                      </a:schemeClr>
-                    </a:solidFill>
-                  </a:tcPr>
-                </a:tc>
-                <a:tc>
-                  <a:txBody>
-                    <a:bodyPr/>
-                    <a:lstStyle/>
-                    <a:p>
-                      <a:pPr algn="ctr"/>
-                      <a:r>
-                        <a:rPr lang="en-US" sz="1600" dirty="0"/>
-                        <a:t>-</a:t>
-                      </a:r>
-                    </a:p>
-                  </a:txBody>
-                  <a:tcPr anchor="ctr">
-                    <a:solidFill>
-                      <a:schemeClr val="bg2">
-                        <a:lumMod val="75000"/>
-                      </a:schemeClr>
-                    </a:solidFill>
-                  </a:tcPr>
-                </a:tc>
-                <a:tc>
-                  <a:txBody>
-                    <a:bodyPr/>
-                    <a:lstStyle/>
-                    <a:p>
-                      <a:pPr algn="ctr"/>
-                      <a:endParaRPr lang="en-US" sz="1600" dirty="0"/>
-                    </a:p>
-                  </a:txBody>
-                  <a:tcPr anchor="ctr">
-                    <a:solidFill>
-                      <a:schemeClr val="bg2">
-                        <a:lumMod val="50000"/>
-                      </a:schemeClr>
-                    </a:solidFill>
-                  </a:tcPr>
-                </a:tc>
-                <a:tc>
-                  <a:txBody>
-                    <a:bodyPr/>
-                    <a:lstStyle/>
-                    <a:p>
-                      <a:pPr algn="ctr"/>
-                      <a:r>
-                        <a:rPr lang="en-US" sz="1600" dirty="0"/>
-                        <a:t>-</a:t>
-                      </a:r>
-                    </a:p>
-                  </a:txBody>
-                  <a:tcPr anchor="ctr">
-                    <a:solidFill>
-                      <a:schemeClr val="bg2">
-                        <a:lumMod val="75000"/>
-                      </a:schemeClr>
-                    </a:solidFill>
-                  </a:tcPr>
-                </a:tc>
-                <a:tc>
-                  <a:txBody>
-                    <a:bodyPr/>
-                    <a:lstStyle/>
-                    <a:p>
-                      <a:pPr algn="ctr"/>
-                      <a:r>
-                        <a:rPr lang="en-US" sz="1600" dirty="0"/>
-                        <a:t>-</a:t>
-                      </a:r>
-                    </a:p>
-                  </a:txBody>
-                  <a:tcPr anchor="ctr">
-                    <a:solidFill>
-                      <a:schemeClr val="bg2">
-                        <a:lumMod val="75000"/>
-                      </a:schemeClr>
-                    </a:solidFill>
-                  </a:tcPr>
-                </a:tc>
-                <a:extLst>
-                  <a:ext uri="{0D108BD9-81ED-4DB2-BD59-A6C34878D82A}">
-                    <a16:rowId xmlns:a16="http://schemas.microsoft.com/office/drawing/2014/main" val="3154358782"/>
-                  </a:ext>
-                </a:extLst>
-              </a:tr>
-              <a:tr h="425913">
-                <a:tc>
-                  <a:txBody>
-                    <a:bodyPr/>
-                    <a:lstStyle/>
-                    <a:p>
-                      <a:pPr algn="ctr"/>
-                      <a:r>
-                        <a:rPr lang="en-US" sz="1600" dirty="0">
-                          <a:solidFill>
-                            <a:schemeClr val="bg1"/>
-                          </a:solidFill>
-                        </a:rPr>
-                        <a:t>9</a:t>
-                      </a:r>
-                    </a:p>
-                  </a:txBody>
-                  <a:tcPr anchor="ctr">
-                    <a:solidFill>
-                      <a:schemeClr val="accent1"/>
-                    </a:solidFill>
-                  </a:tcPr>
-                </a:tc>
-                <a:tc>
-                  <a:txBody>
-                    <a:bodyPr/>
-                    <a:lstStyle/>
-                    <a:p>
-                      <a:pPr algn="ctr"/>
-                      <a:r>
-                        <a:rPr lang="en-US" sz="1600" dirty="0"/>
-                        <a:t>-</a:t>
-                      </a:r>
-                    </a:p>
-                  </a:txBody>
-                  <a:tcPr anchor="ctr">
-                    <a:solidFill>
-                      <a:schemeClr val="bg2">
-                        <a:lumMod val="75000"/>
-                      </a:schemeClr>
-                    </a:solidFill>
-                  </a:tcPr>
-                </a:tc>
-                <a:tc>
-                  <a:txBody>
-                    <a:bodyPr/>
-                    <a:lstStyle/>
-                    <a:p>
-                      <a:pPr algn="ctr"/>
-                      <a:r>
-                        <a:rPr lang="en-US" sz="1600" dirty="0"/>
-                        <a:t>-</a:t>
-                      </a:r>
-                    </a:p>
-                  </a:txBody>
-                  <a:tcPr anchor="ctr">
-                    <a:solidFill>
-                      <a:schemeClr val="bg2">
-                        <a:lumMod val="75000"/>
-                      </a:schemeClr>
-                    </a:solidFill>
-                  </a:tcPr>
-                </a:tc>
-                <a:tc>
-                  <a:txBody>
-                    <a:bodyPr/>
-                    <a:lstStyle/>
-                    <a:p>
-                      <a:pPr algn="ctr"/>
-                      <a:r>
-                        <a:rPr lang="en-US" sz="1600" dirty="0"/>
-                        <a:t>-</a:t>
-                      </a:r>
-                    </a:p>
-                  </a:txBody>
-                  <a:tcPr anchor="ctr">
-                    <a:solidFill>
-                      <a:schemeClr val="bg2">
-                        <a:lumMod val="75000"/>
-                      </a:schemeClr>
-                    </a:solidFill>
-                  </a:tcPr>
-                </a:tc>
-                <a:tc>
-                  <a:txBody>
-                    <a:bodyPr/>
-                    <a:lstStyle/>
-                    <a:p>
-                      <a:pPr algn="ctr"/>
-                      <a:r>
-                        <a:rPr lang="en-US" sz="1600" dirty="0"/>
-                        <a:t>-</a:t>
-                      </a:r>
-                    </a:p>
-                  </a:txBody>
-                  <a:tcPr anchor="ctr">
-                    <a:solidFill>
-                      <a:schemeClr val="bg2">
-                        <a:lumMod val="75000"/>
-                      </a:schemeClr>
-                    </a:solidFill>
-                  </a:tcPr>
-                </a:tc>
-                <a:tc>
-                  <a:txBody>
-                    <a:bodyPr/>
-                    <a:lstStyle/>
-                    <a:p>
-                      <a:pPr algn="ctr"/>
-                      <a:r>
-                        <a:rPr lang="en-US" sz="1600" dirty="0"/>
-                        <a:t>-</a:t>
-                      </a:r>
-                    </a:p>
-                  </a:txBody>
-                  <a:tcPr anchor="ctr">
-                    <a:solidFill>
-                      <a:schemeClr val="bg2">
-                        <a:lumMod val="75000"/>
-                      </a:schemeClr>
-                    </a:solidFill>
-                  </a:tcPr>
-                </a:tc>
-                <a:tc>
-                  <a:txBody>
-                    <a:bodyPr/>
-                    <a:lstStyle/>
-                    <a:p>
-                      <a:pPr algn="ctr"/>
-                      <a:r>
-                        <a:rPr lang="en-US" sz="1600" dirty="0"/>
-                        <a:t>-</a:t>
-                      </a:r>
-                    </a:p>
-                  </a:txBody>
-                  <a:tcPr anchor="ctr">
-                    <a:solidFill>
-                      <a:schemeClr val="bg2">
-                        <a:lumMod val="75000"/>
-                      </a:schemeClr>
-                    </a:solidFill>
-                  </a:tcPr>
-                </a:tc>
-                <a:tc>
-                  <a:txBody>
-                    <a:bodyPr/>
-                    <a:lstStyle/>
-                    <a:p>
-                      <a:pPr algn="ctr"/>
-                      <a:r>
-                        <a:rPr lang="en-US" sz="1600" dirty="0"/>
-                        <a:t>-</a:t>
-                      </a:r>
-                    </a:p>
-                  </a:txBody>
-                  <a:tcPr anchor="ctr">
-                    <a:solidFill>
-                      <a:schemeClr val="bg2">
-                        <a:lumMod val="75000"/>
-                      </a:schemeClr>
-                    </a:solidFill>
-                  </a:tcPr>
-                </a:tc>
-                <a:tc>
-                  <a:txBody>
-                    <a:bodyPr/>
-                    <a:lstStyle/>
-                    <a:p>
-                      <a:pPr algn="ctr"/>
-                      <a:r>
-                        <a:rPr lang="en-US" sz="1600" dirty="0"/>
-                        <a:t>-</a:t>
-                      </a:r>
-                    </a:p>
-                  </a:txBody>
-                  <a:tcPr anchor="ctr">
-                    <a:solidFill>
-                      <a:schemeClr val="bg2">
-                        <a:lumMod val="75000"/>
-                      </a:schemeClr>
-                    </a:solidFill>
-                  </a:tcPr>
-                </a:tc>
-                <a:tc>
-                  <a:txBody>
-                    <a:bodyPr/>
-                    <a:lstStyle/>
-                    <a:p>
-                      <a:pPr algn="ctr"/>
-                      <a:endParaRPr lang="en-US" sz="1600" dirty="0"/>
-                    </a:p>
-                  </a:txBody>
-                  <a:tcPr anchor="ctr">
-                    <a:solidFill>
-                      <a:schemeClr val="bg2">
-                        <a:lumMod val="50000"/>
-                      </a:schemeClr>
-                    </a:solidFill>
-                  </a:tcPr>
-                </a:tc>
-                <a:tc>
-                  <a:txBody>
-                    <a:bodyPr/>
-                    <a:lstStyle/>
-                    <a:p>
-                      <a:pPr algn="ctr"/>
-                      <a:r>
-                        <a:rPr lang="en-US" sz="1600" dirty="0"/>
-                        <a:t>-</a:t>
-                      </a:r>
-                    </a:p>
-                  </a:txBody>
-                  <a:tcPr anchor="ctr">
-                    <a:solidFill>
-                      <a:schemeClr val="bg2">
-                        <a:lumMod val="75000"/>
-                      </a:schemeClr>
-                    </a:solidFill>
-                  </a:tcPr>
-                </a:tc>
-                <a:extLst>
-                  <a:ext uri="{0D108BD9-81ED-4DB2-BD59-A6C34878D82A}">
-                    <a16:rowId xmlns:a16="http://schemas.microsoft.com/office/drawing/2014/main" val="796563362"/>
-                  </a:ext>
-                </a:extLst>
-              </a:tr>
-              <a:tr h="425913">
-                <a:tc>
-                  <a:txBody>
-                    <a:bodyPr/>
-                    <a:lstStyle/>
-                    <a:p>
-                      <a:pPr algn="ctr"/>
-                      <a:r>
-                        <a:rPr lang="en-US" sz="1600" dirty="0">
-                          <a:solidFill>
-                            <a:schemeClr val="bg1"/>
-                          </a:solidFill>
-                        </a:rPr>
-                        <a:t>10</a:t>
-                      </a:r>
-                    </a:p>
-                  </a:txBody>
-                  <a:tcPr anchor="ctr">
-                    <a:solidFill>
-                      <a:schemeClr val="accent1"/>
-                    </a:solidFill>
-                  </a:tcPr>
-                </a:tc>
-                <a:tc>
-                  <a:txBody>
-                    <a:bodyPr/>
-                    <a:lstStyle/>
-                    <a:p>
-                      <a:pPr algn="ctr"/>
-                      <a:r>
-                        <a:rPr lang="en-US" sz="1600" dirty="0"/>
-                        <a:t>-</a:t>
-                      </a:r>
-                    </a:p>
-                  </a:txBody>
-                  <a:tcPr anchor="ctr">
-                    <a:solidFill>
-                      <a:schemeClr val="bg2">
-                        <a:lumMod val="75000"/>
-                      </a:schemeClr>
-                    </a:solidFill>
-                  </a:tcPr>
-                </a:tc>
-                <a:tc>
-                  <a:txBody>
-                    <a:bodyPr/>
-                    <a:lstStyle/>
-                    <a:p>
-                      <a:pPr algn="ctr"/>
-                      <a:r>
-                        <a:rPr lang="en-US" sz="1600" dirty="0"/>
-                        <a:t>-</a:t>
-                      </a:r>
-                    </a:p>
-                  </a:txBody>
-                  <a:tcPr anchor="ctr">
-                    <a:solidFill>
-                      <a:schemeClr val="bg2">
-                        <a:lumMod val="75000"/>
-                      </a:schemeClr>
-                    </a:solidFill>
-                  </a:tcPr>
-                </a:tc>
-                <a:tc>
-                  <a:txBody>
-                    <a:bodyPr/>
-                    <a:lstStyle/>
-                    <a:p>
-                      <a:pPr algn="ctr"/>
-                      <a:r>
-                        <a:rPr lang="en-US" sz="1600" dirty="0"/>
-                        <a:t>-</a:t>
-                      </a:r>
-                    </a:p>
-                  </a:txBody>
-                  <a:tcPr anchor="ctr">
-                    <a:solidFill>
-                      <a:schemeClr val="bg2">
-                        <a:lumMod val="75000"/>
-                      </a:schemeClr>
-                    </a:solidFill>
-                  </a:tcPr>
-                </a:tc>
-                <a:tc>
-                  <a:txBody>
-                    <a:bodyPr/>
-                    <a:lstStyle/>
-                    <a:p>
-                      <a:pPr algn="ctr"/>
-                      <a:r>
-                        <a:rPr lang="en-US" sz="1600" dirty="0"/>
-                        <a:t>-</a:t>
-                      </a:r>
-                    </a:p>
-                  </a:txBody>
-                  <a:tcPr anchor="ctr">
-                    <a:solidFill>
-                      <a:schemeClr val="bg2">
-                        <a:lumMod val="75000"/>
-                      </a:schemeClr>
-                    </a:solidFill>
-                  </a:tcPr>
-                </a:tc>
-                <a:tc>
-                  <a:txBody>
-                    <a:bodyPr/>
-                    <a:lstStyle/>
-                    <a:p>
-                      <a:pPr algn="ctr"/>
-                      <a:r>
-                        <a:rPr lang="en-US" sz="1600" dirty="0"/>
-                        <a:t>-</a:t>
-                      </a:r>
-                    </a:p>
-                  </a:txBody>
-                  <a:tcPr anchor="ctr">
-                    <a:solidFill>
-                      <a:schemeClr val="bg2">
-                        <a:lumMod val="75000"/>
-                      </a:schemeClr>
-                    </a:solidFill>
-                  </a:tcPr>
-                </a:tc>
-                <a:tc>
-                  <a:txBody>
-                    <a:bodyPr/>
-                    <a:lstStyle/>
-                    <a:p>
-                      <a:pPr algn="ctr"/>
-                      <a:r>
-                        <a:rPr lang="en-US" sz="1600" dirty="0"/>
-                        <a:t>-</a:t>
-                      </a:r>
-                    </a:p>
-                  </a:txBody>
-                  <a:tcPr anchor="ctr">
-                    <a:solidFill>
-                      <a:schemeClr val="bg2">
-                        <a:lumMod val="75000"/>
-                      </a:schemeClr>
-                    </a:solidFill>
-                  </a:tcPr>
-                </a:tc>
-                <a:tc>
-                  <a:txBody>
-                    <a:bodyPr/>
-                    <a:lstStyle/>
-                    <a:p>
-                      <a:pPr algn="ctr"/>
-                      <a:r>
-                        <a:rPr lang="en-US" sz="1600" dirty="0"/>
-                        <a:t>-</a:t>
-                      </a:r>
-                    </a:p>
-                  </a:txBody>
-                  <a:tcPr anchor="ctr">
-                    <a:solidFill>
-                      <a:schemeClr val="bg2">
-                        <a:lumMod val="75000"/>
-                      </a:schemeClr>
-                    </a:solidFill>
-                  </a:tcPr>
-                </a:tc>
-                <a:tc>
-                  <a:txBody>
-                    <a:bodyPr/>
-                    <a:lstStyle/>
-                    <a:p>
-                      <a:pPr algn="ctr"/>
-                      <a:r>
-                        <a:rPr lang="en-US" sz="1600" dirty="0"/>
-                        <a:t>-</a:t>
-                      </a:r>
-                    </a:p>
-                  </a:txBody>
-                  <a:tcPr anchor="ctr">
-                    <a:solidFill>
-                      <a:schemeClr val="bg2">
-                        <a:lumMod val="75000"/>
-                      </a:schemeClr>
-                    </a:solidFill>
-                  </a:tcPr>
-                </a:tc>
-                <a:tc>
-                  <a:txBody>
-                    <a:bodyPr/>
-                    <a:lstStyle/>
-                    <a:p>
-                      <a:pPr algn="ctr"/>
-                      <a:r>
-                        <a:rPr lang="en-US" sz="1600" dirty="0"/>
-                        <a:t>-</a:t>
-                      </a:r>
-                    </a:p>
-                  </a:txBody>
-                  <a:tcPr anchor="ctr">
-                    <a:solidFill>
-                      <a:schemeClr val="bg2">
-                        <a:lumMod val="75000"/>
-                      </a:schemeClr>
-                    </a:solidFill>
-                  </a:tcPr>
-                </a:tc>
-                <a:tc>
-                  <a:txBody>
-                    <a:bodyPr/>
-                    <a:lstStyle/>
-                    <a:p>
-                      <a:pPr algn="ctr"/>
-                      <a:endParaRPr lang="en-US" sz="1600" dirty="0"/>
-                    </a:p>
-                  </a:txBody>
-                  <a:tcPr anchor="ctr">
-                    <a:solidFill>
-                      <a:schemeClr val="bg2">
-                        <a:lumMod val="50000"/>
-                      </a:schemeClr>
-                    </a:solidFill>
-                  </a:tcPr>
-                </a:tc>
-                <a:extLst>
-                  <a:ext uri="{0D108BD9-81ED-4DB2-BD59-A6C34878D82A}">
-                    <a16:rowId xmlns:a16="http://schemas.microsoft.com/office/drawing/2014/main" val="291497224"/>
-                  </a:ext>
-                </a:extLst>
-              </a:tr>
-            </a:tbl>
-          </a:graphicData>
-        </a:graphic>
-      </p:graphicFrame>
-      <p:sp>
-        <p:nvSpPr>
-          <p:cNvPr id="23" name="TextBox 22">
-            <a:extLst>
-              <a:ext uri="{FF2B5EF4-FFF2-40B4-BE49-F238E27FC236}">
-                <a16:creationId xmlns:a16="http://schemas.microsoft.com/office/drawing/2014/main" id="{9CE63153-7836-A24F-9475-27DAADE4EC25}"/>
-              </a:ext>
-            </a:extLst>
-          </p:cNvPr>
-          <p:cNvSpPr txBox="1"/>
-          <p:nvPr/>
-        </p:nvSpPr>
-        <p:spPr>
-          <a:xfrm>
-            <a:off x="8641800" y="953017"/>
-            <a:ext cx="451086" cy="369332"/>
-          </a:xfrm>
-          <a:prstGeom prst="rect">
-            <a:avLst/>
-          </a:prstGeom>
-          <a:noFill/>
-        </p:spPr>
-        <p:txBody>
-          <a:bodyPr wrap="none" rtlCol="0">
-            <a:spAutoFit/>
-          </a:bodyPr>
-          <a:lstStyle/>
-          <a:p>
-            <a:r>
-              <a:rPr lang="en-US" dirty="0"/>
-              <a:t>To </a:t>
-            </a:r>
-          </a:p>
-        </p:txBody>
-      </p:sp>
-      <p:sp>
-        <p:nvSpPr>
-          <p:cNvPr id="24" name="TextBox 23">
-            <a:extLst>
-              <a:ext uri="{FF2B5EF4-FFF2-40B4-BE49-F238E27FC236}">
-                <a16:creationId xmlns:a16="http://schemas.microsoft.com/office/drawing/2014/main" id="{F4B11054-7DB4-C241-A600-FA21A6961D91}"/>
-              </a:ext>
-            </a:extLst>
-          </p:cNvPr>
-          <p:cNvSpPr txBox="1"/>
-          <p:nvPr/>
-        </p:nvSpPr>
-        <p:spPr>
-          <a:xfrm rot="16200000">
-            <a:off x="4805712" y="4022648"/>
-            <a:ext cx="673069" cy="369332"/>
-          </a:xfrm>
-          <a:prstGeom prst="rect">
-            <a:avLst/>
-          </a:prstGeom>
-          <a:noFill/>
-        </p:spPr>
-        <p:txBody>
-          <a:bodyPr wrap="none" rtlCol="0">
-            <a:spAutoFit/>
-          </a:bodyPr>
-          <a:lstStyle/>
-          <a:p>
-            <a:r>
-              <a:rPr lang="en-US" dirty="0"/>
-              <a:t>From</a:t>
+              <a:rPr lang="en-US" sz="2800" dirty="0"/>
+              <a:t>Adjacency matrix – scoring</a:t>
             </a:r>
           </a:p>
         </p:txBody>
@@ -15936,7 +18701,7 @@
     </p:spTree>
     <p:extLst>
       <p:ext uri="{BB962C8B-B14F-4D97-AF65-F5344CB8AC3E}">
-        <p14:creationId xmlns:p14="http://schemas.microsoft.com/office/powerpoint/2010/main" val="3545952431"/>
+        <p14:creationId xmlns:p14="http://schemas.microsoft.com/office/powerpoint/2010/main" val="894531052"/>
       </p:ext>
     </p:extLst>
   </p:cSld>
@@ -16239,4 +19004,299 @@
     </a:ext>
   </a:extLst>
 </a:theme>
+</file>
+
+<file path=ppt/theme/theme2.xml><?xml version="1.0" encoding="utf-8"?>
+<a:theme xmlns:a="http://schemas.openxmlformats.org/drawingml/2006/main" name="Office Theme">
+  <a:themeElements>
+    <a:clrScheme name="Office">
+      <a:dk1>
+        <a:sysClr val="windowText" lastClr="000000"/>
+      </a:dk1>
+      <a:lt1>
+        <a:sysClr val="window" lastClr="FFFFFF"/>
+      </a:lt1>
+      <a:dk2>
+        <a:srgbClr val="44546A"/>
+      </a:dk2>
+      <a:lt2>
+        <a:srgbClr val="E7E6E6"/>
+      </a:lt2>
+      <a:accent1>
+        <a:srgbClr val="4472C4"/>
+      </a:accent1>
+      <a:accent2>
+        <a:srgbClr val="ED7D31"/>
+      </a:accent2>
+      <a:accent3>
+        <a:srgbClr val="A5A5A5"/>
+      </a:accent3>
+      <a:accent4>
+        <a:srgbClr val="FFC000"/>
+      </a:accent4>
+      <a:accent5>
+        <a:srgbClr val="5B9BD5"/>
+      </a:accent5>
+      <a:accent6>
+        <a:srgbClr val="70AD47"/>
+      </a:accent6>
+      <a:hlink>
+        <a:srgbClr val="0563C1"/>
+      </a:hlink>
+      <a:folHlink>
+        <a:srgbClr val="954F72"/>
+      </a:folHlink>
+    </a:clrScheme>
+    <a:fontScheme name="Office">
+      <a:majorFont>
+        <a:latin typeface="Calibri Light" panose="020F0302020204030204"/>
+        <a:ea typeface=""/>
+        <a:cs typeface=""/>
+        <a:font script="Jpan" typeface="游ゴシック Light"/>
+        <a:font script="Hang" typeface="맑은 고딕"/>
+        <a:font script="Hans" typeface="等线 Light"/>
+        <a:font script="Hant" typeface="新細明體"/>
+        <a:font script="Arab" typeface="Times New Roman"/>
+        <a:font script="Hebr" typeface="Times New Roman"/>
+        <a:font script="Thai" typeface="Angsana New"/>
+        <a:font script="Ethi" typeface="Nyala"/>
+        <a:font script="Beng" typeface="Vrinda"/>
+        <a:font script="Gujr" typeface="Shruti"/>
+        <a:font script="Khmr" typeface="MoolBoran"/>
+        <a:font script="Knda" typeface="Tunga"/>
+        <a:font script="Guru" typeface="Raavi"/>
+        <a:font script="Cans" typeface="Euphemia"/>
+        <a:font script="Cher" typeface="Plantagenet Cherokee"/>
+        <a:font script="Yiii" typeface="Microsoft Yi Baiti"/>
+        <a:font script="Tibt" typeface="Microsoft Himalaya"/>
+        <a:font script="Thaa" typeface="MV Boli"/>
+        <a:font script="Deva" typeface="Mangal"/>
+        <a:font script="Telu" typeface="Gautami"/>
+        <a:font script="Taml" typeface="Latha"/>
+        <a:font script="Syrc" typeface="Estrangelo Edessa"/>
+        <a:font script="Orya" typeface="Kalinga"/>
+        <a:font script="Mlym" typeface="Kartika"/>
+        <a:font script="Laoo" typeface="DokChampa"/>
+        <a:font script="Sinh" typeface="Iskoola Pota"/>
+        <a:font script="Mong" typeface="Mongolian Baiti"/>
+        <a:font script="Viet" typeface="Times New Roman"/>
+        <a:font script="Uigh" typeface="Microsoft Uighur"/>
+        <a:font script="Geor" typeface="Sylfaen"/>
+        <a:font script="Armn" typeface="Arial"/>
+        <a:font script="Bugi" typeface="Leelawadee UI"/>
+        <a:font script="Bopo" typeface="Microsoft JhengHei"/>
+        <a:font script="Java" typeface="Javanese Text"/>
+        <a:font script="Lisu" typeface="Segoe UI"/>
+        <a:font script="Mymr" typeface="Myanmar Text"/>
+        <a:font script="Nkoo" typeface="Ebrima"/>
+        <a:font script="Olck" typeface="Nirmala UI"/>
+        <a:font script="Osma" typeface="Ebrima"/>
+        <a:font script="Phag" typeface="Phagspa"/>
+        <a:font script="Syrn" typeface="Estrangelo Edessa"/>
+        <a:font script="Syrj" typeface="Estrangelo Edessa"/>
+        <a:font script="Syre" typeface="Estrangelo Edessa"/>
+        <a:font script="Sora" typeface="Nirmala UI"/>
+        <a:font script="Tale" typeface="Microsoft Tai Le"/>
+        <a:font script="Talu" typeface="Microsoft New Tai Lue"/>
+        <a:font script="Tfng" typeface="Ebrima"/>
+      </a:majorFont>
+      <a:minorFont>
+        <a:latin typeface="Calibri" panose="020F0502020204030204"/>
+        <a:ea typeface=""/>
+        <a:cs typeface=""/>
+        <a:font script="Jpan" typeface="游ゴシック"/>
+        <a:font script="Hang" typeface="맑은 고딕"/>
+        <a:font script="Hans" typeface="等线"/>
+        <a:font script="Hant" typeface="新細明體"/>
+        <a:font script="Arab" typeface="Arial"/>
+        <a:font script="Hebr" typeface="Arial"/>
+        <a:font script="Thai" typeface="Cordia New"/>
+        <a:font script="Ethi" typeface="Nyala"/>
+        <a:font script="Beng" typeface="Vrinda"/>
+        <a:font script="Gujr" typeface="Shruti"/>
+        <a:font script="Khmr" typeface="DaunPenh"/>
+        <a:font script="Knda" typeface="Tunga"/>
+        <a:font script="Guru" typeface="Raavi"/>
+        <a:font script="Cans" typeface="Euphemia"/>
+        <a:font script="Cher" typeface="Plantagenet Cherokee"/>
+        <a:font script="Yiii" typeface="Microsoft Yi Baiti"/>
+        <a:font script="Tibt" typeface="Microsoft Himalaya"/>
+        <a:font script="Thaa" typeface="MV Boli"/>
+        <a:font script="Deva" typeface="Mangal"/>
+        <a:font script="Telu" typeface="Gautami"/>
+        <a:font script="Taml" typeface="Latha"/>
+        <a:font script="Syrc" typeface="Estrangelo Edessa"/>
+        <a:font script="Orya" typeface="Kalinga"/>
+        <a:font script="Mlym" typeface="Kartika"/>
+        <a:font script="Laoo" typeface="DokChampa"/>
+        <a:font script="Sinh" typeface="Iskoola Pota"/>
+        <a:font script="Mong" typeface="Mongolian Baiti"/>
+        <a:font script="Viet" typeface="Arial"/>
+        <a:font script="Uigh" typeface="Microsoft Uighur"/>
+        <a:font script="Geor" typeface="Sylfaen"/>
+        <a:font script="Armn" typeface="Arial"/>
+        <a:font script="Bugi" typeface="Leelawadee UI"/>
+        <a:font script="Bopo" typeface="Microsoft JhengHei"/>
+        <a:font script="Java" typeface="Javanese Text"/>
+        <a:font script="Lisu" typeface="Segoe UI"/>
+        <a:font script="Mymr" typeface="Myanmar Text"/>
+        <a:font script="Nkoo" typeface="Ebrima"/>
+        <a:font script="Olck" typeface="Nirmala UI"/>
+        <a:font script="Osma" typeface="Ebrima"/>
+        <a:font script="Phag" typeface="Phagspa"/>
+        <a:font script="Syrn" typeface="Estrangelo Edessa"/>
+        <a:font script="Syrj" typeface="Estrangelo Edessa"/>
+        <a:font script="Syre" typeface="Estrangelo Edessa"/>
+        <a:font script="Sora" typeface="Nirmala UI"/>
+        <a:font script="Tale" typeface="Microsoft Tai Le"/>
+        <a:font script="Talu" typeface="Microsoft New Tai Lue"/>
+        <a:font script="Tfng" typeface="Ebrima"/>
+      </a:minorFont>
+    </a:fontScheme>
+    <a:fmtScheme name="Office">
+      <a:fillStyleLst>
+        <a:solidFill>
+          <a:schemeClr val="phClr"/>
+        </a:solidFill>
+        <a:gradFill rotWithShape="1">
+          <a:gsLst>
+            <a:gs pos="0">
+              <a:schemeClr val="phClr">
+                <a:lumMod val="110000"/>
+                <a:satMod val="105000"/>
+                <a:tint val="67000"/>
+              </a:schemeClr>
+            </a:gs>
+            <a:gs pos="50000">
+              <a:schemeClr val="phClr">
+                <a:lumMod val="105000"/>
+                <a:satMod val="103000"/>
+                <a:tint val="73000"/>
+              </a:schemeClr>
+            </a:gs>
+            <a:gs pos="100000">
+              <a:schemeClr val="phClr">
+                <a:lumMod val="105000"/>
+                <a:satMod val="109000"/>
+                <a:tint val="81000"/>
+              </a:schemeClr>
+            </a:gs>
+          </a:gsLst>
+          <a:lin ang="5400000" scaled="0"/>
+        </a:gradFill>
+        <a:gradFill rotWithShape="1">
+          <a:gsLst>
+            <a:gs pos="0">
+              <a:schemeClr val="phClr">
+                <a:satMod val="103000"/>
+                <a:lumMod val="102000"/>
+                <a:tint val="94000"/>
+              </a:schemeClr>
+            </a:gs>
+            <a:gs pos="50000">
+              <a:schemeClr val="phClr">
+                <a:satMod val="110000"/>
+                <a:lumMod val="100000"/>
+                <a:shade val="100000"/>
+              </a:schemeClr>
+            </a:gs>
+            <a:gs pos="100000">
+              <a:schemeClr val="phClr">
+                <a:lumMod val="99000"/>
+                <a:satMod val="120000"/>
+                <a:shade val="78000"/>
+              </a:schemeClr>
+            </a:gs>
+          </a:gsLst>
+          <a:lin ang="5400000" scaled="0"/>
+        </a:gradFill>
+      </a:fillStyleLst>
+      <a:lnStyleLst>
+        <a:ln w="6350" cap="flat" cmpd="sng" algn="ctr">
+          <a:solidFill>
+            <a:schemeClr val="phClr"/>
+          </a:solidFill>
+          <a:prstDash val="solid"/>
+          <a:miter lim="800000"/>
+        </a:ln>
+        <a:ln w="12700" cap="flat" cmpd="sng" algn="ctr">
+          <a:solidFill>
+            <a:schemeClr val="phClr"/>
+          </a:solidFill>
+          <a:prstDash val="solid"/>
+          <a:miter lim="800000"/>
+        </a:ln>
+        <a:ln w="19050" cap="flat" cmpd="sng" algn="ctr">
+          <a:solidFill>
+            <a:schemeClr val="phClr"/>
+          </a:solidFill>
+          <a:prstDash val="solid"/>
+          <a:miter lim="800000"/>
+        </a:ln>
+      </a:lnStyleLst>
+      <a:effectStyleLst>
+        <a:effectStyle>
+          <a:effectLst/>
+        </a:effectStyle>
+        <a:effectStyle>
+          <a:effectLst/>
+        </a:effectStyle>
+        <a:effectStyle>
+          <a:effectLst>
+            <a:outerShdw blurRad="57150" dist="19050" dir="5400000" algn="ctr" rotWithShape="0">
+              <a:srgbClr val="000000">
+                <a:alpha val="63000"/>
+              </a:srgbClr>
+            </a:outerShdw>
+          </a:effectLst>
+        </a:effectStyle>
+      </a:effectStyleLst>
+      <a:bgFillStyleLst>
+        <a:solidFill>
+          <a:schemeClr val="phClr"/>
+        </a:solidFill>
+        <a:solidFill>
+          <a:schemeClr val="phClr">
+            <a:tint val="95000"/>
+            <a:satMod val="170000"/>
+          </a:schemeClr>
+        </a:solidFill>
+        <a:gradFill rotWithShape="1">
+          <a:gsLst>
+            <a:gs pos="0">
+              <a:schemeClr val="phClr">
+                <a:tint val="93000"/>
+                <a:satMod val="150000"/>
+                <a:shade val="98000"/>
+                <a:lumMod val="102000"/>
+              </a:schemeClr>
+            </a:gs>
+            <a:gs pos="50000">
+              <a:schemeClr val="phClr">
+                <a:tint val="98000"/>
+                <a:satMod val="130000"/>
+                <a:shade val="90000"/>
+                <a:lumMod val="103000"/>
+              </a:schemeClr>
+            </a:gs>
+            <a:gs pos="100000">
+              <a:schemeClr val="phClr">
+                <a:shade val="63000"/>
+                <a:satMod val="120000"/>
+              </a:schemeClr>
+            </a:gs>
+          </a:gsLst>
+          <a:lin ang="5400000" scaled="0"/>
+        </a:gradFill>
+      </a:bgFillStyleLst>
+    </a:fmtScheme>
+  </a:themeElements>
+  <a:objectDefaults/>
+  <a:extraClrSchemeLst/>
+  <a:extLst>
+    <a:ext uri="{05A4C25C-085E-4340-85A3-A5531E510DB2}">
+      <thm15:themeFamily xmlns:thm15="http://schemas.microsoft.com/office/thememl/2012/main" name="Office Theme" id="{62F939B6-93AF-4DB8-9C6B-D6C7DFDC589F}" vid="{4A3C46E8-61CC-4603-A589-7422A47A8E4A}"/>
+    </a:ext>
+  </a:extLst>
+</a:theme>
 </file>
--- a/v6/figs/test-data-1.pptx
+++ b/v6/figs/test-data-1.pptx
@@ -210,7 +210,7 @@
           <a:p>
             <a:fld id="{EC31AA79-2A63-0748-AE4B-D95685E6F187}" type="datetimeFigureOut">
               <a:rPr lang="en-US" smtClean="0"/>
-              <a:t>1/27/20</a:t>
+              <a:t>1/28/20</a:t>
             </a:fld>
             <a:endParaRPr lang="en-US"/>
           </a:p>
@@ -708,7 +708,7 @@
           <a:p>
             <a:fld id="{61B16F4C-C331-6548-96FB-81D0C6C1BA52}" type="datetimeFigureOut">
               <a:rPr lang="en-US" smtClean="0"/>
-              <a:t>1/27/20</a:t>
+              <a:t>1/28/20</a:t>
             </a:fld>
             <a:endParaRPr lang="en-US"/>
           </a:p>
@@ -906,7 +906,7 @@
           <a:p>
             <a:fld id="{61B16F4C-C331-6548-96FB-81D0C6C1BA52}" type="datetimeFigureOut">
               <a:rPr lang="en-US" smtClean="0"/>
-              <a:t>1/27/20</a:t>
+              <a:t>1/28/20</a:t>
             </a:fld>
             <a:endParaRPr lang="en-US"/>
           </a:p>
@@ -1114,7 +1114,7 @@
           <a:p>
             <a:fld id="{61B16F4C-C331-6548-96FB-81D0C6C1BA52}" type="datetimeFigureOut">
               <a:rPr lang="en-US" smtClean="0"/>
-              <a:t>1/27/20</a:t>
+              <a:t>1/28/20</a:t>
             </a:fld>
             <a:endParaRPr lang="en-US"/>
           </a:p>
@@ -1312,7 +1312,7 @@
           <a:p>
             <a:fld id="{61B16F4C-C331-6548-96FB-81D0C6C1BA52}" type="datetimeFigureOut">
               <a:rPr lang="en-US" smtClean="0"/>
-              <a:t>1/27/20</a:t>
+              <a:t>1/28/20</a:t>
             </a:fld>
             <a:endParaRPr lang="en-US"/>
           </a:p>
@@ -1587,7 +1587,7 @@
           <a:p>
             <a:fld id="{61B16F4C-C331-6548-96FB-81D0C6C1BA52}" type="datetimeFigureOut">
               <a:rPr lang="en-US" smtClean="0"/>
-              <a:t>1/27/20</a:t>
+              <a:t>1/28/20</a:t>
             </a:fld>
             <a:endParaRPr lang="en-US"/>
           </a:p>
@@ -1852,7 +1852,7 @@
           <a:p>
             <a:fld id="{61B16F4C-C331-6548-96FB-81D0C6C1BA52}" type="datetimeFigureOut">
               <a:rPr lang="en-US" smtClean="0"/>
-              <a:t>1/27/20</a:t>
+              <a:t>1/28/20</a:t>
             </a:fld>
             <a:endParaRPr lang="en-US"/>
           </a:p>
@@ -2264,7 +2264,7 @@
           <a:p>
             <a:fld id="{61B16F4C-C331-6548-96FB-81D0C6C1BA52}" type="datetimeFigureOut">
               <a:rPr lang="en-US" smtClean="0"/>
-              <a:t>1/27/20</a:t>
+              <a:t>1/28/20</a:t>
             </a:fld>
             <a:endParaRPr lang="en-US"/>
           </a:p>
@@ -2405,7 +2405,7 @@
           <a:p>
             <a:fld id="{61B16F4C-C331-6548-96FB-81D0C6C1BA52}" type="datetimeFigureOut">
               <a:rPr lang="en-US" smtClean="0"/>
-              <a:t>1/27/20</a:t>
+              <a:t>1/28/20</a:t>
             </a:fld>
             <a:endParaRPr lang="en-US"/>
           </a:p>
@@ -2518,7 +2518,7 @@
           <a:p>
             <a:fld id="{61B16F4C-C331-6548-96FB-81D0C6C1BA52}" type="datetimeFigureOut">
               <a:rPr lang="en-US" smtClean="0"/>
-              <a:t>1/27/20</a:t>
+              <a:t>1/28/20</a:t>
             </a:fld>
             <a:endParaRPr lang="en-US"/>
           </a:p>
@@ -2829,7 +2829,7 @@
           <a:p>
             <a:fld id="{61B16F4C-C331-6548-96FB-81D0C6C1BA52}" type="datetimeFigureOut">
               <a:rPr lang="en-US" smtClean="0"/>
-              <a:t>1/27/20</a:t>
+              <a:t>1/28/20</a:t>
             </a:fld>
             <a:endParaRPr lang="en-US"/>
           </a:p>
@@ -3117,7 +3117,7 @@
           <a:p>
             <a:fld id="{61B16F4C-C331-6548-96FB-81D0C6C1BA52}" type="datetimeFigureOut">
               <a:rPr lang="en-US" smtClean="0"/>
-              <a:t>1/27/20</a:t>
+              <a:t>1/28/20</a:t>
             </a:fld>
             <a:endParaRPr lang="en-US"/>
           </a:p>
@@ -3358,7 +3358,7 @@
           <a:p>
             <a:fld id="{61B16F4C-C331-6548-96FB-81D0C6C1BA52}" type="datetimeFigureOut">
               <a:rPr lang="en-US" smtClean="0"/>
-              <a:t>1/27/20</a:t>
+              <a:t>1/28/20</a:t>
             </a:fld>
             <a:endParaRPr lang="en-US"/>
           </a:p>
@@ -6926,7 +6926,7 @@
           <p:nvPr>
             <p:extLst>
               <p:ext uri="{D42A27DB-BD31-4B8C-83A1-F6EECF244321}">
-                <p14:modId xmlns:p14="http://schemas.microsoft.com/office/powerpoint/2010/main" val="263672460"/>
+                <p14:modId xmlns:p14="http://schemas.microsoft.com/office/powerpoint/2010/main" val="341000895"/>
               </p:ext>
             </p:extLst>
           </p:nvPr>
@@ -7215,10 +7215,47 @@
                     <a:lstStyle/>
                     <a:p>
                       <a:pPr algn="ctr"/>
+                      <a:r>
+                        <a:rPr lang="en-US" sz="1600" dirty="0"/>
+                        <a:t>1</a:t>
+                      </a:r>
+                    </a:p>
+                  </a:txBody>
+                  <a:tcPr anchor="ctr">
+                    <a:solidFill>
+                      <a:srgbClr val="E9EBF6"/>
+                    </a:solidFill>
+                  </a:tcPr>
+                </a:tc>
+                <a:tc>
+                  <a:txBody>
+                    <a:bodyPr/>
+                    <a:lstStyle/>
+                    <a:p>
+                      <a:pPr algn="ctr"/>
+                      <a:endParaRPr lang="en-US" sz="1600"/>
+                    </a:p>
+                  </a:txBody>
+                  <a:tcPr anchor="ctr">
+                    <a:solidFill>
+                      <a:srgbClr val="E9EBF6"/>
+                    </a:solidFill>
+                  </a:tcPr>
+                </a:tc>
+                <a:tc>
+                  <a:txBody>
+                    <a:bodyPr/>
+                    <a:lstStyle/>
+                    <a:p>
+                      <a:pPr algn="ctr"/>
                       <a:endParaRPr lang="en-US" sz="1600" dirty="0"/>
                     </a:p>
                   </a:txBody>
-                  <a:tcPr anchor="ctr"/>
+                  <a:tcPr anchor="ctr">
+                    <a:solidFill>
+                      <a:srgbClr val="E9EBF6"/>
+                    </a:solidFill>
+                  </a:tcPr>
                 </a:tc>
                 <a:tc>
                   <a:txBody>
@@ -7229,73 +7266,11 @@
                       <a:endParaRPr lang="en-US" sz="1600"/>
                     </a:p>
                   </a:txBody>
-                  <a:tcPr anchor="ctr"/>
-                </a:tc>
-                <a:tc>
-                  <a:txBody>
-                    <a:bodyPr/>
-                    <a:lstStyle/>
-                    <a:p>
-                      <a:pPr algn="ctr"/>
-                      <a:endParaRPr lang="en-US" sz="1600"/>
-                    </a:p>
-                  </a:txBody>
-                  <a:tcPr anchor="ctr"/>
-                </a:tc>
-                <a:tc>
-                  <a:txBody>
-                    <a:bodyPr/>
-                    <a:lstStyle/>
-                    <a:p>
-                      <a:pPr algn="ctr"/>
-                      <a:endParaRPr lang="en-US" sz="1600"/>
-                    </a:p>
-                  </a:txBody>
-                  <a:tcPr anchor="ctr"/>
-                </a:tc>
-                <a:tc>
-                  <a:txBody>
-                    <a:bodyPr/>
-                    <a:lstStyle/>
-                    <a:p>
-                      <a:pPr algn="ctr"/>
-                      <a:endParaRPr lang="en-US" sz="1600"/>
-                    </a:p>
-                  </a:txBody>
-                  <a:tcPr anchor="ctr"/>
-                </a:tc>
-                <a:tc>
-                  <a:txBody>
-                    <a:bodyPr/>
-                    <a:lstStyle/>
-                    <a:p>
-                      <a:pPr algn="ctr"/>
-                      <a:endParaRPr lang="en-US" sz="1600"/>
-                    </a:p>
-                  </a:txBody>
-                  <a:tcPr anchor="ctr"/>
-                </a:tc>
-                <a:tc>
-                  <a:txBody>
-                    <a:bodyPr/>
-                    <a:lstStyle/>
-                    <a:p>
-                      <a:pPr algn="ctr"/>
-                      <a:endParaRPr lang="en-US" sz="1600"/>
-                    </a:p>
-                  </a:txBody>
-                  <a:tcPr anchor="ctr"/>
-                </a:tc>
-                <a:tc>
-                  <a:txBody>
-                    <a:bodyPr/>
-                    <a:lstStyle/>
-                    <a:p>
-                      <a:pPr algn="ctr"/>
-                      <a:endParaRPr lang="en-US" sz="1600"/>
-                    </a:p>
-                  </a:txBody>
-                  <a:tcPr anchor="ctr"/>
+                  <a:tcPr anchor="ctr">
+                    <a:solidFill>
+                      <a:srgbClr val="E9EBF6"/>
+                    </a:solidFill>
+                  </a:tcPr>
                 </a:tc>
                 <a:tc>
                   <a:txBody>
@@ -7306,18 +7281,86 @@
                       <a:endParaRPr lang="en-US" sz="1600" dirty="0"/>
                     </a:p>
                   </a:txBody>
-                  <a:tcPr anchor="ctr"/>
-                </a:tc>
-                <a:tc>
-                  <a:txBody>
-                    <a:bodyPr/>
-                    <a:lstStyle/>
-                    <a:p>
-                      <a:pPr algn="ctr"/>
-                      <a:endParaRPr lang="en-US" sz="1600"/>
-                    </a:p>
-                  </a:txBody>
-                  <a:tcPr anchor="ctr"/>
+                  <a:tcPr anchor="ctr">
+                    <a:solidFill>
+                      <a:srgbClr val="E9EBF6"/>
+                    </a:solidFill>
+                  </a:tcPr>
+                </a:tc>
+                <a:tc>
+                  <a:txBody>
+                    <a:bodyPr/>
+                    <a:lstStyle/>
+                    <a:p>
+                      <a:pPr algn="ctr"/>
+                      <a:endParaRPr lang="en-US" sz="1600" dirty="0"/>
+                    </a:p>
+                  </a:txBody>
+                  <a:tcPr anchor="ctr">
+                    <a:solidFill>
+                      <a:srgbClr val="E9EBF6"/>
+                    </a:solidFill>
+                  </a:tcPr>
+                </a:tc>
+                <a:tc>
+                  <a:txBody>
+                    <a:bodyPr/>
+                    <a:lstStyle/>
+                    <a:p>
+                      <a:pPr algn="ctr"/>
+                      <a:endParaRPr lang="en-US" sz="1600" dirty="0"/>
+                    </a:p>
+                  </a:txBody>
+                  <a:tcPr anchor="ctr">
+                    <a:solidFill>
+                      <a:srgbClr val="E9EBF6"/>
+                    </a:solidFill>
+                  </a:tcPr>
+                </a:tc>
+                <a:tc>
+                  <a:txBody>
+                    <a:bodyPr/>
+                    <a:lstStyle/>
+                    <a:p>
+                      <a:pPr algn="ctr"/>
+                      <a:endParaRPr lang="en-US" sz="1600" dirty="0"/>
+                    </a:p>
+                  </a:txBody>
+                  <a:tcPr anchor="ctr">
+                    <a:solidFill>
+                      <a:srgbClr val="E9EBF6"/>
+                    </a:solidFill>
+                  </a:tcPr>
+                </a:tc>
+                <a:tc>
+                  <a:txBody>
+                    <a:bodyPr/>
+                    <a:lstStyle/>
+                    <a:p>
+                      <a:pPr algn="ctr"/>
+                      <a:endParaRPr lang="en-US" sz="1600" dirty="0"/>
+                    </a:p>
+                  </a:txBody>
+                  <a:tcPr anchor="ctr">
+                    <a:solidFill>
+                      <a:srgbClr val="E9EBF6"/>
+                    </a:solidFill>
+                  </a:tcPr>
+                </a:tc>
+                <a:tc>
+                  <a:txBody>
+                    <a:bodyPr/>
+                    <a:lstStyle/>
+                    <a:p>
+                      <a:pPr algn="ctr"/>
+                      <a:endParaRPr lang="en-US" sz="1600" dirty="0"/>
+                    </a:p>
+                  </a:txBody>
+                  <a:tcPr anchor="ctr">
+                    <a:solidFill>
+                      <a:srgbClr val="E9EBF6"/>
+                    </a:solidFill>
+                  </a:tcPr>
                 </a:tc>
                 <a:extLst>
                   <a:ext uri="{0D108BD9-81ED-4DB2-BD59-A6C34878D82A}">
@@ -7371,7 +7414,10 @@
                     <a:lstStyle/>
                     <a:p>
                       <a:pPr algn="ctr"/>
-                      <a:endParaRPr lang="en-US" sz="1600"/>
+                      <a:r>
+                        <a:rPr lang="en-US" sz="1600" dirty="0"/>
+                        <a:t>1</a:t>
+                      </a:r>
                     </a:p>
                   </a:txBody>
                   <a:tcPr anchor="ctr"/>
@@ -7382,7 +7428,7 @@
                     <a:lstStyle/>
                     <a:p>
                       <a:pPr algn="ctr"/>
-                      <a:endParaRPr lang="en-US" sz="1600"/>
+                      <a:endParaRPr lang="en-US" sz="1600" dirty="0"/>
                     </a:p>
                   </a:txBody>
                   <a:tcPr anchor="ctr"/>
@@ -7499,10 +7545,14 @@
                     <a:lstStyle/>
                     <a:p>
                       <a:pPr algn="ctr"/>
-                      <a:endParaRPr lang="en-US" sz="1600"/>
-                    </a:p>
-                  </a:txBody>
-                  <a:tcPr anchor="ctr"/>
+                      <a:endParaRPr lang="en-US" sz="1600" dirty="0"/>
+                    </a:p>
+                  </a:txBody>
+                  <a:tcPr anchor="ctr">
+                    <a:solidFill>
+                      <a:srgbClr val="E9EBF6"/>
+                    </a:solidFill>
+                  </a:tcPr>
                 </a:tc>
                 <a:tc>
                   <a:txBody>
@@ -7527,87 +7577,125 @@
                     <a:lstStyle/>
                     <a:p>
                       <a:pPr algn="ctr"/>
-                      <a:endParaRPr lang="en-US" sz="1600"/>
-                    </a:p>
-                  </a:txBody>
-                  <a:tcPr anchor="ctr"/>
-                </a:tc>
-                <a:tc>
-                  <a:txBody>
-                    <a:bodyPr/>
-                    <a:lstStyle/>
-                    <a:p>
-                      <a:pPr algn="ctr"/>
-                      <a:endParaRPr lang="en-US" sz="1600"/>
-                    </a:p>
-                  </a:txBody>
-                  <a:tcPr anchor="ctr"/>
-                </a:tc>
-                <a:tc>
-                  <a:txBody>
-                    <a:bodyPr/>
-                    <a:lstStyle/>
-                    <a:p>
-                      <a:pPr algn="ctr"/>
-                      <a:endParaRPr lang="en-US" sz="1600"/>
-                    </a:p>
-                  </a:txBody>
-                  <a:tcPr anchor="ctr"/>
-                </a:tc>
-                <a:tc>
-                  <a:txBody>
-                    <a:bodyPr/>
-                    <a:lstStyle/>
-                    <a:p>
-                      <a:pPr algn="ctr"/>
-                      <a:endParaRPr lang="en-US" sz="1600"/>
-                    </a:p>
-                  </a:txBody>
-                  <a:tcPr anchor="ctr"/>
-                </a:tc>
-                <a:tc>
-                  <a:txBody>
-                    <a:bodyPr/>
-                    <a:lstStyle/>
-                    <a:p>
-                      <a:pPr algn="ctr"/>
-                      <a:endParaRPr lang="en-US" sz="1600"/>
-                    </a:p>
-                  </a:txBody>
-                  <a:tcPr anchor="ctr"/>
-                </a:tc>
-                <a:tc>
-                  <a:txBody>
-                    <a:bodyPr/>
-                    <a:lstStyle/>
-                    <a:p>
-                      <a:pPr algn="ctr"/>
-                      <a:endParaRPr lang="en-US" sz="1600"/>
-                    </a:p>
-                  </a:txBody>
-                  <a:tcPr anchor="ctr"/>
-                </a:tc>
-                <a:tc>
-                  <a:txBody>
-                    <a:bodyPr/>
-                    <a:lstStyle/>
-                    <a:p>
-                      <a:pPr algn="ctr"/>
-                      <a:endParaRPr lang="en-US" sz="1600"/>
-                    </a:p>
-                  </a:txBody>
-                  <a:tcPr anchor="ctr"/>
-                </a:tc>
-                <a:tc>
-                  <a:txBody>
-                    <a:bodyPr/>
-                    <a:lstStyle/>
-                    <a:p>
-                      <a:pPr algn="ctr"/>
-                      <a:endParaRPr lang="en-US" sz="1600"/>
-                    </a:p>
-                  </a:txBody>
-                  <a:tcPr anchor="ctr"/>
+                      <a:endParaRPr lang="en-US" sz="1600" dirty="0"/>
+                    </a:p>
+                  </a:txBody>
+                  <a:tcPr anchor="ctr">
+                    <a:solidFill>
+                      <a:srgbClr val="E9EBF6"/>
+                    </a:solidFill>
+                  </a:tcPr>
+                </a:tc>
+                <a:tc>
+                  <a:txBody>
+                    <a:bodyPr/>
+                    <a:lstStyle/>
+                    <a:p>
+                      <a:pPr algn="ctr"/>
+                      <a:endParaRPr lang="en-US" sz="1600" dirty="0"/>
+                    </a:p>
+                  </a:txBody>
+                  <a:tcPr anchor="ctr">
+                    <a:solidFill>
+                      <a:srgbClr val="E9EBF6"/>
+                    </a:solidFill>
+                  </a:tcPr>
+                </a:tc>
+                <a:tc>
+                  <a:txBody>
+                    <a:bodyPr/>
+                    <a:lstStyle/>
+                    <a:p>
+                      <a:pPr algn="ctr"/>
+                      <a:endParaRPr lang="en-US" sz="1600" dirty="0"/>
+                    </a:p>
+                  </a:txBody>
+                  <a:tcPr anchor="ctr">
+                    <a:solidFill>
+                      <a:srgbClr val="E9EBF6"/>
+                    </a:solidFill>
+                  </a:tcPr>
+                </a:tc>
+                <a:tc>
+                  <a:txBody>
+                    <a:bodyPr/>
+                    <a:lstStyle/>
+                    <a:p>
+                      <a:pPr algn="ctr"/>
+                      <a:endParaRPr lang="en-US" sz="1600" dirty="0"/>
+                    </a:p>
+                  </a:txBody>
+                  <a:tcPr anchor="ctr">
+                    <a:solidFill>
+                      <a:srgbClr val="E9EBF6"/>
+                    </a:solidFill>
+                  </a:tcPr>
+                </a:tc>
+                <a:tc>
+                  <a:txBody>
+                    <a:bodyPr/>
+                    <a:lstStyle/>
+                    <a:p>
+                      <a:pPr algn="ctr"/>
+                      <a:r>
+                        <a:rPr lang="en-US" sz="1600" dirty="0"/>
+                        <a:t>1</a:t>
+                      </a:r>
+                    </a:p>
+                  </a:txBody>
+                  <a:tcPr anchor="ctr">
+                    <a:solidFill>
+                      <a:srgbClr val="E9EBF6"/>
+                    </a:solidFill>
+                  </a:tcPr>
+                </a:tc>
+                <a:tc>
+                  <a:txBody>
+                    <a:bodyPr/>
+                    <a:lstStyle/>
+                    <a:p>
+                      <a:pPr algn="ctr"/>
+                      <a:r>
+                        <a:rPr lang="en-US" sz="1600" dirty="0"/>
+                        <a:t>1</a:t>
+                      </a:r>
+                    </a:p>
+                  </a:txBody>
+                  <a:tcPr anchor="ctr">
+                    <a:solidFill>
+                      <a:srgbClr val="E9EBF6"/>
+                    </a:solidFill>
+                  </a:tcPr>
+                </a:tc>
+                <a:tc>
+                  <a:txBody>
+                    <a:bodyPr/>
+                    <a:lstStyle/>
+                    <a:p>
+                      <a:pPr algn="ctr"/>
+                      <a:endParaRPr lang="en-US" sz="1600" dirty="0"/>
+                    </a:p>
+                  </a:txBody>
+                  <a:tcPr anchor="ctr">
+                    <a:solidFill>
+                      <a:srgbClr val="E9EBF6"/>
+                    </a:solidFill>
+                  </a:tcPr>
+                </a:tc>
+                <a:tc>
+                  <a:txBody>
+                    <a:bodyPr/>
+                    <a:lstStyle/>
+                    <a:p>
+                      <a:pPr algn="ctr"/>
+                      <a:endParaRPr lang="en-US" sz="1600" dirty="0"/>
+                    </a:p>
+                  </a:txBody>
+                  <a:tcPr anchor="ctr">
+                    <a:solidFill>
+                      <a:srgbClr val="E9EBF6"/>
+                    </a:solidFill>
+                  </a:tcPr>
                 </a:tc>
                 <a:extLst>
                   <a:ext uri="{0D108BD9-81ED-4DB2-BD59-A6C34878D82A}">
@@ -7684,45 +7772,6 @@
                     <a:lstStyle/>
                     <a:p>
                       <a:pPr algn="ctr"/>
-                      <a:endParaRPr lang="en-US" sz="1600" dirty="0"/>
-                    </a:p>
-                  </a:txBody>
-                  <a:tcPr anchor="ctr">
-                    <a:solidFill>
-                      <a:schemeClr val="bg2">
-                        <a:lumMod val="50000"/>
-                      </a:schemeClr>
-                    </a:solidFill>
-                  </a:tcPr>
-                </a:tc>
-                <a:tc>
-                  <a:txBody>
-                    <a:bodyPr/>
-                    <a:lstStyle/>
-                    <a:p>
-                      <a:pPr algn="ctr"/>
-                      <a:endParaRPr lang="en-US" sz="1600"/>
-                    </a:p>
-                  </a:txBody>
-                  <a:tcPr anchor="ctr"/>
-                </a:tc>
-                <a:tc>
-                  <a:txBody>
-                    <a:bodyPr/>
-                    <a:lstStyle/>
-                    <a:p>
-                      <a:pPr algn="ctr"/>
-                      <a:endParaRPr lang="en-US" sz="1600" dirty="0"/>
-                    </a:p>
-                  </a:txBody>
-                  <a:tcPr anchor="ctr"/>
-                </a:tc>
-                <a:tc>
-                  <a:txBody>
-                    <a:bodyPr/>
-                    <a:lstStyle/>
-                    <a:p>
-                      <a:pPr algn="ctr"/>
                       <a:r>
                         <a:rPr lang="en-US" sz="1600" dirty="0"/>
                         <a:t>-</a:t>
@@ -7763,21 +7812,99 @@
                     <a:lstStyle/>
                     <a:p>
                       <a:pPr algn="ctr"/>
-                      <a:endParaRPr lang="en-US" sz="1600"/>
-                    </a:p>
-                  </a:txBody>
-                  <a:tcPr anchor="ctr"/>
-                </a:tc>
-                <a:tc>
-                  <a:txBody>
-                    <a:bodyPr/>
-                    <a:lstStyle/>
-                    <a:p>
-                      <a:pPr algn="ctr"/>
-                      <a:endParaRPr lang="en-US" sz="1600"/>
-                    </a:p>
-                  </a:txBody>
-                  <a:tcPr anchor="ctr"/>
+                      <a:r>
+                        <a:rPr lang="en-US" sz="1600" dirty="0"/>
+                        <a:t>-</a:t>
+                      </a:r>
+                    </a:p>
+                  </a:txBody>
+                  <a:tcPr anchor="ctr">
+                    <a:solidFill>
+                      <a:schemeClr val="bg2">
+                        <a:lumMod val="75000"/>
+                      </a:schemeClr>
+                    </a:solidFill>
+                  </a:tcPr>
+                </a:tc>
+                <a:tc>
+                  <a:txBody>
+                    <a:bodyPr/>
+                    <a:lstStyle/>
+                    <a:p>
+                      <a:pPr algn="ctr"/>
+                      <a:r>
+                        <a:rPr lang="en-US" sz="1600" dirty="0"/>
+                        <a:t>-</a:t>
+                      </a:r>
+                    </a:p>
+                  </a:txBody>
+                  <a:tcPr anchor="ctr">
+                    <a:solidFill>
+                      <a:schemeClr val="bg2">
+                        <a:lumMod val="75000"/>
+                      </a:schemeClr>
+                    </a:solidFill>
+                  </a:tcPr>
+                </a:tc>
+                <a:tc>
+                  <a:txBody>
+                    <a:bodyPr/>
+                    <a:lstStyle/>
+                    <a:p>
+                      <a:pPr algn="ctr"/>
+                      <a:r>
+                        <a:rPr lang="en-US" sz="1600" dirty="0"/>
+                        <a:t>-</a:t>
+                      </a:r>
+                    </a:p>
+                  </a:txBody>
+                  <a:tcPr anchor="ctr">
+                    <a:solidFill>
+                      <a:schemeClr val="bg2">
+                        <a:lumMod val="75000"/>
+                      </a:schemeClr>
+                    </a:solidFill>
+                  </a:tcPr>
+                </a:tc>
+                <a:tc>
+                  <a:txBody>
+                    <a:bodyPr/>
+                    <a:lstStyle/>
+                    <a:p>
+                      <a:pPr algn="ctr"/>
+                      <a:r>
+                        <a:rPr lang="en-US" sz="1600" dirty="0"/>
+                        <a:t>-</a:t>
+                      </a:r>
+                    </a:p>
+                  </a:txBody>
+                  <a:tcPr anchor="ctr">
+                    <a:solidFill>
+                      <a:schemeClr val="bg2">
+                        <a:lumMod val="75000"/>
+                      </a:schemeClr>
+                    </a:solidFill>
+                  </a:tcPr>
+                </a:tc>
+                <a:tc>
+                  <a:txBody>
+                    <a:bodyPr/>
+                    <a:lstStyle/>
+                    <a:p>
+                      <a:pPr algn="ctr"/>
+                      <a:r>
+                        <a:rPr lang="en-US" sz="1600" dirty="0"/>
+                        <a:t>-</a:t>
+                      </a:r>
+                    </a:p>
+                  </a:txBody>
+                  <a:tcPr anchor="ctr">
+                    <a:solidFill>
+                      <a:schemeClr val="bg2">
+                        <a:lumMod val="75000"/>
+                      </a:schemeClr>
+                    </a:solidFill>
+                  </a:tcPr>
                 </a:tc>
                 <a:tc>
                   <a:txBody>
@@ -7874,10 +8001,17 @@
                     <a:lstStyle/>
                     <a:p>
                       <a:pPr algn="ctr"/>
-                      <a:endParaRPr lang="en-US" sz="1600" dirty="0"/>
-                    </a:p>
-                  </a:txBody>
-                  <a:tcPr anchor="ctr"/>
+                      <a:r>
+                        <a:rPr lang="en-US" sz="1600" dirty="0"/>
+                        <a:t>1</a:t>
+                      </a:r>
+                    </a:p>
+                  </a:txBody>
+                  <a:tcPr anchor="ctr">
+                    <a:solidFill>
+                      <a:srgbClr val="E9EBF6"/>
+                    </a:solidFill>
+                  </a:tcPr>
                 </a:tc>
                 <a:tc>
                   <a:txBody>
@@ -7902,17 +8036,6 @@
                     <a:lstStyle/>
                     <a:p>
                       <a:pPr algn="ctr"/>
-                      <a:endParaRPr lang="en-US" sz="1600"/>
-                    </a:p>
-                  </a:txBody>
-                  <a:tcPr anchor="ctr"/>
-                </a:tc>
-                <a:tc>
-                  <a:txBody>
-                    <a:bodyPr/>
-                    <a:lstStyle/>
-                    <a:p>
-                      <a:pPr algn="ctr"/>
                       <a:r>
                         <a:rPr lang="en-US" sz="1600" dirty="0"/>
                         <a:t>-</a:t>
@@ -7933,6 +8056,21 @@
                     <a:lstStyle/>
                     <a:p>
                       <a:pPr algn="ctr"/>
+                      <a:endParaRPr lang="en-US" sz="1600" dirty="0"/>
+                    </a:p>
+                  </a:txBody>
+                  <a:tcPr anchor="ctr">
+                    <a:solidFill>
+                      <a:srgbClr val="E9EBF6"/>
+                    </a:solidFill>
+                  </a:tcPr>
+                </a:tc>
+                <a:tc>
+                  <a:txBody>
+                    <a:bodyPr/>
+                    <a:lstStyle/>
+                    <a:p>
+                      <a:pPr algn="ctr"/>
                       <a:r>
                         <a:rPr lang="en-US" sz="1600" dirty="0"/>
                         <a:t>-</a:t>
@@ -7953,21 +8091,14 @@
                     <a:lstStyle/>
                     <a:p>
                       <a:pPr algn="ctr"/>
-                      <a:endParaRPr lang="en-US" sz="1600"/>
-                    </a:p>
-                  </a:txBody>
-                  <a:tcPr anchor="ctr"/>
-                </a:tc>
-                <a:tc>
-                  <a:txBody>
-                    <a:bodyPr/>
-                    <a:lstStyle/>
-                    <a:p>
-                      <a:pPr algn="ctr"/>
-                      <a:endParaRPr lang="en-US" sz="1600"/>
-                    </a:p>
-                  </a:txBody>
-                  <a:tcPr anchor="ctr"/>
+                      <a:endParaRPr lang="en-US" sz="1600" dirty="0"/>
+                    </a:p>
+                  </a:txBody>
+                  <a:tcPr anchor="ctr">
+                    <a:solidFill>
+                      <a:srgbClr val="E9EBF6"/>
+                    </a:solidFill>
+                  </a:tcPr>
                 </a:tc>
                 <a:tc>
                   <a:txBody>
@@ -7986,6 +8117,21 @@
                       <a:schemeClr val="bg2">
                         <a:lumMod val="75000"/>
                       </a:schemeClr>
+                    </a:solidFill>
+                  </a:tcPr>
+                </a:tc>
+                <a:tc>
+                  <a:txBody>
+                    <a:bodyPr/>
+                    <a:lstStyle/>
+                    <a:p>
+                      <a:pPr algn="ctr"/>
+                      <a:endParaRPr lang="en-US" sz="1600" dirty="0"/>
+                    </a:p>
+                  </a:txBody>
+                  <a:tcPr anchor="ctr">
+                    <a:solidFill>
+                      <a:srgbClr val="E9EBF6"/>
                     </a:solidFill>
                   </a:tcPr>
                 </a:tc>
@@ -8064,45 +8210,6 @@
                     <a:lstStyle/>
                     <a:p>
                       <a:pPr algn="ctr"/>
-                      <a:endParaRPr lang="en-US" sz="1600"/>
-                    </a:p>
-                  </a:txBody>
-                  <a:tcPr anchor="ctr"/>
-                </a:tc>
-                <a:tc>
-                  <a:txBody>
-                    <a:bodyPr/>
-                    <a:lstStyle/>
-                    <a:p>
-                      <a:pPr algn="ctr"/>
-                      <a:endParaRPr lang="en-US" sz="1600"/>
-                    </a:p>
-                  </a:txBody>
-                  <a:tcPr anchor="ctr"/>
-                </a:tc>
-                <a:tc>
-                  <a:txBody>
-                    <a:bodyPr/>
-                    <a:lstStyle/>
-                    <a:p>
-                      <a:pPr algn="ctr"/>
-                      <a:endParaRPr lang="en-US" sz="1600" dirty="0"/>
-                    </a:p>
-                  </a:txBody>
-                  <a:tcPr anchor="ctr">
-                    <a:solidFill>
-                      <a:schemeClr val="bg2">
-                        <a:lumMod val="50000"/>
-                      </a:schemeClr>
-                    </a:solidFill>
-                  </a:tcPr>
-                </a:tc>
-                <a:tc>
-                  <a:txBody>
-                    <a:bodyPr/>
-                    <a:lstStyle/>
-                    <a:p>
-                      <a:pPr algn="ctr"/>
                       <a:r>
                         <a:rPr lang="en-US" sz="1600" dirty="0"/>
                         <a:t>-</a:t>
@@ -8143,21 +8250,99 @@
                     <a:lstStyle/>
                     <a:p>
                       <a:pPr algn="ctr"/>
-                      <a:endParaRPr lang="en-US" sz="1600"/>
-                    </a:p>
-                  </a:txBody>
-                  <a:tcPr anchor="ctr"/>
-                </a:tc>
-                <a:tc>
-                  <a:txBody>
-                    <a:bodyPr/>
-                    <a:lstStyle/>
-                    <a:p>
-                      <a:pPr algn="ctr"/>
-                      <a:endParaRPr lang="en-US" sz="1600"/>
-                    </a:p>
-                  </a:txBody>
-                  <a:tcPr anchor="ctr"/>
+                      <a:r>
+                        <a:rPr lang="en-US" sz="1600" dirty="0"/>
+                        <a:t>-</a:t>
+                      </a:r>
+                    </a:p>
+                  </a:txBody>
+                  <a:tcPr anchor="ctr">
+                    <a:solidFill>
+                      <a:schemeClr val="bg2">
+                        <a:lumMod val="75000"/>
+                      </a:schemeClr>
+                    </a:solidFill>
+                  </a:tcPr>
+                </a:tc>
+                <a:tc>
+                  <a:txBody>
+                    <a:bodyPr/>
+                    <a:lstStyle/>
+                    <a:p>
+                      <a:pPr algn="ctr"/>
+                      <a:r>
+                        <a:rPr lang="en-US" sz="1600" dirty="0"/>
+                        <a:t>-</a:t>
+                      </a:r>
+                    </a:p>
+                  </a:txBody>
+                  <a:tcPr anchor="ctr">
+                    <a:solidFill>
+                      <a:schemeClr val="bg2">
+                        <a:lumMod val="75000"/>
+                      </a:schemeClr>
+                    </a:solidFill>
+                  </a:tcPr>
+                </a:tc>
+                <a:tc>
+                  <a:txBody>
+                    <a:bodyPr/>
+                    <a:lstStyle/>
+                    <a:p>
+                      <a:pPr algn="ctr"/>
+                      <a:r>
+                        <a:rPr lang="en-US" sz="1600" dirty="0"/>
+                        <a:t>-</a:t>
+                      </a:r>
+                    </a:p>
+                  </a:txBody>
+                  <a:tcPr anchor="ctr">
+                    <a:solidFill>
+                      <a:schemeClr val="bg2">
+                        <a:lumMod val="75000"/>
+                      </a:schemeClr>
+                    </a:solidFill>
+                  </a:tcPr>
+                </a:tc>
+                <a:tc>
+                  <a:txBody>
+                    <a:bodyPr/>
+                    <a:lstStyle/>
+                    <a:p>
+                      <a:pPr algn="ctr"/>
+                      <a:r>
+                        <a:rPr lang="en-US" sz="1600" dirty="0"/>
+                        <a:t>-</a:t>
+                      </a:r>
+                    </a:p>
+                  </a:txBody>
+                  <a:tcPr anchor="ctr">
+                    <a:solidFill>
+                      <a:schemeClr val="bg2">
+                        <a:lumMod val="75000"/>
+                      </a:schemeClr>
+                    </a:solidFill>
+                  </a:tcPr>
+                </a:tc>
+                <a:tc>
+                  <a:txBody>
+                    <a:bodyPr/>
+                    <a:lstStyle/>
+                    <a:p>
+                      <a:pPr algn="ctr"/>
+                      <a:r>
+                        <a:rPr lang="en-US" sz="1600" dirty="0"/>
+                        <a:t>-</a:t>
+                      </a:r>
+                    </a:p>
+                  </a:txBody>
+                  <a:tcPr anchor="ctr">
+                    <a:solidFill>
+                      <a:schemeClr val="bg2">
+                        <a:lumMod val="75000"/>
+                      </a:schemeClr>
+                    </a:solidFill>
+                  </a:tcPr>
                 </a:tc>
                 <a:tc>
                   <a:txBody>
@@ -8331,28 +8516,6 @@
                     <a:lstStyle/>
                     <a:p>
                       <a:pPr algn="ctr"/>
-                      <a:endParaRPr lang="en-US" sz="1600" dirty="0"/>
-                    </a:p>
-                  </a:txBody>
-                  <a:tcPr anchor="ctr"/>
-                </a:tc>
-                <a:tc>
-                  <a:txBody>
-                    <a:bodyPr/>
-                    <a:lstStyle/>
-                    <a:p>
-                      <a:pPr algn="ctr"/>
-                      <a:endParaRPr lang="en-US" sz="1600"/>
-                    </a:p>
-                  </a:txBody>
-                  <a:tcPr anchor="ctr"/>
-                </a:tc>
-                <a:tc>
-                  <a:txBody>
-                    <a:bodyPr/>
-                    <a:lstStyle/>
-                    <a:p>
-                      <a:pPr algn="ctr"/>
                       <a:r>
                         <a:rPr lang="en-US" sz="1600" dirty="0"/>
                         <a:t>-</a:t>
@@ -8373,10 +8536,59 @@
                     <a:lstStyle/>
                     <a:p>
                       <a:pPr algn="ctr"/>
-                      <a:endParaRPr lang="en-US" sz="1600" dirty="0"/>
-                    </a:p>
-                  </a:txBody>
-                  <a:tcPr anchor="ctr"/>
+                      <a:r>
+                        <a:rPr lang="en-US" sz="1600" dirty="0"/>
+                        <a:t>-</a:t>
+                      </a:r>
+                    </a:p>
+                  </a:txBody>
+                  <a:tcPr anchor="ctr">
+                    <a:solidFill>
+                      <a:schemeClr val="bg2">
+                        <a:lumMod val="75000"/>
+                      </a:schemeClr>
+                    </a:solidFill>
+                  </a:tcPr>
+                </a:tc>
+                <a:tc>
+                  <a:txBody>
+                    <a:bodyPr/>
+                    <a:lstStyle/>
+                    <a:p>
+                      <a:pPr algn="ctr"/>
+                      <a:r>
+                        <a:rPr lang="en-US" sz="1600" dirty="0"/>
+                        <a:t>-</a:t>
+                      </a:r>
+                    </a:p>
+                  </a:txBody>
+                  <a:tcPr anchor="ctr">
+                    <a:solidFill>
+                      <a:schemeClr val="bg2">
+                        <a:lumMod val="75000"/>
+                      </a:schemeClr>
+                    </a:solidFill>
+                  </a:tcPr>
+                </a:tc>
+                <a:tc>
+                  <a:txBody>
+                    <a:bodyPr/>
+                    <a:lstStyle/>
+                    <a:p>
+                      <a:pPr algn="ctr"/>
+                      <a:r>
+                        <a:rPr lang="en-US" sz="1600" dirty="0"/>
+                        <a:t>-</a:t>
+                      </a:r>
+                    </a:p>
+                  </a:txBody>
+                  <a:tcPr anchor="ctr">
+                    <a:solidFill>
+                      <a:schemeClr val="bg2">
+                        <a:lumMod val="75000"/>
+                      </a:schemeClr>
+                    </a:solidFill>
+                  </a:tcPr>
                 </a:tc>
                 <a:extLst>
                   <a:ext uri="{0D108BD9-81ED-4DB2-BD59-A6C34878D82A}">
@@ -8493,6 +8705,53 @@
                     <a:lstStyle/>
                     <a:p>
                       <a:pPr algn="ctr"/>
+                      <a:endParaRPr lang="en-US" sz="1600" dirty="0"/>
+                    </a:p>
+                  </a:txBody>
+                  <a:tcPr anchor="ctr">
+                    <a:solidFill>
+                      <a:srgbClr val="E9EBF6"/>
+                    </a:solidFill>
+                  </a:tcPr>
+                </a:tc>
+                <a:tc>
+                  <a:txBody>
+                    <a:bodyPr/>
+                    <a:lstStyle/>
+                    <a:p>
+                      <a:pPr algn="ctr"/>
+                      <a:endParaRPr lang="en-US" sz="1600" dirty="0"/>
+                    </a:p>
+                  </a:txBody>
+                  <a:tcPr anchor="ctr">
+                    <a:solidFill>
+                      <a:srgbClr val="E9EBF6"/>
+                    </a:solidFill>
+                  </a:tcPr>
+                </a:tc>
+                <a:tc>
+                  <a:txBody>
+                    <a:bodyPr/>
+                    <a:lstStyle/>
+                    <a:p>
+                      <a:pPr algn="ctr"/>
+                      <a:endParaRPr lang="en-US" sz="1600" dirty="0"/>
+                    </a:p>
+                  </a:txBody>
+                  <a:tcPr anchor="ctr">
+                    <a:solidFill>
+                      <a:schemeClr val="bg2">
+                        <a:lumMod val="50000"/>
+                      </a:schemeClr>
+                    </a:solidFill>
+                  </a:tcPr>
+                </a:tc>
+                <a:tc>
+                  <a:txBody>
+                    <a:bodyPr/>
+                    <a:lstStyle/>
+                    <a:p>
+                      <a:pPr algn="ctr"/>
                       <a:r>
                         <a:rPr lang="en-US" sz="1600" dirty="0"/>
                         <a:t>-</a:t>
@@ -8513,38 +8772,17 @@
                     <a:lstStyle/>
                     <a:p>
                       <a:pPr algn="ctr"/>
-                      <a:endParaRPr lang="en-US" sz="1600" dirty="0"/>
-                    </a:p>
-                  </a:txBody>
-                  <a:tcPr anchor="ctr"/>
-                </a:tc>
-                <a:tc>
-                  <a:txBody>
-                    <a:bodyPr/>
-                    <a:lstStyle/>
-                    <a:p>
-                      <a:pPr algn="ctr"/>
-                      <a:endParaRPr lang="en-US" sz="1600" dirty="0"/>
-                    </a:p>
-                  </a:txBody>
-                  <a:tcPr anchor="ctr">
-                    <a:solidFill>
-                      <a:schemeClr val="bg2">
-                        <a:lumMod val="50000"/>
-                      </a:schemeClr>
-                    </a:solidFill>
-                  </a:tcPr>
-                </a:tc>
-                <a:tc>
-                  <a:txBody>
-                    <a:bodyPr/>
-                    <a:lstStyle/>
-                    <a:p>
-                      <a:pPr algn="ctr"/>
-                      <a:endParaRPr lang="en-US" sz="1600"/>
-                    </a:p>
-                  </a:txBody>
-                  <a:tcPr anchor="ctr"/>
+                      <a:r>
+                        <a:rPr lang="en-US" sz="1600" dirty="0"/>
+                        <a:t>1</a:t>
+                      </a:r>
+                    </a:p>
+                  </a:txBody>
+                  <a:tcPr anchor="ctr">
+                    <a:solidFill>
+                      <a:srgbClr val="E9EBF6"/>
+                    </a:solidFill>
+                  </a:tcPr>
                 </a:tc>
                 <a:tc>
                   <a:txBody>
@@ -8565,17 +8803,6 @@
                       </a:schemeClr>
                     </a:solidFill>
                   </a:tcPr>
-                </a:tc>
-                <a:tc>
-                  <a:txBody>
-                    <a:bodyPr/>
-                    <a:lstStyle/>
-                    <a:p>
-                      <a:pPr algn="ctr"/>
-                      <a:endParaRPr lang="en-US" sz="1600"/>
-                    </a:p>
-                  </a:txBody>
-                  <a:tcPr anchor="ctr"/>
                 </a:tc>
                 <a:extLst>
                   <a:ext uri="{0D108BD9-81ED-4DB2-BD59-A6C34878D82A}">
@@ -8652,6 +8879,39 @@
                     <a:lstStyle/>
                     <a:p>
                       <a:pPr algn="ctr"/>
+                      <a:endParaRPr lang="en-US" sz="1600" dirty="0"/>
+                    </a:p>
+                  </a:txBody>
+                  <a:tcPr anchor="ctr">
+                    <a:solidFill>
+                      <a:srgbClr val="E9EBF6"/>
+                    </a:solidFill>
+                  </a:tcPr>
+                </a:tc>
+                <a:tc>
+                  <a:txBody>
+                    <a:bodyPr/>
+                    <a:lstStyle/>
+                    <a:p>
+                      <a:pPr algn="ctr"/>
+                      <a:r>
+                        <a:rPr lang="en-US" sz="1600" dirty="0"/>
+                        <a:t>1</a:t>
+                      </a:r>
+                    </a:p>
+                  </a:txBody>
+                  <a:tcPr anchor="ctr">
+                    <a:solidFill>
+                      <a:srgbClr val="E9EBF6"/>
+                    </a:solidFill>
+                  </a:tcPr>
+                </a:tc>
+                <a:tc>
+                  <a:txBody>
+                    <a:bodyPr/>
+                    <a:lstStyle/>
+                    <a:p>
+                      <a:pPr algn="ctr"/>
                       <a:r>
                         <a:rPr lang="en-US" sz="1600" dirty="0"/>
                         <a:t>-</a:t>
@@ -8672,6 +8932,21 @@
                     <a:lstStyle/>
                     <a:p>
                       <a:pPr algn="ctr"/>
+                      <a:endParaRPr lang="en-US" sz="1600" dirty="0"/>
+                    </a:p>
+                  </a:txBody>
+                  <a:tcPr anchor="ctr">
+                    <a:solidFill>
+                      <a:srgbClr val="E9EBF6"/>
+                    </a:solidFill>
+                  </a:tcPr>
+                </a:tc>
+                <a:tc>
+                  <a:txBody>
+                    <a:bodyPr/>
+                    <a:lstStyle/>
+                    <a:p>
+                      <a:pPr algn="ctr"/>
                       <a:r>
                         <a:rPr lang="en-US" sz="1600" dirty="0"/>
                         <a:t>-</a:t>
@@ -8692,6 +8967,23 @@
                     <a:lstStyle/>
                     <a:p>
                       <a:pPr algn="ctr"/>
+                      <a:endParaRPr lang="en-US" sz="1600" dirty="0"/>
+                    </a:p>
+                  </a:txBody>
+                  <a:tcPr anchor="ctr">
+                    <a:solidFill>
+                      <a:schemeClr val="bg2">
+                        <a:lumMod val="50000"/>
+                      </a:schemeClr>
+                    </a:solidFill>
+                  </a:tcPr>
+                </a:tc>
+                <a:tc>
+                  <a:txBody>
+                    <a:bodyPr/>
+                    <a:lstStyle/>
+                    <a:p>
+                      <a:pPr algn="ctr"/>
                       <a:r>
                         <a:rPr lang="en-US" sz="1600" dirty="0"/>
                         <a:t>-</a:t>
@@ -8713,93 +9005,15 @@
                     <a:p>
                       <a:pPr algn="ctr"/>
                       <a:r>
-                        <a:rPr lang="en-US" sz="1600" dirty="0"/>
-                        <a:t>-</a:t>
-                      </a:r>
-                    </a:p>
-                  </a:txBody>
-                  <a:tcPr anchor="ctr">
-                    <a:solidFill>
-                      <a:schemeClr val="bg2">
-                        <a:lumMod val="75000"/>
-                      </a:schemeClr>
-                    </a:solidFill>
-                  </a:tcPr>
-                </a:tc>
-                <a:tc>
-                  <a:txBody>
-                    <a:bodyPr/>
-                    <a:lstStyle/>
-                    <a:p>
-                      <a:pPr algn="ctr"/>
-                      <a:r>
-                        <a:rPr lang="en-US" sz="1600" dirty="0"/>
-                        <a:t>-</a:t>
-                      </a:r>
-                    </a:p>
-                  </a:txBody>
-                  <a:tcPr anchor="ctr">
-                    <a:solidFill>
-                      <a:schemeClr val="bg2">
-                        <a:lumMod val="75000"/>
-                      </a:schemeClr>
-                    </a:solidFill>
-                  </a:tcPr>
-                </a:tc>
-                <a:tc>
-                  <a:txBody>
-                    <a:bodyPr/>
-                    <a:lstStyle/>
-                    <a:p>
-                      <a:pPr algn="ctr"/>
+                        <a:rPr lang="en-US" sz="1600"/>
+                        <a:t>1</a:t>
+                      </a:r>
                       <a:endParaRPr lang="en-US" sz="1600" dirty="0"/>
                     </a:p>
                   </a:txBody>
                   <a:tcPr anchor="ctr">
                     <a:solidFill>
-                      <a:schemeClr val="bg2">
-                        <a:lumMod val="50000"/>
-                      </a:schemeClr>
-                    </a:solidFill>
-                  </a:tcPr>
-                </a:tc>
-                <a:tc>
-                  <a:txBody>
-                    <a:bodyPr/>
-                    <a:lstStyle/>
-                    <a:p>
-                      <a:pPr algn="ctr"/>
-                      <a:r>
-                        <a:rPr lang="en-US" sz="1600" dirty="0"/>
-                        <a:t>-</a:t>
-                      </a:r>
-                    </a:p>
-                  </a:txBody>
-                  <a:tcPr anchor="ctr">
-                    <a:solidFill>
-                      <a:schemeClr val="bg2">
-                        <a:lumMod val="75000"/>
-                      </a:schemeClr>
-                    </a:solidFill>
-                  </a:tcPr>
-                </a:tc>
-                <a:tc>
-                  <a:txBody>
-                    <a:bodyPr/>
-                    <a:lstStyle/>
-                    <a:p>
-                      <a:pPr algn="ctr"/>
-                      <a:r>
-                        <a:rPr lang="en-US" sz="1600" dirty="0"/>
-                        <a:t>-</a:t>
-                      </a:r>
-                    </a:p>
-                  </a:txBody>
-                  <a:tcPr anchor="ctr">
-                    <a:solidFill>
-                      <a:schemeClr val="bg2">
-                        <a:lumMod val="75000"/>
-                      </a:schemeClr>
+                      <a:srgbClr val="E9EBF6"/>
                     </a:solidFill>
                   </a:tcPr>
                 </a:tc>
@@ -8920,55 +9134,43 @@
                       <a:pPr algn="ctr"/>
                       <a:r>
                         <a:rPr lang="en-US" sz="1600" dirty="0"/>
-                        <a:t>-</a:t>
-                      </a:r>
-                    </a:p>
-                  </a:txBody>
-                  <a:tcPr anchor="ctr">
-                    <a:solidFill>
-                      <a:schemeClr val="bg2">
-                        <a:lumMod val="75000"/>
-                      </a:schemeClr>
-                    </a:solidFill>
-                  </a:tcPr>
-                </a:tc>
-                <a:tc>
-                  <a:txBody>
-                    <a:bodyPr/>
-                    <a:lstStyle/>
-                    <a:p>
-                      <a:pPr algn="ctr"/>
-                      <a:r>
-                        <a:rPr lang="en-US" sz="1600" dirty="0"/>
-                        <a:t>-</a:t>
-                      </a:r>
-                    </a:p>
-                  </a:txBody>
-                  <a:tcPr anchor="ctr">
-                    <a:solidFill>
-                      <a:schemeClr val="bg2">
-                        <a:lumMod val="75000"/>
-                      </a:schemeClr>
-                    </a:solidFill>
-                  </a:tcPr>
-                </a:tc>
-                <a:tc>
-                  <a:txBody>
-                    <a:bodyPr/>
-                    <a:lstStyle/>
-                    <a:p>
-                      <a:pPr algn="ctr"/>
-                      <a:r>
-                        <a:rPr lang="en-US" sz="1600" dirty="0"/>
-                        <a:t>-</a:t>
-                      </a:r>
-                    </a:p>
-                  </a:txBody>
-                  <a:tcPr anchor="ctr">
-                    <a:solidFill>
-                      <a:schemeClr val="bg2">
-                        <a:lumMod val="75000"/>
-                      </a:schemeClr>
+                        <a:t>1</a:t>
+                      </a:r>
+                    </a:p>
+                  </a:txBody>
+                  <a:tcPr anchor="ctr">
+                    <a:solidFill>
+                      <a:srgbClr val="E9EBF6"/>
+                    </a:solidFill>
+                  </a:tcPr>
+                </a:tc>
+                <a:tc>
+                  <a:txBody>
+                    <a:bodyPr/>
+                    <a:lstStyle/>
+                    <a:p>
+                      <a:pPr algn="ctr"/>
+                      <a:endParaRPr lang="en-US" sz="1600" dirty="0"/>
+                    </a:p>
+                  </a:txBody>
+                  <a:tcPr anchor="ctr">
+                    <a:solidFill>
+                      <a:srgbClr val="E9EBF6"/>
+                    </a:solidFill>
+                  </a:tcPr>
+                </a:tc>
+                <a:tc>
+                  <a:txBody>
+                    <a:bodyPr/>
+                    <a:lstStyle/>
+                    <a:p>
+                      <a:pPr algn="ctr"/>
+                      <a:endParaRPr lang="en-US" sz="1600" dirty="0"/>
+                    </a:p>
+                  </a:txBody>
+                  <a:tcPr anchor="ctr">
+                    <a:solidFill>
+                      <a:srgbClr val="E9EBF6"/>
                     </a:solidFill>
                   </a:tcPr>
                 </a:tc>
@@ -9104,6 +9306,36 @@
                     <a:lstStyle/>
                     <a:p>
                       <a:pPr algn="ctr"/>
+                      <a:endParaRPr lang="en-US" sz="1600" dirty="0"/>
+                    </a:p>
+                  </a:txBody>
+                  <a:tcPr anchor="ctr">
+                    <a:solidFill>
+                      <a:srgbClr val="E9EBF6"/>
+                    </a:solidFill>
+                  </a:tcPr>
+                </a:tc>
+                <a:tc>
+                  <a:txBody>
+                    <a:bodyPr/>
+                    <a:lstStyle/>
+                    <a:p>
+                      <a:pPr algn="ctr"/>
+                      <a:endParaRPr lang="en-US" sz="1600" dirty="0"/>
+                    </a:p>
+                  </a:txBody>
+                  <a:tcPr anchor="ctr">
+                    <a:solidFill>
+                      <a:srgbClr val="E9EBF6"/>
+                    </a:solidFill>
+                  </a:tcPr>
+                </a:tc>
+                <a:tc>
+                  <a:txBody>
+                    <a:bodyPr/>
+                    <a:lstStyle/>
+                    <a:p>
+                      <a:pPr algn="ctr"/>
                       <a:r>
                         <a:rPr lang="en-US" sz="1600" dirty="0"/>
                         <a:t>-</a:t>
@@ -9126,6 +9358,24 @@
                       <a:pPr algn="ctr"/>
                       <a:r>
                         <a:rPr lang="en-US" sz="1600" dirty="0"/>
+                        <a:t>1</a:t>
+                      </a:r>
+                    </a:p>
+                  </a:txBody>
+                  <a:tcPr anchor="ctr">
+                    <a:solidFill>
+                      <a:srgbClr val="E9EBF6"/>
+                    </a:solidFill>
+                  </a:tcPr>
+                </a:tc>
+                <a:tc>
+                  <a:txBody>
+                    <a:bodyPr/>
+                    <a:lstStyle/>
+                    <a:p>
+                      <a:pPr algn="ctr"/>
+                      <a:r>
+                        <a:rPr lang="en-US" sz="1600" dirty="0"/>
                         <a:t>-</a:t>
                       </a:r>
                     </a:p>
@@ -9144,77 +9394,12 @@
                     <a:lstStyle/>
                     <a:p>
                       <a:pPr algn="ctr"/>
-                      <a:r>
-                        <a:rPr lang="en-US" sz="1600" dirty="0"/>
-                        <a:t>-</a:t>
-                      </a:r>
-                    </a:p>
-                  </a:txBody>
-                  <a:tcPr anchor="ctr">
-                    <a:solidFill>
-                      <a:schemeClr val="bg2">
-                        <a:lumMod val="75000"/>
-                      </a:schemeClr>
-                    </a:solidFill>
-                  </a:tcPr>
-                </a:tc>
-                <a:tc>
-                  <a:txBody>
-                    <a:bodyPr/>
-                    <a:lstStyle/>
-                    <a:p>
-                      <a:pPr algn="ctr"/>
-                      <a:r>
-                        <a:rPr lang="en-US" sz="1600" dirty="0"/>
-                        <a:t>-</a:t>
-                      </a:r>
-                    </a:p>
-                  </a:txBody>
-                  <a:tcPr anchor="ctr">
-                    <a:solidFill>
-                      <a:schemeClr val="bg2">
-                        <a:lumMod val="75000"/>
-                      </a:schemeClr>
-                    </a:solidFill>
-                  </a:tcPr>
-                </a:tc>
-                <a:tc>
-                  <a:txBody>
-                    <a:bodyPr/>
-                    <a:lstStyle/>
-                    <a:p>
-                      <a:pPr algn="ctr"/>
-                      <a:r>
-                        <a:rPr lang="en-US" sz="1600" dirty="0"/>
-                        <a:t>-</a:t>
-                      </a:r>
-                    </a:p>
-                  </a:txBody>
-                  <a:tcPr anchor="ctr">
-                    <a:solidFill>
-                      <a:schemeClr val="bg2">
-                        <a:lumMod val="75000"/>
-                      </a:schemeClr>
-                    </a:solidFill>
-                  </a:tcPr>
-                </a:tc>
-                <a:tc>
-                  <a:txBody>
-                    <a:bodyPr/>
-                    <a:lstStyle/>
-                    <a:p>
-                      <a:pPr algn="ctr"/>
-                      <a:r>
-                        <a:rPr lang="en-US" sz="1600" dirty="0"/>
-                        <a:t>-</a:t>
-                      </a:r>
-                    </a:p>
-                  </a:txBody>
-                  <a:tcPr anchor="ctr">
-                    <a:solidFill>
-                      <a:schemeClr val="bg2">
-                        <a:lumMod val="75000"/>
-                      </a:schemeClr>
+                      <a:endParaRPr lang="en-US" sz="1600" dirty="0"/>
+                    </a:p>
+                  </a:txBody>
+                  <a:tcPr anchor="ctr">
+                    <a:solidFill>
+                      <a:srgbClr val="E9EBF6"/>
                     </a:solidFill>
                   </a:tcPr>
                 </a:tc>
@@ -10122,8 +10307,8 @@
           </a:graphicData>
         </a:graphic>
       </p:graphicFrame>
-      <mc:AlternateContent xmlns:mc="http://schemas.openxmlformats.org/markup-compatibility/2006">
-        <mc:Choice xmlns:a14="http://schemas.microsoft.com/office/drawing/2010/main" Requires="a14">
+      <mc:AlternateContent xmlns:mc="http://schemas.openxmlformats.org/markup-compatibility/2006" xmlns:a14="http://schemas.microsoft.com/office/drawing/2010/main">
+        <mc:Choice Requires="a14">
           <p:sp>
             <p:nvSpPr>
               <p:cNvPr id="67" name="TextBox 66">
@@ -10174,7 +10359,7 @@
             </p:txBody>
           </p:sp>
         </mc:Choice>
-        <mc:Fallback>
+        <mc:Fallback xmlns="">
           <p:sp>
             <p:nvSpPr>
               <p:cNvPr id="67" name="TextBox 66">
@@ -16065,854 +16250,117 @@
           </p:sp>
         </p:grpSp>
       </p:grpSp>
-      <p:graphicFrame>
-        <p:nvGraphicFramePr>
-          <p:cNvPr id="52" name="Table 51">
+      <p:pic>
+        <p:nvPicPr>
+          <p:cNvPr id="33" name="Picture 32">
             <a:extLst>
               <a:ext uri="{FF2B5EF4-FFF2-40B4-BE49-F238E27FC236}">
-                <a16:creationId xmlns:a16="http://schemas.microsoft.com/office/drawing/2014/main" id="{91CD1738-51E4-AF4B-914D-93DF759BE54A}"/>
+                <a16:creationId xmlns:a16="http://schemas.microsoft.com/office/drawing/2014/main" id="{552A0E44-05CB-9A44-B0D7-A8945FFD680D}"/>
               </a:ext>
             </a:extLst>
           </p:cNvPr>
-          <p:cNvGraphicFramePr>
-            <a:graphicFrameLocks noGrp="1"/>
-          </p:cNvGraphicFramePr>
+          <p:cNvPicPr>
+            <a:picLocks noChangeAspect="1"/>
+          </p:cNvPicPr>
           <p:nvPr/>
-        </p:nvGraphicFramePr>
-        <p:xfrm>
-          <a:off x="7052972" y="1724343"/>
-          <a:ext cx="4503784" cy="4723741"/>
-        </p:xfrm>
-        <a:graphic>
-          <a:graphicData uri="http://schemas.openxmlformats.org/drawingml/2006/table">
-            <a:tbl>
-              <a:tblPr firstRow="1" bandRow="1">
-                <a:tableStyleId>{3B4B98B0-60AC-42C2-AFA5-B58CD77FA1E5}</a:tableStyleId>
-              </a:tblPr>
-              <a:tblGrid>
-                <a:gridCol w="1125946">
-                  <a:extLst>
-                    <a:ext uri="{9D8B030D-6E8A-4147-A177-3AD203B41FA5}">
-                      <a16:colId xmlns:a16="http://schemas.microsoft.com/office/drawing/2014/main" val="286301458"/>
-                    </a:ext>
-                  </a:extLst>
-                </a:gridCol>
-                <a:gridCol w="1125946">
-                  <a:extLst>
-                    <a:ext uri="{9D8B030D-6E8A-4147-A177-3AD203B41FA5}">
-                      <a16:colId xmlns:a16="http://schemas.microsoft.com/office/drawing/2014/main" val="595609665"/>
-                    </a:ext>
-                  </a:extLst>
-                </a:gridCol>
-                <a:gridCol w="1125946">
-                  <a:extLst>
-                    <a:ext uri="{9D8B030D-6E8A-4147-A177-3AD203B41FA5}">
-                      <a16:colId xmlns:a16="http://schemas.microsoft.com/office/drawing/2014/main" val="4267252284"/>
-                    </a:ext>
-                  </a:extLst>
-                </a:gridCol>
-                <a:gridCol w="1125946">
-                  <a:extLst>
-                    <a:ext uri="{9D8B030D-6E8A-4147-A177-3AD203B41FA5}">
-                      <a16:colId xmlns:a16="http://schemas.microsoft.com/office/drawing/2014/main" val="4163435547"/>
-                    </a:ext>
-                  </a:extLst>
-                </a:gridCol>
-              </a:tblGrid>
-              <a:tr h="429431">
-                <a:tc>
-                  <a:txBody>
-                    <a:bodyPr/>
-                    <a:lstStyle/>
-                    <a:p>
-                      <a:pPr algn="ctr"/>
-                      <a:r>
-                        <a:rPr lang="en-US" dirty="0"/>
-                        <a:t>k</a:t>
-                      </a:r>
-                    </a:p>
-                  </a:txBody>
-                  <a:tcPr anchor="ctr"/>
-                </a:tc>
-                <a:tc>
-                  <a:txBody>
-                    <a:bodyPr/>
-                    <a:lstStyle/>
-                    <a:p>
-                      <a:pPr algn="ctr"/>
-                      <a:r>
-                        <a:rPr lang="en-US" dirty="0"/>
-                        <a:t>S1</a:t>
-                      </a:r>
-                    </a:p>
-                  </a:txBody>
-                  <a:tcPr anchor="ctr"/>
-                </a:tc>
-                <a:tc>
-                  <a:txBody>
-                    <a:bodyPr/>
-                    <a:lstStyle/>
-                    <a:p>
-                      <a:pPr algn="ctr"/>
-                      <a:r>
-                        <a:rPr lang="en-US" dirty="0"/>
-                        <a:t>S2</a:t>
-                      </a:r>
-                    </a:p>
-                  </a:txBody>
-                  <a:tcPr anchor="ctr"/>
-                </a:tc>
-                <a:tc>
-                  <a:txBody>
-                    <a:bodyPr/>
-                    <a:lstStyle/>
-                    <a:p>
-                      <a:pPr algn="ctr"/>
-                      <a:r>
-                        <a:rPr lang="en-US" dirty="0"/>
-                        <a:t>S3</a:t>
-                      </a:r>
-                    </a:p>
-                  </a:txBody>
-                  <a:tcPr anchor="ctr"/>
-                </a:tc>
-                <a:extLst>
-                  <a:ext uri="{0D108BD9-81ED-4DB2-BD59-A6C34878D82A}">
-                    <a16:rowId xmlns:a16="http://schemas.microsoft.com/office/drawing/2014/main" val="1679176997"/>
-                  </a:ext>
-                </a:extLst>
-              </a:tr>
-              <a:tr h="429431">
-                <a:tc>
-                  <a:txBody>
-                    <a:bodyPr/>
-                    <a:lstStyle/>
-                    <a:p>
-                      <a:pPr algn="ctr"/>
-                      <a:r>
-                        <a:rPr lang="en-US" dirty="0"/>
-                        <a:t>1</a:t>
-                      </a:r>
-                    </a:p>
-                  </a:txBody>
-                  <a:tcPr anchor="ctr"/>
-                </a:tc>
-                <a:tc>
-                  <a:txBody>
-                    <a:bodyPr/>
-                    <a:lstStyle/>
-                    <a:p>
-                      <a:pPr algn="ctr"/>
-                      <a:r>
-                        <a:rPr lang="en-US" dirty="0"/>
-                        <a:t>0.98</a:t>
-                      </a:r>
-                    </a:p>
-                  </a:txBody>
-                  <a:tcPr anchor="ctr"/>
-                </a:tc>
-                <a:tc>
-                  <a:txBody>
-                    <a:bodyPr/>
-                    <a:lstStyle/>
-                    <a:p>
-                      <a:pPr algn="ctr"/>
-                      <a:r>
-                        <a:rPr lang="en-US" dirty="0"/>
-                        <a:t>0.99</a:t>
-                      </a:r>
-                    </a:p>
-                  </a:txBody>
-                  <a:tcPr anchor="ctr"/>
-                </a:tc>
-                <a:tc>
-                  <a:txBody>
-                    <a:bodyPr/>
-                    <a:lstStyle/>
-                    <a:p>
-                      <a:pPr algn="ctr"/>
-                      <a:r>
-                        <a:rPr lang="en-US" dirty="0"/>
-                        <a:t>0.97</a:t>
-                      </a:r>
-                    </a:p>
-                  </a:txBody>
-                  <a:tcPr anchor="ctr"/>
-                </a:tc>
-                <a:extLst>
-                  <a:ext uri="{0D108BD9-81ED-4DB2-BD59-A6C34878D82A}">
-                    <a16:rowId xmlns:a16="http://schemas.microsoft.com/office/drawing/2014/main" val="285967674"/>
-                  </a:ext>
-                </a:extLst>
-              </a:tr>
-              <a:tr h="429431">
-                <a:tc>
-                  <a:txBody>
-                    <a:bodyPr/>
-                    <a:lstStyle/>
-                    <a:p>
-                      <a:pPr algn="ctr"/>
-                      <a:r>
-                        <a:rPr lang="en-US" dirty="0"/>
-                        <a:t>2</a:t>
-                      </a:r>
-                    </a:p>
-                  </a:txBody>
-                  <a:tcPr anchor="ctr"/>
-                </a:tc>
-                <a:tc>
-                  <a:txBody>
-                    <a:bodyPr/>
-                    <a:lstStyle/>
-                    <a:p>
-                      <a:pPr algn="ctr"/>
-                      <a:r>
-                        <a:rPr lang="en-US" dirty="0"/>
-                        <a:t>0.98</a:t>
-                      </a:r>
-                    </a:p>
-                  </a:txBody>
-                  <a:tcPr anchor="ctr"/>
-                </a:tc>
-                <a:tc>
-                  <a:txBody>
-                    <a:bodyPr/>
-                    <a:lstStyle/>
-                    <a:p>
-                      <a:pPr algn="ctr"/>
-                      <a:r>
-                        <a:rPr lang="en-US" dirty="0"/>
-                        <a:t>0.90</a:t>
-                      </a:r>
-                    </a:p>
-                  </a:txBody>
-                  <a:tcPr anchor="ctr"/>
-                </a:tc>
-                <a:tc>
-                  <a:txBody>
-                    <a:bodyPr/>
-                    <a:lstStyle/>
-                    <a:p>
-                      <a:pPr algn="ctr"/>
-                      <a:r>
-                        <a:rPr lang="en-US" dirty="0"/>
-                        <a:t>0.82</a:t>
-                      </a:r>
-                    </a:p>
-                  </a:txBody>
-                  <a:tcPr anchor="ctr"/>
-                </a:tc>
-                <a:extLst>
-                  <a:ext uri="{0D108BD9-81ED-4DB2-BD59-A6C34878D82A}">
-                    <a16:rowId xmlns:a16="http://schemas.microsoft.com/office/drawing/2014/main" val="2838646153"/>
-                  </a:ext>
-                </a:extLst>
-              </a:tr>
-              <a:tr h="429431">
-                <a:tc>
-                  <a:txBody>
-                    <a:bodyPr/>
-                    <a:lstStyle/>
-                    <a:p>
-                      <a:pPr algn="ctr"/>
-                      <a:r>
-                        <a:rPr lang="en-US" dirty="0"/>
-                        <a:t>3</a:t>
-                      </a:r>
-                    </a:p>
-                  </a:txBody>
-                  <a:tcPr anchor="ctr"/>
-                </a:tc>
-                <a:tc>
-                  <a:txBody>
-                    <a:bodyPr/>
-                    <a:lstStyle/>
-                    <a:p>
-                      <a:pPr algn="ctr"/>
-                      <a:r>
-                        <a:rPr lang="en-US" dirty="0"/>
-                        <a:t>0.55</a:t>
-                      </a:r>
-                    </a:p>
-                  </a:txBody>
-                  <a:tcPr anchor="ctr"/>
-                </a:tc>
-                <a:tc>
-                  <a:txBody>
-                    <a:bodyPr/>
-                    <a:lstStyle/>
-                    <a:p>
-                      <a:pPr algn="ctr"/>
-                      <a:r>
-                        <a:rPr lang="en-US" dirty="0"/>
-                        <a:t>0.00</a:t>
-                      </a:r>
-                    </a:p>
-                  </a:txBody>
-                  <a:tcPr anchor="ctr"/>
-                </a:tc>
-                <a:tc>
-                  <a:txBody>
-                    <a:bodyPr/>
-                    <a:lstStyle/>
-                    <a:p>
-                      <a:pPr algn="ctr"/>
-                      <a:r>
-                        <a:rPr lang="en-US" dirty="0"/>
-                        <a:t>0.80</a:t>
-                      </a:r>
-                    </a:p>
-                  </a:txBody>
-                  <a:tcPr anchor="ctr"/>
-                </a:tc>
-                <a:extLst>
-                  <a:ext uri="{0D108BD9-81ED-4DB2-BD59-A6C34878D82A}">
-                    <a16:rowId xmlns:a16="http://schemas.microsoft.com/office/drawing/2014/main" val="2211572316"/>
-                  </a:ext>
-                </a:extLst>
-              </a:tr>
-              <a:tr h="429431">
-                <a:tc>
-                  <a:txBody>
-                    <a:bodyPr/>
-                    <a:lstStyle/>
-                    <a:p>
-                      <a:pPr algn="ctr"/>
-                      <a:r>
-                        <a:rPr lang="en-US" dirty="0"/>
-                        <a:t>4</a:t>
-                      </a:r>
-                    </a:p>
-                  </a:txBody>
-                  <a:tcPr anchor="ctr"/>
-                </a:tc>
-                <a:tc>
-                  <a:txBody>
-                    <a:bodyPr/>
-                    <a:lstStyle/>
-                    <a:p>
-                      <a:pPr algn="ctr"/>
-                      <a:r>
-                        <a:rPr lang="en-US" dirty="0"/>
-                        <a:t>0.20</a:t>
-                      </a:r>
-                    </a:p>
-                  </a:txBody>
-                  <a:tcPr anchor="ctr"/>
-                </a:tc>
-                <a:tc>
-                  <a:txBody>
-                    <a:bodyPr/>
-                    <a:lstStyle/>
-                    <a:p>
-                      <a:pPr algn="ctr"/>
-                      <a:r>
-                        <a:rPr lang="en-US" dirty="0"/>
-                        <a:t>0.00</a:t>
-                      </a:r>
-                    </a:p>
-                  </a:txBody>
-                  <a:tcPr anchor="ctr"/>
-                </a:tc>
-                <a:tc>
-                  <a:txBody>
-                    <a:bodyPr/>
-                    <a:lstStyle/>
-                    <a:p>
-                      <a:pPr algn="ctr"/>
-                      <a:r>
-                        <a:rPr lang="en-US" dirty="0"/>
-                        <a:t>0.50</a:t>
-                      </a:r>
-                    </a:p>
-                  </a:txBody>
-                  <a:tcPr anchor="ctr"/>
-                </a:tc>
-                <a:extLst>
-                  <a:ext uri="{0D108BD9-81ED-4DB2-BD59-A6C34878D82A}">
-                    <a16:rowId xmlns:a16="http://schemas.microsoft.com/office/drawing/2014/main" val="4225630878"/>
-                  </a:ext>
-                </a:extLst>
-              </a:tr>
-              <a:tr h="429431">
-                <a:tc>
-                  <a:txBody>
-                    <a:bodyPr/>
-                    <a:lstStyle/>
-                    <a:p>
-                      <a:pPr algn="ctr"/>
-                      <a:r>
-                        <a:rPr lang="en-US" dirty="0"/>
-                        <a:t>5</a:t>
-                      </a:r>
-                    </a:p>
-                  </a:txBody>
-                  <a:tcPr anchor="ctr"/>
-                </a:tc>
-                <a:tc>
-                  <a:txBody>
-                    <a:bodyPr/>
-                    <a:lstStyle/>
-                    <a:p>
-                      <a:pPr algn="ctr"/>
-                      <a:r>
-                        <a:rPr lang="en-US" dirty="0"/>
-                        <a:t>0.30</a:t>
-                      </a:r>
-                    </a:p>
-                  </a:txBody>
-                  <a:tcPr anchor="ctr"/>
-                </a:tc>
-                <a:tc>
-                  <a:txBody>
-                    <a:bodyPr/>
-                    <a:lstStyle/>
-                    <a:p>
-                      <a:pPr algn="ctr"/>
-                      <a:r>
-                        <a:rPr lang="en-US" dirty="0"/>
-                        <a:t>0.00</a:t>
-                      </a:r>
-                    </a:p>
-                  </a:txBody>
-                  <a:tcPr anchor="ctr"/>
-                </a:tc>
-                <a:tc>
-                  <a:txBody>
-                    <a:bodyPr/>
-                    <a:lstStyle/>
-                    <a:p>
-                      <a:pPr algn="ctr"/>
-                      <a:r>
-                        <a:rPr lang="en-US" dirty="0"/>
-                        <a:t>0.30</a:t>
-                      </a:r>
-                    </a:p>
-                  </a:txBody>
-                  <a:tcPr anchor="ctr"/>
-                </a:tc>
-                <a:extLst>
-                  <a:ext uri="{0D108BD9-81ED-4DB2-BD59-A6C34878D82A}">
-                    <a16:rowId xmlns:a16="http://schemas.microsoft.com/office/drawing/2014/main" val="2938326167"/>
-                  </a:ext>
-                </a:extLst>
-              </a:tr>
-              <a:tr h="429431">
-                <a:tc>
-                  <a:txBody>
-                    <a:bodyPr/>
-                    <a:lstStyle/>
-                    <a:p>
-                      <a:pPr algn="ctr"/>
-                      <a:r>
-                        <a:rPr lang="en-US" dirty="0"/>
-                        <a:t>6</a:t>
-                      </a:r>
-                    </a:p>
-                  </a:txBody>
-                  <a:tcPr anchor="ctr"/>
-                </a:tc>
-                <a:tc>
-                  <a:txBody>
-                    <a:bodyPr/>
-                    <a:lstStyle/>
-                    <a:p>
-                      <a:pPr algn="ctr"/>
-                      <a:r>
-                        <a:rPr lang="en-US" dirty="0"/>
-                        <a:t>0.43</a:t>
-                      </a:r>
-                    </a:p>
-                  </a:txBody>
-                  <a:tcPr anchor="ctr"/>
-                </a:tc>
-                <a:tc>
-                  <a:txBody>
-                    <a:bodyPr/>
-                    <a:lstStyle/>
-                    <a:p>
-                      <a:pPr algn="ctr"/>
-                      <a:r>
-                        <a:rPr lang="en-US" dirty="0"/>
-                        <a:t>0.90</a:t>
-                      </a:r>
-                    </a:p>
-                  </a:txBody>
-                  <a:tcPr anchor="ctr"/>
-                </a:tc>
-                <a:tc>
-                  <a:txBody>
-                    <a:bodyPr/>
-                    <a:lstStyle/>
-                    <a:p>
-                      <a:pPr algn="ctr"/>
-                      <a:r>
-                        <a:rPr lang="en-US" dirty="0"/>
-                        <a:t>0.00</a:t>
-                      </a:r>
-                    </a:p>
-                  </a:txBody>
-                  <a:tcPr anchor="ctr"/>
-                </a:tc>
-                <a:extLst>
-                  <a:ext uri="{0D108BD9-81ED-4DB2-BD59-A6C34878D82A}">
-                    <a16:rowId xmlns:a16="http://schemas.microsoft.com/office/drawing/2014/main" val="1662899571"/>
-                  </a:ext>
-                </a:extLst>
-              </a:tr>
-              <a:tr h="429431">
-                <a:tc>
-                  <a:txBody>
-                    <a:bodyPr/>
-                    <a:lstStyle/>
-                    <a:p>
-                      <a:pPr algn="ctr"/>
-                      <a:r>
-                        <a:rPr lang="en-US" dirty="0"/>
-                        <a:t>7</a:t>
-                      </a:r>
-                    </a:p>
-                  </a:txBody>
-                  <a:tcPr anchor="ctr"/>
-                </a:tc>
-                <a:tc>
-                  <a:txBody>
-                    <a:bodyPr/>
-                    <a:lstStyle/>
-                    <a:p>
-                      <a:pPr algn="ctr"/>
-                      <a:r>
-                        <a:rPr lang="en-US" dirty="0"/>
-                        <a:t>0.30</a:t>
-                      </a:r>
-                    </a:p>
-                  </a:txBody>
-                  <a:tcPr anchor="ctr"/>
-                </a:tc>
-                <a:tc>
-                  <a:txBody>
-                    <a:bodyPr/>
-                    <a:lstStyle/>
-                    <a:p>
-                      <a:pPr algn="ctr"/>
-                      <a:r>
-                        <a:rPr lang="en-US" dirty="0"/>
-                        <a:t>0.70</a:t>
-                      </a:r>
-                    </a:p>
-                  </a:txBody>
-                  <a:tcPr anchor="ctr"/>
-                </a:tc>
-                <a:tc>
-                  <a:txBody>
-                    <a:bodyPr/>
-                    <a:lstStyle/>
-                    <a:p>
-                      <a:pPr algn="ctr"/>
-                      <a:r>
-                        <a:rPr lang="en-US" dirty="0"/>
-                        <a:t>0.00</a:t>
-                      </a:r>
-                    </a:p>
-                  </a:txBody>
-                  <a:tcPr anchor="ctr"/>
-                </a:tc>
-                <a:extLst>
-                  <a:ext uri="{0D108BD9-81ED-4DB2-BD59-A6C34878D82A}">
-                    <a16:rowId xmlns:a16="http://schemas.microsoft.com/office/drawing/2014/main" val="4035794437"/>
-                  </a:ext>
-                </a:extLst>
-              </a:tr>
-              <a:tr h="429431">
-                <a:tc>
-                  <a:txBody>
-                    <a:bodyPr/>
-                    <a:lstStyle/>
-                    <a:p>
-                      <a:pPr algn="ctr"/>
-                      <a:r>
-                        <a:rPr lang="en-US" dirty="0"/>
-                        <a:t>8</a:t>
-                      </a:r>
-                    </a:p>
-                  </a:txBody>
-                  <a:tcPr anchor="ctr"/>
-                </a:tc>
-                <a:tc>
-                  <a:txBody>
-                    <a:bodyPr/>
-                    <a:lstStyle/>
-                    <a:p>
-                      <a:pPr algn="ctr"/>
-                      <a:r>
-                        <a:rPr lang="en-US" dirty="0"/>
-                        <a:t>0.20</a:t>
-                      </a:r>
-                    </a:p>
-                  </a:txBody>
-                  <a:tcPr anchor="ctr"/>
-                </a:tc>
-                <a:tc>
-                  <a:txBody>
-                    <a:bodyPr/>
-                    <a:lstStyle/>
-                    <a:p>
-                      <a:pPr algn="ctr"/>
-                      <a:r>
-                        <a:rPr lang="en-US" dirty="0"/>
-                        <a:t>0.00</a:t>
-                      </a:r>
-                    </a:p>
-                  </a:txBody>
-                  <a:tcPr anchor="ctr"/>
-                </a:tc>
-                <a:tc>
-                  <a:txBody>
-                    <a:bodyPr/>
-                    <a:lstStyle/>
-                    <a:p>
-                      <a:pPr algn="ctr"/>
-                      <a:r>
-                        <a:rPr lang="en-US" dirty="0"/>
-                        <a:t>0.00</a:t>
-                      </a:r>
-                    </a:p>
-                  </a:txBody>
-                  <a:tcPr anchor="ctr"/>
-                </a:tc>
-                <a:extLst>
-                  <a:ext uri="{0D108BD9-81ED-4DB2-BD59-A6C34878D82A}">
-                    <a16:rowId xmlns:a16="http://schemas.microsoft.com/office/drawing/2014/main" val="2502484083"/>
-                  </a:ext>
-                </a:extLst>
-              </a:tr>
-              <a:tr h="429431">
-                <a:tc>
-                  <a:txBody>
-                    <a:bodyPr/>
-                    <a:lstStyle/>
-                    <a:p>
-                      <a:pPr algn="ctr"/>
-                      <a:r>
-                        <a:rPr lang="en-US" dirty="0"/>
-                        <a:t>9</a:t>
-                      </a:r>
-                    </a:p>
-                  </a:txBody>
-                  <a:tcPr anchor="ctr"/>
-                </a:tc>
-                <a:tc>
-                  <a:txBody>
-                    <a:bodyPr/>
-                    <a:lstStyle/>
-                    <a:p>
-                      <a:pPr algn="ctr"/>
-                      <a:r>
-                        <a:rPr lang="en-US" dirty="0"/>
-                        <a:t>0.00</a:t>
-                      </a:r>
-                    </a:p>
-                  </a:txBody>
-                  <a:tcPr anchor="ctr"/>
-                </a:tc>
-                <a:tc>
-                  <a:txBody>
-                    <a:bodyPr/>
-                    <a:lstStyle/>
-                    <a:p>
-                      <a:pPr algn="ctr"/>
-                      <a:r>
-                        <a:rPr lang="en-US" dirty="0"/>
-                        <a:t>0.00</a:t>
-                      </a:r>
-                    </a:p>
-                  </a:txBody>
-                  <a:tcPr anchor="ctr"/>
-                </a:tc>
-                <a:tc>
-                  <a:txBody>
-                    <a:bodyPr/>
-                    <a:lstStyle/>
-                    <a:p>
-                      <a:pPr algn="ctr"/>
-                      <a:r>
-                        <a:rPr lang="en-US" dirty="0"/>
-                        <a:t>0.30</a:t>
-                      </a:r>
-                    </a:p>
-                  </a:txBody>
-                  <a:tcPr anchor="ctr"/>
-                </a:tc>
-                <a:extLst>
-                  <a:ext uri="{0D108BD9-81ED-4DB2-BD59-A6C34878D82A}">
-                    <a16:rowId xmlns:a16="http://schemas.microsoft.com/office/drawing/2014/main" val="71430581"/>
-                  </a:ext>
-                </a:extLst>
-              </a:tr>
-              <a:tr h="429431">
-                <a:tc>
-                  <a:txBody>
-                    <a:bodyPr/>
-                    <a:lstStyle/>
-                    <a:p>
-                      <a:pPr algn="ctr"/>
-                      <a:r>
-                        <a:rPr lang="en-US" dirty="0"/>
-                        <a:t>10</a:t>
-                      </a:r>
-                    </a:p>
-                  </a:txBody>
-                  <a:tcPr anchor="ctr"/>
-                </a:tc>
-                <a:tc>
-                  <a:txBody>
-                    <a:bodyPr/>
-                    <a:lstStyle/>
-                    <a:p>
-                      <a:pPr algn="ctr"/>
-                      <a:r>
-                        <a:rPr lang="en-US" dirty="0"/>
-                        <a:t>0.00</a:t>
-                      </a:r>
-                    </a:p>
-                  </a:txBody>
-                  <a:tcPr anchor="ctr"/>
-                </a:tc>
-                <a:tc>
-                  <a:txBody>
-                    <a:bodyPr/>
-                    <a:lstStyle/>
-                    <a:p>
-                      <a:pPr algn="ctr"/>
-                      <a:r>
-                        <a:rPr lang="en-US" dirty="0"/>
-                        <a:t>0.50</a:t>
-                      </a:r>
-                    </a:p>
-                  </a:txBody>
-                  <a:tcPr anchor="ctr"/>
-                </a:tc>
-                <a:tc>
-                  <a:txBody>
-                    <a:bodyPr/>
-                    <a:lstStyle/>
-                    <a:p>
-                      <a:pPr algn="ctr"/>
-                      <a:r>
-                        <a:rPr lang="en-US" dirty="0"/>
-                        <a:t>0.00</a:t>
-                      </a:r>
-                    </a:p>
-                  </a:txBody>
-                  <a:tcPr anchor="ctr"/>
-                </a:tc>
-                <a:extLst>
-                  <a:ext uri="{0D108BD9-81ED-4DB2-BD59-A6C34878D82A}">
-                    <a16:rowId xmlns:a16="http://schemas.microsoft.com/office/drawing/2014/main" val="1908917307"/>
-                  </a:ext>
-                </a:extLst>
-              </a:tr>
-            </a:tbl>
-          </a:graphicData>
-        </a:graphic>
-      </p:graphicFrame>
-      <mc:AlternateContent xmlns:mc="http://schemas.openxmlformats.org/markup-compatibility/2006">
-        <mc:Choice xmlns:a14="http://schemas.microsoft.com/office/drawing/2010/main" Requires="a14">
-          <p:sp>
-            <p:nvSpPr>
-              <p:cNvPr id="53" name="TextBox 52">
-                <a:extLst>
-                  <a:ext uri="{FF2B5EF4-FFF2-40B4-BE49-F238E27FC236}">
-                    <a16:creationId xmlns:a16="http://schemas.microsoft.com/office/drawing/2014/main" id="{80058823-C312-BA44-BCE1-733AE21FC5C8}"/>
-                  </a:ext>
-                </a:extLst>
-              </p:cNvPr>
-              <p:cNvSpPr txBox="1"/>
-              <p:nvPr/>
-            </p:nvSpPr>
-            <p:spPr>
-              <a:xfrm>
-                <a:off x="8933143" y="1121484"/>
-                <a:ext cx="870431" cy="369332"/>
-              </a:xfrm>
-              <a:prstGeom prst="rect">
-                <a:avLst/>
-              </a:prstGeom>
-              <a:noFill/>
-            </p:spPr>
-            <p:txBody>
-              <a:bodyPr wrap="none" rtlCol="0">
-                <a:spAutoFit/>
-              </a:bodyPr>
-              <a:lstStyle/>
-              <a:p>
-                <a:r>
-                  <a:rPr lang="en-US" dirty="0">
-                    <a:ea typeface="Cambria Math" panose="02040503050406030204" pitchFamily="18" charset="0"/>
-                  </a:rPr>
-                  <a:t>MCF, </a:t>
-                </a:r>
-                <a14:m>
-                  <m:oMath xmlns:m="http://schemas.openxmlformats.org/officeDocument/2006/math">
-                    <m:r>
-                      <a:rPr lang="en-US" i="1" smtClean="0">
-                        <a:latin typeface="Cambria Math" panose="02040503050406030204" pitchFamily="18" charset="0"/>
-                        <a:ea typeface="Cambria Math" panose="02040503050406030204" pitchFamily="18" charset="0"/>
-                      </a:rPr>
-                      <m:t>𝜔</m:t>
-                    </m:r>
-                  </m:oMath>
-                </a14:m>
-                <a:endParaRPr lang="en-US" dirty="0"/>
-              </a:p>
-            </p:txBody>
-          </p:sp>
-        </mc:Choice>
-        <mc:Fallback>
-          <p:sp>
-            <p:nvSpPr>
-              <p:cNvPr id="53" name="TextBox 52">
-                <a:extLst>
-                  <a:ext uri="{FF2B5EF4-FFF2-40B4-BE49-F238E27FC236}">
-                    <a16:creationId xmlns:a16="http://schemas.microsoft.com/office/drawing/2014/main" id="{80058823-C312-BA44-BCE1-733AE21FC5C8}"/>
-                  </a:ext>
-                </a:extLst>
-              </p:cNvPr>
-              <p:cNvSpPr txBox="1">
-                <a:spLocks noRot="1" noChangeAspect="1" noMove="1" noResize="1" noEditPoints="1" noAdjustHandles="1" noChangeArrowheads="1" noChangeShapeType="1" noTextEdit="1"/>
-              </p:cNvSpPr>
-              <p:nvPr/>
-            </p:nvSpPr>
-            <p:spPr>
-              <a:xfrm>
-                <a:off x="8933143" y="1121484"/>
-                <a:ext cx="870431" cy="369332"/>
-              </a:xfrm>
-              <a:prstGeom prst="rect">
-                <a:avLst/>
-              </a:prstGeom>
-              <a:blipFill>
-                <a:blip r:embed="rId2"/>
-                <a:stretch>
-                  <a:fillRect l="-4286" t="-3333" b="-26667"/>
-                </a:stretch>
-              </a:blipFill>
-            </p:spPr>
-            <p:txBody>
-              <a:bodyPr/>
-              <a:lstStyle/>
-              <a:p>
-                <a:r>
-                  <a:rPr lang="en-US">
-                    <a:noFill/>
-                  </a:rPr>
-                  <a:t> </a:t>
-                </a:r>
-              </a:p>
-            </p:txBody>
-          </p:sp>
-        </mc:Fallback>
-      </mc:AlternateContent>
+        </p:nvPicPr>
+        <p:blipFill>
+          <a:blip r:embed="rId2"/>
+          <a:stretch>
+            <a:fillRect/>
+          </a:stretch>
+        </p:blipFill>
+        <p:spPr>
+          <a:xfrm>
+            <a:off x="7464573" y="2222138"/>
+            <a:ext cx="3819709" cy="3083379"/>
+          </a:xfrm>
+          <a:prstGeom prst="rect">
+            <a:avLst/>
+          </a:prstGeom>
+        </p:spPr>
+      </p:pic>
+      <p:sp>
+        <p:nvSpPr>
+          <p:cNvPr id="34" name="Rectangle 33">
+            <a:extLst>
+              <a:ext uri="{FF2B5EF4-FFF2-40B4-BE49-F238E27FC236}">
+                <a16:creationId xmlns:a16="http://schemas.microsoft.com/office/drawing/2014/main" id="{262BE80E-0141-5C44-B193-85830809B054}"/>
+              </a:ext>
+            </a:extLst>
+          </p:cNvPr>
+          <p:cNvSpPr/>
+          <p:nvPr/>
+        </p:nvSpPr>
+        <p:spPr>
+          <a:xfrm>
+            <a:off x="8665632" y="5555680"/>
+            <a:ext cx="1771379" cy="584775"/>
+          </a:xfrm>
+          <a:prstGeom prst="rect">
+            <a:avLst/>
+          </a:prstGeom>
+        </p:spPr>
+        <p:txBody>
+          <a:bodyPr wrap="square">
+            <a:spAutoFit/>
+          </a:bodyPr>
+          <a:lstStyle/>
+          <a:p>
+            <a:pPr algn="ctr"/>
+            <a:r>
+              <a:rPr lang="en-US" sz="1600" dirty="0"/>
+              <a:t>Present in sample if </a:t>
+            </a:r>
+            <a:r>
+              <a:rPr lang="en-US" sz="1600" dirty="0" err="1"/>
+              <a:t>ω</a:t>
+            </a:r>
+            <a:r>
+              <a:rPr lang="en-US" sz="1600" dirty="0"/>
+              <a:t> &gt; 0.01</a:t>
+            </a:r>
+          </a:p>
+        </p:txBody>
+      </p:sp>
+      <p:sp>
+        <p:nvSpPr>
+          <p:cNvPr id="35" name="Rectangle 34">
+            <a:extLst>
+              <a:ext uri="{FF2B5EF4-FFF2-40B4-BE49-F238E27FC236}">
+                <a16:creationId xmlns:a16="http://schemas.microsoft.com/office/drawing/2014/main" id="{754186FC-D0FA-6A48-B8AD-0C0BDB98E04D}"/>
+              </a:ext>
+            </a:extLst>
+          </p:cNvPr>
+          <p:cNvSpPr/>
+          <p:nvPr/>
+        </p:nvSpPr>
+        <p:spPr>
+          <a:xfrm>
+            <a:off x="9487078" y="1673569"/>
+            <a:ext cx="397866" cy="369332"/>
+          </a:xfrm>
+          <a:prstGeom prst="rect">
+            <a:avLst/>
+          </a:prstGeom>
+        </p:spPr>
+        <p:txBody>
+          <a:bodyPr wrap="none">
+            <a:spAutoFit/>
+          </a:bodyPr>
+          <a:lstStyle/>
+          <a:p>
+            <a:r>
+              <a:rPr lang="en-US" dirty="0" err="1"/>
+              <a:t>ω</a:t>
+            </a:r>
+            <a:r>
+              <a:rPr lang="en-US" dirty="0"/>
+              <a:t> </a:t>
+            </a:r>
+          </a:p>
+        </p:txBody>
+      </p:sp>
     </p:spTree>
     <p:extLst>
       <p:ext uri="{BB962C8B-B14F-4D97-AF65-F5344CB8AC3E}">
@@ -18253,854 +17701,6 @@
           </p:sp>
         </p:grpSp>
       </p:grpSp>
-      <p:graphicFrame>
-        <p:nvGraphicFramePr>
-          <p:cNvPr id="52" name="Table 51">
-            <a:extLst>
-              <a:ext uri="{FF2B5EF4-FFF2-40B4-BE49-F238E27FC236}">
-                <a16:creationId xmlns:a16="http://schemas.microsoft.com/office/drawing/2014/main" id="{91CD1738-51E4-AF4B-914D-93DF759BE54A}"/>
-              </a:ext>
-            </a:extLst>
-          </p:cNvPr>
-          <p:cNvGraphicFramePr>
-            <a:graphicFrameLocks noGrp="1"/>
-          </p:cNvGraphicFramePr>
-          <p:nvPr/>
-        </p:nvGraphicFramePr>
-        <p:xfrm>
-          <a:off x="7052972" y="1724343"/>
-          <a:ext cx="4503784" cy="4723741"/>
-        </p:xfrm>
-        <a:graphic>
-          <a:graphicData uri="http://schemas.openxmlformats.org/drawingml/2006/table">
-            <a:tbl>
-              <a:tblPr firstRow="1" bandRow="1">
-                <a:tableStyleId>{3B4B98B0-60AC-42C2-AFA5-B58CD77FA1E5}</a:tableStyleId>
-              </a:tblPr>
-              <a:tblGrid>
-                <a:gridCol w="1125946">
-                  <a:extLst>
-                    <a:ext uri="{9D8B030D-6E8A-4147-A177-3AD203B41FA5}">
-                      <a16:colId xmlns:a16="http://schemas.microsoft.com/office/drawing/2014/main" val="286301458"/>
-                    </a:ext>
-                  </a:extLst>
-                </a:gridCol>
-                <a:gridCol w="1125946">
-                  <a:extLst>
-                    <a:ext uri="{9D8B030D-6E8A-4147-A177-3AD203B41FA5}">
-                      <a16:colId xmlns:a16="http://schemas.microsoft.com/office/drawing/2014/main" val="595609665"/>
-                    </a:ext>
-                  </a:extLst>
-                </a:gridCol>
-                <a:gridCol w="1125946">
-                  <a:extLst>
-                    <a:ext uri="{9D8B030D-6E8A-4147-A177-3AD203B41FA5}">
-                      <a16:colId xmlns:a16="http://schemas.microsoft.com/office/drawing/2014/main" val="4267252284"/>
-                    </a:ext>
-                  </a:extLst>
-                </a:gridCol>
-                <a:gridCol w="1125946">
-                  <a:extLst>
-                    <a:ext uri="{9D8B030D-6E8A-4147-A177-3AD203B41FA5}">
-                      <a16:colId xmlns:a16="http://schemas.microsoft.com/office/drawing/2014/main" val="4163435547"/>
-                    </a:ext>
-                  </a:extLst>
-                </a:gridCol>
-              </a:tblGrid>
-              <a:tr h="429431">
-                <a:tc>
-                  <a:txBody>
-                    <a:bodyPr/>
-                    <a:lstStyle/>
-                    <a:p>
-                      <a:pPr algn="ctr"/>
-                      <a:r>
-                        <a:rPr lang="en-US" dirty="0"/>
-                        <a:t>k</a:t>
-                      </a:r>
-                    </a:p>
-                  </a:txBody>
-                  <a:tcPr anchor="ctr"/>
-                </a:tc>
-                <a:tc>
-                  <a:txBody>
-                    <a:bodyPr/>
-                    <a:lstStyle/>
-                    <a:p>
-                      <a:pPr algn="ctr"/>
-                      <a:r>
-                        <a:rPr lang="en-US" dirty="0"/>
-                        <a:t>S1</a:t>
-                      </a:r>
-                    </a:p>
-                  </a:txBody>
-                  <a:tcPr anchor="ctr"/>
-                </a:tc>
-                <a:tc>
-                  <a:txBody>
-                    <a:bodyPr/>
-                    <a:lstStyle/>
-                    <a:p>
-                      <a:pPr algn="ctr"/>
-                      <a:r>
-                        <a:rPr lang="en-US" dirty="0"/>
-                        <a:t>S2</a:t>
-                      </a:r>
-                    </a:p>
-                  </a:txBody>
-                  <a:tcPr anchor="ctr"/>
-                </a:tc>
-                <a:tc>
-                  <a:txBody>
-                    <a:bodyPr/>
-                    <a:lstStyle/>
-                    <a:p>
-                      <a:pPr algn="ctr"/>
-                      <a:r>
-                        <a:rPr lang="en-US" dirty="0"/>
-                        <a:t>S3</a:t>
-                      </a:r>
-                    </a:p>
-                  </a:txBody>
-                  <a:tcPr anchor="ctr"/>
-                </a:tc>
-                <a:extLst>
-                  <a:ext uri="{0D108BD9-81ED-4DB2-BD59-A6C34878D82A}">
-                    <a16:rowId xmlns:a16="http://schemas.microsoft.com/office/drawing/2014/main" val="1679176997"/>
-                  </a:ext>
-                </a:extLst>
-              </a:tr>
-              <a:tr h="429431">
-                <a:tc>
-                  <a:txBody>
-                    <a:bodyPr/>
-                    <a:lstStyle/>
-                    <a:p>
-                      <a:pPr algn="ctr"/>
-                      <a:r>
-                        <a:rPr lang="en-US" dirty="0"/>
-                        <a:t>1</a:t>
-                      </a:r>
-                    </a:p>
-                  </a:txBody>
-                  <a:tcPr anchor="ctr"/>
-                </a:tc>
-                <a:tc>
-                  <a:txBody>
-                    <a:bodyPr/>
-                    <a:lstStyle/>
-                    <a:p>
-                      <a:pPr algn="ctr"/>
-                      <a:r>
-                        <a:rPr lang="en-US" dirty="0"/>
-                        <a:t>0.98</a:t>
-                      </a:r>
-                    </a:p>
-                  </a:txBody>
-                  <a:tcPr anchor="ctr"/>
-                </a:tc>
-                <a:tc>
-                  <a:txBody>
-                    <a:bodyPr/>
-                    <a:lstStyle/>
-                    <a:p>
-                      <a:pPr algn="ctr"/>
-                      <a:r>
-                        <a:rPr lang="en-US" dirty="0"/>
-                        <a:t>0.99</a:t>
-                      </a:r>
-                    </a:p>
-                  </a:txBody>
-                  <a:tcPr anchor="ctr"/>
-                </a:tc>
-                <a:tc>
-                  <a:txBody>
-                    <a:bodyPr/>
-                    <a:lstStyle/>
-                    <a:p>
-                      <a:pPr algn="ctr"/>
-                      <a:r>
-                        <a:rPr lang="en-US" dirty="0"/>
-                        <a:t>0.97</a:t>
-                      </a:r>
-                    </a:p>
-                  </a:txBody>
-                  <a:tcPr anchor="ctr"/>
-                </a:tc>
-                <a:extLst>
-                  <a:ext uri="{0D108BD9-81ED-4DB2-BD59-A6C34878D82A}">
-                    <a16:rowId xmlns:a16="http://schemas.microsoft.com/office/drawing/2014/main" val="285967674"/>
-                  </a:ext>
-                </a:extLst>
-              </a:tr>
-              <a:tr h="429431">
-                <a:tc>
-                  <a:txBody>
-                    <a:bodyPr/>
-                    <a:lstStyle/>
-                    <a:p>
-                      <a:pPr algn="ctr"/>
-                      <a:r>
-                        <a:rPr lang="en-US" dirty="0"/>
-                        <a:t>2</a:t>
-                      </a:r>
-                    </a:p>
-                  </a:txBody>
-                  <a:tcPr anchor="ctr"/>
-                </a:tc>
-                <a:tc>
-                  <a:txBody>
-                    <a:bodyPr/>
-                    <a:lstStyle/>
-                    <a:p>
-                      <a:pPr algn="ctr"/>
-                      <a:r>
-                        <a:rPr lang="en-US" dirty="0"/>
-                        <a:t>0.98</a:t>
-                      </a:r>
-                    </a:p>
-                  </a:txBody>
-                  <a:tcPr anchor="ctr"/>
-                </a:tc>
-                <a:tc>
-                  <a:txBody>
-                    <a:bodyPr/>
-                    <a:lstStyle/>
-                    <a:p>
-                      <a:pPr algn="ctr"/>
-                      <a:r>
-                        <a:rPr lang="en-US" dirty="0"/>
-                        <a:t>0.90</a:t>
-                      </a:r>
-                    </a:p>
-                  </a:txBody>
-                  <a:tcPr anchor="ctr"/>
-                </a:tc>
-                <a:tc>
-                  <a:txBody>
-                    <a:bodyPr/>
-                    <a:lstStyle/>
-                    <a:p>
-                      <a:pPr algn="ctr"/>
-                      <a:r>
-                        <a:rPr lang="en-US" dirty="0"/>
-                        <a:t>0.82</a:t>
-                      </a:r>
-                    </a:p>
-                  </a:txBody>
-                  <a:tcPr anchor="ctr"/>
-                </a:tc>
-                <a:extLst>
-                  <a:ext uri="{0D108BD9-81ED-4DB2-BD59-A6C34878D82A}">
-                    <a16:rowId xmlns:a16="http://schemas.microsoft.com/office/drawing/2014/main" val="2838646153"/>
-                  </a:ext>
-                </a:extLst>
-              </a:tr>
-              <a:tr h="429431">
-                <a:tc>
-                  <a:txBody>
-                    <a:bodyPr/>
-                    <a:lstStyle/>
-                    <a:p>
-                      <a:pPr algn="ctr"/>
-                      <a:r>
-                        <a:rPr lang="en-US" dirty="0"/>
-                        <a:t>3</a:t>
-                      </a:r>
-                    </a:p>
-                  </a:txBody>
-                  <a:tcPr anchor="ctr"/>
-                </a:tc>
-                <a:tc>
-                  <a:txBody>
-                    <a:bodyPr/>
-                    <a:lstStyle/>
-                    <a:p>
-                      <a:pPr algn="ctr"/>
-                      <a:r>
-                        <a:rPr lang="en-US" dirty="0"/>
-                        <a:t>0.55</a:t>
-                      </a:r>
-                    </a:p>
-                  </a:txBody>
-                  <a:tcPr anchor="ctr"/>
-                </a:tc>
-                <a:tc>
-                  <a:txBody>
-                    <a:bodyPr/>
-                    <a:lstStyle/>
-                    <a:p>
-                      <a:pPr algn="ctr"/>
-                      <a:r>
-                        <a:rPr lang="en-US" dirty="0"/>
-                        <a:t>0.00</a:t>
-                      </a:r>
-                    </a:p>
-                  </a:txBody>
-                  <a:tcPr anchor="ctr"/>
-                </a:tc>
-                <a:tc>
-                  <a:txBody>
-                    <a:bodyPr/>
-                    <a:lstStyle/>
-                    <a:p>
-                      <a:pPr algn="ctr"/>
-                      <a:r>
-                        <a:rPr lang="en-US" dirty="0"/>
-                        <a:t>0.80</a:t>
-                      </a:r>
-                    </a:p>
-                  </a:txBody>
-                  <a:tcPr anchor="ctr"/>
-                </a:tc>
-                <a:extLst>
-                  <a:ext uri="{0D108BD9-81ED-4DB2-BD59-A6C34878D82A}">
-                    <a16:rowId xmlns:a16="http://schemas.microsoft.com/office/drawing/2014/main" val="2211572316"/>
-                  </a:ext>
-                </a:extLst>
-              </a:tr>
-              <a:tr h="429431">
-                <a:tc>
-                  <a:txBody>
-                    <a:bodyPr/>
-                    <a:lstStyle/>
-                    <a:p>
-                      <a:pPr algn="ctr"/>
-                      <a:r>
-                        <a:rPr lang="en-US" dirty="0"/>
-                        <a:t>4</a:t>
-                      </a:r>
-                    </a:p>
-                  </a:txBody>
-                  <a:tcPr anchor="ctr"/>
-                </a:tc>
-                <a:tc>
-                  <a:txBody>
-                    <a:bodyPr/>
-                    <a:lstStyle/>
-                    <a:p>
-                      <a:pPr algn="ctr"/>
-                      <a:r>
-                        <a:rPr lang="en-US" dirty="0"/>
-                        <a:t>0.20</a:t>
-                      </a:r>
-                    </a:p>
-                  </a:txBody>
-                  <a:tcPr anchor="ctr"/>
-                </a:tc>
-                <a:tc>
-                  <a:txBody>
-                    <a:bodyPr/>
-                    <a:lstStyle/>
-                    <a:p>
-                      <a:pPr algn="ctr"/>
-                      <a:r>
-                        <a:rPr lang="en-US" dirty="0"/>
-                        <a:t>0.00</a:t>
-                      </a:r>
-                    </a:p>
-                  </a:txBody>
-                  <a:tcPr anchor="ctr"/>
-                </a:tc>
-                <a:tc>
-                  <a:txBody>
-                    <a:bodyPr/>
-                    <a:lstStyle/>
-                    <a:p>
-                      <a:pPr algn="ctr"/>
-                      <a:r>
-                        <a:rPr lang="en-US" dirty="0"/>
-                        <a:t>0.50</a:t>
-                      </a:r>
-                    </a:p>
-                  </a:txBody>
-                  <a:tcPr anchor="ctr"/>
-                </a:tc>
-                <a:extLst>
-                  <a:ext uri="{0D108BD9-81ED-4DB2-BD59-A6C34878D82A}">
-                    <a16:rowId xmlns:a16="http://schemas.microsoft.com/office/drawing/2014/main" val="4225630878"/>
-                  </a:ext>
-                </a:extLst>
-              </a:tr>
-              <a:tr h="429431">
-                <a:tc>
-                  <a:txBody>
-                    <a:bodyPr/>
-                    <a:lstStyle/>
-                    <a:p>
-                      <a:pPr algn="ctr"/>
-                      <a:r>
-                        <a:rPr lang="en-US" dirty="0"/>
-                        <a:t>5</a:t>
-                      </a:r>
-                    </a:p>
-                  </a:txBody>
-                  <a:tcPr anchor="ctr"/>
-                </a:tc>
-                <a:tc>
-                  <a:txBody>
-                    <a:bodyPr/>
-                    <a:lstStyle/>
-                    <a:p>
-                      <a:pPr algn="ctr"/>
-                      <a:r>
-                        <a:rPr lang="en-US" dirty="0"/>
-                        <a:t>0.30</a:t>
-                      </a:r>
-                    </a:p>
-                  </a:txBody>
-                  <a:tcPr anchor="ctr"/>
-                </a:tc>
-                <a:tc>
-                  <a:txBody>
-                    <a:bodyPr/>
-                    <a:lstStyle/>
-                    <a:p>
-                      <a:pPr algn="ctr"/>
-                      <a:r>
-                        <a:rPr lang="en-US" dirty="0"/>
-                        <a:t>0.00</a:t>
-                      </a:r>
-                    </a:p>
-                  </a:txBody>
-                  <a:tcPr anchor="ctr"/>
-                </a:tc>
-                <a:tc>
-                  <a:txBody>
-                    <a:bodyPr/>
-                    <a:lstStyle/>
-                    <a:p>
-                      <a:pPr algn="ctr"/>
-                      <a:r>
-                        <a:rPr lang="en-US" dirty="0"/>
-                        <a:t>0.30</a:t>
-                      </a:r>
-                    </a:p>
-                  </a:txBody>
-                  <a:tcPr anchor="ctr"/>
-                </a:tc>
-                <a:extLst>
-                  <a:ext uri="{0D108BD9-81ED-4DB2-BD59-A6C34878D82A}">
-                    <a16:rowId xmlns:a16="http://schemas.microsoft.com/office/drawing/2014/main" val="2938326167"/>
-                  </a:ext>
-                </a:extLst>
-              </a:tr>
-              <a:tr h="429431">
-                <a:tc>
-                  <a:txBody>
-                    <a:bodyPr/>
-                    <a:lstStyle/>
-                    <a:p>
-                      <a:pPr algn="ctr"/>
-                      <a:r>
-                        <a:rPr lang="en-US" dirty="0"/>
-                        <a:t>6</a:t>
-                      </a:r>
-                    </a:p>
-                  </a:txBody>
-                  <a:tcPr anchor="ctr"/>
-                </a:tc>
-                <a:tc>
-                  <a:txBody>
-                    <a:bodyPr/>
-                    <a:lstStyle/>
-                    <a:p>
-                      <a:pPr algn="ctr"/>
-                      <a:r>
-                        <a:rPr lang="en-US" dirty="0"/>
-                        <a:t>0.43</a:t>
-                      </a:r>
-                    </a:p>
-                  </a:txBody>
-                  <a:tcPr anchor="ctr"/>
-                </a:tc>
-                <a:tc>
-                  <a:txBody>
-                    <a:bodyPr/>
-                    <a:lstStyle/>
-                    <a:p>
-                      <a:pPr algn="ctr"/>
-                      <a:r>
-                        <a:rPr lang="en-US" dirty="0"/>
-                        <a:t>0.90</a:t>
-                      </a:r>
-                    </a:p>
-                  </a:txBody>
-                  <a:tcPr anchor="ctr"/>
-                </a:tc>
-                <a:tc>
-                  <a:txBody>
-                    <a:bodyPr/>
-                    <a:lstStyle/>
-                    <a:p>
-                      <a:pPr algn="ctr"/>
-                      <a:r>
-                        <a:rPr lang="en-US" dirty="0"/>
-                        <a:t>0.00</a:t>
-                      </a:r>
-                    </a:p>
-                  </a:txBody>
-                  <a:tcPr anchor="ctr"/>
-                </a:tc>
-                <a:extLst>
-                  <a:ext uri="{0D108BD9-81ED-4DB2-BD59-A6C34878D82A}">
-                    <a16:rowId xmlns:a16="http://schemas.microsoft.com/office/drawing/2014/main" val="1662899571"/>
-                  </a:ext>
-                </a:extLst>
-              </a:tr>
-              <a:tr h="429431">
-                <a:tc>
-                  <a:txBody>
-                    <a:bodyPr/>
-                    <a:lstStyle/>
-                    <a:p>
-                      <a:pPr algn="ctr"/>
-                      <a:r>
-                        <a:rPr lang="en-US" dirty="0"/>
-                        <a:t>7</a:t>
-                      </a:r>
-                    </a:p>
-                  </a:txBody>
-                  <a:tcPr anchor="ctr"/>
-                </a:tc>
-                <a:tc>
-                  <a:txBody>
-                    <a:bodyPr/>
-                    <a:lstStyle/>
-                    <a:p>
-                      <a:pPr algn="ctr"/>
-                      <a:r>
-                        <a:rPr lang="en-US" dirty="0"/>
-                        <a:t>0.30</a:t>
-                      </a:r>
-                    </a:p>
-                  </a:txBody>
-                  <a:tcPr anchor="ctr"/>
-                </a:tc>
-                <a:tc>
-                  <a:txBody>
-                    <a:bodyPr/>
-                    <a:lstStyle/>
-                    <a:p>
-                      <a:pPr algn="ctr"/>
-                      <a:r>
-                        <a:rPr lang="en-US" dirty="0"/>
-                        <a:t>0.70</a:t>
-                      </a:r>
-                    </a:p>
-                  </a:txBody>
-                  <a:tcPr anchor="ctr"/>
-                </a:tc>
-                <a:tc>
-                  <a:txBody>
-                    <a:bodyPr/>
-                    <a:lstStyle/>
-                    <a:p>
-                      <a:pPr algn="ctr"/>
-                      <a:r>
-                        <a:rPr lang="en-US" dirty="0"/>
-                        <a:t>0.00</a:t>
-                      </a:r>
-                    </a:p>
-                  </a:txBody>
-                  <a:tcPr anchor="ctr"/>
-                </a:tc>
-                <a:extLst>
-                  <a:ext uri="{0D108BD9-81ED-4DB2-BD59-A6C34878D82A}">
-                    <a16:rowId xmlns:a16="http://schemas.microsoft.com/office/drawing/2014/main" val="4035794437"/>
-                  </a:ext>
-                </a:extLst>
-              </a:tr>
-              <a:tr h="429431">
-                <a:tc>
-                  <a:txBody>
-                    <a:bodyPr/>
-                    <a:lstStyle/>
-                    <a:p>
-                      <a:pPr algn="ctr"/>
-                      <a:r>
-                        <a:rPr lang="en-US" dirty="0"/>
-                        <a:t>8</a:t>
-                      </a:r>
-                    </a:p>
-                  </a:txBody>
-                  <a:tcPr anchor="ctr"/>
-                </a:tc>
-                <a:tc>
-                  <a:txBody>
-                    <a:bodyPr/>
-                    <a:lstStyle/>
-                    <a:p>
-                      <a:pPr algn="ctr"/>
-                      <a:r>
-                        <a:rPr lang="en-US" dirty="0"/>
-                        <a:t>0.20</a:t>
-                      </a:r>
-                    </a:p>
-                  </a:txBody>
-                  <a:tcPr anchor="ctr"/>
-                </a:tc>
-                <a:tc>
-                  <a:txBody>
-                    <a:bodyPr/>
-                    <a:lstStyle/>
-                    <a:p>
-                      <a:pPr algn="ctr"/>
-                      <a:r>
-                        <a:rPr lang="en-US" dirty="0"/>
-                        <a:t>0.00</a:t>
-                      </a:r>
-                    </a:p>
-                  </a:txBody>
-                  <a:tcPr anchor="ctr"/>
-                </a:tc>
-                <a:tc>
-                  <a:txBody>
-                    <a:bodyPr/>
-                    <a:lstStyle/>
-                    <a:p>
-                      <a:pPr algn="ctr"/>
-                      <a:r>
-                        <a:rPr lang="en-US" dirty="0"/>
-                        <a:t>0.00</a:t>
-                      </a:r>
-                    </a:p>
-                  </a:txBody>
-                  <a:tcPr anchor="ctr"/>
-                </a:tc>
-                <a:extLst>
-                  <a:ext uri="{0D108BD9-81ED-4DB2-BD59-A6C34878D82A}">
-                    <a16:rowId xmlns:a16="http://schemas.microsoft.com/office/drawing/2014/main" val="2502484083"/>
-                  </a:ext>
-                </a:extLst>
-              </a:tr>
-              <a:tr h="429431">
-                <a:tc>
-                  <a:txBody>
-                    <a:bodyPr/>
-                    <a:lstStyle/>
-                    <a:p>
-                      <a:pPr algn="ctr"/>
-                      <a:r>
-                        <a:rPr lang="en-US" dirty="0"/>
-                        <a:t>9</a:t>
-                      </a:r>
-                    </a:p>
-                  </a:txBody>
-                  <a:tcPr anchor="ctr"/>
-                </a:tc>
-                <a:tc>
-                  <a:txBody>
-                    <a:bodyPr/>
-                    <a:lstStyle/>
-                    <a:p>
-                      <a:pPr algn="ctr"/>
-                      <a:r>
-                        <a:rPr lang="en-US" dirty="0"/>
-                        <a:t>0.00</a:t>
-                      </a:r>
-                    </a:p>
-                  </a:txBody>
-                  <a:tcPr anchor="ctr"/>
-                </a:tc>
-                <a:tc>
-                  <a:txBody>
-                    <a:bodyPr/>
-                    <a:lstStyle/>
-                    <a:p>
-                      <a:pPr algn="ctr"/>
-                      <a:r>
-                        <a:rPr lang="en-US" dirty="0"/>
-                        <a:t>0.00</a:t>
-                      </a:r>
-                    </a:p>
-                  </a:txBody>
-                  <a:tcPr anchor="ctr"/>
-                </a:tc>
-                <a:tc>
-                  <a:txBody>
-                    <a:bodyPr/>
-                    <a:lstStyle/>
-                    <a:p>
-                      <a:pPr algn="ctr"/>
-                      <a:r>
-                        <a:rPr lang="en-US" dirty="0"/>
-                        <a:t>0.30</a:t>
-                      </a:r>
-                    </a:p>
-                  </a:txBody>
-                  <a:tcPr anchor="ctr"/>
-                </a:tc>
-                <a:extLst>
-                  <a:ext uri="{0D108BD9-81ED-4DB2-BD59-A6C34878D82A}">
-                    <a16:rowId xmlns:a16="http://schemas.microsoft.com/office/drawing/2014/main" val="71430581"/>
-                  </a:ext>
-                </a:extLst>
-              </a:tr>
-              <a:tr h="429431">
-                <a:tc>
-                  <a:txBody>
-                    <a:bodyPr/>
-                    <a:lstStyle/>
-                    <a:p>
-                      <a:pPr algn="ctr"/>
-                      <a:r>
-                        <a:rPr lang="en-US" dirty="0"/>
-                        <a:t>10</a:t>
-                      </a:r>
-                    </a:p>
-                  </a:txBody>
-                  <a:tcPr anchor="ctr"/>
-                </a:tc>
-                <a:tc>
-                  <a:txBody>
-                    <a:bodyPr/>
-                    <a:lstStyle/>
-                    <a:p>
-                      <a:pPr algn="ctr"/>
-                      <a:r>
-                        <a:rPr lang="en-US" dirty="0"/>
-                        <a:t>0.00</a:t>
-                      </a:r>
-                    </a:p>
-                  </a:txBody>
-                  <a:tcPr anchor="ctr"/>
-                </a:tc>
-                <a:tc>
-                  <a:txBody>
-                    <a:bodyPr/>
-                    <a:lstStyle/>
-                    <a:p>
-                      <a:pPr algn="ctr"/>
-                      <a:r>
-                        <a:rPr lang="en-US" dirty="0"/>
-                        <a:t>0.50</a:t>
-                      </a:r>
-                    </a:p>
-                  </a:txBody>
-                  <a:tcPr anchor="ctr"/>
-                </a:tc>
-                <a:tc>
-                  <a:txBody>
-                    <a:bodyPr/>
-                    <a:lstStyle/>
-                    <a:p>
-                      <a:pPr algn="ctr"/>
-                      <a:r>
-                        <a:rPr lang="en-US" dirty="0"/>
-                        <a:t>0.00</a:t>
-                      </a:r>
-                    </a:p>
-                  </a:txBody>
-                  <a:tcPr anchor="ctr"/>
-                </a:tc>
-                <a:extLst>
-                  <a:ext uri="{0D108BD9-81ED-4DB2-BD59-A6C34878D82A}">
-                    <a16:rowId xmlns:a16="http://schemas.microsoft.com/office/drawing/2014/main" val="1908917307"/>
-                  </a:ext>
-                </a:extLst>
-              </a:tr>
-            </a:tbl>
-          </a:graphicData>
-        </a:graphic>
-      </p:graphicFrame>
-      <mc:AlternateContent xmlns:mc="http://schemas.openxmlformats.org/markup-compatibility/2006">
-        <mc:Choice xmlns:a14="http://schemas.microsoft.com/office/drawing/2010/main" Requires="a14">
-          <p:sp>
-            <p:nvSpPr>
-              <p:cNvPr id="53" name="TextBox 52">
-                <a:extLst>
-                  <a:ext uri="{FF2B5EF4-FFF2-40B4-BE49-F238E27FC236}">
-                    <a16:creationId xmlns:a16="http://schemas.microsoft.com/office/drawing/2014/main" id="{80058823-C312-BA44-BCE1-733AE21FC5C8}"/>
-                  </a:ext>
-                </a:extLst>
-              </p:cNvPr>
-              <p:cNvSpPr txBox="1"/>
-              <p:nvPr/>
-            </p:nvSpPr>
-            <p:spPr>
-              <a:xfrm>
-                <a:off x="8933143" y="1121484"/>
-                <a:ext cx="870431" cy="369332"/>
-              </a:xfrm>
-              <a:prstGeom prst="rect">
-                <a:avLst/>
-              </a:prstGeom>
-              <a:noFill/>
-            </p:spPr>
-            <p:txBody>
-              <a:bodyPr wrap="none" rtlCol="0">
-                <a:spAutoFit/>
-              </a:bodyPr>
-              <a:lstStyle/>
-              <a:p>
-                <a:r>
-                  <a:rPr lang="en-US" dirty="0">
-                    <a:ea typeface="Cambria Math" panose="02040503050406030204" pitchFamily="18" charset="0"/>
-                  </a:rPr>
-                  <a:t>MCF, </a:t>
-                </a:r>
-                <a14:m>
-                  <m:oMath xmlns:m="http://schemas.openxmlformats.org/officeDocument/2006/math">
-                    <m:r>
-                      <a:rPr lang="en-US" i="1" smtClean="0">
-                        <a:latin typeface="Cambria Math" panose="02040503050406030204" pitchFamily="18" charset="0"/>
-                        <a:ea typeface="Cambria Math" panose="02040503050406030204" pitchFamily="18" charset="0"/>
-                      </a:rPr>
-                      <m:t>𝜔</m:t>
-                    </m:r>
-                  </m:oMath>
-                </a14:m>
-                <a:endParaRPr lang="en-US" dirty="0"/>
-              </a:p>
-            </p:txBody>
-          </p:sp>
-        </mc:Choice>
-        <mc:Fallback>
-          <p:sp>
-            <p:nvSpPr>
-              <p:cNvPr id="53" name="TextBox 52">
-                <a:extLst>
-                  <a:ext uri="{FF2B5EF4-FFF2-40B4-BE49-F238E27FC236}">
-                    <a16:creationId xmlns:a16="http://schemas.microsoft.com/office/drawing/2014/main" id="{80058823-C312-BA44-BCE1-733AE21FC5C8}"/>
-                  </a:ext>
-                </a:extLst>
-              </p:cNvPr>
-              <p:cNvSpPr txBox="1">
-                <a:spLocks noRot="1" noChangeAspect="1" noMove="1" noResize="1" noEditPoints="1" noAdjustHandles="1" noChangeArrowheads="1" noChangeShapeType="1" noTextEdit="1"/>
-              </p:cNvSpPr>
-              <p:nvPr/>
-            </p:nvSpPr>
-            <p:spPr>
-              <a:xfrm>
-                <a:off x="8933143" y="1121484"/>
-                <a:ext cx="870431" cy="369332"/>
-              </a:xfrm>
-              <a:prstGeom prst="rect">
-                <a:avLst/>
-              </a:prstGeom>
-              <a:blipFill>
-                <a:blip r:embed="rId2"/>
-                <a:stretch>
-                  <a:fillRect l="-4286" t="-3333" b="-26667"/>
-                </a:stretch>
-              </a:blipFill>
-            </p:spPr>
-            <p:txBody>
-              <a:bodyPr/>
-              <a:lstStyle/>
-              <a:p>
-                <a:r>
-                  <a:rPr lang="en-US">
-                    <a:noFill/>
-                  </a:rPr>
-                  <a:t> </a:t>
-                </a:r>
-              </a:p>
-            </p:txBody>
-          </p:sp>
-        </mc:Fallback>
-      </mc:AlternateContent>
       <p:cxnSp>
         <p:nvCxnSpPr>
           <p:cNvPr id="21" name="Straight Connector 20">
@@ -19185,6 +17785,117 @@
           </a:fontRef>
         </p:style>
       </p:cxnSp>
+      <p:pic>
+        <p:nvPicPr>
+          <p:cNvPr id="36" name="Picture 35">
+            <a:extLst>
+              <a:ext uri="{FF2B5EF4-FFF2-40B4-BE49-F238E27FC236}">
+                <a16:creationId xmlns:a16="http://schemas.microsoft.com/office/drawing/2014/main" id="{E444F3C1-9D25-6D4A-9E45-17FF5F21C053}"/>
+              </a:ext>
+            </a:extLst>
+          </p:cNvPr>
+          <p:cNvPicPr>
+            <a:picLocks noChangeAspect="1"/>
+          </p:cNvPicPr>
+          <p:nvPr/>
+        </p:nvPicPr>
+        <p:blipFill>
+          <a:blip r:embed="rId2"/>
+          <a:stretch>
+            <a:fillRect/>
+          </a:stretch>
+        </p:blipFill>
+        <p:spPr>
+          <a:xfrm>
+            <a:off x="7464573" y="2222138"/>
+            <a:ext cx="3819709" cy="3083379"/>
+          </a:xfrm>
+          <a:prstGeom prst="rect">
+            <a:avLst/>
+          </a:prstGeom>
+        </p:spPr>
+      </p:pic>
+      <p:sp>
+        <p:nvSpPr>
+          <p:cNvPr id="38" name="Rectangle 37">
+            <a:extLst>
+              <a:ext uri="{FF2B5EF4-FFF2-40B4-BE49-F238E27FC236}">
+                <a16:creationId xmlns:a16="http://schemas.microsoft.com/office/drawing/2014/main" id="{5EDC8701-366F-B647-A983-6B0D86B0FF36}"/>
+              </a:ext>
+            </a:extLst>
+          </p:cNvPr>
+          <p:cNvSpPr/>
+          <p:nvPr/>
+        </p:nvSpPr>
+        <p:spPr>
+          <a:xfrm>
+            <a:off x="8665632" y="5555680"/>
+            <a:ext cx="1771379" cy="584775"/>
+          </a:xfrm>
+          <a:prstGeom prst="rect">
+            <a:avLst/>
+          </a:prstGeom>
+        </p:spPr>
+        <p:txBody>
+          <a:bodyPr wrap="square">
+            <a:spAutoFit/>
+          </a:bodyPr>
+          <a:lstStyle/>
+          <a:p>
+            <a:pPr algn="ctr"/>
+            <a:r>
+              <a:rPr lang="en-US" sz="1600" dirty="0"/>
+              <a:t>Present in sample if </a:t>
+            </a:r>
+            <a:r>
+              <a:rPr lang="en-US" sz="1600" dirty="0" err="1"/>
+              <a:t>ω</a:t>
+            </a:r>
+            <a:r>
+              <a:rPr lang="en-US" sz="1600" dirty="0"/>
+              <a:t> &gt; 0.01</a:t>
+            </a:r>
+          </a:p>
+        </p:txBody>
+      </p:sp>
+      <p:sp>
+        <p:nvSpPr>
+          <p:cNvPr id="39" name="Rectangle 38">
+            <a:extLst>
+              <a:ext uri="{FF2B5EF4-FFF2-40B4-BE49-F238E27FC236}">
+                <a16:creationId xmlns:a16="http://schemas.microsoft.com/office/drawing/2014/main" id="{4418C1D6-52D7-CA40-9329-29854E9D2AFB}"/>
+              </a:ext>
+            </a:extLst>
+          </p:cNvPr>
+          <p:cNvSpPr/>
+          <p:nvPr/>
+        </p:nvSpPr>
+        <p:spPr>
+          <a:xfrm>
+            <a:off x="9487078" y="1673569"/>
+            <a:ext cx="397866" cy="369332"/>
+          </a:xfrm>
+          <a:prstGeom prst="rect">
+            <a:avLst/>
+          </a:prstGeom>
+        </p:spPr>
+        <p:txBody>
+          <a:bodyPr wrap="none">
+            <a:spAutoFit/>
+          </a:bodyPr>
+          <a:lstStyle/>
+          <a:p>
+            <a:r>
+              <a:rPr lang="en-US" dirty="0" err="1"/>
+              <a:t>ω</a:t>
+            </a:r>
+            <a:r>
+              <a:rPr lang="en-US" dirty="0"/>
+              <a:t> </a:t>
+            </a:r>
+          </a:p>
+        </p:txBody>
+      </p:sp>
     </p:spTree>
     <p:extLst>
       <p:ext uri="{BB962C8B-B14F-4D97-AF65-F5344CB8AC3E}">
@@ -20257,7 +18968,7 @@
                     <a:lstStyle/>
                     <a:p>
                       <a:pPr algn="ctr"/>
-                      <a:endParaRPr lang="en-US" sz="1600"/>
+                      <a:endParaRPr lang="en-US" sz="1600" dirty="0"/>
                     </a:p>
                   </a:txBody>
                   <a:tcPr anchor="ctr"/>
@@ -21819,7 +20530,7 @@
           <a:p>
             <a:r>
               <a:rPr lang="en-US" sz="2800" dirty="0"/>
-              <a:t>Adjacency matrix – restraints</a:t>
+              <a:t>Adjacency matrix – construct base with restraints</a:t>
             </a:r>
           </a:p>
         </p:txBody>
@@ -21995,7 +20706,7 @@
           <a:p>
             <a:r>
               <a:rPr lang="en-US" sz="2800" dirty="0"/>
-              <a:t>Adjacency matrix – restraints</a:t>
+              <a:t>Adjacency matrix – construct base with restraints</a:t>
             </a:r>
           </a:p>
         </p:txBody>
@@ -24599,7 +23310,7 @@
         <p:spPr>
           <a:xfrm>
             <a:off x="942370" y="1459734"/>
-            <a:ext cx="6870541" cy="400110"/>
+            <a:ext cx="6870541" cy="707886"/>
           </a:xfrm>
           <a:prstGeom prst="rect">
             <a:avLst/>
@@ -24612,13 +23323,23 @@
           </a:bodyPr>
           <a:lstStyle/>
           <a:p>
-            <a:pPr marL="342900" indent="-342900" algn="ctr">
+            <a:pPr marL="342900" indent="-342900">
               <a:buFont typeface="Arial" panose="020B0604020202020204" pitchFamily="34" charset="0"/>
               <a:buChar char="•"/>
             </a:pPr>
             <a:r>
               <a:rPr lang="en-US" sz="2000" dirty="0"/>
               <a:t>Randomly assign 1 to a possible position in each column</a:t>
+            </a:r>
+          </a:p>
+          <a:p>
+            <a:pPr marL="342900" indent="-342900">
+              <a:buFont typeface="Arial" panose="020B0604020202020204" pitchFamily="34" charset="0"/>
+              <a:buChar char="•"/>
+            </a:pPr>
+            <a:r>
+              <a:rPr lang="en-US" sz="2000" dirty="0"/>
+              <a:t>First row (root) must have at least one 1</a:t>
             </a:r>
           </a:p>
         </p:txBody>

--- a/v6/figs/test-data-1.pptx
+++ b/v6/figs/test-data-1.pptx
@@ -19,8 +19,8 @@
     <p:sldId id="263" r:id="rId10"/>
     <p:sldId id="264" r:id="rId11"/>
     <p:sldId id="303" r:id="rId12"/>
-    <p:sldId id="304" r:id="rId13"/>
-    <p:sldId id="265" r:id="rId14"/>
+    <p:sldId id="265" r:id="rId13"/>
+    <p:sldId id="304" r:id="rId14"/>
     <p:sldId id="259" r:id="rId15"/>
   </p:sldIdLst>
   <p:sldSz cx="12192000" cy="6858000"/>
@@ -210,7 +210,7 @@
           <a:p>
             <a:fld id="{EC31AA79-2A63-0748-AE4B-D95685E6F187}" type="datetimeFigureOut">
               <a:rPr lang="en-US" smtClean="0"/>
-              <a:t>1/28/20</a:t>
+              <a:t>1/29/20</a:t>
             </a:fld>
             <a:endParaRPr lang="en-US"/>
           </a:p>
@@ -542,7 +542,7 @@
           <a:p>
             <a:fld id="{60F08843-5D9D-DF49-9D10-2C26011B823A}" type="slidenum">
               <a:rPr lang="en-US" smtClean="0"/>
-              <a:t>12</a:t>
+              <a:t>13</a:t>
             </a:fld>
             <a:endParaRPr lang="en-US"/>
           </a:p>
@@ -708,7 +708,7 @@
           <a:p>
             <a:fld id="{61B16F4C-C331-6548-96FB-81D0C6C1BA52}" type="datetimeFigureOut">
               <a:rPr lang="en-US" smtClean="0"/>
-              <a:t>1/28/20</a:t>
+              <a:t>1/29/20</a:t>
             </a:fld>
             <a:endParaRPr lang="en-US"/>
           </a:p>
@@ -906,7 +906,7 @@
           <a:p>
             <a:fld id="{61B16F4C-C331-6548-96FB-81D0C6C1BA52}" type="datetimeFigureOut">
               <a:rPr lang="en-US" smtClean="0"/>
-              <a:t>1/28/20</a:t>
+              <a:t>1/29/20</a:t>
             </a:fld>
             <a:endParaRPr lang="en-US"/>
           </a:p>
@@ -1114,7 +1114,7 @@
           <a:p>
             <a:fld id="{61B16F4C-C331-6548-96FB-81D0C6C1BA52}" type="datetimeFigureOut">
               <a:rPr lang="en-US" smtClean="0"/>
-              <a:t>1/28/20</a:t>
+              <a:t>1/29/20</a:t>
             </a:fld>
             <a:endParaRPr lang="en-US"/>
           </a:p>
@@ -1312,7 +1312,7 @@
           <a:p>
             <a:fld id="{61B16F4C-C331-6548-96FB-81D0C6C1BA52}" type="datetimeFigureOut">
               <a:rPr lang="en-US" smtClean="0"/>
-              <a:t>1/28/20</a:t>
+              <a:t>1/29/20</a:t>
             </a:fld>
             <a:endParaRPr lang="en-US"/>
           </a:p>
@@ -1587,7 +1587,7 @@
           <a:p>
             <a:fld id="{61B16F4C-C331-6548-96FB-81D0C6C1BA52}" type="datetimeFigureOut">
               <a:rPr lang="en-US" smtClean="0"/>
-              <a:t>1/28/20</a:t>
+              <a:t>1/29/20</a:t>
             </a:fld>
             <a:endParaRPr lang="en-US"/>
           </a:p>
@@ -1852,7 +1852,7 @@
           <a:p>
             <a:fld id="{61B16F4C-C331-6548-96FB-81D0C6C1BA52}" type="datetimeFigureOut">
               <a:rPr lang="en-US" smtClean="0"/>
-              <a:t>1/28/20</a:t>
+              <a:t>1/29/20</a:t>
             </a:fld>
             <a:endParaRPr lang="en-US"/>
           </a:p>
@@ -2264,7 +2264,7 @@
           <a:p>
             <a:fld id="{61B16F4C-C331-6548-96FB-81D0C6C1BA52}" type="datetimeFigureOut">
               <a:rPr lang="en-US" smtClean="0"/>
-              <a:t>1/28/20</a:t>
+              <a:t>1/29/20</a:t>
             </a:fld>
             <a:endParaRPr lang="en-US"/>
           </a:p>
@@ -2405,7 +2405,7 @@
           <a:p>
             <a:fld id="{61B16F4C-C331-6548-96FB-81D0C6C1BA52}" type="datetimeFigureOut">
               <a:rPr lang="en-US" smtClean="0"/>
-              <a:t>1/28/20</a:t>
+              <a:t>1/29/20</a:t>
             </a:fld>
             <a:endParaRPr lang="en-US"/>
           </a:p>
@@ -2518,7 +2518,7 @@
           <a:p>
             <a:fld id="{61B16F4C-C331-6548-96FB-81D0C6C1BA52}" type="datetimeFigureOut">
               <a:rPr lang="en-US" smtClean="0"/>
-              <a:t>1/28/20</a:t>
+              <a:t>1/29/20</a:t>
             </a:fld>
             <a:endParaRPr lang="en-US"/>
           </a:p>
@@ -2829,7 +2829,7 @@
           <a:p>
             <a:fld id="{61B16F4C-C331-6548-96FB-81D0C6C1BA52}" type="datetimeFigureOut">
               <a:rPr lang="en-US" smtClean="0"/>
-              <a:t>1/28/20</a:t>
+              <a:t>1/29/20</a:t>
             </a:fld>
             <a:endParaRPr lang="en-US"/>
           </a:p>
@@ -3117,7 +3117,7 @@
           <a:p>
             <a:fld id="{61B16F4C-C331-6548-96FB-81D0C6C1BA52}" type="datetimeFigureOut">
               <a:rPr lang="en-US" smtClean="0"/>
-              <a:t>1/28/20</a:t>
+              <a:t>1/29/20</a:t>
             </a:fld>
             <a:endParaRPr lang="en-US"/>
           </a:p>
@@ -3358,7 +3358,7 @@
           <a:p>
             <a:fld id="{61B16F4C-C331-6548-96FB-81D0C6C1BA52}" type="datetimeFigureOut">
               <a:rPr lang="en-US" smtClean="0"/>
-              <a:t>1/28/20</a:t>
+              <a:t>1/29/20</a:t>
             </a:fld>
             <a:endParaRPr lang="en-US"/>
           </a:p>
@@ -6177,6 +6177,71 @@
           <a:chExt cx="0" cy="0"/>
         </a:xfrm>
       </p:grpSpPr>
+      <p:sp>
+        <p:nvSpPr>
+          <p:cNvPr id="2" name="Title 1">
+            <a:extLst>
+              <a:ext uri="{FF2B5EF4-FFF2-40B4-BE49-F238E27FC236}">
+                <a16:creationId xmlns:a16="http://schemas.microsoft.com/office/drawing/2014/main" id="{085B9FC7-B83C-6D45-9658-A1E39C6535DC}"/>
+              </a:ext>
+            </a:extLst>
+          </p:cNvPr>
+          <p:cNvSpPr>
+            <a:spLocks noGrp="1"/>
+          </p:cNvSpPr>
+          <p:nvPr>
+            <p:ph type="title"/>
+          </p:nvPr>
+        </p:nvSpPr>
+        <p:spPr>
+          <a:xfrm>
+            <a:off x="838200" y="343860"/>
+            <a:ext cx="10515600" cy="517377"/>
+          </a:xfrm>
+        </p:spPr>
+        <p:txBody>
+          <a:bodyPr>
+            <a:noAutofit/>
+          </a:bodyPr>
+          <a:lstStyle/>
+          <a:p>
+            <a:r>
+              <a:rPr lang="en-US" sz="2800" dirty="0"/>
+              <a:t>Adjacency matrix – scoring</a:t>
+            </a:r>
+          </a:p>
+        </p:txBody>
+      </p:sp>
+    </p:spTree>
+    <p:extLst>
+      <p:ext uri="{BB962C8B-B14F-4D97-AF65-F5344CB8AC3E}">
+        <p14:creationId xmlns:p14="http://schemas.microsoft.com/office/powerpoint/2010/main" val="894531052"/>
+      </p:ext>
+    </p:extLst>
+  </p:cSld>
+  <p:clrMapOvr>
+    <a:masterClrMapping/>
+  </p:clrMapOvr>
+</p:sld>
+</file>
+
+<file path=ppt/slides/slide13.xml><?xml version="1.0" encoding="utf-8"?>
+<p:sld xmlns:a="http://schemas.openxmlformats.org/drawingml/2006/main" xmlns:r="http://schemas.openxmlformats.org/officeDocument/2006/relationships" xmlns:p="http://schemas.openxmlformats.org/presentationml/2006/main">
+  <p:cSld>
+    <p:spTree>
+      <p:nvGrpSpPr>
+        <p:cNvPr id="1" name=""/>
+        <p:cNvGrpSpPr/>
+        <p:nvPr/>
+      </p:nvGrpSpPr>
+      <p:grpSpPr>
+        <a:xfrm>
+          <a:off x="0" y="0"/>
+          <a:ext cx="0" cy="0"/>
+          <a:chOff x="0" y="0"/>
+          <a:chExt cx="0" cy="0"/>
+        </a:xfrm>
+      </p:grpSpPr>
       <p:pic>
         <p:nvPicPr>
           <p:cNvPr id="6" name="Picture 5">
@@ -6350,36 +6415,6 @@
           </p:txBody>
         </p:sp>
       </p:grpSp>
-      <p:pic>
-        <p:nvPicPr>
-          <p:cNvPr id="11" name="Picture 10">
-            <a:extLst>
-              <a:ext uri="{FF2B5EF4-FFF2-40B4-BE49-F238E27FC236}">
-                <a16:creationId xmlns:a16="http://schemas.microsoft.com/office/drawing/2014/main" id="{7CD71237-8267-4A43-AE2C-C199208EC15E}"/>
-              </a:ext>
-            </a:extLst>
-          </p:cNvPr>
-          <p:cNvPicPr>
-            <a:picLocks noChangeAspect="1"/>
-          </p:cNvPicPr>
-          <p:nvPr/>
-        </p:nvPicPr>
-        <p:blipFill>
-          <a:blip r:embed="rId5"/>
-          <a:stretch>
-            <a:fillRect/>
-          </a:stretch>
-        </p:blipFill>
-        <p:spPr>
-          <a:xfrm>
-            <a:off x="3253818" y="1548710"/>
-            <a:ext cx="4994192" cy="2447485"/>
-          </a:xfrm>
-          <a:prstGeom prst="rect">
-            <a:avLst/>
-          </a:prstGeom>
-        </p:spPr>
-      </p:pic>
     </p:spTree>
     <p:extLst>
       <p:ext uri="{BB962C8B-B14F-4D97-AF65-F5344CB8AC3E}">
@@ -6393,73 +6428,8 @@
 </p:sld>
 </file>
 
-<file path=ppt/slides/slide13.xml><?xml version="1.0" encoding="utf-8"?>
+<file path=ppt/slides/slide14.xml><?xml version="1.0" encoding="utf-8"?>
 <p:sld xmlns:a="http://schemas.openxmlformats.org/drawingml/2006/main" xmlns:r="http://schemas.openxmlformats.org/officeDocument/2006/relationships" xmlns:p="http://schemas.openxmlformats.org/presentationml/2006/main">
-  <p:cSld>
-    <p:spTree>
-      <p:nvGrpSpPr>
-        <p:cNvPr id="1" name=""/>
-        <p:cNvGrpSpPr/>
-        <p:nvPr/>
-      </p:nvGrpSpPr>
-      <p:grpSpPr>
-        <a:xfrm>
-          <a:off x="0" y="0"/>
-          <a:ext cx="0" cy="0"/>
-          <a:chOff x="0" y="0"/>
-          <a:chExt cx="0" cy="0"/>
-        </a:xfrm>
-      </p:grpSpPr>
-      <p:sp>
-        <p:nvSpPr>
-          <p:cNvPr id="2" name="Title 1">
-            <a:extLst>
-              <a:ext uri="{FF2B5EF4-FFF2-40B4-BE49-F238E27FC236}">
-                <a16:creationId xmlns:a16="http://schemas.microsoft.com/office/drawing/2014/main" id="{085B9FC7-B83C-6D45-9658-A1E39C6535DC}"/>
-              </a:ext>
-            </a:extLst>
-          </p:cNvPr>
-          <p:cNvSpPr>
-            <a:spLocks noGrp="1"/>
-          </p:cNvSpPr>
-          <p:nvPr>
-            <p:ph type="title"/>
-          </p:nvPr>
-        </p:nvSpPr>
-        <p:spPr>
-          <a:xfrm>
-            <a:off x="838200" y="343860"/>
-            <a:ext cx="10515600" cy="517377"/>
-          </a:xfrm>
-        </p:spPr>
-        <p:txBody>
-          <a:bodyPr>
-            <a:noAutofit/>
-          </a:bodyPr>
-          <a:lstStyle/>
-          <a:p>
-            <a:r>
-              <a:rPr lang="en-US" sz="2800" dirty="0"/>
-              <a:t>Adjacency matrix – scoring</a:t>
-            </a:r>
-          </a:p>
-        </p:txBody>
-      </p:sp>
-    </p:spTree>
-    <p:extLst>
-      <p:ext uri="{BB962C8B-B14F-4D97-AF65-F5344CB8AC3E}">
-        <p14:creationId xmlns:p14="http://schemas.microsoft.com/office/powerpoint/2010/main" val="894531052"/>
-      </p:ext>
-    </p:extLst>
-  </p:cSld>
-  <p:clrMapOvr>
-    <a:masterClrMapping/>
-  </p:clrMapOvr>
-</p:sld>
-</file>
-
-<file path=ppt/slides/slide14.xml><?xml version="1.0" encoding="utf-8"?>
-<p:sld xmlns:a="http://schemas.openxmlformats.org/drawingml/2006/main" xmlns:r="http://schemas.openxmlformats.org/officeDocument/2006/relationships" xmlns:p="http://schemas.openxmlformats.org/presentationml/2006/main" show="0">
   <p:cSld>
     <p:spTree>
       <p:nvGrpSpPr>
